--- a/Презентация1.pptx
+++ b/Презентация1.pptx
@@ -8,6 +8,8 @@
     <p:sldId id="256" r:id="rId2"/>
     <p:sldId id="257" r:id="rId3"/>
     <p:sldId id="258" r:id="rId4"/>
+    <p:sldId id="259" r:id="rId5"/>
+    <p:sldId id="260" r:id="rId6"/>
   </p:sldIdLst>
   <p:sldSz cx="12192000" cy="6858000"/>
   <p:notesSz cx="6858000" cy="9144000"/>
@@ -106,6 +108,11 @@
       </a:defRPr>
     </a:lvl9pPr>
   </p:defaultTextStyle>
+  <p:extLst>
+    <p:ext uri="{EFAFB233-063F-42B5-8137-9DF3F51BA10A}">
+      <p15:sldGuideLst xmlns:p15="http://schemas.microsoft.com/office/powerpoint/2012/main"/>
+    </p:ext>
+  </p:extLst>
 </p:presentation>
 </file>
 
@@ -240,7 +247,7 @@
           <a:p>
             <a:fld id="{5764A7B3-D769-46DF-B956-4056A85F8FC2}" type="datetimeFigureOut">
               <a:rPr lang="ru-RU" smtClean="0"/>
-              <a:t>17.01.2021</a:t>
+              <a:t>21.01.2021</a:t>
             </a:fld>
             <a:endParaRPr lang="ru-RU"/>
           </a:p>
@@ -410,7 +417,7 @@
           <a:p>
             <a:fld id="{5764A7B3-D769-46DF-B956-4056A85F8FC2}" type="datetimeFigureOut">
               <a:rPr lang="ru-RU" smtClean="0"/>
-              <a:t>17.01.2021</a:t>
+              <a:t>21.01.2021</a:t>
             </a:fld>
             <a:endParaRPr lang="ru-RU"/>
           </a:p>
@@ -590,7 +597,7 @@
           <a:p>
             <a:fld id="{5764A7B3-D769-46DF-B956-4056A85F8FC2}" type="datetimeFigureOut">
               <a:rPr lang="ru-RU" smtClean="0"/>
-              <a:t>17.01.2021</a:t>
+              <a:t>21.01.2021</a:t>
             </a:fld>
             <a:endParaRPr lang="ru-RU"/>
           </a:p>
@@ -760,7 +767,7 @@
           <a:p>
             <a:fld id="{5764A7B3-D769-46DF-B956-4056A85F8FC2}" type="datetimeFigureOut">
               <a:rPr lang="ru-RU" smtClean="0"/>
-              <a:t>17.01.2021</a:t>
+              <a:t>21.01.2021</a:t>
             </a:fld>
             <a:endParaRPr lang="ru-RU"/>
           </a:p>
@@ -1006,7 +1013,7 @@
           <a:p>
             <a:fld id="{5764A7B3-D769-46DF-B956-4056A85F8FC2}" type="datetimeFigureOut">
               <a:rPr lang="ru-RU" smtClean="0"/>
-              <a:t>17.01.2021</a:t>
+              <a:t>21.01.2021</a:t>
             </a:fld>
             <a:endParaRPr lang="ru-RU"/>
           </a:p>
@@ -1238,7 +1245,7 @@
           <a:p>
             <a:fld id="{5764A7B3-D769-46DF-B956-4056A85F8FC2}" type="datetimeFigureOut">
               <a:rPr lang="ru-RU" smtClean="0"/>
-              <a:t>17.01.2021</a:t>
+              <a:t>21.01.2021</a:t>
             </a:fld>
             <a:endParaRPr lang="ru-RU"/>
           </a:p>
@@ -1605,7 +1612,7 @@
           <a:p>
             <a:fld id="{5764A7B3-D769-46DF-B956-4056A85F8FC2}" type="datetimeFigureOut">
               <a:rPr lang="ru-RU" smtClean="0"/>
-              <a:t>17.01.2021</a:t>
+              <a:t>21.01.2021</a:t>
             </a:fld>
             <a:endParaRPr lang="ru-RU"/>
           </a:p>
@@ -1723,7 +1730,7 @@
           <a:p>
             <a:fld id="{5764A7B3-D769-46DF-B956-4056A85F8FC2}" type="datetimeFigureOut">
               <a:rPr lang="ru-RU" smtClean="0"/>
-              <a:t>17.01.2021</a:t>
+              <a:t>21.01.2021</a:t>
             </a:fld>
             <a:endParaRPr lang="ru-RU"/>
           </a:p>
@@ -1818,7 +1825,7 @@
           <a:p>
             <a:fld id="{5764A7B3-D769-46DF-B956-4056A85F8FC2}" type="datetimeFigureOut">
               <a:rPr lang="ru-RU" smtClean="0"/>
-              <a:t>17.01.2021</a:t>
+              <a:t>21.01.2021</a:t>
             </a:fld>
             <a:endParaRPr lang="ru-RU"/>
           </a:p>
@@ -2095,7 +2102,7 @@
           <a:p>
             <a:fld id="{5764A7B3-D769-46DF-B956-4056A85F8FC2}" type="datetimeFigureOut">
               <a:rPr lang="ru-RU" smtClean="0"/>
-              <a:t>17.01.2021</a:t>
+              <a:t>21.01.2021</a:t>
             </a:fld>
             <a:endParaRPr lang="ru-RU"/>
           </a:p>
@@ -2348,7 +2355,7 @@
           <a:p>
             <a:fld id="{5764A7B3-D769-46DF-B956-4056A85F8FC2}" type="datetimeFigureOut">
               <a:rPr lang="ru-RU" smtClean="0"/>
-              <a:t>17.01.2021</a:t>
+              <a:t>21.01.2021</a:t>
             </a:fld>
             <a:endParaRPr lang="ru-RU"/>
           </a:p>
@@ -2561,7 +2568,7 @@
           <a:p>
             <a:fld id="{5764A7B3-D769-46DF-B956-4056A85F8FC2}" type="datetimeFigureOut">
               <a:rPr lang="ru-RU" smtClean="0"/>
-              <a:t>17.01.2021</a:t>
+              <a:t>21.01.2021</a:t>
             </a:fld>
             <a:endParaRPr lang="ru-RU"/>
           </a:p>
@@ -3014,6 +3021,13 @@
   <p:clrMapOvr>
     <a:masterClrMapping/>
   </p:clrMapOvr>
+  <p:timing>
+    <p:tnLst>
+      <p:par>
+        <p:cTn id="1" dur="indefinite" restart="never" nodeType="tmRoot"/>
+      </p:par>
+    </p:tnLst>
+  </p:timing>
 </p:sld>
 </file>
 
@@ -3079,7 +3093,7 @@
             </a:pPr>
             <a:r>
               <a:rPr lang="ru-RU" sz="1400" dirty="0" smtClean="0"/>
-              <a:t>Обзор </a:t>
+              <a:t>Актуальность </a:t>
             </a:r>
             <a:r>
               <a:rPr lang="ru-RU" sz="1400" dirty="0" err="1" smtClean="0"/>
@@ -3087,8 +3101,13 @@
             </a:r>
             <a:r>
               <a:rPr lang="ru-RU" sz="1400" dirty="0" smtClean="0"/>
-              <a:t> систем (1 слайд с ключевыми компаниями их достоинствами и недостатками)</a:t>
-            </a:r>
+              <a:t> </a:t>
+            </a:r>
+            <a:r>
+              <a:rPr lang="ru-RU" sz="1400" dirty="0" smtClean="0"/>
+              <a:t>систем</a:t>
+            </a:r>
+            <a:endParaRPr lang="ru-RU" sz="1400" dirty="0" smtClean="0"/>
           </a:p>
           <a:p>
             <a:pPr marL="514350" indent="-514350">
@@ -3096,15 +3115,7 @@
             </a:pPr>
             <a:r>
               <a:rPr lang="ru-RU" sz="1400" dirty="0" smtClean="0"/>
-              <a:t>Структура нашей системы с </a:t>
-            </a:r>
-            <a:r>
-              <a:rPr lang="en-US" sz="1400" dirty="0" smtClean="0"/>
-              <a:t>firebase (1 </a:t>
-            </a:r>
-            <a:r>
-              <a:rPr lang="ru-RU" sz="1400" dirty="0" smtClean="0"/>
-              <a:t>слайд)</a:t>
+              <a:t>Постановка задачи</a:t>
             </a:r>
           </a:p>
           <a:p>
@@ -3113,8 +3124,25 @@
             </a:pPr>
             <a:r>
               <a:rPr lang="ru-RU" sz="1400" dirty="0" smtClean="0"/>
-              <a:t>Диммер и способы диммирования по фронту, по спаду (1 слайд)</a:t>
-            </a:r>
+              <a:t>Обзор </a:t>
+            </a:r>
+            <a:r>
+              <a:rPr lang="ru-RU" sz="1400" dirty="0" err="1" smtClean="0"/>
+              <a:t>киб</a:t>
+            </a:r>
+            <a:r>
+              <a:rPr lang="ru-RU" sz="1400" dirty="0" smtClean="0"/>
+              <a:t> систем </a:t>
+            </a:r>
+            <a:r>
+              <a:rPr lang="ru-RU" sz="1400" dirty="0"/>
+              <a:t>(1 слайд с ключевыми компаниями их достоинствами и недостатками</a:t>
+            </a:r>
+            <a:r>
+              <a:rPr lang="ru-RU" sz="1400" dirty="0" smtClean="0"/>
+              <a:t>)</a:t>
+            </a:r>
+            <a:endParaRPr lang="ru-RU" sz="1400" dirty="0"/>
           </a:p>
           <a:p>
             <a:pPr marL="514350" indent="-514350">
@@ -3122,23 +3150,7 @@
             </a:pPr>
             <a:r>
               <a:rPr lang="ru-RU" sz="1400" dirty="0" smtClean="0"/>
-              <a:t>Вывод по выбранному способу диммирования, почему по спаду лучше (1 слайд) (потенциально много </a:t>
-            </a:r>
-            <a:r>
-              <a:rPr lang="ru-RU" sz="1400" dirty="0" err="1" smtClean="0"/>
-              <a:t>доп</a:t>
-            </a:r>
-            <a:r>
-              <a:rPr lang="ru-RU" sz="1400" dirty="0" smtClean="0"/>
-              <a:t> вопросов почему блоки питания светодиодных ламп и </a:t>
-            </a:r>
-            <a:r>
-              <a:rPr lang="ru-RU" sz="1400" dirty="0" err="1" smtClean="0"/>
-              <a:t>тд</a:t>
-            </a:r>
-            <a:r>
-              <a:rPr lang="ru-RU" sz="1400" dirty="0" smtClean="0"/>
-              <a:t> плохо воспринимают фронт)</a:t>
+              <a:t>Рассказываем про функциональность диммера</a:t>
             </a:r>
           </a:p>
           <a:p>
@@ -3152,11 +3164,20 @@
           </a:p>
           <a:p>
             <a:pPr marL="514350" indent="-514350">
+              <a:buFont typeface="Arial" panose="020B0604020202020204" pitchFamily="34" charset="0"/>
               <a:buAutoNum type="arabicPeriod"/>
             </a:pPr>
             <a:r>
               <a:rPr lang="ru-RU" sz="1400" dirty="0" smtClean="0"/>
-              <a:t>Принципиальная эл. Схема (могут быть вопросы по работе п/п приборов) (1 слайд)</a:t>
+              <a:t>Принципиальная эл. Схема (можно но </a:t>
+            </a:r>
+            <a:r>
+              <a:rPr lang="ru-RU" sz="1400" dirty="0"/>
+              <a:t>мелко) Моделирование схемы. Картинки</a:t>
+            </a:r>
+            <a:r>
+              <a:rPr lang="ru-RU" sz="1400" dirty="0" smtClean="0"/>
+              <a:t>.  (могут быть вопросы по работе п/п приборов) (1 слайд)</a:t>
             </a:r>
           </a:p>
           <a:p>
@@ -3255,6 +3276,13 @@
   <p:clrMapOvr>
     <a:masterClrMapping/>
   </p:clrMapOvr>
+  <p:timing>
+    <p:tnLst>
+      <p:par>
+        <p:cTn id="1" dur="indefinite" restart="never" nodeType="tmRoot"/>
+      </p:par>
+    </p:tnLst>
+  </p:timing>
 </p:sld>
 </file>
 
@@ -3285,67 +3313,157 @@
             <p:ph type="title"/>
           </p:nvPr>
         </p:nvSpPr>
-        <p:spPr/>
-        <p:txBody>
-          <a:bodyPr/>
-          <a:lstStyle/>
-          <a:p>
+        <p:spPr>
+          <a:xfrm>
+            <a:off x="838200" y="365126"/>
+            <a:ext cx="10515600" cy="798646"/>
+          </a:xfrm>
+        </p:spPr>
+        <p:txBody>
+          <a:bodyPr>
+            <a:normAutofit/>
+          </a:bodyPr>
+          <a:lstStyle/>
+          <a:p>
+            <a:pPr algn="ctr"/>
+            <a:r>
+              <a:rPr lang="ru-RU" sz="3200" dirty="0" smtClean="0"/>
+              <a:t>Концепция</a:t>
+            </a:r>
+            <a:r>
+              <a:rPr lang="ru-RU" sz="3200" dirty="0" smtClean="0"/>
+              <a:t> </a:t>
+            </a:r>
+            <a:r>
+              <a:rPr lang="ru-RU" sz="3200" dirty="0" err="1" smtClean="0"/>
+              <a:t>киберфизических</a:t>
+            </a:r>
+            <a:r>
+              <a:rPr lang="ru-RU" sz="3200" dirty="0" smtClean="0"/>
+              <a:t> систем</a:t>
+            </a:r>
+            <a:endParaRPr lang="ru-RU" sz="3200" dirty="0"/>
+          </a:p>
+        </p:txBody>
+      </p:sp>
+      <p:sp>
+        <p:nvSpPr>
+          <p:cNvPr id="3" name="Объект 2"/>
+          <p:cNvSpPr>
+            <a:spLocks noGrp="1"/>
+          </p:cNvSpPr>
+          <p:nvPr>
+            <p:ph idx="1"/>
+          </p:nvPr>
+        </p:nvSpPr>
+        <p:spPr>
+          <a:xfrm>
+            <a:off x="838200" y="1768969"/>
+            <a:ext cx="4540624" cy="1930587"/>
+          </a:xfrm>
+        </p:spPr>
+        <p:txBody>
+          <a:bodyPr>
+            <a:normAutofit/>
+          </a:bodyPr>
+          <a:lstStyle/>
+          <a:p>
+            <a:pPr marL="0" indent="0" algn="just">
+              <a:buNone/>
+            </a:pPr>
+            <a:r>
+              <a:rPr lang="ru-RU" sz="1800" dirty="0" err="1"/>
+              <a:t>Киберфизическая</a:t>
+            </a:r>
+            <a:r>
+              <a:rPr lang="ru-RU" sz="1800" dirty="0"/>
+              <a:t> система - информационно-технологическая система сбора и хранения информации об объектах окружающей среды, и осуществляющая контроль за показателями электронных устройств, взаимодействующих с физическим миром.</a:t>
+            </a:r>
+          </a:p>
+        </p:txBody>
+      </p:sp>
+      <p:sp>
+        <p:nvSpPr>
+          <p:cNvPr id="5" name="TextBox 4"/>
+          <p:cNvSpPr txBox="1"/>
+          <p:nvPr/>
+        </p:nvSpPr>
+        <p:spPr>
+          <a:xfrm>
+            <a:off x="838200" y="4304753"/>
+            <a:ext cx="4540624" cy="646331"/>
+          </a:xfrm>
+          <a:prstGeom prst="rect">
+            <a:avLst/>
+          </a:prstGeom>
+          <a:noFill/>
+        </p:spPr>
+        <p:txBody>
+          <a:bodyPr wrap="square" rtlCol="0">
+            <a:spAutoFit/>
+          </a:bodyPr>
+          <a:lstStyle/>
+          <a:p>
+            <a:pPr algn="just"/>
             <a:r>
               <a:rPr lang="ru-RU" dirty="0" smtClean="0"/>
-              <a:t>Обзор </a:t>
-            </a:r>
-            <a:r>
-              <a:rPr lang="ru-RU" dirty="0" err="1" smtClean="0"/>
-              <a:t>киберфизических</a:t>
-            </a:r>
-            <a:r>
-              <a:rPr lang="ru-RU" dirty="0" smtClean="0"/>
-              <a:t> систем</a:t>
+              <a:t>Пример киберфизической системы – «Умный дом»</a:t>
             </a:r>
             <a:endParaRPr lang="ru-RU" dirty="0"/>
           </a:p>
         </p:txBody>
       </p:sp>
-      <p:sp>
-        <p:nvSpPr>
-          <p:cNvPr id="3" name="Объект 2"/>
-          <p:cNvSpPr>
-            <a:spLocks noGrp="1"/>
-          </p:cNvSpPr>
-          <p:nvPr>
-            <p:ph idx="1"/>
-          </p:nvPr>
-        </p:nvSpPr>
-        <p:spPr/>
-        <p:txBody>
-          <a:bodyPr/>
-          <a:lstStyle/>
-          <a:p>
-            <a:r>
-              <a:rPr lang="ru-RU" dirty="0" smtClean="0"/>
-              <a:t>1. </a:t>
-            </a:r>
-            <a:r>
-              <a:rPr lang="en-US" dirty="0" smtClean="0"/>
-              <a:t>Xiaomi </a:t>
-            </a:r>
-          </a:p>
-          <a:p>
-            <a:r>
-              <a:rPr lang="en-US" dirty="0" smtClean="0"/>
-              <a:t>2. </a:t>
-            </a:r>
-            <a:r>
-              <a:rPr lang="en-US" dirty="0" err="1" smtClean="0"/>
-              <a:t>Fibaro</a:t>
-            </a:r>
-            <a:endParaRPr lang="en-US" dirty="0" smtClean="0"/>
-          </a:p>
-          <a:p>
-            <a:r>
-              <a:rPr lang="en-US" dirty="0" smtClean="0"/>
-              <a:t>3. Redmond</a:t>
-            </a:r>
+      <p:pic>
+        <p:nvPicPr>
+          <p:cNvPr id="6" name="Рисунок 5"/>
+          <p:cNvPicPr>
+            <a:picLocks noChangeAspect="1"/>
+          </p:cNvPicPr>
+          <p:nvPr/>
+        </p:nvPicPr>
+        <p:blipFill rotWithShape="1">
+          <a:blip r:embed="rId2"/>
+          <a:srcRect t="5756"/>
+          <a:stretch/>
+        </p:blipFill>
+        <p:spPr>
+          <a:xfrm>
+            <a:off x="6387353" y="1298708"/>
+            <a:ext cx="4912659" cy="5058441"/>
+          </a:xfrm>
+          <a:prstGeom prst="rect">
+            <a:avLst/>
+          </a:prstGeom>
+        </p:spPr>
+      </p:pic>
+      <p:sp>
+        <p:nvSpPr>
+          <p:cNvPr id="7" name="TextBox 6"/>
+          <p:cNvSpPr txBox="1"/>
+          <p:nvPr/>
+        </p:nvSpPr>
+        <p:spPr>
+          <a:xfrm>
+            <a:off x="6387352" y="6353246"/>
+            <a:ext cx="4912659" cy="338554"/>
+          </a:xfrm>
+          <a:prstGeom prst="rect">
+            <a:avLst/>
+          </a:prstGeom>
+          <a:noFill/>
+        </p:spPr>
+        <p:txBody>
+          <a:bodyPr wrap="square" rtlCol="0">
+            <a:spAutoFit/>
+          </a:bodyPr>
+          <a:lstStyle/>
+          <a:p>
+            <a:pPr algn="ctr"/>
+            <a:r>
+              <a:rPr lang="ru-RU" sz="1600" dirty="0" smtClean="0"/>
+              <a:t>Концептуальная схема киберфизической системы</a:t>
+            </a:r>
+            <a:endParaRPr lang="ru-RU" sz="1600" dirty="0"/>
           </a:p>
         </p:txBody>
       </p:sp>
@@ -3359,6 +3477,1273 @@
   <p:clrMapOvr>
     <a:masterClrMapping/>
   </p:clrMapOvr>
+  <p:timing>
+    <p:tnLst>
+      <p:par>
+        <p:cTn id="1" dur="indefinite" restart="never" nodeType="tmRoot"/>
+      </p:par>
+    </p:tnLst>
+  </p:timing>
+</p:sld>
+</file>
+
+<file path=ppt/slides/slide4.xml><?xml version="1.0" encoding="utf-8"?>
+<p:sld xmlns:a="http://schemas.openxmlformats.org/drawingml/2006/main" xmlns:r="http://schemas.openxmlformats.org/officeDocument/2006/relationships" xmlns:p="http://schemas.openxmlformats.org/presentationml/2006/main">
+  <p:cSld>
+    <p:spTree>
+      <p:nvGrpSpPr>
+        <p:cNvPr id="1" name=""/>
+        <p:cNvGrpSpPr/>
+        <p:nvPr/>
+      </p:nvGrpSpPr>
+      <p:grpSpPr>
+        <a:xfrm>
+          <a:off x="0" y="0"/>
+          <a:ext cx="0" cy="0"/>
+          <a:chOff x="0" y="0"/>
+          <a:chExt cx="0" cy="0"/>
+        </a:xfrm>
+      </p:grpSpPr>
+      <p:sp>
+        <p:nvSpPr>
+          <p:cNvPr id="2" name="Заголовок 1"/>
+          <p:cNvSpPr>
+            <a:spLocks noGrp="1"/>
+          </p:cNvSpPr>
+          <p:nvPr>
+            <p:ph type="title"/>
+          </p:nvPr>
+        </p:nvSpPr>
+        <p:spPr>
+          <a:xfrm>
+            <a:off x="838200" y="365125"/>
+            <a:ext cx="10515600" cy="746499"/>
+          </a:xfrm>
+        </p:spPr>
+        <p:txBody>
+          <a:bodyPr>
+            <a:normAutofit/>
+          </a:bodyPr>
+          <a:lstStyle/>
+          <a:p>
+            <a:r>
+              <a:rPr lang="ru-RU" sz="3200" dirty="0" smtClean="0"/>
+              <a:t>Постановка задачи</a:t>
+            </a:r>
+            <a:endParaRPr lang="ru-RU" sz="3200" dirty="0"/>
+          </a:p>
+        </p:txBody>
+      </p:sp>
+      <p:sp>
+        <p:nvSpPr>
+          <p:cNvPr id="3" name="Объект 2"/>
+          <p:cNvSpPr>
+            <a:spLocks noGrp="1"/>
+          </p:cNvSpPr>
+          <p:nvPr>
+            <p:ph idx="1"/>
+          </p:nvPr>
+        </p:nvSpPr>
+        <p:spPr>
+          <a:xfrm>
+            <a:off x="838200" y="2013883"/>
+            <a:ext cx="4558553" cy="2325034"/>
+          </a:xfrm>
+        </p:spPr>
+        <p:txBody>
+          <a:bodyPr>
+            <a:normAutofit/>
+          </a:bodyPr>
+          <a:lstStyle/>
+          <a:p>
+            <a:pPr marL="514350" indent="-514350" algn="just">
+              <a:buFont typeface="+mj-lt"/>
+              <a:buAutoNum type="arabicPeriod"/>
+            </a:pPr>
+            <a:r>
+              <a:rPr lang="ru-RU" sz="1800" dirty="0" smtClean="0"/>
+              <a:t>Разработать электронное устройство </a:t>
+            </a:r>
+            <a:r>
+              <a:rPr lang="ru-RU" sz="1800" dirty="0"/>
+              <a:t>регулировки мощности осветительных приборов сети </a:t>
+            </a:r>
+            <a:r>
+              <a:rPr lang="ru-RU" sz="1800" dirty="0" smtClean="0"/>
+              <a:t>220В</a:t>
+            </a:r>
+            <a:r>
+              <a:rPr lang="ru-RU" sz="1800" dirty="0"/>
+              <a:t> </a:t>
+            </a:r>
+            <a:r>
+              <a:rPr lang="ru-RU" sz="1800" dirty="0" smtClean="0"/>
+              <a:t>для системы «Умный дом»</a:t>
+            </a:r>
+          </a:p>
+          <a:p>
+            <a:pPr marL="514350" indent="-514350" algn="just">
+              <a:buFont typeface="+mj-lt"/>
+              <a:buAutoNum type="arabicPeriod"/>
+            </a:pPr>
+            <a:r>
+              <a:rPr lang="ru-RU" sz="1800" dirty="0" smtClean="0"/>
+              <a:t>Создать пользовательский </a:t>
+            </a:r>
+            <a:r>
+              <a:rPr lang="en-US" sz="1800" dirty="0"/>
+              <a:t>Web</a:t>
+            </a:r>
+            <a:r>
+              <a:rPr lang="ru-RU" sz="1800" dirty="0" smtClean="0"/>
+              <a:t>-интерфейс </a:t>
+            </a:r>
+            <a:r>
+              <a:rPr lang="ru-RU" sz="1800" dirty="0"/>
+              <a:t>для удаленного управления устройствами системы «Умный дом</a:t>
+            </a:r>
+            <a:r>
+              <a:rPr lang="ru-RU" sz="1800" dirty="0" smtClean="0"/>
+              <a:t>».</a:t>
+            </a:r>
+            <a:endParaRPr lang="en-US" sz="1800" dirty="0" smtClean="0"/>
+          </a:p>
+        </p:txBody>
+      </p:sp>
+      <p:pic>
+        <p:nvPicPr>
+          <p:cNvPr id="4" name="Рисунок 3"/>
+          <p:cNvPicPr>
+            <a:picLocks noChangeAspect="1"/>
+          </p:cNvPicPr>
+          <p:nvPr/>
+        </p:nvPicPr>
+        <p:blipFill>
+          <a:blip r:embed="rId2"/>
+          <a:stretch>
+            <a:fillRect/>
+          </a:stretch>
+        </p:blipFill>
+        <p:spPr>
+          <a:xfrm>
+            <a:off x="5396753" y="1111624"/>
+            <a:ext cx="6214012" cy="4500282"/>
+          </a:xfrm>
+          <a:prstGeom prst="rect">
+            <a:avLst/>
+          </a:prstGeom>
+        </p:spPr>
+      </p:pic>
+      <p:sp>
+        <p:nvSpPr>
+          <p:cNvPr id="5" name="TextBox 4"/>
+          <p:cNvSpPr txBox="1"/>
+          <p:nvPr/>
+        </p:nvSpPr>
+        <p:spPr>
+          <a:xfrm>
+            <a:off x="5396753" y="5809129"/>
+            <a:ext cx="6355976" cy="584775"/>
+          </a:xfrm>
+          <a:prstGeom prst="rect">
+            <a:avLst/>
+          </a:prstGeom>
+          <a:noFill/>
+        </p:spPr>
+        <p:txBody>
+          <a:bodyPr wrap="square" rtlCol="0">
+            <a:spAutoFit/>
+          </a:bodyPr>
+          <a:lstStyle/>
+          <a:p>
+            <a:pPr algn="ctr"/>
+            <a:r>
+              <a:rPr lang="ru-RU" sz="1600" dirty="0" smtClean="0"/>
+              <a:t>Структурная схема системы «Умный дом» (сиреневым обозначены разрабатываемые узлы)</a:t>
+            </a:r>
+            <a:endParaRPr lang="ru-RU" sz="1600" dirty="0"/>
+          </a:p>
+        </p:txBody>
+      </p:sp>
+    </p:spTree>
+    <p:extLst>
+      <p:ext uri="{BB962C8B-B14F-4D97-AF65-F5344CB8AC3E}">
+        <p14:creationId xmlns:p14="http://schemas.microsoft.com/office/powerpoint/2010/main" val="3496867006"/>
+      </p:ext>
+    </p:extLst>
+  </p:cSld>
+  <p:clrMapOvr>
+    <a:masterClrMapping/>
+  </p:clrMapOvr>
+  <p:timing>
+    <p:tnLst>
+      <p:par>
+        <p:cTn id="1" dur="indefinite" restart="never" nodeType="tmRoot"/>
+      </p:par>
+    </p:tnLst>
+  </p:timing>
+</p:sld>
+</file>
+
+<file path=ppt/slides/slide5.xml><?xml version="1.0" encoding="utf-8"?>
+<p:sld xmlns:a="http://schemas.openxmlformats.org/drawingml/2006/main" xmlns:r="http://schemas.openxmlformats.org/officeDocument/2006/relationships" xmlns:p="http://schemas.openxmlformats.org/presentationml/2006/main">
+  <p:cSld>
+    <p:spTree>
+      <p:nvGrpSpPr>
+        <p:cNvPr id="1" name=""/>
+        <p:cNvGrpSpPr/>
+        <p:nvPr/>
+      </p:nvGrpSpPr>
+      <p:grpSpPr>
+        <a:xfrm>
+          <a:off x="0" y="0"/>
+          <a:ext cx="0" cy="0"/>
+          <a:chOff x="0" y="0"/>
+          <a:chExt cx="0" cy="0"/>
+        </a:xfrm>
+      </p:grpSpPr>
+      <p:sp>
+        <p:nvSpPr>
+          <p:cNvPr id="2" name="Заголовок 1"/>
+          <p:cNvSpPr>
+            <a:spLocks noGrp="1"/>
+          </p:cNvSpPr>
+          <p:nvPr>
+            <p:ph type="title"/>
+          </p:nvPr>
+        </p:nvSpPr>
+        <p:spPr/>
+        <p:txBody>
+          <a:bodyPr>
+            <a:normAutofit/>
+          </a:bodyPr>
+          <a:lstStyle/>
+          <a:p>
+            <a:r>
+              <a:rPr lang="ru-RU" sz="3200" dirty="0" smtClean="0"/>
+              <a:t>Обзор рынка систем «Умный дом»</a:t>
+            </a:r>
+            <a:endParaRPr lang="ru-RU" sz="3200" dirty="0"/>
+          </a:p>
+        </p:txBody>
+      </p:sp>
+      <p:graphicFrame>
+        <p:nvGraphicFramePr>
+          <p:cNvPr id="10" name="Объект 4"/>
+          <p:cNvGraphicFramePr>
+            <a:graphicFrameLocks noGrp="1"/>
+          </p:cNvGraphicFramePr>
+          <p:nvPr>
+            <p:ph idx="1"/>
+            <p:extLst>
+              <p:ext uri="{D42A27DB-BD31-4B8C-83A1-F6EECF244321}">
+                <p14:modId xmlns:p14="http://schemas.microsoft.com/office/powerpoint/2010/main" val="1900592035"/>
+              </p:ext>
+            </p:extLst>
+          </p:nvPr>
+        </p:nvGraphicFramePr>
+        <p:xfrm>
+          <a:off x="563880" y="1868558"/>
+          <a:ext cx="11074844" cy="3492133"/>
+        </p:xfrm>
+        <a:graphic>
+          <a:graphicData uri="http://schemas.openxmlformats.org/drawingml/2006/table">
+            <a:tbl>
+              <a:tblPr firstRow="1" bandRow="1">
+                <a:tableStyleId>{F2DE63D5-997A-4646-A377-4702673A728D}</a:tableStyleId>
+              </a:tblPr>
+              <a:tblGrid>
+                <a:gridCol w="2768711">
+                  <a:extLst>
+                    <a:ext uri="{9D8B030D-6E8A-4147-A177-3AD203B41FA5}">
+                      <a16:colId xmlns:a16="http://schemas.microsoft.com/office/drawing/2014/main" val="1848248282"/>
+                    </a:ext>
+                  </a:extLst>
+                </a:gridCol>
+                <a:gridCol w="2768711">
+                  <a:extLst>
+                    <a:ext uri="{9D8B030D-6E8A-4147-A177-3AD203B41FA5}">
+                      <a16:colId xmlns:a16="http://schemas.microsoft.com/office/drawing/2014/main" val="3123912347"/>
+                    </a:ext>
+                  </a:extLst>
+                </a:gridCol>
+                <a:gridCol w="2768711">
+                  <a:extLst>
+                    <a:ext uri="{9D8B030D-6E8A-4147-A177-3AD203B41FA5}">
+                      <a16:colId xmlns:a16="http://schemas.microsoft.com/office/drawing/2014/main" val="356339034"/>
+                    </a:ext>
+                  </a:extLst>
+                </a:gridCol>
+                <a:gridCol w="2768711">
+                  <a:extLst>
+                    <a:ext uri="{9D8B030D-6E8A-4147-A177-3AD203B41FA5}">
+                      <a16:colId xmlns:a16="http://schemas.microsoft.com/office/drawing/2014/main" val="4130254323"/>
+                    </a:ext>
+                  </a:extLst>
+                </a:gridCol>
+              </a:tblGrid>
+              <a:tr h="355026">
+                <a:tc>
+                  <a:txBody>
+                    <a:bodyPr/>
+                    <a:lstStyle/>
+                    <a:p>
+                      <a:endParaRPr lang="ru-RU" dirty="0">
+                        <a:solidFill>
+                          <a:schemeClr val="tx1">
+                            <a:lumMod val="75000"/>
+                            <a:lumOff val="25000"/>
+                          </a:schemeClr>
+                        </a:solidFill>
+                      </a:endParaRPr>
+                    </a:p>
+                  </a:txBody>
+                  <a:tcPr>
+                    <a:lnL w="12700" cap="flat" cmpd="sng" algn="ctr">
+                      <a:solidFill>
+                        <a:srgbClr val="D1BCD2"/>
+                      </a:solidFill>
+                      <a:prstDash val="solid"/>
+                      <a:round/>
+                      <a:headEnd type="none" w="med" len="med"/>
+                      <a:tailEnd type="none" w="med" len="med"/>
+                    </a:lnL>
+                    <a:lnR w="12700" cap="flat" cmpd="sng" algn="ctr">
+                      <a:solidFill>
+                        <a:srgbClr val="D1BCD2"/>
+                      </a:solidFill>
+                      <a:prstDash val="solid"/>
+                      <a:round/>
+                      <a:headEnd type="none" w="med" len="med"/>
+                      <a:tailEnd type="none" w="med" len="med"/>
+                    </a:lnR>
+                    <a:lnT w="12700" cap="flat" cmpd="sng" algn="ctr">
+                      <a:solidFill>
+                        <a:srgbClr val="D1BCD2"/>
+                      </a:solidFill>
+                      <a:prstDash val="solid"/>
+                      <a:round/>
+                      <a:headEnd type="none" w="med" len="med"/>
+                      <a:tailEnd type="none" w="med" len="med"/>
+                    </a:lnT>
+                    <a:lnB w="12700" cap="flat" cmpd="sng" algn="ctr">
+                      <a:solidFill>
+                        <a:srgbClr val="D1BCD2"/>
+                      </a:solidFill>
+                      <a:prstDash val="solid"/>
+                      <a:round/>
+                      <a:headEnd type="none" w="med" len="med"/>
+                      <a:tailEnd type="none" w="med" len="med"/>
+                    </a:lnB>
+                    <a:lnTlToBr w="12700" cmpd="sng">
+                      <a:noFill/>
+                      <a:prstDash val="solid"/>
+                    </a:lnTlToBr>
+                    <a:lnBlToTr w="12700" cmpd="sng">
+                      <a:noFill/>
+                      <a:prstDash val="solid"/>
+                    </a:lnBlToTr>
+                    <a:solidFill>
+                      <a:srgbClr val="D1BCD2"/>
+                    </a:solidFill>
+                  </a:tcPr>
+                </a:tc>
+                <a:tc>
+                  <a:txBody>
+                    <a:bodyPr/>
+                    <a:lstStyle/>
+                    <a:p>
+                      <a:r>
+                        <a:rPr lang="en-US" dirty="0" smtClean="0">
+                          <a:solidFill>
+                            <a:schemeClr val="tx1">
+                              <a:lumMod val="65000"/>
+                              <a:lumOff val="35000"/>
+                            </a:schemeClr>
+                          </a:solidFill>
+                        </a:rPr>
+                        <a:t>Xiaomi</a:t>
+                      </a:r>
+                      <a:endParaRPr lang="ru-RU" dirty="0">
+                        <a:solidFill>
+                          <a:schemeClr val="tx1">
+                            <a:lumMod val="65000"/>
+                            <a:lumOff val="35000"/>
+                          </a:schemeClr>
+                        </a:solidFill>
+                      </a:endParaRPr>
+                    </a:p>
+                  </a:txBody>
+                  <a:tcPr>
+                    <a:lnL w="12700" cap="flat" cmpd="sng" algn="ctr">
+                      <a:solidFill>
+                        <a:srgbClr val="D1BCD2"/>
+                      </a:solidFill>
+                      <a:prstDash val="solid"/>
+                      <a:round/>
+                      <a:headEnd type="none" w="med" len="med"/>
+                      <a:tailEnd type="none" w="med" len="med"/>
+                    </a:lnL>
+                    <a:lnR w="12700" cap="flat" cmpd="sng" algn="ctr">
+                      <a:solidFill>
+                        <a:srgbClr val="D1BCD2"/>
+                      </a:solidFill>
+                      <a:prstDash val="solid"/>
+                      <a:round/>
+                      <a:headEnd type="none" w="med" len="med"/>
+                      <a:tailEnd type="none" w="med" len="med"/>
+                    </a:lnR>
+                    <a:lnT w="12700" cap="flat" cmpd="sng" algn="ctr">
+                      <a:solidFill>
+                        <a:srgbClr val="D1BCD2"/>
+                      </a:solidFill>
+                      <a:prstDash val="solid"/>
+                      <a:round/>
+                      <a:headEnd type="none" w="med" len="med"/>
+                      <a:tailEnd type="none" w="med" len="med"/>
+                    </a:lnT>
+                    <a:lnB w="12700" cap="flat" cmpd="sng" algn="ctr">
+                      <a:solidFill>
+                        <a:srgbClr val="D1BCD2"/>
+                      </a:solidFill>
+                      <a:prstDash val="solid"/>
+                      <a:round/>
+                      <a:headEnd type="none" w="med" len="med"/>
+                      <a:tailEnd type="none" w="med" len="med"/>
+                    </a:lnB>
+                    <a:lnTlToBr w="12700" cmpd="sng">
+                      <a:noFill/>
+                      <a:prstDash val="solid"/>
+                    </a:lnTlToBr>
+                    <a:lnBlToTr w="12700" cmpd="sng">
+                      <a:noFill/>
+                      <a:prstDash val="solid"/>
+                    </a:lnBlToTr>
+                    <a:solidFill>
+                      <a:srgbClr val="D1BCD2"/>
+                    </a:solidFill>
+                  </a:tcPr>
+                </a:tc>
+                <a:tc>
+                  <a:txBody>
+                    <a:bodyPr/>
+                    <a:lstStyle/>
+                    <a:p>
+                      <a:r>
+                        <a:rPr lang="en-US" dirty="0" err="1" smtClean="0">
+                          <a:solidFill>
+                            <a:schemeClr val="tx1">
+                              <a:lumMod val="65000"/>
+                              <a:lumOff val="35000"/>
+                            </a:schemeClr>
+                          </a:solidFill>
+                        </a:rPr>
+                        <a:t>Fibaro</a:t>
+                      </a:r>
+                      <a:endParaRPr lang="ru-RU" dirty="0">
+                        <a:solidFill>
+                          <a:schemeClr val="tx1">
+                            <a:lumMod val="65000"/>
+                            <a:lumOff val="35000"/>
+                          </a:schemeClr>
+                        </a:solidFill>
+                      </a:endParaRPr>
+                    </a:p>
+                  </a:txBody>
+                  <a:tcPr>
+                    <a:lnL w="12700" cap="flat" cmpd="sng" algn="ctr">
+                      <a:solidFill>
+                        <a:srgbClr val="D1BCD2"/>
+                      </a:solidFill>
+                      <a:prstDash val="solid"/>
+                      <a:round/>
+                      <a:headEnd type="none" w="med" len="med"/>
+                      <a:tailEnd type="none" w="med" len="med"/>
+                    </a:lnL>
+                    <a:lnR w="12700" cap="flat" cmpd="sng" algn="ctr">
+                      <a:solidFill>
+                        <a:srgbClr val="D1BCD2"/>
+                      </a:solidFill>
+                      <a:prstDash val="solid"/>
+                      <a:round/>
+                      <a:headEnd type="none" w="med" len="med"/>
+                      <a:tailEnd type="none" w="med" len="med"/>
+                    </a:lnR>
+                    <a:lnT w="12700" cap="flat" cmpd="sng" algn="ctr">
+                      <a:solidFill>
+                        <a:srgbClr val="D1BCD2"/>
+                      </a:solidFill>
+                      <a:prstDash val="solid"/>
+                      <a:round/>
+                      <a:headEnd type="none" w="med" len="med"/>
+                      <a:tailEnd type="none" w="med" len="med"/>
+                    </a:lnT>
+                    <a:lnB w="12700" cap="flat" cmpd="sng" algn="ctr">
+                      <a:solidFill>
+                        <a:srgbClr val="D1BCD2"/>
+                      </a:solidFill>
+                      <a:prstDash val="solid"/>
+                      <a:round/>
+                      <a:headEnd type="none" w="med" len="med"/>
+                      <a:tailEnd type="none" w="med" len="med"/>
+                    </a:lnB>
+                    <a:lnTlToBr w="12700" cmpd="sng">
+                      <a:noFill/>
+                      <a:prstDash val="solid"/>
+                    </a:lnTlToBr>
+                    <a:lnBlToTr w="12700" cmpd="sng">
+                      <a:noFill/>
+                      <a:prstDash val="solid"/>
+                    </a:lnBlToTr>
+                    <a:solidFill>
+                      <a:srgbClr val="D1BCD2"/>
+                    </a:solidFill>
+                  </a:tcPr>
+                </a:tc>
+                <a:tc>
+                  <a:txBody>
+                    <a:bodyPr/>
+                    <a:lstStyle/>
+                    <a:p>
+                      <a:r>
+                        <a:rPr lang="en-US" dirty="0" smtClean="0">
+                          <a:solidFill>
+                            <a:schemeClr val="tx1">
+                              <a:lumMod val="65000"/>
+                              <a:lumOff val="35000"/>
+                            </a:schemeClr>
+                          </a:solidFill>
+                        </a:rPr>
+                        <a:t>Redmond</a:t>
+                      </a:r>
+                      <a:endParaRPr lang="ru-RU" dirty="0">
+                        <a:solidFill>
+                          <a:schemeClr val="tx1">
+                            <a:lumMod val="65000"/>
+                            <a:lumOff val="35000"/>
+                          </a:schemeClr>
+                        </a:solidFill>
+                      </a:endParaRPr>
+                    </a:p>
+                  </a:txBody>
+                  <a:tcPr>
+                    <a:lnL w="12700" cap="flat" cmpd="sng" algn="ctr">
+                      <a:solidFill>
+                        <a:srgbClr val="D1BCD2"/>
+                      </a:solidFill>
+                      <a:prstDash val="solid"/>
+                      <a:round/>
+                      <a:headEnd type="none" w="med" len="med"/>
+                      <a:tailEnd type="none" w="med" len="med"/>
+                    </a:lnL>
+                    <a:lnR w="12700" cap="flat" cmpd="sng" algn="ctr">
+                      <a:solidFill>
+                        <a:srgbClr val="D1BCD2"/>
+                      </a:solidFill>
+                      <a:prstDash val="solid"/>
+                      <a:round/>
+                      <a:headEnd type="none" w="med" len="med"/>
+                      <a:tailEnd type="none" w="med" len="med"/>
+                    </a:lnR>
+                    <a:lnT w="12700" cap="flat" cmpd="sng" algn="ctr">
+                      <a:solidFill>
+                        <a:srgbClr val="D1BCD2"/>
+                      </a:solidFill>
+                      <a:prstDash val="solid"/>
+                      <a:round/>
+                      <a:headEnd type="none" w="med" len="med"/>
+                      <a:tailEnd type="none" w="med" len="med"/>
+                    </a:lnT>
+                    <a:lnB w="12700" cap="flat" cmpd="sng" algn="ctr">
+                      <a:solidFill>
+                        <a:srgbClr val="D1BCD2"/>
+                      </a:solidFill>
+                      <a:prstDash val="solid"/>
+                      <a:round/>
+                      <a:headEnd type="none" w="med" len="med"/>
+                      <a:tailEnd type="none" w="med" len="med"/>
+                    </a:lnB>
+                    <a:lnTlToBr w="12700" cmpd="sng">
+                      <a:noFill/>
+                      <a:prstDash val="solid"/>
+                    </a:lnTlToBr>
+                    <a:lnBlToTr w="12700" cmpd="sng">
+                      <a:noFill/>
+                      <a:prstDash val="solid"/>
+                    </a:lnBlToTr>
+                    <a:solidFill>
+                      <a:srgbClr val="D1BCD2"/>
+                    </a:solidFill>
+                  </a:tcPr>
+                </a:tc>
+                <a:extLst>
+                  <a:ext uri="{0D108BD9-81ED-4DB2-BD59-A6C34878D82A}">
+                    <a16:rowId xmlns:a16="http://schemas.microsoft.com/office/drawing/2014/main" val="1696665551"/>
+                  </a:ext>
+                </a:extLst>
+              </a:tr>
+              <a:tr h="1400701">
+                <a:tc>
+                  <a:txBody>
+                    <a:bodyPr/>
+                    <a:lstStyle/>
+                    <a:p>
+                      <a:r>
+                        <a:rPr lang="ru-RU" dirty="0" smtClean="0"/>
+                        <a:t>Достоинства</a:t>
+                      </a:r>
+                      <a:endParaRPr lang="ru-RU" dirty="0"/>
+                    </a:p>
+                  </a:txBody>
+                  <a:tcPr>
+                    <a:lnL w="12700" cap="flat" cmpd="sng" algn="ctr">
+                      <a:solidFill>
+                        <a:srgbClr val="D1BCD2"/>
+                      </a:solidFill>
+                      <a:prstDash val="solid"/>
+                      <a:round/>
+                      <a:headEnd type="none" w="med" len="med"/>
+                      <a:tailEnd type="none" w="med" len="med"/>
+                    </a:lnL>
+                    <a:lnR w="12700" cap="flat" cmpd="sng" algn="ctr">
+                      <a:solidFill>
+                        <a:srgbClr val="D1BCD2"/>
+                      </a:solidFill>
+                      <a:prstDash val="solid"/>
+                      <a:round/>
+                      <a:headEnd type="none" w="med" len="med"/>
+                      <a:tailEnd type="none" w="med" len="med"/>
+                    </a:lnR>
+                    <a:lnT w="12700" cap="flat" cmpd="sng" algn="ctr">
+                      <a:solidFill>
+                        <a:srgbClr val="D1BCD2"/>
+                      </a:solidFill>
+                      <a:prstDash val="solid"/>
+                      <a:round/>
+                      <a:headEnd type="none" w="med" len="med"/>
+                      <a:tailEnd type="none" w="med" len="med"/>
+                    </a:lnT>
+                    <a:lnB w="12700" cap="flat" cmpd="sng" algn="ctr">
+                      <a:solidFill>
+                        <a:srgbClr val="D1BCD2"/>
+                      </a:solidFill>
+                      <a:prstDash val="solid"/>
+                      <a:round/>
+                      <a:headEnd type="none" w="med" len="med"/>
+                      <a:tailEnd type="none" w="med" len="med"/>
+                    </a:lnB>
+                    <a:lnTlToBr w="12700" cmpd="sng">
+                      <a:noFill/>
+                      <a:prstDash val="solid"/>
+                    </a:lnTlToBr>
+                    <a:lnBlToTr w="12700" cmpd="sng">
+                      <a:noFill/>
+                      <a:prstDash val="solid"/>
+                    </a:lnBlToTr>
+                  </a:tcPr>
+                </a:tc>
+                <a:tc>
+                  <a:txBody>
+                    <a:bodyPr/>
+                    <a:lstStyle/>
+                    <a:p>
+                      <a:pPr marL="342900" marR="0" lvl="0" indent="-342900" algn="l" defTabSz="914400" rtl="0" eaLnBrk="1" fontAlgn="auto" latinLnBrk="0" hangingPunct="1">
+                        <a:lnSpc>
+                          <a:spcPct val="100000"/>
+                        </a:lnSpc>
+                        <a:spcBef>
+                          <a:spcPts val="0"/>
+                        </a:spcBef>
+                        <a:spcAft>
+                          <a:spcPts val="0"/>
+                        </a:spcAft>
+                        <a:buClrTx/>
+                        <a:buSzTx/>
+                        <a:buFontTx/>
+                        <a:buAutoNum type="arabicPeriod"/>
+                        <a:tabLst/>
+                        <a:defRPr/>
+                      </a:pPr>
+                      <a:r>
+                        <a:rPr lang="ru-RU" sz="1800" kern="1200" dirty="0" smtClean="0">
+                          <a:solidFill>
+                            <a:schemeClr val="tx1"/>
+                          </a:solidFill>
+                          <a:effectLst/>
+                          <a:latin typeface="+mn-lt"/>
+                          <a:ea typeface="+mn-ea"/>
+                          <a:cs typeface="+mn-cs"/>
+                        </a:rPr>
+                        <a:t>Обилие устройств</a:t>
+                      </a:r>
+                    </a:p>
+                    <a:p>
+                      <a:pPr marL="342900" marR="0" lvl="0" indent="-342900" algn="l" defTabSz="914400" rtl="0" eaLnBrk="1" fontAlgn="auto" latinLnBrk="0" hangingPunct="1">
+                        <a:lnSpc>
+                          <a:spcPct val="100000"/>
+                        </a:lnSpc>
+                        <a:spcBef>
+                          <a:spcPts val="0"/>
+                        </a:spcBef>
+                        <a:spcAft>
+                          <a:spcPts val="0"/>
+                        </a:spcAft>
+                        <a:buClrTx/>
+                        <a:buSzTx/>
+                        <a:buFontTx/>
+                        <a:buAutoNum type="arabicPeriod"/>
+                        <a:tabLst/>
+                        <a:defRPr/>
+                      </a:pPr>
+                      <a:r>
+                        <a:rPr lang="ru-RU" sz="1800" kern="1200" dirty="0" smtClean="0">
+                          <a:solidFill>
+                            <a:schemeClr val="tx1"/>
+                          </a:solidFill>
+                          <a:effectLst/>
+                          <a:latin typeface="+mn-lt"/>
+                          <a:ea typeface="+mn-ea"/>
+                          <a:cs typeface="+mn-cs"/>
+                        </a:rPr>
+                        <a:t>Низкая стоимость</a:t>
+                      </a:r>
+                    </a:p>
+                    <a:p>
+                      <a:endParaRPr lang="ru-RU" dirty="0"/>
+                    </a:p>
+                  </a:txBody>
+                  <a:tcPr>
+                    <a:lnL w="12700" cap="flat" cmpd="sng" algn="ctr">
+                      <a:solidFill>
+                        <a:srgbClr val="D1BCD2"/>
+                      </a:solidFill>
+                      <a:prstDash val="solid"/>
+                      <a:round/>
+                      <a:headEnd type="none" w="med" len="med"/>
+                      <a:tailEnd type="none" w="med" len="med"/>
+                    </a:lnL>
+                    <a:lnR w="12700" cap="flat" cmpd="sng" algn="ctr">
+                      <a:solidFill>
+                        <a:srgbClr val="D1BCD2"/>
+                      </a:solidFill>
+                      <a:prstDash val="solid"/>
+                      <a:round/>
+                      <a:headEnd type="none" w="med" len="med"/>
+                      <a:tailEnd type="none" w="med" len="med"/>
+                    </a:lnR>
+                    <a:lnT w="12700" cap="flat" cmpd="sng" algn="ctr">
+                      <a:solidFill>
+                        <a:srgbClr val="D1BCD2"/>
+                      </a:solidFill>
+                      <a:prstDash val="solid"/>
+                      <a:round/>
+                      <a:headEnd type="none" w="med" len="med"/>
+                      <a:tailEnd type="none" w="med" len="med"/>
+                    </a:lnT>
+                    <a:lnB w="12700" cap="flat" cmpd="sng" algn="ctr">
+                      <a:solidFill>
+                        <a:srgbClr val="D1BCD2"/>
+                      </a:solidFill>
+                      <a:prstDash val="solid"/>
+                      <a:round/>
+                      <a:headEnd type="none" w="med" len="med"/>
+                      <a:tailEnd type="none" w="med" len="med"/>
+                    </a:lnB>
+                    <a:lnTlToBr w="12700" cmpd="sng">
+                      <a:noFill/>
+                      <a:prstDash val="solid"/>
+                    </a:lnTlToBr>
+                    <a:lnBlToTr w="12700" cmpd="sng">
+                      <a:noFill/>
+                      <a:prstDash val="solid"/>
+                    </a:lnBlToTr>
+                  </a:tcPr>
+                </a:tc>
+                <a:tc>
+                  <a:txBody>
+                    <a:bodyPr/>
+                    <a:lstStyle/>
+                    <a:p>
+                      <a:pPr marL="342900" indent="-342900">
+                        <a:buAutoNum type="arabicPeriod"/>
+                      </a:pPr>
+                      <a:r>
+                        <a:rPr lang="ru-RU" dirty="0" smtClean="0"/>
+                        <a:t>Поддержка</a:t>
+                      </a:r>
+                      <a:r>
+                        <a:rPr lang="en-US" dirty="0" smtClean="0"/>
+                        <a:t> </a:t>
+                      </a:r>
+                      <a:r>
+                        <a:rPr lang="ru-RU" dirty="0" err="1" smtClean="0"/>
+                        <a:t>проткола</a:t>
+                      </a:r>
+                      <a:r>
+                        <a:rPr lang="ru-RU" dirty="0" smtClean="0"/>
+                        <a:t> </a:t>
+                      </a:r>
+                      <a:r>
+                        <a:rPr lang="en-US" dirty="0" smtClean="0"/>
+                        <a:t>Z-Wave</a:t>
+                      </a:r>
+                      <a:endParaRPr lang="ru-RU" dirty="0" smtClean="0"/>
+                    </a:p>
+                    <a:p>
+                      <a:pPr marL="342900" indent="-342900">
+                        <a:buAutoNum type="arabicPeriod"/>
+                      </a:pPr>
+                      <a:r>
+                        <a:rPr lang="ru-RU" dirty="0" smtClean="0"/>
+                        <a:t>Высокое</a:t>
+                      </a:r>
+                      <a:r>
+                        <a:rPr lang="ru-RU" baseline="0" dirty="0" smtClean="0"/>
+                        <a:t> качество изделий</a:t>
+                      </a:r>
+                      <a:endParaRPr lang="en-US" dirty="0" smtClean="0"/>
+                    </a:p>
+                    <a:p>
+                      <a:pPr marL="342900" indent="-342900">
+                        <a:buAutoNum type="arabicPeriod"/>
+                      </a:pPr>
+                      <a:endParaRPr lang="ru-RU" dirty="0"/>
+                    </a:p>
+                  </a:txBody>
+                  <a:tcPr>
+                    <a:lnL w="12700" cap="flat" cmpd="sng" algn="ctr">
+                      <a:solidFill>
+                        <a:srgbClr val="D1BCD2"/>
+                      </a:solidFill>
+                      <a:prstDash val="solid"/>
+                      <a:round/>
+                      <a:headEnd type="none" w="med" len="med"/>
+                      <a:tailEnd type="none" w="med" len="med"/>
+                    </a:lnL>
+                    <a:lnR w="12700" cap="flat" cmpd="sng" algn="ctr">
+                      <a:solidFill>
+                        <a:srgbClr val="D1BCD2"/>
+                      </a:solidFill>
+                      <a:prstDash val="solid"/>
+                      <a:round/>
+                      <a:headEnd type="none" w="med" len="med"/>
+                      <a:tailEnd type="none" w="med" len="med"/>
+                    </a:lnR>
+                    <a:lnT w="12700" cap="flat" cmpd="sng" algn="ctr">
+                      <a:solidFill>
+                        <a:srgbClr val="D1BCD2"/>
+                      </a:solidFill>
+                      <a:prstDash val="solid"/>
+                      <a:round/>
+                      <a:headEnd type="none" w="med" len="med"/>
+                      <a:tailEnd type="none" w="med" len="med"/>
+                    </a:lnT>
+                    <a:lnB w="12700" cap="flat" cmpd="sng" algn="ctr">
+                      <a:solidFill>
+                        <a:srgbClr val="D1BCD2"/>
+                      </a:solidFill>
+                      <a:prstDash val="solid"/>
+                      <a:round/>
+                      <a:headEnd type="none" w="med" len="med"/>
+                      <a:tailEnd type="none" w="med" len="med"/>
+                    </a:lnB>
+                    <a:lnTlToBr w="12700" cmpd="sng">
+                      <a:noFill/>
+                      <a:prstDash val="solid"/>
+                    </a:lnTlToBr>
+                    <a:lnBlToTr w="12700" cmpd="sng">
+                      <a:noFill/>
+                      <a:prstDash val="solid"/>
+                    </a:lnBlToTr>
+                  </a:tcPr>
+                </a:tc>
+                <a:tc>
+                  <a:txBody>
+                    <a:bodyPr/>
+                    <a:lstStyle/>
+                    <a:p>
+                      <a:r>
+                        <a:rPr lang="ru-RU" dirty="0" smtClean="0"/>
+                        <a:t>1. Низкая стоимость</a:t>
+                      </a:r>
+                      <a:endParaRPr lang="ru-RU" dirty="0"/>
+                    </a:p>
+                  </a:txBody>
+                  <a:tcPr>
+                    <a:lnL w="12700" cap="flat" cmpd="sng" algn="ctr">
+                      <a:solidFill>
+                        <a:srgbClr val="D1BCD2"/>
+                      </a:solidFill>
+                      <a:prstDash val="solid"/>
+                      <a:round/>
+                      <a:headEnd type="none" w="med" len="med"/>
+                      <a:tailEnd type="none" w="med" len="med"/>
+                    </a:lnL>
+                    <a:lnR w="12700" cap="flat" cmpd="sng" algn="ctr">
+                      <a:solidFill>
+                        <a:srgbClr val="D1BCD2"/>
+                      </a:solidFill>
+                      <a:prstDash val="solid"/>
+                      <a:round/>
+                      <a:headEnd type="none" w="med" len="med"/>
+                      <a:tailEnd type="none" w="med" len="med"/>
+                    </a:lnR>
+                    <a:lnT w="12700" cap="flat" cmpd="sng" algn="ctr">
+                      <a:solidFill>
+                        <a:srgbClr val="D1BCD2"/>
+                      </a:solidFill>
+                      <a:prstDash val="solid"/>
+                      <a:round/>
+                      <a:headEnd type="none" w="med" len="med"/>
+                      <a:tailEnd type="none" w="med" len="med"/>
+                    </a:lnT>
+                    <a:lnB w="12700" cap="flat" cmpd="sng" algn="ctr">
+                      <a:solidFill>
+                        <a:srgbClr val="D1BCD2"/>
+                      </a:solidFill>
+                      <a:prstDash val="solid"/>
+                      <a:round/>
+                      <a:headEnd type="none" w="med" len="med"/>
+                      <a:tailEnd type="none" w="med" len="med"/>
+                    </a:lnB>
+                    <a:lnTlToBr w="12700" cmpd="sng">
+                      <a:noFill/>
+                      <a:prstDash val="solid"/>
+                    </a:lnTlToBr>
+                    <a:lnBlToTr w="12700" cmpd="sng">
+                      <a:noFill/>
+                      <a:prstDash val="solid"/>
+                    </a:lnBlToTr>
+                  </a:tcPr>
+                </a:tc>
+                <a:extLst>
+                  <a:ext uri="{0D108BD9-81ED-4DB2-BD59-A6C34878D82A}">
+                    <a16:rowId xmlns:a16="http://schemas.microsoft.com/office/drawing/2014/main" val="1981661592"/>
+                  </a:ext>
+                </a:extLst>
+              </a:tr>
+              <a:tr h="1663333">
+                <a:tc>
+                  <a:txBody>
+                    <a:bodyPr/>
+                    <a:lstStyle/>
+                    <a:p>
+                      <a:r>
+                        <a:rPr lang="ru-RU" dirty="0" smtClean="0"/>
+                        <a:t>Недостатки</a:t>
+                      </a:r>
+                      <a:endParaRPr lang="ru-RU" dirty="0"/>
+                    </a:p>
+                  </a:txBody>
+                  <a:tcPr>
+                    <a:lnL w="12700" cap="flat" cmpd="sng" algn="ctr">
+                      <a:solidFill>
+                        <a:srgbClr val="D1BCD2"/>
+                      </a:solidFill>
+                      <a:prstDash val="solid"/>
+                      <a:round/>
+                      <a:headEnd type="none" w="med" len="med"/>
+                      <a:tailEnd type="none" w="med" len="med"/>
+                    </a:lnL>
+                    <a:lnR w="12700" cap="flat" cmpd="sng" algn="ctr">
+                      <a:solidFill>
+                        <a:srgbClr val="D1BCD2"/>
+                      </a:solidFill>
+                      <a:prstDash val="solid"/>
+                      <a:round/>
+                      <a:headEnd type="none" w="med" len="med"/>
+                      <a:tailEnd type="none" w="med" len="med"/>
+                    </a:lnR>
+                    <a:lnT w="12700" cap="flat" cmpd="sng" algn="ctr">
+                      <a:solidFill>
+                        <a:srgbClr val="D1BCD2"/>
+                      </a:solidFill>
+                      <a:prstDash val="solid"/>
+                      <a:round/>
+                      <a:headEnd type="none" w="med" len="med"/>
+                      <a:tailEnd type="none" w="med" len="med"/>
+                    </a:lnT>
+                    <a:lnB w="12700" cap="flat" cmpd="sng" algn="ctr">
+                      <a:solidFill>
+                        <a:srgbClr val="D1BCD2"/>
+                      </a:solidFill>
+                      <a:prstDash val="solid"/>
+                      <a:round/>
+                      <a:headEnd type="none" w="med" len="med"/>
+                      <a:tailEnd type="none" w="med" len="med"/>
+                    </a:lnB>
+                    <a:lnTlToBr w="12700" cmpd="sng">
+                      <a:noFill/>
+                      <a:prstDash val="solid"/>
+                    </a:lnTlToBr>
+                    <a:lnBlToTr w="12700" cmpd="sng">
+                      <a:noFill/>
+                      <a:prstDash val="solid"/>
+                    </a:lnBlToTr>
+                  </a:tcPr>
+                </a:tc>
+                <a:tc>
+                  <a:txBody>
+                    <a:bodyPr/>
+                    <a:lstStyle/>
+                    <a:p>
+                      <a:pPr marL="342900" indent="-342900">
+                        <a:buAutoNum type="arabicPeriod"/>
+                      </a:pPr>
+                      <a:r>
+                        <a:rPr lang="ru-RU" dirty="0" smtClean="0"/>
+                        <a:t>Не русифицирован</a:t>
+                      </a:r>
+                      <a:r>
+                        <a:rPr lang="ru-RU" baseline="0" dirty="0" smtClean="0"/>
+                        <a:t> интерфейс</a:t>
+                      </a:r>
+                    </a:p>
+                    <a:p>
+                      <a:pPr marL="342900" indent="-342900">
+                        <a:buAutoNum type="arabicPeriod"/>
+                      </a:pPr>
+                      <a:r>
+                        <a:rPr lang="ru-RU" baseline="0" dirty="0" smtClean="0"/>
+                        <a:t>Отсутствует </a:t>
+                      </a:r>
+                      <a:r>
+                        <a:rPr lang="en-US" baseline="0" dirty="0" smtClean="0"/>
+                        <a:t>web-</a:t>
+                      </a:r>
+                      <a:r>
+                        <a:rPr lang="ru-RU" baseline="0" dirty="0" smtClean="0"/>
+                        <a:t>приложение</a:t>
+                      </a:r>
+                      <a:endParaRPr lang="ru-RU" dirty="0"/>
+                    </a:p>
+                  </a:txBody>
+                  <a:tcPr>
+                    <a:lnL w="12700" cap="flat" cmpd="sng" algn="ctr">
+                      <a:solidFill>
+                        <a:srgbClr val="D1BCD2"/>
+                      </a:solidFill>
+                      <a:prstDash val="solid"/>
+                      <a:round/>
+                      <a:headEnd type="none" w="med" len="med"/>
+                      <a:tailEnd type="none" w="med" len="med"/>
+                    </a:lnL>
+                    <a:lnR w="12700" cap="flat" cmpd="sng" algn="ctr">
+                      <a:solidFill>
+                        <a:srgbClr val="D1BCD2"/>
+                      </a:solidFill>
+                      <a:prstDash val="solid"/>
+                      <a:round/>
+                      <a:headEnd type="none" w="med" len="med"/>
+                      <a:tailEnd type="none" w="med" len="med"/>
+                    </a:lnR>
+                    <a:lnT w="12700" cap="flat" cmpd="sng" algn="ctr">
+                      <a:solidFill>
+                        <a:srgbClr val="D1BCD2"/>
+                      </a:solidFill>
+                      <a:prstDash val="solid"/>
+                      <a:round/>
+                      <a:headEnd type="none" w="med" len="med"/>
+                      <a:tailEnd type="none" w="med" len="med"/>
+                    </a:lnT>
+                    <a:lnB w="12700" cap="flat" cmpd="sng" algn="ctr">
+                      <a:solidFill>
+                        <a:srgbClr val="D1BCD2"/>
+                      </a:solidFill>
+                      <a:prstDash val="solid"/>
+                      <a:round/>
+                      <a:headEnd type="none" w="med" len="med"/>
+                      <a:tailEnd type="none" w="med" len="med"/>
+                    </a:lnB>
+                    <a:lnTlToBr w="12700" cmpd="sng">
+                      <a:noFill/>
+                      <a:prstDash val="solid"/>
+                    </a:lnTlToBr>
+                    <a:lnBlToTr w="12700" cmpd="sng">
+                      <a:noFill/>
+                      <a:prstDash val="solid"/>
+                    </a:lnBlToTr>
+                  </a:tcPr>
+                </a:tc>
+                <a:tc>
+                  <a:txBody>
+                    <a:bodyPr/>
+                    <a:lstStyle/>
+                    <a:p>
+                      <a:pPr marL="342900" indent="-342900">
+                        <a:buAutoNum type="arabicPeriod"/>
+                      </a:pPr>
+                      <a:r>
+                        <a:rPr lang="ru-RU" dirty="0" smtClean="0"/>
+                        <a:t>Большие габариты устройств</a:t>
+                      </a:r>
+                    </a:p>
+                    <a:p>
+                      <a:pPr marL="342900" indent="-342900">
+                        <a:buAutoNum type="arabicPeriod"/>
+                      </a:pPr>
+                      <a:r>
+                        <a:rPr lang="ru-RU" dirty="0" smtClean="0"/>
+                        <a:t>Найдены уязвимости</a:t>
+                      </a:r>
+                      <a:r>
+                        <a:rPr lang="ru-RU" baseline="0" dirty="0" smtClean="0"/>
+                        <a:t> в прошивках устройств</a:t>
+                      </a:r>
+                      <a:endParaRPr lang="ru-RU" dirty="0"/>
+                    </a:p>
+                  </a:txBody>
+                  <a:tcPr>
+                    <a:lnL w="12700" cap="flat" cmpd="sng" algn="ctr">
+                      <a:solidFill>
+                        <a:srgbClr val="D1BCD2"/>
+                      </a:solidFill>
+                      <a:prstDash val="solid"/>
+                      <a:round/>
+                      <a:headEnd type="none" w="med" len="med"/>
+                      <a:tailEnd type="none" w="med" len="med"/>
+                    </a:lnL>
+                    <a:lnR w="12700" cap="flat" cmpd="sng" algn="ctr">
+                      <a:solidFill>
+                        <a:srgbClr val="D1BCD2"/>
+                      </a:solidFill>
+                      <a:prstDash val="solid"/>
+                      <a:round/>
+                      <a:headEnd type="none" w="med" len="med"/>
+                      <a:tailEnd type="none" w="med" len="med"/>
+                    </a:lnR>
+                    <a:lnT w="12700" cap="flat" cmpd="sng" algn="ctr">
+                      <a:solidFill>
+                        <a:srgbClr val="D1BCD2"/>
+                      </a:solidFill>
+                      <a:prstDash val="solid"/>
+                      <a:round/>
+                      <a:headEnd type="none" w="med" len="med"/>
+                      <a:tailEnd type="none" w="med" len="med"/>
+                    </a:lnT>
+                    <a:lnB w="12700" cap="flat" cmpd="sng" algn="ctr">
+                      <a:solidFill>
+                        <a:srgbClr val="D1BCD2"/>
+                      </a:solidFill>
+                      <a:prstDash val="solid"/>
+                      <a:round/>
+                      <a:headEnd type="none" w="med" len="med"/>
+                      <a:tailEnd type="none" w="med" len="med"/>
+                    </a:lnB>
+                    <a:lnTlToBr w="12700" cmpd="sng">
+                      <a:noFill/>
+                      <a:prstDash val="solid"/>
+                    </a:lnTlToBr>
+                    <a:lnBlToTr w="12700" cmpd="sng">
+                      <a:noFill/>
+                      <a:prstDash val="solid"/>
+                    </a:lnBlToTr>
+                  </a:tcPr>
+                </a:tc>
+                <a:tc>
+                  <a:txBody>
+                    <a:bodyPr/>
+                    <a:lstStyle/>
+                    <a:p>
+                      <a:pPr marL="342900" indent="-342900">
+                        <a:buFont typeface="+mj-lt"/>
+                        <a:buAutoNum type="arabicPeriod"/>
+                      </a:pPr>
+                      <a:r>
+                        <a:rPr lang="ru-RU" dirty="0" smtClean="0"/>
+                        <a:t>Использование</a:t>
+                      </a:r>
+                      <a:r>
+                        <a:rPr lang="ru-RU" baseline="0" dirty="0" smtClean="0"/>
+                        <a:t> смартфона в качестве сервера-шлюза</a:t>
+                      </a:r>
+                    </a:p>
+                    <a:p>
+                      <a:pPr marL="342900" indent="-342900">
+                        <a:buFont typeface="+mj-lt"/>
+                        <a:buAutoNum type="arabicPeriod"/>
+                      </a:pPr>
+                      <a:r>
+                        <a:rPr lang="ru-RU" baseline="0" dirty="0" smtClean="0"/>
+                        <a:t>Низкое качество сборки</a:t>
+                      </a:r>
+                      <a:endParaRPr lang="ru-RU" dirty="0"/>
+                    </a:p>
+                  </a:txBody>
+                  <a:tcPr>
+                    <a:lnL w="12700" cap="flat" cmpd="sng" algn="ctr">
+                      <a:solidFill>
+                        <a:srgbClr val="D1BCD2"/>
+                      </a:solidFill>
+                      <a:prstDash val="solid"/>
+                      <a:round/>
+                      <a:headEnd type="none" w="med" len="med"/>
+                      <a:tailEnd type="none" w="med" len="med"/>
+                    </a:lnL>
+                    <a:lnR w="12700" cap="flat" cmpd="sng" algn="ctr">
+                      <a:solidFill>
+                        <a:srgbClr val="D1BCD2"/>
+                      </a:solidFill>
+                      <a:prstDash val="solid"/>
+                      <a:round/>
+                      <a:headEnd type="none" w="med" len="med"/>
+                      <a:tailEnd type="none" w="med" len="med"/>
+                    </a:lnR>
+                    <a:lnT w="12700" cap="flat" cmpd="sng" algn="ctr">
+                      <a:solidFill>
+                        <a:srgbClr val="D1BCD2"/>
+                      </a:solidFill>
+                      <a:prstDash val="solid"/>
+                      <a:round/>
+                      <a:headEnd type="none" w="med" len="med"/>
+                      <a:tailEnd type="none" w="med" len="med"/>
+                    </a:lnT>
+                    <a:lnB w="12700" cap="flat" cmpd="sng" algn="ctr">
+                      <a:solidFill>
+                        <a:srgbClr val="D1BCD2"/>
+                      </a:solidFill>
+                      <a:prstDash val="solid"/>
+                      <a:round/>
+                      <a:headEnd type="none" w="med" len="med"/>
+                      <a:tailEnd type="none" w="med" len="med"/>
+                    </a:lnB>
+                    <a:lnTlToBr w="12700" cmpd="sng">
+                      <a:noFill/>
+                      <a:prstDash val="solid"/>
+                    </a:lnTlToBr>
+                    <a:lnBlToTr w="12700" cmpd="sng">
+                      <a:noFill/>
+                      <a:prstDash val="solid"/>
+                    </a:lnBlToTr>
+                  </a:tcPr>
+                </a:tc>
+                <a:extLst>
+                  <a:ext uri="{0D108BD9-81ED-4DB2-BD59-A6C34878D82A}">
+                    <a16:rowId xmlns:a16="http://schemas.microsoft.com/office/drawing/2014/main" val="1477003323"/>
+                  </a:ext>
+                </a:extLst>
+              </a:tr>
+            </a:tbl>
+          </a:graphicData>
+        </a:graphic>
+      </p:graphicFrame>
+    </p:spTree>
+    <p:extLst>
+      <p:ext uri="{BB962C8B-B14F-4D97-AF65-F5344CB8AC3E}">
+        <p14:creationId xmlns:p14="http://schemas.microsoft.com/office/powerpoint/2010/main" val="2267285265"/>
+      </p:ext>
+    </p:extLst>
+  </p:cSld>
+  <p:clrMapOvr>
+    <a:masterClrMapping/>
+  </p:clrMapOvr>
+  <p:timing>
+    <p:tnLst>
+      <p:par>
+        <p:cTn id="1" dur="indefinite" restart="never" nodeType="tmRoot"/>
+      </p:par>
+    </p:tnLst>
+  </p:timing>
 </p:sld>
 </file>
 

--- a/Презентация1.pptx
+++ b/Презентация1.pptx
@@ -8,8 +8,10 @@
     <p:sldId id="256" r:id="rId2"/>
     <p:sldId id="257" r:id="rId3"/>
     <p:sldId id="258" r:id="rId4"/>
-    <p:sldId id="259" r:id="rId5"/>
-    <p:sldId id="260" r:id="rId6"/>
+    <p:sldId id="260" r:id="rId5"/>
+    <p:sldId id="259" r:id="rId6"/>
+    <p:sldId id="261" r:id="rId7"/>
+    <p:sldId id="263" r:id="rId8"/>
   </p:sldIdLst>
   <p:sldSz cx="12192000" cy="6858000"/>
   <p:notesSz cx="6858000" cy="9144000"/>
@@ -247,7 +249,7 @@
           <a:p>
             <a:fld id="{5764A7B3-D769-46DF-B956-4056A85F8FC2}" type="datetimeFigureOut">
               <a:rPr lang="ru-RU" smtClean="0"/>
-              <a:t>21.01.2021</a:t>
+              <a:t>23.01.2021</a:t>
             </a:fld>
             <a:endParaRPr lang="ru-RU"/>
           </a:p>
@@ -417,7 +419,7 @@
           <a:p>
             <a:fld id="{5764A7B3-D769-46DF-B956-4056A85F8FC2}" type="datetimeFigureOut">
               <a:rPr lang="ru-RU" smtClean="0"/>
-              <a:t>21.01.2021</a:t>
+              <a:t>23.01.2021</a:t>
             </a:fld>
             <a:endParaRPr lang="ru-RU"/>
           </a:p>
@@ -597,7 +599,7 @@
           <a:p>
             <a:fld id="{5764A7B3-D769-46DF-B956-4056A85F8FC2}" type="datetimeFigureOut">
               <a:rPr lang="ru-RU" smtClean="0"/>
-              <a:t>21.01.2021</a:t>
+              <a:t>23.01.2021</a:t>
             </a:fld>
             <a:endParaRPr lang="ru-RU"/>
           </a:p>
@@ -767,7 +769,7 @@
           <a:p>
             <a:fld id="{5764A7B3-D769-46DF-B956-4056A85F8FC2}" type="datetimeFigureOut">
               <a:rPr lang="ru-RU" smtClean="0"/>
-              <a:t>21.01.2021</a:t>
+              <a:t>23.01.2021</a:t>
             </a:fld>
             <a:endParaRPr lang="ru-RU"/>
           </a:p>
@@ -1013,7 +1015,7 @@
           <a:p>
             <a:fld id="{5764A7B3-D769-46DF-B956-4056A85F8FC2}" type="datetimeFigureOut">
               <a:rPr lang="ru-RU" smtClean="0"/>
-              <a:t>21.01.2021</a:t>
+              <a:t>23.01.2021</a:t>
             </a:fld>
             <a:endParaRPr lang="ru-RU"/>
           </a:p>
@@ -1245,7 +1247,7 @@
           <a:p>
             <a:fld id="{5764A7B3-D769-46DF-B956-4056A85F8FC2}" type="datetimeFigureOut">
               <a:rPr lang="ru-RU" smtClean="0"/>
-              <a:t>21.01.2021</a:t>
+              <a:t>23.01.2021</a:t>
             </a:fld>
             <a:endParaRPr lang="ru-RU"/>
           </a:p>
@@ -1612,7 +1614,7 @@
           <a:p>
             <a:fld id="{5764A7B3-D769-46DF-B956-4056A85F8FC2}" type="datetimeFigureOut">
               <a:rPr lang="ru-RU" smtClean="0"/>
-              <a:t>21.01.2021</a:t>
+              <a:t>23.01.2021</a:t>
             </a:fld>
             <a:endParaRPr lang="ru-RU"/>
           </a:p>
@@ -1730,7 +1732,7 @@
           <a:p>
             <a:fld id="{5764A7B3-D769-46DF-B956-4056A85F8FC2}" type="datetimeFigureOut">
               <a:rPr lang="ru-RU" smtClean="0"/>
-              <a:t>21.01.2021</a:t>
+              <a:t>23.01.2021</a:t>
             </a:fld>
             <a:endParaRPr lang="ru-RU"/>
           </a:p>
@@ -1825,7 +1827,7 @@
           <a:p>
             <a:fld id="{5764A7B3-D769-46DF-B956-4056A85F8FC2}" type="datetimeFigureOut">
               <a:rPr lang="ru-RU" smtClean="0"/>
-              <a:t>21.01.2021</a:t>
+              <a:t>23.01.2021</a:t>
             </a:fld>
             <a:endParaRPr lang="ru-RU"/>
           </a:p>
@@ -2102,7 +2104,7 @@
           <a:p>
             <a:fld id="{5764A7B3-D769-46DF-B956-4056A85F8FC2}" type="datetimeFigureOut">
               <a:rPr lang="ru-RU" smtClean="0"/>
-              <a:t>21.01.2021</a:t>
+              <a:t>23.01.2021</a:t>
             </a:fld>
             <a:endParaRPr lang="ru-RU"/>
           </a:p>
@@ -2355,7 +2357,7 @@
           <a:p>
             <a:fld id="{5764A7B3-D769-46DF-B956-4056A85F8FC2}" type="datetimeFigureOut">
               <a:rPr lang="ru-RU" smtClean="0"/>
-              <a:t>21.01.2021</a:t>
+              <a:t>23.01.2021</a:t>
             </a:fld>
             <a:endParaRPr lang="ru-RU"/>
           </a:p>
@@ -2568,7 +2570,7 @@
           <a:p>
             <a:fld id="{5764A7B3-D769-46DF-B956-4056A85F8FC2}" type="datetimeFigureOut">
               <a:rPr lang="ru-RU" smtClean="0"/>
-              <a:t>21.01.2021</a:t>
+              <a:t>23.01.2021</a:t>
             </a:fld>
             <a:endParaRPr lang="ru-RU"/>
           </a:p>
@@ -3101,13 +3103,8 @@
             </a:r>
             <a:r>
               <a:rPr lang="ru-RU" sz="1400" dirty="0" smtClean="0"/>
-              <a:t> </a:t>
-            </a:r>
-            <a:r>
-              <a:rPr lang="ru-RU" sz="1400" dirty="0" smtClean="0"/>
-              <a:t>систем</a:t>
-            </a:r>
-            <a:endParaRPr lang="ru-RU" sz="1400" dirty="0" smtClean="0"/>
+              <a:t> систем</a:t>
+            </a:r>
           </a:p>
           <a:p>
             <a:pPr marL="514350" indent="-514350">
@@ -3115,8 +3112,39 @@
             </a:pPr>
             <a:r>
               <a:rPr lang="ru-RU" sz="1400" dirty="0" smtClean="0"/>
-              <a:t>Постановка задачи</a:t>
-            </a:r>
+              <a:t>Обзор </a:t>
+            </a:r>
+            <a:r>
+              <a:rPr lang="ru-RU" sz="1400" dirty="0" err="1" smtClean="0"/>
+              <a:t>киб</a:t>
+            </a:r>
+            <a:r>
+              <a:rPr lang="ru-RU" sz="1400" dirty="0" smtClean="0"/>
+              <a:t> систем </a:t>
+            </a:r>
+            <a:r>
+              <a:rPr lang="ru-RU" sz="1400" dirty="0"/>
+              <a:t>(1 слайд с ключевыми компаниями их достоинствами и </a:t>
+            </a:r>
+            <a:r>
+              <a:rPr lang="ru-RU" sz="1400" dirty="0" smtClean="0"/>
+              <a:t>недостатками)</a:t>
+            </a:r>
+          </a:p>
+          <a:p>
+            <a:pPr marL="514350" indent="-514350">
+              <a:buFont typeface="Arial" panose="020B0604020202020204" pitchFamily="34" charset="0"/>
+              <a:buAutoNum type="arabicPeriod"/>
+            </a:pPr>
+            <a:r>
+              <a:rPr lang="ru-RU" sz="1400" dirty="0"/>
+              <a:t>Постановка </a:t>
+            </a:r>
+            <a:r>
+              <a:rPr lang="ru-RU" sz="1400" dirty="0" smtClean="0"/>
+              <a:t>задачи</a:t>
+            </a:r>
+            <a:endParaRPr lang="ru-RU" sz="1400" dirty="0" smtClean="0"/>
           </a:p>
           <a:p>
             <a:pPr marL="514350" indent="-514350">
@@ -3124,33 +3152,11 @@
             </a:pPr>
             <a:r>
               <a:rPr lang="ru-RU" sz="1400" dirty="0" smtClean="0"/>
-              <a:t>Обзор </a:t>
-            </a:r>
-            <a:r>
-              <a:rPr lang="ru-RU" sz="1400" dirty="0" err="1" smtClean="0"/>
-              <a:t>киб</a:t>
+              <a:t>Рассказываем </a:t>
             </a:r>
             <a:r>
               <a:rPr lang="ru-RU" sz="1400" dirty="0" smtClean="0"/>
-              <a:t> систем </a:t>
-            </a:r>
-            <a:r>
-              <a:rPr lang="ru-RU" sz="1400" dirty="0"/>
-              <a:t>(1 слайд с ключевыми компаниями их достоинствами и недостатками</a:t>
-            </a:r>
-            <a:r>
-              <a:rPr lang="ru-RU" sz="1400" dirty="0" smtClean="0"/>
-              <a:t>)</a:t>
-            </a:r>
-            <a:endParaRPr lang="ru-RU" sz="1400" dirty="0"/>
-          </a:p>
-          <a:p>
-            <a:pPr marL="514350" indent="-514350">
-              <a:buAutoNum type="arabicPeriod"/>
-            </a:pPr>
-            <a:r>
-              <a:rPr lang="ru-RU" sz="1400" dirty="0" smtClean="0"/>
-              <a:t>Рассказываем про функциональность диммера</a:t>
+              <a:t>про функциональность диммера</a:t>
             </a:r>
           </a:p>
           <a:p>
@@ -3328,11 +3334,7 @@
             <a:pPr algn="ctr"/>
             <a:r>
               <a:rPr lang="ru-RU" sz="3200" dirty="0" smtClean="0"/>
-              <a:t>Концепция</a:t>
-            </a:r>
-            <a:r>
-              <a:rPr lang="ru-RU" sz="3200" dirty="0" smtClean="0"/>
-              <a:t> </a:t>
+              <a:t>Концепция </a:t>
             </a:r>
             <a:r>
               <a:rPr lang="ru-RU" sz="3200" dirty="0" err="1" smtClean="0"/>
@@ -3517,7 +3519,7 @@
         <p:spPr>
           <a:xfrm>
             <a:off x="838200" y="365125"/>
-            <a:ext cx="10515600" cy="746499"/>
+            <a:ext cx="10515600" cy="920727"/>
           </a:xfrm>
         </p:spPr>
         <p:txBody>
@@ -3528,200 +3530,11 @@
           <a:p>
             <a:r>
               <a:rPr lang="ru-RU" sz="3200" dirty="0" smtClean="0"/>
-              <a:t>Постановка задачи</a:t>
-            </a:r>
-            <a:endParaRPr lang="ru-RU" sz="3200" dirty="0"/>
-          </a:p>
-        </p:txBody>
-      </p:sp>
-      <p:sp>
-        <p:nvSpPr>
-          <p:cNvPr id="3" name="Объект 2"/>
-          <p:cNvSpPr>
-            <a:spLocks noGrp="1"/>
-          </p:cNvSpPr>
-          <p:nvPr>
-            <p:ph idx="1"/>
-          </p:nvPr>
-        </p:nvSpPr>
-        <p:spPr>
-          <a:xfrm>
-            <a:off x="838200" y="2013883"/>
-            <a:ext cx="4558553" cy="2325034"/>
-          </a:xfrm>
-        </p:spPr>
-        <p:txBody>
-          <a:bodyPr>
-            <a:normAutofit/>
-          </a:bodyPr>
-          <a:lstStyle/>
-          <a:p>
-            <a:pPr marL="514350" indent="-514350" algn="just">
-              <a:buFont typeface="+mj-lt"/>
-              <a:buAutoNum type="arabicPeriod"/>
-            </a:pPr>
-            <a:r>
-              <a:rPr lang="ru-RU" sz="1800" dirty="0" smtClean="0"/>
-              <a:t>Разработать электронное устройство </a:t>
-            </a:r>
-            <a:r>
-              <a:rPr lang="ru-RU" sz="1800" dirty="0"/>
-              <a:t>регулировки мощности осветительных приборов сети </a:t>
-            </a:r>
-            <a:r>
-              <a:rPr lang="ru-RU" sz="1800" dirty="0" smtClean="0"/>
-              <a:t>220В</a:t>
-            </a:r>
-            <a:r>
-              <a:rPr lang="ru-RU" sz="1800" dirty="0"/>
-              <a:t> </a:t>
-            </a:r>
-            <a:r>
-              <a:rPr lang="ru-RU" sz="1800" dirty="0" smtClean="0"/>
-              <a:t>для системы «Умный дом»</a:t>
-            </a:r>
-          </a:p>
-          <a:p>
-            <a:pPr marL="514350" indent="-514350" algn="just">
-              <a:buFont typeface="+mj-lt"/>
-              <a:buAutoNum type="arabicPeriod"/>
-            </a:pPr>
-            <a:r>
-              <a:rPr lang="ru-RU" sz="1800" dirty="0" smtClean="0"/>
-              <a:t>Создать пользовательский </a:t>
-            </a:r>
-            <a:r>
-              <a:rPr lang="en-US" sz="1800" dirty="0"/>
-              <a:t>Web</a:t>
-            </a:r>
-            <a:r>
-              <a:rPr lang="ru-RU" sz="1800" dirty="0" smtClean="0"/>
-              <a:t>-интерфейс </a:t>
-            </a:r>
-            <a:r>
-              <a:rPr lang="ru-RU" sz="1800" dirty="0"/>
-              <a:t>для удаленного управления устройствами системы «Умный дом</a:t>
-            </a:r>
-            <a:r>
-              <a:rPr lang="ru-RU" sz="1800" dirty="0" smtClean="0"/>
-              <a:t>».</a:t>
-            </a:r>
-            <a:endParaRPr lang="en-US" sz="1800" dirty="0" smtClean="0"/>
-          </a:p>
-        </p:txBody>
-      </p:sp>
-      <p:pic>
-        <p:nvPicPr>
-          <p:cNvPr id="4" name="Рисунок 3"/>
-          <p:cNvPicPr>
-            <a:picLocks noChangeAspect="1"/>
-          </p:cNvPicPr>
-          <p:nvPr/>
-        </p:nvPicPr>
-        <p:blipFill>
-          <a:blip r:embed="rId2"/>
-          <a:stretch>
-            <a:fillRect/>
-          </a:stretch>
-        </p:blipFill>
-        <p:spPr>
-          <a:xfrm>
-            <a:off x="5396753" y="1111624"/>
-            <a:ext cx="6214012" cy="4500282"/>
-          </a:xfrm>
-          <a:prstGeom prst="rect">
-            <a:avLst/>
-          </a:prstGeom>
-        </p:spPr>
-      </p:pic>
-      <p:sp>
-        <p:nvSpPr>
-          <p:cNvPr id="5" name="TextBox 4"/>
-          <p:cNvSpPr txBox="1"/>
-          <p:nvPr/>
-        </p:nvSpPr>
-        <p:spPr>
-          <a:xfrm>
-            <a:off x="5396753" y="5809129"/>
-            <a:ext cx="6355976" cy="584775"/>
-          </a:xfrm>
-          <a:prstGeom prst="rect">
-            <a:avLst/>
-          </a:prstGeom>
-          <a:noFill/>
-        </p:spPr>
-        <p:txBody>
-          <a:bodyPr wrap="square" rtlCol="0">
-            <a:spAutoFit/>
-          </a:bodyPr>
-          <a:lstStyle/>
-          <a:p>
-            <a:pPr algn="ctr"/>
-            <a:r>
-              <a:rPr lang="ru-RU" sz="1600" dirty="0" smtClean="0"/>
-              <a:t>Структурная схема системы «Умный дом» (сиреневым обозначены разрабатываемые узлы)</a:t>
-            </a:r>
-            <a:endParaRPr lang="ru-RU" sz="1600" dirty="0"/>
-          </a:p>
-        </p:txBody>
-      </p:sp>
-    </p:spTree>
-    <p:extLst>
-      <p:ext uri="{BB962C8B-B14F-4D97-AF65-F5344CB8AC3E}">
-        <p14:creationId xmlns:p14="http://schemas.microsoft.com/office/powerpoint/2010/main" val="3496867006"/>
-      </p:ext>
-    </p:extLst>
-  </p:cSld>
-  <p:clrMapOvr>
-    <a:masterClrMapping/>
-  </p:clrMapOvr>
-  <p:timing>
-    <p:tnLst>
-      <p:par>
-        <p:cTn id="1" dur="indefinite" restart="never" nodeType="tmRoot"/>
-      </p:par>
-    </p:tnLst>
-  </p:timing>
-</p:sld>
-</file>
-
-<file path=ppt/slides/slide5.xml><?xml version="1.0" encoding="utf-8"?>
-<p:sld xmlns:a="http://schemas.openxmlformats.org/drawingml/2006/main" xmlns:r="http://schemas.openxmlformats.org/officeDocument/2006/relationships" xmlns:p="http://schemas.openxmlformats.org/presentationml/2006/main">
-  <p:cSld>
-    <p:spTree>
-      <p:nvGrpSpPr>
-        <p:cNvPr id="1" name=""/>
-        <p:cNvGrpSpPr/>
-        <p:nvPr/>
-      </p:nvGrpSpPr>
-      <p:grpSpPr>
-        <a:xfrm>
-          <a:off x="0" y="0"/>
-          <a:ext cx="0" cy="0"/>
-          <a:chOff x="0" y="0"/>
-          <a:chExt cx="0" cy="0"/>
-        </a:xfrm>
-      </p:grpSpPr>
-      <p:sp>
-        <p:nvSpPr>
-          <p:cNvPr id="2" name="Заголовок 1"/>
-          <p:cNvSpPr>
-            <a:spLocks noGrp="1"/>
-          </p:cNvSpPr>
-          <p:nvPr>
-            <p:ph type="title"/>
-          </p:nvPr>
-        </p:nvSpPr>
-        <p:spPr/>
-        <p:txBody>
-          <a:bodyPr>
-            <a:normAutofit/>
-          </a:bodyPr>
-          <a:lstStyle/>
-          <a:p>
+              <a:t>Обзор </a:t>
+            </a:r>
             <a:r>
               <a:rPr lang="ru-RU" sz="3200" dirty="0" smtClean="0"/>
-              <a:t>Обзор рынка систем «Умный дом»</a:t>
+              <a:t>систем «Умный дом»</a:t>
             </a:r>
             <a:endParaRPr lang="ru-RU" sz="3200" dirty="0"/>
           </a:p>
@@ -3737,14 +3550,14 @@
             <p:ph idx="1"/>
             <p:extLst>
               <p:ext uri="{D42A27DB-BD31-4B8C-83A1-F6EECF244321}">
-                <p14:modId xmlns:p14="http://schemas.microsoft.com/office/powerpoint/2010/main" val="1900592035"/>
+                <p14:modId xmlns:p14="http://schemas.microsoft.com/office/powerpoint/2010/main" val="1426748913"/>
               </p:ext>
             </p:extLst>
           </p:nvPr>
         </p:nvGraphicFramePr>
         <p:xfrm>
-          <a:off x="563880" y="1868558"/>
-          <a:ext cx="11074844" cy="3492133"/>
+          <a:off x="558578" y="1285852"/>
+          <a:ext cx="10925209" cy="4740402"/>
         </p:xfrm>
         <a:graphic>
           <a:graphicData uri="http://schemas.openxmlformats.org/drawingml/2006/table">
@@ -3753,28 +3566,28 @@
                 <a:tableStyleId>{F2DE63D5-997A-4646-A377-4702673A728D}</a:tableStyleId>
               </a:tblPr>
               <a:tblGrid>
-                <a:gridCol w="2768711">
+                <a:gridCol w="1539163">
                   <a:extLst>
                     <a:ext uri="{9D8B030D-6E8A-4147-A177-3AD203B41FA5}">
                       <a16:colId xmlns:a16="http://schemas.microsoft.com/office/drawing/2014/main" val="1848248282"/>
                     </a:ext>
                   </a:extLst>
                 </a:gridCol>
-                <a:gridCol w="2768711">
+                <a:gridCol w="3128682">
                   <a:extLst>
                     <a:ext uri="{9D8B030D-6E8A-4147-A177-3AD203B41FA5}">
                       <a16:colId xmlns:a16="http://schemas.microsoft.com/office/drawing/2014/main" val="3123912347"/>
                     </a:ext>
                   </a:extLst>
                 </a:gridCol>
-                <a:gridCol w="2768711">
+                <a:gridCol w="3128682">
                   <a:extLst>
                     <a:ext uri="{9D8B030D-6E8A-4147-A177-3AD203B41FA5}">
-                      <a16:colId xmlns:a16="http://schemas.microsoft.com/office/drawing/2014/main" val="356339034"/>
+                      <a16:colId xmlns:a16="http://schemas.microsoft.com/office/drawing/2014/main" val="3868556433"/>
                     </a:ext>
                   </a:extLst>
                 </a:gridCol>
-                <a:gridCol w="2768711">
+                <a:gridCol w="3128682">
                   <a:extLst>
                     <a:ext uri="{9D8B030D-6E8A-4147-A177-3AD203B41FA5}">
                       <a16:colId xmlns:a16="http://schemas.microsoft.com/office/drawing/2014/main" val="4130254323"/>
@@ -3782,7 +3595,7 @@
                   </a:extLst>
                 </a:gridCol>
               </a:tblGrid>
-              <a:tr h="355026">
+              <a:tr h="425942">
                 <a:tc>
                   <a:txBody>
                     <a:bodyPr/>
@@ -3793,6 +3606,82 @@
                           <a:schemeClr val="tx1">
                             <a:lumMod val="75000"/>
                             <a:lumOff val="25000"/>
+                          </a:schemeClr>
+                        </a:solidFill>
+                      </a:endParaRPr>
+                    </a:p>
+                  </a:txBody>
+                  <a:tcPr>
+                    <a:lnL w="12700" cap="flat" cmpd="sng" algn="ctr">
+                      <a:solidFill>
+                        <a:srgbClr val="D1BCD2"/>
+                      </a:solidFill>
+                      <a:prstDash val="solid"/>
+                      <a:round/>
+                      <a:headEnd type="none" w="med" len="med"/>
+                      <a:tailEnd type="none" w="med" len="med"/>
+                    </a:lnL>
+                    <a:lnR w="12700" cap="flat" cmpd="sng" algn="ctr">
+                      <a:solidFill>
+                        <a:srgbClr val="D1BCD2"/>
+                      </a:solidFill>
+                      <a:prstDash val="solid"/>
+                      <a:round/>
+                      <a:headEnd type="none" w="med" len="med"/>
+                      <a:tailEnd type="none" w="med" len="med"/>
+                    </a:lnR>
+                    <a:lnT w="12700" cap="flat" cmpd="sng" algn="ctr">
+                      <a:solidFill>
+                        <a:srgbClr val="D1BCD2"/>
+                      </a:solidFill>
+                      <a:prstDash val="solid"/>
+                      <a:round/>
+                      <a:headEnd type="none" w="med" len="med"/>
+                      <a:tailEnd type="none" w="med" len="med"/>
+                    </a:lnT>
+                    <a:lnB w="12700" cap="flat" cmpd="sng" algn="ctr">
+                      <a:solidFill>
+                        <a:srgbClr val="D1BCD2"/>
+                      </a:solidFill>
+                      <a:prstDash val="solid"/>
+                      <a:round/>
+                      <a:headEnd type="none" w="med" len="med"/>
+                      <a:tailEnd type="none" w="med" len="med"/>
+                    </a:lnB>
+                    <a:lnTlToBr w="12700" cmpd="sng">
+                      <a:noFill/>
+                      <a:prstDash val="solid"/>
+                    </a:lnTlToBr>
+                    <a:lnBlToTr w="12700" cmpd="sng">
+                      <a:noFill/>
+                      <a:prstDash val="solid"/>
+                    </a:lnBlToTr>
+                    <a:solidFill>
+                      <a:srgbClr val="D1BCD2"/>
+                    </a:solidFill>
+                  </a:tcPr>
+                </a:tc>
+                <a:tc>
+                  <a:txBody>
+                    <a:bodyPr/>
+                    <a:lstStyle/>
+                    <a:p>
+                      <a:r>
+                        <a:rPr lang="en-US" dirty="0" err="1" smtClean="0">
+                          <a:solidFill>
+                            <a:schemeClr val="tx1">
+                              <a:lumMod val="65000"/>
+                              <a:lumOff val="35000"/>
+                            </a:schemeClr>
+                          </a:solidFill>
+                        </a:rPr>
+                        <a:t>Fibaro</a:t>
+                      </a:r>
+                      <a:endParaRPr lang="ru-RU" dirty="0">
+                        <a:solidFill>
+                          <a:schemeClr val="tx1">
+                            <a:lumMod val="65000"/>
+                            <a:lumOff val="35000"/>
                           </a:schemeClr>
                         </a:solidFill>
                       </a:endParaRPr>
@@ -3930,82 +3819,6 @@
                     <a:lstStyle/>
                     <a:p>
                       <a:r>
-                        <a:rPr lang="en-US" dirty="0" err="1" smtClean="0">
-                          <a:solidFill>
-                            <a:schemeClr val="tx1">
-                              <a:lumMod val="65000"/>
-                              <a:lumOff val="35000"/>
-                            </a:schemeClr>
-                          </a:solidFill>
-                        </a:rPr>
-                        <a:t>Fibaro</a:t>
-                      </a:r>
-                      <a:endParaRPr lang="ru-RU" dirty="0">
-                        <a:solidFill>
-                          <a:schemeClr val="tx1">
-                            <a:lumMod val="65000"/>
-                            <a:lumOff val="35000"/>
-                          </a:schemeClr>
-                        </a:solidFill>
-                      </a:endParaRPr>
-                    </a:p>
-                  </a:txBody>
-                  <a:tcPr>
-                    <a:lnL w="12700" cap="flat" cmpd="sng" algn="ctr">
-                      <a:solidFill>
-                        <a:srgbClr val="D1BCD2"/>
-                      </a:solidFill>
-                      <a:prstDash val="solid"/>
-                      <a:round/>
-                      <a:headEnd type="none" w="med" len="med"/>
-                      <a:tailEnd type="none" w="med" len="med"/>
-                    </a:lnL>
-                    <a:lnR w="12700" cap="flat" cmpd="sng" algn="ctr">
-                      <a:solidFill>
-                        <a:srgbClr val="D1BCD2"/>
-                      </a:solidFill>
-                      <a:prstDash val="solid"/>
-                      <a:round/>
-                      <a:headEnd type="none" w="med" len="med"/>
-                      <a:tailEnd type="none" w="med" len="med"/>
-                    </a:lnR>
-                    <a:lnT w="12700" cap="flat" cmpd="sng" algn="ctr">
-                      <a:solidFill>
-                        <a:srgbClr val="D1BCD2"/>
-                      </a:solidFill>
-                      <a:prstDash val="solid"/>
-                      <a:round/>
-                      <a:headEnd type="none" w="med" len="med"/>
-                      <a:tailEnd type="none" w="med" len="med"/>
-                    </a:lnT>
-                    <a:lnB w="12700" cap="flat" cmpd="sng" algn="ctr">
-                      <a:solidFill>
-                        <a:srgbClr val="D1BCD2"/>
-                      </a:solidFill>
-                      <a:prstDash val="solid"/>
-                      <a:round/>
-                      <a:headEnd type="none" w="med" len="med"/>
-                      <a:tailEnd type="none" w="med" len="med"/>
-                    </a:lnB>
-                    <a:lnTlToBr w="12700" cmpd="sng">
-                      <a:noFill/>
-                      <a:prstDash val="solid"/>
-                    </a:lnTlToBr>
-                    <a:lnBlToTr w="12700" cmpd="sng">
-                      <a:noFill/>
-                      <a:prstDash val="solid"/>
-                    </a:lnBlToTr>
-                    <a:solidFill>
-                      <a:srgbClr val="D1BCD2"/>
-                    </a:solidFill>
-                  </a:tcPr>
-                </a:tc>
-                <a:tc>
-                  <a:txBody>
-                    <a:bodyPr/>
-                    <a:lstStyle/>
-                    <a:p>
-                      <a:r>
                         <a:rPr lang="en-US" dirty="0" smtClean="0">
                           <a:solidFill>
                             <a:schemeClr val="tx1">
@@ -4082,7 +3895,7 @@
                   </a:ext>
                 </a:extLst>
               </a:tr>
-              <a:tr h="1400701">
+              <a:tr h="1098858">
                 <a:tc>
                   <a:txBody>
                     <a:bodyPr/>
@@ -4093,6 +3906,94 @@
                         <a:t>Достоинства</a:t>
                       </a:r>
                       <a:endParaRPr lang="ru-RU" dirty="0"/>
+                    </a:p>
+                  </a:txBody>
+                  <a:tcPr>
+                    <a:lnL w="12700" cap="flat" cmpd="sng" algn="ctr">
+                      <a:solidFill>
+                        <a:srgbClr val="D1BCD2"/>
+                      </a:solidFill>
+                      <a:prstDash val="solid"/>
+                      <a:round/>
+                      <a:headEnd type="none" w="med" len="med"/>
+                      <a:tailEnd type="none" w="med" len="med"/>
+                    </a:lnL>
+                    <a:lnR w="12700" cap="flat" cmpd="sng" algn="ctr">
+                      <a:solidFill>
+                        <a:srgbClr val="D1BCD2"/>
+                      </a:solidFill>
+                      <a:prstDash val="solid"/>
+                      <a:round/>
+                      <a:headEnd type="none" w="med" len="med"/>
+                      <a:tailEnd type="none" w="med" len="med"/>
+                    </a:lnR>
+                    <a:lnT w="12700" cap="flat" cmpd="sng" algn="ctr">
+                      <a:solidFill>
+                        <a:srgbClr val="D1BCD2"/>
+                      </a:solidFill>
+                      <a:prstDash val="solid"/>
+                      <a:round/>
+                      <a:headEnd type="none" w="med" len="med"/>
+                      <a:tailEnd type="none" w="med" len="med"/>
+                    </a:lnT>
+                    <a:lnB w="12700" cap="flat" cmpd="sng" algn="ctr">
+                      <a:solidFill>
+                        <a:srgbClr val="D1BCD2"/>
+                      </a:solidFill>
+                      <a:prstDash val="solid"/>
+                      <a:round/>
+                      <a:headEnd type="none" w="med" len="med"/>
+                      <a:tailEnd type="none" w="med" len="med"/>
+                    </a:lnB>
+                    <a:lnTlToBr w="12700" cmpd="sng">
+                      <a:noFill/>
+                      <a:prstDash val="solid"/>
+                    </a:lnTlToBr>
+                    <a:lnBlToTr w="12700" cmpd="sng">
+                      <a:noFill/>
+                      <a:prstDash val="solid"/>
+                    </a:lnBlToTr>
+                  </a:tcPr>
+                </a:tc>
+                <a:tc>
+                  <a:txBody>
+                    <a:bodyPr/>
+                    <a:lstStyle/>
+                    <a:p>
+                      <a:pPr marL="342900" indent="-342900">
+                        <a:buAutoNum type="arabicPeriod"/>
+                      </a:pPr>
+                      <a:r>
+                        <a:rPr lang="ru-RU" dirty="0" smtClean="0"/>
+                        <a:t>Поддержка</a:t>
+                      </a:r>
+                      <a:r>
+                        <a:rPr lang="en-US" dirty="0" smtClean="0"/>
+                        <a:t> </a:t>
+                      </a:r>
+                      <a:r>
+                        <a:rPr lang="ru-RU" dirty="0" smtClean="0"/>
+                        <a:t>протокола </a:t>
+                      </a:r>
+                      <a:r>
+                        <a:rPr lang="en-US" dirty="0" smtClean="0"/>
+                        <a:t>Z-Wave</a:t>
+                      </a:r>
+                      <a:endParaRPr lang="ru-RU" dirty="0" smtClean="0"/>
+                    </a:p>
+                    <a:p>
+                      <a:pPr marL="342900" indent="-342900">
+                        <a:buAutoNum type="arabicPeriod"/>
+                      </a:pPr>
+                      <a:r>
+                        <a:rPr lang="ru-RU" dirty="0" smtClean="0"/>
+                        <a:t>Высокое</a:t>
+                      </a:r>
+                      <a:r>
+                        <a:rPr lang="ru-RU" baseline="0" dirty="0" smtClean="0"/>
+                        <a:t> качество изделий</a:t>
+                      </a:r>
+                      <a:endParaRPr lang="en-US" dirty="0" smtClean="0"/>
                     </a:p>
                   </a:txBody>
                   <a:tcPr>
@@ -4209,105 +4110,56 @@
                       </a:r>
                     </a:p>
                     <a:p>
-                      <a:endParaRPr lang="ru-RU" dirty="0"/>
-                    </a:p>
-                  </a:txBody>
-                  <a:tcPr>
-                    <a:lnL w="12700" cap="flat" cmpd="sng" algn="ctr">
-                      <a:solidFill>
-                        <a:srgbClr val="D1BCD2"/>
-                      </a:solidFill>
-                      <a:prstDash val="solid"/>
-                      <a:round/>
-                      <a:headEnd type="none" w="med" len="med"/>
-                      <a:tailEnd type="none" w="med" len="med"/>
-                    </a:lnL>
-                    <a:lnR w="12700" cap="flat" cmpd="sng" algn="ctr">
-                      <a:solidFill>
-                        <a:srgbClr val="D1BCD2"/>
-                      </a:solidFill>
-                      <a:prstDash val="solid"/>
-                      <a:round/>
-                      <a:headEnd type="none" w="med" len="med"/>
-                      <a:tailEnd type="none" w="med" len="med"/>
-                    </a:lnR>
-                    <a:lnT w="12700" cap="flat" cmpd="sng" algn="ctr">
-                      <a:solidFill>
-                        <a:srgbClr val="D1BCD2"/>
-                      </a:solidFill>
-                      <a:prstDash val="solid"/>
-                      <a:round/>
-                      <a:headEnd type="none" w="med" len="med"/>
-                      <a:tailEnd type="none" w="med" len="med"/>
-                    </a:lnT>
-                    <a:lnB w="12700" cap="flat" cmpd="sng" algn="ctr">
-                      <a:solidFill>
-                        <a:srgbClr val="D1BCD2"/>
-                      </a:solidFill>
-                      <a:prstDash val="solid"/>
-                      <a:round/>
-                      <a:headEnd type="none" w="med" len="med"/>
-                      <a:tailEnd type="none" w="med" len="med"/>
-                    </a:lnB>
-                    <a:lnTlToBr w="12700" cmpd="sng">
-                      <a:noFill/>
-                      <a:prstDash val="solid"/>
-                    </a:lnTlToBr>
-                    <a:lnBlToTr w="12700" cmpd="sng">
-                      <a:noFill/>
-                      <a:prstDash val="solid"/>
-                    </a:lnBlToTr>
-                  </a:tcPr>
-                </a:tc>
-                <a:tc>
-                  <a:txBody>
-                    <a:bodyPr/>
-                    <a:lstStyle/>
-                    <a:p>
-                      <a:pPr marL="342900" indent="-342900">
+                      <a:pPr marL="342900" marR="0" lvl="0" indent="-342900" algn="l" defTabSz="914400" rtl="0" eaLnBrk="1" fontAlgn="auto" latinLnBrk="0" hangingPunct="1">
+                        <a:lnSpc>
+                          <a:spcPct val="100000"/>
+                        </a:lnSpc>
+                        <a:spcBef>
+                          <a:spcPts val="0"/>
+                        </a:spcBef>
+                        <a:spcAft>
+                          <a:spcPts val="0"/>
+                        </a:spcAft>
+                        <a:buClrTx/>
+                        <a:buSzTx/>
+                        <a:buFontTx/>
                         <a:buAutoNum type="arabicPeriod"/>
+                        <a:tabLst/>
+                        <a:defRPr/>
                       </a:pPr>
                       <a:r>
-                        <a:rPr lang="ru-RU" dirty="0" smtClean="0"/>
-                        <a:t>Поддержка</a:t>
-                      </a:r>
-                      <a:r>
-                        <a:rPr lang="en-US" dirty="0" smtClean="0"/>
-                        <a:t> </a:t>
-                      </a:r>
-                      <a:r>
-                        <a:rPr lang="ru-RU" dirty="0" err="1" smtClean="0"/>
-                        <a:t>проткола</a:t>
-                      </a:r>
-                      <a:r>
-                        <a:rPr lang="ru-RU" dirty="0" smtClean="0"/>
-                        <a:t> </a:t>
-                      </a:r>
-                      <a:r>
-                        <a:rPr lang="en-US" dirty="0" smtClean="0"/>
-                        <a:t>Z-Wave</a:t>
-                      </a:r>
-                      <a:endParaRPr lang="ru-RU" dirty="0" smtClean="0"/>
-                    </a:p>
-                    <a:p>
-                      <a:pPr marL="342900" indent="-342900">
-                        <a:buAutoNum type="arabicPeriod"/>
-                      </a:pPr>
-                      <a:r>
-                        <a:rPr lang="ru-RU" dirty="0" smtClean="0"/>
+                        <a:rPr lang="ru-RU" sz="1800" kern="1200" dirty="0" smtClean="0">
+                          <a:solidFill>
+                            <a:schemeClr val="tx1"/>
+                          </a:solidFill>
+                          <a:effectLst/>
+                          <a:latin typeface="+mn-lt"/>
+                          <a:ea typeface="+mn-ea"/>
+                          <a:cs typeface="+mn-cs"/>
+                        </a:rPr>
                         <a:t>Высокое</a:t>
                       </a:r>
                       <a:r>
-                        <a:rPr lang="ru-RU" baseline="0" dirty="0" smtClean="0"/>
-                        <a:t> качество изделий</a:t>
+                        <a:rPr lang="ru-RU" sz="1800" kern="1200" baseline="0" dirty="0" smtClean="0">
+                          <a:solidFill>
+                            <a:schemeClr val="tx1"/>
+                          </a:solidFill>
+                          <a:effectLst/>
+                          <a:latin typeface="+mn-lt"/>
+                          <a:ea typeface="+mn-ea"/>
+                          <a:cs typeface="+mn-cs"/>
+                        </a:rPr>
+                        <a:t> качество</a:t>
                       </a:r>
-                      <a:endParaRPr lang="en-US" dirty="0" smtClean="0"/>
-                    </a:p>
-                    <a:p>
-                      <a:pPr marL="342900" indent="-342900">
-                        <a:buAutoNum type="arabicPeriod"/>
-                      </a:pPr>
-                      <a:endParaRPr lang="ru-RU" dirty="0"/>
+                      <a:endParaRPr lang="ru-RU" sz="1800" kern="1200" baseline="0" dirty="0" smtClean="0">
+                        <a:solidFill>
+                          <a:schemeClr val="tx1"/>
+                        </a:solidFill>
+                        <a:effectLst/>
+                        <a:latin typeface="+mn-lt"/>
+                        <a:ea typeface="+mn-ea"/>
+                        <a:cs typeface="+mn-cs"/>
+                      </a:endParaRPr>
                     </a:p>
                   </a:txBody>
                   <a:tcPr>
@@ -4422,7 +4274,7 @@
                   </a:ext>
                 </a:extLst>
               </a:tr>
-              <a:tr h="1663333">
+              <a:tr h="1141187">
                 <a:tc>
                   <a:txBody>
                     <a:bodyPr/>
@@ -4433,6 +4285,81 @@
                         <a:t>Недостатки</a:t>
                       </a:r>
                       <a:endParaRPr lang="ru-RU" dirty="0"/>
+                    </a:p>
+                  </a:txBody>
+                  <a:tcPr>
+                    <a:lnL w="12700" cap="flat" cmpd="sng" algn="ctr">
+                      <a:solidFill>
+                        <a:srgbClr val="D1BCD2"/>
+                      </a:solidFill>
+                      <a:prstDash val="solid"/>
+                      <a:round/>
+                      <a:headEnd type="none" w="med" len="med"/>
+                      <a:tailEnd type="none" w="med" len="med"/>
+                    </a:lnL>
+                    <a:lnR w="12700" cap="flat" cmpd="sng" algn="ctr">
+                      <a:solidFill>
+                        <a:srgbClr val="D1BCD2"/>
+                      </a:solidFill>
+                      <a:prstDash val="solid"/>
+                      <a:round/>
+                      <a:headEnd type="none" w="med" len="med"/>
+                      <a:tailEnd type="none" w="med" len="med"/>
+                    </a:lnR>
+                    <a:lnT w="12700" cap="flat" cmpd="sng" algn="ctr">
+                      <a:solidFill>
+                        <a:srgbClr val="D1BCD2"/>
+                      </a:solidFill>
+                      <a:prstDash val="solid"/>
+                      <a:round/>
+                      <a:headEnd type="none" w="med" len="med"/>
+                      <a:tailEnd type="none" w="med" len="med"/>
+                    </a:lnT>
+                    <a:lnB w="12700" cap="flat" cmpd="sng" algn="ctr">
+                      <a:solidFill>
+                        <a:srgbClr val="D1BCD2"/>
+                      </a:solidFill>
+                      <a:prstDash val="solid"/>
+                      <a:round/>
+                      <a:headEnd type="none" w="med" len="med"/>
+                      <a:tailEnd type="none" w="med" len="med"/>
+                    </a:lnB>
+                    <a:lnTlToBr w="12700" cmpd="sng">
+                      <a:noFill/>
+                      <a:prstDash val="solid"/>
+                    </a:lnTlToBr>
+                    <a:lnBlToTr w="12700" cmpd="sng">
+                      <a:noFill/>
+                      <a:prstDash val="solid"/>
+                    </a:lnBlToTr>
+                  </a:tcPr>
+                </a:tc>
+                <a:tc>
+                  <a:txBody>
+                    <a:bodyPr/>
+                    <a:lstStyle/>
+                    <a:p>
+                      <a:pPr marL="342900" indent="-342900">
+                        <a:buAutoNum type="arabicPeriod"/>
+                      </a:pPr>
+                      <a:r>
+                        <a:rPr lang="ru-RU" dirty="0" smtClean="0"/>
+                        <a:t>Большие габариты устройств</a:t>
+                      </a:r>
+                    </a:p>
+                    <a:p>
+                      <a:pPr marL="342900" indent="-342900">
+                        <a:buAutoNum type="arabicPeriod"/>
+                      </a:pPr>
+                      <a:r>
+                        <a:rPr lang="ru-RU" dirty="0" smtClean="0"/>
+                        <a:t>Высокая</a:t>
+                      </a:r>
+                      <a:r>
+                        <a:rPr lang="ru-RU" baseline="0" dirty="0" smtClean="0"/>
+                        <a:t> стоимость</a:t>
+                      </a:r>
+                      <a:endParaRPr lang="ru-RU" dirty="0" smtClean="0"/>
                     </a:p>
                   </a:txBody>
                   <a:tcPr>
@@ -4571,81 +4498,6 @@
                     <a:lstStyle/>
                     <a:p>
                       <a:pPr marL="342900" indent="-342900">
-                        <a:buAutoNum type="arabicPeriod"/>
-                      </a:pPr>
-                      <a:r>
-                        <a:rPr lang="ru-RU" dirty="0" smtClean="0"/>
-                        <a:t>Большие габариты устройств</a:t>
-                      </a:r>
-                    </a:p>
-                    <a:p>
-                      <a:pPr marL="342900" indent="-342900">
-                        <a:buAutoNum type="arabicPeriod"/>
-                      </a:pPr>
-                      <a:r>
-                        <a:rPr lang="ru-RU" dirty="0" smtClean="0"/>
-                        <a:t>Найдены уязвимости</a:t>
-                      </a:r>
-                      <a:r>
-                        <a:rPr lang="ru-RU" baseline="0" dirty="0" smtClean="0"/>
-                        <a:t> в прошивках устройств</a:t>
-                      </a:r>
-                      <a:endParaRPr lang="ru-RU" dirty="0"/>
-                    </a:p>
-                  </a:txBody>
-                  <a:tcPr>
-                    <a:lnL w="12700" cap="flat" cmpd="sng" algn="ctr">
-                      <a:solidFill>
-                        <a:srgbClr val="D1BCD2"/>
-                      </a:solidFill>
-                      <a:prstDash val="solid"/>
-                      <a:round/>
-                      <a:headEnd type="none" w="med" len="med"/>
-                      <a:tailEnd type="none" w="med" len="med"/>
-                    </a:lnL>
-                    <a:lnR w="12700" cap="flat" cmpd="sng" algn="ctr">
-                      <a:solidFill>
-                        <a:srgbClr val="D1BCD2"/>
-                      </a:solidFill>
-                      <a:prstDash val="solid"/>
-                      <a:round/>
-                      <a:headEnd type="none" w="med" len="med"/>
-                      <a:tailEnd type="none" w="med" len="med"/>
-                    </a:lnR>
-                    <a:lnT w="12700" cap="flat" cmpd="sng" algn="ctr">
-                      <a:solidFill>
-                        <a:srgbClr val="D1BCD2"/>
-                      </a:solidFill>
-                      <a:prstDash val="solid"/>
-                      <a:round/>
-                      <a:headEnd type="none" w="med" len="med"/>
-                      <a:tailEnd type="none" w="med" len="med"/>
-                    </a:lnT>
-                    <a:lnB w="12700" cap="flat" cmpd="sng" algn="ctr">
-                      <a:solidFill>
-                        <a:srgbClr val="D1BCD2"/>
-                      </a:solidFill>
-                      <a:prstDash val="solid"/>
-                      <a:round/>
-                      <a:headEnd type="none" w="med" len="med"/>
-                      <a:tailEnd type="none" w="med" len="med"/>
-                    </a:lnB>
-                    <a:lnTlToBr w="12700" cmpd="sng">
-                      <a:noFill/>
-                      <a:prstDash val="solid"/>
-                    </a:lnTlToBr>
-                    <a:lnBlToTr w="12700" cmpd="sng">
-                      <a:noFill/>
-                      <a:prstDash val="solid"/>
-                    </a:lnBlToTr>
-                  </a:tcPr>
-                </a:tc>
-                <a:tc>
-                  <a:txBody>
-                    <a:bodyPr/>
-                    <a:lstStyle/>
-                    <a:p>
-                      <a:pPr marL="342900" indent="-342900">
                         <a:buFont typeface="+mj-lt"/>
                         <a:buAutoNum type="arabicPeriod"/>
                       </a:pPr>
@@ -4723,14 +4575,1031 @@
                   </a:ext>
                 </a:extLst>
               </a:tr>
+              <a:tr h="1937020">
+                <a:tc>
+                  <a:txBody>
+                    <a:bodyPr/>
+                    <a:lstStyle/>
+                    <a:p>
+                      <a:r>
+                        <a:rPr lang="ru-RU" dirty="0" smtClean="0"/>
+                        <a:t>Пример</a:t>
+                      </a:r>
+                      <a:r>
+                        <a:rPr lang="ru-RU" baseline="0" dirty="0" smtClean="0"/>
+                        <a:t> свето-регулятора</a:t>
+                      </a:r>
+                      <a:endParaRPr lang="ru-RU" dirty="0"/>
+                    </a:p>
+                  </a:txBody>
+                  <a:tcPr>
+                    <a:lnL w="12700" cap="flat" cmpd="sng" algn="ctr">
+                      <a:solidFill>
+                        <a:srgbClr val="D1BCD2"/>
+                      </a:solidFill>
+                      <a:prstDash val="solid"/>
+                      <a:round/>
+                      <a:headEnd type="none" w="med" len="med"/>
+                      <a:tailEnd type="none" w="med" len="med"/>
+                    </a:lnL>
+                    <a:lnR w="12700" cap="flat" cmpd="sng" algn="ctr">
+                      <a:solidFill>
+                        <a:srgbClr val="D1BCD2"/>
+                      </a:solidFill>
+                      <a:prstDash val="solid"/>
+                      <a:round/>
+                      <a:headEnd type="none" w="med" len="med"/>
+                      <a:tailEnd type="none" w="med" len="med"/>
+                    </a:lnR>
+                    <a:lnT w="12700" cap="flat" cmpd="sng" algn="ctr">
+                      <a:solidFill>
+                        <a:srgbClr val="D1BCD2"/>
+                      </a:solidFill>
+                      <a:prstDash val="solid"/>
+                      <a:round/>
+                      <a:headEnd type="none" w="med" len="med"/>
+                      <a:tailEnd type="none" w="med" len="med"/>
+                    </a:lnT>
+                    <a:lnB w="12700" cap="flat" cmpd="sng" algn="ctr">
+                      <a:solidFill>
+                        <a:srgbClr val="D1BCD2"/>
+                      </a:solidFill>
+                      <a:prstDash val="solid"/>
+                      <a:round/>
+                      <a:headEnd type="none" w="med" len="med"/>
+                      <a:tailEnd type="none" w="med" len="med"/>
+                    </a:lnB>
+                    <a:lnTlToBr w="12700" cmpd="sng">
+                      <a:noFill/>
+                      <a:prstDash val="solid"/>
+                    </a:lnTlToBr>
+                    <a:lnBlToTr w="12700" cmpd="sng">
+                      <a:noFill/>
+                      <a:prstDash val="solid"/>
+                    </a:lnBlToTr>
+                  </a:tcPr>
+                </a:tc>
+                <a:tc>
+                  <a:txBody>
+                    <a:bodyPr/>
+                    <a:lstStyle/>
+                    <a:p>
+                      <a:pPr marL="0" indent="0">
+                        <a:buNone/>
+                      </a:pPr>
+                      <a:endParaRPr lang="ru-RU" dirty="0"/>
+                    </a:p>
+                  </a:txBody>
+                  <a:tcPr>
+                    <a:lnL w="12700" cap="flat" cmpd="sng" algn="ctr">
+                      <a:solidFill>
+                        <a:srgbClr val="D1BCD2"/>
+                      </a:solidFill>
+                      <a:prstDash val="solid"/>
+                      <a:round/>
+                      <a:headEnd type="none" w="med" len="med"/>
+                      <a:tailEnd type="none" w="med" len="med"/>
+                    </a:lnL>
+                    <a:lnR w="12700" cap="flat" cmpd="sng" algn="ctr">
+                      <a:solidFill>
+                        <a:srgbClr val="D1BCD2"/>
+                      </a:solidFill>
+                      <a:prstDash val="solid"/>
+                      <a:round/>
+                      <a:headEnd type="none" w="med" len="med"/>
+                      <a:tailEnd type="none" w="med" len="med"/>
+                    </a:lnR>
+                    <a:lnT w="12700" cap="flat" cmpd="sng" algn="ctr">
+                      <a:solidFill>
+                        <a:srgbClr val="D1BCD2"/>
+                      </a:solidFill>
+                      <a:prstDash val="solid"/>
+                      <a:round/>
+                      <a:headEnd type="none" w="med" len="med"/>
+                      <a:tailEnd type="none" w="med" len="med"/>
+                    </a:lnT>
+                    <a:lnB w="12700" cap="flat" cmpd="sng" algn="ctr">
+                      <a:solidFill>
+                        <a:srgbClr val="D1BCD2"/>
+                      </a:solidFill>
+                      <a:prstDash val="solid"/>
+                      <a:round/>
+                      <a:headEnd type="none" w="med" len="med"/>
+                      <a:tailEnd type="none" w="med" len="med"/>
+                    </a:lnB>
+                    <a:lnTlToBr w="12700" cmpd="sng">
+                      <a:noFill/>
+                      <a:prstDash val="solid"/>
+                    </a:lnTlToBr>
+                    <a:lnBlToTr w="12700" cmpd="sng">
+                      <a:noFill/>
+                      <a:prstDash val="solid"/>
+                    </a:lnBlToTr>
+                  </a:tcPr>
+                </a:tc>
+                <a:tc>
+                  <a:txBody>
+                    <a:bodyPr/>
+                    <a:lstStyle/>
+                    <a:p>
+                      <a:pPr marL="0" indent="0">
+                        <a:buNone/>
+                      </a:pPr>
+                      <a:endParaRPr lang="ru-RU" dirty="0"/>
+                    </a:p>
+                  </a:txBody>
+                  <a:tcPr>
+                    <a:lnL w="12700" cap="flat" cmpd="sng" algn="ctr">
+                      <a:solidFill>
+                        <a:srgbClr val="D1BCD2"/>
+                      </a:solidFill>
+                      <a:prstDash val="solid"/>
+                      <a:round/>
+                      <a:headEnd type="none" w="med" len="med"/>
+                      <a:tailEnd type="none" w="med" len="med"/>
+                    </a:lnL>
+                    <a:lnR w="12700" cap="flat" cmpd="sng" algn="ctr">
+                      <a:solidFill>
+                        <a:srgbClr val="D1BCD2"/>
+                      </a:solidFill>
+                      <a:prstDash val="solid"/>
+                      <a:round/>
+                      <a:headEnd type="none" w="med" len="med"/>
+                      <a:tailEnd type="none" w="med" len="med"/>
+                    </a:lnR>
+                    <a:lnT w="12700" cap="flat" cmpd="sng" algn="ctr">
+                      <a:solidFill>
+                        <a:srgbClr val="D1BCD2"/>
+                      </a:solidFill>
+                      <a:prstDash val="solid"/>
+                      <a:round/>
+                      <a:headEnd type="none" w="med" len="med"/>
+                      <a:tailEnd type="none" w="med" len="med"/>
+                    </a:lnT>
+                    <a:lnB w="12700" cap="flat" cmpd="sng" algn="ctr">
+                      <a:solidFill>
+                        <a:srgbClr val="D1BCD2"/>
+                      </a:solidFill>
+                      <a:prstDash val="solid"/>
+                      <a:round/>
+                      <a:headEnd type="none" w="med" len="med"/>
+                      <a:tailEnd type="none" w="med" len="med"/>
+                    </a:lnB>
+                    <a:lnTlToBr w="12700" cmpd="sng">
+                      <a:noFill/>
+                      <a:prstDash val="solid"/>
+                    </a:lnTlToBr>
+                    <a:lnBlToTr w="12700" cmpd="sng">
+                      <a:noFill/>
+                      <a:prstDash val="solid"/>
+                    </a:lnBlToTr>
+                  </a:tcPr>
+                </a:tc>
+                <a:tc>
+                  <a:txBody>
+                    <a:bodyPr/>
+                    <a:lstStyle/>
+                    <a:p>
+                      <a:pPr marL="342900" indent="-342900">
+                        <a:buFont typeface="+mj-lt"/>
+                        <a:buAutoNum type="arabicPeriod"/>
+                      </a:pPr>
+                      <a:endParaRPr lang="ru-RU" dirty="0"/>
+                    </a:p>
+                  </a:txBody>
+                  <a:tcPr>
+                    <a:lnL w="12700" cap="flat" cmpd="sng" algn="ctr">
+                      <a:solidFill>
+                        <a:srgbClr val="D1BCD2"/>
+                      </a:solidFill>
+                      <a:prstDash val="solid"/>
+                      <a:round/>
+                      <a:headEnd type="none" w="med" len="med"/>
+                      <a:tailEnd type="none" w="med" len="med"/>
+                    </a:lnL>
+                    <a:lnR w="12700" cap="flat" cmpd="sng" algn="ctr">
+                      <a:solidFill>
+                        <a:srgbClr val="D1BCD2"/>
+                      </a:solidFill>
+                      <a:prstDash val="solid"/>
+                      <a:round/>
+                      <a:headEnd type="none" w="med" len="med"/>
+                      <a:tailEnd type="none" w="med" len="med"/>
+                    </a:lnR>
+                    <a:lnT w="12700" cap="flat" cmpd="sng" algn="ctr">
+                      <a:solidFill>
+                        <a:srgbClr val="D1BCD2"/>
+                      </a:solidFill>
+                      <a:prstDash val="solid"/>
+                      <a:round/>
+                      <a:headEnd type="none" w="med" len="med"/>
+                      <a:tailEnd type="none" w="med" len="med"/>
+                    </a:lnT>
+                    <a:lnB w="12700" cap="flat" cmpd="sng" algn="ctr">
+                      <a:solidFill>
+                        <a:srgbClr val="D1BCD2"/>
+                      </a:solidFill>
+                      <a:prstDash val="solid"/>
+                      <a:round/>
+                      <a:headEnd type="none" w="med" len="med"/>
+                      <a:tailEnd type="none" w="med" len="med"/>
+                    </a:lnB>
+                    <a:lnTlToBr w="12700" cmpd="sng">
+                      <a:noFill/>
+                      <a:prstDash val="solid"/>
+                    </a:lnTlToBr>
+                    <a:lnBlToTr w="12700" cmpd="sng">
+                      <a:noFill/>
+                      <a:prstDash val="solid"/>
+                    </a:lnBlToTr>
+                  </a:tcPr>
+                </a:tc>
+                <a:extLst>
+                  <a:ext uri="{0D108BD9-81ED-4DB2-BD59-A6C34878D82A}">
+                    <a16:rowId xmlns:a16="http://schemas.microsoft.com/office/drawing/2014/main" val="353132345"/>
+                  </a:ext>
+                </a:extLst>
+              </a:tr>
             </a:tbl>
           </a:graphicData>
         </a:graphic>
       </p:graphicFrame>
+      <p:pic>
+        <p:nvPicPr>
+          <p:cNvPr id="3" name="Рисунок 2"/>
+          <p:cNvPicPr>
+            <a:picLocks noChangeAspect="1"/>
+          </p:cNvPicPr>
+          <p:nvPr/>
+        </p:nvPicPr>
+        <p:blipFill>
+          <a:blip r:embed="rId2"/>
+          <a:stretch>
+            <a:fillRect/>
+          </a:stretch>
+        </p:blipFill>
+        <p:spPr>
+          <a:xfrm>
+            <a:off x="6021182" y="4243173"/>
+            <a:ext cx="1619203" cy="1619203"/>
+          </a:xfrm>
+          <a:prstGeom prst="rect">
+            <a:avLst/>
+          </a:prstGeom>
+        </p:spPr>
+      </p:pic>
+      <p:pic>
+        <p:nvPicPr>
+          <p:cNvPr id="4" name="Рисунок 3"/>
+          <p:cNvPicPr>
+            <a:picLocks noChangeAspect="1"/>
+          </p:cNvPicPr>
+          <p:nvPr/>
+        </p:nvPicPr>
+        <p:blipFill>
+          <a:blip r:embed="rId3"/>
+          <a:stretch>
+            <a:fillRect/>
+          </a:stretch>
+        </p:blipFill>
+        <p:spPr>
+          <a:xfrm>
+            <a:off x="9181207" y="4254331"/>
+            <a:ext cx="1608045" cy="1608045"/>
+          </a:xfrm>
+          <a:prstGeom prst="rect">
+            <a:avLst/>
+          </a:prstGeom>
+        </p:spPr>
+      </p:pic>
+      <p:pic>
+        <p:nvPicPr>
+          <p:cNvPr id="5" name="Рисунок 4"/>
+          <p:cNvPicPr>
+            <a:picLocks noChangeAspect="1"/>
+          </p:cNvPicPr>
+          <p:nvPr/>
+        </p:nvPicPr>
+        <p:blipFill rotWithShape="1">
+          <a:blip r:embed="rId4"/>
+          <a:srcRect l="24524" t="17923" r="21190" b="21601"/>
+          <a:stretch/>
+        </p:blipFill>
+        <p:spPr>
+          <a:xfrm>
+            <a:off x="3026301" y="4242504"/>
+            <a:ext cx="1454059" cy="1619872"/>
+          </a:xfrm>
+          <a:prstGeom prst="rect">
+            <a:avLst/>
+          </a:prstGeom>
+        </p:spPr>
+      </p:pic>
+      <p:sp>
+        <p:nvSpPr>
+          <p:cNvPr id="9" name="Стрелка вправо 8"/>
+          <p:cNvSpPr/>
+          <p:nvPr/>
+        </p:nvSpPr>
+        <p:spPr>
+          <a:xfrm>
+            <a:off x="4195483" y="6258697"/>
+            <a:ext cx="4447842" cy="187370"/>
+          </a:xfrm>
+          <a:prstGeom prst="rightArrow">
+            <a:avLst>
+              <a:gd name="adj1" fmla="val 50000"/>
+              <a:gd name="adj2" fmla="val 106410"/>
+            </a:avLst>
+          </a:prstGeom>
+          <a:solidFill>
+            <a:srgbClr val="D1BCD2"/>
+          </a:solidFill>
+          <a:ln>
+            <a:solidFill>
+              <a:srgbClr val="D1BCD2"/>
+            </a:solidFill>
+          </a:ln>
+        </p:spPr>
+        <p:style>
+          <a:lnRef idx="1">
+            <a:schemeClr val="accent2"/>
+          </a:lnRef>
+          <a:fillRef idx="2">
+            <a:schemeClr val="accent2"/>
+          </a:fillRef>
+          <a:effectRef idx="1">
+            <a:schemeClr val="accent2"/>
+          </a:effectRef>
+          <a:fontRef idx="minor">
+            <a:schemeClr val="dk1"/>
+          </a:fontRef>
+        </p:style>
+        <p:txBody>
+          <a:bodyPr rtlCol="0" anchor="ctr"/>
+          <a:lstStyle/>
+          <a:p>
+            <a:pPr algn="ctr"/>
+            <a:endParaRPr lang="ru-RU"/>
+          </a:p>
+        </p:txBody>
+      </p:sp>
+      <p:sp>
+        <p:nvSpPr>
+          <p:cNvPr id="11" name="TextBox 10"/>
+          <p:cNvSpPr txBox="1"/>
+          <p:nvPr/>
+        </p:nvSpPr>
+        <p:spPr>
+          <a:xfrm>
+            <a:off x="627528" y="6167716"/>
+            <a:ext cx="3263154" cy="369332"/>
+          </a:xfrm>
+          <a:prstGeom prst="rect">
+            <a:avLst/>
+          </a:prstGeom>
+          <a:noFill/>
+        </p:spPr>
+        <p:txBody>
+          <a:bodyPr wrap="square" rtlCol="0">
+            <a:spAutoFit/>
+          </a:bodyPr>
+          <a:lstStyle/>
+          <a:p>
+            <a:r>
+              <a:rPr lang="ru-RU" dirty="0" smtClean="0"/>
+              <a:t>Убывание степени интеграции</a:t>
+            </a:r>
+            <a:endParaRPr lang="ru-RU" dirty="0"/>
+          </a:p>
+        </p:txBody>
+      </p:sp>
     </p:spTree>
     <p:extLst>
       <p:ext uri="{BB962C8B-B14F-4D97-AF65-F5344CB8AC3E}">
         <p14:creationId xmlns:p14="http://schemas.microsoft.com/office/powerpoint/2010/main" val="2267285265"/>
+      </p:ext>
+    </p:extLst>
+  </p:cSld>
+  <p:clrMapOvr>
+    <a:masterClrMapping/>
+  </p:clrMapOvr>
+  <p:timing>
+    <p:tnLst>
+      <p:par>
+        <p:cTn id="1" dur="indefinite" restart="never" nodeType="tmRoot"/>
+      </p:par>
+    </p:tnLst>
+  </p:timing>
+</p:sld>
+</file>
+
+<file path=ppt/slides/slide5.xml><?xml version="1.0" encoding="utf-8"?>
+<p:sld xmlns:a="http://schemas.openxmlformats.org/drawingml/2006/main" xmlns:r="http://schemas.openxmlformats.org/officeDocument/2006/relationships" xmlns:p="http://schemas.openxmlformats.org/presentationml/2006/main">
+  <p:cSld>
+    <p:spTree>
+      <p:nvGrpSpPr>
+        <p:cNvPr id="1" name=""/>
+        <p:cNvGrpSpPr/>
+        <p:nvPr/>
+      </p:nvGrpSpPr>
+      <p:grpSpPr>
+        <a:xfrm>
+          <a:off x="0" y="0"/>
+          <a:ext cx="0" cy="0"/>
+          <a:chOff x="0" y="0"/>
+          <a:chExt cx="0" cy="0"/>
+        </a:xfrm>
+      </p:grpSpPr>
+      <p:sp>
+        <p:nvSpPr>
+          <p:cNvPr id="2" name="Заголовок 1"/>
+          <p:cNvSpPr>
+            <a:spLocks noGrp="1"/>
+          </p:cNvSpPr>
+          <p:nvPr>
+            <p:ph type="title"/>
+          </p:nvPr>
+        </p:nvSpPr>
+        <p:spPr>
+          <a:xfrm>
+            <a:off x="838200" y="543671"/>
+            <a:ext cx="10515600" cy="549276"/>
+          </a:xfrm>
+        </p:spPr>
+        <p:txBody>
+          <a:bodyPr>
+            <a:normAutofit/>
+          </a:bodyPr>
+          <a:lstStyle/>
+          <a:p>
+            <a:r>
+              <a:rPr lang="ru-RU" sz="3200" dirty="0" smtClean="0"/>
+              <a:t>Постановка задачи</a:t>
+            </a:r>
+            <a:endParaRPr lang="ru-RU" sz="3200" dirty="0"/>
+          </a:p>
+        </p:txBody>
+      </p:sp>
+      <p:sp>
+        <p:nvSpPr>
+          <p:cNvPr id="3" name="Объект 2"/>
+          <p:cNvSpPr>
+            <a:spLocks noGrp="1"/>
+          </p:cNvSpPr>
+          <p:nvPr>
+            <p:ph idx="1"/>
+          </p:nvPr>
+        </p:nvSpPr>
+        <p:spPr>
+          <a:xfrm>
+            <a:off x="838200" y="2013883"/>
+            <a:ext cx="4558553" cy="2325034"/>
+          </a:xfrm>
+        </p:spPr>
+        <p:txBody>
+          <a:bodyPr>
+            <a:normAutofit/>
+          </a:bodyPr>
+          <a:lstStyle/>
+          <a:p>
+            <a:pPr marL="514350" indent="-514350" algn="just">
+              <a:buFont typeface="+mj-lt"/>
+              <a:buAutoNum type="arabicPeriod"/>
+            </a:pPr>
+            <a:r>
+              <a:rPr lang="ru-RU" sz="1800" dirty="0" smtClean="0"/>
+              <a:t>Разработать электронное устройство </a:t>
+            </a:r>
+            <a:r>
+              <a:rPr lang="ru-RU" sz="1800" dirty="0"/>
+              <a:t>регулировки </a:t>
+            </a:r>
+            <a:r>
+              <a:rPr lang="ru-RU" sz="1800" dirty="0" smtClean="0"/>
+              <a:t>яркости</a:t>
+            </a:r>
+            <a:r>
+              <a:rPr lang="ru-RU" sz="1800" dirty="0" smtClean="0"/>
+              <a:t> </a:t>
+            </a:r>
+            <a:r>
+              <a:rPr lang="ru-RU" sz="1800" dirty="0"/>
+              <a:t>осветительных приборов сети </a:t>
+            </a:r>
+            <a:r>
+              <a:rPr lang="ru-RU" sz="1800" dirty="0" smtClean="0"/>
+              <a:t>220В</a:t>
+            </a:r>
+            <a:r>
+              <a:rPr lang="ru-RU" sz="1800" dirty="0"/>
+              <a:t> </a:t>
+            </a:r>
+            <a:r>
+              <a:rPr lang="ru-RU" sz="1800" dirty="0" smtClean="0"/>
+              <a:t>для системы «Умный дом»</a:t>
+            </a:r>
+          </a:p>
+          <a:p>
+            <a:pPr marL="514350" indent="-514350" algn="just">
+              <a:buFont typeface="+mj-lt"/>
+              <a:buAutoNum type="arabicPeriod"/>
+            </a:pPr>
+            <a:r>
+              <a:rPr lang="ru-RU" sz="1800" dirty="0" smtClean="0"/>
+              <a:t>Создать пользовательский </a:t>
+            </a:r>
+            <a:r>
+              <a:rPr lang="en-US" sz="1800" dirty="0"/>
+              <a:t>Web</a:t>
+            </a:r>
+            <a:r>
+              <a:rPr lang="ru-RU" sz="1800" dirty="0" smtClean="0"/>
+              <a:t>-интерфейс </a:t>
+            </a:r>
+            <a:r>
+              <a:rPr lang="ru-RU" sz="1800" dirty="0"/>
+              <a:t>для удаленного управления устройствами системы «Умный дом</a:t>
+            </a:r>
+            <a:r>
+              <a:rPr lang="ru-RU" sz="1800" dirty="0" smtClean="0"/>
+              <a:t>».</a:t>
+            </a:r>
+            <a:endParaRPr lang="en-US" sz="1800" dirty="0" smtClean="0"/>
+          </a:p>
+        </p:txBody>
+      </p:sp>
+      <p:pic>
+        <p:nvPicPr>
+          <p:cNvPr id="4" name="Рисунок 3"/>
+          <p:cNvPicPr>
+            <a:picLocks noChangeAspect="1"/>
+          </p:cNvPicPr>
+          <p:nvPr/>
+        </p:nvPicPr>
+        <p:blipFill>
+          <a:blip r:embed="rId2"/>
+          <a:stretch>
+            <a:fillRect/>
+          </a:stretch>
+        </p:blipFill>
+        <p:spPr>
+          <a:xfrm>
+            <a:off x="5396753" y="1111624"/>
+            <a:ext cx="6214012" cy="4500282"/>
+          </a:xfrm>
+          <a:prstGeom prst="rect">
+            <a:avLst/>
+          </a:prstGeom>
+        </p:spPr>
+      </p:pic>
+      <p:sp>
+        <p:nvSpPr>
+          <p:cNvPr id="5" name="TextBox 4"/>
+          <p:cNvSpPr txBox="1"/>
+          <p:nvPr/>
+        </p:nvSpPr>
+        <p:spPr>
+          <a:xfrm>
+            <a:off x="5396753" y="5809129"/>
+            <a:ext cx="6355976" cy="584775"/>
+          </a:xfrm>
+          <a:prstGeom prst="rect">
+            <a:avLst/>
+          </a:prstGeom>
+          <a:noFill/>
+        </p:spPr>
+        <p:txBody>
+          <a:bodyPr wrap="square" rtlCol="0">
+            <a:spAutoFit/>
+          </a:bodyPr>
+          <a:lstStyle/>
+          <a:p>
+            <a:pPr algn="ctr"/>
+            <a:r>
+              <a:rPr lang="ru-RU" sz="1600" dirty="0" smtClean="0"/>
+              <a:t>Структурная схема системы «Умный дом» (сиреневым обозначены разрабатываемые узлы)</a:t>
+            </a:r>
+            <a:endParaRPr lang="ru-RU" sz="1600" dirty="0"/>
+          </a:p>
+        </p:txBody>
+      </p:sp>
+    </p:spTree>
+    <p:extLst>
+      <p:ext uri="{BB962C8B-B14F-4D97-AF65-F5344CB8AC3E}">
+        <p14:creationId xmlns:p14="http://schemas.microsoft.com/office/powerpoint/2010/main" val="3496867006"/>
+      </p:ext>
+    </p:extLst>
+  </p:cSld>
+  <p:clrMapOvr>
+    <a:masterClrMapping/>
+  </p:clrMapOvr>
+  <p:timing>
+    <p:tnLst>
+      <p:par>
+        <p:cTn id="1" dur="indefinite" restart="never" nodeType="tmRoot"/>
+      </p:par>
+    </p:tnLst>
+  </p:timing>
+</p:sld>
+</file>
+
+<file path=ppt/slides/slide6.xml><?xml version="1.0" encoding="utf-8"?>
+<p:sld xmlns:a="http://schemas.openxmlformats.org/drawingml/2006/main" xmlns:r="http://schemas.openxmlformats.org/officeDocument/2006/relationships" xmlns:p="http://schemas.openxmlformats.org/presentationml/2006/main">
+  <p:cSld>
+    <p:spTree>
+      <p:nvGrpSpPr>
+        <p:cNvPr id="1" name=""/>
+        <p:cNvGrpSpPr/>
+        <p:nvPr/>
+      </p:nvGrpSpPr>
+      <p:grpSpPr>
+        <a:xfrm>
+          <a:off x="0" y="0"/>
+          <a:ext cx="0" cy="0"/>
+          <a:chOff x="0" y="0"/>
+          <a:chExt cx="0" cy="0"/>
+        </a:xfrm>
+      </p:grpSpPr>
+      <p:sp>
+        <p:nvSpPr>
+          <p:cNvPr id="2" name="Заголовок 1"/>
+          <p:cNvSpPr>
+            <a:spLocks noGrp="1"/>
+          </p:cNvSpPr>
+          <p:nvPr>
+            <p:ph type="title"/>
+          </p:nvPr>
+        </p:nvSpPr>
+        <p:spPr>
+          <a:xfrm>
+            <a:off x="838200" y="580279"/>
+            <a:ext cx="10515600" cy="567204"/>
+          </a:xfrm>
+        </p:spPr>
+        <p:txBody>
+          <a:bodyPr>
+            <a:normAutofit/>
+          </a:bodyPr>
+          <a:lstStyle/>
+          <a:p>
+            <a:r>
+              <a:rPr lang="ru-RU" sz="3200" dirty="0" smtClean="0"/>
+              <a:t>Реализация свето-регулятора</a:t>
+            </a:r>
+            <a:endParaRPr lang="ru-RU" sz="3200" dirty="0"/>
+          </a:p>
+        </p:txBody>
+      </p:sp>
+      <p:pic>
+        <p:nvPicPr>
+          <p:cNvPr id="4" name="Объект 3" descr="Dimming LEDs - The difference between leading and trailing edge"/>
+          <p:cNvPicPr>
+            <a:picLocks noGrp="1"/>
+          </p:cNvPicPr>
+          <p:nvPr>
+            <p:ph idx="1"/>
+          </p:nvPr>
+        </p:nvPicPr>
+        <p:blipFill>
+          <a:blip r:embed="rId2">
+            <a:extLst>
+              <a:ext uri="{28A0092B-C50C-407E-A947-70E740481C1C}">
+                <a14:useLocalDpi xmlns:a14="http://schemas.microsoft.com/office/drawing/2010/main" val="0"/>
+              </a:ext>
+            </a:extLst>
+          </a:blip>
+          <a:srcRect/>
+          <a:stretch>
+            <a:fillRect/>
+          </a:stretch>
+        </p:blipFill>
+        <p:spPr bwMode="auto">
+          <a:xfrm>
+            <a:off x="838199" y="2195331"/>
+            <a:ext cx="4857750" cy="2790825"/>
+          </a:xfrm>
+          <a:prstGeom prst="rect">
+            <a:avLst/>
+          </a:prstGeom>
+          <a:noFill/>
+          <a:ln>
+            <a:noFill/>
+          </a:ln>
+        </p:spPr>
+      </p:pic>
+      <p:pic>
+        <p:nvPicPr>
+          <p:cNvPr id="5" name="Рисунок 4" descr="Dimming LEDs - The difference between leading and trailing edge"/>
+          <p:cNvPicPr/>
+          <p:nvPr/>
+        </p:nvPicPr>
+        <p:blipFill>
+          <a:blip r:embed="rId3">
+            <a:extLst>
+              <a:ext uri="{28A0092B-C50C-407E-A947-70E740481C1C}">
+                <a14:useLocalDpi xmlns:a14="http://schemas.microsoft.com/office/drawing/2010/main" val="0"/>
+              </a:ext>
+            </a:extLst>
+          </a:blip>
+          <a:srcRect/>
+          <a:stretch>
+            <a:fillRect/>
+          </a:stretch>
+        </p:blipFill>
+        <p:spPr bwMode="auto">
+          <a:xfrm>
+            <a:off x="6492240" y="2197236"/>
+            <a:ext cx="4861560" cy="2788920"/>
+          </a:xfrm>
+          <a:prstGeom prst="rect">
+            <a:avLst/>
+          </a:prstGeom>
+          <a:noFill/>
+          <a:ln>
+            <a:noFill/>
+          </a:ln>
+        </p:spPr>
+      </p:pic>
+      <p:sp>
+        <p:nvSpPr>
+          <p:cNvPr id="6" name="TextBox 5"/>
+          <p:cNvSpPr txBox="1"/>
+          <p:nvPr/>
+        </p:nvSpPr>
+        <p:spPr>
+          <a:xfrm>
+            <a:off x="1048310" y="4986156"/>
+            <a:ext cx="4437529" cy="369332"/>
+          </a:xfrm>
+          <a:prstGeom prst="rect">
+            <a:avLst/>
+          </a:prstGeom>
+          <a:noFill/>
+        </p:spPr>
+        <p:txBody>
+          <a:bodyPr wrap="square" rtlCol="0">
+            <a:spAutoFit/>
+          </a:bodyPr>
+          <a:lstStyle/>
+          <a:p>
+            <a:pPr algn="ctr"/>
+            <a:r>
+              <a:rPr lang="ru-RU" dirty="0" smtClean="0"/>
+              <a:t>Регулирование с отсечкой по фронту</a:t>
+            </a:r>
+            <a:endParaRPr lang="ru-RU" dirty="0"/>
+          </a:p>
+        </p:txBody>
+      </p:sp>
+      <p:sp>
+        <p:nvSpPr>
+          <p:cNvPr id="7" name="TextBox 6"/>
+          <p:cNvSpPr txBox="1"/>
+          <p:nvPr/>
+        </p:nvSpPr>
+        <p:spPr>
+          <a:xfrm>
+            <a:off x="6875929" y="4986156"/>
+            <a:ext cx="4477871" cy="369332"/>
+          </a:xfrm>
+          <a:prstGeom prst="rect">
+            <a:avLst/>
+          </a:prstGeom>
+          <a:noFill/>
+        </p:spPr>
+        <p:txBody>
+          <a:bodyPr wrap="square" rtlCol="0">
+            <a:spAutoFit/>
+          </a:bodyPr>
+          <a:lstStyle/>
+          <a:p>
+            <a:pPr algn="ctr"/>
+            <a:r>
+              <a:rPr lang="ru-RU" dirty="0" smtClean="0"/>
+              <a:t>Регулирование с отсечкой по спаду</a:t>
+            </a:r>
+            <a:endParaRPr lang="ru-RU" dirty="0"/>
+          </a:p>
+        </p:txBody>
+      </p:sp>
+      <p:sp>
+        <p:nvSpPr>
+          <p:cNvPr id="8" name="TextBox 7"/>
+          <p:cNvSpPr txBox="1"/>
+          <p:nvPr/>
+        </p:nvSpPr>
+        <p:spPr>
+          <a:xfrm>
+            <a:off x="950259" y="1317812"/>
+            <a:ext cx="6580094" cy="369332"/>
+          </a:xfrm>
+          <a:prstGeom prst="rect">
+            <a:avLst/>
+          </a:prstGeom>
+          <a:noFill/>
+        </p:spPr>
+        <p:txBody>
+          <a:bodyPr wrap="square" rtlCol="0">
+            <a:spAutoFit/>
+          </a:bodyPr>
+          <a:lstStyle/>
+          <a:p>
+            <a:r>
+              <a:rPr lang="ru-RU" dirty="0" smtClean="0"/>
+              <a:t>Способы управления мощностью осветительных приборов</a:t>
+            </a:r>
+            <a:endParaRPr lang="ru-RU" dirty="0"/>
+          </a:p>
+        </p:txBody>
+      </p:sp>
+    </p:spTree>
+    <p:extLst>
+      <p:ext uri="{BB962C8B-B14F-4D97-AF65-F5344CB8AC3E}">
+        <p14:creationId xmlns:p14="http://schemas.microsoft.com/office/powerpoint/2010/main" val="1568963023"/>
+      </p:ext>
+    </p:extLst>
+  </p:cSld>
+  <p:clrMapOvr>
+    <a:masterClrMapping/>
+  </p:clrMapOvr>
+  <p:timing>
+    <p:tnLst>
+      <p:par>
+        <p:cTn id="1" dur="indefinite" restart="never" nodeType="tmRoot"/>
+      </p:par>
+    </p:tnLst>
+  </p:timing>
+</p:sld>
+</file>
+
+<file path=ppt/slides/slide7.xml><?xml version="1.0" encoding="utf-8"?>
+<p:sld xmlns:a="http://schemas.openxmlformats.org/drawingml/2006/main" xmlns:r="http://schemas.openxmlformats.org/officeDocument/2006/relationships" xmlns:p="http://schemas.openxmlformats.org/presentationml/2006/main">
+  <p:cSld>
+    <p:spTree>
+      <p:nvGrpSpPr>
+        <p:cNvPr id="1" name=""/>
+        <p:cNvGrpSpPr/>
+        <p:nvPr/>
+      </p:nvGrpSpPr>
+      <p:grpSpPr>
+        <a:xfrm>
+          <a:off x="0" y="0"/>
+          <a:ext cx="0" cy="0"/>
+          <a:chOff x="0" y="0"/>
+          <a:chExt cx="0" cy="0"/>
+        </a:xfrm>
+      </p:grpSpPr>
+      <p:sp>
+        <p:nvSpPr>
+          <p:cNvPr id="2" name="Заголовок 1"/>
+          <p:cNvSpPr>
+            <a:spLocks noGrp="1"/>
+          </p:cNvSpPr>
+          <p:nvPr>
+            <p:ph type="title"/>
+          </p:nvPr>
+        </p:nvSpPr>
+        <p:spPr>
+          <a:xfrm>
+            <a:off x="838200" y="580279"/>
+            <a:ext cx="10515600" cy="567204"/>
+          </a:xfrm>
+        </p:spPr>
+        <p:txBody>
+          <a:bodyPr>
+            <a:normAutofit/>
+          </a:bodyPr>
+          <a:lstStyle/>
+          <a:p>
+            <a:r>
+              <a:rPr lang="ru-RU" sz="3200" dirty="0" smtClean="0"/>
+              <a:t>Реализация свето-регулятора</a:t>
+            </a:r>
+            <a:endParaRPr lang="ru-RU" sz="3200" dirty="0"/>
+          </a:p>
+        </p:txBody>
+      </p:sp>
+      <p:sp>
+        <p:nvSpPr>
+          <p:cNvPr id="8" name="TextBox 7"/>
+          <p:cNvSpPr txBox="1"/>
+          <p:nvPr/>
+        </p:nvSpPr>
+        <p:spPr>
+          <a:xfrm>
+            <a:off x="950259" y="1317812"/>
+            <a:ext cx="6580094" cy="369332"/>
+          </a:xfrm>
+          <a:prstGeom prst="rect">
+            <a:avLst/>
+          </a:prstGeom>
+          <a:noFill/>
+        </p:spPr>
+        <p:txBody>
+          <a:bodyPr wrap="square" rtlCol="0">
+            <a:spAutoFit/>
+          </a:bodyPr>
+          <a:lstStyle/>
+          <a:p>
+            <a:r>
+              <a:rPr lang="ru-RU" dirty="0" smtClean="0"/>
+              <a:t>Функциональная схема</a:t>
+            </a:r>
+            <a:endParaRPr lang="ru-RU" dirty="0"/>
+          </a:p>
+        </p:txBody>
+      </p:sp>
+      <p:pic>
+        <p:nvPicPr>
+          <p:cNvPr id="9" name="Рисунок 8"/>
+          <p:cNvPicPr>
+            <a:picLocks noChangeAspect="1"/>
+          </p:cNvPicPr>
+          <p:nvPr/>
+        </p:nvPicPr>
+        <p:blipFill>
+          <a:blip r:embed="rId2"/>
+          <a:stretch>
+            <a:fillRect/>
+          </a:stretch>
+        </p:blipFill>
+        <p:spPr>
+          <a:xfrm>
+            <a:off x="748916" y="1857473"/>
+            <a:ext cx="7269649" cy="3558782"/>
+          </a:xfrm>
+          <a:prstGeom prst="rect">
+            <a:avLst/>
+          </a:prstGeom>
+        </p:spPr>
+      </p:pic>
+      <p:sp>
+        <p:nvSpPr>
+          <p:cNvPr id="10" name="TextBox 9"/>
+          <p:cNvSpPr txBox="1"/>
+          <p:nvPr/>
+        </p:nvSpPr>
+        <p:spPr>
+          <a:xfrm>
+            <a:off x="8104095" y="1857473"/>
+            <a:ext cx="3621740" cy="3139321"/>
+          </a:xfrm>
+          <a:prstGeom prst="rect">
+            <a:avLst/>
+          </a:prstGeom>
+          <a:noFill/>
+        </p:spPr>
+        <p:txBody>
+          <a:bodyPr wrap="square" rtlCol="0">
+            <a:spAutoFit/>
+          </a:bodyPr>
+          <a:lstStyle/>
+          <a:p>
+            <a:pPr algn="just"/>
+            <a:r>
+              <a:rPr lang="ru-RU" dirty="0" smtClean="0"/>
+              <a:t>Когда напряжение в сети приближается к нулю, срабатывает детектор, микроконтроллер открывает силовой ключ и происходит коммутация фазовой линии на нагрузку. Через определенное уровнем яркости время, микроконтроллер закрывает силовой ключ и коммутация нагрузки питающим напряжением прекращается.</a:t>
+            </a:r>
+            <a:endParaRPr lang="ru-RU" dirty="0"/>
+          </a:p>
+        </p:txBody>
+      </p:sp>
+      <p:sp>
+        <p:nvSpPr>
+          <p:cNvPr id="11" name="TextBox 10"/>
+          <p:cNvSpPr txBox="1"/>
+          <p:nvPr/>
+        </p:nvSpPr>
+        <p:spPr>
+          <a:xfrm>
+            <a:off x="1770528" y="5504330"/>
+            <a:ext cx="5226424" cy="376518"/>
+          </a:xfrm>
+          <a:prstGeom prst="rect">
+            <a:avLst/>
+          </a:prstGeom>
+          <a:noFill/>
+        </p:spPr>
+        <p:txBody>
+          <a:bodyPr wrap="square" rtlCol="0">
+            <a:spAutoFit/>
+          </a:bodyPr>
+          <a:lstStyle/>
+          <a:p>
+            <a:pPr algn="ctr"/>
+            <a:r>
+              <a:rPr lang="ru-RU" dirty="0" smtClean="0"/>
+              <a:t>Функциональная схема свето-регулятора</a:t>
+            </a:r>
+            <a:endParaRPr lang="ru-RU" dirty="0"/>
+          </a:p>
+        </p:txBody>
+      </p:sp>
+    </p:spTree>
+    <p:extLst>
+      <p:ext uri="{BB962C8B-B14F-4D97-AF65-F5344CB8AC3E}">
+        <p14:creationId xmlns:p14="http://schemas.microsoft.com/office/powerpoint/2010/main" val="2911153265"/>
       </p:ext>
     </p:extLst>
   </p:cSld>

--- a/Презентация1.pptx
+++ b/Презентация1.pptx
@@ -6,12 +6,18 @@
   </p:sldMasterIdLst>
   <p:sldIdLst>
     <p:sldId id="256" r:id="rId2"/>
-    <p:sldId id="257" r:id="rId3"/>
+    <p:sldId id="271" r:id="rId3"/>
     <p:sldId id="258" r:id="rId4"/>
     <p:sldId id="260" r:id="rId5"/>
     <p:sldId id="259" r:id="rId6"/>
     <p:sldId id="261" r:id="rId7"/>
     <p:sldId id="263" r:id="rId8"/>
+    <p:sldId id="265" r:id="rId9"/>
+    <p:sldId id="267" r:id="rId10"/>
+    <p:sldId id="268" r:id="rId11"/>
+    <p:sldId id="269" r:id="rId12"/>
+    <p:sldId id="270" r:id="rId13"/>
+    <p:sldId id="272" r:id="rId14"/>
   </p:sldIdLst>
   <p:sldSz cx="12192000" cy="6858000"/>
   <p:notesSz cx="6858000" cy="9144000"/>
@@ -2987,36 +2993,1232 @@
         </p:nvSpPr>
         <p:spPr/>
         <p:txBody>
-          <a:bodyPr/>
-          <a:lstStyle/>
-          <a:p>
-            <a:endParaRPr lang="ru-RU"/>
-          </a:p>
-        </p:txBody>
-      </p:sp>
-      <p:sp>
-        <p:nvSpPr>
-          <p:cNvPr id="3" name="Подзаголовок 2"/>
+          <a:bodyPr>
+            <a:normAutofit/>
+          </a:bodyPr>
+          <a:lstStyle/>
+          <a:p>
+            <a:r>
+              <a:rPr lang="ru-RU" sz="2900" dirty="0">
+                <a:solidFill>
+                  <a:schemeClr val="tx1">
+                    <a:lumMod val="75000"/>
+                    <a:lumOff val="25000"/>
+                  </a:schemeClr>
+                </a:solidFill>
+                <a:latin typeface="Century Gothic" panose="020B0502020202020204" pitchFamily="34" charset="0"/>
+              </a:rPr>
+              <a:t>Разработка устройств управления и сбора информации, входящих в состав киберфизической системы «Умный дом» с </a:t>
+            </a:r>
+            <a:r>
+              <a:rPr lang="en-US" sz="2900" dirty="0">
+                <a:solidFill>
+                  <a:schemeClr val="tx1">
+                    <a:lumMod val="75000"/>
+                    <a:lumOff val="25000"/>
+                  </a:schemeClr>
+                </a:solidFill>
+                <a:latin typeface="Century Gothic" panose="020B0502020202020204" pitchFamily="34" charset="0"/>
+              </a:rPr>
+              <a:t>Web</a:t>
+            </a:r>
+            <a:r>
+              <a:rPr lang="ru-RU" sz="2900" dirty="0">
+                <a:solidFill>
+                  <a:schemeClr val="tx1">
+                    <a:lumMod val="75000"/>
+                    <a:lumOff val="25000"/>
+                  </a:schemeClr>
+                </a:solidFill>
+                <a:latin typeface="Century Gothic" panose="020B0502020202020204" pitchFamily="34" charset="0"/>
+              </a:rPr>
+              <a:t>-интерфейсом.</a:t>
+            </a:r>
+          </a:p>
+        </p:txBody>
+      </p:sp>
+      <p:sp>
+        <p:nvSpPr>
+          <p:cNvPr id="4" name="TextBox 3"/>
+          <p:cNvSpPr txBox="1"/>
+          <p:nvPr/>
+        </p:nvSpPr>
+        <p:spPr>
+          <a:xfrm>
+            <a:off x="8399929" y="4124237"/>
+            <a:ext cx="3236259" cy="830997"/>
+          </a:xfrm>
+          <a:prstGeom prst="rect">
+            <a:avLst/>
+          </a:prstGeom>
+          <a:noFill/>
+        </p:spPr>
+        <p:txBody>
+          <a:bodyPr wrap="square" rtlCol="0">
+            <a:spAutoFit/>
+          </a:bodyPr>
+          <a:lstStyle/>
+          <a:p>
+            <a:r>
+              <a:rPr lang="ru-RU" sz="2400" dirty="0" smtClean="0">
+                <a:solidFill>
+                  <a:schemeClr val="tx1">
+                    <a:lumMod val="75000"/>
+                    <a:lumOff val="25000"/>
+                  </a:schemeClr>
+                </a:solidFill>
+              </a:rPr>
+              <a:t>Наумов Н.С</a:t>
+            </a:r>
+          </a:p>
+          <a:p>
+            <a:r>
+              <a:rPr lang="ru-RU" sz="2400" dirty="0" smtClean="0">
+                <a:solidFill>
+                  <a:schemeClr val="tx1">
+                    <a:lumMod val="75000"/>
+                    <a:lumOff val="25000"/>
+                  </a:schemeClr>
+                </a:solidFill>
+              </a:rPr>
+              <a:t>Некрасов П.В.</a:t>
+            </a:r>
+            <a:endParaRPr lang="ru-RU" sz="2400" dirty="0">
+              <a:solidFill>
+                <a:schemeClr val="tx1">
+                  <a:lumMod val="75000"/>
+                  <a:lumOff val="25000"/>
+                </a:schemeClr>
+              </a:solidFill>
+            </a:endParaRPr>
+          </a:p>
+        </p:txBody>
+      </p:sp>
+      <p:sp>
+        <p:nvSpPr>
+          <p:cNvPr id="6" name="TextBox 5"/>
+          <p:cNvSpPr txBox="1"/>
+          <p:nvPr/>
+        </p:nvSpPr>
+        <p:spPr>
+          <a:xfrm>
+            <a:off x="1524000" y="4124236"/>
+            <a:ext cx="4052047" cy="830997"/>
+          </a:xfrm>
+          <a:prstGeom prst="rect">
+            <a:avLst/>
+          </a:prstGeom>
+          <a:noFill/>
+        </p:spPr>
+        <p:txBody>
+          <a:bodyPr wrap="square" rtlCol="0">
+            <a:spAutoFit/>
+          </a:bodyPr>
+          <a:lstStyle/>
+          <a:p>
+            <a:r>
+              <a:rPr lang="ru-RU" sz="2400" dirty="0" smtClean="0">
+                <a:solidFill>
+                  <a:schemeClr val="tx1">
+                    <a:lumMod val="75000"/>
+                    <a:lumOff val="25000"/>
+                  </a:schemeClr>
+                </a:solidFill>
+              </a:rPr>
+              <a:t>Студент-дипломник:</a:t>
+            </a:r>
+          </a:p>
+          <a:p>
+            <a:r>
+              <a:rPr lang="ru-RU" sz="2400" dirty="0" smtClean="0">
+                <a:solidFill>
+                  <a:schemeClr val="tx1">
+                    <a:lumMod val="75000"/>
+                    <a:lumOff val="25000"/>
+                  </a:schemeClr>
+                </a:solidFill>
+              </a:rPr>
+              <a:t>Научный руководитель:</a:t>
+            </a:r>
+          </a:p>
+        </p:txBody>
+      </p:sp>
+      <p:sp>
+        <p:nvSpPr>
+          <p:cNvPr id="7" name="TextBox 6"/>
+          <p:cNvSpPr txBox="1"/>
+          <p:nvPr/>
+        </p:nvSpPr>
+        <p:spPr>
+          <a:xfrm>
+            <a:off x="4316506" y="6194612"/>
+            <a:ext cx="3558988" cy="369332"/>
+          </a:xfrm>
+          <a:prstGeom prst="rect">
+            <a:avLst/>
+          </a:prstGeom>
+          <a:noFill/>
+        </p:spPr>
+        <p:txBody>
+          <a:bodyPr wrap="square" rtlCol="0">
+            <a:spAutoFit/>
+          </a:bodyPr>
+          <a:lstStyle/>
+          <a:p>
+            <a:pPr algn="ctr"/>
+            <a:r>
+              <a:rPr lang="ru-RU" dirty="0" smtClean="0">
+                <a:solidFill>
+                  <a:schemeClr val="tx1">
+                    <a:lumMod val="75000"/>
+                    <a:lumOff val="25000"/>
+                  </a:schemeClr>
+                </a:solidFill>
+              </a:rPr>
+              <a:t>НИЯУ МИФИ 2021</a:t>
+            </a:r>
+            <a:endParaRPr lang="ru-RU" dirty="0">
+              <a:solidFill>
+                <a:schemeClr val="tx1">
+                  <a:lumMod val="75000"/>
+                  <a:lumOff val="25000"/>
+                </a:schemeClr>
+              </a:solidFill>
+            </a:endParaRPr>
+          </a:p>
+        </p:txBody>
+      </p:sp>
+    </p:spTree>
+    <p:extLst>
+      <p:ext uri="{BB962C8B-B14F-4D97-AF65-F5344CB8AC3E}">
+        <p14:creationId xmlns:p14="http://schemas.microsoft.com/office/powerpoint/2010/main" val="1413722790"/>
+      </p:ext>
+    </p:extLst>
+  </p:cSld>
+  <p:clrMapOvr>
+    <a:masterClrMapping/>
+  </p:clrMapOvr>
+  <p:timing>
+    <p:tnLst>
+      <p:par>
+        <p:cTn id="1" dur="indefinite" restart="never" nodeType="tmRoot"/>
+      </p:par>
+    </p:tnLst>
+  </p:timing>
+</p:sld>
+</file>
+
+<file path=ppt/slides/slide10.xml><?xml version="1.0" encoding="utf-8"?>
+<p:sld xmlns:a="http://schemas.openxmlformats.org/drawingml/2006/main" xmlns:r="http://schemas.openxmlformats.org/officeDocument/2006/relationships" xmlns:p="http://schemas.openxmlformats.org/presentationml/2006/main">
+  <p:cSld>
+    <p:spTree>
+      <p:nvGrpSpPr>
+        <p:cNvPr id="1" name=""/>
+        <p:cNvGrpSpPr/>
+        <p:nvPr/>
+      </p:nvGrpSpPr>
+      <p:grpSpPr>
+        <a:xfrm>
+          <a:off x="0" y="0"/>
+          <a:ext cx="0" cy="0"/>
+          <a:chOff x="0" y="0"/>
+          <a:chExt cx="0" cy="0"/>
+        </a:xfrm>
+      </p:grpSpPr>
+      <p:sp>
+        <p:nvSpPr>
+          <p:cNvPr id="2" name="Заголовок 1"/>
           <p:cNvSpPr>
             <a:spLocks noGrp="1"/>
           </p:cNvSpPr>
           <p:nvPr>
-            <p:ph type="subTitle" idx="1"/>
+            <p:ph type="title"/>
           </p:nvPr>
         </p:nvSpPr>
-        <p:spPr/>
-        <p:txBody>
-          <a:bodyPr/>
-          <a:lstStyle/>
-          <a:p>
-            <a:endParaRPr lang="ru-RU"/>
-          </a:p>
-        </p:txBody>
-      </p:sp>
+        <p:spPr>
+          <a:xfrm>
+            <a:off x="838199" y="484094"/>
+            <a:ext cx="10515600" cy="615297"/>
+          </a:xfrm>
+        </p:spPr>
+        <p:txBody>
+          <a:bodyPr>
+            <a:normAutofit/>
+          </a:bodyPr>
+          <a:lstStyle/>
+          <a:p>
+            <a:r>
+              <a:rPr lang="ru-RU" sz="2900" dirty="0" smtClean="0">
+                <a:solidFill>
+                  <a:schemeClr val="tx1">
+                    <a:lumMod val="75000"/>
+                    <a:lumOff val="25000"/>
+                  </a:schemeClr>
+                </a:solidFill>
+                <a:latin typeface="Century Gothic" panose="020B0502020202020204" pitchFamily="34" charset="0"/>
+              </a:rPr>
+              <a:t>Реализация свето-регулятора (прототип)</a:t>
+            </a:r>
+            <a:endParaRPr lang="ru-RU" sz="2900" dirty="0">
+              <a:solidFill>
+                <a:schemeClr val="tx1">
+                  <a:lumMod val="75000"/>
+                  <a:lumOff val="25000"/>
+                </a:schemeClr>
+              </a:solidFill>
+              <a:latin typeface="Century Gothic" panose="020B0502020202020204" pitchFamily="34" charset="0"/>
+            </a:endParaRPr>
+          </a:p>
+        </p:txBody>
+      </p:sp>
+      <p:sp>
+        <p:nvSpPr>
+          <p:cNvPr id="3" name="TextBox 2"/>
+          <p:cNvSpPr txBox="1"/>
+          <p:nvPr/>
+        </p:nvSpPr>
+        <p:spPr>
+          <a:xfrm>
+            <a:off x="838199" y="5836673"/>
+            <a:ext cx="3769660" cy="369332"/>
+          </a:xfrm>
+          <a:prstGeom prst="rect">
+            <a:avLst/>
+          </a:prstGeom>
+          <a:noFill/>
+        </p:spPr>
+        <p:txBody>
+          <a:bodyPr wrap="square" rtlCol="0">
+            <a:spAutoFit/>
+          </a:bodyPr>
+          <a:lstStyle/>
+          <a:p>
+            <a:pPr algn="ctr"/>
+            <a:r>
+              <a:rPr lang="ru-RU" dirty="0" smtClean="0">
+                <a:solidFill>
+                  <a:schemeClr val="tx1">
+                    <a:lumMod val="75000"/>
+                    <a:lumOff val="25000"/>
+                  </a:schemeClr>
+                </a:solidFill>
+              </a:rPr>
+              <a:t>Прототип умного свето-регулятора</a:t>
+            </a:r>
+            <a:endParaRPr lang="ru-RU" dirty="0">
+              <a:solidFill>
+                <a:schemeClr val="tx1">
+                  <a:lumMod val="75000"/>
+                  <a:lumOff val="25000"/>
+                </a:schemeClr>
+              </a:solidFill>
+            </a:endParaRPr>
+          </a:p>
+        </p:txBody>
+      </p:sp>
+      <p:sp>
+        <p:nvSpPr>
+          <p:cNvPr id="4" name="TextBox 3"/>
+          <p:cNvSpPr txBox="1"/>
+          <p:nvPr/>
+        </p:nvSpPr>
+        <p:spPr>
+          <a:xfrm>
+            <a:off x="7566212" y="5800483"/>
+            <a:ext cx="3787588" cy="369332"/>
+          </a:xfrm>
+          <a:prstGeom prst="rect">
+            <a:avLst/>
+          </a:prstGeom>
+          <a:noFill/>
+        </p:spPr>
+        <p:txBody>
+          <a:bodyPr wrap="square" rtlCol="0">
+            <a:spAutoFit/>
+          </a:bodyPr>
+          <a:lstStyle/>
+          <a:p>
+            <a:pPr algn="ctr"/>
+            <a:r>
+              <a:rPr lang="ru-RU" dirty="0" smtClean="0">
+                <a:solidFill>
+                  <a:schemeClr val="tx1">
+                    <a:lumMod val="75000"/>
+                    <a:lumOff val="25000"/>
+                  </a:schemeClr>
+                </a:solidFill>
+              </a:rPr>
+              <a:t>Включение свето-регулятора</a:t>
+            </a:r>
+            <a:endParaRPr lang="ru-RU" dirty="0">
+              <a:solidFill>
+                <a:schemeClr val="tx1">
+                  <a:lumMod val="75000"/>
+                  <a:lumOff val="25000"/>
+                </a:schemeClr>
+              </a:solidFill>
+            </a:endParaRPr>
+          </a:p>
+        </p:txBody>
+      </p:sp>
+      <p:pic>
+        <p:nvPicPr>
+          <p:cNvPr id="1026" name="Picture 2" descr="https://sun9-56.userapi.com/impg/xzjTXXZAlLY_qlnA9BFAtb52Epul-0TGcWLA9w/KR-p5Cgn-YI.jpg?size=1440x1920&amp;quality=96&amp;proxy=1&amp;sign=91f46cc60369a7be7c5c4b1ac0137519&amp;type=album"/>
+          <p:cNvPicPr>
+            <a:picLocks noChangeAspect="1" noChangeArrowheads="1"/>
+          </p:cNvPicPr>
+          <p:nvPr/>
+        </p:nvPicPr>
+        <p:blipFill rotWithShape="1">
+          <a:blip r:embed="rId2" cstate="print">
+            <a:extLst>
+              <a:ext uri="{28A0092B-C50C-407E-A947-70E740481C1C}">
+                <a14:useLocalDpi xmlns:a14="http://schemas.microsoft.com/office/drawing/2010/main" val="0"/>
+              </a:ext>
+            </a:extLst>
+          </a:blip>
+          <a:srcRect t="7747"/>
+          <a:stretch/>
+        </p:blipFill>
+        <p:spPr bwMode="auto">
+          <a:xfrm>
+            <a:off x="838199" y="1149631"/>
+            <a:ext cx="3769660" cy="4636802"/>
+          </a:xfrm>
+          <a:prstGeom prst="rect">
+            <a:avLst/>
+          </a:prstGeom>
+          <a:noFill/>
+          <a:extLst>
+            <a:ext uri="{909E8E84-426E-40DD-AFC4-6F175D3DCCD1}">
+              <a14:hiddenFill xmlns:a14="http://schemas.microsoft.com/office/drawing/2010/main">
+                <a:solidFill>
+                  <a:srgbClr val="FFFFFF"/>
+                </a:solidFill>
+              </a14:hiddenFill>
+            </a:ext>
+          </a:extLst>
+        </p:spPr>
+      </p:pic>
+      <p:pic>
+        <p:nvPicPr>
+          <p:cNvPr id="6" name="Рисунок 5" descr="https://sun9-46.userapi.com/impg/-Ind-8ZLD7DkNxs4dI6xVNA6wMVgMP3q-UWPuA/ZgAsZ-b9y9U.jpg?size=1440x1920&amp;quality=96&amp;proxy=1&amp;sign=ca6aced8a9e86159bbc65f970c78ad5d&amp;type=album"/>
+          <p:cNvPicPr/>
+          <p:nvPr/>
+        </p:nvPicPr>
+        <p:blipFill>
+          <a:blip r:embed="rId3" cstate="print">
+            <a:extLst>
+              <a:ext uri="{28A0092B-C50C-407E-A947-70E740481C1C}">
+                <a14:useLocalDpi xmlns:a14="http://schemas.microsoft.com/office/drawing/2010/main" val="0"/>
+              </a:ext>
+            </a:extLst>
+          </a:blip>
+          <a:srcRect/>
+          <a:stretch>
+            <a:fillRect/>
+          </a:stretch>
+        </p:blipFill>
+        <p:spPr bwMode="auto">
+          <a:xfrm>
+            <a:off x="7566212" y="1212894"/>
+            <a:ext cx="3787588" cy="4573538"/>
+          </a:xfrm>
+          <a:prstGeom prst="rect">
+            <a:avLst/>
+          </a:prstGeom>
+          <a:noFill/>
+          <a:ln>
+            <a:noFill/>
+          </a:ln>
+        </p:spPr>
+      </p:pic>
     </p:spTree>
     <p:extLst>
       <p:ext uri="{BB962C8B-B14F-4D97-AF65-F5344CB8AC3E}">
-        <p14:creationId xmlns:p14="http://schemas.microsoft.com/office/powerpoint/2010/main" val="1413722790"/>
+        <p14:creationId xmlns:p14="http://schemas.microsoft.com/office/powerpoint/2010/main" val="2145857970"/>
+      </p:ext>
+    </p:extLst>
+  </p:cSld>
+  <p:clrMapOvr>
+    <a:masterClrMapping/>
+  </p:clrMapOvr>
+  <p:timing>
+    <p:tnLst>
+      <p:par>
+        <p:cTn id="1" dur="indefinite" restart="never" nodeType="tmRoot"/>
+      </p:par>
+    </p:tnLst>
+  </p:timing>
+</p:sld>
+</file>
+
+<file path=ppt/slides/slide11.xml><?xml version="1.0" encoding="utf-8"?>
+<p:sld xmlns:a="http://schemas.openxmlformats.org/drawingml/2006/main" xmlns:r="http://schemas.openxmlformats.org/officeDocument/2006/relationships" xmlns:p="http://schemas.openxmlformats.org/presentationml/2006/main">
+  <p:cSld>
+    <p:spTree>
+      <p:nvGrpSpPr>
+        <p:cNvPr id="1" name=""/>
+        <p:cNvGrpSpPr/>
+        <p:nvPr/>
+      </p:nvGrpSpPr>
+      <p:grpSpPr>
+        <a:xfrm>
+          <a:off x="0" y="0"/>
+          <a:ext cx="0" cy="0"/>
+          <a:chOff x="0" y="0"/>
+          <a:chExt cx="0" cy="0"/>
+        </a:xfrm>
+      </p:grpSpPr>
+      <p:sp>
+        <p:nvSpPr>
+          <p:cNvPr id="2" name="Заголовок 1"/>
+          <p:cNvSpPr>
+            <a:spLocks noGrp="1"/>
+          </p:cNvSpPr>
+          <p:nvPr>
+            <p:ph type="title"/>
+          </p:nvPr>
+        </p:nvSpPr>
+        <p:spPr>
+          <a:xfrm>
+            <a:off x="838200" y="493058"/>
+            <a:ext cx="10515600" cy="600635"/>
+          </a:xfrm>
+        </p:spPr>
+        <p:txBody>
+          <a:bodyPr>
+            <a:normAutofit/>
+          </a:bodyPr>
+          <a:lstStyle/>
+          <a:p>
+            <a:r>
+              <a:rPr lang="ru-RU" sz="2900" dirty="0" smtClean="0">
+                <a:solidFill>
+                  <a:schemeClr val="tx1">
+                    <a:lumMod val="75000"/>
+                    <a:lumOff val="25000"/>
+                  </a:schemeClr>
+                </a:solidFill>
+                <a:latin typeface="Century Gothic" panose="020B0502020202020204" pitchFamily="34" charset="0"/>
+              </a:rPr>
+              <a:t>Реализация </a:t>
+            </a:r>
+            <a:r>
+              <a:rPr lang="en-US" sz="2900" dirty="0" smtClean="0">
+                <a:solidFill>
+                  <a:schemeClr val="tx1">
+                    <a:lumMod val="75000"/>
+                    <a:lumOff val="25000"/>
+                  </a:schemeClr>
+                </a:solidFill>
+                <a:latin typeface="Century Gothic" panose="020B0502020202020204" pitchFamily="34" charset="0"/>
+              </a:rPr>
+              <a:t>Web-</a:t>
+            </a:r>
+            <a:r>
+              <a:rPr lang="ru-RU" sz="2900" dirty="0" smtClean="0">
+                <a:solidFill>
+                  <a:schemeClr val="tx1">
+                    <a:lumMod val="75000"/>
+                    <a:lumOff val="25000"/>
+                  </a:schemeClr>
+                </a:solidFill>
+                <a:latin typeface="Century Gothic" panose="020B0502020202020204" pitchFamily="34" charset="0"/>
+              </a:rPr>
+              <a:t>интерфейса</a:t>
+            </a:r>
+            <a:endParaRPr lang="ru-RU" sz="2900" dirty="0">
+              <a:solidFill>
+                <a:schemeClr val="tx1">
+                  <a:lumMod val="75000"/>
+                  <a:lumOff val="25000"/>
+                </a:schemeClr>
+              </a:solidFill>
+              <a:latin typeface="Century Gothic" panose="020B0502020202020204" pitchFamily="34" charset="0"/>
+            </a:endParaRPr>
+          </a:p>
+        </p:txBody>
+      </p:sp>
+      <p:sp>
+        <p:nvSpPr>
+          <p:cNvPr id="4" name="TextBox 3"/>
+          <p:cNvSpPr txBox="1"/>
+          <p:nvPr/>
+        </p:nvSpPr>
+        <p:spPr>
+          <a:xfrm>
+            <a:off x="1336862" y="5786432"/>
+            <a:ext cx="4914900" cy="369332"/>
+          </a:xfrm>
+          <a:prstGeom prst="rect">
+            <a:avLst/>
+          </a:prstGeom>
+          <a:noFill/>
+        </p:spPr>
+        <p:txBody>
+          <a:bodyPr wrap="square" rtlCol="0">
+            <a:spAutoFit/>
+          </a:bodyPr>
+          <a:lstStyle/>
+          <a:p>
+            <a:pPr algn="ctr"/>
+            <a:r>
+              <a:rPr lang="ru-RU" dirty="0" smtClean="0">
+                <a:solidFill>
+                  <a:schemeClr val="tx1">
+                    <a:lumMod val="75000"/>
+                    <a:lumOff val="25000"/>
+                  </a:schemeClr>
+                </a:solidFill>
+              </a:rPr>
+              <a:t>Личный кабинет (</a:t>
+            </a:r>
+            <a:r>
+              <a:rPr lang="ru-RU" dirty="0" smtClean="0">
+                <a:solidFill>
+                  <a:schemeClr val="tx1">
+                    <a:lumMod val="75000"/>
+                    <a:lumOff val="25000"/>
+                  </a:schemeClr>
+                </a:solidFill>
+              </a:rPr>
+              <a:t>раздел </a:t>
+            </a:r>
+            <a:r>
+              <a:rPr lang="ru-RU" dirty="0" smtClean="0">
+                <a:solidFill>
+                  <a:schemeClr val="tx1">
+                    <a:lumMod val="75000"/>
+                    <a:lumOff val="25000"/>
+                  </a:schemeClr>
+                </a:solidFill>
+              </a:rPr>
+              <a:t>комнат)</a:t>
+            </a:r>
+            <a:endParaRPr lang="ru-RU" dirty="0">
+              <a:solidFill>
+                <a:schemeClr val="tx1">
+                  <a:lumMod val="75000"/>
+                  <a:lumOff val="25000"/>
+                </a:schemeClr>
+              </a:solidFill>
+            </a:endParaRPr>
+          </a:p>
+        </p:txBody>
+      </p:sp>
+      <p:pic>
+        <p:nvPicPr>
+          <p:cNvPr id="8" name="Рисунок 7" descr="C:\Users\User\Downloads\home-for-u.web.app_home_commands.png"/>
+          <p:cNvPicPr/>
+          <p:nvPr/>
+        </p:nvPicPr>
+        <p:blipFill rotWithShape="1">
+          <a:blip r:embed="rId2" cstate="print">
+            <a:extLst>
+              <a:ext uri="{28A0092B-C50C-407E-A947-70E740481C1C}">
+                <a14:useLocalDpi xmlns:a14="http://schemas.microsoft.com/office/drawing/2010/main" val="0"/>
+              </a:ext>
+            </a:extLst>
+          </a:blip>
+          <a:srcRect b="26079"/>
+          <a:stretch/>
+        </p:blipFill>
+        <p:spPr bwMode="auto">
+          <a:xfrm>
+            <a:off x="838200" y="1147483"/>
+            <a:ext cx="5912224" cy="4638949"/>
+          </a:xfrm>
+          <a:prstGeom prst="rect">
+            <a:avLst/>
+          </a:prstGeom>
+          <a:noFill/>
+          <a:ln>
+            <a:noFill/>
+          </a:ln>
+          <a:extLst>
+            <a:ext uri="{53640926-AAD7-44D8-BBD7-CCE9431645EC}">
+              <a14:shadowObscured xmlns:a14="http://schemas.microsoft.com/office/drawing/2010/main"/>
+            </a:ext>
+          </a:extLst>
+        </p:spPr>
+      </p:pic>
+      <p:sp>
+        <p:nvSpPr>
+          <p:cNvPr id="5" name="TextBox 4"/>
+          <p:cNvSpPr txBox="1"/>
+          <p:nvPr/>
+        </p:nvSpPr>
+        <p:spPr>
+          <a:xfrm>
+            <a:off x="6947647" y="2241176"/>
+            <a:ext cx="4625788" cy="2585323"/>
+          </a:xfrm>
+          <a:prstGeom prst="rect">
+            <a:avLst/>
+          </a:prstGeom>
+          <a:noFill/>
+        </p:spPr>
+        <p:txBody>
+          <a:bodyPr wrap="square" rtlCol="0">
+            <a:spAutoFit/>
+          </a:bodyPr>
+          <a:lstStyle/>
+          <a:p>
+            <a:pPr algn="just" defTabSz="457200"/>
+            <a:r>
+              <a:rPr lang="ru-RU" dirty="0">
+                <a:solidFill>
+                  <a:schemeClr val="tx1">
+                    <a:lumMod val="75000"/>
+                    <a:lumOff val="25000"/>
+                  </a:schemeClr>
+                </a:solidFill>
+              </a:rPr>
+              <a:t>Раздел комнат позволяет:</a:t>
+            </a:r>
+          </a:p>
+          <a:p>
+            <a:pPr marL="285750" indent="-285750" algn="just">
+              <a:buClr>
+                <a:srgbClr val="BEA1BF"/>
+              </a:buClr>
+              <a:buFont typeface="Arial" panose="020B0604020202020204" pitchFamily="34" charset="0"/>
+              <a:buChar char="•"/>
+            </a:pPr>
+            <a:r>
+              <a:rPr lang="ru-RU" dirty="0" smtClean="0">
+                <a:solidFill>
+                  <a:schemeClr val="tx1">
+                    <a:lumMod val="75000"/>
+                    <a:lumOff val="25000"/>
+                  </a:schemeClr>
+                </a:solidFill>
+              </a:rPr>
+              <a:t>Менять названия комнат и устройств</a:t>
+            </a:r>
+          </a:p>
+          <a:p>
+            <a:pPr marL="285750" indent="-285750" algn="just">
+              <a:buClr>
+                <a:srgbClr val="BEA1BF"/>
+              </a:buClr>
+              <a:buFont typeface="Arial" panose="020B0604020202020204" pitchFamily="34" charset="0"/>
+              <a:buChar char="•"/>
+            </a:pPr>
+            <a:r>
+              <a:rPr lang="ru-RU" dirty="0" smtClean="0">
+                <a:solidFill>
+                  <a:schemeClr val="tx1">
+                    <a:lumMod val="75000"/>
+                    <a:lumOff val="25000"/>
+                  </a:schemeClr>
+                </a:solidFill>
+              </a:rPr>
+              <a:t>Переносить устройства из оной комнаты в другую</a:t>
+            </a:r>
+          </a:p>
+          <a:p>
+            <a:pPr marL="285750" indent="-285750" algn="just">
+              <a:buClr>
+                <a:srgbClr val="BEA1BF"/>
+              </a:buClr>
+              <a:buFont typeface="Arial" panose="020B0604020202020204" pitchFamily="34" charset="0"/>
+              <a:buChar char="•"/>
+            </a:pPr>
+            <a:r>
+              <a:rPr lang="ru-RU" dirty="0" smtClean="0">
+                <a:solidFill>
+                  <a:schemeClr val="tx1">
+                    <a:lumMod val="75000"/>
+                    <a:lumOff val="25000"/>
+                  </a:schemeClr>
+                </a:solidFill>
+              </a:rPr>
+              <a:t>Создавать новые комнаты</a:t>
+            </a:r>
+          </a:p>
+          <a:p>
+            <a:pPr marL="285750" indent="-285750" algn="just">
+              <a:buClr>
+                <a:srgbClr val="BEA1BF"/>
+              </a:buClr>
+              <a:buFont typeface="Arial" panose="020B0604020202020204" pitchFamily="34" charset="0"/>
+              <a:buChar char="•"/>
+            </a:pPr>
+            <a:r>
+              <a:rPr lang="ru-RU" dirty="0" smtClean="0">
+                <a:solidFill>
+                  <a:schemeClr val="tx1">
+                    <a:lumMod val="75000"/>
+                    <a:lumOff val="25000"/>
+                  </a:schemeClr>
+                </a:solidFill>
+              </a:rPr>
+              <a:t>Регулировать доступные параметры устройств (у диммера: яркость освещения, режим работы, рабочее состояние)</a:t>
+            </a:r>
+          </a:p>
+        </p:txBody>
+      </p:sp>
+    </p:spTree>
+    <p:extLst>
+      <p:ext uri="{BB962C8B-B14F-4D97-AF65-F5344CB8AC3E}">
+        <p14:creationId xmlns:p14="http://schemas.microsoft.com/office/powerpoint/2010/main" val="1684898639"/>
+      </p:ext>
+    </p:extLst>
+  </p:cSld>
+  <p:clrMapOvr>
+    <a:masterClrMapping/>
+  </p:clrMapOvr>
+  <p:timing>
+    <p:tnLst>
+      <p:par>
+        <p:cTn id="1" dur="indefinite" restart="never" nodeType="tmRoot"/>
+      </p:par>
+    </p:tnLst>
+  </p:timing>
+</p:sld>
+</file>
+
+<file path=ppt/slides/slide12.xml><?xml version="1.0" encoding="utf-8"?>
+<p:sld xmlns:a="http://schemas.openxmlformats.org/drawingml/2006/main" xmlns:r="http://schemas.openxmlformats.org/officeDocument/2006/relationships" xmlns:p="http://schemas.openxmlformats.org/presentationml/2006/main">
+  <p:cSld>
+    <p:spTree>
+      <p:nvGrpSpPr>
+        <p:cNvPr id="1" name=""/>
+        <p:cNvGrpSpPr/>
+        <p:nvPr/>
+      </p:nvGrpSpPr>
+      <p:grpSpPr>
+        <a:xfrm>
+          <a:off x="0" y="0"/>
+          <a:ext cx="0" cy="0"/>
+          <a:chOff x="0" y="0"/>
+          <a:chExt cx="0" cy="0"/>
+        </a:xfrm>
+      </p:grpSpPr>
+      <p:sp>
+        <p:nvSpPr>
+          <p:cNvPr id="2" name="Заголовок 1"/>
+          <p:cNvSpPr>
+            <a:spLocks noGrp="1"/>
+          </p:cNvSpPr>
+          <p:nvPr>
+            <p:ph type="title"/>
+          </p:nvPr>
+        </p:nvSpPr>
+        <p:spPr>
+          <a:xfrm>
+            <a:off x="838200" y="580279"/>
+            <a:ext cx="10515600" cy="567204"/>
+          </a:xfrm>
+        </p:spPr>
+        <p:txBody>
+          <a:bodyPr>
+            <a:normAutofit/>
+          </a:bodyPr>
+          <a:lstStyle/>
+          <a:p>
+            <a:r>
+              <a:rPr lang="ru-RU" sz="2900" dirty="0" smtClean="0">
+                <a:solidFill>
+                  <a:schemeClr val="tx1">
+                    <a:lumMod val="75000"/>
+                    <a:lumOff val="25000"/>
+                  </a:schemeClr>
+                </a:solidFill>
+                <a:latin typeface="Century Gothic" panose="020B0502020202020204" pitchFamily="34" charset="0"/>
+              </a:rPr>
+              <a:t>Заключение</a:t>
+            </a:r>
+            <a:endParaRPr lang="ru-RU" sz="2900" dirty="0">
+              <a:solidFill>
+                <a:schemeClr val="tx1">
+                  <a:lumMod val="75000"/>
+                  <a:lumOff val="25000"/>
+                </a:schemeClr>
+              </a:solidFill>
+              <a:latin typeface="Century Gothic" panose="020B0502020202020204" pitchFamily="34" charset="0"/>
+            </a:endParaRPr>
+          </a:p>
+        </p:txBody>
+      </p:sp>
+      <p:sp>
+        <p:nvSpPr>
+          <p:cNvPr id="5" name="TextBox 4"/>
+          <p:cNvSpPr txBox="1"/>
+          <p:nvPr/>
+        </p:nvSpPr>
+        <p:spPr>
+          <a:xfrm>
+            <a:off x="838200" y="1766030"/>
+            <a:ext cx="10515600" cy="1200329"/>
+          </a:xfrm>
+          <a:prstGeom prst="rect">
+            <a:avLst/>
+          </a:prstGeom>
+          <a:noFill/>
+        </p:spPr>
+        <p:txBody>
+          <a:bodyPr wrap="square" rtlCol="0">
+            <a:spAutoFit/>
+          </a:bodyPr>
+          <a:lstStyle/>
+          <a:p>
+            <a:pPr algn="just"/>
+            <a:r>
+              <a:rPr lang="ru-RU" dirty="0" smtClean="0">
+                <a:solidFill>
+                  <a:schemeClr val="tx1">
+                    <a:lumMod val="75000"/>
+                    <a:lumOff val="25000"/>
+                  </a:schemeClr>
+                </a:solidFill>
+              </a:rPr>
+              <a:t>Результаты проделанной работы:</a:t>
+            </a:r>
+          </a:p>
+          <a:p>
+            <a:pPr marL="285750" indent="-285750" algn="just">
+              <a:buClr>
+                <a:srgbClr val="BEA1BF"/>
+              </a:buClr>
+              <a:buFont typeface="Arial" panose="020B0604020202020204" pitchFamily="34" charset="0"/>
+              <a:buChar char="•"/>
+            </a:pPr>
+            <a:r>
+              <a:rPr lang="ru-RU" dirty="0" smtClean="0">
+                <a:solidFill>
+                  <a:schemeClr val="tx1">
+                    <a:lumMod val="75000"/>
+                    <a:lumOff val="25000"/>
+                  </a:schemeClr>
+                </a:solidFill>
+              </a:rPr>
+              <a:t>Создан прототип умного свето-регулятора с возможностью удаленного управления.</a:t>
+            </a:r>
+          </a:p>
+          <a:p>
+            <a:pPr marL="285750" indent="-285750" algn="just">
+              <a:buClr>
+                <a:srgbClr val="BEA1BF"/>
+              </a:buClr>
+              <a:buFont typeface="Arial" panose="020B0604020202020204" pitchFamily="34" charset="0"/>
+              <a:buChar char="•"/>
+            </a:pPr>
+            <a:r>
+              <a:rPr lang="ru-RU" dirty="0" smtClean="0">
+                <a:solidFill>
+                  <a:schemeClr val="tx1">
+                    <a:lumMod val="75000"/>
+                    <a:lumOff val="25000"/>
+                  </a:schemeClr>
+                </a:solidFill>
+              </a:rPr>
+              <a:t>Создан пользовательский </a:t>
+            </a:r>
+            <a:r>
+              <a:rPr lang="en-US" dirty="0" smtClean="0">
+                <a:solidFill>
+                  <a:schemeClr val="tx1">
+                    <a:lumMod val="75000"/>
+                    <a:lumOff val="25000"/>
+                  </a:schemeClr>
+                </a:solidFill>
+              </a:rPr>
+              <a:t>Web-</a:t>
+            </a:r>
+            <a:r>
+              <a:rPr lang="ru-RU" dirty="0" smtClean="0">
+                <a:solidFill>
+                  <a:schemeClr val="tx1">
+                    <a:lumMod val="75000"/>
+                    <a:lumOff val="25000"/>
+                  </a:schemeClr>
+                </a:solidFill>
+              </a:rPr>
+              <a:t>интерфейс как панель управления «Умным домом»</a:t>
+            </a:r>
+          </a:p>
+          <a:p>
+            <a:pPr marL="285750" indent="-285750" algn="just">
+              <a:buClr>
+                <a:srgbClr val="BEA1BF"/>
+              </a:buClr>
+              <a:buFont typeface="Arial" panose="020B0604020202020204" pitchFamily="34" charset="0"/>
+              <a:buChar char="•"/>
+            </a:pPr>
+            <a:r>
+              <a:rPr lang="ru-RU" dirty="0">
+                <a:solidFill>
+                  <a:schemeClr val="tx1">
+                    <a:lumMod val="75000"/>
+                    <a:lumOff val="25000"/>
+                  </a:schemeClr>
+                </a:solidFill>
+              </a:rPr>
+              <a:t>З</a:t>
+            </a:r>
+            <a:r>
+              <a:rPr lang="ru-RU" dirty="0" smtClean="0">
+                <a:solidFill>
+                  <a:schemeClr val="tx1">
+                    <a:lumMod val="75000"/>
+                    <a:lumOff val="25000"/>
+                  </a:schemeClr>
+                </a:solidFill>
+              </a:rPr>
+              <a:t>апуск полного цикла </a:t>
+            </a:r>
+            <a:r>
+              <a:rPr lang="ru-RU" dirty="0">
+                <a:solidFill>
+                  <a:schemeClr val="tx1">
+                    <a:lumMod val="75000"/>
+                    <a:lumOff val="25000"/>
+                  </a:schemeClr>
+                </a:solidFill>
+              </a:rPr>
+              <a:t>работы системы для конечного пользователя</a:t>
+            </a:r>
+            <a:r>
+              <a:rPr lang="ru-RU" dirty="0" smtClean="0">
+                <a:solidFill>
+                  <a:schemeClr val="tx1">
+                    <a:lumMod val="75000"/>
+                    <a:lumOff val="25000"/>
+                  </a:schemeClr>
+                </a:solidFill>
+              </a:rPr>
+              <a:t>.</a:t>
+            </a:r>
+            <a:endParaRPr lang="ru-RU" dirty="0" smtClean="0">
+              <a:solidFill>
+                <a:schemeClr val="tx1">
+                  <a:lumMod val="75000"/>
+                  <a:lumOff val="25000"/>
+                </a:schemeClr>
+              </a:solidFill>
+            </a:endParaRPr>
+          </a:p>
+        </p:txBody>
+      </p:sp>
+      <p:sp>
+        <p:nvSpPr>
+          <p:cNvPr id="3" name="TextBox 2"/>
+          <p:cNvSpPr txBox="1"/>
+          <p:nvPr/>
+        </p:nvSpPr>
+        <p:spPr>
+          <a:xfrm>
+            <a:off x="766482" y="3584906"/>
+            <a:ext cx="8104094" cy="923330"/>
+          </a:xfrm>
+          <a:prstGeom prst="rect">
+            <a:avLst/>
+          </a:prstGeom>
+          <a:noFill/>
+        </p:spPr>
+        <p:txBody>
+          <a:bodyPr wrap="square" rtlCol="0">
+            <a:spAutoFit/>
+          </a:bodyPr>
+          <a:lstStyle/>
+          <a:p>
+            <a:pPr algn="just"/>
+            <a:r>
+              <a:rPr lang="ru-RU" dirty="0">
+                <a:solidFill>
+                  <a:schemeClr val="tx1">
+                    <a:lumMod val="75000"/>
+                    <a:lumOff val="25000"/>
+                  </a:schemeClr>
+                </a:solidFill>
+              </a:rPr>
+              <a:t>Дальнейшие действия:</a:t>
+            </a:r>
+          </a:p>
+          <a:p>
+            <a:pPr marL="285750" indent="-285750" algn="just">
+              <a:buClr>
+                <a:srgbClr val="BEA1BF"/>
+              </a:buClr>
+              <a:buFont typeface="Arial" panose="020B0604020202020204" pitchFamily="34" charset="0"/>
+              <a:buChar char="•"/>
+            </a:pPr>
+            <a:r>
+              <a:rPr lang="ru-RU" dirty="0">
+                <a:solidFill>
+                  <a:schemeClr val="tx1">
+                    <a:lumMod val="75000"/>
+                    <a:lumOff val="25000"/>
+                  </a:schemeClr>
+                </a:solidFill>
+              </a:rPr>
+              <a:t>Улучшение имеющихся устройств</a:t>
+            </a:r>
+          </a:p>
+          <a:p>
+            <a:pPr marL="285750" indent="-285750" algn="just">
+              <a:buClr>
+                <a:srgbClr val="BEA1BF"/>
+              </a:buClr>
+              <a:buFont typeface="Arial" panose="020B0604020202020204" pitchFamily="34" charset="0"/>
+              <a:buChar char="•"/>
+            </a:pPr>
+            <a:r>
+              <a:rPr lang="ru-RU" dirty="0">
+                <a:solidFill>
+                  <a:schemeClr val="tx1">
+                    <a:lumMod val="75000"/>
+                    <a:lumOff val="25000"/>
+                  </a:schemeClr>
+                </a:solidFill>
+              </a:rPr>
+              <a:t>Разработка новых устройств</a:t>
+            </a:r>
+          </a:p>
+        </p:txBody>
+      </p:sp>
+      <p:sp>
+        <p:nvSpPr>
+          <p:cNvPr id="4" name="TextBox 3"/>
+          <p:cNvSpPr txBox="1"/>
+          <p:nvPr/>
+        </p:nvSpPr>
+        <p:spPr>
+          <a:xfrm>
+            <a:off x="838200" y="5126783"/>
+            <a:ext cx="9941858" cy="646331"/>
+          </a:xfrm>
+          <a:prstGeom prst="rect">
+            <a:avLst/>
+          </a:prstGeom>
+          <a:noFill/>
+        </p:spPr>
+        <p:txBody>
+          <a:bodyPr wrap="square" rtlCol="0">
+            <a:spAutoFit/>
+          </a:bodyPr>
+          <a:lstStyle/>
+          <a:p>
+            <a:pPr algn="just"/>
+            <a:r>
+              <a:rPr lang="ru-RU" dirty="0">
+                <a:solidFill>
+                  <a:schemeClr val="tx1">
+                    <a:lumMod val="75000"/>
+                    <a:lumOff val="25000"/>
+                  </a:schemeClr>
+                </a:solidFill>
+              </a:rPr>
+              <a:t>Работа будет продолжаться в сотрудничестве с преподавателями и студентами кафедры №3 НИЯУ МИФИ.</a:t>
+            </a:r>
+            <a:endParaRPr lang="ru-RU" dirty="0">
+              <a:solidFill>
+                <a:schemeClr val="tx1">
+                  <a:lumMod val="75000"/>
+                  <a:lumOff val="25000"/>
+                </a:schemeClr>
+              </a:solidFill>
+            </a:endParaRPr>
+          </a:p>
+        </p:txBody>
+      </p:sp>
+    </p:spTree>
+    <p:extLst>
+      <p:ext uri="{BB962C8B-B14F-4D97-AF65-F5344CB8AC3E}">
+        <p14:creationId xmlns:p14="http://schemas.microsoft.com/office/powerpoint/2010/main" val="3668594923"/>
+      </p:ext>
+    </p:extLst>
+  </p:cSld>
+  <p:clrMapOvr>
+    <a:masterClrMapping/>
+  </p:clrMapOvr>
+  <p:timing>
+    <p:tnLst>
+      <p:par>
+        <p:cTn id="1" dur="indefinite" restart="never" nodeType="tmRoot"/>
+      </p:par>
+    </p:tnLst>
+  </p:timing>
+</p:sld>
+</file>
+
+<file path=ppt/slides/slide13.xml><?xml version="1.0" encoding="utf-8"?>
+<p:sld xmlns:a="http://schemas.openxmlformats.org/drawingml/2006/main" xmlns:r="http://schemas.openxmlformats.org/officeDocument/2006/relationships" xmlns:p="http://schemas.openxmlformats.org/presentationml/2006/main">
+  <p:cSld>
+    <p:spTree>
+      <p:nvGrpSpPr>
+        <p:cNvPr id="1" name=""/>
+        <p:cNvGrpSpPr/>
+        <p:nvPr/>
+      </p:nvGrpSpPr>
+      <p:grpSpPr>
+        <a:xfrm>
+          <a:off x="0" y="0"/>
+          <a:ext cx="0" cy="0"/>
+          <a:chOff x="0" y="0"/>
+          <a:chExt cx="0" cy="0"/>
+        </a:xfrm>
+      </p:grpSpPr>
+      <p:sp>
+        <p:nvSpPr>
+          <p:cNvPr id="2" name="Заголовок 1"/>
+          <p:cNvSpPr>
+            <a:spLocks noGrp="1"/>
+          </p:cNvSpPr>
+          <p:nvPr>
+            <p:ph type="title"/>
+          </p:nvPr>
+        </p:nvSpPr>
+        <p:spPr>
+          <a:xfrm>
+            <a:off x="0" y="2821454"/>
+            <a:ext cx="12191999" cy="1325563"/>
+          </a:xfrm>
+        </p:spPr>
+        <p:txBody>
+          <a:bodyPr>
+            <a:normAutofit/>
+          </a:bodyPr>
+          <a:lstStyle/>
+          <a:p>
+            <a:pPr algn="ctr"/>
+            <a:r>
+              <a:rPr lang="ru-RU" sz="2900" dirty="0" smtClean="0">
+                <a:solidFill>
+                  <a:schemeClr val="tx1">
+                    <a:lumMod val="75000"/>
+                    <a:lumOff val="25000"/>
+                  </a:schemeClr>
+                </a:solidFill>
+                <a:latin typeface="Century Gothic" panose="020B0502020202020204" pitchFamily="34" charset="0"/>
+              </a:rPr>
+              <a:t>Спасибо за внимание</a:t>
+            </a:r>
+            <a:r>
+              <a:rPr lang="ru-RU" sz="2900" dirty="0" smtClean="0">
+                <a:solidFill>
+                  <a:srgbClr val="D1BCD2"/>
+                </a:solidFill>
+                <a:latin typeface="Century Gothic" panose="020B0502020202020204" pitchFamily="34" charset="0"/>
+              </a:rPr>
+              <a:t>!</a:t>
+            </a:r>
+            <a:endParaRPr lang="ru-RU" sz="2900" dirty="0">
+              <a:solidFill>
+                <a:srgbClr val="D1BCD2"/>
+              </a:solidFill>
+              <a:latin typeface="Century Gothic" panose="020B0502020202020204" pitchFamily="34" charset="0"/>
+            </a:endParaRPr>
+          </a:p>
+        </p:txBody>
+      </p:sp>
+    </p:spTree>
+    <p:extLst>
+      <p:ext uri="{BB962C8B-B14F-4D97-AF65-F5344CB8AC3E}">
+        <p14:creationId xmlns:p14="http://schemas.microsoft.com/office/powerpoint/2010/main" val="3913658985"/>
       </p:ext>
     </p:extLst>
   </p:cSld>
@@ -3060,16 +4262,39 @@
             <p:ph type="title"/>
           </p:nvPr>
         </p:nvSpPr>
-        <p:spPr/>
-        <p:txBody>
-          <a:bodyPr/>
-          <a:lstStyle/>
-          <a:p>
-            <a:r>
-              <a:rPr lang="ru-RU" dirty="0" smtClean="0"/>
-              <a:t>План</a:t>
-            </a:r>
-            <a:endParaRPr lang="ru-RU" dirty="0"/>
+        <p:spPr>
+          <a:xfrm>
+            <a:off x="838200" y="448236"/>
+            <a:ext cx="10515600" cy="740430"/>
+          </a:xfrm>
+        </p:spPr>
+        <p:txBody>
+          <a:bodyPr>
+            <a:normAutofit/>
+          </a:bodyPr>
+          <a:lstStyle/>
+          <a:p>
+            <a:r>
+              <a:rPr lang="ru-RU" sz="2900" dirty="0" smtClean="0">
+                <a:solidFill>
+                  <a:schemeClr val="tx1">
+                    <a:lumMod val="75000"/>
+                    <a:lumOff val="25000"/>
+                  </a:schemeClr>
+                </a:solidFill>
+                <a:latin typeface="Century Gothic" panose="020B0502020202020204" pitchFamily="34" charset="0"/>
+              </a:rPr>
+              <a:t>Оглавление</a:t>
+            </a:r>
+            <a:endParaRPr lang="ru-RU" sz="2900" dirty="0">
+              <a:solidFill>
+                <a:schemeClr val="tx1">
+                  <a:lumMod val="75000"/>
+                  <a:lumOff val="25000"/>
+                </a:schemeClr>
+              </a:solidFill>
+              <a:latin typeface="Century Gothic" panose="020B0502020202020204" pitchFamily="34" charset="0"/>
+            </a:endParaRPr>
           </a:p>
         </p:txBody>
       </p:sp>
@@ -3083,7 +4308,12 @@
             <p:ph idx="1"/>
           </p:nvPr>
         </p:nvSpPr>
-        <p:spPr/>
+        <p:spPr>
+          <a:xfrm>
+            <a:off x="838200" y="1395319"/>
+            <a:ext cx="10515600" cy="4288304"/>
+          </a:xfrm>
+        </p:spPr>
         <p:txBody>
           <a:bodyPr>
             <a:normAutofit/>
@@ -3091,160 +4321,327 @@
           <a:lstStyle/>
           <a:p>
             <a:pPr marL="514350" indent="-514350">
+              <a:buClr>
+                <a:srgbClr val="BEA1BF"/>
+              </a:buClr>
+              <a:buFont typeface="+mj-lt"/>
               <a:buAutoNum type="arabicPeriod"/>
             </a:pPr>
             <a:r>
-              <a:rPr lang="ru-RU" sz="1400" dirty="0" smtClean="0"/>
-              <a:t>Актуальность </a:t>
-            </a:r>
-            <a:r>
-              <a:rPr lang="ru-RU" sz="1400" dirty="0" err="1" smtClean="0"/>
-              <a:t>киб</a:t>
-            </a:r>
-            <a:r>
-              <a:rPr lang="ru-RU" sz="1400" dirty="0" smtClean="0"/>
+              <a:rPr lang="ru-RU" sz="2400" dirty="0" smtClean="0">
+                <a:solidFill>
+                  <a:schemeClr val="tx1">
+                    <a:lumMod val="75000"/>
+                    <a:lumOff val="25000"/>
+                  </a:schemeClr>
+                </a:solidFill>
+              </a:rPr>
+              <a:t>Концепция </a:t>
+            </a:r>
+            <a:r>
+              <a:rPr lang="ru-RU" sz="2400" dirty="0" err="1" smtClean="0">
+                <a:solidFill>
+                  <a:schemeClr val="tx1">
+                    <a:lumMod val="75000"/>
+                    <a:lumOff val="25000"/>
+                  </a:schemeClr>
+                </a:solidFill>
+              </a:rPr>
+              <a:t>киберфизических</a:t>
+            </a:r>
+            <a:r>
+              <a:rPr lang="ru-RU" sz="2400" dirty="0" smtClean="0">
+                <a:solidFill>
+                  <a:schemeClr val="tx1">
+                    <a:lumMod val="75000"/>
+                    <a:lumOff val="25000"/>
+                  </a:schemeClr>
+                </a:solidFill>
+              </a:rPr>
               <a:t> систем</a:t>
             </a:r>
+            <a:endParaRPr lang="ru-RU" sz="2400" dirty="0" smtClean="0">
+              <a:solidFill>
+                <a:schemeClr val="tx1">
+                  <a:lumMod val="75000"/>
+                  <a:lumOff val="25000"/>
+                </a:schemeClr>
+              </a:solidFill>
+            </a:endParaRPr>
+          </a:p>
+          <a:p>
+            <a:pPr marL="514350" indent="-514350">
+              <a:buClr>
+                <a:srgbClr val="BEA1BF"/>
+              </a:buClr>
+              <a:buFont typeface="+mj-lt"/>
+              <a:buAutoNum type="arabicPeriod"/>
+            </a:pPr>
+            <a:r>
+              <a:rPr lang="ru-RU" sz="2400" dirty="0" smtClean="0">
+                <a:solidFill>
+                  <a:schemeClr val="tx1">
+                    <a:lumMod val="75000"/>
+                    <a:lumOff val="25000"/>
+                  </a:schemeClr>
+                </a:solidFill>
+              </a:rPr>
+              <a:t>Обзор </a:t>
+            </a:r>
+            <a:r>
+              <a:rPr lang="ru-RU" sz="2400" dirty="0" smtClean="0">
+                <a:solidFill>
+                  <a:schemeClr val="tx1">
+                    <a:lumMod val="75000"/>
+                    <a:lumOff val="25000"/>
+                  </a:schemeClr>
+                </a:solidFill>
+              </a:rPr>
+              <a:t>систем «Умный дом»</a:t>
+            </a:r>
+            <a:endParaRPr lang="ru-RU" sz="2400" dirty="0" smtClean="0">
+              <a:solidFill>
+                <a:schemeClr val="tx1">
+                  <a:lumMod val="75000"/>
+                  <a:lumOff val="25000"/>
+                </a:schemeClr>
+              </a:solidFill>
+            </a:endParaRPr>
+          </a:p>
+          <a:p>
+            <a:pPr marL="514350" indent="-514350">
+              <a:buClr>
+                <a:srgbClr val="BEA1BF"/>
+              </a:buClr>
+              <a:buFont typeface="+mj-lt"/>
+              <a:buAutoNum type="arabicPeriod"/>
+            </a:pPr>
+            <a:r>
+              <a:rPr lang="ru-RU" sz="2400" dirty="0">
+                <a:solidFill>
+                  <a:schemeClr val="tx1">
+                    <a:lumMod val="75000"/>
+                    <a:lumOff val="25000"/>
+                  </a:schemeClr>
+                </a:solidFill>
+              </a:rPr>
+              <a:t>Постановка </a:t>
+            </a:r>
+            <a:r>
+              <a:rPr lang="ru-RU" sz="2400" dirty="0" smtClean="0">
+                <a:solidFill>
+                  <a:schemeClr val="tx1">
+                    <a:lumMod val="75000"/>
+                    <a:lumOff val="25000"/>
+                  </a:schemeClr>
+                </a:solidFill>
+              </a:rPr>
+              <a:t>задач</a:t>
+            </a:r>
+            <a:endParaRPr lang="ru-RU" sz="2400" dirty="0" smtClean="0">
+              <a:solidFill>
+                <a:schemeClr val="tx1">
+                  <a:lumMod val="75000"/>
+                  <a:lumOff val="25000"/>
+                </a:schemeClr>
+              </a:solidFill>
+            </a:endParaRPr>
+          </a:p>
+          <a:p>
+            <a:pPr marL="514350" indent="-514350">
+              <a:buClr>
+                <a:srgbClr val="BEA1BF"/>
+              </a:buClr>
+              <a:buFont typeface="+mj-lt"/>
+              <a:buAutoNum type="arabicPeriod"/>
+            </a:pPr>
+            <a:r>
+              <a:rPr lang="ru-RU" sz="2400" dirty="0" smtClean="0">
+                <a:solidFill>
+                  <a:schemeClr val="tx1">
+                    <a:lumMod val="75000"/>
+                    <a:lumOff val="25000"/>
+                  </a:schemeClr>
+                </a:solidFill>
+              </a:rPr>
+              <a:t>Реализация свето-регулятора</a:t>
+            </a:r>
+          </a:p>
+          <a:p>
+            <a:pPr marL="1371600" lvl="1" indent="-457200">
+              <a:buClr>
+                <a:srgbClr val="D1BCD2"/>
+              </a:buClr>
+              <a:buFont typeface="+mj-lt"/>
+              <a:buAutoNum type="alphaLcParenR"/>
+            </a:pPr>
+            <a:r>
+              <a:rPr lang="ru-RU" dirty="0" smtClean="0">
+                <a:solidFill>
+                  <a:schemeClr val="tx1">
+                    <a:lumMod val="75000"/>
+                    <a:lumOff val="25000"/>
+                  </a:schemeClr>
+                </a:solidFill>
+              </a:rPr>
+              <a:t>Способы диммирования</a:t>
+            </a:r>
+          </a:p>
+          <a:p>
+            <a:pPr marL="1371600" lvl="1" indent="-457200">
+              <a:buClr>
+                <a:srgbClr val="D1BCD2"/>
+              </a:buClr>
+              <a:buFont typeface="+mj-lt"/>
+              <a:buAutoNum type="alphaLcParenR"/>
+            </a:pPr>
+            <a:r>
+              <a:rPr lang="ru-RU" dirty="0">
+                <a:solidFill>
+                  <a:schemeClr val="tx1">
+                    <a:lumMod val="75000"/>
+                    <a:lumOff val="25000"/>
+                  </a:schemeClr>
+                </a:solidFill>
+              </a:rPr>
+              <a:t>Функциональная </a:t>
+            </a:r>
+            <a:r>
+              <a:rPr lang="ru-RU" dirty="0" smtClean="0">
+                <a:solidFill>
+                  <a:schemeClr val="tx1">
+                    <a:lumMod val="75000"/>
+                    <a:lumOff val="25000"/>
+                  </a:schemeClr>
+                </a:solidFill>
+              </a:rPr>
+              <a:t>схема</a:t>
+            </a:r>
+            <a:endParaRPr lang="ru-RU" dirty="0" smtClean="0">
+              <a:solidFill>
+                <a:schemeClr val="tx1">
+                  <a:lumMod val="75000"/>
+                  <a:lumOff val="25000"/>
+                </a:schemeClr>
+              </a:solidFill>
+            </a:endParaRPr>
+          </a:p>
+          <a:p>
+            <a:pPr marL="1371600" lvl="1" indent="-457200">
+              <a:buClr>
+                <a:srgbClr val="D1BCD2"/>
+              </a:buClr>
+              <a:buFont typeface="+mj-lt"/>
+              <a:buAutoNum type="alphaLcParenR"/>
+            </a:pPr>
+            <a:r>
+              <a:rPr lang="ru-RU" dirty="0" smtClean="0">
+                <a:solidFill>
+                  <a:schemeClr val="tx1">
+                    <a:lumMod val="75000"/>
+                    <a:lumOff val="25000"/>
+                  </a:schemeClr>
+                </a:solidFill>
+              </a:rPr>
+              <a:t>Моделирование</a:t>
+            </a:r>
+          </a:p>
+          <a:p>
+            <a:pPr marL="1371600" lvl="1" indent="-457200">
+              <a:buClr>
+                <a:srgbClr val="D1BCD2"/>
+              </a:buClr>
+              <a:buFont typeface="+mj-lt"/>
+              <a:buAutoNum type="alphaLcParenR"/>
+            </a:pPr>
+            <a:r>
+              <a:rPr lang="ru-RU" dirty="0" smtClean="0">
+                <a:solidFill>
+                  <a:schemeClr val="tx1">
+                    <a:lumMod val="75000"/>
+                    <a:lumOff val="25000"/>
+                  </a:schemeClr>
+                </a:solidFill>
+              </a:rPr>
+              <a:t>Прототип	</a:t>
+            </a:r>
+            <a:endParaRPr lang="ru-RU" dirty="0" smtClean="0">
+              <a:solidFill>
+                <a:schemeClr val="tx1">
+                  <a:lumMod val="75000"/>
+                  <a:lumOff val="25000"/>
+                </a:schemeClr>
+              </a:solidFill>
+            </a:endParaRPr>
+          </a:p>
+          <a:p>
+            <a:pPr marL="514350" indent="-514350">
+              <a:buClr>
+                <a:srgbClr val="D1BCD2"/>
+              </a:buClr>
+              <a:buFont typeface="+mj-lt"/>
+              <a:buAutoNum type="arabicPeriod"/>
+            </a:pPr>
+            <a:r>
+              <a:rPr lang="ru-RU" sz="2400" dirty="0" smtClean="0">
+                <a:solidFill>
+                  <a:schemeClr val="tx1">
+                    <a:lumMod val="75000"/>
+                    <a:lumOff val="25000"/>
+                  </a:schemeClr>
+                </a:solidFill>
+              </a:rPr>
+              <a:t>Реализация </a:t>
+            </a:r>
+            <a:r>
+              <a:rPr lang="en-US" sz="2400" dirty="0" smtClean="0">
+                <a:solidFill>
+                  <a:schemeClr val="tx1">
+                    <a:lumMod val="75000"/>
+                    <a:lumOff val="25000"/>
+                  </a:schemeClr>
+                </a:solidFill>
+              </a:rPr>
+              <a:t>Web-</a:t>
+            </a:r>
+            <a:r>
+              <a:rPr lang="ru-RU" sz="2400" dirty="0" smtClean="0">
+                <a:solidFill>
+                  <a:schemeClr val="tx1">
+                    <a:lumMod val="75000"/>
+                    <a:lumOff val="25000"/>
+                  </a:schemeClr>
+                </a:solidFill>
+              </a:rPr>
+              <a:t>интерфейса</a:t>
+            </a:r>
+          </a:p>
+          <a:p>
+            <a:pPr marL="514350" indent="-514350">
+              <a:buClr>
+                <a:srgbClr val="D1BCD2"/>
+              </a:buClr>
+              <a:buFont typeface="+mj-lt"/>
+              <a:buAutoNum type="arabicPeriod"/>
+            </a:pPr>
+            <a:r>
+              <a:rPr lang="ru-RU" sz="2400" dirty="0" smtClean="0">
+                <a:solidFill>
+                  <a:schemeClr val="tx1">
+                    <a:lumMod val="75000"/>
+                    <a:lumOff val="25000"/>
+                  </a:schemeClr>
+                </a:solidFill>
+              </a:rPr>
+              <a:t>Заключение</a:t>
+            </a:r>
+            <a:endParaRPr lang="ru-RU" sz="2400" dirty="0" smtClean="0"/>
           </a:p>
           <a:p>
             <a:pPr marL="514350" indent="-514350">
               <a:buAutoNum type="arabicPeriod"/>
             </a:pPr>
-            <a:r>
-              <a:rPr lang="ru-RU" sz="1400" dirty="0" smtClean="0"/>
-              <a:t>Обзор </a:t>
-            </a:r>
-            <a:r>
-              <a:rPr lang="ru-RU" sz="1400" dirty="0" err="1" smtClean="0"/>
-              <a:t>киб</a:t>
-            </a:r>
-            <a:r>
-              <a:rPr lang="ru-RU" sz="1400" dirty="0" smtClean="0"/>
-              <a:t> систем </a:t>
-            </a:r>
-            <a:r>
-              <a:rPr lang="ru-RU" sz="1400" dirty="0"/>
-              <a:t>(1 слайд с ключевыми компаниями их достоинствами и </a:t>
-            </a:r>
-            <a:r>
-              <a:rPr lang="ru-RU" sz="1400" dirty="0" smtClean="0"/>
-              <a:t>недостатками)</a:t>
-            </a:r>
-          </a:p>
-          <a:p>
-            <a:pPr marL="514350" indent="-514350">
-              <a:buFont typeface="Arial" panose="020B0604020202020204" pitchFamily="34" charset="0"/>
-              <a:buAutoNum type="arabicPeriod"/>
-            </a:pPr>
-            <a:r>
-              <a:rPr lang="ru-RU" sz="1400" dirty="0"/>
-              <a:t>Постановка </a:t>
-            </a:r>
-            <a:r>
-              <a:rPr lang="ru-RU" sz="1400" dirty="0" smtClean="0"/>
-              <a:t>задачи</a:t>
-            </a:r>
-            <a:endParaRPr lang="ru-RU" sz="1400" dirty="0" smtClean="0"/>
-          </a:p>
-          <a:p>
-            <a:pPr marL="514350" indent="-514350">
-              <a:buAutoNum type="arabicPeriod"/>
-            </a:pPr>
-            <a:r>
-              <a:rPr lang="ru-RU" sz="1400" dirty="0" smtClean="0"/>
-              <a:t>Рассказываем </a:t>
-            </a:r>
-            <a:r>
-              <a:rPr lang="ru-RU" sz="1400" dirty="0" smtClean="0"/>
-              <a:t>про функциональность диммера</a:t>
-            </a:r>
-          </a:p>
-          <a:p>
-            <a:pPr marL="514350" indent="-514350">
-              <a:buAutoNum type="arabicPeriod"/>
-            </a:pPr>
-            <a:r>
-              <a:rPr lang="ru-RU" sz="1400" dirty="0" smtClean="0"/>
-              <a:t>Функциональная схема диммера (что куда какие сигналы, схема без транзисторов, а из блоков) (1 слайд)</a:t>
-            </a:r>
-          </a:p>
-          <a:p>
-            <a:pPr marL="514350" indent="-514350">
-              <a:buFont typeface="Arial" panose="020B0604020202020204" pitchFamily="34" charset="0"/>
-              <a:buAutoNum type="arabicPeriod"/>
-            </a:pPr>
-            <a:r>
-              <a:rPr lang="ru-RU" sz="1400" dirty="0" smtClean="0"/>
-              <a:t>Принципиальная эл. Схема (можно но </a:t>
-            </a:r>
-            <a:r>
-              <a:rPr lang="ru-RU" sz="1400" dirty="0"/>
-              <a:t>мелко) Моделирование схемы. Картинки</a:t>
-            </a:r>
-            <a:r>
-              <a:rPr lang="ru-RU" sz="1400" dirty="0" smtClean="0"/>
-              <a:t>.  (могут быть вопросы по работе п/п приборов) (1 слайд)</a:t>
-            </a:r>
-          </a:p>
-          <a:p>
-            <a:pPr marL="514350" indent="-514350">
-              <a:buAutoNum type="arabicPeriod"/>
-            </a:pPr>
-            <a:r>
-              <a:rPr lang="ru-RU" sz="1400" dirty="0" smtClean="0"/>
-              <a:t>Картинка работы диммера (лампочка горит, пока все что есть, могут быть вопросы, где диммирование) (1 слайд)</a:t>
-            </a:r>
-          </a:p>
-          <a:p>
-            <a:pPr marL="514350" indent="-514350">
-              <a:buAutoNum type="arabicPeriod"/>
-            </a:pPr>
-            <a:r>
-              <a:rPr lang="ru-RU" sz="1400" dirty="0" smtClean="0"/>
-              <a:t>Подключение к </a:t>
-            </a:r>
-            <a:r>
-              <a:rPr lang="ru-RU" sz="1400" dirty="0" err="1" smtClean="0"/>
-              <a:t>вай</a:t>
-            </a:r>
-            <a:r>
-              <a:rPr lang="ru-RU" sz="1400" dirty="0" smtClean="0"/>
-              <a:t> фай и к умному дому (картинки про подключение к сети и ввод учетных данных </a:t>
-            </a:r>
-            <a:r>
-              <a:rPr lang="ru-RU" sz="1400" dirty="0" err="1" smtClean="0"/>
-              <a:t>вай</a:t>
-            </a:r>
-            <a:r>
-              <a:rPr lang="ru-RU" sz="1400" dirty="0" smtClean="0"/>
-              <a:t> фая, красивый слайд получится) (1 слайд)</a:t>
-            </a:r>
-          </a:p>
-          <a:p>
-            <a:pPr marL="514350" indent="-514350">
-              <a:buAutoNum type="arabicPeriod"/>
-            </a:pPr>
-            <a:r>
-              <a:rPr lang="ru-RU" sz="1400" dirty="0" smtClean="0"/>
-              <a:t>Процесс управления устройством через сайт (если получится, то показать сравнение картинок сайта и диммера в один момент) (1 слайд)</a:t>
-            </a:r>
-          </a:p>
-          <a:p>
-            <a:pPr marL="514350" indent="-514350">
-              <a:buAutoNum type="arabicPeriod"/>
-            </a:pPr>
-            <a:r>
-              <a:rPr lang="ru-RU" sz="1400" dirty="0" smtClean="0"/>
-              <a:t>Заключение (громкие слова про масштабируемость, открытость и </a:t>
-            </a:r>
-            <a:r>
-              <a:rPr lang="ru-RU" sz="1400" dirty="0" err="1" smtClean="0"/>
-              <a:t>тд</a:t>
-            </a:r>
-            <a:r>
-              <a:rPr lang="ru-RU" sz="1400" dirty="0" smtClean="0"/>
-              <a:t>) (1 слайд) </a:t>
-            </a:r>
+            <a:endParaRPr lang="en-US" dirty="0" smtClean="0"/>
           </a:p>
           <a:p>
             <a:pPr marL="514350" indent="-514350">
@@ -3256,18 +4653,6 @@
             <a:pPr marL="514350" indent="-514350">
               <a:buAutoNum type="arabicPeriod"/>
             </a:pPr>
-            <a:endParaRPr lang="en-US" dirty="0" smtClean="0"/>
-          </a:p>
-          <a:p>
-            <a:pPr marL="514350" indent="-514350">
-              <a:buAutoNum type="arabicPeriod"/>
-            </a:pPr>
-            <a:endParaRPr lang="ru-RU" dirty="0" smtClean="0"/>
-          </a:p>
-          <a:p>
-            <a:pPr marL="514350" indent="-514350">
-              <a:buAutoNum type="arabicPeriod"/>
-            </a:pPr>
             <a:endParaRPr lang="ru-RU" dirty="0"/>
           </a:p>
         </p:txBody>
@@ -3275,7 +4660,7 @@
     </p:spTree>
     <p:extLst>
       <p:ext uri="{BB962C8B-B14F-4D97-AF65-F5344CB8AC3E}">
-        <p14:creationId xmlns:p14="http://schemas.microsoft.com/office/powerpoint/2010/main" val="2869535334"/>
+        <p14:creationId xmlns:p14="http://schemas.microsoft.com/office/powerpoint/2010/main" val="2094975430"/>
       </p:ext>
     </p:extLst>
   </p:cSld>
@@ -3333,18 +4718,62 @@
           <a:p>
             <a:pPr algn="ctr"/>
             <a:r>
-              <a:rPr lang="ru-RU" sz="3200" dirty="0" smtClean="0"/>
+              <a:rPr lang="ru-RU" sz="2900" dirty="0" smtClean="0">
+                <a:solidFill>
+                  <a:schemeClr val="tx1">
+                    <a:lumMod val="75000"/>
+                    <a:lumOff val="25000"/>
+                  </a:schemeClr>
+                </a:solidFill>
+                <a:latin typeface="Century Gothic" panose="020B0502020202020204" pitchFamily="34" charset="0"/>
+              </a:rPr>
               <a:t>Концепция </a:t>
             </a:r>
             <a:r>
-              <a:rPr lang="ru-RU" sz="3200" dirty="0" err="1" smtClean="0"/>
+              <a:rPr lang="ru-RU" sz="2900" dirty="0" err="1" smtClean="0">
+                <a:solidFill>
+                  <a:schemeClr val="tx1">
+                    <a:lumMod val="75000"/>
+                    <a:lumOff val="25000"/>
+                  </a:schemeClr>
+                </a:solidFill>
+                <a:latin typeface="Century Gothic" panose="020B0502020202020204" pitchFamily="34" charset="0"/>
+              </a:rPr>
               <a:t>киберфизических</a:t>
             </a:r>
             <a:r>
-              <a:rPr lang="ru-RU" sz="3200" dirty="0" smtClean="0"/>
-              <a:t> систем</a:t>
-            </a:r>
-            <a:endParaRPr lang="ru-RU" sz="3200" dirty="0"/>
+              <a:rPr lang="ru-RU" sz="2900" dirty="0" smtClean="0">
+                <a:solidFill>
+                  <a:schemeClr val="tx1">
+                    <a:lumMod val="75000"/>
+                    <a:lumOff val="25000"/>
+                  </a:schemeClr>
+                </a:solidFill>
+                <a:latin typeface="Century Gothic" panose="020B0502020202020204" pitchFamily="34" charset="0"/>
+              </a:rPr>
+              <a:t> </a:t>
+            </a:r>
+            <a:r>
+              <a:rPr lang="ru-RU" sz="2900" dirty="0" smtClean="0">
+                <a:solidFill>
+                  <a:schemeClr val="tx1">
+                    <a:lumMod val="75000"/>
+                    <a:lumOff val="25000"/>
+                  </a:schemeClr>
+                </a:solidFill>
+                <a:latin typeface="Century Gothic" panose="020B0502020202020204" pitchFamily="34" charset="0"/>
+              </a:rPr>
+              <a:t>систем</a:t>
+            </a:r>
+            <a:endParaRPr lang="ru-RU" sz="2900" dirty="0">
+              <a:solidFill>
+                <a:schemeClr val="tx1">
+                  <a:lumMod val="75000"/>
+                  <a:lumOff val="25000"/>
+                </a:schemeClr>
+              </a:solidFill>
+              <a:latin typeface="Century Gothic" panose="020B0502020202020204" pitchFamily="34" charset="0"/>
+            </a:endParaRPr>
           </a:p>
         </p:txBody>
       </p:sp>
@@ -3360,8 +4789,8 @@
         </p:nvSpPr>
         <p:spPr>
           <a:xfrm>
-            <a:off x="838200" y="1768969"/>
-            <a:ext cx="4540624" cy="1930587"/>
+            <a:off x="838199" y="1768969"/>
+            <a:ext cx="4737847" cy="1691407"/>
           </a:xfrm>
         </p:spPr>
         <p:txBody>
@@ -3374,12 +4803,74 @@
               <a:buNone/>
             </a:pPr>
             <a:r>
-              <a:rPr lang="ru-RU" sz="1800" dirty="0" err="1"/>
+              <a:rPr lang="ru-RU" sz="1800" u="sng" dirty="0" err="1">
+                <a:solidFill>
+                  <a:schemeClr val="tx1">
+                    <a:lumMod val="75000"/>
+                    <a:lumOff val="25000"/>
+                  </a:schemeClr>
+                </a:solidFill>
+                <a:uFill>
+                  <a:solidFill>
+                    <a:srgbClr val="D1BCD2"/>
+                  </a:solidFill>
+                </a:uFill>
+              </a:rPr>
               <a:t>Киберфизическая</a:t>
             </a:r>
             <a:r>
-              <a:rPr lang="ru-RU" sz="1800" dirty="0"/>
-              <a:t> система - информационно-технологическая система сбора и хранения информации об объектах окружающей среды, и осуществляющая контроль за показателями электронных устройств, взаимодействующих с физическим миром.</a:t>
+              <a:rPr lang="ru-RU" sz="1800" u="sng" dirty="0">
+                <a:solidFill>
+                  <a:schemeClr val="tx1">
+                    <a:lumMod val="75000"/>
+                    <a:lumOff val="25000"/>
+                  </a:schemeClr>
+                </a:solidFill>
+                <a:uFill>
+                  <a:solidFill>
+                    <a:srgbClr val="D1BCD2"/>
+                  </a:solidFill>
+                </a:uFill>
+              </a:rPr>
+              <a:t> система</a:t>
+            </a:r>
+            <a:r>
+              <a:rPr lang="ru-RU" sz="1800" dirty="0">
+                <a:solidFill>
+                  <a:schemeClr val="tx1">
+                    <a:lumMod val="75000"/>
+                    <a:lumOff val="25000"/>
+                  </a:schemeClr>
+                </a:solidFill>
+                <a:uFill>
+                  <a:solidFill>
+                    <a:srgbClr val="99699B"/>
+                  </a:solidFill>
+                </a:uFill>
+              </a:rPr>
+              <a:t> </a:t>
+            </a:r>
+            <a:r>
+              <a:rPr lang="ru-RU" sz="1800" dirty="0" smtClean="0">
+                <a:solidFill>
+                  <a:schemeClr val="tx1">
+                    <a:lumMod val="75000"/>
+                    <a:lumOff val="25000"/>
+                  </a:schemeClr>
+                </a:solidFill>
+              </a:rPr>
+              <a:t>– информационно-технологическая </a:t>
+            </a:r>
+            <a:r>
+              <a:rPr lang="ru-RU" sz="1800" dirty="0">
+                <a:solidFill>
+                  <a:schemeClr val="tx1">
+                    <a:lumMod val="75000"/>
+                    <a:lumOff val="25000"/>
+                  </a:schemeClr>
+                </a:solidFill>
+              </a:rPr>
+              <a:t>система сбора и хранения информации об объектах окружающей среды, и осуществляющая контроль за показателями электронных устройств, взаимодействующих с физическим миром.</a:t>
             </a:r>
           </a:p>
         </p:txBody>
@@ -3392,8 +4883,8 @@
         </p:nvSpPr>
         <p:spPr>
           <a:xfrm>
-            <a:off x="838200" y="4304753"/>
-            <a:ext cx="4540624" cy="646331"/>
+            <a:off x="838199" y="4304753"/>
+            <a:ext cx="4639235" cy="646331"/>
           </a:xfrm>
           <a:prstGeom prst="rect">
             <a:avLst/>
@@ -3408,10 +4899,51 @@
           <a:p>
             <a:pPr algn="just"/>
             <a:r>
-              <a:rPr lang="ru-RU" dirty="0" smtClean="0"/>
-              <a:t>Пример киберфизической системы – «Умный дом»</a:t>
-            </a:r>
-            <a:endParaRPr lang="ru-RU" dirty="0"/>
+              <a:rPr lang="ru-RU" dirty="0" smtClean="0">
+                <a:solidFill>
+                  <a:schemeClr val="tx1">
+                    <a:lumMod val="75000"/>
+                    <a:lumOff val="25000"/>
+                  </a:schemeClr>
+                </a:solidFill>
+              </a:rPr>
+              <a:t>Пример киберфизической системы – «</a:t>
+            </a:r>
+            <a:r>
+              <a:rPr lang="ru-RU" u="sng" dirty="0" smtClean="0">
+                <a:solidFill>
+                  <a:schemeClr val="tx1">
+                    <a:lumMod val="75000"/>
+                    <a:lumOff val="25000"/>
+                  </a:schemeClr>
+                </a:solidFill>
+                <a:uFill>
+                  <a:solidFill>
+                    <a:srgbClr val="D1BCD2"/>
+                  </a:solidFill>
+                </a:uFill>
+              </a:rPr>
+              <a:t>Умный дом</a:t>
+            </a:r>
+            <a:r>
+              <a:rPr lang="ru-RU" dirty="0" smtClean="0">
+                <a:solidFill>
+                  <a:schemeClr val="tx1">
+                    <a:lumMod val="75000"/>
+                    <a:lumOff val="25000"/>
+                  </a:schemeClr>
+                </a:solidFill>
+              </a:rPr>
+              <a:t>»</a:t>
+            </a:r>
+            <a:endParaRPr lang="ru-RU" dirty="0">
+              <a:solidFill>
+                <a:schemeClr val="tx1">
+                  <a:lumMod val="75000"/>
+                  <a:lumOff val="25000"/>
+                </a:schemeClr>
+              </a:solidFill>
+            </a:endParaRPr>
           </a:p>
         </p:txBody>
       </p:sp>
@@ -3462,10 +4994,24 @@
           <a:p>
             <a:pPr algn="ctr"/>
             <a:r>
-              <a:rPr lang="ru-RU" sz="1600" dirty="0" smtClean="0"/>
+              <a:rPr lang="ru-RU" sz="1600" dirty="0" smtClean="0">
+                <a:solidFill>
+                  <a:schemeClr val="tx1">
+                    <a:lumMod val="75000"/>
+                    <a:lumOff val="25000"/>
+                  </a:schemeClr>
+                </a:solidFill>
+              </a:rPr>
               <a:t>Концептуальная схема киберфизической системы</a:t>
             </a:r>
-            <a:endParaRPr lang="ru-RU" sz="1600" dirty="0"/>
+            <a:endParaRPr lang="ru-RU" sz="1600" dirty="0">
+              <a:solidFill>
+                <a:schemeClr val="tx1">
+                  <a:lumMod val="75000"/>
+                  <a:lumOff val="25000"/>
+                </a:schemeClr>
+              </a:solidFill>
+            </a:endParaRPr>
           </a:p>
         </p:txBody>
       </p:sp>
@@ -3529,14 +5075,26 @@
           <a:lstStyle/>
           <a:p>
             <a:r>
-              <a:rPr lang="ru-RU" sz="3200" dirty="0" smtClean="0"/>
-              <a:t>Обзор </a:t>
-            </a:r>
-            <a:r>
-              <a:rPr lang="ru-RU" sz="3200" dirty="0" smtClean="0"/>
-              <a:t>систем «Умный дом»</a:t>
-            </a:r>
-            <a:endParaRPr lang="ru-RU" sz="3200" dirty="0"/>
+              <a:rPr lang="ru-RU" sz="2900" dirty="0" smtClean="0">
+                <a:solidFill>
+                  <a:schemeClr val="tx1">
+                    <a:lumMod val="75000"/>
+                    <a:lumOff val="25000"/>
+                  </a:schemeClr>
+                </a:solidFill>
+                <a:latin typeface="Century Gothic" panose="020B0502020202020204" pitchFamily="34" charset="0"/>
+              </a:rPr>
+              <a:t>Обзор систем «Умный дом»</a:t>
+            </a:r>
+            <a:endParaRPr lang="ru-RU" sz="2900" dirty="0">
+              <a:solidFill>
+                <a:schemeClr val="tx1">
+                  <a:lumMod val="75000"/>
+                  <a:lumOff val="25000"/>
+                </a:schemeClr>
+              </a:solidFill>
+              <a:latin typeface="Century Gothic" panose="020B0502020202020204" pitchFamily="34" charset="0"/>
+            </a:endParaRPr>
           </a:p>
         </p:txBody>
       </p:sp>
@@ -3550,7 +5108,7 @@
             <p:ph idx="1"/>
             <p:extLst>
               <p:ext uri="{D42A27DB-BD31-4B8C-83A1-F6EECF244321}">
-                <p14:modId xmlns:p14="http://schemas.microsoft.com/office/powerpoint/2010/main" val="1426748913"/>
+                <p14:modId xmlns:p14="http://schemas.microsoft.com/office/powerpoint/2010/main" val="3293438031"/>
               </p:ext>
             </p:extLst>
           </p:nvPr>
@@ -3902,10 +5460,24 @@
                     <a:lstStyle/>
                     <a:p>
                       <a:r>
-                        <a:rPr lang="ru-RU" dirty="0" smtClean="0"/>
+                        <a:rPr lang="ru-RU" dirty="0" smtClean="0">
+                          <a:solidFill>
+                            <a:schemeClr val="tx1">
+                              <a:lumMod val="75000"/>
+                              <a:lumOff val="25000"/>
+                            </a:schemeClr>
+                          </a:solidFill>
+                        </a:rPr>
                         <a:t>Достоинства</a:t>
                       </a:r>
-                      <a:endParaRPr lang="ru-RU" dirty="0"/>
+                      <a:endParaRPr lang="ru-RU" dirty="0">
+                        <a:solidFill>
+                          <a:schemeClr val="tx1">
+                            <a:lumMod val="75000"/>
+                            <a:lumOff val="25000"/>
+                          </a:schemeClr>
+                        </a:solidFill>
+                      </a:endParaRPr>
                     </a:p>
                   </a:txBody>
                   <a:tcPr>
@@ -3964,36 +5536,92 @@
                         <a:buAutoNum type="arabicPeriod"/>
                       </a:pPr>
                       <a:r>
-                        <a:rPr lang="ru-RU" dirty="0" smtClean="0"/>
+                        <a:rPr lang="ru-RU" dirty="0" smtClean="0">
+                          <a:solidFill>
+                            <a:schemeClr val="tx1">
+                              <a:lumMod val="75000"/>
+                              <a:lumOff val="25000"/>
+                            </a:schemeClr>
+                          </a:solidFill>
+                        </a:rPr>
                         <a:t>Поддержка</a:t>
                       </a:r>
                       <a:r>
-                        <a:rPr lang="en-US" dirty="0" smtClean="0"/>
+                        <a:rPr lang="en-US" dirty="0" smtClean="0">
+                          <a:solidFill>
+                            <a:schemeClr val="tx1">
+                              <a:lumMod val="75000"/>
+                              <a:lumOff val="25000"/>
+                            </a:schemeClr>
+                          </a:solidFill>
+                        </a:rPr>
                         <a:t> </a:t>
                       </a:r>
                       <a:r>
-                        <a:rPr lang="ru-RU" dirty="0" smtClean="0"/>
+                        <a:rPr lang="ru-RU" dirty="0" smtClean="0">
+                          <a:solidFill>
+                            <a:schemeClr val="tx1">
+                              <a:lumMod val="75000"/>
+                              <a:lumOff val="25000"/>
+                            </a:schemeClr>
+                          </a:solidFill>
+                        </a:rPr>
                         <a:t>протокола </a:t>
                       </a:r>
                       <a:r>
-                        <a:rPr lang="en-US" dirty="0" smtClean="0"/>
+                        <a:rPr lang="en-US" dirty="0" smtClean="0">
+                          <a:solidFill>
+                            <a:schemeClr val="tx1">
+                              <a:lumMod val="75000"/>
+                              <a:lumOff val="25000"/>
+                            </a:schemeClr>
+                          </a:solidFill>
+                        </a:rPr>
                         <a:t>Z-Wave</a:t>
                       </a:r>
-                      <a:endParaRPr lang="ru-RU" dirty="0" smtClean="0"/>
+                      <a:endParaRPr lang="ru-RU" dirty="0" smtClean="0">
+                        <a:solidFill>
+                          <a:schemeClr val="tx1">
+                            <a:lumMod val="75000"/>
+                            <a:lumOff val="25000"/>
+                          </a:schemeClr>
+                        </a:solidFill>
+                      </a:endParaRPr>
                     </a:p>
                     <a:p>
                       <a:pPr marL="342900" indent="-342900">
                         <a:buAutoNum type="arabicPeriod"/>
                       </a:pPr>
                       <a:r>
-                        <a:rPr lang="ru-RU" dirty="0" smtClean="0"/>
+                        <a:rPr lang="ru-RU" dirty="0" smtClean="0">
+                          <a:solidFill>
+                            <a:schemeClr val="tx1">
+                              <a:lumMod val="75000"/>
+                              <a:lumOff val="25000"/>
+                            </a:schemeClr>
+                          </a:solidFill>
+                        </a:rPr>
                         <a:t>Высокое</a:t>
                       </a:r>
                       <a:r>
-                        <a:rPr lang="ru-RU" baseline="0" dirty="0" smtClean="0"/>
+                        <a:rPr lang="ru-RU" baseline="0" dirty="0" smtClean="0">
+                          <a:solidFill>
+                            <a:schemeClr val="tx1">
+                              <a:lumMod val="75000"/>
+                              <a:lumOff val="25000"/>
+                            </a:schemeClr>
+                          </a:solidFill>
+                        </a:rPr>
                         <a:t> качество изделий</a:t>
                       </a:r>
-                      <a:endParaRPr lang="en-US" dirty="0" smtClean="0"/>
+                      <a:endParaRPr lang="en-US" dirty="0" smtClean="0">
+                        <a:solidFill>
+                          <a:schemeClr val="tx1">
+                            <a:lumMod val="75000"/>
+                            <a:lumOff val="25000"/>
+                          </a:schemeClr>
+                        </a:solidFill>
+                      </a:endParaRPr>
                     </a:p>
                   </a:txBody>
                   <a:tcPr>
@@ -4068,7 +5696,10 @@
                       <a:r>
                         <a:rPr lang="ru-RU" sz="1800" kern="1200" dirty="0" smtClean="0">
                           <a:solidFill>
-                            <a:schemeClr val="tx1"/>
+                            <a:schemeClr val="tx1">
+                              <a:lumMod val="75000"/>
+                              <a:lumOff val="25000"/>
+                            </a:schemeClr>
                           </a:solidFill>
                           <a:effectLst/>
                           <a:latin typeface="+mn-lt"/>
@@ -4099,7 +5730,10 @@
                       <a:r>
                         <a:rPr lang="ru-RU" sz="1800" kern="1200" dirty="0" smtClean="0">
                           <a:solidFill>
-                            <a:schemeClr val="tx1"/>
+                            <a:schemeClr val="tx1">
+                              <a:lumMod val="75000"/>
+                              <a:lumOff val="25000"/>
+                            </a:schemeClr>
                           </a:solidFill>
                           <a:effectLst/>
                           <a:latin typeface="+mn-lt"/>
@@ -4130,7 +5764,10 @@
                       <a:r>
                         <a:rPr lang="ru-RU" sz="1800" kern="1200" dirty="0" smtClean="0">
                           <a:solidFill>
-                            <a:schemeClr val="tx1"/>
+                            <a:schemeClr val="tx1">
+                              <a:lumMod val="75000"/>
+                              <a:lumOff val="25000"/>
+                            </a:schemeClr>
                           </a:solidFill>
                           <a:effectLst/>
                           <a:latin typeface="+mn-lt"/>
@@ -4142,7 +5779,10 @@
                       <a:r>
                         <a:rPr lang="ru-RU" sz="1800" kern="1200" baseline="0" dirty="0" smtClean="0">
                           <a:solidFill>
-                            <a:schemeClr val="tx1"/>
+                            <a:schemeClr val="tx1">
+                              <a:lumMod val="75000"/>
+                              <a:lumOff val="25000"/>
+                            </a:schemeClr>
                           </a:solidFill>
                           <a:effectLst/>
                           <a:latin typeface="+mn-lt"/>
@@ -4151,15 +5791,6 @@
                         </a:rPr>
                         <a:t> качество</a:t>
                       </a:r>
-                      <a:endParaRPr lang="ru-RU" sz="1800" kern="1200" baseline="0" dirty="0" smtClean="0">
-                        <a:solidFill>
-                          <a:schemeClr val="tx1"/>
-                        </a:solidFill>
-                        <a:effectLst/>
-                        <a:latin typeface="+mn-lt"/>
-                        <a:ea typeface="+mn-ea"/>
-                        <a:cs typeface="+mn-cs"/>
-                      </a:endParaRPr>
                     </a:p>
                   </a:txBody>
                   <a:tcPr>
@@ -4215,10 +5846,24 @@
                     <a:lstStyle/>
                     <a:p>
                       <a:r>
-                        <a:rPr lang="ru-RU" dirty="0" smtClean="0"/>
+                        <a:rPr lang="ru-RU" dirty="0" smtClean="0">
+                          <a:solidFill>
+                            <a:schemeClr val="tx1">
+                              <a:lumMod val="75000"/>
+                              <a:lumOff val="25000"/>
+                            </a:schemeClr>
+                          </a:solidFill>
+                        </a:rPr>
                         <a:t>1. Низкая стоимость</a:t>
                       </a:r>
-                      <a:endParaRPr lang="ru-RU" dirty="0"/>
+                      <a:endParaRPr lang="ru-RU" dirty="0">
+                        <a:solidFill>
+                          <a:schemeClr val="tx1">
+                            <a:lumMod val="75000"/>
+                            <a:lumOff val="25000"/>
+                          </a:schemeClr>
+                        </a:solidFill>
+                      </a:endParaRPr>
                     </a:p>
                   </a:txBody>
                   <a:tcPr>
@@ -4281,10 +5926,24 @@
                     <a:lstStyle/>
                     <a:p>
                       <a:r>
-                        <a:rPr lang="ru-RU" dirty="0" smtClean="0"/>
+                        <a:rPr lang="ru-RU" dirty="0" smtClean="0">
+                          <a:solidFill>
+                            <a:schemeClr val="tx1">
+                              <a:lumMod val="75000"/>
+                              <a:lumOff val="25000"/>
+                            </a:schemeClr>
+                          </a:solidFill>
+                        </a:rPr>
                         <a:t>Недостатки</a:t>
                       </a:r>
-                      <a:endParaRPr lang="ru-RU" dirty="0"/>
+                      <a:endParaRPr lang="ru-RU" dirty="0">
+                        <a:solidFill>
+                          <a:schemeClr val="tx1">
+                            <a:lumMod val="75000"/>
+                            <a:lumOff val="25000"/>
+                          </a:schemeClr>
+                        </a:solidFill>
+                      </a:endParaRPr>
                     </a:p>
                   </a:txBody>
                   <a:tcPr>
@@ -4343,7 +6002,14 @@
                         <a:buAutoNum type="arabicPeriod"/>
                       </a:pPr>
                       <a:r>
-                        <a:rPr lang="ru-RU" dirty="0" smtClean="0"/>
+                        <a:rPr lang="ru-RU" dirty="0" smtClean="0">
+                          <a:solidFill>
+                            <a:schemeClr val="tx1">
+                              <a:lumMod val="75000"/>
+                              <a:lumOff val="25000"/>
+                            </a:schemeClr>
+                          </a:solidFill>
+                        </a:rPr>
                         <a:t>Большие габариты устройств</a:t>
                       </a:r>
                     </a:p>
@@ -4352,14 +6018,35 @@
                         <a:buAutoNum type="arabicPeriod"/>
                       </a:pPr>
                       <a:r>
-                        <a:rPr lang="ru-RU" dirty="0" smtClean="0"/>
+                        <a:rPr lang="ru-RU" dirty="0" smtClean="0">
+                          <a:solidFill>
+                            <a:schemeClr val="tx1">
+                              <a:lumMod val="75000"/>
+                              <a:lumOff val="25000"/>
+                            </a:schemeClr>
+                          </a:solidFill>
+                        </a:rPr>
                         <a:t>Высокая</a:t>
                       </a:r>
                       <a:r>
-                        <a:rPr lang="ru-RU" baseline="0" dirty="0" smtClean="0"/>
+                        <a:rPr lang="ru-RU" baseline="0" dirty="0" smtClean="0">
+                          <a:solidFill>
+                            <a:schemeClr val="tx1">
+                              <a:lumMod val="75000"/>
+                              <a:lumOff val="25000"/>
+                            </a:schemeClr>
+                          </a:solidFill>
+                        </a:rPr>
                         <a:t> стоимость</a:t>
                       </a:r>
-                      <a:endParaRPr lang="ru-RU" dirty="0" smtClean="0"/>
+                      <a:endParaRPr lang="ru-RU" dirty="0" smtClean="0">
+                        <a:solidFill>
+                          <a:schemeClr val="tx1">
+                            <a:lumMod val="75000"/>
+                            <a:lumOff val="25000"/>
+                          </a:schemeClr>
+                        </a:solidFill>
+                      </a:endParaRPr>
                     </a:p>
                   </a:txBody>
                   <a:tcPr>
@@ -4418,11 +6105,25 @@
                         <a:buAutoNum type="arabicPeriod"/>
                       </a:pPr>
                       <a:r>
-                        <a:rPr lang="ru-RU" dirty="0" smtClean="0"/>
+                        <a:rPr lang="ru-RU" dirty="0" smtClean="0">
+                          <a:solidFill>
+                            <a:schemeClr val="tx1">
+                              <a:lumMod val="75000"/>
+                              <a:lumOff val="25000"/>
+                            </a:schemeClr>
+                          </a:solidFill>
+                        </a:rPr>
                         <a:t>Не русифицирован</a:t>
                       </a:r>
                       <a:r>
-                        <a:rPr lang="ru-RU" baseline="0" dirty="0" smtClean="0"/>
+                        <a:rPr lang="ru-RU" baseline="0" dirty="0" smtClean="0">
+                          <a:solidFill>
+                            <a:schemeClr val="tx1">
+                              <a:lumMod val="75000"/>
+                              <a:lumOff val="25000"/>
+                            </a:schemeClr>
+                          </a:solidFill>
+                        </a:rPr>
                         <a:t> интерфейс</a:t>
                       </a:r>
                     </a:p>
@@ -4431,18 +6132,46 @@
                         <a:buAutoNum type="arabicPeriod"/>
                       </a:pPr>
                       <a:r>
-                        <a:rPr lang="ru-RU" baseline="0" dirty="0" smtClean="0"/>
+                        <a:rPr lang="ru-RU" baseline="0" dirty="0" smtClean="0">
+                          <a:solidFill>
+                            <a:schemeClr val="tx1">
+                              <a:lumMod val="75000"/>
+                              <a:lumOff val="25000"/>
+                            </a:schemeClr>
+                          </a:solidFill>
+                        </a:rPr>
                         <a:t>Отсутствует </a:t>
                       </a:r>
                       <a:r>
-                        <a:rPr lang="en-US" baseline="0" dirty="0" smtClean="0"/>
+                        <a:rPr lang="en-US" baseline="0" dirty="0" smtClean="0">
+                          <a:solidFill>
+                            <a:schemeClr val="tx1">
+                              <a:lumMod val="75000"/>
+                              <a:lumOff val="25000"/>
+                            </a:schemeClr>
+                          </a:solidFill>
+                        </a:rPr>
                         <a:t>web-</a:t>
                       </a:r>
                       <a:r>
-                        <a:rPr lang="ru-RU" baseline="0" dirty="0" smtClean="0"/>
+                        <a:rPr lang="ru-RU" baseline="0" dirty="0" smtClean="0">
+                          <a:solidFill>
+                            <a:schemeClr val="tx1">
+                              <a:lumMod val="75000"/>
+                              <a:lumOff val="25000"/>
+                            </a:schemeClr>
+                          </a:solidFill>
+                        </a:rPr>
                         <a:t>приложение</a:t>
                       </a:r>
-                      <a:endParaRPr lang="ru-RU" dirty="0"/>
+                      <a:endParaRPr lang="ru-RU" dirty="0">
+                        <a:solidFill>
+                          <a:schemeClr val="tx1">
+                            <a:lumMod val="75000"/>
+                            <a:lumOff val="25000"/>
+                          </a:schemeClr>
+                        </a:solidFill>
+                      </a:endParaRPr>
                     </a:p>
                   </a:txBody>
                   <a:tcPr>
@@ -4502,11 +6231,25 @@
                         <a:buAutoNum type="arabicPeriod"/>
                       </a:pPr>
                       <a:r>
-                        <a:rPr lang="ru-RU" dirty="0" smtClean="0"/>
+                        <a:rPr lang="ru-RU" dirty="0" smtClean="0">
+                          <a:solidFill>
+                            <a:schemeClr val="tx1">
+                              <a:lumMod val="75000"/>
+                              <a:lumOff val="25000"/>
+                            </a:schemeClr>
+                          </a:solidFill>
+                        </a:rPr>
                         <a:t>Использование</a:t>
                       </a:r>
                       <a:r>
-                        <a:rPr lang="ru-RU" baseline="0" dirty="0" smtClean="0"/>
+                        <a:rPr lang="ru-RU" baseline="0" dirty="0" smtClean="0">
+                          <a:solidFill>
+                            <a:schemeClr val="tx1">
+                              <a:lumMod val="75000"/>
+                              <a:lumOff val="25000"/>
+                            </a:schemeClr>
+                          </a:solidFill>
+                        </a:rPr>
                         <a:t> смартфона в качестве сервера-шлюза</a:t>
                       </a:r>
                     </a:p>
@@ -4516,10 +6259,24 @@
                         <a:buAutoNum type="arabicPeriod"/>
                       </a:pPr>
                       <a:r>
-                        <a:rPr lang="ru-RU" baseline="0" dirty="0" smtClean="0"/>
+                        <a:rPr lang="ru-RU" baseline="0" dirty="0" smtClean="0">
+                          <a:solidFill>
+                            <a:schemeClr val="tx1">
+                              <a:lumMod val="75000"/>
+                              <a:lumOff val="25000"/>
+                            </a:schemeClr>
+                          </a:solidFill>
+                        </a:rPr>
                         <a:t>Низкое качество сборки</a:t>
                       </a:r>
-                      <a:endParaRPr lang="ru-RU" dirty="0"/>
+                      <a:endParaRPr lang="ru-RU" dirty="0">
+                        <a:solidFill>
+                          <a:schemeClr val="tx1">
+                            <a:lumMod val="75000"/>
+                            <a:lumOff val="25000"/>
+                          </a:schemeClr>
+                        </a:solidFill>
+                      </a:endParaRPr>
                     </a:p>
                   </a:txBody>
                   <a:tcPr>
@@ -4582,14 +6339,35 @@
                     <a:lstStyle/>
                     <a:p>
                       <a:r>
-                        <a:rPr lang="ru-RU" dirty="0" smtClean="0"/>
+                        <a:rPr lang="ru-RU" dirty="0" smtClean="0">
+                          <a:solidFill>
+                            <a:schemeClr val="tx1">
+                              <a:lumMod val="75000"/>
+                              <a:lumOff val="25000"/>
+                            </a:schemeClr>
+                          </a:solidFill>
+                        </a:rPr>
                         <a:t>Пример</a:t>
                       </a:r>
                       <a:r>
-                        <a:rPr lang="ru-RU" baseline="0" dirty="0" smtClean="0"/>
+                        <a:rPr lang="ru-RU" baseline="0" dirty="0" smtClean="0">
+                          <a:solidFill>
+                            <a:schemeClr val="tx1">
+                              <a:lumMod val="75000"/>
+                              <a:lumOff val="25000"/>
+                            </a:schemeClr>
+                          </a:solidFill>
+                        </a:rPr>
                         <a:t> свето-регулятора</a:t>
                       </a:r>
-                      <a:endParaRPr lang="ru-RU" dirty="0"/>
+                      <a:endParaRPr lang="ru-RU" dirty="0">
+                        <a:solidFill>
+                          <a:schemeClr val="tx1">
+                            <a:lumMod val="75000"/>
+                            <a:lumOff val="25000"/>
+                          </a:schemeClr>
+                        </a:solidFill>
+                      </a:endParaRPr>
                     </a:p>
                   </a:txBody>
                   <a:tcPr>
@@ -4647,7 +6425,14 @@
                       <a:pPr marL="0" indent="0">
                         <a:buNone/>
                       </a:pPr>
-                      <a:endParaRPr lang="ru-RU" dirty="0"/>
+                      <a:endParaRPr lang="ru-RU" dirty="0">
+                        <a:solidFill>
+                          <a:schemeClr val="tx1">
+                            <a:lumMod val="75000"/>
+                            <a:lumOff val="25000"/>
+                          </a:schemeClr>
+                        </a:solidFill>
+                      </a:endParaRPr>
                     </a:p>
                   </a:txBody>
                   <a:tcPr>
@@ -4705,7 +6490,14 @@
                       <a:pPr marL="0" indent="0">
                         <a:buNone/>
                       </a:pPr>
-                      <a:endParaRPr lang="ru-RU" dirty="0"/>
+                      <a:endParaRPr lang="ru-RU" dirty="0">
+                        <a:solidFill>
+                          <a:schemeClr val="tx1">
+                            <a:lumMod val="75000"/>
+                            <a:lumOff val="25000"/>
+                          </a:schemeClr>
+                        </a:solidFill>
+                      </a:endParaRPr>
                     </a:p>
                   </a:txBody>
                   <a:tcPr>
@@ -4764,7 +6556,14 @@
                         <a:buFont typeface="+mj-lt"/>
                         <a:buAutoNum type="arabicPeriod"/>
                       </a:pPr>
-                      <a:endParaRPr lang="ru-RU" dirty="0"/>
+                      <a:endParaRPr lang="ru-RU" dirty="0">
+                        <a:solidFill>
+                          <a:schemeClr val="tx1">
+                            <a:lumMod val="75000"/>
+                            <a:lumOff val="25000"/>
+                          </a:schemeClr>
+                        </a:solidFill>
+                      </a:endParaRPr>
                     </a:p>
                   </a:txBody>
                   <a:tcPr>
@@ -5034,10 +6833,38 @@
           <a:lstStyle/>
           <a:p>
             <a:r>
-              <a:rPr lang="ru-RU" sz="3200" dirty="0" smtClean="0"/>
-              <a:t>Постановка задачи</a:t>
-            </a:r>
-            <a:endParaRPr lang="ru-RU" sz="3200" dirty="0"/>
+              <a:rPr lang="ru-RU" sz="2900" dirty="0" smtClean="0">
+                <a:solidFill>
+                  <a:schemeClr val="tx1">
+                    <a:lumMod val="75000"/>
+                    <a:lumOff val="25000"/>
+                  </a:schemeClr>
+                </a:solidFill>
+                <a:latin typeface="Century Gothic" panose="020B0502020202020204" pitchFamily="34" charset="0"/>
+              </a:rPr>
+              <a:t>Постановка </a:t>
+            </a:r>
+            <a:r>
+              <a:rPr lang="ru-RU" sz="2900" dirty="0" smtClean="0">
+                <a:solidFill>
+                  <a:schemeClr val="tx1">
+                    <a:lumMod val="75000"/>
+                    <a:lumOff val="25000"/>
+                  </a:schemeClr>
+                </a:solidFill>
+                <a:latin typeface="Century Gothic" panose="020B0502020202020204" pitchFamily="34" charset="0"/>
+              </a:rPr>
+              <a:t>задач</a:t>
+            </a:r>
+            <a:endParaRPr lang="ru-RU" sz="2900" dirty="0">
+              <a:solidFill>
+                <a:schemeClr val="tx1">
+                  <a:lumMod val="75000"/>
+                  <a:lumOff val="25000"/>
+                </a:schemeClr>
+              </a:solidFill>
+              <a:latin typeface="Century Gothic" panose="020B0502020202020204" pitchFamily="34" charset="0"/>
+            </a:endParaRPr>
           </a:p>
         </p:txBody>
       </p:sp>
@@ -5068,35 +6895,80 @@
               <a:buAutoNum type="arabicPeriod"/>
             </a:pPr>
             <a:r>
-              <a:rPr lang="ru-RU" sz="1800" dirty="0" smtClean="0"/>
+              <a:rPr lang="ru-RU" sz="1800" dirty="0" smtClean="0">
+                <a:solidFill>
+                  <a:schemeClr val="tx1">
+                    <a:lumMod val="75000"/>
+                    <a:lumOff val="25000"/>
+                  </a:schemeClr>
+                </a:solidFill>
+              </a:rPr>
               <a:t>Разработать электронное устройство </a:t>
             </a:r>
             <a:r>
-              <a:rPr lang="ru-RU" sz="1800" dirty="0"/>
+              <a:rPr lang="ru-RU" sz="1800" dirty="0">
+                <a:solidFill>
+                  <a:schemeClr val="tx1">
+                    <a:lumMod val="75000"/>
+                    <a:lumOff val="25000"/>
+                  </a:schemeClr>
+                </a:solidFill>
+              </a:rPr>
               <a:t>регулировки </a:t>
             </a:r>
             <a:r>
-              <a:rPr lang="ru-RU" sz="1800" dirty="0" smtClean="0"/>
-              <a:t>яркости</a:t>
-            </a:r>
-            <a:r>
-              <a:rPr lang="ru-RU" sz="1800" dirty="0" smtClean="0"/>
+              <a:rPr lang="ru-RU" sz="1800" dirty="0" smtClean="0">
+                <a:solidFill>
+                  <a:schemeClr val="tx1">
+                    <a:lumMod val="75000"/>
+                    <a:lumOff val="25000"/>
+                  </a:schemeClr>
+                </a:solidFill>
+              </a:rPr>
+              <a:t>яркости </a:t>
+            </a:r>
+            <a:r>
+              <a:rPr lang="ru-RU" sz="1800" dirty="0">
+                <a:solidFill>
+                  <a:schemeClr val="tx1">
+                    <a:lumMod val="75000"/>
+                    <a:lumOff val="25000"/>
+                  </a:schemeClr>
+                </a:solidFill>
+              </a:rPr>
+              <a:t>осветительных приборов сети </a:t>
+            </a:r>
+            <a:r>
+              <a:rPr lang="ru-RU" sz="1800" dirty="0" smtClean="0">
+                <a:solidFill>
+                  <a:schemeClr val="tx1">
+                    <a:lumMod val="75000"/>
+                    <a:lumOff val="25000"/>
+                  </a:schemeClr>
+                </a:solidFill>
+              </a:rPr>
+              <a:t>220В</a:t>
+            </a:r>
+            <a:r>
+              <a:rPr lang="ru-RU" sz="1800" dirty="0">
+                <a:solidFill>
+                  <a:schemeClr val="tx1">
+                    <a:lumMod val="75000"/>
+                    <a:lumOff val="25000"/>
+                  </a:schemeClr>
+                </a:solidFill>
+              </a:rPr>
               <a:t> </a:t>
             </a:r>
             <a:r>
-              <a:rPr lang="ru-RU" sz="1800" dirty="0"/>
-              <a:t>осветительных приборов сети </a:t>
-            </a:r>
-            <a:r>
-              <a:rPr lang="ru-RU" sz="1800" dirty="0" smtClean="0"/>
-              <a:t>220В</a:t>
-            </a:r>
-            <a:r>
-              <a:rPr lang="ru-RU" sz="1800" dirty="0"/>
-              <a:t> </a:t>
-            </a:r>
-            <a:r>
-              <a:rPr lang="ru-RU" sz="1800" dirty="0" smtClean="0"/>
+              <a:rPr lang="ru-RU" sz="1800" dirty="0" smtClean="0">
+                <a:solidFill>
+                  <a:schemeClr val="tx1">
+                    <a:lumMod val="75000"/>
+                    <a:lumOff val="25000"/>
+                  </a:schemeClr>
+                </a:solidFill>
+              </a:rPr>
               <a:t>для системы «Умный дом»</a:t>
             </a:r>
           </a:p>
@@ -5106,26 +6978,68 @@
               <a:buAutoNum type="arabicPeriod"/>
             </a:pPr>
             <a:r>
-              <a:rPr lang="ru-RU" sz="1800" dirty="0" smtClean="0"/>
+              <a:rPr lang="ru-RU" sz="1800" dirty="0" smtClean="0">
+                <a:solidFill>
+                  <a:schemeClr val="tx1">
+                    <a:lumMod val="75000"/>
+                    <a:lumOff val="25000"/>
+                  </a:schemeClr>
+                </a:solidFill>
+              </a:rPr>
               <a:t>Создать пользовательский </a:t>
             </a:r>
             <a:r>
-              <a:rPr lang="en-US" sz="1800" dirty="0"/>
+              <a:rPr lang="en-US" sz="1800" dirty="0">
+                <a:solidFill>
+                  <a:schemeClr val="tx1">
+                    <a:lumMod val="75000"/>
+                    <a:lumOff val="25000"/>
+                  </a:schemeClr>
+                </a:solidFill>
+              </a:rPr>
               <a:t>Web</a:t>
             </a:r>
             <a:r>
-              <a:rPr lang="ru-RU" sz="1800" dirty="0" smtClean="0"/>
+              <a:rPr lang="ru-RU" sz="1800" dirty="0" smtClean="0">
+                <a:solidFill>
+                  <a:schemeClr val="tx1">
+                    <a:lumMod val="75000"/>
+                    <a:lumOff val="25000"/>
+                  </a:schemeClr>
+                </a:solidFill>
+              </a:rPr>
               <a:t>-интерфейс </a:t>
             </a:r>
             <a:r>
-              <a:rPr lang="ru-RU" sz="1800" dirty="0"/>
+              <a:rPr lang="ru-RU" sz="1800" dirty="0">
+                <a:solidFill>
+                  <a:schemeClr val="tx1">
+                    <a:lumMod val="75000"/>
+                    <a:lumOff val="25000"/>
+                  </a:schemeClr>
+                </a:solidFill>
+              </a:rPr>
               <a:t>для удаленного управления устройствами системы «Умный дом</a:t>
             </a:r>
             <a:r>
-              <a:rPr lang="ru-RU" sz="1800" dirty="0" smtClean="0"/>
+              <a:rPr lang="ru-RU" sz="1800" dirty="0" smtClean="0">
+                <a:solidFill>
+                  <a:schemeClr val="tx1">
+                    <a:lumMod val="75000"/>
+                    <a:lumOff val="25000"/>
+                  </a:schemeClr>
+                </a:solidFill>
+              </a:rPr>
               <a:t>».</a:t>
             </a:r>
-            <a:endParaRPr lang="en-US" sz="1800" dirty="0" smtClean="0"/>
+            <a:endParaRPr lang="en-US" sz="1800" dirty="0" smtClean="0">
+              <a:solidFill>
+                <a:schemeClr val="tx1">
+                  <a:lumMod val="75000"/>
+                  <a:lumOff val="25000"/>
+                </a:schemeClr>
+              </a:solidFill>
+            </a:endParaRPr>
           </a:p>
         </p:txBody>
       </p:sp>
@@ -5177,10 +7091,24 @@
           <a:p>
             <a:pPr algn="ctr"/>
             <a:r>
-              <a:rPr lang="ru-RU" sz="1600" dirty="0" smtClean="0"/>
-              <a:t>Структурная схема системы «Умный дом» (сиреневым обозначены разрабатываемые узлы)</a:t>
-            </a:r>
-            <a:endParaRPr lang="ru-RU" sz="1600" dirty="0"/>
+              <a:rPr lang="ru-RU" sz="1600" dirty="0" smtClean="0">
+                <a:solidFill>
+                  <a:schemeClr val="tx1">
+                    <a:lumMod val="75000"/>
+                    <a:lumOff val="25000"/>
+                  </a:schemeClr>
+                </a:solidFill>
+              </a:rPr>
+              <a:t>Структурная схема системы «Умный дом» (цветом выделены разрабатываемые узлы)</a:t>
+            </a:r>
+            <a:endParaRPr lang="ru-RU" sz="1600" dirty="0">
+              <a:solidFill>
+                <a:schemeClr val="tx1">
+                  <a:lumMod val="75000"/>
+                  <a:lumOff val="25000"/>
+                </a:schemeClr>
+              </a:solidFill>
+            </a:endParaRPr>
           </a:p>
         </p:txBody>
       </p:sp>
@@ -5234,20 +7162,48 @@
         <p:spPr>
           <a:xfrm>
             <a:off x="838200" y="580279"/>
-            <a:ext cx="10515600" cy="567204"/>
+            <a:ext cx="10515600" cy="844202"/>
           </a:xfrm>
         </p:spPr>
         <p:txBody>
           <a:bodyPr>
-            <a:normAutofit/>
+            <a:normAutofit fontScale="90000"/>
           </a:bodyPr>
           <a:lstStyle/>
           <a:p>
             <a:r>
-              <a:rPr lang="ru-RU" sz="3200" dirty="0" smtClean="0"/>
-              <a:t>Реализация свето-регулятора</a:t>
-            </a:r>
-            <a:endParaRPr lang="ru-RU" sz="3200" dirty="0"/>
+              <a:rPr lang="ru-RU" sz="3200" dirty="0" smtClean="0">
+                <a:solidFill>
+                  <a:schemeClr val="tx1">
+                    <a:lumMod val="75000"/>
+                    <a:lumOff val="25000"/>
+                  </a:schemeClr>
+                </a:solidFill>
+                <a:latin typeface="Century Gothic" panose="020B0502020202020204" pitchFamily="34" charset="0"/>
+              </a:rPr>
+              <a:t>Реализация </a:t>
+            </a:r>
+            <a:r>
+              <a:rPr lang="ru-RU" sz="3200" dirty="0" smtClean="0">
+                <a:solidFill>
+                  <a:schemeClr val="tx1">
+                    <a:lumMod val="75000"/>
+                    <a:lumOff val="25000"/>
+                  </a:schemeClr>
+                </a:solidFill>
+                <a:latin typeface="Century Gothic" panose="020B0502020202020204" pitchFamily="34" charset="0"/>
+              </a:rPr>
+              <a:t>свето-регулятора (способы диммирования)</a:t>
+            </a:r>
+            <a:endParaRPr lang="ru-RU" sz="3200" dirty="0">
+              <a:solidFill>
+                <a:schemeClr val="tx1">
+                  <a:lumMod val="75000"/>
+                  <a:lumOff val="25000"/>
+                </a:schemeClr>
+              </a:solidFill>
+              <a:latin typeface="Century Gothic" panose="020B0502020202020204" pitchFamily="34" charset="0"/>
+            </a:endParaRPr>
           </a:p>
         </p:txBody>
       </p:sp>
@@ -5276,8 +7232,8 @@
         </p:blipFill>
         <p:spPr bwMode="auto">
           <a:xfrm>
-            <a:off x="838199" y="2195331"/>
-            <a:ext cx="4857750" cy="2790825"/>
+            <a:off x="838200" y="3448400"/>
+            <a:ext cx="4397188" cy="2251165"/>
           </a:xfrm>
           <a:prstGeom prst="rect">
             <a:avLst/>
@@ -5309,8 +7265,8 @@
         </p:blipFill>
         <p:spPr bwMode="auto">
           <a:xfrm>
-            <a:off x="6492240" y="2197236"/>
-            <a:ext cx="4861560" cy="2788920"/>
+            <a:off x="6875928" y="3448400"/>
+            <a:ext cx="4477871" cy="2249260"/>
           </a:xfrm>
           <a:prstGeom prst="rect">
             <a:avLst/>
@@ -5329,8 +7285,8 @@
         </p:nvSpPr>
         <p:spPr>
           <a:xfrm>
-            <a:off x="1048310" y="4986156"/>
-            <a:ext cx="4437529" cy="369332"/>
+            <a:off x="968187" y="5664672"/>
+            <a:ext cx="4267201" cy="369332"/>
           </a:xfrm>
           <a:prstGeom prst="rect">
             <a:avLst/>
@@ -5345,10 +7301,24 @@
           <a:p>
             <a:pPr algn="ctr"/>
             <a:r>
-              <a:rPr lang="ru-RU" dirty="0" smtClean="0"/>
-              <a:t>Регулирование с отсечкой по фронту</a:t>
-            </a:r>
-            <a:endParaRPr lang="ru-RU" dirty="0"/>
+              <a:rPr lang="ru-RU" dirty="0" smtClean="0">
+                <a:solidFill>
+                  <a:schemeClr val="tx1">
+                    <a:lumMod val="75000"/>
+                    <a:lumOff val="25000"/>
+                  </a:schemeClr>
+                </a:solidFill>
+              </a:rPr>
+              <a:t>Диммирование с отсечкой по фронту</a:t>
+            </a:r>
+            <a:endParaRPr lang="ru-RU" dirty="0">
+              <a:solidFill>
+                <a:schemeClr val="tx1">
+                  <a:lumMod val="75000"/>
+                  <a:lumOff val="25000"/>
+                </a:schemeClr>
+              </a:solidFill>
+            </a:endParaRPr>
           </a:p>
         </p:txBody>
       </p:sp>
@@ -5360,8 +7330,8 @@
         </p:nvSpPr>
         <p:spPr>
           <a:xfrm>
-            <a:off x="6875929" y="4986156"/>
-            <a:ext cx="4477871" cy="369332"/>
+            <a:off x="6875929" y="5664672"/>
+            <a:ext cx="4477869" cy="369332"/>
           </a:xfrm>
           <a:prstGeom prst="rect">
             <a:avLst/>
@@ -5376,10 +7346,24 @@
           <a:p>
             <a:pPr algn="ctr"/>
             <a:r>
-              <a:rPr lang="ru-RU" dirty="0" smtClean="0"/>
-              <a:t>Регулирование с отсечкой по спаду</a:t>
-            </a:r>
-            <a:endParaRPr lang="ru-RU" dirty="0"/>
+              <a:rPr lang="ru-RU" dirty="0" smtClean="0">
+                <a:solidFill>
+                  <a:schemeClr val="tx1">
+                    <a:lumMod val="75000"/>
+                    <a:lumOff val="25000"/>
+                  </a:schemeClr>
+                </a:solidFill>
+              </a:rPr>
+              <a:t>Диммирование с отсечкой по спаду</a:t>
+            </a:r>
+            <a:endParaRPr lang="ru-RU" dirty="0">
+              <a:solidFill>
+                <a:schemeClr val="tx1">
+                  <a:lumMod val="75000"/>
+                  <a:lumOff val="25000"/>
+                </a:schemeClr>
+              </a:solidFill>
+            </a:endParaRPr>
           </a:p>
         </p:txBody>
       </p:sp>
@@ -5391,8 +7375,8 @@
         </p:nvSpPr>
         <p:spPr>
           <a:xfrm>
-            <a:off x="950259" y="1317812"/>
-            <a:ext cx="6580094" cy="369332"/>
+            <a:off x="968187" y="1836276"/>
+            <a:ext cx="3836895" cy="923330"/>
           </a:xfrm>
           <a:prstGeom prst="rect">
             <a:avLst/>
@@ -5405,11 +7389,130 @@
           </a:bodyPr>
           <a:lstStyle/>
           <a:p>
-            <a:r>
-              <a:rPr lang="ru-RU" dirty="0" smtClean="0"/>
-              <a:t>Способы управления мощностью осветительных приборов</a:t>
-            </a:r>
-            <a:endParaRPr lang="ru-RU" dirty="0"/>
+            <a:pPr algn="just"/>
+            <a:r>
+              <a:rPr lang="ru-RU" u="sng" dirty="0" smtClean="0">
+                <a:solidFill>
+                  <a:schemeClr val="tx1">
+                    <a:lumMod val="75000"/>
+                    <a:lumOff val="25000"/>
+                  </a:schemeClr>
+                </a:solidFill>
+                <a:uFill>
+                  <a:solidFill>
+                    <a:srgbClr val="D1BCD2"/>
+                  </a:solidFill>
+                </a:uFill>
+              </a:rPr>
+              <a:t>Диммирование</a:t>
+            </a:r>
+            <a:r>
+              <a:rPr lang="ru-RU" dirty="0" smtClean="0">
+                <a:solidFill>
+                  <a:schemeClr val="tx1">
+                    <a:lumMod val="75000"/>
+                    <a:lumOff val="25000"/>
+                  </a:schemeClr>
+                </a:solidFill>
+              </a:rPr>
+              <a:t> - процесс управления яркостью осветительных приборов.</a:t>
+            </a:r>
+          </a:p>
+        </p:txBody>
+      </p:sp>
+      <p:sp>
+        <p:nvSpPr>
+          <p:cNvPr id="3" name="TextBox 2"/>
+          <p:cNvSpPr txBox="1"/>
+          <p:nvPr/>
+        </p:nvSpPr>
+        <p:spPr>
+          <a:xfrm flipH="1">
+            <a:off x="5688103" y="1836276"/>
+            <a:ext cx="5665695" cy="1200329"/>
+          </a:xfrm>
+          <a:prstGeom prst="rect">
+            <a:avLst/>
+          </a:prstGeom>
+          <a:noFill/>
+        </p:spPr>
+        <p:txBody>
+          <a:bodyPr wrap="square" rtlCol="0">
+            <a:spAutoFit/>
+          </a:bodyPr>
+          <a:lstStyle/>
+          <a:p>
+            <a:pPr algn="just"/>
+            <a:r>
+              <a:rPr lang="ru-RU" u="sng" dirty="0">
+                <a:solidFill>
+                  <a:schemeClr val="tx1">
+                    <a:lumMod val="75000"/>
+                    <a:lumOff val="25000"/>
+                  </a:schemeClr>
+                </a:solidFill>
+                <a:uFill>
+                  <a:solidFill>
+                    <a:srgbClr val="D1BCD2"/>
+                  </a:solidFill>
+                </a:uFill>
+              </a:rPr>
+              <a:t>Диммер (свето-регулятор</a:t>
+            </a:r>
+            <a:r>
+              <a:rPr lang="ru-RU" u="sng" dirty="0" smtClean="0">
+                <a:solidFill>
+                  <a:schemeClr val="tx1">
+                    <a:lumMod val="75000"/>
+                    <a:lumOff val="25000"/>
+                  </a:schemeClr>
+                </a:solidFill>
+                <a:uFill>
+                  <a:solidFill>
+                    <a:srgbClr val="D1BCD2"/>
+                  </a:solidFill>
+                </a:uFill>
+              </a:rPr>
+              <a:t>)</a:t>
+            </a:r>
+            <a:r>
+              <a:rPr lang="ru-RU" dirty="0" smtClean="0">
+                <a:solidFill>
+                  <a:schemeClr val="tx1">
+                    <a:lumMod val="75000"/>
+                    <a:lumOff val="25000"/>
+                  </a:schemeClr>
+                </a:solidFill>
+                <a:uFill>
+                  <a:solidFill>
+                    <a:srgbClr val="D1BCD2"/>
+                  </a:solidFill>
+                </a:uFill>
+              </a:rPr>
+              <a:t> </a:t>
+            </a:r>
+            <a:r>
+              <a:rPr lang="ru-RU" dirty="0" smtClean="0">
+                <a:solidFill>
+                  <a:schemeClr val="tx1">
+                    <a:lumMod val="75000"/>
+                    <a:lumOff val="25000"/>
+                  </a:schemeClr>
+                </a:solidFill>
+              </a:rPr>
+              <a:t>– </a:t>
+            </a:r>
+            <a:r>
+              <a:rPr lang="ru-RU" dirty="0">
+                <a:solidFill>
+                  <a:schemeClr val="tx1">
+                    <a:lumMod val="75000"/>
+                    <a:lumOff val="25000"/>
+                  </a:schemeClr>
+                </a:solidFill>
+              </a:rPr>
+              <a:t>электронное устройство, используемое для регулировки яркости света, излучаемого осветительными приборами, посредством изменения потребляемой ими мощности.</a:t>
+            </a:r>
           </a:p>
         </p:txBody>
       </p:sp>
@@ -5462,51 +7565,37 @@
         </p:nvSpPr>
         <p:spPr>
           <a:xfrm>
-            <a:off x="838200" y="580279"/>
-            <a:ext cx="10515600" cy="567204"/>
+            <a:off x="838200" y="580278"/>
+            <a:ext cx="10515600" cy="836145"/>
           </a:xfrm>
         </p:spPr>
         <p:txBody>
           <a:bodyPr>
-            <a:normAutofit/>
+            <a:normAutofit fontScale="90000"/>
           </a:bodyPr>
           <a:lstStyle/>
           <a:p>
             <a:r>
-              <a:rPr lang="ru-RU" sz="3200" dirty="0" smtClean="0"/>
-              <a:t>Реализация свето-регулятора</a:t>
-            </a:r>
-            <a:endParaRPr lang="ru-RU" sz="3200" dirty="0"/>
-          </a:p>
-        </p:txBody>
-      </p:sp>
-      <p:sp>
-        <p:nvSpPr>
-          <p:cNvPr id="8" name="TextBox 7"/>
-          <p:cNvSpPr txBox="1"/>
-          <p:nvPr/>
-        </p:nvSpPr>
-        <p:spPr>
-          <a:xfrm>
-            <a:off x="950259" y="1317812"/>
-            <a:ext cx="6580094" cy="369332"/>
-          </a:xfrm>
-          <a:prstGeom prst="rect">
-            <a:avLst/>
-          </a:prstGeom>
-          <a:noFill/>
-        </p:spPr>
-        <p:txBody>
-          <a:bodyPr wrap="square" rtlCol="0">
-            <a:spAutoFit/>
-          </a:bodyPr>
-          <a:lstStyle/>
-          <a:p>
-            <a:r>
-              <a:rPr lang="ru-RU" dirty="0" smtClean="0"/>
-              <a:t>Функциональная схема</a:t>
-            </a:r>
-            <a:endParaRPr lang="ru-RU" dirty="0"/>
+              <a:rPr lang="ru-RU" sz="3200" dirty="0" smtClean="0">
+                <a:solidFill>
+                  <a:schemeClr val="tx1">
+                    <a:lumMod val="75000"/>
+                    <a:lumOff val="25000"/>
+                  </a:schemeClr>
+                </a:solidFill>
+                <a:latin typeface="Century Gothic" panose="020B0502020202020204" pitchFamily="34" charset="0"/>
+              </a:rPr>
+              <a:t>Реализация свето-регулятора (функциональная схема)</a:t>
+            </a:r>
+            <a:endParaRPr lang="ru-RU" sz="3200" dirty="0">
+              <a:solidFill>
+                <a:schemeClr val="tx1">
+                  <a:lumMod val="75000"/>
+                  <a:lumOff val="25000"/>
+                </a:schemeClr>
+              </a:solidFill>
+              <a:latin typeface="Century Gothic" panose="020B0502020202020204" pitchFamily="34" charset="0"/>
+            </a:endParaRPr>
           </a:p>
         </p:txBody>
       </p:sp>
@@ -5558,10 +7647,213 @@
           <a:p>
             <a:pPr algn="just"/>
             <a:r>
-              <a:rPr lang="ru-RU" dirty="0" smtClean="0"/>
-              <a:t>Когда напряжение в сети приближается к нулю, срабатывает детектор, микроконтроллер открывает силовой ключ и происходит коммутация фазовой линии на нагрузку. Через определенное уровнем яркости время, микроконтроллер закрывает силовой ключ и коммутация нагрузки питающим напряжением прекращается.</a:t>
-            </a:r>
-            <a:endParaRPr lang="ru-RU" dirty="0"/>
+              <a:rPr lang="ru-RU" dirty="0" smtClean="0">
+                <a:solidFill>
+                  <a:schemeClr val="tx1">
+                    <a:lumMod val="75000"/>
+                    <a:lumOff val="25000"/>
+                  </a:schemeClr>
+                </a:solidFill>
+              </a:rPr>
+              <a:t>Когда напряжение в сети приближается к нулю, срабатывает </a:t>
+            </a:r>
+            <a:r>
+              <a:rPr lang="ru-RU" u="sng" dirty="0" smtClean="0">
+                <a:solidFill>
+                  <a:schemeClr val="tx1">
+                    <a:lumMod val="75000"/>
+                    <a:lumOff val="25000"/>
+                  </a:schemeClr>
+                </a:solidFill>
+                <a:uFill>
+                  <a:solidFill>
+                    <a:srgbClr val="D1BCD2"/>
+                  </a:solidFill>
+                </a:uFill>
+              </a:rPr>
+              <a:t>детектор</a:t>
+            </a:r>
+            <a:r>
+              <a:rPr lang="ru-RU" dirty="0" smtClean="0">
+                <a:solidFill>
+                  <a:schemeClr val="tx1">
+                    <a:lumMod val="75000"/>
+                    <a:lumOff val="25000"/>
+                  </a:schemeClr>
+                </a:solidFill>
+              </a:rPr>
+              <a:t>, далее </a:t>
+            </a:r>
+            <a:r>
+              <a:rPr lang="ru-RU" u="sng" dirty="0" smtClean="0">
+                <a:solidFill>
+                  <a:schemeClr val="tx1">
+                    <a:lumMod val="75000"/>
+                    <a:lumOff val="25000"/>
+                  </a:schemeClr>
+                </a:solidFill>
+                <a:uFill>
+                  <a:solidFill>
+                    <a:srgbClr val="D1BCD2"/>
+                  </a:solidFill>
+                </a:uFill>
+              </a:rPr>
+              <a:t>микроконтроллер</a:t>
+            </a:r>
+            <a:r>
+              <a:rPr lang="ru-RU" dirty="0" smtClean="0">
+                <a:solidFill>
+                  <a:schemeClr val="tx1">
+                    <a:lumMod val="75000"/>
+                    <a:lumOff val="25000"/>
+                  </a:schemeClr>
+                </a:solidFill>
+              </a:rPr>
+              <a:t> открывает </a:t>
+            </a:r>
+            <a:r>
+              <a:rPr lang="ru-RU" u="sng" dirty="0" smtClean="0">
+                <a:solidFill>
+                  <a:schemeClr val="tx1">
+                    <a:lumMod val="75000"/>
+                    <a:lumOff val="25000"/>
+                  </a:schemeClr>
+                </a:solidFill>
+                <a:uFill>
+                  <a:solidFill>
+                    <a:srgbClr val="D1BCD2"/>
+                  </a:solidFill>
+                </a:uFill>
+              </a:rPr>
+              <a:t>силовой ключ</a:t>
+            </a:r>
+            <a:r>
+              <a:rPr lang="ru-RU" dirty="0" smtClean="0">
+                <a:solidFill>
+                  <a:schemeClr val="tx1">
+                    <a:lumMod val="75000"/>
+                    <a:lumOff val="25000"/>
+                  </a:schemeClr>
+                </a:solidFill>
+              </a:rPr>
+              <a:t>, и происходит коммутация фазовой линии на </a:t>
+            </a:r>
+            <a:r>
+              <a:rPr lang="ru-RU" u="sng" dirty="0" smtClean="0">
+                <a:solidFill>
+                  <a:schemeClr val="tx1">
+                    <a:lumMod val="75000"/>
+                    <a:lumOff val="25000"/>
+                  </a:schemeClr>
+                </a:solidFill>
+                <a:uFill>
+                  <a:solidFill>
+                    <a:srgbClr val="D1BCD2"/>
+                  </a:solidFill>
+                </a:uFill>
+              </a:rPr>
+              <a:t>нагрузку</a:t>
+            </a:r>
+            <a:r>
+              <a:rPr lang="ru-RU" dirty="0" smtClean="0">
+                <a:solidFill>
+                  <a:schemeClr val="tx1">
+                    <a:lumMod val="75000"/>
+                    <a:lumOff val="25000"/>
+                  </a:schemeClr>
+                </a:solidFill>
+              </a:rPr>
+              <a:t>. Через определенное уровнем яркости время, </a:t>
+            </a:r>
+            <a:r>
+              <a:rPr lang="ru-RU" u="sng" dirty="0" smtClean="0">
+                <a:solidFill>
+                  <a:schemeClr val="tx1">
+                    <a:lumMod val="75000"/>
+                    <a:lumOff val="25000"/>
+                  </a:schemeClr>
+                </a:solidFill>
+                <a:uFill>
+                  <a:solidFill>
+                    <a:srgbClr val="D1BCD2"/>
+                  </a:solidFill>
+                </a:uFill>
+              </a:rPr>
+              <a:t>микроконтроллер</a:t>
+            </a:r>
+            <a:r>
+              <a:rPr lang="ru-RU" dirty="0" smtClean="0">
+                <a:solidFill>
+                  <a:schemeClr val="tx1">
+                    <a:lumMod val="75000"/>
+                    <a:lumOff val="25000"/>
+                  </a:schemeClr>
+                </a:solidFill>
+              </a:rPr>
+              <a:t> закрывает </a:t>
+            </a:r>
+            <a:r>
+              <a:rPr lang="ru-RU" u="sng" dirty="0" smtClean="0">
+                <a:solidFill>
+                  <a:schemeClr val="tx1">
+                    <a:lumMod val="75000"/>
+                    <a:lumOff val="25000"/>
+                  </a:schemeClr>
+                </a:solidFill>
+                <a:uFill>
+                  <a:solidFill>
+                    <a:srgbClr val="D1BCD2"/>
+                  </a:solidFill>
+                </a:uFill>
+              </a:rPr>
+              <a:t>силовой ключ</a:t>
+            </a:r>
+            <a:r>
+              <a:rPr lang="ru-RU" dirty="0" smtClean="0">
+                <a:solidFill>
+                  <a:schemeClr val="tx1">
+                    <a:lumMod val="75000"/>
+                    <a:lumOff val="25000"/>
+                  </a:schemeClr>
+                </a:solidFill>
+              </a:rPr>
+              <a:t>, и коммутация </a:t>
+            </a:r>
+            <a:r>
+              <a:rPr lang="ru-RU" u="sng" dirty="0" smtClean="0">
+                <a:solidFill>
+                  <a:schemeClr val="tx1">
+                    <a:lumMod val="75000"/>
+                    <a:lumOff val="25000"/>
+                  </a:schemeClr>
+                </a:solidFill>
+                <a:uFill>
+                  <a:solidFill>
+                    <a:srgbClr val="D1BCD2"/>
+                  </a:solidFill>
+                </a:uFill>
+              </a:rPr>
+              <a:t>нагрузки</a:t>
+            </a:r>
+            <a:r>
+              <a:rPr lang="ru-RU" dirty="0" smtClean="0">
+                <a:solidFill>
+                  <a:schemeClr val="tx1">
+                    <a:lumMod val="75000"/>
+                    <a:lumOff val="25000"/>
+                  </a:schemeClr>
+                </a:solidFill>
+              </a:rPr>
+              <a:t> питающим напряжением прекращается.</a:t>
+            </a:r>
+            <a:endParaRPr lang="ru-RU" dirty="0">
+              <a:solidFill>
+                <a:schemeClr val="tx1">
+                  <a:lumMod val="75000"/>
+                  <a:lumOff val="25000"/>
+                </a:schemeClr>
+              </a:solidFill>
+            </a:endParaRPr>
           </a:p>
         </p:txBody>
       </p:sp>
@@ -5589,10 +7881,24 @@
           <a:p>
             <a:pPr algn="ctr"/>
             <a:r>
-              <a:rPr lang="ru-RU" dirty="0" smtClean="0"/>
+              <a:rPr lang="ru-RU" dirty="0" smtClean="0">
+                <a:solidFill>
+                  <a:schemeClr val="tx1">
+                    <a:lumMod val="75000"/>
+                    <a:lumOff val="25000"/>
+                  </a:schemeClr>
+                </a:solidFill>
+              </a:rPr>
               <a:t>Функциональная схема свето-регулятора</a:t>
             </a:r>
-            <a:endParaRPr lang="ru-RU" dirty="0"/>
+            <a:endParaRPr lang="ru-RU" dirty="0">
+              <a:solidFill>
+                <a:schemeClr val="tx1">
+                  <a:lumMod val="75000"/>
+                  <a:lumOff val="25000"/>
+                </a:schemeClr>
+              </a:solidFill>
+            </a:endParaRPr>
           </a:p>
         </p:txBody>
       </p:sp>
@@ -5600,6 +7906,481 @@
     <p:extLst>
       <p:ext uri="{BB962C8B-B14F-4D97-AF65-F5344CB8AC3E}">
         <p14:creationId xmlns:p14="http://schemas.microsoft.com/office/powerpoint/2010/main" val="2911153265"/>
+      </p:ext>
+    </p:extLst>
+  </p:cSld>
+  <p:clrMapOvr>
+    <a:masterClrMapping/>
+  </p:clrMapOvr>
+  <p:timing>
+    <p:tnLst>
+      <p:par>
+        <p:cTn id="1" dur="indefinite" restart="never" nodeType="tmRoot"/>
+      </p:par>
+    </p:tnLst>
+  </p:timing>
+</p:sld>
+</file>
+
+<file path=ppt/slides/slide8.xml><?xml version="1.0" encoding="utf-8"?>
+<p:sld xmlns:a="http://schemas.openxmlformats.org/drawingml/2006/main" xmlns:r="http://schemas.openxmlformats.org/officeDocument/2006/relationships" xmlns:p="http://schemas.openxmlformats.org/presentationml/2006/main">
+  <p:cSld>
+    <p:spTree>
+      <p:nvGrpSpPr>
+        <p:cNvPr id="1" name=""/>
+        <p:cNvGrpSpPr/>
+        <p:nvPr/>
+      </p:nvGrpSpPr>
+      <p:grpSpPr>
+        <a:xfrm>
+          <a:off x="0" y="0"/>
+          <a:ext cx="0" cy="0"/>
+          <a:chOff x="0" y="0"/>
+          <a:chExt cx="0" cy="0"/>
+        </a:xfrm>
+      </p:grpSpPr>
+      <p:sp>
+        <p:nvSpPr>
+          <p:cNvPr id="2" name="Заголовок 1"/>
+          <p:cNvSpPr>
+            <a:spLocks noGrp="1"/>
+          </p:cNvSpPr>
+          <p:nvPr>
+            <p:ph type="title"/>
+          </p:nvPr>
+        </p:nvSpPr>
+        <p:spPr>
+          <a:xfrm>
+            <a:off x="838200" y="502023"/>
+            <a:ext cx="10515600" cy="577175"/>
+          </a:xfrm>
+        </p:spPr>
+        <p:txBody>
+          <a:bodyPr>
+            <a:normAutofit/>
+          </a:bodyPr>
+          <a:lstStyle/>
+          <a:p>
+            <a:r>
+              <a:rPr lang="ru-RU" sz="2900" dirty="0" smtClean="0">
+                <a:solidFill>
+                  <a:schemeClr val="tx1">
+                    <a:lumMod val="75000"/>
+                    <a:lumOff val="25000"/>
+                  </a:schemeClr>
+                </a:solidFill>
+                <a:latin typeface="Century Gothic" panose="020B0502020202020204" pitchFamily="34" charset="0"/>
+              </a:rPr>
+              <a:t>Реализация свето-регулятора (моделирование)</a:t>
+            </a:r>
+            <a:endParaRPr lang="ru-RU" sz="2900" dirty="0">
+              <a:solidFill>
+                <a:schemeClr val="tx1">
+                  <a:lumMod val="75000"/>
+                  <a:lumOff val="25000"/>
+                </a:schemeClr>
+              </a:solidFill>
+              <a:latin typeface="Century Gothic" panose="020B0502020202020204" pitchFamily="34" charset="0"/>
+            </a:endParaRPr>
+          </a:p>
+        </p:txBody>
+      </p:sp>
+      <p:pic>
+        <p:nvPicPr>
+          <p:cNvPr id="6" name="Рисунок 5"/>
+          <p:cNvPicPr/>
+          <p:nvPr/>
+        </p:nvPicPr>
+        <p:blipFill rotWithShape="1">
+          <a:blip r:embed="rId2"/>
+          <a:srcRect t="543" b="482"/>
+          <a:stretch/>
+        </p:blipFill>
+        <p:spPr bwMode="auto">
+          <a:xfrm>
+            <a:off x="838201" y="1452284"/>
+            <a:ext cx="5186082" cy="3630704"/>
+          </a:xfrm>
+          <a:prstGeom prst="rect">
+            <a:avLst/>
+          </a:prstGeom>
+          <a:ln>
+            <a:noFill/>
+          </a:ln>
+          <a:extLst>
+            <a:ext uri="{53640926-AAD7-44D8-BBD7-CCE9431645EC}">
+              <a14:shadowObscured xmlns:a14="http://schemas.microsoft.com/office/drawing/2010/main"/>
+            </a:ext>
+          </a:extLst>
+        </p:spPr>
+      </p:pic>
+      <p:sp>
+        <p:nvSpPr>
+          <p:cNvPr id="3" name="TextBox 2"/>
+          <p:cNvSpPr txBox="1"/>
+          <p:nvPr/>
+        </p:nvSpPr>
+        <p:spPr>
+          <a:xfrm>
+            <a:off x="851647" y="5018457"/>
+            <a:ext cx="5244353" cy="369332"/>
+          </a:xfrm>
+          <a:prstGeom prst="rect">
+            <a:avLst/>
+          </a:prstGeom>
+          <a:noFill/>
+        </p:spPr>
+        <p:txBody>
+          <a:bodyPr wrap="square" rtlCol="0">
+            <a:spAutoFit/>
+          </a:bodyPr>
+          <a:lstStyle/>
+          <a:p>
+            <a:pPr algn="ctr"/>
+            <a:r>
+              <a:rPr lang="ru-RU" dirty="0" smtClean="0">
+                <a:solidFill>
+                  <a:schemeClr val="tx1">
+                    <a:lumMod val="75000"/>
+                    <a:lumOff val="25000"/>
+                  </a:schemeClr>
+                </a:solidFill>
+              </a:rPr>
+              <a:t>Принципиальная электрическая схема устройства</a:t>
+            </a:r>
+            <a:endParaRPr lang="ru-RU" dirty="0">
+              <a:solidFill>
+                <a:schemeClr val="tx1">
+                  <a:lumMod val="75000"/>
+                  <a:lumOff val="25000"/>
+                </a:schemeClr>
+              </a:solidFill>
+            </a:endParaRPr>
+          </a:p>
+        </p:txBody>
+      </p:sp>
+      <p:pic>
+        <p:nvPicPr>
+          <p:cNvPr id="8" name="Рисунок 7"/>
+          <p:cNvPicPr/>
+          <p:nvPr/>
+        </p:nvPicPr>
+        <p:blipFill>
+          <a:blip r:embed="rId3"/>
+          <a:stretch>
+            <a:fillRect/>
+          </a:stretch>
+        </p:blipFill>
+        <p:spPr>
+          <a:xfrm>
+            <a:off x="6285632" y="1961618"/>
+            <a:ext cx="5274142" cy="2612036"/>
+          </a:xfrm>
+          <a:prstGeom prst="rect">
+            <a:avLst/>
+          </a:prstGeom>
+        </p:spPr>
+      </p:pic>
+      <p:sp>
+        <p:nvSpPr>
+          <p:cNvPr id="4" name="TextBox 3"/>
+          <p:cNvSpPr txBox="1"/>
+          <p:nvPr/>
+        </p:nvSpPr>
+        <p:spPr>
+          <a:xfrm>
+            <a:off x="6333350" y="5018457"/>
+            <a:ext cx="5226424" cy="646331"/>
+          </a:xfrm>
+          <a:prstGeom prst="rect">
+            <a:avLst/>
+          </a:prstGeom>
+          <a:noFill/>
+        </p:spPr>
+        <p:txBody>
+          <a:bodyPr wrap="square" rtlCol="0">
+            <a:spAutoFit/>
+          </a:bodyPr>
+          <a:lstStyle/>
+          <a:p>
+            <a:pPr algn="ctr"/>
+            <a:r>
+              <a:rPr lang="ru-RU" dirty="0">
+                <a:solidFill>
+                  <a:schemeClr val="tx1">
+                    <a:lumMod val="75000"/>
+                    <a:lumOff val="25000"/>
+                  </a:schemeClr>
+                </a:solidFill>
+              </a:rPr>
+              <a:t>Выходная временная характеристика напряжения на выходе детектора перехода через ноль</a:t>
+            </a:r>
+          </a:p>
+        </p:txBody>
+      </p:sp>
+    </p:spTree>
+    <p:extLst>
+      <p:ext uri="{BB962C8B-B14F-4D97-AF65-F5344CB8AC3E}">
+        <p14:creationId xmlns:p14="http://schemas.microsoft.com/office/powerpoint/2010/main" val="1652307568"/>
+      </p:ext>
+    </p:extLst>
+  </p:cSld>
+  <p:clrMapOvr>
+    <a:masterClrMapping/>
+  </p:clrMapOvr>
+  <p:timing>
+    <p:tnLst>
+      <p:par>
+        <p:cTn id="1" dur="indefinite" restart="never" nodeType="tmRoot"/>
+      </p:par>
+    </p:tnLst>
+  </p:timing>
+</p:sld>
+</file>
+
+<file path=ppt/slides/slide9.xml><?xml version="1.0" encoding="utf-8"?>
+<p:sld xmlns:a="http://schemas.openxmlformats.org/drawingml/2006/main" xmlns:r="http://schemas.openxmlformats.org/officeDocument/2006/relationships" xmlns:p="http://schemas.openxmlformats.org/presentationml/2006/main">
+  <p:cSld>
+    <p:spTree>
+      <p:nvGrpSpPr>
+        <p:cNvPr id="1" name=""/>
+        <p:cNvGrpSpPr/>
+        <p:nvPr/>
+      </p:nvGrpSpPr>
+      <p:grpSpPr>
+        <a:xfrm>
+          <a:off x="0" y="0"/>
+          <a:ext cx="0" cy="0"/>
+          <a:chOff x="0" y="0"/>
+          <a:chExt cx="0" cy="0"/>
+        </a:xfrm>
+      </p:grpSpPr>
+      <p:sp>
+        <p:nvSpPr>
+          <p:cNvPr id="2" name="Заголовок 1"/>
+          <p:cNvSpPr>
+            <a:spLocks noGrp="1"/>
+          </p:cNvSpPr>
+          <p:nvPr>
+            <p:ph type="title"/>
+          </p:nvPr>
+        </p:nvSpPr>
+        <p:spPr>
+          <a:xfrm>
+            <a:off x="838200" y="510988"/>
+            <a:ext cx="10515600" cy="559100"/>
+          </a:xfrm>
+        </p:spPr>
+        <p:txBody>
+          <a:bodyPr>
+            <a:normAutofit/>
+          </a:bodyPr>
+          <a:lstStyle/>
+          <a:p>
+            <a:r>
+              <a:rPr lang="ru-RU" sz="2900" dirty="0" smtClean="0">
+                <a:solidFill>
+                  <a:schemeClr val="tx1">
+                    <a:lumMod val="75000"/>
+                    <a:lumOff val="25000"/>
+                  </a:schemeClr>
+                </a:solidFill>
+                <a:latin typeface="Century Gothic" panose="020B0502020202020204" pitchFamily="34" charset="0"/>
+              </a:rPr>
+              <a:t>Реализация свето-регулятора (моделирование)</a:t>
+            </a:r>
+            <a:endParaRPr lang="ru-RU" sz="2900" dirty="0">
+              <a:solidFill>
+                <a:schemeClr val="tx1">
+                  <a:lumMod val="75000"/>
+                  <a:lumOff val="25000"/>
+                </a:schemeClr>
+              </a:solidFill>
+              <a:latin typeface="Century Gothic" panose="020B0502020202020204" pitchFamily="34" charset="0"/>
+            </a:endParaRPr>
+          </a:p>
+        </p:txBody>
+      </p:sp>
+      <p:sp>
+        <p:nvSpPr>
+          <p:cNvPr id="3" name="TextBox 2"/>
+          <p:cNvSpPr txBox="1"/>
+          <p:nvPr/>
+        </p:nvSpPr>
+        <p:spPr>
+          <a:xfrm>
+            <a:off x="838200" y="3081216"/>
+            <a:ext cx="4746813" cy="646331"/>
+          </a:xfrm>
+          <a:prstGeom prst="rect">
+            <a:avLst/>
+          </a:prstGeom>
+          <a:noFill/>
+        </p:spPr>
+        <p:txBody>
+          <a:bodyPr wrap="square" rtlCol="0">
+            <a:spAutoFit/>
+          </a:bodyPr>
+          <a:lstStyle/>
+          <a:p>
+            <a:pPr algn="ctr"/>
+            <a:r>
+              <a:rPr lang="ru-RU" dirty="0">
+                <a:solidFill>
+                  <a:schemeClr val="tx1">
+                    <a:lumMod val="75000"/>
+                    <a:lumOff val="25000"/>
+                  </a:schemeClr>
+                </a:solidFill>
+              </a:rPr>
+              <a:t>Временная характеристика напряжения на нагрузке при уровне диммирования 50%</a:t>
+            </a:r>
+          </a:p>
+        </p:txBody>
+      </p:sp>
+      <p:sp>
+        <p:nvSpPr>
+          <p:cNvPr id="4" name="TextBox 3"/>
+          <p:cNvSpPr txBox="1"/>
+          <p:nvPr/>
+        </p:nvSpPr>
+        <p:spPr>
+          <a:xfrm>
+            <a:off x="6367182" y="3107740"/>
+            <a:ext cx="5226424" cy="646331"/>
+          </a:xfrm>
+          <a:prstGeom prst="rect">
+            <a:avLst/>
+          </a:prstGeom>
+          <a:noFill/>
+        </p:spPr>
+        <p:txBody>
+          <a:bodyPr wrap="square" rtlCol="0">
+            <a:spAutoFit/>
+          </a:bodyPr>
+          <a:lstStyle/>
+          <a:p>
+            <a:pPr algn="ctr"/>
+            <a:r>
+              <a:rPr lang="ru-RU" dirty="0">
+                <a:solidFill>
+                  <a:schemeClr val="tx1">
+                    <a:lumMod val="75000"/>
+                    <a:lumOff val="25000"/>
+                  </a:schemeClr>
+                </a:solidFill>
+              </a:rPr>
+              <a:t>Временная характеристика напряжения на нагрузке при уровне диммирования 100%</a:t>
+            </a:r>
+          </a:p>
+        </p:txBody>
+      </p:sp>
+      <p:pic>
+        <p:nvPicPr>
+          <p:cNvPr id="7" name="Рисунок 6"/>
+          <p:cNvPicPr/>
+          <p:nvPr/>
+        </p:nvPicPr>
+        <p:blipFill rotWithShape="1">
+          <a:blip r:embed="rId2"/>
+          <a:srcRect t="817" b="1390"/>
+          <a:stretch/>
+        </p:blipFill>
+        <p:spPr>
+          <a:xfrm>
+            <a:off x="838200" y="1228165"/>
+            <a:ext cx="4746813" cy="1828800"/>
+          </a:xfrm>
+          <a:prstGeom prst="rect">
+            <a:avLst/>
+          </a:prstGeom>
+        </p:spPr>
+      </p:pic>
+      <p:pic>
+        <p:nvPicPr>
+          <p:cNvPr id="9" name="Рисунок 8"/>
+          <p:cNvPicPr/>
+          <p:nvPr/>
+        </p:nvPicPr>
+        <p:blipFill>
+          <a:blip r:embed="rId3"/>
+          <a:stretch>
+            <a:fillRect/>
+          </a:stretch>
+        </p:blipFill>
+        <p:spPr>
+          <a:xfrm>
+            <a:off x="6606988" y="1212894"/>
+            <a:ext cx="4746812" cy="1829435"/>
+          </a:xfrm>
+          <a:prstGeom prst="rect">
+            <a:avLst/>
+          </a:prstGeom>
+        </p:spPr>
+      </p:pic>
+      <p:pic>
+        <p:nvPicPr>
+          <p:cNvPr id="10" name="Рисунок 9"/>
+          <p:cNvPicPr/>
+          <p:nvPr/>
+        </p:nvPicPr>
+        <p:blipFill>
+          <a:blip r:embed="rId4"/>
+          <a:stretch>
+            <a:fillRect/>
+          </a:stretch>
+        </p:blipFill>
+        <p:spPr>
+          <a:xfrm>
+            <a:off x="3722594" y="3909781"/>
+            <a:ext cx="4746812" cy="1860550"/>
+          </a:xfrm>
+          <a:prstGeom prst="rect">
+            <a:avLst/>
+          </a:prstGeom>
+        </p:spPr>
+      </p:pic>
+      <p:sp>
+        <p:nvSpPr>
+          <p:cNvPr id="5" name="TextBox 4"/>
+          <p:cNvSpPr txBox="1"/>
+          <p:nvPr/>
+        </p:nvSpPr>
+        <p:spPr>
+          <a:xfrm>
+            <a:off x="3722594" y="5836673"/>
+            <a:ext cx="4746812" cy="646331"/>
+          </a:xfrm>
+          <a:prstGeom prst="rect">
+            <a:avLst/>
+          </a:prstGeom>
+          <a:noFill/>
+        </p:spPr>
+        <p:txBody>
+          <a:bodyPr wrap="square" rtlCol="0">
+            <a:spAutoFit/>
+          </a:bodyPr>
+          <a:lstStyle/>
+          <a:p>
+            <a:pPr algn="ctr"/>
+            <a:r>
+              <a:rPr lang="ru-RU" dirty="0">
+                <a:solidFill>
+                  <a:schemeClr val="tx1">
+                    <a:lumMod val="75000"/>
+                    <a:lumOff val="25000"/>
+                  </a:schemeClr>
+                </a:solidFill>
+              </a:rPr>
+              <a:t>Временная характеристика напряжения на нагрузке при уровне диммирования 0%</a:t>
+            </a:r>
+          </a:p>
+        </p:txBody>
+      </p:sp>
+    </p:spTree>
+    <p:extLst>
+      <p:ext uri="{BB962C8B-B14F-4D97-AF65-F5344CB8AC3E}">
+        <p14:creationId xmlns:p14="http://schemas.microsoft.com/office/powerpoint/2010/main" val="900757385"/>
       </p:ext>
     </p:extLst>
   </p:cSld>

--- a/Презентация1.pptx
+++ b/Презентация1.pptx
@@ -4,6 +4,9 @@
   <p:sldMasterIdLst>
     <p:sldMasterId id="2147483648" r:id="rId1"/>
   </p:sldMasterIdLst>
+  <p:notesMasterIdLst>
+    <p:notesMasterId r:id="rId15"/>
+  </p:notesMasterIdLst>
   <p:sldIdLst>
     <p:sldId id="256" r:id="rId2"/>
     <p:sldId id="271" r:id="rId3"/>
@@ -12,8 +15,8 @@
     <p:sldId id="259" r:id="rId6"/>
     <p:sldId id="261" r:id="rId7"/>
     <p:sldId id="263" r:id="rId8"/>
-    <p:sldId id="265" r:id="rId9"/>
-    <p:sldId id="267" r:id="rId10"/>
+    <p:sldId id="267" r:id="rId9"/>
+    <p:sldId id="265" r:id="rId10"/>
     <p:sldId id="268" r:id="rId11"/>
     <p:sldId id="269" r:id="rId12"/>
     <p:sldId id="270" r:id="rId13"/>
@@ -124,6 +127,2262 @@
 </p:presentation>
 </file>
 
+<file path=ppt/notesMasters/notesMaster1.xml><?xml version="1.0" encoding="utf-8"?>
+<p:notesMaster xmlns:a="http://schemas.openxmlformats.org/drawingml/2006/main" xmlns:r="http://schemas.openxmlformats.org/officeDocument/2006/relationships" xmlns:p="http://schemas.openxmlformats.org/presentationml/2006/main">
+  <p:cSld>
+    <p:bg>
+      <p:bgRef idx="1001">
+        <a:schemeClr val="bg1"/>
+      </p:bgRef>
+    </p:bg>
+    <p:spTree>
+      <p:nvGrpSpPr>
+        <p:cNvPr id="1" name=""/>
+        <p:cNvGrpSpPr/>
+        <p:nvPr/>
+      </p:nvGrpSpPr>
+      <p:grpSpPr>
+        <a:xfrm>
+          <a:off x="0" y="0"/>
+          <a:ext cx="0" cy="0"/>
+          <a:chOff x="0" y="0"/>
+          <a:chExt cx="0" cy="0"/>
+        </a:xfrm>
+      </p:grpSpPr>
+      <p:sp>
+        <p:nvSpPr>
+          <p:cNvPr id="2" name="Верхний колонтитул 1"/>
+          <p:cNvSpPr>
+            <a:spLocks noGrp="1"/>
+          </p:cNvSpPr>
+          <p:nvPr>
+            <p:ph type="hdr" sz="quarter"/>
+          </p:nvPr>
+        </p:nvSpPr>
+        <p:spPr>
+          <a:xfrm>
+            <a:off x="0" y="0"/>
+            <a:ext cx="2971800" cy="458788"/>
+          </a:xfrm>
+          <a:prstGeom prst="rect">
+            <a:avLst/>
+          </a:prstGeom>
+        </p:spPr>
+        <p:txBody>
+          <a:bodyPr vert="horz" lIns="91440" tIns="45720" rIns="91440" bIns="45720" rtlCol="0"/>
+          <a:lstStyle>
+            <a:lvl1pPr algn="l">
+              <a:defRPr sz="1200"/>
+            </a:lvl1pPr>
+          </a:lstStyle>
+          <a:p>
+            <a:endParaRPr lang="ru-RU"/>
+          </a:p>
+        </p:txBody>
+      </p:sp>
+      <p:sp>
+        <p:nvSpPr>
+          <p:cNvPr id="3" name="Дата 2"/>
+          <p:cNvSpPr>
+            <a:spLocks noGrp="1"/>
+          </p:cNvSpPr>
+          <p:nvPr>
+            <p:ph type="dt" idx="1"/>
+          </p:nvPr>
+        </p:nvSpPr>
+        <p:spPr>
+          <a:xfrm>
+            <a:off x="3884613" y="0"/>
+            <a:ext cx="2971800" cy="458788"/>
+          </a:xfrm>
+          <a:prstGeom prst="rect">
+            <a:avLst/>
+          </a:prstGeom>
+        </p:spPr>
+        <p:txBody>
+          <a:bodyPr vert="horz" lIns="91440" tIns="45720" rIns="91440" bIns="45720" rtlCol="0"/>
+          <a:lstStyle>
+            <a:lvl1pPr algn="r">
+              <a:defRPr sz="1200"/>
+            </a:lvl1pPr>
+          </a:lstStyle>
+          <a:p>
+            <a:fld id="{7A5B6DC8-5D0F-4387-B5A1-517A0E2F0D1E}" type="datetimeFigureOut">
+              <a:rPr lang="ru-RU" smtClean="0"/>
+              <a:t>24.01.2021</a:t>
+            </a:fld>
+            <a:endParaRPr lang="ru-RU"/>
+          </a:p>
+        </p:txBody>
+      </p:sp>
+      <p:sp>
+        <p:nvSpPr>
+          <p:cNvPr id="4" name="Образ слайда 3"/>
+          <p:cNvSpPr>
+            <a:spLocks noGrp="1" noRot="1" noChangeAspect="1"/>
+          </p:cNvSpPr>
+          <p:nvPr>
+            <p:ph type="sldImg" idx="2"/>
+          </p:nvPr>
+        </p:nvSpPr>
+        <p:spPr>
+          <a:xfrm>
+            <a:off x="685800" y="1143000"/>
+            <a:ext cx="5486400" cy="3086100"/>
+          </a:xfrm>
+          <a:prstGeom prst="rect">
+            <a:avLst/>
+          </a:prstGeom>
+          <a:noFill/>
+          <a:ln w="12700">
+            <a:solidFill>
+              <a:prstClr val="black"/>
+            </a:solidFill>
+          </a:ln>
+        </p:spPr>
+        <p:txBody>
+          <a:bodyPr vert="horz" lIns="91440" tIns="45720" rIns="91440" bIns="45720" rtlCol="0" anchor="ctr"/>
+          <a:lstStyle/>
+          <a:p>
+            <a:endParaRPr lang="ru-RU"/>
+          </a:p>
+        </p:txBody>
+      </p:sp>
+      <p:sp>
+        <p:nvSpPr>
+          <p:cNvPr id="5" name="Заметки 4"/>
+          <p:cNvSpPr>
+            <a:spLocks noGrp="1"/>
+          </p:cNvSpPr>
+          <p:nvPr>
+            <p:ph type="body" sz="quarter" idx="3"/>
+          </p:nvPr>
+        </p:nvSpPr>
+        <p:spPr>
+          <a:xfrm>
+            <a:off x="685800" y="4400550"/>
+            <a:ext cx="5486400" cy="3600450"/>
+          </a:xfrm>
+          <a:prstGeom prst="rect">
+            <a:avLst/>
+          </a:prstGeom>
+        </p:spPr>
+        <p:txBody>
+          <a:bodyPr vert="horz" lIns="91440" tIns="45720" rIns="91440" bIns="45720" rtlCol="0"/>
+          <a:lstStyle/>
+          <a:p>
+            <a:pPr lvl="0"/>
+            <a:r>
+              <a:rPr lang="ru-RU" smtClean="0"/>
+              <a:t>Образец текста</a:t>
+            </a:r>
+          </a:p>
+          <a:p>
+            <a:pPr lvl="1"/>
+            <a:r>
+              <a:rPr lang="ru-RU" smtClean="0"/>
+              <a:t>Второй уровень</a:t>
+            </a:r>
+          </a:p>
+          <a:p>
+            <a:pPr lvl="2"/>
+            <a:r>
+              <a:rPr lang="ru-RU" smtClean="0"/>
+              <a:t>Третий уровень</a:t>
+            </a:r>
+          </a:p>
+          <a:p>
+            <a:pPr lvl="3"/>
+            <a:r>
+              <a:rPr lang="ru-RU" smtClean="0"/>
+              <a:t>Четвертый уровень</a:t>
+            </a:r>
+          </a:p>
+          <a:p>
+            <a:pPr lvl="4"/>
+            <a:r>
+              <a:rPr lang="ru-RU" smtClean="0"/>
+              <a:t>Пятый уровень</a:t>
+            </a:r>
+            <a:endParaRPr lang="ru-RU"/>
+          </a:p>
+        </p:txBody>
+      </p:sp>
+      <p:sp>
+        <p:nvSpPr>
+          <p:cNvPr id="6" name="Нижний колонтитул 5"/>
+          <p:cNvSpPr>
+            <a:spLocks noGrp="1"/>
+          </p:cNvSpPr>
+          <p:nvPr>
+            <p:ph type="ftr" sz="quarter" idx="4"/>
+          </p:nvPr>
+        </p:nvSpPr>
+        <p:spPr>
+          <a:xfrm>
+            <a:off x="0" y="8685213"/>
+            <a:ext cx="2971800" cy="458787"/>
+          </a:xfrm>
+          <a:prstGeom prst="rect">
+            <a:avLst/>
+          </a:prstGeom>
+        </p:spPr>
+        <p:txBody>
+          <a:bodyPr vert="horz" lIns="91440" tIns="45720" rIns="91440" bIns="45720" rtlCol="0" anchor="b"/>
+          <a:lstStyle>
+            <a:lvl1pPr algn="l">
+              <a:defRPr sz="1200"/>
+            </a:lvl1pPr>
+          </a:lstStyle>
+          <a:p>
+            <a:endParaRPr lang="ru-RU"/>
+          </a:p>
+        </p:txBody>
+      </p:sp>
+      <p:sp>
+        <p:nvSpPr>
+          <p:cNvPr id="7" name="Номер слайда 6"/>
+          <p:cNvSpPr>
+            <a:spLocks noGrp="1"/>
+          </p:cNvSpPr>
+          <p:nvPr>
+            <p:ph type="sldNum" sz="quarter" idx="5"/>
+          </p:nvPr>
+        </p:nvSpPr>
+        <p:spPr>
+          <a:xfrm>
+            <a:off x="3884613" y="8685213"/>
+            <a:ext cx="2971800" cy="458787"/>
+          </a:xfrm>
+          <a:prstGeom prst="rect">
+            <a:avLst/>
+          </a:prstGeom>
+        </p:spPr>
+        <p:txBody>
+          <a:bodyPr vert="horz" lIns="91440" tIns="45720" rIns="91440" bIns="45720" rtlCol="0" anchor="b"/>
+          <a:lstStyle>
+            <a:lvl1pPr algn="r">
+              <a:defRPr sz="1200"/>
+            </a:lvl1pPr>
+          </a:lstStyle>
+          <a:p>
+            <a:fld id="{0A5538B8-2D98-49D1-8F38-1F11DE338709}" type="slidenum">
+              <a:rPr lang="ru-RU" smtClean="0"/>
+              <a:t>‹#›</a:t>
+            </a:fld>
+            <a:endParaRPr lang="ru-RU"/>
+          </a:p>
+        </p:txBody>
+      </p:sp>
+    </p:spTree>
+    <p:extLst>
+      <p:ext uri="{BB962C8B-B14F-4D97-AF65-F5344CB8AC3E}">
+        <p14:creationId xmlns:p14="http://schemas.microsoft.com/office/powerpoint/2010/main" val="3369909185"/>
+      </p:ext>
+    </p:extLst>
+  </p:cSld>
+  <p:clrMap bg1="lt1" tx1="dk1" bg2="lt2" tx2="dk2" accent1="accent1" accent2="accent2" accent3="accent3" accent4="accent4" accent5="accent5" accent6="accent6" hlink="hlink" folHlink="folHlink"/>
+  <p:notesStyle>
+    <a:lvl1pPr marL="0" algn="l" defTabSz="914400" rtl="0" eaLnBrk="1" latinLnBrk="0" hangingPunct="1">
+      <a:defRPr sz="1200" kern="1200">
+        <a:solidFill>
+          <a:schemeClr val="tx1"/>
+        </a:solidFill>
+        <a:latin typeface="+mn-lt"/>
+        <a:ea typeface="+mn-ea"/>
+        <a:cs typeface="+mn-cs"/>
+      </a:defRPr>
+    </a:lvl1pPr>
+    <a:lvl2pPr marL="457200" algn="l" defTabSz="914400" rtl="0" eaLnBrk="1" latinLnBrk="0" hangingPunct="1">
+      <a:defRPr sz="1200" kern="1200">
+        <a:solidFill>
+          <a:schemeClr val="tx1"/>
+        </a:solidFill>
+        <a:latin typeface="+mn-lt"/>
+        <a:ea typeface="+mn-ea"/>
+        <a:cs typeface="+mn-cs"/>
+      </a:defRPr>
+    </a:lvl2pPr>
+    <a:lvl3pPr marL="914400" algn="l" defTabSz="914400" rtl="0" eaLnBrk="1" latinLnBrk="0" hangingPunct="1">
+      <a:defRPr sz="1200" kern="1200">
+        <a:solidFill>
+          <a:schemeClr val="tx1"/>
+        </a:solidFill>
+        <a:latin typeface="+mn-lt"/>
+        <a:ea typeface="+mn-ea"/>
+        <a:cs typeface="+mn-cs"/>
+      </a:defRPr>
+    </a:lvl3pPr>
+    <a:lvl4pPr marL="1371600" algn="l" defTabSz="914400" rtl="0" eaLnBrk="1" latinLnBrk="0" hangingPunct="1">
+      <a:defRPr sz="1200" kern="1200">
+        <a:solidFill>
+          <a:schemeClr val="tx1"/>
+        </a:solidFill>
+        <a:latin typeface="+mn-lt"/>
+        <a:ea typeface="+mn-ea"/>
+        <a:cs typeface="+mn-cs"/>
+      </a:defRPr>
+    </a:lvl4pPr>
+    <a:lvl5pPr marL="1828800" algn="l" defTabSz="914400" rtl="0" eaLnBrk="1" latinLnBrk="0" hangingPunct="1">
+      <a:defRPr sz="1200" kern="1200">
+        <a:solidFill>
+          <a:schemeClr val="tx1"/>
+        </a:solidFill>
+        <a:latin typeface="+mn-lt"/>
+        <a:ea typeface="+mn-ea"/>
+        <a:cs typeface="+mn-cs"/>
+      </a:defRPr>
+    </a:lvl5pPr>
+    <a:lvl6pPr marL="2286000" algn="l" defTabSz="914400" rtl="0" eaLnBrk="1" latinLnBrk="0" hangingPunct="1">
+      <a:defRPr sz="1200" kern="1200">
+        <a:solidFill>
+          <a:schemeClr val="tx1"/>
+        </a:solidFill>
+        <a:latin typeface="+mn-lt"/>
+        <a:ea typeface="+mn-ea"/>
+        <a:cs typeface="+mn-cs"/>
+      </a:defRPr>
+    </a:lvl6pPr>
+    <a:lvl7pPr marL="2743200" algn="l" defTabSz="914400" rtl="0" eaLnBrk="1" latinLnBrk="0" hangingPunct="1">
+      <a:defRPr sz="1200" kern="1200">
+        <a:solidFill>
+          <a:schemeClr val="tx1"/>
+        </a:solidFill>
+        <a:latin typeface="+mn-lt"/>
+        <a:ea typeface="+mn-ea"/>
+        <a:cs typeface="+mn-cs"/>
+      </a:defRPr>
+    </a:lvl7pPr>
+    <a:lvl8pPr marL="3200400" algn="l" defTabSz="914400" rtl="0" eaLnBrk="1" latinLnBrk="0" hangingPunct="1">
+      <a:defRPr sz="1200" kern="1200">
+        <a:solidFill>
+          <a:schemeClr val="tx1"/>
+        </a:solidFill>
+        <a:latin typeface="+mn-lt"/>
+        <a:ea typeface="+mn-ea"/>
+        <a:cs typeface="+mn-cs"/>
+      </a:defRPr>
+    </a:lvl8pPr>
+    <a:lvl9pPr marL="3657600" algn="l" defTabSz="914400" rtl="0" eaLnBrk="1" latinLnBrk="0" hangingPunct="1">
+      <a:defRPr sz="1200" kern="1200">
+        <a:solidFill>
+          <a:schemeClr val="tx1"/>
+        </a:solidFill>
+        <a:latin typeface="+mn-lt"/>
+        <a:ea typeface="+mn-ea"/>
+        <a:cs typeface="+mn-cs"/>
+      </a:defRPr>
+    </a:lvl9pPr>
+  </p:notesStyle>
+</p:notesMaster>
+</file>
+
+<file path=ppt/notesSlides/notesSlide1.xml><?xml version="1.0" encoding="utf-8"?>
+<p:notes xmlns:a="http://schemas.openxmlformats.org/drawingml/2006/main" xmlns:r="http://schemas.openxmlformats.org/officeDocument/2006/relationships" xmlns:p="http://schemas.openxmlformats.org/presentationml/2006/main">
+  <p:cSld>
+    <p:spTree>
+      <p:nvGrpSpPr>
+        <p:cNvPr id="1" name=""/>
+        <p:cNvGrpSpPr/>
+        <p:nvPr/>
+      </p:nvGrpSpPr>
+      <p:grpSpPr>
+        <a:xfrm>
+          <a:off x="0" y="0"/>
+          <a:ext cx="0" cy="0"/>
+          <a:chOff x="0" y="0"/>
+          <a:chExt cx="0" cy="0"/>
+        </a:xfrm>
+      </p:grpSpPr>
+      <p:sp>
+        <p:nvSpPr>
+          <p:cNvPr id="2" name="Образ слайда 1"/>
+          <p:cNvSpPr>
+            <a:spLocks noGrp="1" noRot="1" noChangeAspect="1"/>
+          </p:cNvSpPr>
+          <p:nvPr>
+            <p:ph type="sldImg"/>
+          </p:nvPr>
+        </p:nvSpPr>
+        <p:spPr/>
+      </p:sp>
+      <p:sp>
+        <p:nvSpPr>
+          <p:cNvPr id="3" name="Заметки 2"/>
+          <p:cNvSpPr>
+            <a:spLocks noGrp="1"/>
+          </p:cNvSpPr>
+          <p:nvPr>
+            <p:ph type="body" idx="1"/>
+          </p:nvPr>
+        </p:nvSpPr>
+        <p:spPr/>
+        <p:txBody>
+          <a:bodyPr/>
+          <a:lstStyle/>
+          <a:p>
+            <a:r>
+              <a:rPr lang="ru-RU" dirty="0" smtClean="0"/>
+              <a:t>Презентация</a:t>
+            </a:r>
+            <a:r>
+              <a:rPr lang="ru-RU" baseline="0" dirty="0" smtClean="0"/>
+              <a:t> дипломного проектирования будет содержать следующие темы. </a:t>
+            </a:r>
+            <a:endParaRPr lang="ru-RU" dirty="0"/>
+          </a:p>
+        </p:txBody>
+      </p:sp>
+      <p:sp>
+        <p:nvSpPr>
+          <p:cNvPr id="4" name="Номер слайда 3"/>
+          <p:cNvSpPr>
+            <a:spLocks noGrp="1"/>
+          </p:cNvSpPr>
+          <p:nvPr>
+            <p:ph type="sldNum" sz="quarter" idx="10"/>
+          </p:nvPr>
+        </p:nvSpPr>
+        <p:spPr/>
+        <p:txBody>
+          <a:bodyPr/>
+          <a:lstStyle/>
+          <a:p>
+            <a:fld id="{0A5538B8-2D98-49D1-8F38-1F11DE338709}" type="slidenum">
+              <a:rPr lang="ru-RU" smtClean="0"/>
+              <a:t>2</a:t>
+            </a:fld>
+            <a:endParaRPr lang="ru-RU"/>
+          </a:p>
+        </p:txBody>
+      </p:sp>
+    </p:spTree>
+    <p:extLst>
+      <p:ext uri="{BB962C8B-B14F-4D97-AF65-F5344CB8AC3E}">
+        <p14:creationId xmlns:p14="http://schemas.microsoft.com/office/powerpoint/2010/main" val="724996734"/>
+      </p:ext>
+    </p:extLst>
+  </p:cSld>
+  <p:clrMapOvr>
+    <a:masterClrMapping/>
+  </p:clrMapOvr>
+</p:notes>
+</file>
+
+<file path=ppt/notesSlides/notesSlide10.xml><?xml version="1.0" encoding="utf-8"?>
+<p:notes xmlns:a="http://schemas.openxmlformats.org/drawingml/2006/main" xmlns:r="http://schemas.openxmlformats.org/officeDocument/2006/relationships" xmlns:p="http://schemas.openxmlformats.org/presentationml/2006/main">
+  <p:cSld>
+    <p:spTree>
+      <p:nvGrpSpPr>
+        <p:cNvPr id="1" name=""/>
+        <p:cNvGrpSpPr/>
+        <p:nvPr/>
+      </p:nvGrpSpPr>
+      <p:grpSpPr>
+        <a:xfrm>
+          <a:off x="0" y="0"/>
+          <a:ext cx="0" cy="0"/>
+          <a:chOff x="0" y="0"/>
+          <a:chExt cx="0" cy="0"/>
+        </a:xfrm>
+      </p:grpSpPr>
+      <p:sp>
+        <p:nvSpPr>
+          <p:cNvPr id="2" name="Образ слайда 1"/>
+          <p:cNvSpPr>
+            <a:spLocks noGrp="1" noRot="1" noChangeAspect="1"/>
+          </p:cNvSpPr>
+          <p:nvPr>
+            <p:ph type="sldImg"/>
+          </p:nvPr>
+        </p:nvSpPr>
+        <p:spPr/>
+      </p:sp>
+      <p:sp>
+        <p:nvSpPr>
+          <p:cNvPr id="3" name="Заметки 2"/>
+          <p:cNvSpPr>
+            <a:spLocks noGrp="1"/>
+          </p:cNvSpPr>
+          <p:nvPr>
+            <p:ph type="body" idx="1"/>
+          </p:nvPr>
+        </p:nvSpPr>
+        <p:spPr/>
+        <p:txBody>
+          <a:bodyPr/>
+          <a:lstStyle/>
+          <a:p>
+            <a:r>
+              <a:rPr lang="ru-RU" sz="1200" kern="1200" dirty="0" smtClean="0">
+                <a:solidFill>
+                  <a:schemeClr val="tx1"/>
+                </a:solidFill>
+                <a:effectLst/>
+                <a:latin typeface="+mn-lt"/>
+                <a:ea typeface="+mn-ea"/>
+                <a:cs typeface="+mn-cs"/>
+              </a:rPr>
+              <a:t>Для удаленного контроля за устройствами киберфизической системы «Умный дом» был создан пользовательский </a:t>
+            </a:r>
+            <a:r>
+              <a:rPr lang="en-US" sz="1200" kern="1200" dirty="0" smtClean="0">
+                <a:solidFill>
+                  <a:schemeClr val="tx1"/>
+                </a:solidFill>
+                <a:effectLst/>
+                <a:latin typeface="+mn-lt"/>
+                <a:ea typeface="+mn-ea"/>
+                <a:cs typeface="+mn-cs"/>
+              </a:rPr>
+              <a:t>Web</a:t>
+            </a:r>
+            <a:r>
+              <a:rPr lang="ru-RU" sz="1200" kern="1200" dirty="0" smtClean="0">
+                <a:solidFill>
+                  <a:schemeClr val="tx1"/>
+                </a:solidFill>
+                <a:effectLst/>
+                <a:latin typeface="+mn-lt"/>
+                <a:ea typeface="+mn-ea"/>
+                <a:cs typeface="+mn-cs"/>
+              </a:rPr>
+              <a:t>-интерфейс, доступный в браузере на компьютере пользователя. У каждого пользователя системы свой личный кабинет, доступ к которому осуществляется по почте и паролю.</a:t>
+            </a:r>
+          </a:p>
+          <a:p>
+            <a:r>
+              <a:rPr lang="ru-RU" sz="1200" kern="1200" dirty="0" smtClean="0">
+                <a:solidFill>
+                  <a:schemeClr val="tx1"/>
+                </a:solidFill>
+                <a:effectLst/>
+                <a:latin typeface="+mn-lt"/>
+                <a:ea typeface="+mn-ea"/>
+                <a:cs typeface="+mn-cs"/>
+              </a:rPr>
+              <a:t>При успешном входе пользователя встречает панель управления устройствами, сгруппированными по комнатам. Раздел комнат позволяет:</a:t>
+            </a:r>
+          </a:p>
+          <a:p>
+            <a:r>
+              <a:rPr lang="ru-RU" sz="1200" kern="1200" dirty="0" smtClean="0">
+                <a:solidFill>
+                  <a:schemeClr val="tx1"/>
+                </a:solidFill>
+                <a:effectLst/>
+                <a:latin typeface="+mn-lt"/>
+                <a:ea typeface="+mn-ea"/>
+                <a:cs typeface="+mn-cs"/>
+              </a:rPr>
+              <a:t>•	менять названия комнат и устройств</a:t>
+            </a:r>
+          </a:p>
+          <a:p>
+            <a:r>
+              <a:rPr lang="ru-RU" sz="1200" kern="1200" dirty="0" smtClean="0">
+                <a:solidFill>
+                  <a:schemeClr val="tx1"/>
+                </a:solidFill>
+                <a:effectLst/>
+                <a:latin typeface="+mn-lt"/>
+                <a:ea typeface="+mn-ea"/>
+                <a:cs typeface="+mn-cs"/>
+              </a:rPr>
+              <a:t>•	переносить устройства из одной комнаты в другую</a:t>
+            </a:r>
+          </a:p>
+          <a:p>
+            <a:r>
+              <a:rPr lang="ru-RU" sz="1200" kern="1200" dirty="0" smtClean="0">
+                <a:solidFill>
+                  <a:schemeClr val="tx1"/>
+                </a:solidFill>
+                <a:effectLst/>
+                <a:latin typeface="+mn-lt"/>
+                <a:ea typeface="+mn-ea"/>
+                <a:cs typeface="+mn-cs"/>
+              </a:rPr>
+              <a:t>•	создавать новые комнаты</a:t>
+            </a:r>
+          </a:p>
+          <a:p>
+            <a:r>
+              <a:rPr lang="ru-RU" sz="1200" kern="1200" dirty="0" smtClean="0">
+                <a:solidFill>
+                  <a:schemeClr val="tx1"/>
+                </a:solidFill>
+                <a:effectLst/>
+                <a:latin typeface="+mn-lt"/>
+                <a:ea typeface="+mn-ea"/>
+                <a:cs typeface="+mn-cs"/>
+              </a:rPr>
+              <a:t>•	регулировать доступные параметры приборов. </a:t>
+            </a:r>
+          </a:p>
+          <a:p>
+            <a:r>
+              <a:rPr lang="ru-RU" sz="1200" kern="1200" dirty="0" smtClean="0">
+                <a:solidFill>
+                  <a:schemeClr val="tx1"/>
+                </a:solidFill>
+                <a:effectLst/>
+                <a:latin typeface="+mn-lt"/>
+                <a:ea typeface="+mn-ea"/>
+                <a:cs typeface="+mn-cs"/>
+              </a:rPr>
+              <a:t>На слайде показано окно регулировки яркости разработанного диммера. На примере умного диммера интерфейс позволяет изменять следующие параметры:</a:t>
+            </a:r>
+          </a:p>
+          <a:p>
+            <a:r>
+              <a:rPr lang="ru-RU" sz="1200" kern="1200" dirty="0" smtClean="0">
+                <a:solidFill>
+                  <a:schemeClr val="tx1"/>
+                </a:solidFill>
+                <a:effectLst/>
+                <a:latin typeface="+mn-lt"/>
+                <a:ea typeface="+mn-ea"/>
+                <a:cs typeface="+mn-cs"/>
+              </a:rPr>
+              <a:t>•	Яркость освещения</a:t>
+            </a:r>
+          </a:p>
+          <a:p>
+            <a:r>
+              <a:rPr lang="ru-RU" sz="1200" kern="1200" dirty="0" smtClean="0">
+                <a:solidFill>
+                  <a:schemeClr val="tx1"/>
+                </a:solidFill>
+                <a:effectLst/>
+                <a:latin typeface="+mn-lt"/>
+                <a:ea typeface="+mn-ea"/>
+                <a:cs typeface="+mn-cs"/>
+              </a:rPr>
+              <a:t>•	Режим работы (автоматический, ручной)</a:t>
+            </a:r>
+          </a:p>
+          <a:p>
+            <a:r>
+              <a:rPr lang="ru-RU" sz="1200" kern="1200" dirty="0" smtClean="0">
+                <a:solidFill>
+                  <a:schemeClr val="tx1"/>
+                </a:solidFill>
+                <a:effectLst/>
+                <a:latin typeface="+mn-lt"/>
+                <a:ea typeface="+mn-ea"/>
+                <a:cs typeface="+mn-cs"/>
+              </a:rPr>
+              <a:t>•	Рабочее состояние (включен, выключен)</a:t>
+            </a:r>
+          </a:p>
+          <a:p>
+            <a:endParaRPr lang="ru-RU" dirty="0"/>
+          </a:p>
+        </p:txBody>
+      </p:sp>
+      <p:sp>
+        <p:nvSpPr>
+          <p:cNvPr id="4" name="Номер слайда 3"/>
+          <p:cNvSpPr>
+            <a:spLocks noGrp="1"/>
+          </p:cNvSpPr>
+          <p:nvPr>
+            <p:ph type="sldNum" sz="quarter" idx="10"/>
+          </p:nvPr>
+        </p:nvSpPr>
+        <p:spPr/>
+        <p:txBody>
+          <a:bodyPr/>
+          <a:lstStyle/>
+          <a:p>
+            <a:fld id="{0A5538B8-2D98-49D1-8F38-1F11DE338709}" type="slidenum">
+              <a:rPr lang="ru-RU" smtClean="0"/>
+              <a:t>11</a:t>
+            </a:fld>
+            <a:endParaRPr lang="ru-RU"/>
+          </a:p>
+        </p:txBody>
+      </p:sp>
+    </p:spTree>
+    <p:extLst>
+      <p:ext uri="{BB962C8B-B14F-4D97-AF65-F5344CB8AC3E}">
+        <p14:creationId xmlns:p14="http://schemas.microsoft.com/office/powerpoint/2010/main" val="3856142841"/>
+      </p:ext>
+    </p:extLst>
+  </p:cSld>
+  <p:clrMapOvr>
+    <a:masterClrMapping/>
+  </p:clrMapOvr>
+</p:notes>
+</file>
+
+<file path=ppt/notesSlides/notesSlide11.xml><?xml version="1.0" encoding="utf-8"?>
+<p:notes xmlns:a="http://schemas.openxmlformats.org/drawingml/2006/main" xmlns:r="http://schemas.openxmlformats.org/officeDocument/2006/relationships" xmlns:p="http://schemas.openxmlformats.org/presentationml/2006/main">
+  <p:cSld>
+    <p:spTree>
+      <p:nvGrpSpPr>
+        <p:cNvPr id="1" name=""/>
+        <p:cNvGrpSpPr/>
+        <p:nvPr/>
+      </p:nvGrpSpPr>
+      <p:grpSpPr>
+        <a:xfrm>
+          <a:off x="0" y="0"/>
+          <a:ext cx="0" cy="0"/>
+          <a:chOff x="0" y="0"/>
+          <a:chExt cx="0" cy="0"/>
+        </a:xfrm>
+      </p:grpSpPr>
+      <p:sp>
+        <p:nvSpPr>
+          <p:cNvPr id="2" name="Образ слайда 1"/>
+          <p:cNvSpPr>
+            <a:spLocks noGrp="1" noRot="1" noChangeAspect="1"/>
+          </p:cNvSpPr>
+          <p:nvPr>
+            <p:ph type="sldImg"/>
+          </p:nvPr>
+        </p:nvSpPr>
+        <p:spPr/>
+      </p:sp>
+      <p:sp>
+        <p:nvSpPr>
+          <p:cNvPr id="3" name="Заметки 2"/>
+          <p:cNvSpPr>
+            <a:spLocks noGrp="1"/>
+          </p:cNvSpPr>
+          <p:nvPr>
+            <p:ph type="body" idx="1"/>
+          </p:nvPr>
+        </p:nvSpPr>
+        <p:spPr/>
+        <p:txBody>
+          <a:bodyPr/>
+          <a:lstStyle/>
+          <a:p>
+            <a:r>
+              <a:rPr lang="ru-RU" sz="1200" kern="1200" dirty="0" smtClean="0">
+                <a:solidFill>
+                  <a:schemeClr val="tx1"/>
+                </a:solidFill>
+                <a:effectLst/>
+                <a:latin typeface="+mn-lt"/>
+                <a:ea typeface="+mn-ea"/>
+                <a:cs typeface="+mn-cs"/>
+              </a:rPr>
+              <a:t>Процесс создания свето-регулятора включал стандартный маршрут проектирования электронных устройств: от разработки функциональной схемы до сборки прототипа устройства.</a:t>
+            </a:r>
+          </a:p>
+          <a:p>
+            <a:r>
+              <a:rPr lang="ru-RU" sz="1200" kern="1200" dirty="0" smtClean="0">
+                <a:solidFill>
+                  <a:schemeClr val="tx1"/>
+                </a:solidFill>
+                <a:effectLst/>
+                <a:latin typeface="+mn-lt"/>
+                <a:ea typeface="+mn-ea"/>
+                <a:cs typeface="+mn-cs"/>
+              </a:rPr>
+              <a:t>Процесс создания </a:t>
+            </a:r>
+            <a:r>
+              <a:rPr lang="ru-RU" sz="1200" kern="1200" dirty="0" err="1" smtClean="0">
+                <a:solidFill>
+                  <a:schemeClr val="tx1"/>
+                </a:solidFill>
+                <a:effectLst/>
+                <a:latin typeface="+mn-lt"/>
+                <a:ea typeface="+mn-ea"/>
+                <a:cs typeface="+mn-cs"/>
+              </a:rPr>
+              <a:t>Web</a:t>
+            </a:r>
+            <a:r>
+              <a:rPr lang="ru-RU" sz="1200" kern="1200" dirty="0" smtClean="0">
+                <a:solidFill>
+                  <a:schemeClr val="tx1"/>
+                </a:solidFill>
+                <a:effectLst/>
+                <a:latin typeface="+mn-lt"/>
+                <a:ea typeface="+mn-ea"/>
+                <a:cs typeface="+mn-cs"/>
+              </a:rPr>
+              <a:t>-интерфейса состоял из написания программного обеспечения и последующего включения в </a:t>
+            </a:r>
+            <a:r>
+              <a:rPr lang="ru-RU" sz="1200" kern="1200" dirty="0" err="1" smtClean="0">
+                <a:solidFill>
+                  <a:schemeClr val="tx1"/>
+                </a:solidFill>
+                <a:effectLst/>
+                <a:latin typeface="+mn-lt"/>
+                <a:ea typeface="+mn-ea"/>
+                <a:cs typeface="+mn-cs"/>
+              </a:rPr>
+              <a:t>киберфизическую</a:t>
+            </a:r>
+            <a:r>
+              <a:rPr lang="ru-RU" sz="1200" kern="1200" dirty="0" smtClean="0">
+                <a:solidFill>
+                  <a:schemeClr val="tx1"/>
+                </a:solidFill>
+                <a:effectLst/>
+                <a:latin typeface="+mn-lt"/>
+                <a:ea typeface="+mn-ea"/>
+                <a:cs typeface="+mn-cs"/>
+              </a:rPr>
+              <a:t> систему с помощью облачных услуг.</a:t>
+            </a:r>
+          </a:p>
+          <a:p>
+            <a:r>
+              <a:rPr lang="ru-RU" sz="1200" kern="1200" dirty="0" smtClean="0">
+                <a:solidFill>
+                  <a:schemeClr val="tx1"/>
+                </a:solidFill>
+                <a:effectLst/>
+                <a:latin typeface="+mn-lt"/>
+                <a:ea typeface="+mn-ea"/>
+                <a:cs typeface="+mn-cs"/>
+              </a:rPr>
+              <a:t>Таким образом, внедрение созданных компонентов в развивающуюся систему «Умный дом» позволило запустить полный цикл работы системы для конечного пользователя. Дальнейшие действия будут направлены на улучшение имеющихся устройств системы, например, помещение диммера в корпус, а также на разработку и подключение новых устройств киберфизической системы, например, датчика утечки газа. </a:t>
+            </a:r>
+          </a:p>
+          <a:p>
+            <a:pPr marL="0" marR="0" lvl="0" indent="0" algn="l" defTabSz="914400" rtl="0" eaLnBrk="1" fontAlgn="auto" latinLnBrk="0" hangingPunct="1">
+              <a:lnSpc>
+                <a:spcPct val="100000"/>
+              </a:lnSpc>
+              <a:spcBef>
+                <a:spcPts val="0"/>
+              </a:spcBef>
+              <a:spcAft>
+                <a:spcPts val="0"/>
+              </a:spcAft>
+              <a:buClrTx/>
+              <a:buSzTx/>
+              <a:buFontTx/>
+              <a:buNone/>
+              <a:tabLst/>
+              <a:defRPr/>
+            </a:pPr>
+            <a:r>
+              <a:rPr lang="ru-RU" sz="1200" kern="1200" dirty="0" smtClean="0">
+                <a:solidFill>
+                  <a:schemeClr val="tx1"/>
+                </a:solidFill>
+                <a:effectLst/>
+                <a:latin typeface="+mn-lt"/>
+                <a:ea typeface="+mn-ea"/>
+                <a:cs typeface="+mn-cs"/>
+              </a:rPr>
+              <a:t>Работа над устройствами «Умного дома» не ограничивается данной дипломной работой и будет продолжаться в сотрудничестве с преподавателями и студентами кафедры №3 НИЯУ МИФИ.</a:t>
+            </a:r>
+          </a:p>
+          <a:p>
+            <a:endParaRPr lang="ru-RU" dirty="0"/>
+          </a:p>
+        </p:txBody>
+      </p:sp>
+      <p:sp>
+        <p:nvSpPr>
+          <p:cNvPr id="4" name="Номер слайда 3"/>
+          <p:cNvSpPr>
+            <a:spLocks noGrp="1"/>
+          </p:cNvSpPr>
+          <p:nvPr>
+            <p:ph type="sldNum" sz="quarter" idx="10"/>
+          </p:nvPr>
+        </p:nvSpPr>
+        <p:spPr/>
+        <p:txBody>
+          <a:bodyPr/>
+          <a:lstStyle/>
+          <a:p>
+            <a:fld id="{0A5538B8-2D98-49D1-8F38-1F11DE338709}" type="slidenum">
+              <a:rPr lang="ru-RU" smtClean="0"/>
+              <a:t>12</a:t>
+            </a:fld>
+            <a:endParaRPr lang="ru-RU"/>
+          </a:p>
+        </p:txBody>
+      </p:sp>
+    </p:spTree>
+    <p:extLst>
+      <p:ext uri="{BB962C8B-B14F-4D97-AF65-F5344CB8AC3E}">
+        <p14:creationId xmlns:p14="http://schemas.microsoft.com/office/powerpoint/2010/main" val="3956991248"/>
+      </p:ext>
+    </p:extLst>
+  </p:cSld>
+  <p:clrMapOvr>
+    <a:masterClrMapping/>
+  </p:clrMapOvr>
+</p:notes>
+</file>
+
+<file path=ppt/notesSlides/notesSlide2.xml><?xml version="1.0" encoding="utf-8"?>
+<p:notes xmlns:a="http://schemas.openxmlformats.org/drawingml/2006/main" xmlns:r="http://schemas.openxmlformats.org/officeDocument/2006/relationships" xmlns:p="http://schemas.openxmlformats.org/presentationml/2006/main">
+  <p:cSld>
+    <p:spTree>
+      <p:nvGrpSpPr>
+        <p:cNvPr id="1" name=""/>
+        <p:cNvGrpSpPr/>
+        <p:nvPr/>
+      </p:nvGrpSpPr>
+      <p:grpSpPr>
+        <a:xfrm>
+          <a:off x="0" y="0"/>
+          <a:ext cx="0" cy="0"/>
+          <a:chOff x="0" y="0"/>
+          <a:chExt cx="0" cy="0"/>
+        </a:xfrm>
+      </p:grpSpPr>
+      <p:sp>
+        <p:nvSpPr>
+          <p:cNvPr id="2" name="Образ слайда 1"/>
+          <p:cNvSpPr>
+            <a:spLocks noGrp="1" noRot="1" noChangeAspect="1"/>
+          </p:cNvSpPr>
+          <p:nvPr>
+            <p:ph type="sldImg"/>
+          </p:nvPr>
+        </p:nvSpPr>
+        <p:spPr/>
+      </p:sp>
+      <p:sp>
+        <p:nvSpPr>
+          <p:cNvPr id="3" name="Заметки 2"/>
+          <p:cNvSpPr>
+            <a:spLocks noGrp="1"/>
+          </p:cNvSpPr>
+          <p:nvPr>
+            <p:ph type="body" idx="1"/>
+          </p:nvPr>
+        </p:nvSpPr>
+        <p:spPr/>
+        <p:txBody>
+          <a:bodyPr/>
+          <a:lstStyle/>
+          <a:p>
+            <a:r>
+              <a:rPr lang="ru-RU" sz="1200" kern="1200" dirty="0" err="1" smtClean="0">
+                <a:solidFill>
+                  <a:schemeClr val="tx1"/>
+                </a:solidFill>
+                <a:effectLst/>
+                <a:latin typeface="+mn-lt"/>
+                <a:ea typeface="+mn-ea"/>
+                <a:cs typeface="+mn-cs"/>
+              </a:rPr>
+              <a:t>Киберфизическая</a:t>
+            </a:r>
+            <a:r>
+              <a:rPr lang="ru-RU" sz="1200" kern="1200" dirty="0" smtClean="0">
+                <a:solidFill>
+                  <a:schemeClr val="tx1"/>
+                </a:solidFill>
+                <a:effectLst/>
+                <a:latin typeface="+mn-lt"/>
+                <a:ea typeface="+mn-ea"/>
+                <a:cs typeface="+mn-cs"/>
+              </a:rPr>
+              <a:t> система - информационно-технологическая система сбора и хранения информации об объектах окружающей среды, и осуществляющая контроль за показателями электронных устройств, взаимодействующих с физическим миром.</a:t>
+            </a:r>
+          </a:p>
+          <a:p>
+            <a:r>
+              <a:rPr lang="ru-RU" sz="1200" kern="1200" dirty="0" smtClean="0">
+                <a:solidFill>
+                  <a:schemeClr val="tx1"/>
+                </a:solidFill>
+                <a:effectLst/>
+                <a:latin typeface="+mn-lt"/>
+                <a:ea typeface="+mn-ea"/>
+                <a:cs typeface="+mn-cs"/>
+              </a:rPr>
+              <a:t>Самым частым примером киберфизической системы служит «Умный дом». Актуальность систем такого рода основывается на желании рядового пользователя упростить собственную жизнь, которое удается удовлетворить с развитием информационных и электронных технологий. Поэтому сотрудники и студенты кафедры 3 начали проектировать собственную систему «Умный дом». </a:t>
+            </a:r>
+          </a:p>
+          <a:p>
+            <a:endParaRPr lang="ru-RU" dirty="0"/>
+          </a:p>
+        </p:txBody>
+      </p:sp>
+      <p:sp>
+        <p:nvSpPr>
+          <p:cNvPr id="4" name="Номер слайда 3"/>
+          <p:cNvSpPr>
+            <a:spLocks noGrp="1"/>
+          </p:cNvSpPr>
+          <p:nvPr>
+            <p:ph type="sldNum" sz="quarter" idx="10"/>
+          </p:nvPr>
+        </p:nvSpPr>
+        <p:spPr/>
+        <p:txBody>
+          <a:bodyPr/>
+          <a:lstStyle/>
+          <a:p>
+            <a:fld id="{0A5538B8-2D98-49D1-8F38-1F11DE338709}" type="slidenum">
+              <a:rPr lang="ru-RU" smtClean="0"/>
+              <a:t>3</a:t>
+            </a:fld>
+            <a:endParaRPr lang="ru-RU"/>
+          </a:p>
+        </p:txBody>
+      </p:sp>
+    </p:spTree>
+    <p:extLst>
+      <p:ext uri="{BB962C8B-B14F-4D97-AF65-F5344CB8AC3E}">
+        <p14:creationId xmlns:p14="http://schemas.microsoft.com/office/powerpoint/2010/main" val="2310132447"/>
+      </p:ext>
+    </p:extLst>
+  </p:cSld>
+  <p:clrMapOvr>
+    <a:masterClrMapping/>
+  </p:clrMapOvr>
+</p:notes>
+</file>
+
+<file path=ppt/notesSlides/notesSlide3.xml><?xml version="1.0" encoding="utf-8"?>
+<p:notes xmlns:a="http://schemas.openxmlformats.org/drawingml/2006/main" xmlns:r="http://schemas.openxmlformats.org/officeDocument/2006/relationships" xmlns:p="http://schemas.openxmlformats.org/presentationml/2006/main">
+  <p:cSld>
+    <p:spTree>
+      <p:nvGrpSpPr>
+        <p:cNvPr id="1" name=""/>
+        <p:cNvGrpSpPr/>
+        <p:nvPr/>
+      </p:nvGrpSpPr>
+      <p:grpSpPr>
+        <a:xfrm>
+          <a:off x="0" y="0"/>
+          <a:ext cx="0" cy="0"/>
+          <a:chOff x="0" y="0"/>
+          <a:chExt cx="0" cy="0"/>
+        </a:xfrm>
+      </p:grpSpPr>
+      <p:sp>
+        <p:nvSpPr>
+          <p:cNvPr id="2" name="Образ слайда 1"/>
+          <p:cNvSpPr>
+            <a:spLocks noGrp="1" noRot="1" noChangeAspect="1"/>
+          </p:cNvSpPr>
+          <p:nvPr>
+            <p:ph type="sldImg"/>
+          </p:nvPr>
+        </p:nvSpPr>
+        <p:spPr/>
+      </p:sp>
+      <p:sp>
+        <p:nvSpPr>
+          <p:cNvPr id="3" name="Заметки 2"/>
+          <p:cNvSpPr>
+            <a:spLocks noGrp="1"/>
+          </p:cNvSpPr>
+          <p:nvPr>
+            <p:ph type="body" idx="1"/>
+          </p:nvPr>
+        </p:nvSpPr>
+        <p:spPr/>
+        <p:txBody>
+          <a:bodyPr/>
+          <a:lstStyle/>
+          <a:p>
+            <a:pPr marL="0" marR="0" lvl="0" indent="0" algn="l" defTabSz="914400" rtl="0" eaLnBrk="1" fontAlgn="auto" latinLnBrk="0" hangingPunct="1">
+              <a:lnSpc>
+                <a:spcPct val="100000"/>
+              </a:lnSpc>
+              <a:spcBef>
+                <a:spcPts val="0"/>
+              </a:spcBef>
+              <a:spcAft>
+                <a:spcPts val="0"/>
+              </a:spcAft>
+              <a:buClrTx/>
+              <a:buSzTx/>
+              <a:buFontTx/>
+              <a:buNone/>
+              <a:tabLst/>
+              <a:defRPr/>
+            </a:pPr>
+            <a:r>
+              <a:rPr lang="ru-RU" sz="1200" kern="1200" dirty="0" smtClean="0">
+                <a:solidFill>
+                  <a:schemeClr val="tx1"/>
+                </a:solidFill>
+                <a:effectLst/>
+                <a:latin typeface="+mn-lt"/>
+                <a:ea typeface="+mn-ea"/>
+                <a:cs typeface="+mn-cs"/>
+              </a:rPr>
+              <a:t>Прежде чем преступить к разработке узлов киберфизической системы был проведен обзор и анализ решений производителей. Для сравнения были выбраны крупные производители систем «Умный дом» в арсенале которых есть решения по управлению осветительными приборами сети 220В. </a:t>
+            </a:r>
+            <a:r>
+              <a:rPr lang="en-US" sz="1200" kern="1200" dirty="0" err="1" smtClean="0">
+                <a:solidFill>
+                  <a:schemeClr val="tx1"/>
+                </a:solidFill>
+                <a:effectLst/>
+                <a:latin typeface="+mn-lt"/>
+                <a:ea typeface="+mn-ea"/>
+                <a:cs typeface="+mn-cs"/>
+              </a:rPr>
+              <a:t>Fibaro</a:t>
+            </a:r>
+            <a:r>
+              <a:rPr lang="ru-RU" sz="1200" kern="1200" dirty="0" smtClean="0">
+                <a:solidFill>
+                  <a:schemeClr val="tx1"/>
+                </a:solidFill>
+                <a:effectLst/>
+                <a:latin typeface="+mn-lt"/>
+                <a:ea typeface="+mn-ea"/>
+                <a:cs typeface="+mn-cs"/>
+              </a:rPr>
+              <a:t>, </a:t>
+            </a:r>
+            <a:r>
+              <a:rPr lang="en-US" sz="1200" kern="1200" dirty="0" smtClean="0">
+                <a:solidFill>
+                  <a:schemeClr val="tx1"/>
+                </a:solidFill>
+                <a:effectLst/>
+                <a:latin typeface="+mn-lt"/>
+                <a:ea typeface="+mn-ea"/>
+                <a:cs typeface="+mn-cs"/>
+              </a:rPr>
+              <a:t>Xiaomi</a:t>
+            </a:r>
+            <a:r>
+              <a:rPr lang="ru-RU" sz="1200" kern="1200" dirty="0" smtClean="0">
+                <a:solidFill>
+                  <a:schemeClr val="tx1"/>
+                </a:solidFill>
+                <a:effectLst/>
+                <a:latin typeface="+mn-lt"/>
+                <a:ea typeface="+mn-ea"/>
+                <a:cs typeface="+mn-cs"/>
+              </a:rPr>
+              <a:t>, </a:t>
+            </a:r>
+            <a:r>
+              <a:rPr lang="en-US" sz="1200" kern="1200" dirty="0" smtClean="0">
+                <a:solidFill>
+                  <a:schemeClr val="tx1"/>
+                </a:solidFill>
+                <a:effectLst/>
+                <a:latin typeface="+mn-lt"/>
+                <a:ea typeface="+mn-ea"/>
+                <a:cs typeface="+mn-cs"/>
+              </a:rPr>
+              <a:t>Redmond</a:t>
+            </a:r>
+            <a:r>
+              <a:rPr lang="ru-RU" sz="1200" kern="1200" dirty="0" smtClean="0">
+                <a:solidFill>
+                  <a:schemeClr val="tx1"/>
+                </a:solidFill>
+                <a:effectLst/>
+                <a:latin typeface="+mn-lt"/>
+                <a:ea typeface="+mn-ea"/>
+                <a:cs typeface="+mn-cs"/>
+              </a:rPr>
+              <a:t>. Например, свето-регулятор </a:t>
+            </a:r>
+            <a:r>
+              <a:rPr lang="en-US" sz="1200" kern="1200" dirty="0" err="1" smtClean="0">
+                <a:solidFill>
+                  <a:schemeClr val="tx1"/>
+                </a:solidFill>
+                <a:effectLst/>
+                <a:latin typeface="+mn-lt"/>
+                <a:ea typeface="+mn-ea"/>
+                <a:cs typeface="+mn-cs"/>
+              </a:rPr>
+              <a:t>Fibaro</a:t>
+            </a:r>
+            <a:r>
+              <a:rPr lang="en-US" sz="1200" kern="1200" dirty="0" smtClean="0">
+                <a:solidFill>
+                  <a:schemeClr val="tx1"/>
+                </a:solidFill>
+                <a:effectLst/>
+                <a:latin typeface="+mn-lt"/>
+                <a:ea typeface="+mn-ea"/>
+                <a:cs typeface="+mn-cs"/>
+              </a:rPr>
+              <a:t> </a:t>
+            </a:r>
+            <a:r>
+              <a:rPr lang="ru-RU" sz="1200" kern="1200" dirty="0" smtClean="0">
+                <a:solidFill>
+                  <a:schemeClr val="tx1"/>
+                </a:solidFill>
+                <a:effectLst/>
+                <a:latin typeface="+mn-lt"/>
+                <a:ea typeface="+mn-ea"/>
+                <a:cs typeface="+mn-cs"/>
+              </a:rPr>
+              <a:t>устанавливается в щиток и не имеет панели для управления из квартиры, стоимость комплекта 6 </a:t>
+            </a:r>
+            <a:r>
+              <a:rPr lang="ru-RU" sz="1200" kern="1200" dirty="0" err="1" smtClean="0">
+                <a:solidFill>
+                  <a:schemeClr val="tx1"/>
+                </a:solidFill>
+                <a:effectLst/>
+                <a:latin typeface="+mn-lt"/>
+                <a:ea typeface="+mn-ea"/>
+                <a:cs typeface="+mn-cs"/>
+              </a:rPr>
+              <a:t>тыс</a:t>
+            </a:r>
+            <a:r>
+              <a:rPr lang="ru-RU" sz="1200" kern="1200" dirty="0" smtClean="0">
+                <a:solidFill>
+                  <a:schemeClr val="tx1"/>
+                </a:solidFill>
+                <a:effectLst/>
+                <a:latin typeface="+mn-lt"/>
+                <a:ea typeface="+mn-ea"/>
+                <a:cs typeface="+mn-cs"/>
+              </a:rPr>
+              <a:t> рублей. Так называемый «Умный цоколь» </a:t>
+            </a:r>
+            <a:r>
+              <a:rPr lang="en-US" sz="1200" kern="1200" dirty="0" smtClean="0">
+                <a:solidFill>
+                  <a:schemeClr val="tx1"/>
+                </a:solidFill>
+                <a:effectLst/>
+                <a:latin typeface="+mn-lt"/>
+                <a:ea typeface="+mn-ea"/>
+                <a:cs typeface="+mn-cs"/>
+              </a:rPr>
+              <a:t>Redmond </a:t>
+            </a:r>
+            <a:r>
+              <a:rPr lang="ru-RU" sz="1200" kern="1200" dirty="0" smtClean="0">
+                <a:solidFill>
+                  <a:schemeClr val="tx1"/>
+                </a:solidFill>
+                <a:effectLst/>
+                <a:latin typeface="+mn-lt"/>
+                <a:ea typeface="+mn-ea"/>
+                <a:cs typeface="+mn-cs"/>
+              </a:rPr>
+              <a:t>может только включать и выключать одну лампочку. Умный свето-регулятор </a:t>
+            </a:r>
+            <a:r>
+              <a:rPr lang="en-US" sz="1200" kern="1200" dirty="0" smtClean="0">
+                <a:solidFill>
+                  <a:schemeClr val="tx1"/>
+                </a:solidFill>
+                <a:effectLst/>
+                <a:latin typeface="+mn-lt"/>
+                <a:ea typeface="+mn-ea"/>
+                <a:cs typeface="+mn-cs"/>
+              </a:rPr>
+              <a:t>Xiaomi </a:t>
+            </a:r>
+            <a:r>
+              <a:rPr lang="ru-RU" sz="1200" kern="1200" dirty="0" smtClean="0">
+                <a:solidFill>
+                  <a:schemeClr val="tx1"/>
+                </a:solidFill>
+                <a:effectLst/>
+                <a:latin typeface="+mn-lt"/>
+                <a:ea typeface="+mn-ea"/>
+                <a:cs typeface="+mn-cs"/>
+              </a:rPr>
+              <a:t>это пара выключатель + умная лампочка, связанная по </a:t>
+            </a:r>
+            <a:r>
+              <a:rPr lang="en-US" sz="1200" kern="1200" dirty="0" smtClean="0">
+                <a:solidFill>
+                  <a:schemeClr val="tx1"/>
+                </a:solidFill>
+                <a:effectLst/>
+                <a:latin typeface="+mn-lt"/>
+                <a:ea typeface="+mn-ea"/>
+                <a:cs typeface="+mn-cs"/>
+              </a:rPr>
+              <a:t>Wi</a:t>
+            </a:r>
+            <a:r>
+              <a:rPr lang="ru-RU" sz="1200" kern="1200" dirty="0" smtClean="0">
+                <a:solidFill>
+                  <a:schemeClr val="tx1"/>
+                </a:solidFill>
+                <a:effectLst/>
+                <a:latin typeface="+mn-lt"/>
+                <a:ea typeface="+mn-ea"/>
+                <a:cs typeface="+mn-cs"/>
+              </a:rPr>
+              <a:t>-</a:t>
+            </a:r>
+            <a:r>
+              <a:rPr lang="en-US" sz="1200" kern="1200" dirty="0" smtClean="0">
+                <a:solidFill>
+                  <a:schemeClr val="tx1"/>
+                </a:solidFill>
+                <a:effectLst/>
+                <a:latin typeface="+mn-lt"/>
+                <a:ea typeface="+mn-ea"/>
+                <a:cs typeface="+mn-cs"/>
+              </a:rPr>
+              <a:t>Fi</a:t>
+            </a:r>
+            <a:r>
+              <a:rPr lang="ru-RU" sz="1200" kern="1200" dirty="0" smtClean="0">
+                <a:solidFill>
+                  <a:schemeClr val="tx1"/>
+                </a:solidFill>
+                <a:effectLst/>
+                <a:latin typeface="+mn-lt"/>
+                <a:ea typeface="+mn-ea"/>
+                <a:cs typeface="+mn-cs"/>
+              </a:rPr>
+              <a:t>, что также неудобно, как и все перечисленные свето-регуляторы. </a:t>
+            </a:r>
+          </a:p>
+          <a:p>
+            <a:pPr marL="0" marR="0" lvl="0" indent="0" algn="l" defTabSz="914400" rtl="0" eaLnBrk="1" fontAlgn="auto" latinLnBrk="0" hangingPunct="1">
+              <a:lnSpc>
+                <a:spcPct val="100000"/>
+              </a:lnSpc>
+              <a:spcBef>
+                <a:spcPts val="0"/>
+              </a:spcBef>
+              <a:spcAft>
+                <a:spcPts val="0"/>
+              </a:spcAft>
+              <a:buClrTx/>
+              <a:buSzTx/>
+              <a:buFontTx/>
+              <a:buNone/>
+              <a:tabLst/>
+              <a:defRPr/>
+            </a:pPr>
+            <a:endParaRPr lang="ru-RU" dirty="0"/>
+          </a:p>
+        </p:txBody>
+      </p:sp>
+      <p:sp>
+        <p:nvSpPr>
+          <p:cNvPr id="4" name="Номер слайда 3"/>
+          <p:cNvSpPr>
+            <a:spLocks noGrp="1"/>
+          </p:cNvSpPr>
+          <p:nvPr>
+            <p:ph type="sldNum" sz="quarter" idx="10"/>
+          </p:nvPr>
+        </p:nvSpPr>
+        <p:spPr/>
+        <p:txBody>
+          <a:bodyPr/>
+          <a:lstStyle/>
+          <a:p>
+            <a:fld id="{0A5538B8-2D98-49D1-8F38-1F11DE338709}" type="slidenum">
+              <a:rPr lang="ru-RU" smtClean="0"/>
+              <a:t>4</a:t>
+            </a:fld>
+            <a:endParaRPr lang="ru-RU"/>
+          </a:p>
+        </p:txBody>
+      </p:sp>
+    </p:spTree>
+    <p:extLst>
+      <p:ext uri="{BB962C8B-B14F-4D97-AF65-F5344CB8AC3E}">
+        <p14:creationId xmlns:p14="http://schemas.microsoft.com/office/powerpoint/2010/main" val="546104018"/>
+      </p:ext>
+    </p:extLst>
+  </p:cSld>
+  <p:clrMapOvr>
+    <a:masterClrMapping/>
+  </p:clrMapOvr>
+</p:notes>
+</file>
+
+<file path=ppt/notesSlides/notesSlide4.xml><?xml version="1.0" encoding="utf-8"?>
+<p:notes xmlns:a="http://schemas.openxmlformats.org/drawingml/2006/main" xmlns:r="http://schemas.openxmlformats.org/officeDocument/2006/relationships" xmlns:p="http://schemas.openxmlformats.org/presentationml/2006/main">
+  <p:cSld>
+    <p:spTree>
+      <p:nvGrpSpPr>
+        <p:cNvPr id="1" name=""/>
+        <p:cNvGrpSpPr/>
+        <p:nvPr/>
+      </p:nvGrpSpPr>
+      <p:grpSpPr>
+        <a:xfrm>
+          <a:off x="0" y="0"/>
+          <a:ext cx="0" cy="0"/>
+          <a:chOff x="0" y="0"/>
+          <a:chExt cx="0" cy="0"/>
+        </a:xfrm>
+      </p:grpSpPr>
+      <p:sp>
+        <p:nvSpPr>
+          <p:cNvPr id="2" name="Образ слайда 1"/>
+          <p:cNvSpPr>
+            <a:spLocks noGrp="1" noRot="1" noChangeAspect="1"/>
+          </p:cNvSpPr>
+          <p:nvPr>
+            <p:ph type="sldImg"/>
+          </p:nvPr>
+        </p:nvSpPr>
+        <p:spPr/>
+      </p:sp>
+      <p:sp>
+        <p:nvSpPr>
+          <p:cNvPr id="3" name="Заметки 2"/>
+          <p:cNvSpPr>
+            <a:spLocks noGrp="1"/>
+          </p:cNvSpPr>
+          <p:nvPr>
+            <p:ph type="body" idx="1"/>
+          </p:nvPr>
+        </p:nvSpPr>
+        <p:spPr/>
+        <p:txBody>
+          <a:bodyPr/>
+          <a:lstStyle/>
+          <a:p>
+            <a:pPr marL="0" marR="0" lvl="0" indent="0" algn="l" defTabSz="914400" rtl="0" eaLnBrk="1" fontAlgn="auto" latinLnBrk="0" hangingPunct="1">
+              <a:lnSpc>
+                <a:spcPct val="100000"/>
+              </a:lnSpc>
+              <a:spcBef>
+                <a:spcPts val="0"/>
+              </a:spcBef>
+              <a:spcAft>
+                <a:spcPts val="0"/>
+              </a:spcAft>
+              <a:buClrTx/>
+              <a:buSzTx/>
+              <a:buFontTx/>
+              <a:buNone/>
+              <a:tabLst/>
+              <a:defRPr/>
+            </a:pPr>
+            <a:r>
+              <a:rPr lang="ru-RU" sz="1200" kern="1200" dirty="0" smtClean="0">
+                <a:solidFill>
+                  <a:schemeClr val="tx1"/>
+                </a:solidFill>
+                <a:effectLst/>
+                <a:latin typeface="+mn-lt"/>
+                <a:ea typeface="+mn-ea"/>
+                <a:cs typeface="+mn-cs"/>
+              </a:rPr>
+              <a:t>В рамках дипломной работы я занимался развитием «Умного дома». Моими основными задачами являлась разработка электронного устройства регулировки мощности осветительных приборов сети 220В для системы «Умный дом», а также создание пользовательского </a:t>
+            </a:r>
+            <a:r>
+              <a:rPr lang="ru-RU" sz="1200" kern="1200" dirty="0" err="1" smtClean="0">
+                <a:solidFill>
+                  <a:schemeClr val="tx1"/>
+                </a:solidFill>
+                <a:effectLst/>
+                <a:latin typeface="+mn-lt"/>
+                <a:ea typeface="+mn-ea"/>
+                <a:cs typeface="+mn-cs"/>
+              </a:rPr>
+              <a:t>Web</a:t>
+            </a:r>
+            <a:r>
+              <a:rPr lang="ru-RU" sz="1200" kern="1200" dirty="0" smtClean="0">
+                <a:solidFill>
+                  <a:schemeClr val="tx1"/>
+                </a:solidFill>
+                <a:effectLst/>
+                <a:latin typeface="+mn-lt"/>
+                <a:ea typeface="+mn-ea"/>
+                <a:cs typeface="+mn-cs"/>
+              </a:rPr>
+              <a:t>-интерфейса для удаленного управления устройствами системы «Умный дом». Кроме того, я занимался второстепенными задачами по настройке облачных сервисов для работы системы в целом. </a:t>
+            </a:r>
+          </a:p>
+          <a:p>
+            <a:endParaRPr lang="ru-RU" dirty="0"/>
+          </a:p>
+        </p:txBody>
+      </p:sp>
+      <p:sp>
+        <p:nvSpPr>
+          <p:cNvPr id="4" name="Номер слайда 3"/>
+          <p:cNvSpPr>
+            <a:spLocks noGrp="1"/>
+          </p:cNvSpPr>
+          <p:nvPr>
+            <p:ph type="sldNum" sz="quarter" idx="10"/>
+          </p:nvPr>
+        </p:nvSpPr>
+        <p:spPr/>
+        <p:txBody>
+          <a:bodyPr/>
+          <a:lstStyle/>
+          <a:p>
+            <a:fld id="{0A5538B8-2D98-49D1-8F38-1F11DE338709}" type="slidenum">
+              <a:rPr lang="ru-RU" smtClean="0"/>
+              <a:t>5</a:t>
+            </a:fld>
+            <a:endParaRPr lang="ru-RU"/>
+          </a:p>
+        </p:txBody>
+      </p:sp>
+    </p:spTree>
+    <p:extLst>
+      <p:ext uri="{BB962C8B-B14F-4D97-AF65-F5344CB8AC3E}">
+        <p14:creationId xmlns:p14="http://schemas.microsoft.com/office/powerpoint/2010/main" val="1000165055"/>
+      </p:ext>
+    </p:extLst>
+  </p:cSld>
+  <p:clrMapOvr>
+    <a:masterClrMapping/>
+  </p:clrMapOvr>
+</p:notes>
+</file>
+
+<file path=ppt/notesSlides/notesSlide5.xml><?xml version="1.0" encoding="utf-8"?>
+<p:notes xmlns:a="http://schemas.openxmlformats.org/drawingml/2006/main" xmlns:r="http://schemas.openxmlformats.org/officeDocument/2006/relationships" xmlns:p="http://schemas.openxmlformats.org/presentationml/2006/main">
+  <p:cSld>
+    <p:spTree>
+      <p:nvGrpSpPr>
+        <p:cNvPr id="1" name=""/>
+        <p:cNvGrpSpPr/>
+        <p:nvPr/>
+      </p:nvGrpSpPr>
+      <p:grpSpPr>
+        <a:xfrm>
+          <a:off x="0" y="0"/>
+          <a:ext cx="0" cy="0"/>
+          <a:chOff x="0" y="0"/>
+          <a:chExt cx="0" cy="0"/>
+        </a:xfrm>
+      </p:grpSpPr>
+      <p:sp>
+        <p:nvSpPr>
+          <p:cNvPr id="2" name="Образ слайда 1"/>
+          <p:cNvSpPr>
+            <a:spLocks noGrp="1" noRot="1" noChangeAspect="1"/>
+          </p:cNvSpPr>
+          <p:nvPr>
+            <p:ph type="sldImg"/>
+          </p:nvPr>
+        </p:nvSpPr>
+        <p:spPr/>
+      </p:sp>
+      <p:sp>
+        <p:nvSpPr>
+          <p:cNvPr id="3" name="Заметки 2"/>
+          <p:cNvSpPr>
+            <a:spLocks noGrp="1"/>
+          </p:cNvSpPr>
+          <p:nvPr>
+            <p:ph type="body" idx="1"/>
+          </p:nvPr>
+        </p:nvSpPr>
+        <p:spPr/>
+        <p:txBody>
+          <a:bodyPr/>
+          <a:lstStyle/>
+          <a:p>
+            <a:r>
+              <a:rPr lang="ru-RU" sz="1200" kern="1200" dirty="0" smtClean="0">
+                <a:solidFill>
+                  <a:schemeClr val="tx1"/>
+                </a:solidFill>
+                <a:effectLst/>
+                <a:latin typeface="+mn-lt"/>
+                <a:ea typeface="+mn-ea"/>
+                <a:cs typeface="+mn-cs"/>
+              </a:rPr>
+              <a:t>Диммирование - процесс управления яркостью осветительных приборов.</a:t>
+            </a:r>
+          </a:p>
+          <a:p>
+            <a:r>
+              <a:rPr lang="ru-RU" sz="1200" kern="1200" dirty="0" smtClean="0">
+                <a:solidFill>
+                  <a:schemeClr val="tx1"/>
+                </a:solidFill>
+                <a:effectLst/>
+                <a:latin typeface="+mn-lt"/>
+                <a:ea typeface="+mn-ea"/>
+                <a:cs typeface="+mn-cs"/>
+              </a:rPr>
+              <a:t>Диммер (свето-регулятор) – электронное устройство, используемое для регулировки яркости света, излучаемого осветительными приборами, посредством изменения потребляемой ими мощности.</a:t>
+            </a:r>
+          </a:p>
+          <a:p>
+            <a:r>
+              <a:rPr lang="ru-RU" sz="1200" kern="1200" dirty="0" smtClean="0">
+                <a:solidFill>
+                  <a:schemeClr val="tx1"/>
+                </a:solidFill>
+                <a:effectLst/>
+                <a:latin typeface="+mn-lt"/>
+                <a:ea typeface="+mn-ea"/>
+                <a:cs typeface="+mn-cs"/>
+              </a:rPr>
+              <a:t>Применяются два способа диммирования: с отсечкой по фронту и с отсечкой по спаду. Регуляторы с отсечкой по фронту работают с лампами накаливания, тогда как регуляторы с отсечкой по спаду способны работать еще и с так называемыми </a:t>
+            </a:r>
+            <a:r>
+              <a:rPr lang="ru-RU" sz="1200" kern="1200" dirty="0" err="1" smtClean="0">
+                <a:solidFill>
+                  <a:schemeClr val="tx1"/>
+                </a:solidFill>
+                <a:effectLst/>
+                <a:latin typeface="+mn-lt"/>
+                <a:ea typeface="+mn-ea"/>
+                <a:cs typeface="+mn-cs"/>
+              </a:rPr>
+              <a:t>диммируемыми</a:t>
+            </a:r>
+            <a:r>
+              <a:rPr lang="ru-RU" sz="1200" kern="1200" dirty="0" smtClean="0">
+                <a:solidFill>
+                  <a:schemeClr val="tx1"/>
+                </a:solidFill>
+                <a:effectLst/>
+                <a:latin typeface="+mn-lt"/>
+                <a:ea typeface="+mn-ea"/>
+                <a:cs typeface="+mn-cs"/>
+              </a:rPr>
+              <a:t> светодиодными лампами. Таким образом, был выбран способ с отсечкой по спаду.</a:t>
+            </a:r>
+          </a:p>
+          <a:p>
+            <a:r>
+              <a:rPr lang="ru-RU" sz="1200" kern="1200" dirty="0" smtClean="0">
+                <a:solidFill>
+                  <a:schemeClr val="tx1"/>
+                </a:solidFill>
+                <a:effectLst/>
+                <a:latin typeface="+mn-lt"/>
+                <a:ea typeface="+mn-ea"/>
+                <a:cs typeface="+mn-cs"/>
+              </a:rPr>
+              <a:t>Способы диммирования отличаются промежутками, когда нагрузка получает питающее напряжение сети.</a:t>
+            </a:r>
+          </a:p>
+          <a:p>
+            <a:endParaRPr lang="ru-RU" dirty="0"/>
+          </a:p>
+        </p:txBody>
+      </p:sp>
+      <p:sp>
+        <p:nvSpPr>
+          <p:cNvPr id="4" name="Номер слайда 3"/>
+          <p:cNvSpPr>
+            <a:spLocks noGrp="1"/>
+          </p:cNvSpPr>
+          <p:nvPr>
+            <p:ph type="sldNum" sz="quarter" idx="10"/>
+          </p:nvPr>
+        </p:nvSpPr>
+        <p:spPr/>
+        <p:txBody>
+          <a:bodyPr/>
+          <a:lstStyle/>
+          <a:p>
+            <a:fld id="{0A5538B8-2D98-49D1-8F38-1F11DE338709}" type="slidenum">
+              <a:rPr lang="ru-RU" smtClean="0"/>
+              <a:t>6</a:t>
+            </a:fld>
+            <a:endParaRPr lang="ru-RU"/>
+          </a:p>
+        </p:txBody>
+      </p:sp>
+    </p:spTree>
+    <p:extLst>
+      <p:ext uri="{BB962C8B-B14F-4D97-AF65-F5344CB8AC3E}">
+        <p14:creationId xmlns:p14="http://schemas.microsoft.com/office/powerpoint/2010/main" val="1490617450"/>
+      </p:ext>
+    </p:extLst>
+  </p:cSld>
+  <p:clrMapOvr>
+    <a:masterClrMapping/>
+  </p:clrMapOvr>
+</p:notes>
+</file>
+
+<file path=ppt/notesSlides/notesSlide6.xml><?xml version="1.0" encoding="utf-8"?>
+<p:notes xmlns:a="http://schemas.openxmlformats.org/drawingml/2006/main" xmlns:r="http://schemas.openxmlformats.org/officeDocument/2006/relationships" xmlns:p="http://schemas.openxmlformats.org/presentationml/2006/main">
+  <p:cSld>
+    <p:spTree>
+      <p:nvGrpSpPr>
+        <p:cNvPr id="1" name=""/>
+        <p:cNvGrpSpPr/>
+        <p:nvPr/>
+      </p:nvGrpSpPr>
+      <p:grpSpPr>
+        <a:xfrm>
+          <a:off x="0" y="0"/>
+          <a:ext cx="0" cy="0"/>
+          <a:chOff x="0" y="0"/>
+          <a:chExt cx="0" cy="0"/>
+        </a:xfrm>
+      </p:grpSpPr>
+      <p:sp>
+        <p:nvSpPr>
+          <p:cNvPr id="2" name="Образ слайда 1"/>
+          <p:cNvSpPr>
+            <a:spLocks noGrp="1" noRot="1" noChangeAspect="1"/>
+          </p:cNvSpPr>
+          <p:nvPr>
+            <p:ph type="sldImg"/>
+          </p:nvPr>
+        </p:nvSpPr>
+        <p:spPr/>
+      </p:sp>
+      <p:sp>
+        <p:nvSpPr>
+          <p:cNvPr id="3" name="Заметки 2"/>
+          <p:cNvSpPr>
+            <a:spLocks noGrp="1"/>
+          </p:cNvSpPr>
+          <p:nvPr>
+            <p:ph type="body" idx="1"/>
+          </p:nvPr>
+        </p:nvSpPr>
+        <p:spPr/>
+        <p:txBody>
+          <a:bodyPr/>
+          <a:lstStyle/>
+          <a:p>
+            <a:pPr marL="0" marR="0" lvl="0" indent="0" algn="l" defTabSz="914400" rtl="0" eaLnBrk="1" fontAlgn="auto" latinLnBrk="0" hangingPunct="1">
+              <a:lnSpc>
+                <a:spcPct val="100000"/>
+              </a:lnSpc>
+              <a:spcBef>
+                <a:spcPts val="0"/>
+              </a:spcBef>
+              <a:spcAft>
+                <a:spcPts val="0"/>
+              </a:spcAft>
+              <a:buClrTx/>
+              <a:buSzTx/>
+              <a:buFontTx/>
+              <a:buNone/>
+              <a:tabLst/>
+              <a:defRPr/>
+            </a:pPr>
+            <a:r>
+              <a:rPr lang="ru-RU" sz="1200" kern="1200" dirty="0" smtClean="0">
+                <a:solidFill>
+                  <a:schemeClr val="tx1"/>
+                </a:solidFill>
+                <a:effectLst/>
+                <a:latin typeface="+mn-lt"/>
+                <a:ea typeface="+mn-ea"/>
+                <a:cs typeface="+mn-cs"/>
+              </a:rPr>
+              <a:t>Для регулирования мощности нагрузки была спроектирована следующая функциональная схема. Она работает следующим образом: микроконтроллер узнает о начале синуса напряжения сети от детектора перехода через ноль, выполняет подключение нагрузки к сети с помощью силового ключа переменного тока. Через определенный промежуток времени микроконтроллер закрывает силовой ключ, и коммутация нагрузки питающим напряжением прекращается.</a:t>
+            </a:r>
+          </a:p>
+          <a:p>
+            <a:endParaRPr lang="ru-RU" dirty="0"/>
+          </a:p>
+        </p:txBody>
+      </p:sp>
+      <p:sp>
+        <p:nvSpPr>
+          <p:cNvPr id="4" name="Номер слайда 3"/>
+          <p:cNvSpPr>
+            <a:spLocks noGrp="1"/>
+          </p:cNvSpPr>
+          <p:nvPr>
+            <p:ph type="sldNum" sz="quarter" idx="10"/>
+          </p:nvPr>
+        </p:nvSpPr>
+        <p:spPr/>
+        <p:txBody>
+          <a:bodyPr/>
+          <a:lstStyle/>
+          <a:p>
+            <a:fld id="{0A5538B8-2D98-49D1-8F38-1F11DE338709}" type="slidenum">
+              <a:rPr lang="ru-RU" smtClean="0"/>
+              <a:t>7</a:t>
+            </a:fld>
+            <a:endParaRPr lang="ru-RU"/>
+          </a:p>
+        </p:txBody>
+      </p:sp>
+    </p:spTree>
+    <p:extLst>
+      <p:ext uri="{BB962C8B-B14F-4D97-AF65-F5344CB8AC3E}">
+        <p14:creationId xmlns:p14="http://schemas.microsoft.com/office/powerpoint/2010/main" val="1481040192"/>
+      </p:ext>
+    </p:extLst>
+  </p:cSld>
+  <p:clrMapOvr>
+    <a:masterClrMapping/>
+  </p:clrMapOvr>
+</p:notes>
+</file>
+
+<file path=ppt/notesSlides/notesSlide7.xml><?xml version="1.0" encoding="utf-8"?>
+<p:notes xmlns:a="http://schemas.openxmlformats.org/drawingml/2006/main" xmlns:r="http://schemas.openxmlformats.org/officeDocument/2006/relationships" xmlns:p="http://schemas.openxmlformats.org/presentationml/2006/main">
+  <p:cSld>
+    <p:spTree>
+      <p:nvGrpSpPr>
+        <p:cNvPr id="1" name=""/>
+        <p:cNvGrpSpPr/>
+        <p:nvPr/>
+      </p:nvGrpSpPr>
+      <p:grpSpPr>
+        <a:xfrm>
+          <a:off x="0" y="0"/>
+          <a:ext cx="0" cy="0"/>
+          <a:chOff x="0" y="0"/>
+          <a:chExt cx="0" cy="0"/>
+        </a:xfrm>
+      </p:grpSpPr>
+      <p:sp>
+        <p:nvSpPr>
+          <p:cNvPr id="2" name="Образ слайда 1"/>
+          <p:cNvSpPr>
+            <a:spLocks noGrp="1" noRot="1" noChangeAspect="1"/>
+          </p:cNvSpPr>
+          <p:nvPr>
+            <p:ph type="sldImg"/>
+          </p:nvPr>
+        </p:nvSpPr>
+        <p:spPr/>
+      </p:sp>
+      <p:sp>
+        <p:nvSpPr>
+          <p:cNvPr id="3" name="Заметки 2"/>
+          <p:cNvSpPr>
+            <a:spLocks noGrp="1"/>
+          </p:cNvSpPr>
+          <p:nvPr>
+            <p:ph type="body" idx="1"/>
+          </p:nvPr>
+        </p:nvSpPr>
+        <p:spPr/>
+        <p:txBody>
+          <a:bodyPr/>
+          <a:lstStyle/>
+          <a:p>
+            <a:pPr marL="0" marR="0" lvl="0" indent="0" algn="l" defTabSz="914400" rtl="0" eaLnBrk="1" fontAlgn="auto" latinLnBrk="0" hangingPunct="1">
+              <a:lnSpc>
+                <a:spcPct val="100000"/>
+              </a:lnSpc>
+              <a:spcBef>
+                <a:spcPts val="0"/>
+              </a:spcBef>
+              <a:spcAft>
+                <a:spcPts val="0"/>
+              </a:spcAft>
+              <a:buClrTx/>
+              <a:buSzTx/>
+              <a:buFontTx/>
+              <a:buNone/>
+              <a:tabLst/>
+              <a:defRPr/>
+            </a:pPr>
+            <a:r>
+              <a:rPr lang="ru-RU" sz="1200" kern="1200" dirty="0" smtClean="0">
+                <a:solidFill>
+                  <a:schemeClr val="tx1"/>
+                </a:solidFill>
+                <a:effectLst/>
+                <a:latin typeface="+mn-lt"/>
+                <a:ea typeface="+mn-ea"/>
+                <a:cs typeface="+mn-cs"/>
+              </a:rPr>
+              <a:t>На основе функциональной схемы была спроектирована и промоделирована принципиальная электрическая схема устройства. Моделирование позволило грамотно подобрать компоненты и проверить работоспособность схемы в целом. На</a:t>
+            </a:r>
+            <a:r>
+              <a:rPr lang="ru-RU" sz="1200" kern="1200" baseline="0" dirty="0" smtClean="0">
+                <a:solidFill>
+                  <a:schemeClr val="tx1"/>
+                </a:solidFill>
+                <a:effectLst/>
+                <a:latin typeface="+mn-lt"/>
+                <a:ea typeface="+mn-ea"/>
+                <a:cs typeface="+mn-cs"/>
+              </a:rPr>
+              <a:t> слайде показаны временные характеристики напряжения на нагрузке при разных уровнях диммирования.</a:t>
+            </a:r>
+            <a:endParaRPr lang="ru-RU" dirty="0"/>
+          </a:p>
+        </p:txBody>
+      </p:sp>
+      <p:sp>
+        <p:nvSpPr>
+          <p:cNvPr id="4" name="Номер слайда 3"/>
+          <p:cNvSpPr>
+            <a:spLocks noGrp="1"/>
+          </p:cNvSpPr>
+          <p:nvPr>
+            <p:ph type="sldNum" sz="quarter" idx="10"/>
+          </p:nvPr>
+        </p:nvSpPr>
+        <p:spPr/>
+        <p:txBody>
+          <a:bodyPr/>
+          <a:lstStyle/>
+          <a:p>
+            <a:fld id="{0A5538B8-2D98-49D1-8F38-1F11DE338709}" type="slidenum">
+              <a:rPr lang="ru-RU" smtClean="0"/>
+              <a:t>8</a:t>
+            </a:fld>
+            <a:endParaRPr lang="ru-RU"/>
+          </a:p>
+        </p:txBody>
+      </p:sp>
+    </p:spTree>
+    <p:extLst>
+      <p:ext uri="{BB962C8B-B14F-4D97-AF65-F5344CB8AC3E}">
+        <p14:creationId xmlns:p14="http://schemas.microsoft.com/office/powerpoint/2010/main" val="3175068105"/>
+      </p:ext>
+    </p:extLst>
+  </p:cSld>
+  <p:clrMapOvr>
+    <a:masterClrMapping/>
+  </p:clrMapOvr>
+</p:notes>
+</file>
+
+<file path=ppt/notesSlides/notesSlide8.xml><?xml version="1.0" encoding="utf-8"?>
+<p:notes xmlns:a="http://schemas.openxmlformats.org/drawingml/2006/main" xmlns:r="http://schemas.openxmlformats.org/officeDocument/2006/relationships" xmlns:p="http://schemas.openxmlformats.org/presentationml/2006/main">
+  <p:cSld>
+    <p:spTree>
+      <p:nvGrpSpPr>
+        <p:cNvPr id="1" name=""/>
+        <p:cNvGrpSpPr/>
+        <p:nvPr/>
+      </p:nvGrpSpPr>
+      <p:grpSpPr>
+        <a:xfrm>
+          <a:off x="0" y="0"/>
+          <a:ext cx="0" cy="0"/>
+          <a:chOff x="0" y="0"/>
+          <a:chExt cx="0" cy="0"/>
+        </a:xfrm>
+      </p:grpSpPr>
+      <p:sp>
+        <p:nvSpPr>
+          <p:cNvPr id="2" name="Образ слайда 1"/>
+          <p:cNvSpPr>
+            <a:spLocks noGrp="1" noRot="1" noChangeAspect="1"/>
+          </p:cNvSpPr>
+          <p:nvPr>
+            <p:ph type="sldImg"/>
+          </p:nvPr>
+        </p:nvSpPr>
+        <p:spPr/>
+      </p:sp>
+      <p:sp>
+        <p:nvSpPr>
+          <p:cNvPr id="3" name="Заметки 2"/>
+          <p:cNvSpPr>
+            <a:spLocks noGrp="1"/>
+          </p:cNvSpPr>
+          <p:nvPr>
+            <p:ph type="body" idx="1"/>
+          </p:nvPr>
+        </p:nvSpPr>
+        <p:spPr/>
+        <p:txBody>
+          <a:bodyPr/>
+          <a:lstStyle/>
+          <a:p>
+            <a:pPr marL="0" marR="0" lvl="0" indent="0" algn="l" defTabSz="914400" rtl="0" eaLnBrk="1" fontAlgn="auto" latinLnBrk="0" hangingPunct="1">
+              <a:lnSpc>
+                <a:spcPct val="100000"/>
+              </a:lnSpc>
+              <a:spcBef>
+                <a:spcPts val="0"/>
+              </a:spcBef>
+              <a:spcAft>
+                <a:spcPts val="0"/>
+              </a:spcAft>
+              <a:buClrTx/>
+              <a:buSzTx/>
+              <a:buFontTx/>
+              <a:buNone/>
+              <a:tabLst/>
+              <a:defRPr/>
+            </a:pPr>
+            <a:r>
+              <a:rPr lang="ru-RU" sz="1200" kern="1200" dirty="0" smtClean="0">
+                <a:solidFill>
+                  <a:schemeClr val="tx1"/>
+                </a:solidFill>
+                <a:effectLst/>
+                <a:latin typeface="+mn-lt"/>
+                <a:ea typeface="+mn-ea"/>
+                <a:cs typeface="+mn-cs"/>
+              </a:rPr>
+              <a:t>Принципиальная схема и результат моделирования детектора перехода через ноль показаны на слайде.</a:t>
+            </a:r>
+          </a:p>
+        </p:txBody>
+      </p:sp>
+      <p:sp>
+        <p:nvSpPr>
+          <p:cNvPr id="4" name="Номер слайда 3"/>
+          <p:cNvSpPr>
+            <a:spLocks noGrp="1"/>
+          </p:cNvSpPr>
+          <p:nvPr>
+            <p:ph type="sldNum" sz="quarter" idx="10"/>
+          </p:nvPr>
+        </p:nvSpPr>
+        <p:spPr/>
+        <p:txBody>
+          <a:bodyPr/>
+          <a:lstStyle/>
+          <a:p>
+            <a:fld id="{0A5538B8-2D98-49D1-8F38-1F11DE338709}" type="slidenum">
+              <a:rPr lang="ru-RU" smtClean="0"/>
+              <a:t>9</a:t>
+            </a:fld>
+            <a:endParaRPr lang="ru-RU"/>
+          </a:p>
+        </p:txBody>
+      </p:sp>
+    </p:spTree>
+    <p:extLst>
+      <p:ext uri="{BB962C8B-B14F-4D97-AF65-F5344CB8AC3E}">
+        <p14:creationId xmlns:p14="http://schemas.microsoft.com/office/powerpoint/2010/main" val="3970263444"/>
+      </p:ext>
+    </p:extLst>
+  </p:cSld>
+  <p:clrMapOvr>
+    <a:masterClrMapping/>
+  </p:clrMapOvr>
+</p:notes>
+</file>
+
+<file path=ppt/notesSlides/notesSlide9.xml><?xml version="1.0" encoding="utf-8"?>
+<p:notes xmlns:a="http://schemas.openxmlformats.org/drawingml/2006/main" xmlns:r="http://schemas.openxmlformats.org/officeDocument/2006/relationships" xmlns:p="http://schemas.openxmlformats.org/presentationml/2006/main">
+  <p:cSld>
+    <p:spTree>
+      <p:nvGrpSpPr>
+        <p:cNvPr id="1" name=""/>
+        <p:cNvGrpSpPr/>
+        <p:nvPr/>
+      </p:nvGrpSpPr>
+      <p:grpSpPr>
+        <a:xfrm>
+          <a:off x="0" y="0"/>
+          <a:ext cx="0" cy="0"/>
+          <a:chOff x="0" y="0"/>
+          <a:chExt cx="0" cy="0"/>
+        </a:xfrm>
+      </p:grpSpPr>
+      <p:sp>
+        <p:nvSpPr>
+          <p:cNvPr id="2" name="Образ слайда 1"/>
+          <p:cNvSpPr>
+            <a:spLocks noGrp="1" noRot="1" noChangeAspect="1"/>
+          </p:cNvSpPr>
+          <p:nvPr>
+            <p:ph type="sldImg"/>
+          </p:nvPr>
+        </p:nvSpPr>
+        <p:spPr/>
+      </p:sp>
+      <p:sp>
+        <p:nvSpPr>
+          <p:cNvPr id="3" name="Заметки 2"/>
+          <p:cNvSpPr>
+            <a:spLocks noGrp="1"/>
+          </p:cNvSpPr>
+          <p:nvPr>
+            <p:ph type="body" idx="1"/>
+          </p:nvPr>
+        </p:nvSpPr>
+        <p:spPr/>
+        <p:txBody>
+          <a:bodyPr/>
+          <a:lstStyle/>
+          <a:p>
+            <a:r>
+              <a:rPr lang="ru-RU" sz="1200" kern="1200" dirty="0" smtClean="0">
+                <a:solidFill>
+                  <a:schemeClr val="tx1"/>
+                </a:solidFill>
+                <a:effectLst/>
+                <a:latin typeface="+mn-lt"/>
+                <a:ea typeface="+mn-ea"/>
+                <a:cs typeface="+mn-cs"/>
+              </a:rPr>
+              <a:t>На основе электрической схемы созданы печатные платы силовой и цифровой частей схемы, а также собран прототип устройства.</a:t>
+            </a:r>
+          </a:p>
+          <a:p>
+            <a:r>
+              <a:rPr lang="ru-RU" sz="1200" kern="1200" dirty="0" smtClean="0">
+                <a:solidFill>
+                  <a:schemeClr val="tx1"/>
+                </a:solidFill>
+                <a:effectLst/>
+                <a:latin typeface="+mn-lt"/>
+                <a:ea typeface="+mn-ea"/>
+                <a:cs typeface="+mn-cs"/>
+              </a:rPr>
+              <a:t>Также для осуществления диммирования, обмена данными по </a:t>
+            </a:r>
+            <a:r>
+              <a:rPr lang="ru-RU" sz="1200" kern="1200" dirty="0" err="1" smtClean="0">
+                <a:solidFill>
+                  <a:schemeClr val="tx1"/>
+                </a:solidFill>
+                <a:effectLst/>
+                <a:latin typeface="+mn-lt"/>
+                <a:ea typeface="+mn-ea"/>
+                <a:cs typeface="+mn-cs"/>
+              </a:rPr>
+              <a:t>Wi-Fi</a:t>
+            </a:r>
+            <a:r>
+              <a:rPr lang="ru-RU" sz="1200" kern="1200" dirty="0" smtClean="0">
+                <a:solidFill>
+                  <a:schemeClr val="tx1"/>
+                </a:solidFill>
+                <a:effectLst/>
+                <a:latin typeface="+mn-lt"/>
+                <a:ea typeface="+mn-ea"/>
+                <a:cs typeface="+mn-cs"/>
+              </a:rPr>
+              <a:t> и прочего функционала умного диммера было написано программное обеспечение на языке </a:t>
+            </a:r>
+            <a:r>
+              <a:rPr lang="en-US" sz="1200" kern="1200" dirty="0" smtClean="0">
+                <a:solidFill>
+                  <a:schemeClr val="tx1"/>
+                </a:solidFill>
+                <a:effectLst/>
+                <a:latin typeface="+mn-lt"/>
+                <a:ea typeface="+mn-ea"/>
+                <a:cs typeface="+mn-cs"/>
+              </a:rPr>
+              <a:t>C</a:t>
+            </a:r>
+            <a:r>
+              <a:rPr lang="ru-RU" sz="1200" kern="1200" dirty="0" smtClean="0">
+                <a:solidFill>
+                  <a:schemeClr val="tx1"/>
+                </a:solidFill>
+                <a:effectLst/>
+                <a:latin typeface="+mn-lt"/>
+                <a:ea typeface="+mn-ea"/>
+                <a:cs typeface="+mn-cs"/>
+              </a:rPr>
+              <a:t>++ с использованием принципов объектно-ориентированного программирования.</a:t>
+            </a:r>
+          </a:p>
+          <a:p>
+            <a:r>
+              <a:rPr lang="ru-RU" sz="1200" kern="1200" dirty="0" smtClean="0">
+                <a:solidFill>
+                  <a:schemeClr val="tx1"/>
+                </a:solidFill>
+                <a:effectLst/>
+                <a:latin typeface="+mn-lt"/>
+                <a:ea typeface="+mn-ea"/>
+                <a:cs typeface="+mn-cs"/>
+              </a:rPr>
+              <a:t>Результатом проектирования аппаратной и программной частей является собранное функционирующее устройство, позволяющее управлять освещением с помощью сенсорных клавиш на лицевой панели или из личного кабинета системы «Умный дом» при подключении к </a:t>
+            </a:r>
+            <a:r>
+              <a:rPr lang="en-US" sz="1200" kern="1200" dirty="0" smtClean="0">
+                <a:solidFill>
+                  <a:schemeClr val="tx1"/>
+                </a:solidFill>
+                <a:effectLst/>
+                <a:latin typeface="+mn-lt"/>
+                <a:ea typeface="+mn-ea"/>
+                <a:cs typeface="+mn-cs"/>
+              </a:rPr>
+              <a:t>Wi</a:t>
+            </a:r>
+            <a:r>
+              <a:rPr lang="ru-RU" sz="1200" kern="1200" dirty="0" smtClean="0">
+                <a:solidFill>
+                  <a:schemeClr val="tx1"/>
+                </a:solidFill>
+                <a:effectLst/>
+                <a:latin typeface="+mn-lt"/>
+                <a:ea typeface="+mn-ea"/>
+                <a:cs typeface="+mn-cs"/>
+              </a:rPr>
+              <a:t>-</a:t>
+            </a:r>
+            <a:r>
+              <a:rPr lang="en-US" sz="1200" kern="1200" dirty="0" smtClean="0">
+                <a:solidFill>
+                  <a:schemeClr val="tx1"/>
+                </a:solidFill>
+                <a:effectLst/>
+                <a:latin typeface="+mn-lt"/>
+                <a:ea typeface="+mn-ea"/>
+                <a:cs typeface="+mn-cs"/>
+              </a:rPr>
+              <a:t>Fi</a:t>
+            </a:r>
+            <a:r>
+              <a:rPr lang="ru-RU" sz="1200" kern="1200" dirty="0" smtClean="0">
+                <a:solidFill>
+                  <a:schemeClr val="tx1"/>
+                </a:solidFill>
+                <a:effectLst/>
+                <a:latin typeface="+mn-lt"/>
+                <a:ea typeface="+mn-ea"/>
+                <a:cs typeface="+mn-cs"/>
+              </a:rPr>
+              <a:t>.</a:t>
+            </a:r>
+          </a:p>
+          <a:p>
+            <a:endParaRPr lang="ru-RU" dirty="0"/>
+          </a:p>
+        </p:txBody>
+      </p:sp>
+      <p:sp>
+        <p:nvSpPr>
+          <p:cNvPr id="4" name="Номер слайда 3"/>
+          <p:cNvSpPr>
+            <a:spLocks noGrp="1"/>
+          </p:cNvSpPr>
+          <p:nvPr>
+            <p:ph type="sldNum" sz="quarter" idx="10"/>
+          </p:nvPr>
+        </p:nvSpPr>
+        <p:spPr/>
+        <p:txBody>
+          <a:bodyPr/>
+          <a:lstStyle/>
+          <a:p>
+            <a:fld id="{0A5538B8-2D98-49D1-8F38-1F11DE338709}" type="slidenum">
+              <a:rPr lang="ru-RU" smtClean="0"/>
+              <a:t>10</a:t>
+            </a:fld>
+            <a:endParaRPr lang="ru-RU"/>
+          </a:p>
+        </p:txBody>
+      </p:sp>
+    </p:spTree>
+    <p:extLst>
+      <p:ext uri="{BB962C8B-B14F-4D97-AF65-F5344CB8AC3E}">
+        <p14:creationId xmlns:p14="http://schemas.microsoft.com/office/powerpoint/2010/main" val="1664002935"/>
+      </p:ext>
+    </p:extLst>
+  </p:cSld>
+  <p:clrMapOvr>
+    <a:masterClrMapping/>
+  </p:clrMapOvr>
+</p:notes>
+</file>
+
 <file path=ppt/slideLayouts/slideLayout1.xml><?xml version="1.0" encoding="utf-8"?>
 <p:sldLayout xmlns:a="http://schemas.openxmlformats.org/drawingml/2006/main" xmlns:r="http://schemas.openxmlformats.org/officeDocument/2006/relationships" xmlns:p="http://schemas.openxmlformats.org/presentationml/2006/main" type="title" preserve="1">
   <p:cSld name="Титульный слайд">
@@ -255,7 +2514,7 @@
           <a:p>
             <a:fld id="{5764A7B3-D769-46DF-B956-4056A85F8FC2}" type="datetimeFigureOut">
               <a:rPr lang="ru-RU" smtClean="0"/>
-              <a:t>23.01.2021</a:t>
+              <a:t>24.01.2021</a:t>
             </a:fld>
             <a:endParaRPr lang="ru-RU"/>
           </a:p>
@@ -425,7 +2684,7 @@
           <a:p>
             <a:fld id="{5764A7B3-D769-46DF-B956-4056A85F8FC2}" type="datetimeFigureOut">
               <a:rPr lang="ru-RU" smtClean="0"/>
-              <a:t>23.01.2021</a:t>
+              <a:t>24.01.2021</a:t>
             </a:fld>
             <a:endParaRPr lang="ru-RU"/>
           </a:p>
@@ -605,7 +2864,7 @@
           <a:p>
             <a:fld id="{5764A7B3-D769-46DF-B956-4056A85F8FC2}" type="datetimeFigureOut">
               <a:rPr lang="ru-RU" smtClean="0"/>
-              <a:t>23.01.2021</a:t>
+              <a:t>24.01.2021</a:t>
             </a:fld>
             <a:endParaRPr lang="ru-RU"/>
           </a:p>
@@ -775,7 +3034,7 @@
           <a:p>
             <a:fld id="{5764A7B3-D769-46DF-B956-4056A85F8FC2}" type="datetimeFigureOut">
               <a:rPr lang="ru-RU" smtClean="0"/>
-              <a:t>23.01.2021</a:t>
+              <a:t>24.01.2021</a:t>
             </a:fld>
             <a:endParaRPr lang="ru-RU"/>
           </a:p>
@@ -1021,7 +3280,7 @@
           <a:p>
             <a:fld id="{5764A7B3-D769-46DF-B956-4056A85F8FC2}" type="datetimeFigureOut">
               <a:rPr lang="ru-RU" smtClean="0"/>
-              <a:t>23.01.2021</a:t>
+              <a:t>24.01.2021</a:t>
             </a:fld>
             <a:endParaRPr lang="ru-RU"/>
           </a:p>
@@ -1253,7 +3512,7 @@
           <a:p>
             <a:fld id="{5764A7B3-D769-46DF-B956-4056A85F8FC2}" type="datetimeFigureOut">
               <a:rPr lang="ru-RU" smtClean="0"/>
-              <a:t>23.01.2021</a:t>
+              <a:t>24.01.2021</a:t>
             </a:fld>
             <a:endParaRPr lang="ru-RU"/>
           </a:p>
@@ -1620,7 +3879,7 @@
           <a:p>
             <a:fld id="{5764A7B3-D769-46DF-B956-4056A85F8FC2}" type="datetimeFigureOut">
               <a:rPr lang="ru-RU" smtClean="0"/>
-              <a:t>23.01.2021</a:t>
+              <a:t>24.01.2021</a:t>
             </a:fld>
             <a:endParaRPr lang="ru-RU"/>
           </a:p>
@@ -1738,7 +3997,7 @@
           <a:p>
             <a:fld id="{5764A7B3-D769-46DF-B956-4056A85F8FC2}" type="datetimeFigureOut">
               <a:rPr lang="ru-RU" smtClean="0"/>
-              <a:t>23.01.2021</a:t>
+              <a:t>24.01.2021</a:t>
             </a:fld>
             <a:endParaRPr lang="ru-RU"/>
           </a:p>
@@ -1833,7 +4092,7 @@
           <a:p>
             <a:fld id="{5764A7B3-D769-46DF-B956-4056A85F8FC2}" type="datetimeFigureOut">
               <a:rPr lang="ru-RU" smtClean="0"/>
-              <a:t>23.01.2021</a:t>
+              <a:t>24.01.2021</a:t>
             </a:fld>
             <a:endParaRPr lang="ru-RU"/>
           </a:p>
@@ -2110,7 +4369,7 @@
           <a:p>
             <a:fld id="{5764A7B3-D769-46DF-B956-4056A85F8FC2}" type="datetimeFigureOut">
               <a:rPr lang="ru-RU" smtClean="0"/>
-              <a:t>23.01.2021</a:t>
+              <a:t>24.01.2021</a:t>
             </a:fld>
             <a:endParaRPr lang="ru-RU"/>
           </a:p>
@@ -2363,7 +4622,7 @@
           <a:p>
             <a:fld id="{5764A7B3-D769-46DF-B956-4056A85F8FC2}" type="datetimeFigureOut">
               <a:rPr lang="ru-RU" smtClean="0"/>
-              <a:t>23.01.2021</a:t>
+              <a:t>24.01.2021</a:t>
             </a:fld>
             <a:endParaRPr lang="ru-RU"/>
           </a:p>
@@ -2576,7 +4835,7 @@
           <a:p>
             <a:fld id="{5764A7B3-D769-46DF-B956-4056A85F8FC2}" type="datetimeFigureOut">
               <a:rPr lang="ru-RU" smtClean="0"/>
-              <a:t>23.01.2021</a:t>
+              <a:t>24.01.2021</a:t>
             </a:fld>
             <a:endParaRPr lang="ru-RU"/>
           </a:p>
@@ -3370,7 +5629,7 @@
           <p:nvPr/>
         </p:nvPicPr>
         <p:blipFill rotWithShape="1">
-          <a:blip r:embed="rId2" cstate="print">
+          <a:blip r:embed="rId3" cstate="print">
             <a:extLst>
               <a:ext uri="{28A0092B-C50C-407E-A947-70E740481C1C}">
                 <a14:useLocalDpi xmlns:a14="http://schemas.microsoft.com/office/drawing/2010/main" val="0"/>
@@ -3407,7 +5666,7 @@
           <p:nvPr/>
         </p:nvPicPr>
         <p:blipFill>
-          <a:blip r:embed="rId3" cstate="print">
+          <a:blip r:embed="rId4" cstate="print">
             <a:extLst>
               <a:ext uri="{28A0092B-C50C-407E-A947-70E740481C1C}">
                 <a14:useLocalDpi xmlns:a14="http://schemas.microsoft.com/office/drawing/2010/main" val="0"/>
@@ -3572,29 +5831,7 @@
                   </a:schemeClr>
                 </a:solidFill>
               </a:rPr>
-              <a:t>Личный кабинет (</a:t>
-            </a:r>
-            <a:r>
-              <a:rPr lang="ru-RU" dirty="0" smtClean="0">
-                <a:solidFill>
-                  <a:schemeClr val="tx1">
-                    <a:lumMod val="75000"/>
-                    <a:lumOff val="25000"/>
-                  </a:schemeClr>
-                </a:solidFill>
-              </a:rPr>
-              <a:t>раздел </a:t>
-            </a:r>
-            <a:r>
-              <a:rPr lang="ru-RU" dirty="0" smtClean="0">
-                <a:solidFill>
-                  <a:schemeClr val="tx1">
-                    <a:lumMod val="75000"/>
-                    <a:lumOff val="25000"/>
-                  </a:schemeClr>
-                </a:solidFill>
-              </a:rPr>
-              <a:t>комнат)</a:t>
+              <a:t>Личный кабинет (раздел комнат)</a:t>
             </a:r>
             <a:endParaRPr lang="ru-RU" dirty="0">
               <a:solidFill>
@@ -3614,7 +5851,7 @@
           <p:nvPr/>
         </p:nvPicPr>
         <p:blipFill rotWithShape="1">
-          <a:blip r:embed="rId2" cstate="print">
+          <a:blip r:embed="rId3" cstate="print">
             <a:extLst>
               <a:ext uri="{28A0092B-C50C-407E-A947-70E740481C1C}">
                 <a14:useLocalDpi xmlns:a14="http://schemas.microsoft.com/office/drawing/2010/main" val="0"/>
@@ -3992,14 +6229,6 @@
               </a:rPr>
               <a:t>.</a:t>
             </a:r>
-            <a:endParaRPr lang="ru-RU" dirty="0" smtClean="0">
-              <a:solidFill>
-                <a:schemeClr val="tx1">
-                  <a:lumMod val="75000"/>
-                  <a:lumOff val="25000"/>
-                </a:schemeClr>
-              </a:solidFill>
-            </a:endParaRPr>
           </a:p>
         </p:txBody>
       </p:sp>
@@ -4114,14 +6343,6 @@
               </a:rPr>
               <a:t>Работа будет продолжаться в сотрудничестве с преподавателями и студентами кафедры №3 НИЯУ МИФИ.</a:t>
             </a:r>
-            <a:endParaRPr lang="ru-RU" dirty="0">
-              <a:solidFill>
-                <a:schemeClr val="tx1">
-                  <a:lumMod val="75000"/>
-                  <a:lumOff val="25000"/>
-                </a:schemeClr>
-              </a:solidFill>
-            </a:endParaRPr>
           </a:p>
         </p:txBody>
       </p:sp>
@@ -4360,14 +6581,6 @@
               </a:rPr>
               <a:t> систем</a:t>
             </a:r>
-            <a:endParaRPr lang="ru-RU" sz="2400" dirty="0" smtClean="0">
-              <a:solidFill>
-                <a:schemeClr val="tx1">
-                  <a:lumMod val="75000"/>
-                  <a:lumOff val="25000"/>
-                </a:schemeClr>
-              </a:solidFill>
-            </a:endParaRPr>
           </a:p>
           <a:p>
             <a:pPr marL="514350" indent="-514350">
@@ -4386,27 +6599,8 @@
                   </a:schemeClr>
                 </a:solidFill>
               </a:rPr>
-              <a:t>Обзор </a:t>
-            </a:r>
-            <a:r>
-              <a:rPr lang="ru-RU" sz="2400" dirty="0" smtClean="0">
-                <a:solidFill>
-                  <a:schemeClr val="tx1">
-                    <a:lumMod val="75000"/>
-                    <a:lumOff val="25000"/>
-                  </a:schemeClr>
-                </a:solidFill>
-              </a:rPr>
-              <a:t>систем «Умный дом»</a:t>
-            </a:r>
-            <a:endParaRPr lang="ru-RU" sz="2400" dirty="0" smtClean="0">
-              <a:solidFill>
-                <a:schemeClr val="tx1">
-                  <a:lumMod val="75000"/>
-                  <a:lumOff val="25000"/>
-                </a:schemeClr>
-              </a:solidFill>
-            </a:endParaRPr>
+              <a:t>Обзор систем «Умный дом»</a:t>
+            </a:r>
           </a:p>
           <a:p>
             <a:pPr marL="514350" indent="-514350">
@@ -4438,14 +6632,6 @@
               </a:rPr>
               <a:t>задач</a:t>
             </a:r>
-            <a:endParaRPr lang="ru-RU" sz="2400" dirty="0" smtClean="0">
-              <a:solidFill>
-                <a:schemeClr val="tx1">
-                  <a:lumMod val="75000"/>
-                  <a:lumOff val="25000"/>
-                </a:schemeClr>
-              </a:solidFill>
-            </a:endParaRPr>
           </a:p>
           <a:p>
             <a:pPr marL="514350" indent="-514350">
@@ -4517,14 +6703,6 @@
               </a:rPr>
               <a:t>схема</a:t>
             </a:r>
-            <a:endParaRPr lang="ru-RU" dirty="0" smtClean="0">
-              <a:solidFill>
-                <a:schemeClr val="tx1">
-                  <a:lumMod val="75000"/>
-                  <a:lumOff val="25000"/>
-                </a:schemeClr>
-              </a:solidFill>
-            </a:endParaRPr>
           </a:p>
           <a:p>
             <a:pPr marL="1371600" lvl="1" indent="-457200">
@@ -4565,14 +6743,6 @@
               </a:rPr>
               <a:t>Прототип	</a:t>
             </a:r>
-            <a:endParaRPr lang="ru-RU" dirty="0" smtClean="0">
-              <a:solidFill>
-                <a:schemeClr val="tx1">
-                  <a:lumMod val="75000"/>
-                  <a:lumOff val="25000"/>
-                </a:schemeClr>
-              </a:solidFill>
-            </a:endParaRPr>
           </a:p>
           <a:p>
             <a:pPr marL="514350" indent="-514350">
@@ -4751,19 +6921,7 @@
                 </a:solidFill>
                 <a:latin typeface="Century Gothic" panose="020B0502020202020204" pitchFamily="34" charset="0"/>
               </a:rPr>
-              <a:t> </a:t>
-            </a:r>
-            <a:r>
-              <a:rPr lang="ru-RU" sz="2900" dirty="0" smtClean="0">
-                <a:solidFill>
-                  <a:schemeClr val="tx1">
-                    <a:lumMod val="75000"/>
-                    <a:lumOff val="25000"/>
-                  </a:schemeClr>
-                </a:solidFill>
-                <a:latin typeface="Century Gothic" panose="020B0502020202020204" pitchFamily="34" charset="0"/>
-              </a:rPr>
-              <a:t>систем</a:t>
+              <a:t> систем</a:t>
             </a:r>
             <a:endParaRPr lang="ru-RU" sz="2900" dirty="0">
               <a:solidFill>
@@ -4956,7 +7114,7 @@
           <p:nvPr/>
         </p:nvPicPr>
         <p:blipFill rotWithShape="1">
-          <a:blip r:embed="rId2"/>
+          <a:blip r:embed="rId3"/>
           <a:srcRect t="5756"/>
           <a:stretch/>
         </p:blipFill>
@@ -5108,14 +7266,14 @@
             <p:ph idx="1"/>
             <p:extLst>
               <p:ext uri="{D42A27DB-BD31-4B8C-83A1-F6EECF244321}">
-                <p14:modId xmlns:p14="http://schemas.microsoft.com/office/powerpoint/2010/main" val="3293438031"/>
+                <p14:modId xmlns:p14="http://schemas.microsoft.com/office/powerpoint/2010/main" val="2659139922"/>
               </p:ext>
             </p:extLst>
           </p:nvPr>
         </p:nvGraphicFramePr>
         <p:xfrm>
           <a:off x="558578" y="1285852"/>
-          <a:ext cx="10925209" cy="4740402"/>
+          <a:ext cx="10925209" cy="4752842"/>
         </p:xfrm>
         <a:graphic>
           <a:graphicData uri="http://schemas.openxmlformats.org/drawingml/2006/table">
@@ -5153,7 +7311,7 @@
                   </a:extLst>
                 </a:gridCol>
               </a:tblGrid>
-              <a:tr h="425942">
+              <a:tr h="378736">
                 <a:tc>
                   <a:txBody>
                     <a:bodyPr/>
@@ -5453,7 +7611,7 @@
                   </a:ext>
                 </a:extLst>
               </a:tr>
-              <a:tr h="1098858">
+              <a:tr h="1150311">
                 <a:tc>
                   <a:txBody>
                     <a:bodyPr/>
@@ -5845,6 +8003,9 @@
                     <a:bodyPr/>
                     <a:lstStyle/>
                     <a:p>
+                      <a:pPr marL="342900" indent="-342900">
+                        <a:buAutoNum type="arabicPeriod"/>
+                      </a:pPr>
                       <a:r>
                         <a:rPr lang="ru-RU" dirty="0" smtClean="0">
                           <a:solidFill>
@@ -5854,7 +8015,34 @@
                             </a:schemeClr>
                           </a:solidFill>
                         </a:rPr>
-                        <a:t>1. Низкая стоимость</a:t>
+                        <a:t>Низкая стоимость</a:t>
+                      </a:r>
+                    </a:p>
+                    <a:p>
+                      <a:pPr marL="342900" indent="-342900">
+                        <a:buAutoNum type="arabicPeriod"/>
+                      </a:pPr>
+                      <a:r>
+                        <a:rPr lang="ru-RU" dirty="0" smtClean="0">
+                          <a:solidFill>
+                            <a:schemeClr val="tx1">
+                              <a:lumMod val="75000"/>
+                              <a:lumOff val="25000"/>
+                            </a:schemeClr>
+                          </a:solidFill>
+                        </a:rPr>
+                        <a:t>Не</a:t>
+                      </a:r>
+                      <a:r>
+                        <a:rPr lang="ru-RU" baseline="0" dirty="0" smtClean="0">
+                          <a:solidFill>
+                            <a:schemeClr val="tx1">
+                              <a:lumMod val="75000"/>
+                              <a:lumOff val="25000"/>
+                            </a:schemeClr>
+                          </a:solidFill>
+                        </a:rPr>
+                        <a:t> требует установки доп. оборудования</a:t>
                       </a:r>
                       <a:endParaRPr lang="ru-RU" dirty="0">
                         <a:solidFill>
@@ -5919,7 +8107,7 @@
                   </a:ext>
                 </a:extLst>
               </a:tr>
-              <a:tr h="1141187">
+              <a:tr h="1415767">
                 <a:tc>
                   <a:txBody>
                     <a:bodyPr/>
@@ -6038,6 +8226,22 @@
                           </a:solidFill>
                         </a:rPr>
                         <a:t> стоимость</a:t>
+                      </a:r>
+                    </a:p>
+                    <a:p>
+                      <a:pPr marL="342900" indent="-342900">
+                        <a:buAutoNum type="arabicPeriod"/>
+                      </a:pPr>
+                      <a:r>
+                        <a:rPr lang="ru-RU" baseline="0" dirty="0" smtClean="0">
+                          <a:solidFill>
+                            <a:schemeClr val="tx1">
+                              <a:lumMod val="75000"/>
+                              <a:lumOff val="25000"/>
+                            </a:schemeClr>
+                          </a:solidFill>
+                        </a:rPr>
+                        <a:t>Установка только сотрудниками компании</a:t>
                       </a:r>
                       <a:endParaRPr lang="ru-RU" dirty="0" smtClean="0">
                         <a:solidFill>
@@ -6332,7 +8536,7 @@
                   </a:ext>
                 </a:extLst>
               </a:tr>
-              <a:tr h="1937020">
+              <a:tr h="1722346">
                 <a:tc>
                   <a:txBody>
                     <a:bodyPr/>
@@ -6632,15 +8836,15 @@
           <p:nvPr/>
         </p:nvPicPr>
         <p:blipFill>
-          <a:blip r:embed="rId2"/>
+          <a:blip r:embed="rId3"/>
           <a:stretch>
             <a:fillRect/>
           </a:stretch>
         </p:blipFill>
         <p:spPr>
           <a:xfrm>
-            <a:off x="6021182" y="4243173"/>
-            <a:ext cx="1619203" cy="1619203"/>
+            <a:off x="5288766" y="4509696"/>
+            <a:ext cx="1443316" cy="1443316"/>
           </a:xfrm>
           <a:prstGeom prst="rect">
             <a:avLst/>
@@ -6656,15 +8860,15 @@
           <p:nvPr/>
         </p:nvPicPr>
         <p:blipFill>
-          <a:blip r:embed="rId3"/>
+          <a:blip r:embed="rId4"/>
           <a:stretch>
             <a:fillRect/>
           </a:stretch>
         </p:blipFill>
         <p:spPr>
           <a:xfrm>
-            <a:off x="9181207" y="4254331"/>
-            <a:ext cx="1608045" cy="1608045"/>
+            <a:off x="9181207" y="4505041"/>
+            <a:ext cx="1447971" cy="1447971"/>
           </a:xfrm>
           <a:prstGeom prst="rect">
             <a:avLst/>
@@ -6680,14 +8884,14 @@
           <p:nvPr/>
         </p:nvPicPr>
         <p:blipFill rotWithShape="1">
-          <a:blip r:embed="rId4"/>
+          <a:blip r:embed="rId5"/>
           <a:srcRect l="24524" t="17923" r="21190" b="21601"/>
           <a:stretch/>
         </p:blipFill>
         <p:spPr>
           <a:xfrm>
-            <a:off x="3026301" y="4242504"/>
-            <a:ext cx="1454059" cy="1619872"/>
+            <a:off x="2899907" y="4509696"/>
+            <a:ext cx="1295576" cy="1443316"/>
           </a:xfrm>
           <a:prstGeom prst="rect">
             <a:avLst/>
@@ -6773,6 +8977,30 @@
           </a:p>
         </p:txBody>
       </p:sp>
+      <p:pic>
+        <p:nvPicPr>
+          <p:cNvPr id="6" name="Рисунок 5"/>
+          <p:cNvPicPr>
+            <a:picLocks noChangeAspect="1"/>
+          </p:cNvPicPr>
+          <p:nvPr/>
+        </p:nvPicPr>
+        <p:blipFill>
+          <a:blip r:embed="rId6"/>
+          <a:stretch>
+            <a:fillRect/>
+          </a:stretch>
+        </p:blipFill>
+        <p:spPr>
+          <a:xfrm>
+            <a:off x="7064315" y="4459965"/>
+            <a:ext cx="1023609" cy="1538121"/>
+          </a:xfrm>
+          <a:prstGeom prst="rect">
+            <a:avLst/>
+          </a:prstGeom>
+        </p:spPr>
+      </p:pic>
     </p:spTree>
     <p:extLst>
       <p:ext uri="{BB962C8B-B14F-4D97-AF65-F5344CB8AC3E}">
@@ -6842,19 +9070,7 @@
                 </a:solidFill>
                 <a:latin typeface="Century Gothic" panose="020B0502020202020204" pitchFamily="34" charset="0"/>
               </a:rPr>
-              <a:t>Постановка </a:t>
-            </a:r>
-            <a:r>
-              <a:rPr lang="ru-RU" sz="2900" dirty="0" smtClean="0">
-                <a:solidFill>
-                  <a:schemeClr val="tx1">
-                    <a:lumMod val="75000"/>
-                    <a:lumOff val="25000"/>
-                  </a:schemeClr>
-                </a:solidFill>
-                <a:latin typeface="Century Gothic" panose="020B0502020202020204" pitchFamily="34" charset="0"/>
-              </a:rPr>
-              <a:t>задач</a:t>
+              <a:t>Постановка задач</a:t>
             </a:r>
             <a:endParaRPr lang="ru-RU" sz="2900" dirty="0">
               <a:solidFill>
@@ -6969,8 +9185,38 @@
                   </a:schemeClr>
                 </a:solidFill>
               </a:rPr>
-              <a:t>для системы «Умный дом»</a:t>
-            </a:r>
+              <a:t>для системы «Умный </a:t>
+            </a:r>
+            <a:r>
+              <a:rPr lang="ru-RU" sz="1800" smtClean="0">
+                <a:solidFill>
+                  <a:schemeClr val="tx1">
+                    <a:lumMod val="75000"/>
+                    <a:lumOff val="25000"/>
+                  </a:schemeClr>
+                </a:solidFill>
+              </a:rPr>
+              <a:t>дом</a:t>
+            </a:r>
+            <a:r>
+              <a:rPr lang="ru-RU" sz="1800" smtClean="0">
+                <a:solidFill>
+                  <a:schemeClr val="tx1">
+                    <a:lumMod val="75000"/>
+                    <a:lumOff val="25000"/>
+                  </a:schemeClr>
+                </a:solidFill>
+              </a:rPr>
+              <a:t>».</a:t>
+            </a:r>
+            <a:endParaRPr lang="ru-RU" sz="1800" dirty="0" smtClean="0">
+              <a:solidFill>
+                <a:schemeClr val="tx1">
+                  <a:lumMod val="75000"/>
+                  <a:lumOff val="25000"/>
+                </a:schemeClr>
+              </a:solidFill>
+            </a:endParaRPr>
           </a:p>
           <a:p>
             <a:pPr marL="514350" indent="-514350" algn="just">
@@ -7052,7 +9298,7 @@
           <p:nvPr/>
         </p:nvPicPr>
         <p:blipFill>
-          <a:blip r:embed="rId2"/>
+          <a:blip r:embed="rId3"/>
           <a:stretch>
             <a:fillRect/>
           </a:stretch>
@@ -7181,19 +9427,7 @@
                 </a:solidFill>
                 <a:latin typeface="Century Gothic" panose="020B0502020202020204" pitchFamily="34" charset="0"/>
               </a:rPr>
-              <a:t>Реализация </a:t>
-            </a:r>
-            <a:r>
-              <a:rPr lang="ru-RU" sz="3200" dirty="0" smtClean="0">
-                <a:solidFill>
-                  <a:schemeClr val="tx1">
-                    <a:lumMod val="75000"/>
-                    <a:lumOff val="25000"/>
-                  </a:schemeClr>
-                </a:solidFill>
-                <a:latin typeface="Century Gothic" panose="020B0502020202020204" pitchFamily="34" charset="0"/>
-              </a:rPr>
-              <a:t>свето-регулятора (способы диммирования)</a:t>
+              <a:t>Реализация свето-регулятора (способы диммирования)</a:t>
             </a:r>
             <a:endParaRPr lang="ru-RU" sz="3200" dirty="0">
               <a:solidFill>
@@ -7218,7 +9452,7 @@
           </p:nvPr>
         </p:nvPicPr>
         <p:blipFill>
-          <a:blip r:embed="rId2">
+          <a:blip r:embed="rId3">
             <a:extLst>
               <a:ext uri="{28A0092B-C50C-407E-A947-70E740481C1C}">
                 <a14:useLocalDpi xmlns:a14="http://schemas.microsoft.com/office/drawing/2010/main" val="0"/>
@@ -7251,7 +9485,7 @@
           <p:nvPr/>
         </p:nvPicPr>
         <p:blipFill>
-          <a:blip r:embed="rId3">
+          <a:blip r:embed="rId4">
             <a:extLst>
               <a:ext uri="{28A0092B-C50C-407E-A947-70E740481C1C}">
                 <a14:useLocalDpi xmlns:a14="http://schemas.microsoft.com/office/drawing/2010/main" val="0"/>
@@ -7608,7 +9842,7 @@
           <p:nvPr/>
         </p:nvPicPr>
         <p:blipFill>
-          <a:blip r:embed="rId2"/>
+          <a:blip r:embed="rId3"/>
           <a:stretch>
             <a:fillRect/>
           </a:stretch>
@@ -7951,8 +10185,8 @@
         </p:nvSpPr>
         <p:spPr>
           <a:xfrm>
-            <a:off x="838200" y="502023"/>
-            <a:ext cx="10515600" cy="577175"/>
+            <a:off x="838200" y="510988"/>
+            <a:ext cx="10515600" cy="559100"/>
           </a:xfrm>
         </p:spPr>
         <p:txBody>
@@ -7985,35 +10219,6 @@
           </a:p>
         </p:txBody>
       </p:sp>
-      <p:pic>
-        <p:nvPicPr>
-          <p:cNvPr id="6" name="Рисунок 5"/>
-          <p:cNvPicPr/>
-          <p:nvPr/>
-        </p:nvPicPr>
-        <p:blipFill rotWithShape="1">
-          <a:blip r:embed="rId2"/>
-          <a:srcRect t="543" b="482"/>
-          <a:stretch/>
-        </p:blipFill>
-        <p:spPr bwMode="auto">
-          <a:xfrm>
-            <a:off x="838201" y="1452284"/>
-            <a:ext cx="5186082" cy="3630704"/>
-          </a:xfrm>
-          <a:prstGeom prst="rect">
-            <a:avLst/>
-          </a:prstGeom>
-          <a:ln>
-            <a:noFill/>
-          </a:ln>
-          <a:extLst>
-            <a:ext uri="{53640926-AAD7-44D8-BBD7-CCE9431645EC}">
-              <a14:shadowObscured xmlns:a14="http://schemas.microsoft.com/office/drawing/2010/main"/>
-            </a:ext>
-          </a:extLst>
-        </p:spPr>
-      </p:pic>
       <p:sp>
         <p:nvSpPr>
           <p:cNvPr id="3" name="TextBox 2"/>
@@ -8022,8 +10227,8 @@
         </p:nvSpPr>
         <p:spPr>
           <a:xfrm>
-            <a:off x="851647" y="5018457"/>
-            <a:ext cx="5244353" cy="369332"/>
+            <a:off x="838200" y="3081216"/>
+            <a:ext cx="4746813" cy="646331"/>
           </a:xfrm>
           <a:prstGeom prst="rect">
             <a:avLst/>
@@ -8038,49 +10243,19 @@
           <a:p>
             <a:pPr algn="ctr"/>
             <a:r>
-              <a:rPr lang="ru-RU" dirty="0" smtClean="0">
-                <a:solidFill>
-                  <a:schemeClr val="tx1">
-                    <a:lumMod val="75000"/>
-                    <a:lumOff val="25000"/>
-                  </a:schemeClr>
-                </a:solidFill>
-              </a:rPr>
-              <a:t>Принципиальная электрическая схема устройства</a:t>
-            </a:r>
-            <a:endParaRPr lang="ru-RU" dirty="0">
-              <a:solidFill>
-                <a:schemeClr val="tx1">
-                  <a:lumMod val="75000"/>
-                  <a:lumOff val="25000"/>
-                </a:schemeClr>
-              </a:solidFill>
-            </a:endParaRPr>
-          </a:p>
-        </p:txBody>
-      </p:sp>
-      <p:pic>
-        <p:nvPicPr>
-          <p:cNvPr id="8" name="Рисунок 7"/>
-          <p:cNvPicPr/>
-          <p:nvPr/>
-        </p:nvPicPr>
-        <p:blipFill>
-          <a:blip r:embed="rId3"/>
-          <a:stretch>
-            <a:fillRect/>
-          </a:stretch>
-        </p:blipFill>
-        <p:spPr>
-          <a:xfrm>
-            <a:off x="6285632" y="1961618"/>
-            <a:ext cx="5274142" cy="2612036"/>
-          </a:xfrm>
-          <a:prstGeom prst="rect">
-            <a:avLst/>
-          </a:prstGeom>
-        </p:spPr>
-      </p:pic>
+              <a:rPr lang="ru-RU" dirty="0">
+                <a:solidFill>
+                  <a:schemeClr val="tx1">
+                    <a:lumMod val="75000"/>
+                    <a:lumOff val="25000"/>
+                  </a:schemeClr>
+                </a:solidFill>
+              </a:rPr>
+              <a:t>Временная характеристика напряжения на нагрузке при уровне диммирования 50%</a:t>
+            </a:r>
+          </a:p>
+        </p:txBody>
+      </p:sp>
       <p:sp>
         <p:nvSpPr>
           <p:cNvPr id="4" name="TextBox 3"/>
@@ -8089,7 +10264,7 @@
         </p:nvSpPr>
         <p:spPr>
           <a:xfrm>
-            <a:off x="6333350" y="5018457"/>
+            <a:off x="6367182" y="3107740"/>
             <a:ext cx="5226424" cy="646331"/>
           </a:xfrm>
           <a:prstGeom prst="rect">
@@ -8113,7 +10288,109 @@
                   </a:schemeClr>
                 </a:solidFill>
               </a:rPr>
-              <a:t>Выходная временная характеристика напряжения на выходе детектора перехода через ноль</a:t>
+              <a:t>Временная характеристика напряжения на нагрузке при уровне диммирования 100%</a:t>
+            </a:r>
+          </a:p>
+        </p:txBody>
+      </p:sp>
+      <p:pic>
+        <p:nvPicPr>
+          <p:cNvPr id="7" name="Рисунок 6"/>
+          <p:cNvPicPr/>
+          <p:nvPr/>
+        </p:nvPicPr>
+        <p:blipFill rotWithShape="1">
+          <a:blip r:embed="rId3"/>
+          <a:srcRect t="817" b="1390"/>
+          <a:stretch/>
+        </p:blipFill>
+        <p:spPr>
+          <a:xfrm>
+            <a:off x="838200" y="1228165"/>
+            <a:ext cx="4746813" cy="1828800"/>
+          </a:xfrm>
+          <a:prstGeom prst="rect">
+            <a:avLst/>
+          </a:prstGeom>
+        </p:spPr>
+      </p:pic>
+      <p:pic>
+        <p:nvPicPr>
+          <p:cNvPr id="9" name="Рисунок 8"/>
+          <p:cNvPicPr/>
+          <p:nvPr/>
+        </p:nvPicPr>
+        <p:blipFill>
+          <a:blip r:embed="rId4"/>
+          <a:stretch>
+            <a:fillRect/>
+          </a:stretch>
+        </p:blipFill>
+        <p:spPr>
+          <a:xfrm>
+            <a:off x="6606988" y="1212894"/>
+            <a:ext cx="4746812" cy="1829435"/>
+          </a:xfrm>
+          <a:prstGeom prst="rect">
+            <a:avLst/>
+          </a:prstGeom>
+        </p:spPr>
+      </p:pic>
+      <p:pic>
+        <p:nvPicPr>
+          <p:cNvPr id="10" name="Рисунок 9"/>
+          <p:cNvPicPr/>
+          <p:nvPr/>
+        </p:nvPicPr>
+        <p:blipFill>
+          <a:blip r:embed="rId5"/>
+          <a:stretch>
+            <a:fillRect/>
+          </a:stretch>
+        </p:blipFill>
+        <p:spPr>
+          <a:xfrm>
+            <a:off x="3722594" y="3909781"/>
+            <a:ext cx="4746812" cy="1860550"/>
+          </a:xfrm>
+          <a:prstGeom prst="rect">
+            <a:avLst/>
+          </a:prstGeom>
+        </p:spPr>
+      </p:pic>
+      <p:sp>
+        <p:nvSpPr>
+          <p:cNvPr id="5" name="TextBox 4"/>
+          <p:cNvSpPr txBox="1"/>
+          <p:nvPr/>
+        </p:nvSpPr>
+        <p:spPr>
+          <a:xfrm>
+            <a:off x="3722594" y="5836673"/>
+            <a:ext cx="4746812" cy="646331"/>
+          </a:xfrm>
+          <a:prstGeom prst="rect">
+            <a:avLst/>
+          </a:prstGeom>
+          <a:noFill/>
+        </p:spPr>
+        <p:txBody>
+          <a:bodyPr wrap="square" rtlCol="0">
+            <a:spAutoFit/>
+          </a:bodyPr>
+          <a:lstStyle/>
+          <a:p>
+            <a:pPr algn="ctr"/>
+            <a:r>
+              <a:rPr lang="ru-RU" dirty="0">
+                <a:solidFill>
+                  <a:schemeClr val="tx1">
+                    <a:lumMod val="75000"/>
+                    <a:lumOff val="25000"/>
+                  </a:schemeClr>
+                </a:solidFill>
+              </a:rPr>
+              <a:t>Временная характеристика напряжения на нагрузке при уровне диммирования 0%</a:t>
             </a:r>
           </a:p>
         </p:txBody>
@@ -8121,7 +10398,7 @@
     </p:spTree>
     <p:extLst>
       <p:ext uri="{BB962C8B-B14F-4D97-AF65-F5344CB8AC3E}">
-        <p14:creationId xmlns:p14="http://schemas.microsoft.com/office/powerpoint/2010/main" val="1652307568"/>
+        <p14:creationId xmlns:p14="http://schemas.microsoft.com/office/powerpoint/2010/main" val="900757385"/>
       </p:ext>
     </p:extLst>
   </p:cSld>
@@ -8167,8 +10444,8 @@
         </p:nvSpPr>
         <p:spPr>
           <a:xfrm>
-            <a:off x="838200" y="510988"/>
-            <a:ext cx="10515600" cy="559100"/>
+            <a:off x="838200" y="502023"/>
+            <a:ext cx="10515600" cy="577175"/>
           </a:xfrm>
         </p:spPr>
         <p:txBody>
@@ -8201,6 +10478,35 @@
           </a:p>
         </p:txBody>
       </p:sp>
+      <p:pic>
+        <p:nvPicPr>
+          <p:cNvPr id="6" name="Рисунок 5"/>
+          <p:cNvPicPr/>
+          <p:nvPr/>
+        </p:nvPicPr>
+        <p:blipFill rotWithShape="1">
+          <a:blip r:embed="rId3"/>
+          <a:srcRect t="543" b="482"/>
+          <a:stretch/>
+        </p:blipFill>
+        <p:spPr bwMode="auto">
+          <a:xfrm>
+            <a:off x="838201" y="1452284"/>
+            <a:ext cx="5186082" cy="3630704"/>
+          </a:xfrm>
+          <a:prstGeom prst="rect">
+            <a:avLst/>
+          </a:prstGeom>
+          <a:ln>
+            <a:noFill/>
+          </a:ln>
+          <a:extLst>
+            <a:ext uri="{53640926-AAD7-44D8-BBD7-CCE9431645EC}">
+              <a14:shadowObscured xmlns:a14="http://schemas.microsoft.com/office/drawing/2010/main"/>
+            </a:ext>
+          </a:extLst>
+        </p:spPr>
+      </p:pic>
       <p:sp>
         <p:nvSpPr>
           <p:cNvPr id="3" name="TextBox 2"/>
@@ -8209,8 +10515,8 @@
         </p:nvSpPr>
         <p:spPr>
           <a:xfrm>
-            <a:off x="838200" y="3081216"/>
-            <a:ext cx="4746813" cy="646331"/>
+            <a:off x="851647" y="5018457"/>
+            <a:ext cx="5244353" cy="369332"/>
           </a:xfrm>
           <a:prstGeom prst="rect">
             <a:avLst/>
@@ -8225,102 +10531,30 @@
           <a:p>
             <a:pPr algn="ctr"/>
             <a:r>
-              <a:rPr lang="ru-RU" dirty="0">
-                <a:solidFill>
-                  <a:schemeClr val="tx1">
-                    <a:lumMod val="75000"/>
-                    <a:lumOff val="25000"/>
-                  </a:schemeClr>
-                </a:solidFill>
-              </a:rPr>
-              <a:t>Временная характеристика напряжения на нагрузке при уровне диммирования 50%</a:t>
-            </a:r>
-          </a:p>
-        </p:txBody>
-      </p:sp>
-      <p:sp>
-        <p:nvSpPr>
-          <p:cNvPr id="4" name="TextBox 3"/>
-          <p:cNvSpPr txBox="1"/>
-          <p:nvPr/>
-        </p:nvSpPr>
-        <p:spPr>
-          <a:xfrm>
-            <a:off x="6367182" y="3107740"/>
-            <a:ext cx="5226424" cy="646331"/>
-          </a:xfrm>
-          <a:prstGeom prst="rect">
-            <a:avLst/>
-          </a:prstGeom>
-          <a:noFill/>
-        </p:spPr>
-        <p:txBody>
-          <a:bodyPr wrap="square" rtlCol="0">
-            <a:spAutoFit/>
-          </a:bodyPr>
-          <a:lstStyle/>
-          <a:p>
-            <a:pPr algn="ctr"/>
-            <a:r>
-              <a:rPr lang="ru-RU" dirty="0">
-                <a:solidFill>
-                  <a:schemeClr val="tx1">
-                    <a:lumMod val="75000"/>
-                    <a:lumOff val="25000"/>
-                  </a:schemeClr>
-                </a:solidFill>
-              </a:rPr>
-              <a:t>Временная характеристика напряжения на нагрузке при уровне диммирования 100%</a:t>
-            </a:r>
+              <a:rPr lang="ru-RU" dirty="0" smtClean="0">
+                <a:solidFill>
+                  <a:schemeClr val="tx1">
+                    <a:lumMod val="75000"/>
+                    <a:lumOff val="25000"/>
+                  </a:schemeClr>
+                </a:solidFill>
+              </a:rPr>
+              <a:t>Принципиальная электрическая схема устройства</a:t>
+            </a:r>
+            <a:endParaRPr lang="ru-RU" dirty="0">
+              <a:solidFill>
+                <a:schemeClr val="tx1">
+                  <a:lumMod val="75000"/>
+                  <a:lumOff val="25000"/>
+                </a:schemeClr>
+              </a:solidFill>
+            </a:endParaRPr>
           </a:p>
         </p:txBody>
       </p:sp>
       <p:pic>
         <p:nvPicPr>
-          <p:cNvPr id="7" name="Рисунок 6"/>
-          <p:cNvPicPr/>
-          <p:nvPr/>
-        </p:nvPicPr>
-        <p:blipFill rotWithShape="1">
-          <a:blip r:embed="rId2"/>
-          <a:srcRect t="817" b="1390"/>
-          <a:stretch/>
-        </p:blipFill>
-        <p:spPr>
-          <a:xfrm>
-            <a:off x="838200" y="1228165"/>
-            <a:ext cx="4746813" cy="1828800"/>
-          </a:xfrm>
-          <a:prstGeom prst="rect">
-            <a:avLst/>
-          </a:prstGeom>
-        </p:spPr>
-      </p:pic>
-      <p:pic>
-        <p:nvPicPr>
-          <p:cNvPr id="9" name="Рисунок 8"/>
-          <p:cNvPicPr/>
-          <p:nvPr/>
-        </p:nvPicPr>
-        <p:blipFill>
-          <a:blip r:embed="rId3"/>
-          <a:stretch>
-            <a:fillRect/>
-          </a:stretch>
-        </p:blipFill>
-        <p:spPr>
-          <a:xfrm>
-            <a:off x="6606988" y="1212894"/>
-            <a:ext cx="4746812" cy="1829435"/>
-          </a:xfrm>
-          <a:prstGeom prst="rect">
-            <a:avLst/>
-          </a:prstGeom>
-        </p:spPr>
-      </p:pic>
-      <p:pic>
-        <p:nvPicPr>
-          <p:cNvPr id="10" name="Рисунок 9"/>
+          <p:cNvPr id="8" name="Рисунок 7"/>
           <p:cNvPicPr/>
           <p:nvPr/>
         </p:nvPicPr>
@@ -8332,8 +10566,8 @@
         </p:blipFill>
         <p:spPr>
           <a:xfrm>
-            <a:off x="3722594" y="3909781"/>
-            <a:ext cx="4746812" cy="1860550"/>
+            <a:off x="6285632" y="1961618"/>
+            <a:ext cx="5274142" cy="2612036"/>
           </a:xfrm>
           <a:prstGeom prst="rect">
             <a:avLst/>
@@ -8342,14 +10576,14 @@
       </p:pic>
       <p:sp>
         <p:nvSpPr>
-          <p:cNvPr id="5" name="TextBox 4"/>
+          <p:cNvPr id="4" name="TextBox 3"/>
           <p:cNvSpPr txBox="1"/>
           <p:nvPr/>
         </p:nvSpPr>
         <p:spPr>
           <a:xfrm>
-            <a:off x="3722594" y="5836673"/>
-            <a:ext cx="4746812" cy="646331"/>
+            <a:off x="6333350" y="5018457"/>
+            <a:ext cx="5226424" cy="646331"/>
           </a:xfrm>
           <a:prstGeom prst="rect">
             <a:avLst/>
@@ -8372,7 +10606,7 @@
                   </a:schemeClr>
                 </a:solidFill>
               </a:rPr>
-              <a:t>Временная характеристика напряжения на нагрузке при уровне диммирования 0%</a:t>
+              <a:t>Выходная временная характеристика напряжения на выходе детектора перехода через ноль</a:t>
             </a:r>
           </a:p>
         </p:txBody>
@@ -8380,7 +10614,7 @@
     </p:spTree>
     <p:extLst>
       <p:ext uri="{BB962C8B-B14F-4D97-AF65-F5344CB8AC3E}">
-        <p14:creationId xmlns:p14="http://schemas.microsoft.com/office/powerpoint/2010/main" val="900757385"/>
+        <p14:creationId xmlns:p14="http://schemas.microsoft.com/office/powerpoint/2010/main" val="1652307568"/>
       </p:ext>
     </p:extLst>
   </p:cSld>
@@ -8656,4 +10890,265 @@
     </a:ext>
   </a:extLst>
 </a:theme>
+</file>
+
+<file path=ppt/theme/theme2.xml><?xml version="1.0" encoding="utf-8"?>
+<a:theme xmlns:a="http://schemas.openxmlformats.org/drawingml/2006/main" name="Тема Office">
+  <a:themeElements>
+    <a:clrScheme name="Стандартная">
+      <a:dk1>
+        <a:sysClr val="windowText" lastClr="000000"/>
+      </a:dk1>
+      <a:lt1>
+        <a:sysClr val="window" lastClr="FFFFFF"/>
+      </a:lt1>
+      <a:dk2>
+        <a:srgbClr val="44546A"/>
+      </a:dk2>
+      <a:lt2>
+        <a:srgbClr val="E7E6E6"/>
+      </a:lt2>
+      <a:accent1>
+        <a:srgbClr val="5B9BD5"/>
+      </a:accent1>
+      <a:accent2>
+        <a:srgbClr val="ED7D31"/>
+      </a:accent2>
+      <a:accent3>
+        <a:srgbClr val="A5A5A5"/>
+      </a:accent3>
+      <a:accent4>
+        <a:srgbClr val="FFC000"/>
+      </a:accent4>
+      <a:accent5>
+        <a:srgbClr val="4472C4"/>
+      </a:accent5>
+      <a:accent6>
+        <a:srgbClr val="70AD47"/>
+      </a:accent6>
+      <a:hlink>
+        <a:srgbClr val="0563C1"/>
+      </a:hlink>
+      <a:folHlink>
+        <a:srgbClr val="954F72"/>
+      </a:folHlink>
+    </a:clrScheme>
+    <a:fontScheme name="Стандартная">
+      <a:majorFont>
+        <a:latin typeface="Calibri Light" panose="020F0302020204030204"/>
+        <a:ea typeface=""/>
+        <a:cs typeface=""/>
+        <a:font script="Jpan" typeface="游ゴシック Light"/>
+        <a:font script="Hang" typeface="맑은 고딕"/>
+        <a:font script="Hans" typeface="等线 Light"/>
+        <a:font script="Hant" typeface="新細明體"/>
+        <a:font script="Arab" typeface="Times New Roman"/>
+        <a:font script="Hebr" typeface="Times New Roman"/>
+        <a:font script="Thai" typeface="Angsana New"/>
+        <a:font script="Ethi" typeface="Nyala"/>
+        <a:font script="Beng" typeface="Vrinda"/>
+        <a:font script="Gujr" typeface="Shruti"/>
+        <a:font script="Khmr" typeface="MoolBoran"/>
+        <a:font script="Knda" typeface="Tunga"/>
+        <a:font script="Guru" typeface="Raavi"/>
+        <a:font script="Cans" typeface="Euphemia"/>
+        <a:font script="Cher" typeface="Plantagenet Cherokee"/>
+        <a:font script="Yiii" typeface="Microsoft Yi Baiti"/>
+        <a:font script="Tibt" typeface="Microsoft Himalaya"/>
+        <a:font script="Thaa" typeface="MV Boli"/>
+        <a:font script="Deva" typeface="Mangal"/>
+        <a:font script="Telu" typeface="Gautami"/>
+        <a:font script="Taml" typeface="Latha"/>
+        <a:font script="Syrc" typeface="Estrangelo Edessa"/>
+        <a:font script="Orya" typeface="Kalinga"/>
+        <a:font script="Mlym" typeface="Kartika"/>
+        <a:font script="Laoo" typeface="DokChampa"/>
+        <a:font script="Sinh" typeface="Iskoola Pota"/>
+        <a:font script="Mong" typeface="Mongolian Baiti"/>
+        <a:font script="Viet" typeface="Times New Roman"/>
+        <a:font script="Uigh" typeface="Microsoft Uighur"/>
+        <a:font script="Geor" typeface="Sylfaen"/>
+      </a:majorFont>
+      <a:minorFont>
+        <a:latin typeface="Calibri" panose="020F0502020204030204"/>
+        <a:ea typeface=""/>
+        <a:cs typeface=""/>
+        <a:font script="Jpan" typeface="游ゴシック"/>
+        <a:font script="Hang" typeface="맑은 고딕"/>
+        <a:font script="Hans" typeface="等线"/>
+        <a:font script="Hant" typeface="新細明體"/>
+        <a:font script="Arab" typeface="Arial"/>
+        <a:font script="Hebr" typeface="Arial"/>
+        <a:font script="Thai" typeface="Cordia New"/>
+        <a:font script="Ethi" typeface="Nyala"/>
+        <a:font script="Beng" typeface="Vrinda"/>
+        <a:font script="Gujr" typeface="Shruti"/>
+        <a:font script="Khmr" typeface="DaunPenh"/>
+        <a:font script="Knda" typeface="Tunga"/>
+        <a:font script="Guru" typeface="Raavi"/>
+        <a:font script="Cans" typeface="Euphemia"/>
+        <a:font script="Cher" typeface="Plantagenet Cherokee"/>
+        <a:font script="Yiii" typeface="Microsoft Yi Baiti"/>
+        <a:font script="Tibt" typeface="Microsoft Himalaya"/>
+        <a:font script="Thaa" typeface="MV Boli"/>
+        <a:font script="Deva" typeface="Mangal"/>
+        <a:font script="Telu" typeface="Gautami"/>
+        <a:font script="Taml" typeface="Latha"/>
+        <a:font script="Syrc" typeface="Estrangelo Edessa"/>
+        <a:font script="Orya" typeface="Kalinga"/>
+        <a:font script="Mlym" typeface="Kartika"/>
+        <a:font script="Laoo" typeface="DokChampa"/>
+        <a:font script="Sinh" typeface="Iskoola Pota"/>
+        <a:font script="Mong" typeface="Mongolian Baiti"/>
+        <a:font script="Viet" typeface="Arial"/>
+        <a:font script="Uigh" typeface="Microsoft Uighur"/>
+        <a:font script="Geor" typeface="Sylfaen"/>
+      </a:minorFont>
+    </a:fontScheme>
+    <a:fmtScheme name="Стандартная">
+      <a:fillStyleLst>
+        <a:solidFill>
+          <a:schemeClr val="phClr"/>
+        </a:solidFill>
+        <a:gradFill rotWithShape="1">
+          <a:gsLst>
+            <a:gs pos="0">
+              <a:schemeClr val="phClr">
+                <a:lumMod val="110000"/>
+                <a:satMod val="105000"/>
+                <a:tint val="67000"/>
+              </a:schemeClr>
+            </a:gs>
+            <a:gs pos="50000">
+              <a:schemeClr val="phClr">
+                <a:lumMod val="105000"/>
+                <a:satMod val="103000"/>
+                <a:tint val="73000"/>
+              </a:schemeClr>
+            </a:gs>
+            <a:gs pos="100000">
+              <a:schemeClr val="phClr">
+                <a:lumMod val="105000"/>
+                <a:satMod val="109000"/>
+                <a:tint val="81000"/>
+              </a:schemeClr>
+            </a:gs>
+          </a:gsLst>
+          <a:lin ang="5400000" scaled="0"/>
+        </a:gradFill>
+        <a:gradFill rotWithShape="1">
+          <a:gsLst>
+            <a:gs pos="0">
+              <a:schemeClr val="phClr">
+                <a:satMod val="103000"/>
+                <a:lumMod val="102000"/>
+                <a:tint val="94000"/>
+              </a:schemeClr>
+            </a:gs>
+            <a:gs pos="50000">
+              <a:schemeClr val="phClr">
+                <a:satMod val="110000"/>
+                <a:lumMod val="100000"/>
+                <a:shade val="100000"/>
+              </a:schemeClr>
+            </a:gs>
+            <a:gs pos="100000">
+              <a:schemeClr val="phClr">
+                <a:lumMod val="99000"/>
+                <a:satMod val="120000"/>
+                <a:shade val="78000"/>
+              </a:schemeClr>
+            </a:gs>
+          </a:gsLst>
+          <a:lin ang="5400000" scaled="0"/>
+        </a:gradFill>
+      </a:fillStyleLst>
+      <a:lnStyleLst>
+        <a:ln w="6350" cap="flat" cmpd="sng" algn="ctr">
+          <a:solidFill>
+            <a:schemeClr val="phClr"/>
+          </a:solidFill>
+          <a:prstDash val="solid"/>
+          <a:miter lim="800000"/>
+        </a:ln>
+        <a:ln w="12700" cap="flat" cmpd="sng" algn="ctr">
+          <a:solidFill>
+            <a:schemeClr val="phClr"/>
+          </a:solidFill>
+          <a:prstDash val="solid"/>
+          <a:miter lim="800000"/>
+        </a:ln>
+        <a:ln w="19050" cap="flat" cmpd="sng" algn="ctr">
+          <a:solidFill>
+            <a:schemeClr val="phClr"/>
+          </a:solidFill>
+          <a:prstDash val="solid"/>
+          <a:miter lim="800000"/>
+        </a:ln>
+      </a:lnStyleLst>
+      <a:effectStyleLst>
+        <a:effectStyle>
+          <a:effectLst/>
+        </a:effectStyle>
+        <a:effectStyle>
+          <a:effectLst/>
+        </a:effectStyle>
+        <a:effectStyle>
+          <a:effectLst>
+            <a:outerShdw blurRad="57150" dist="19050" dir="5400000" algn="ctr" rotWithShape="0">
+              <a:srgbClr val="000000">
+                <a:alpha val="63000"/>
+              </a:srgbClr>
+            </a:outerShdw>
+          </a:effectLst>
+        </a:effectStyle>
+      </a:effectStyleLst>
+      <a:bgFillStyleLst>
+        <a:solidFill>
+          <a:schemeClr val="phClr"/>
+        </a:solidFill>
+        <a:solidFill>
+          <a:schemeClr val="phClr">
+            <a:tint val="95000"/>
+            <a:satMod val="170000"/>
+          </a:schemeClr>
+        </a:solidFill>
+        <a:gradFill rotWithShape="1">
+          <a:gsLst>
+            <a:gs pos="0">
+              <a:schemeClr val="phClr">
+                <a:tint val="93000"/>
+                <a:satMod val="150000"/>
+                <a:shade val="98000"/>
+                <a:lumMod val="102000"/>
+              </a:schemeClr>
+            </a:gs>
+            <a:gs pos="50000">
+              <a:schemeClr val="phClr">
+                <a:tint val="98000"/>
+                <a:satMod val="130000"/>
+                <a:shade val="90000"/>
+                <a:lumMod val="103000"/>
+              </a:schemeClr>
+            </a:gs>
+            <a:gs pos="100000">
+              <a:schemeClr val="phClr">
+                <a:shade val="63000"/>
+                <a:satMod val="120000"/>
+              </a:schemeClr>
+            </a:gs>
+          </a:gsLst>
+          <a:lin ang="5400000" scaled="0"/>
+        </a:gradFill>
+      </a:bgFillStyleLst>
+    </a:fmtScheme>
+  </a:themeElements>
+  <a:objectDefaults/>
+  <a:extraClrSchemeLst/>
+  <a:extLst>
+    <a:ext uri="{05A4C25C-085E-4340-85A3-A5531E510DB2}">
+      <thm15:themeFamily xmlns:thm15="http://schemas.microsoft.com/office/thememl/2012/main" name="Office Theme" id="{62F939B6-93AF-4DB8-9C6B-D6C7DFDC589F}" vid="{4A3C46E8-61CC-4603-A589-7422A47A8E4A}"/>
+    </a:ext>
+  </a:extLst>
+</a:theme>
 </file>
--- a/Презентация1.pptx
+++ b/Презентация1.pptx
@@ -1217,7 +1217,55 @@
                 <a:ea typeface="+mn-ea"/>
                 <a:cs typeface="+mn-cs"/>
               </a:rPr>
-              <a:t>Прежде чем преступить к разработке узлов киберфизической системы был проведен обзор и анализ решений производителей. Для сравнения были выбраны крупные производители систем «Умный дом» в арсенале которых есть решения по управлению осветительными приборами сети 220В. </a:t>
+              <a:t>Прежде чем преступить к разработке узлов киберфизической системы был проведен обзор и анализ решений производителей. Для сравнения были выбраны крупные производители </a:t>
+            </a:r>
+            <a:r>
+              <a:rPr lang="ru-RU" sz="1200" kern="1200" dirty="0" smtClean="0">
+                <a:solidFill>
+                  <a:schemeClr val="tx1"/>
+                </a:solidFill>
+                <a:effectLst/>
+                <a:latin typeface="+mn-lt"/>
+                <a:ea typeface="+mn-ea"/>
+                <a:cs typeface="+mn-cs"/>
+              </a:rPr>
+              <a:t>в </a:t>
+            </a:r>
+            <a:r>
+              <a:rPr lang="ru-RU" sz="1200" kern="1200" dirty="0" smtClean="0">
+                <a:solidFill>
+                  <a:schemeClr val="tx1"/>
+                </a:solidFill>
+                <a:effectLst/>
+                <a:latin typeface="+mn-lt"/>
+                <a:ea typeface="+mn-ea"/>
+                <a:cs typeface="+mn-cs"/>
+              </a:rPr>
+              <a:t>арсенале которых есть </a:t>
+            </a:r>
+            <a:r>
+              <a:rPr lang="ru-RU" sz="1200" kern="1200" dirty="0" smtClean="0">
+                <a:solidFill>
+                  <a:schemeClr val="tx1"/>
+                </a:solidFill>
+                <a:effectLst/>
+                <a:latin typeface="+mn-lt"/>
+                <a:ea typeface="+mn-ea"/>
+                <a:cs typeface="+mn-cs"/>
+              </a:rPr>
+              <a:t>устройства управления </a:t>
+            </a:r>
+            <a:r>
+              <a:rPr lang="ru-RU" sz="1200" kern="1200" dirty="0" smtClean="0">
+                <a:solidFill>
+                  <a:schemeClr val="tx1"/>
+                </a:solidFill>
+                <a:effectLst/>
+                <a:latin typeface="+mn-lt"/>
+                <a:ea typeface="+mn-ea"/>
+                <a:cs typeface="+mn-cs"/>
+              </a:rPr>
+              <a:t>осветительными приборами сети 220В. </a:t>
             </a:r>
             <a:r>
               <a:rPr lang="en-US" sz="1200" kern="1200" dirty="0" err="1" smtClean="0">
@@ -1880,7 +1928,31 @@
                 <a:ea typeface="+mn-ea"/>
                 <a:cs typeface="+mn-cs"/>
               </a:rPr>
-              <a:t>Для регулирования мощности нагрузки была спроектирована следующая функциональная схема. Она работает следующим образом: микроконтроллер узнает о начале синуса напряжения сети от детектора перехода через ноль, выполняет подключение нагрузки к сети с помощью силового ключа переменного тока. Через определенный промежуток времени микроконтроллер закрывает силовой ключ, и коммутация нагрузки питающим напряжением прекращается.</a:t>
+              <a:t>Для регулирования мощности нагрузки была </a:t>
+            </a:r>
+            <a:r>
+              <a:rPr lang="ru-RU" sz="1200" kern="1200" dirty="0" smtClean="0">
+                <a:solidFill>
+                  <a:schemeClr val="tx1"/>
+                </a:solidFill>
+                <a:effectLst/>
+                <a:latin typeface="+mn-lt"/>
+                <a:ea typeface="+mn-ea"/>
+                <a:cs typeface="+mn-cs"/>
+              </a:rPr>
+              <a:t>спроектирована </a:t>
+            </a:r>
+            <a:r>
+              <a:rPr lang="ru-RU" sz="1200" kern="1200" dirty="0" smtClean="0">
+                <a:solidFill>
+                  <a:schemeClr val="tx1"/>
+                </a:solidFill>
+                <a:effectLst/>
+                <a:latin typeface="+mn-lt"/>
+                <a:ea typeface="+mn-ea"/>
+                <a:cs typeface="+mn-cs"/>
+              </a:rPr>
+              <a:t>функциональная схема. Она работает следующим образом: микроконтроллер узнает о начале синуса напряжения сети от детектора перехода через ноль, выполняет подключение нагрузки к сети с помощью силового ключа переменного тока. Через определенный промежуток времени микроконтроллер закрывает силовой ключ, и коммутация нагрузки питающим напряжением прекращается.</a:t>
             </a:r>
           </a:p>
           <a:p>
@@ -5457,6 +5529,18 @@
   <p:clrMapOvr>
     <a:masterClrMapping/>
   </p:clrMapOvr>
+  <mc:AlternateContent xmlns:mc="http://schemas.openxmlformats.org/markup-compatibility/2006">
+    <mc:Choice xmlns:p14="http://schemas.microsoft.com/office/powerpoint/2010/main" Requires="p14">
+      <p:transition spd="med" p14:dur="700">
+        <p:fade/>
+      </p:transition>
+    </mc:Choice>
+    <mc:Fallback>
+      <p:transition spd="med">
+        <p:fade/>
+      </p:transition>
+    </mc:Fallback>
+  </mc:AlternateContent>
   <p:timing>
     <p:tnLst>
       <p:par>
@@ -5702,6 +5786,18 @@
   <p:clrMapOvr>
     <a:masterClrMapping/>
   </p:clrMapOvr>
+  <mc:AlternateContent xmlns:mc="http://schemas.openxmlformats.org/markup-compatibility/2006">
+    <mc:Choice xmlns:p14="http://schemas.microsoft.com/office/powerpoint/2010/main" Requires="p14">
+      <p:transition spd="med" p14:dur="700">
+        <p:fade/>
+      </p:transition>
+    </mc:Choice>
+    <mc:Fallback>
+      <p:transition spd="med">
+        <p:fade/>
+      </p:transition>
+    </mc:Fallback>
+  </mc:AlternateContent>
   <p:timing>
     <p:tnLst>
       <p:par>
@@ -6007,6 +6103,18 @@
   <p:clrMapOvr>
     <a:masterClrMapping/>
   </p:clrMapOvr>
+  <mc:AlternateContent xmlns:mc="http://schemas.openxmlformats.org/markup-compatibility/2006">
+    <mc:Choice xmlns:p14="http://schemas.microsoft.com/office/powerpoint/2010/main" Requires="p14">
+      <p:transition spd="med" p14:dur="700">
+        <p:fade/>
+      </p:transition>
+    </mc:Choice>
+    <mc:Fallback>
+      <p:transition spd="med">
+        <p:fade/>
+      </p:transition>
+    </mc:Fallback>
+  </mc:AlternateContent>
   <p:timing>
     <p:tnLst>
       <p:par>
@@ -6356,6 +6464,18 @@
   <p:clrMapOvr>
     <a:masterClrMapping/>
   </p:clrMapOvr>
+  <mc:AlternateContent xmlns:mc="http://schemas.openxmlformats.org/markup-compatibility/2006">
+    <mc:Choice xmlns:p14="http://schemas.microsoft.com/office/powerpoint/2010/main" Requires="p14">
+      <p:transition spd="med" p14:dur="700">
+        <p:fade/>
+      </p:transition>
+    </mc:Choice>
+    <mc:Fallback>
+      <p:transition spd="med">
+        <p:fade/>
+      </p:transition>
+    </mc:Fallback>
+  </mc:AlternateContent>
   <p:timing>
     <p:tnLst>
       <p:par>
@@ -6446,6 +6566,18 @@
   <p:clrMapOvr>
     <a:masterClrMapping/>
   </p:clrMapOvr>
+  <mc:AlternateContent xmlns:mc="http://schemas.openxmlformats.org/markup-compatibility/2006">
+    <mc:Choice xmlns:p14="http://schemas.microsoft.com/office/powerpoint/2010/main" Requires="p14">
+      <p:transition spd="med" p14:dur="700">
+        <p:fade/>
+      </p:transition>
+    </mc:Choice>
+    <mc:Fallback>
+      <p:transition spd="med">
+        <p:fade/>
+      </p:transition>
+    </mc:Fallback>
+  </mc:AlternateContent>
   <p:timing>
     <p:tnLst>
       <p:par>
@@ -6837,6 +6969,18 @@
   <p:clrMapOvr>
     <a:masterClrMapping/>
   </p:clrMapOvr>
+  <mc:AlternateContent xmlns:mc="http://schemas.openxmlformats.org/markup-compatibility/2006">
+    <mc:Choice xmlns:p14="http://schemas.microsoft.com/office/powerpoint/2010/main" Requires="p14">
+      <p:transition spd="med" p14:dur="700">
+        <p:fade/>
+      </p:transition>
+    </mc:Choice>
+    <mc:Fallback>
+      <p:transition spd="med">
+        <p:fade/>
+      </p:transition>
+    </mc:Fallback>
+  </mc:AlternateContent>
   <p:timing>
     <p:tnLst>
       <p:par>
@@ -7183,6 +7327,18 @@
   <p:clrMapOvr>
     <a:masterClrMapping/>
   </p:clrMapOvr>
+  <mc:AlternateContent xmlns:mc="http://schemas.openxmlformats.org/markup-compatibility/2006">
+    <mc:Choice xmlns:p14="http://schemas.microsoft.com/office/powerpoint/2010/main" Requires="p14">
+      <p:transition spd="med" p14:dur="700">
+        <p:fade/>
+      </p:transition>
+    </mc:Choice>
+    <mc:Fallback>
+      <p:transition spd="med">
+        <p:fade/>
+      </p:transition>
+    </mc:Fallback>
+  </mc:AlternateContent>
   <p:timing>
     <p:tnLst>
       <p:par>
@@ -9011,6 +9167,18 @@
   <p:clrMapOvr>
     <a:masterClrMapping/>
   </p:clrMapOvr>
+  <mc:AlternateContent xmlns:mc="http://schemas.openxmlformats.org/markup-compatibility/2006">
+    <mc:Choice xmlns:p14="http://schemas.microsoft.com/office/powerpoint/2010/main" Requires="p14">
+      <p:transition spd="med" p14:dur="700">
+        <p:fade/>
+      </p:transition>
+    </mc:Choice>
+    <mc:Fallback>
+      <p:transition spd="med">
+        <p:fade/>
+      </p:transition>
+    </mc:Fallback>
+  </mc:AlternateContent>
   <p:timing>
     <p:tnLst>
       <p:par>
@@ -9196,18 +9364,7 @@
                   </a:schemeClr>
                 </a:solidFill>
               </a:rPr>
-              <a:t>дом</a:t>
-            </a:r>
-            <a:r>
-              <a:rPr lang="ru-RU" sz="1800" smtClean="0">
-                <a:solidFill>
-                  <a:schemeClr val="tx1">
-                    <a:lumMod val="75000"/>
-                    <a:lumOff val="25000"/>
-                  </a:schemeClr>
-                </a:solidFill>
-              </a:rPr>
-              <a:t>».</a:t>
+              <a:t>дом».</a:t>
             </a:r>
             <a:endParaRPr lang="ru-RU" sz="1800" dirty="0" smtClean="0">
               <a:solidFill>
@@ -9368,6 +9525,18 @@
   <p:clrMapOvr>
     <a:masterClrMapping/>
   </p:clrMapOvr>
+  <mc:AlternateContent xmlns:mc="http://schemas.openxmlformats.org/markup-compatibility/2006">
+    <mc:Choice xmlns:p14="http://schemas.microsoft.com/office/powerpoint/2010/main" Requires="p14">
+      <p:transition spd="med" p14:dur="700">
+        <p:fade/>
+      </p:transition>
+    </mc:Choice>
+    <mc:Fallback>
+      <p:transition spd="med">
+        <p:fade/>
+      </p:transition>
+    </mc:Fallback>
+  </mc:AlternateContent>
   <p:timing>
     <p:tnLst>
       <p:par>
@@ -9760,6 +9929,18 @@
   <p:clrMapOvr>
     <a:masterClrMapping/>
   </p:clrMapOvr>
+  <mc:AlternateContent xmlns:mc="http://schemas.openxmlformats.org/markup-compatibility/2006">
+    <mc:Choice xmlns:p14="http://schemas.microsoft.com/office/powerpoint/2010/main" Requires="p14">
+      <p:transition spd="med" p14:dur="700">
+        <p:fade/>
+      </p:transition>
+    </mc:Choice>
+    <mc:Fallback>
+      <p:transition spd="med">
+        <p:fade/>
+      </p:transition>
+    </mc:Fallback>
+  </mc:AlternateContent>
   <p:timing>
     <p:tnLst>
       <p:par>
@@ -10146,6 +10327,18 @@
   <p:clrMapOvr>
     <a:masterClrMapping/>
   </p:clrMapOvr>
+  <mc:AlternateContent xmlns:mc="http://schemas.openxmlformats.org/markup-compatibility/2006">
+    <mc:Choice xmlns:p14="http://schemas.microsoft.com/office/powerpoint/2010/main" Requires="p14">
+      <p:transition spd="med" p14:dur="700">
+        <p:fade/>
+      </p:transition>
+    </mc:Choice>
+    <mc:Fallback>
+      <p:transition spd="med">
+        <p:fade/>
+      </p:transition>
+    </mc:Fallback>
+  </mc:AlternateContent>
   <p:timing>
     <p:tnLst>
       <p:par>
@@ -10405,6 +10598,18 @@
   <p:clrMapOvr>
     <a:masterClrMapping/>
   </p:clrMapOvr>
+  <mc:AlternateContent xmlns:mc="http://schemas.openxmlformats.org/markup-compatibility/2006">
+    <mc:Choice xmlns:p14="http://schemas.microsoft.com/office/powerpoint/2010/main" Requires="p14">
+      <p:transition spd="med" p14:dur="700">
+        <p:fade/>
+      </p:transition>
+    </mc:Choice>
+    <mc:Fallback>
+      <p:transition spd="med">
+        <p:fade/>
+      </p:transition>
+    </mc:Fallback>
+  </mc:AlternateContent>
   <p:timing>
     <p:tnLst>
       <p:par>
@@ -10621,6 +10826,18 @@
   <p:clrMapOvr>
     <a:masterClrMapping/>
   </p:clrMapOvr>
+  <mc:AlternateContent xmlns:mc="http://schemas.openxmlformats.org/markup-compatibility/2006">
+    <mc:Choice xmlns:p14="http://schemas.microsoft.com/office/powerpoint/2010/main" Requires="p14">
+      <p:transition spd="med" p14:dur="700">
+        <p:fade/>
+      </p:transition>
+    </mc:Choice>
+    <mc:Fallback>
+      <p:transition spd="med">
+        <p:fade/>
+      </p:transition>
+    </mc:Fallback>
+  </mc:AlternateContent>
   <p:timing>
     <p:tnLst>
       <p:par>

--- a/Презентация1.pptx
+++ b/Презентация1.pptx
@@ -1,26 +1,25 @@
 
 <file path=ppt/presentation.xml><?xml version="1.0" encoding="utf-8"?>
-<p:presentation xmlns:a="http://schemas.openxmlformats.org/drawingml/2006/main" xmlns:r="http://schemas.openxmlformats.org/officeDocument/2006/relationships" xmlns:p="http://schemas.openxmlformats.org/presentationml/2006/main" saveSubsetFonts="1">
+<p:presentation xmlns:a="http://schemas.openxmlformats.org/drawingml/2006/main" xmlns:r="http://schemas.openxmlformats.org/officeDocument/2006/relationships" xmlns:p="http://schemas.openxmlformats.org/presentationml/2006/main" showSpecialPlsOnTitleSld="0" saveSubsetFonts="1">
   <p:sldMasterIdLst>
     <p:sldMasterId id="2147483648" r:id="rId1"/>
   </p:sldMasterIdLst>
   <p:notesMasterIdLst>
-    <p:notesMasterId r:id="rId15"/>
+    <p:notesMasterId r:id="rId14"/>
   </p:notesMasterIdLst>
   <p:sldIdLst>
     <p:sldId id="256" r:id="rId2"/>
-    <p:sldId id="271" r:id="rId3"/>
-    <p:sldId id="258" r:id="rId4"/>
-    <p:sldId id="260" r:id="rId5"/>
-    <p:sldId id="259" r:id="rId6"/>
-    <p:sldId id="261" r:id="rId7"/>
-    <p:sldId id="263" r:id="rId8"/>
-    <p:sldId id="267" r:id="rId9"/>
-    <p:sldId id="265" r:id="rId10"/>
-    <p:sldId id="268" r:id="rId11"/>
-    <p:sldId id="269" r:id="rId12"/>
-    <p:sldId id="270" r:id="rId13"/>
-    <p:sldId id="272" r:id="rId14"/>
+    <p:sldId id="258" r:id="rId3"/>
+    <p:sldId id="260" r:id="rId4"/>
+    <p:sldId id="259" r:id="rId5"/>
+    <p:sldId id="273" r:id="rId6"/>
+    <p:sldId id="263" r:id="rId7"/>
+    <p:sldId id="267" r:id="rId8"/>
+    <p:sldId id="265" r:id="rId9"/>
+    <p:sldId id="268" r:id="rId10"/>
+    <p:sldId id="269" r:id="rId11"/>
+    <p:sldId id="270" r:id="rId12"/>
+    <p:sldId id="272" r:id="rId13"/>
   </p:sldIdLst>
   <p:sldSz cx="12192000" cy="6858000"/>
   <p:notesSz cx="6858000" cy="9144000"/>
@@ -209,7 +208,7 @@
           <a:p>
             <a:fld id="{7A5B6DC8-5D0F-4387-B5A1-517A0E2F0D1E}" type="datetimeFigureOut">
               <a:rPr lang="ru-RU" smtClean="0"/>
-              <a:t>24.01.2021</a:t>
+              <a:t>25.01.2021</a:t>
             </a:fld>
             <a:endParaRPr lang="ru-RU"/>
           </a:p>
@@ -522,13 +521,45 @@
           <a:lstStyle/>
           <a:p>
             <a:r>
-              <a:rPr lang="ru-RU" dirty="0" smtClean="0"/>
-              <a:t>Презентация</a:t>
-            </a:r>
-            <a:r>
-              <a:rPr lang="ru-RU" baseline="0" dirty="0" smtClean="0"/>
-              <a:t> дипломного проектирования будет содержать следующие темы. </a:t>
-            </a:r>
+              <a:rPr lang="ru-RU" sz="1200" kern="1200" dirty="0" err="1" smtClean="0">
+                <a:solidFill>
+                  <a:schemeClr val="tx1"/>
+                </a:solidFill>
+                <a:effectLst/>
+                <a:latin typeface="+mn-lt"/>
+                <a:ea typeface="+mn-ea"/>
+                <a:cs typeface="+mn-cs"/>
+              </a:rPr>
+              <a:t>Киберфизическая</a:t>
+            </a:r>
+            <a:r>
+              <a:rPr lang="ru-RU" sz="1200" kern="1200" dirty="0" smtClean="0">
+                <a:solidFill>
+                  <a:schemeClr val="tx1"/>
+                </a:solidFill>
+                <a:effectLst/>
+                <a:latin typeface="+mn-lt"/>
+                <a:ea typeface="+mn-ea"/>
+                <a:cs typeface="+mn-cs"/>
+              </a:rPr>
+              <a:t> система - информационно-технологическая система сбора и хранения информации об объектах окружающей среды, и осуществляющая контроль за показателями электронных устройств, взаимодействующих с физическим миром.</a:t>
+            </a:r>
+          </a:p>
+          <a:p>
+            <a:r>
+              <a:rPr lang="ru-RU" sz="1200" kern="1200" dirty="0" smtClean="0">
+                <a:solidFill>
+                  <a:schemeClr val="tx1"/>
+                </a:solidFill>
+                <a:effectLst/>
+                <a:latin typeface="+mn-lt"/>
+                <a:ea typeface="+mn-ea"/>
+                <a:cs typeface="+mn-cs"/>
+              </a:rPr>
+              <a:t>Самым частым примером киберфизической системы служит «Умный дом». Актуальность систем такого рода основывается на желании рядового пользователя упростить собственную жизнь, которое удается удовлетворить с развитием информационных и электронных технологий. Поэтому сотрудники и студенты кафедры 3 начали проектировать собственную систему «Умный дом». </a:t>
+            </a:r>
+          </a:p>
+          <a:p>
             <a:endParaRPr lang="ru-RU" dirty="0"/>
           </a:p>
         </p:txBody>
@@ -559,7 +590,7 @@
     </p:spTree>
     <p:extLst>
       <p:ext uri="{BB962C8B-B14F-4D97-AF65-F5344CB8AC3E}">
-        <p14:creationId xmlns:p14="http://schemas.microsoft.com/office/powerpoint/2010/main" val="724996734"/>
+        <p14:creationId xmlns:p14="http://schemas.microsoft.com/office/powerpoint/2010/main" val="2310132447"/>
       </p:ext>
     </p:extLst>
   </p:cSld>
@@ -623,10 +654,10 @@
                 <a:ea typeface="+mn-ea"/>
                 <a:cs typeface="+mn-cs"/>
               </a:rPr>
-              <a:t>Для удаленного контроля за устройствами киберфизической системы «Умный дом» был создан пользовательский </a:t>
-            </a:r>
-            <a:r>
-              <a:rPr lang="en-US" sz="1200" kern="1200" dirty="0" smtClean="0">
+              <a:t>Процесс создания свето-регулятора включал стандартный маршрут проектирования электронных устройств: от разработки функциональной схемы до сборки прототипа </a:t>
+            </a:r>
+            <a:r>
+              <a:rPr lang="ru-RU" sz="1200" kern="1200" dirty="0" smtClean="0">
                 <a:solidFill>
                   <a:schemeClr val="tx1"/>
                 </a:solidFill>
@@ -635,10 +666,10 @@
                 <a:ea typeface="+mn-ea"/>
                 <a:cs typeface="+mn-cs"/>
               </a:rPr>
-              <a:t>Web</a:t>
-            </a:r>
-            <a:r>
-              <a:rPr lang="ru-RU" sz="1200" kern="1200" dirty="0" smtClean="0">
+              <a:t>устройства,</a:t>
+            </a:r>
+            <a:r>
+              <a:rPr lang="ru-RU" sz="1200" kern="1200" baseline="0" dirty="0" smtClean="0">
                 <a:solidFill>
                   <a:schemeClr val="tx1"/>
                 </a:solidFill>
@@ -647,12 +678,10 @@
                 <a:ea typeface="+mn-ea"/>
                 <a:cs typeface="+mn-cs"/>
               </a:rPr>
-              <a:t>-интерфейс, доступный в браузере на компьютере пользователя. У каждого пользователя системы свой личный кабинет, доступ к которому осуществляется по почте и паролю.</a:t>
-            </a:r>
-          </a:p>
-          <a:p>
-            <a:r>
-              <a:rPr lang="ru-RU" sz="1200" kern="1200" dirty="0" smtClean="0">
+              <a:t> </a:t>
+            </a:r>
+            <a:r>
+              <a:rPr lang="ru-RU" sz="1200" kern="1200" baseline="0" dirty="0" err="1" smtClean="0">
                 <a:solidFill>
                   <a:schemeClr val="tx1"/>
                 </a:solidFill>
@@ -661,12 +690,10 @@
                 <a:ea typeface="+mn-ea"/>
                 <a:cs typeface="+mn-cs"/>
               </a:rPr>
-              <a:t>При успешном входе пользователя встречает панель управления устройствами, сгруппированными по комнатам. Раздел комнат позволяет:</a:t>
-            </a:r>
-          </a:p>
-          <a:p>
-            <a:r>
-              <a:rPr lang="ru-RU" sz="1200" kern="1200" dirty="0" smtClean="0">
+              <a:t>удовлевторяющего</a:t>
+            </a:r>
+            <a:r>
+              <a:rPr lang="ru-RU" sz="1200" kern="1200" baseline="0" dirty="0" smtClean="0">
                 <a:solidFill>
                   <a:schemeClr val="tx1"/>
                 </a:solidFill>
@@ -675,204 +702,17 @@
                 <a:ea typeface="+mn-ea"/>
                 <a:cs typeface="+mn-cs"/>
               </a:rPr>
-              <a:t>•	менять названия комнат и устройств</a:t>
-            </a:r>
-          </a:p>
-          <a:p>
-            <a:r>
-              <a:rPr lang="ru-RU" sz="1200" kern="1200" dirty="0" smtClean="0">
-                <a:solidFill>
-                  <a:schemeClr val="tx1"/>
-                </a:solidFill>
-                <a:effectLst/>
-                <a:latin typeface="+mn-lt"/>
-                <a:ea typeface="+mn-ea"/>
-                <a:cs typeface="+mn-cs"/>
-              </a:rPr>
-              <a:t>•	переносить устройства из одной комнаты в другую</a:t>
-            </a:r>
-          </a:p>
-          <a:p>
-            <a:r>
-              <a:rPr lang="ru-RU" sz="1200" kern="1200" dirty="0" smtClean="0">
-                <a:solidFill>
-                  <a:schemeClr val="tx1"/>
-                </a:solidFill>
-                <a:effectLst/>
-                <a:latin typeface="+mn-lt"/>
-                <a:ea typeface="+mn-ea"/>
-                <a:cs typeface="+mn-cs"/>
-              </a:rPr>
-              <a:t>•	создавать новые комнаты</a:t>
-            </a:r>
-          </a:p>
-          <a:p>
-            <a:r>
-              <a:rPr lang="ru-RU" sz="1200" kern="1200" dirty="0" smtClean="0">
-                <a:solidFill>
-                  <a:schemeClr val="tx1"/>
-                </a:solidFill>
-                <a:effectLst/>
-                <a:latin typeface="+mn-lt"/>
-                <a:ea typeface="+mn-ea"/>
-                <a:cs typeface="+mn-cs"/>
-              </a:rPr>
-              <a:t>•	регулировать доступные параметры приборов. </a:t>
-            </a:r>
-          </a:p>
-          <a:p>
-            <a:r>
-              <a:rPr lang="ru-RU" sz="1200" kern="1200" dirty="0" smtClean="0">
-                <a:solidFill>
-                  <a:schemeClr val="tx1"/>
-                </a:solidFill>
-                <a:effectLst/>
-                <a:latin typeface="+mn-lt"/>
-                <a:ea typeface="+mn-ea"/>
-                <a:cs typeface="+mn-cs"/>
-              </a:rPr>
-              <a:t>На слайде показано окно регулировки яркости разработанного диммера. На примере умного диммера интерфейс позволяет изменять следующие параметры:</a:t>
-            </a:r>
-          </a:p>
-          <a:p>
-            <a:r>
-              <a:rPr lang="ru-RU" sz="1200" kern="1200" dirty="0" smtClean="0">
-                <a:solidFill>
-                  <a:schemeClr val="tx1"/>
-                </a:solidFill>
-                <a:effectLst/>
-                <a:latin typeface="+mn-lt"/>
-                <a:ea typeface="+mn-ea"/>
-                <a:cs typeface="+mn-cs"/>
-              </a:rPr>
-              <a:t>•	Яркость освещения</a:t>
-            </a:r>
-          </a:p>
-          <a:p>
-            <a:r>
-              <a:rPr lang="ru-RU" sz="1200" kern="1200" dirty="0" smtClean="0">
-                <a:solidFill>
-                  <a:schemeClr val="tx1"/>
-                </a:solidFill>
-                <a:effectLst/>
-                <a:latin typeface="+mn-lt"/>
-                <a:ea typeface="+mn-ea"/>
-                <a:cs typeface="+mn-cs"/>
-              </a:rPr>
-              <a:t>•	Режим работы (автоматический, ручной)</a:t>
-            </a:r>
-          </a:p>
-          <a:p>
-            <a:r>
-              <a:rPr lang="ru-RU" sz="1200" kern="1200" dirty="0" smtClean="0">
-                <a:solidFill>
-                  <a:schemeClr val="tx1"/>
-                </a:solidFill>
-                <a:effectLst/>
-                <a:latin typeface="+mn-lt"/>
-                <a:ea typeface="+mn-ea"/>
-                <a:cs typeface="+mn-cs"/>
-              </a:rPr>
-              <a:t>•	Рабочее состояние (включен, выключен)</a:t>
-            </a:r>
-          </a:p>
-          <a:p>
-            <a:endParaRPr lang="ru-RU" dirty="0"/>
-          </a:p>
-        </p:txBody>
-      </p:sp>
-      <p:sp>
-        <p:nvSpPr>
-          <p:cNvPr id="4" name="Номер слайда 3"/>
-          <p:cNvSpPr>
-            <a:spLocks noGrp="1"/>
-          </p:cNvSpPr>
-          <p:nvPr>
-            <p:ph type="sldNum" sz="quarter" idx="10"/>
-          </p:nvPr>
-        </p:nvSpPr>
-        <p:spPr/>
-        <p:txBody>
-          <a:bodyPr/>
-          <a:lstStyle/>
-          <a:p>
-            <a:fld id="{0A5538B8-2D98-49D1-8F38-1F11DE338709}" type="slidenum">
-              <a:rPr lang="ru-RU" smtClean="0"/>
-              <a:t>11</a:t>
-            </a:fld>
-            <a:endParaRPr lang="ru-RU"/>
-          </a:p>
-        </p:txBody>
-      </p:sp>
-    </p:spTree>
-    <p:extLst>
-      <p:ext uri="{BB962C8B-B14F-4D97-AF65-F5344CB8AC3E}">
-        <p14:creationId xmlns:p14="http://schemas.microsoft.com/office/powerpoint/2010/main" val="3856142841"/>
-      </p:ext>
-    </p:extLst>
-  </p:cSld>
-  <p:clrMapOvr>
-    <a:masterClrMapping/>
-  </p:clrMapOvr>
-</p:notes>
-</file>
-
-<file path=ppt/notesSlides/notesSlide11.xml><?xml version="1.0" encoding="utf-8"?>
-<p:notes xmlns:a="http://schemas.openxmlformats.org/drawingml/2006/main" xmlns:r="http://schemas.openxmlformats.org/officeDocument/2006/relationships" xmlns:p="http://schemas.openxmlformats.org/presentationml/2006/main">
-  <p:cSld>
-    <p:spTree>
-      <p:nvGrpSpPr>
-        <p:cNvPr id="1" name=""/>
-        <p:cNvGrpSpPr/>
-        <p:nvPr/>
-      </p:nvGrpSpPr>
-      <p:grpSpPr>
-        <a:xfrm>
-          <a:off x="0" y="0"/>
-          <a:ext cx="0" cy="0"/>
-          <a:chOff x="0" y="0"/>
-          <a:chExt cx="0" cy="0"/>
-        </a:xfrm>
-      </p:grpSpPr>
-      <p:sp>
-        <p:nvSpPr>
-          <p:cNvPr id="2" name="Образ слайда 1"/>
-          <p:cNvSpPr>
-            <a:spLocks noGrp="1" noRot="1" noChangeAspect="1"/>
-          </p:cNvSpPr>
-          <p:nvPr>
-            <p:ph type="sldImg"/>
-          </p:nvPr>
-        </p:nvSpPr>
-        <p:spPr/>
-      </p:sp>
-      <p:sp>
-        <p:nvSpPr>
-          <p:cNvPr id="3" name="Заметки 2"/>
-          <p:cNvSpPr>
-            <a:spLocks noGrp="1"/>
-          </p:cNvSpPr>
-          <p:nvPr>
-            <p:ph type="body" idx="1"/>
-          </p:nvPr>
-        </p:nvSpPr>
-        <p:spPr/>
-        <p:txBody>
-          <a:bodyPr/>
-          <a:lstStyle/>
-          <a:p>
-            <a:r>
-              <a:rPr lang="ru-RU" sz="1200" kern="1200" dirty="0" smtClean="0">
-                <a:solidFill>
-                  <a:schemeClr val="tx1"/>
-                </a:solidFill>
-                <a:effectLst/>
-                <a:latin typeface="+mn-lt"/>
-                <a:ea typeface="+mn-ea"/>
-                <a:cs typeface="+mn-cs"/>
-              </a:rPr>
-              <a:t>Процесс создания свето-регулятора включал стандартный маршрут проектирования электронных устройств: от разработки функциональной схемы до сборки прототипа устройства.</a:t>
-            </a:r>
+              <a:t> техническим требованиям.</a:t>
+            </a:r>
+            <a:endParaRPr lang="ru-RU" sz="1200" kern="1200" dirty="0" smtClean="0">
+              <a:solidFill>
+                <a:schemeClr val="tx1"/>
+              </a:solidFill>
+              <a:effectLst/>
+              <a:latin typeface="+mn-lt"/>
+              <a:ea typeface="+mn-ea"/>
+              <a:cs typeface="+mn-cs"/>
+            </a:endParaRPr>
           </a:p>
           <a:p>
             <a:r>
@@ -1003,7 +843,7 @@
           <a:p>
             <a:fld id="{0A5538B8-2D98-49D1-8F38-1F11DE338709}" type="slidenum">
               <a:rPr lang="ru-RU" smtClean="0"/>
-              <a:t>12</a:t>
+              <a:t>11</a:t>
             </a:fld>
             <a:endParaRPr lang="ru-RU"/>
           </a:p>
@@ -1066,8 +906,25 @@
           <a:bodyPr/>
           <a:lstStyle/>
           <a:p>
-            <a:r>
-              <a:rPr lang="ru-RU" sz="1200" kern="1200" dirty="0" err="1" smtClean="0">
+            <a:pPr marL="0" marR="0" lvl="0" indent="0" algn="l" defTabSz="914400" rtl="0" eaLnBrk="1" fontAlgn="auto" latinLnBrk="0" hangingPunct="1">
+              <a:lnSpc>
+                <a:spcPct val="100000"/>
+              </a:lnSpc>
+              <a:spcBef>
+                <a:spcPts val="0"/>
+              </a:spcBef>
+              <a:spcAft>
+                <a:spcPts val="0"/>
+              </a:spcAft>
+              <a:buClrTx/>
+              <a:buSzTx/>
+              <a:buFontTx/>
+              <a:buNone/>
+              <a:tabLst/>
+              <a:defRPr/>
+            </a:pPr>
+            <a:r>
+              <a:rPr lang="ru-RU" sz="1200" kern="1200" dirty="0" smtClean="0">
                 <a:solidFill>
                   <a:schemeClr val="tx1"/>
                 </a:solidFill>
@@ -1076,10 +933,10 @@
                 <a:ea typeface="+mn-ea"/>
                 <a:cs typeface="+mn-cs"/>
               </a:rPr>
-              <a:t>Киберфизическая</a:t>
-            </a:r>
-            <a:r>
-              <a:rPr lang="ru-RU" sz="1200" kern="1200" dirty="0" smtClean="0">
+              <a:t>Прежде чем преступить к разработке узлов киберфизической системы был проведен обзор и анализ решений производителей. Для сравнения были выбраны крупные производители в арсенале которых есть устройства управления осветительными приборами сети 220В. </a:t>
+            </a:r>
+            <a:r>
+              <a:rPr lang="en-US" sz="1200" kern="1200" dirty="0" err="1" smtClean="0">
                 <a:solidFill>
                   <a:schemeClr val="tx1"/>
                 </a:solidFill>
@@ -1088,10 +945,8 @@
                 <a:ea typeface="+mn-ea"/>
                 <a:cs typeface="+mn-cs"/>
               </a:rPr>
-              <a:t> система - информационно-технологическая система сбора и хранения информации об объектах окружающей среды, и осуществляющая контроль за показателями электронных устройств, взаимодействующих с физическим миром.</a:t>
-            </a:r>
-          </a:p>
-          <a:p>
+              <a:t>Fibaro</a:t>
+            </a:r>
             <a:r>
               <a:rPr lang="ru-RU" sz="1200" kern="1200" dirty="0" smtClean="0">
                 <a:solidFill>
@@ -1102,10 +957,231 @@
                 <a:ea typeface="+mn-ea"/>
                 <a:cs typeface="+mn-cs"/>
               </a:rPr>
-              <a:t>Самым частым примером киберфизической системы служит «Умный дом». Актуальность систем такого рода основывается на желании рядового пользователя упростить собственную жизнь, которое удается удовлетворить с развитием информационных и электронных технологий. Поэтому сотрудники и студенты кафедры 3 начали проектировать собственную систему «Умный дом». </a:t>
-            </a:r>
-          </a:p>
-          <a:p>
+              <a:t>, </a:t>
+            </a:r>
+            <a:r>
+              <a:rPr lang="en-US" sz="1200" kern="1200" dirty="0" smtClean="0">
+                <a:solidFill>
+                  <a:schemeClr val="tx1"/>
+                </a:solidFill>
+                <a:effectLst/>
+                <a:latin typeface="+mn-lt"/>
+                <a:ea typeface="+mn-ea"/>
+                <a:cs typeface="+mn-cs"/>
+              </a:rPr>
+              <a:t>Xiaomi</a:t>
+            </a:r>
+            <a:r>
+              <a:rPr lang="ru-RU" sz="1200" kern="1200" dirty="0" smtClean="0">
+                <a:solidFill>
+                  <a:schemeClr val="tx1"/>
+                </a:solidFill>
+                <a:effectLst/>
+                <a:latin typeface="+mn-lt"/>
+                <a:ea typeface="+mn-ea"/>
+                <a:cs typeface="+mn-cs"/>
+              </a:rPr>
+              <a:t>, </a:t>
+            </a:r>
+            <a:r>
+              <a:rPr lang="en-US" sz="1200" kern="1200" dirty="0" smtClean="0">
+                <a:solidFill>
+                  <a:schemeClr val="tx1"/>
+                </a:solidFill>
+                <a:effectLst/>
+                <a:latin typeface="+mn-lt"/>
+                <a:ea typeface="+mn-ea"/>
+                <a:cs typeface="+mn-cs"/>
+              </a:rPr>
+              <a:t>Redmond</a:t>
+            </a:r>
+            <a:r>
+              <a:rPr lang="ru-RU" sz="1200" kern="1200" dirty="0" smtClean="0">
+                <a:solidFill>
+                  <a:schemeClr val="tx1"/>
+                </a:solidFill>
+                <a:effectLst/>
+                <a:latin typeface="+mn-lt"/>
+                <a:ea typeface="+mn-ea"/>
+                <a:cs typeface="+mn-cs"/>
+              </a:rPr>
+              <a:t>. Например, свето-регулятор </a:t>
+            </a:r>
+            <a:r>
+              <a:rPr lang="en-US" sz="1200" kern="1200" dirty="0" err="1" smtClean="0">
+                <a:solidFill>
+                  <a:schemeClr val="tx1"/>
+                </a:solidFill>
+                <a:effectLst/>
+                <a:latin typeface="+mn-lt"/>
+                <a:ea typeface="+mn-ea"/>
+                <a:cs typeface="+mn-cs"/>
+              </a:rPr>
+              <a:t>Fibaro</a:t>
+            </a:r>
+            <a:r>
+              <a:rPr lang="en-US" sz="1200" kern="1200" dirty="0" smtClean="0">
+                <a:solidFill>
+                  <a:schemeClr val="tx1"/>
+                </a:solidFill>
+                <a:effectLst/>
+                <a:latin typeface="+mn-lt"/>
+                <a:ea typeface="+mn-ea"/>
+                <a:cs typeface="+mn-cs"/>
+              </a:rPr>
+              <a:t> </a:t>
+            </a:r>
+            <a:r>
+              <a:rPr lang="ru-RU" sz="1200" kern="1200" dirty="0" smtClean="0">
+                <a:solidFill>
+                  <a:schemeClr val="tx1"/>
+                </a:solidFill>
+                <a:effectLst/>
+                <a:latin typeface="+mn-lt"/>
+                <a:ea typeface="+mn-ea"/>
+                <a:cs typeface="+mn-cs"/>
+              </a:rPr>
+              <a:t>устанавливается в щиток и не имеет панели для управления из квартиры, стоимость комплекта 6 </a:t>
+            </a:r>
+            <a:r>
+              <a:rPr lang="ru-RU" sz="1200" kern="1200" dirty="0" err="1" smtClean="0">
+                <a:solidFill>
+                  <a:schemeClr val="tx1"/>
+                </a:solidFill>
+                <a:effectLst/>
+                <a:latin typeface="+mn-lt"/>
+                <a:ea typeface="+mn-ea"/>
+                <a:cs typeface="+mn-cs"/>
+              </a:rPr>
+              <a:t>тыс</a:t>
+            </a:r>
+            <a:r>
+              <a:rPr lang="ru-RU" sz="1200" kern="1200" dirty="0" smtClean="0">
+                <a:solidFill>
+                  <a:schemeClr val="tx1"/>
+                </a:solidFill>
+                <a:effectLst/>
+                <a:latin typeface="+mn-lt"/>
+                <a:ea typeface="+mn-ea"/>
+                <a:cs typeface="+mn-cs"/>
+              </a:rPr>
+              <a:t> рублей. Так называемый «Умный цоколь» </a:t>
+            </a:r>
+            <a:r>
+              <a:rPr lang="en-US" sz="1200" kern="1200" dirty="0" smtClean="0">
+                <a:solidFill>
+                  <a:schemeClr val="tx1"/>
+                </a:solidFill>
+                <a:effectLst/>
+                <a:latin typeface="+mn-lt"/>
+                <a:ea typeface="+mn-ea"/>
+                <a:cs typeface="+mn-cs"/>
+              </a:rPr>
+              <a:t>Redmond </a:t>
+            </a:r>
+            <a:r>
+              <a:rPr lang="ru-RU" sz="1200" kern="1200" dirty="0" smtClean="0">
+                <a:solidFill>
+                  <a:schemeClr val="tx1"/>
+                </a:solidFill>
+                <a:effectLst/>
+                <a:latin typeface="+mn-lt"/>
+                <a:ea typeface="+mn-ea"/>
+                <a:cs typeface="+mn-cs"/>
+              </a:rPr>
+              <a:t>может только включать и выключать одну лампочку. Умный свето-регулятор </a:t>
+            </a:r>
+            <a:r>
+              <a:rPr lang="en-US" sz="1200" kern="1200" dirty="0" smtClean="0">
+                <a:solidFill>
+                  <a:schemeClr val="tx1"/>
+                </a:solidFill>
+                <a:effectLst/>
+                <a:latin typeface="+mn-lt"/>
+                <a:ea typeface="+mn-ea"/>
+                <a:cs typeface="+mn-cs"/>
+              </a:rPr>
+              <a:t>Xiaomi </a:t>
+            </a:r>
+            <a:r>
+              <a:rPr lang="ru-RU" sz="1200" kern="1200" dirty="0" smtClean="0">
+                <a:solidFill>
+                  <a:schemeClr val="tx1"/>
+                </a:solidFill>
+                <a:effectLst/>
+                <a:latin typeface="+mn-lt"/>
+                <a:ea typeface="+mn-ea"/>
+                <a:cs typeface="+mn-cs"/>
+              </a:rPr>
+              <a:t>это пара выключатель + умная лампочка, связанная по </a:t>
+            </a:r>
+            <a:r>
+              <a:rPr lang="en-US" sz="1200" kern="1200" dirty="0" smtClean="0">
+                <a:solidFill>
+                  <a:schemeClr val="tx1"/>
+                </a:solidFill>
+                <a:effectLst/>
+                <a:latin typeface="+mn-lt"/>
+                <a:ea typeface="+mn-ea"/>
+                <a:cs typeface="+mn-cs"/>
+              </a:rPr>
+              <a:t>Wi</a:t>
+            </a:r>
+            <a:r>
+              <a:rPr lang="ru-RU" sz="1200" kern="1200" dirty="0" smtClean="0">
+                <a:solidFill>
+                  <a:schemeClr val="tx1"/>
+                </a:solidFill>
+                <a:effectLst/>
+                <a:latin typeface="+mn-lt"/>
+                <a:ea typeface="+mn-ea"/>
+                <a:cs typeface="+mn-cs"/>
+              </a:rPr>
+              <a:t>-</a:t>
+            </a:r>
+            <a:r>
+              <a:rPr lang="en-US" sz="1200" kern="1200" dirty="0" smtClean="0">
+                <a:solidFill>
+                  <a:schemeClr val="tx1"/>
+                </a:solidFill>
+                <a:effectLst/>
+                <a:latin typeface="+mn-lt"/>
+                <a:ea typeface="+mn-ea"/>
+                <a:cs typeface="+mn-cs"/>
+              </a:rPr>
+              <a:t>Fi</a:t>
+            </a:r>
+            <a:r>
+              <a:rPr lang="ru-RU" sz="1200" kern="1200" dirty="0" smtClean="0">
+                <a:solidFill>
+                  <a:schemeClr val="tx1"/>
+                </a:solidFill>
+                <a:effectLst/>
+                <a:latin typeface="+mn-lt"/>
+                <a:ea typeface="+mn-ea"/>
+                <a:cs typeface="+mn-cs"/>
+              </a:rPr>
+              <a:t>, что также неудобно, как и все перечисленные свето-регуляторы. </a:t>
+            </a:r>
+          </a:p>
+          <a:p>
+            <a:pPr marL="0" marR="0" lvl="0" indent="0" algn="l" defTabSz="914400" rtl="0" eaLnBrk="1" fontAlgn="auto" latinLnBrk="0" hangingPunct="1">
+              <a:lnSpc>
+                <a:spcPct val="100000"/>
+              </a:lnSpc>
+              <a:spcBef>
+                <a:spcPts val="0"/>
+              </a:spcBef>
+              <a:spcAft>
+                <a:spcPts val="0"/>
+              </a:spcAft>
+              <a:buClrTx/>
+              <a:buSzTx/>
+              <a:buFontTx/>
+              <a:buNone/>
+              <a:tabLst/>
+              <a:defRPr/>
+            </a:pPr>
             <a:endParaRPr lang="ru-RU" dirty="0"/>
           </a:p>
         </p:txBody>
@@ -1136,7 +1212,7 @@
     </p:spTree>
     <p:extLst>
       <p:ext uri="{BB962C8B-B14F-4D97-AF65-F5344CB8AC3E}">
-        <p14:creationId xmlns:p14="http://schemas.microsoft.com/office/powerpoint/2010/main" val="2310132447"/>
+        <p14:creationId xmlns:p14="http://schemas.microsoft.com/office/powerpoint/2010/main" val="546104018"/>
       </p:ext>
     </p:extLst>
   </p:cSld>
@@ -1217,10 +1293,10 @@
                 <a:ea typeface="+mn-ea"/>
                 <a:cs typeface="+mn-cs"/>
               </a:rPr>
-              <a:t>Прежде чем преступить к разработке узлов киберфизической системы был проведен обзор и анализ решений производителей. Для сравнения были выбраны крупные производители </a:t>
-            </a:r>
-            <a:r>
-              <a:rPr lang="ru-RU" sz="1200" kern="1200" dirty="0" smtClean="0">
+              <a:t>В рамках дипломной работы я занимался развитием «Умного дома». Моими основными задачами являлась разработка электронного устройства регулировки мощности осветительных приборов сети 220В для системы «Умный дом», а также создание пользовательского </a:t>
+            </a:r>
+            <a:r>
+              <a:rPr lang="ru-RU" sz="1200" kern="1200" dirty="0" err="1" smtClean="0">
                 <a:solidFill>
                   <a:schemeClr val="tx1"/>
                 </a:solidFill>
@@ -1229,7 +1305,7 @@
                 <a:ea typeface="+mn-ea"/>
                 <a:cs typeface="+mn-cs"/>
               </a:rPr>
-              <a:t>в </a:t>
+              <a:t>Web</a:t>
             </a:r>
             <a:r>
               <a:rPr lang="ru-RU" sz="1200" kern="1200" dirty="0" smtClean="0">
@@ -1241,279 +1317,10 @@
                 <a:ea typeface="+mn-ea"/>
                 <a:cs typeface="+mn-cs"/>
               </a:rPr>
-              <a:t>арсенале которых есть </a:t>
-            </a:r>
-            <a:r>
-              <a:rPr lang="ru-RU" sz="1200" kern="1200" dirty="0" smtClean="0">
-                <a:solidFill>
-                  <a:schemeClr val="tx1"/>
-                </a:solidFill>
-                <a:effectLst/>
-                <a:latin typeface="+mn-lt"/>
-                <a:ea typeface="+mn-ea"/>
-                <a:cs typeface="+mn-cs"/>
-              </a:rPr>
-              <a:t>устройства управления </a:t>
-            </a:r>
-            <a:r>
-              <a:rPr lang="ru-RU" sz="1200" kern="1200" dirty="0" smtClean="0">
-                <a:solidFill>
-                  <a:schemeClr val="tx1"/>
-                </a:solidFill>
-                <a:effectLst/>
-                <a:latin typeface="+mn-lt"/>
-                <a:ea typeface="+mn-ea"/>
-                <a:cs typeface="+mn-cs"/>
-              </a:rPr>
-              <a:t>осветительными приборами сети 220В. </a:t>
-            </a:r>
-            <a:r>
-              <a:rPr lang="en-US" sz="1200" kern="1200" dirty="0" err="1" smtClean="0">
-                <a:solidFill>
-                  <a:schemeClr val="tx1"/>
-                </a:solidFill>
-                <a:effectLst/>
-                <a:latin typeface="+mn-lt"/>
-                <a:ea typeface="+mn-ea"/>
-                <a:cs typeface="+mn-cs"/>
-              </a:rPr>
-              <a:t>Fibaro</a:t>
-            </a:r>
-            <a:r>
-              <a:rPr lang="ru-RU" sz="1200" kern="1200" dirty="0" smtClean="0">
-                <a:solidFill>
-                  <a:schemeClr val="tx1"/>
-                </a:solidFill>
-                <a:effectLst/>
-                <a:latin typeface="+mn-lt"/>
-                <a:ea typeface="+mn-ea"/>
-                <a:cs typeface="+mn-cs"/>
-              </a:rPr>
-              <a:t>, </a:t>
-            </a:r>
-            <a:r>
-              <a:rPr lang="en-US" sz="1200" kern="1200" dirty="0" smtClean="0">
-                <a:solidFill>
-                  <a:schemeClr val="tx1"/>
-                </a:solidFill>
-                <a:effectLst/>
-                <a:latin typeface="+mn-lt"/>
-                <a:ea typeface="+mn-ea"/>
-                <a:cs typeface="+mn-cs"/>
-              </a:rPr>
-              <a:t>Xiaomi</a:t>
-            </a:r>
-            <a:r>
-              <a:rPr lang="ru-RU" sz="1200" kern="1200" dirty="0" smtClean="0">
-                <a:solidFill>
-                  <a:schemeClr val="tx1"/>
-                </a:solidFill>
-                <a:effectLst/>
-                <a:latin typeface="+mn-lt"/>
-                <a:ea typeface="+mn-ea"/>
-                <a:cs typeface="+mn-cs"/>
-              </a:rPr>
-              <a:t>, </a:t>
-            </a:r>
-            <a:r>
-              <a:rPr lang="en-US" sz="1200" kern="1200" dirty="0" smtClean="0">
-                <a:solidFill>
-                  <a:schemeClr val="tx1"/>
-                </a:solidFill>
-                <a:effectLst/>
-                <a:latin typeface="+mn-lt"/>
-                <a:ea typeface="+mn-ea"/>
-                <a:cs typeface="+mn-cs"/>
-              </a:rPr>
-              <a:t>Redmond</a:t>
-            </a:r>
-            <a:r>
-              <a:rPr lang="ru-RU" sz="1200" kern="1200" dirty="0" smtClean="0">
-                <a:solidFill>
-                  <a:schemeClr val="tx1"/>
-                </a:solidFill>
-                <a:effectLst/>
-                <a:latin typeface="+mn-lt"/>
-                <a:ea typeface="+mn-ea"/>
-                <a:cs typeface="+mn-cs"/>
-              </a:rPr>
-              <a:t>. Например, свето-регулятор </a:t>
-            </a:r>
-            <a:r>
-              <a:rPr lang="en-US" sz="1200" kern="1200" dirty="0" err="1" smtClean="0">
-                <a:solidFill>
-                  <a:schemeClr val="tx1"/>
-                </a:solidFill>
-                <a:effectLst/>
-                <a:latin typeface="+mn-lt"/>
-                <a:ea typeface="+mn-ea"/>
-                <a:cs typeface="+mn-cs"/>
-              </a:rPr>
-              <a:t>Fibaro</a:t>
-            </a:r>
-            <a:r>
-              <a:rPr lang="en-US" sz="1200" kern="1200" dirty="0" smtClean="0">
-                <a:solidFill>
-                  <a:schemeClr val="tx1"/>
-                </a:solidFill>
-                <a:effectLst/>
-                <a:latin typeface="+mn-lt"/>
-                <a:ea typeface="+mn-ea"/>
-                <a:cs typeface="+mn-cs"/>
-              </a:rPr>
-              <a:t> </a:t>
-            </a:r>
-            <a:r>
-              <a:rPr lang="ru-RU" sz="1200" kern="1200" dirty="0" smtClean="0">
-                <a:solidFill>
-                  <a:schemeClr val="tx1"/>
-                </a:solidFill>
-                <a:effectLst/>
-                <a:latin typeface="+mn-lt"/>
-                <a:ea typeface="+mn-ea"/>
-                <a:cs typeface="+mn-cs"/>
-              </a:rPr>
-              <a:t>устанавливается в щиток и не имеет панели для управления из квартиры, стоимость комплекта 6 </a:t>
-            </a:r>
-            <a:r>
-              <a:rPr lang="ru-RU" sz="1200" kern="1200" dirty="0" err="1" smtClean="0">
-                <a:solidFill>
-                  <a:schemeClr val="tx1"/>
-                </a:solidFill>
-                <a:effectLst/>
-                <a:latin typeface="+mn-lt"/>
-                <a:ea typeface="+mn-ea"/>
-                <a:cs typeface="+mn-cs"/>
-              </a:rPr>
-              <a:t>тыс</a:t>
-            </a:r>
-            <a:r>
-              <a:rPr lang="ru-RU" sz="1200" kern="1200" dirty="0" smtClean="0">
-                <a:solidFill>
-                  <a:schemeClr val="tx1"/>
-                </a:solidFill>
-                <a:effectLst/>
-                <a:latin typeface="+mn-lt"/>
-                <a:ea typeface="+mn-ea"/>
-                <a:cs typeface="+mn-cs"/>
-              </a:rPr>
-              <a:t> рублей. Так называемый «Умный цоколь» </a:t>
-            </a:r>
-            <a:r>
-              <a:rPr lang="en-US" sz="1200" kern="1200" dirty="0" smtClean="0">
-                <a:solidFill>
-                  <a:schemeClr val="tx1"/>
-                </a:solidFill>
-                <a:effectLst/>
-                <a:latin typeface="+mn-lt"/>
-                <a:ea typeface="+mn-ea"/>
-                <a:cs typeface="+mn-cs"/>
-              </a:rPr>
-              <a:t>Redmond </a:t>
-            </a:r>
-            <a:r>
-              <a:rPr lang="ru-RU" sz="1200" kern="1200" dirty="0" smtClean="0">
-                <a:solidFill>
-                  <a:schemeClr val="tx1"/>
-                </a:solidFill>
-                <a:effectLst/>
-                <a:latin typeface="+mn-lt"/>
-                <a:ea typeface="+mn-ea"/>
-                <a:cs typeface="+mn-cs"/>
-              </a:rPr>
-              <a:t>может только включать и выключать одну лампочку. Умный свето-регулятор </a:t>
-            </a:r>
-            <a:r>
-              <a:rPr lang="en-US" sz="1200" kern="1200" dirty="0" smtClean="0">
-                <a:solidFill>
-                  <a:schemeClr val="tx1"/>
-                </a:solidFill>
-                <a:effectLst/>
-                <a:latin typeface="+mn-lt"/>
-                <a:ea typeface="+mn-ea"/>
-                <a:cs typeface="+mn-cs"/>
-              </a:rPr>
-              <a:t>Xiaomi </a:t>
-            </a:r>
-            <a:r>
-              <a:rPr lang="ru-RU" sz="1200" kern="1200" dirty="0" smtClean="0">
-                <a:solidFill>
-                  <a:schemeClr val="tx1"/>
-                </a:solidFill>
-                <a:effectLst/>
-                <a:latin typeface="+mn-lt"/>
-                <a:ea typeface="+mn-ea"/>
-                <a:cs typeface="+mn-cs"/>
-              </a:rPr>
-              <a:t>это пара выключатель + умная лампочка, связанная по </a:t>
-            </a:r>
-            <a:r>
-              <a:rPr lang="en-US" sz="1200" kern="1200" dirty="0" smtClean="0">
-                <a:solidFill>
-                  <a:schemeClr val="tx1"/>
-                </a:solidFill>
-                <a:effectLst/>
-                <a:latin typeface="+mn-lt"/>
-                <a:ea typeface="+mn-ea"/>
-                <a:cs typeface="+mn-cs"/>
-              </a:rPr>
-              <a:t>Wi</a:t>
-            </a:r>
-            <a:r>
-              <a:rPr lang="ru-RU" sz="1200" kern="1200" dirty="0" smtClean="0">
-                <a:solidFill>
-                  <a:schemeClr val="tx1"/>
-                </a:solidFill>
-                <a:effectLst/>
-                <a:latin typeface="+mn-lt"/>
-                <a:ea typeface="+mn-ea"/>
-                <a:cs typeface="+mn-cs"/>
-              </a:rPr>
-              <a:t>-</a:t>
-            </a:r>
-            <a:r>
-              <a:rPr lang="en-US" sz="1200" kern="1200" dirty="0" smtClean="0">
-                <a:solidFill>
-                  <a:schemeClr val="tx1"/>
-                </a:solidFill>
-                <a:effectLst/>
-                <a:latin typeface="+mn-lt"/>
-                <a:ea typeface="+mn-ea"/>
-                <a:cs typeface="+mn-cs"/>
-              </a:rPr>
-              <a:t>Fi</a:t>
-            </a:r>
-            <a:r>
-              <a:rPr lang="ru-RU" sz="1200" kern="1200" dirty="0" smtClean="0">
-                <a:solidFill>
-                  <a:schemeClr val="tx1"/>
-                </a:solidFill>
-                <a:effectLst/>
-                <a:latin typeface="+mn-lt"/>
-                <a:ea typeface="+mn-ea"/>
-                <a:cs typeface="+mn-cs"/>
-              </a:rPr>
-              <a:t>, что также неудобно, как и все перечисленные свето-регуляторы. </a:t>
-            </a:r>
-          </a:p>
-          <a:p>
-            <a:pPr marL="0" marR="0" lvl="0" indent="0" algn="l" defTabSz="914400" rtl="0" eaLnBrk="1" fontAlgn="auto" latinLnBrk="0" hangingPunct="1">
-              <a:lnSpc>
-                <a:spcPct val="100000"/>
-              </a:lnSpc>
-              <a:spcBef>
-                <a:spcPts val="0"/>
-              </a:spcBef>
-              <a:spcAft>
-                <a:spcPts val="0"/>
-              </a:spcAft>
-              <a:buClrTx/>
-              <a:buSzTx/>
-              <a:buFontTx/>
-              <a:buNone/>
-              <a:tabLst/>
-              <a:defRPr/>
-            </a:pPr>
+              <a:t>-интерфейса для удаленного управления устройствами системы «Умный дом». Кроме того, я занимался второстепенными задачами по настройке облачных сервисов для работы системы в целом. </a:t>
+            </a:r>
+          </a:p>
+          <a:p>
             <a:endParaRPr lang="ru-RU" dirty="0"/>
           </a:p>
         </p:txBody>
@@ -1544,7 +1351,7 @@
     </p:spTree>
     <p:extLst>
       <p:ext uri="{BB962C8B-B14F-4D97-AF65-F5344CB8AC3E}">
-        <p14:creationId xmlns:p14="http://schemas.microsoft.com/office/powerpoint/2010/main" val="546104018"/>
+        <p14:creationId xmlns:p14="http://schemas.microsoft.com/office/powerpoint/2010/main" val="1000165055"/>
       </p:ext>
     </p:extLst>
   </p:cSld>
@@ -1598,61 +1405,14 @@
           <a:bodyPr/>
           <a:lstStyle/>
           <a:p>
-            <a:pPr marL="0" marR="0" lvl="0" indent="0" algn="l" defTabSz="914400" rtl="0" eaLnBrk="1" fontAlgn="auto" latinLnBrk="0" hangingPunct="1">
-              <a:lnSpc>
-                <a:spcPct val="100000"/>
-              </a:lnSpc>
-              <a:spcBef>
-                <a:spcPts val="0"/>
-              </a:spcBef>
-              <a:spcAft>
-                <a:spcPts val="0"/>
-              </a:spcAft>
-              <a:buClrTx/>
-              <a:buSzTx/>
-              <a:buFontTx/>
-              <a:buNone/>
-              <a:tabLst/>
-              <a:defRPr/>
-            </a:pPr>
-            <a:r>
-              <a:rPr lang="ru-RU" sz="1200" kern="1200" dirty="0" smtClean="0">
-                <a:solidFill>
-                  <a:schemeClr val="tx1"/>
-                </a:solidFill>
-                <a:effectLst/>
-                <a:latin typeface="+mn-lt"/>
-                <a:ea typeface="+mn-ea"/>
-                <a:cs typeface="+mn-cs"/>
-              </a:rPr>
-              <a:t>В рамках дипломной работы я занимался развитием «Умного дома». Моими основными задачами являлась разработка электронного устройства регулировки мощности осветительных приборов сети 220В для системы «Умный дом», а также создание пользовательского </a:t>
-            </a:r>
-            <a:r>
-              <a:rPr lang="ru-RU" sz="1200" kern="1200" dirty="0" err="1" smtClean="0">
-                <a:solidFill>
-                  <a:schemeClr val="tx1"/>
-                </a:solidFill>
-                <a:effectLst/>
-                <a:latin typeface="+mn-lt"/>
-                <a:ea typeface="+mn-ea"/>
-                <a:cs typeface="+mn-cs"/>
-              </a:rPr>
-              <a:t>Web</a:t>
-            </a:r>
-            <a:r>
-              <a:rPr lang="ru-RU" sz="1200" kern="1200" dirty="0" smtClean="0">
-                <a:solidFill>
-                  <a:schemeClr val="tx1"/>
-                </a:solidFill>
-                <a:effectLst/>
-                <a:latin typeface="+mn-lt"/>
-                <a:ea typeface="+mn-ea"/>
-                <a:cs typeface="+mn-cs"/>
-              </a:rPr>
-              <a:t>-интерфейса для удаленного управления устройствами системы «Умный дом». Кроме того, я занимался второстепенными задачами по настройке облачных сервисов для работы системы в целом. </a:t>
-            </a:r>
-          </a:p>
-          <a:p>
+            <a:r>
+              <a:rPr lang="ru-RU" dirty="0" smtClean="0"/>
+              <a:t>К устройству предъявлялись</a:t>
+            </a:r>
+            <a:r>
+              <a:rPr lang="ru-RU" baseline="0" dirty="0" smtClean="0"/>
+              <a:t> следующие технические требования. Оценка времени переключения выбиралась с учетом частоты сети 50 Гц.  Оценка потребляемой мощности выбиралась с учетом энергопотребления аналогов, а также из максимальной рассеиваемой теплоты на корпусе устройства.</a:t>
+            </a:r>
             <a:endParaRPr lang="ru-RU" dirty="0"/>
           </a:p>
         </p:txBody>
@@ -1683,7 +1443,7 @@
     </p:spTree>
     <p:extLst>
       <p:ext uri="{BB962C8B-B14F-4D97-AF65-F5344CB8AC3E}">
-        <p14:creationId xmlns:p14="http://schemas.microsoft.com/office/powerpoint/2010/main" val="1000165055"/>
+        <p14:creationId xmlns:p14="http://schemas.microsoft.com/office/powerpoint/2010/main" val="3317027897"/>
       </p:ext>
     </p:extLst>
   </p:cSld>
@@ -1737,6 +1497,23 @@
           <a:bodyPr/>
           <a:lstStyle/>
           <a:p>
+            <a:pPr marL="0" marR="0" lvl="0" indent="0" algn="l" defTabSz="914400" rtl="0" eaLnBrk="1" fontAlgn="auto" latinLnBrk="0" hangingPunct="1">
+              <a:lnSpc>
+                <a:spcPct val="100000"/>
+              </a:lnSpc>
+              <a:spcBef>
+                <a:spcPts val="0"/>
+              </a:spcBef>
+              <a:spcAft>
+                <a:spcPts val="0"/>
+              </a:spcAft>
+              <a:buClrTx/>
+              <a:buSzTx/>
+              <a:buFontTx/>
+              <a:buNone/>
+              <a:tabLst/>
+              <a:defRPr/>
+            </a:pPr>
             <a:r>
               <a:rPr lang="ru-RU" sz="1200" kern="1200" dirty="0" smtClean="0">
                 <a:solidFill>
@@ -1747,12 +1524,10 @@
                 <a:ea typeface="+mn-ea"/>
                 <a:cs typeface="+mn-cs"/>
               </a:rPr>
-              <a:t>Диммирование - процесс управления яркостью осветительных приборов.</a:t>
-            </a:r>
-          </a:p>
-          <a:p>
-            <a:r>
-              <a:rPr lang="ru-RU" sz="1200" kern="1200" dirty="0" smtClean="0">
+              <a:t>Для регулирования мощности нагрузки была спроектирована функциональная схема. Она работает следующим образом: микроконтроллер узнает о начале синуса напряжения сети от детектора перехода через ноль, выполняет подключение нагрузки к сети с помощью силового ключа переменного тока. Через определенный промежуток времени микроконтроллер закрывает силовой ключ, и коммутация нагрузки питающим напряжением прекращается. Устройство</a:t>
+            </a:r>
+            <a:r>
+              <a:rPr lang="ru-RU" sz="1200" kern="1200" baseline="0" dirty="0" smtClean="0">
                 <a:solidFill>
                   <a:schemeClr val="tx1"/>
                 </a:solidFill>
@@ -1761,12 +1536,10 @@
                 <a:ea typeface="+mn-ea"/>
                 <a:cs typeface="+mn-cs"/>
               </a:rPr>
-              <a:t>Диммер (свето-регулятор) – электронное устройство, используемое для регулировки яркости света, излучаемого осветительными приборами, посредством изменения потребляемой ими мощности.</a:t>
-            </a:r>
-          </a:p>
-          <a:p>
-            <a:r>
-              <a:rPr lang="ru-RU" sz="1200" kern="1200" dirty="0" smtClean="0">
+              <a:t> включается в разрыв фазы </a:t>
+            </a:r>
+            <a:r>
+              <a:rPr lang="ru-RU" sz="1200" kern="1200" baseline="0" smtClean="0">
                 <a:solidFill>
                   <a:schemeClr val="tx1"/>
                 </a:solidFill>
@@ -1775,10 +1548,10 @@
                 <a:ea typeface="+mn-ea"/>
                 <a:cs typeface="+mn-cs"/>
               </a:rPr>
-              <a:t>Применяются два способа диммирования: с отсечкой по фронту и с отсечкой по спаду. Регуляторы с отсечкой по фронту работают с лампами накаливания, тогда как регуляторы с отсечкой по спаду способны работать еще и с так называемыми </a:t>
-            </a:r>
-            <a:r>
-              <a:rPr lang="ru-RU" sz="1200" kern="1200" dirty="0" err="1" smtClean="0">
+              <a:t>и соединяет нагрузку с фазовой линией </a:t>
+            </a:r>
+            <a:r>
+              <a:rPr lang="ru-RU" sz="1200" kern="1200" baseline="0" dirty="0" smtClean="0">
                 <a:solidFill>
                   <a:schemeClr val="tx1"/>
                 </a:solidFill>
@@ -1787,34 +1560,17 @@
                 <a:ea typeface="+mn-ea"/>
                 <a:cs typeface="+mn-cs"/>
               </a:rPr>
-              <a:t>диммируемыми</a:t>
-            </a:r>
-            <a:r>
-              <a:rPr lang="ru-RU" sz="1200" kern="1200" dirty="0" smtClean="0">
-                <a:solidFill>
-                  <a:schemeClr val="tx1"/>
-                </a:solidFill>
-                <a:effectLst/>
-                <a:latin typeface="+mn-lt"/>
-                <a:ea typeface="+mn-ea"/>
-                <a:cs typeface="+mn-cs"/>
-              </a:rPr>
-              <a:t> светодиодными лампами. Таким образом, был выбран способ с отсечкой по спаду.</a:t>
-            </a:r>
-          </a:p>
-          <a:p>
-            <a:r>
-              <a:rPr lang="ru-RU" sz="1200" kern="1200" dirty="0" smtClean="0">
-                <a:solidFill>
-                  <a:schemeClr val="tx1"/>
-                </a:solidFill>
-                <a:effectLst/>
-                <a:latin typeface="+mn-lt"/>
-                <a:ea typeface="+mn-ea"/>
-                <a:cs typeface="+mn-cs"/>
-              </a:rPr>
-              <a:t>Способы диммирования отличаются промежутками, когда нагрузка получает питающее напряжение сети.</a:t>
-            </a:r>
+              <a:t>в определенные отрезки времени.</a:t>
+            </a:r>
+            <a:endParaRPr lang="ru-RU" sz="1200" kern="1200" dirty="0" smtClean="0">
+              <a:solidFill>
+                <a:schemeClr val="tx1"/>
+              </a:solidFill>
+              <a:effectLst/>
+              <a:latin typeface="+mn-lt"/>
+              <a:ea typeface="+mn-ea"/>
+              <a:cs typeface="+mn-cs"/>
+            </a:endParaRPr>
           </a:p>
           <a:p>
             <a:endParaRPr lang="ru-RU" dirty="0"/>
@@ -1847,7 +1603,7 @@
     </p:spTree>
     <p:extLst>
       <p:ext uri="{BB962C8B-B14F-4D97-AF65-F5344CB8AC3E}">
-        <p14:creationId xmlns:p14="http://schemas.microsoft.com/office/powerpoint/2010/main" val="1490617450"/>
+        <p14:creationId xmlns:p14="http://schemas.microsoft.com/office/powerpoint/2010/main" val="1481040192"/>
       </p:ext>
     </p:extLst>
   </p:cSld>
@@ -1928,10 +1684,10 @@
                 <a:ea typeface="+mn-ea"/>
                 <a:cs typeface="+mn-cs"/>
               </a:rPr>
-              <a:t>Для регулирования мощности нагрузки была </a:t>
-            </a:r>
-            <a:r>
-              <a:rPr lang="ru-RU" sz="1200" kern="1200" dirty="0" smtClean="0">
+              <a:t>На основе функциональной схемы была спроектирована и промоделирована принципиальная электрическая схема устройства. Моделирование позволило грамотно подобрать компоненты и проверить работоспособность схемы в целом. На</a:t>
+            </a:r>
+            <a:r>
+              <a:rPr lang="ru-RU" sz="1200" kern="1200" baseline="0" dirty="0" smtClean="0">
                 <a:solidFill>
                   <a:schemeClr val="tx1"/>
                 </a:solidFill>
@@ -1940,10 +1696,10 @@
                 <a:ea typeface="+mn-ea"/>
                 <a:cs typeface="+mn-cs"/>
               </a:rPr>
-              <a:t>спроектирована </a:t>
-            </a:r>
-            <a:r>
-              <a:rPr lang="ru-RU" sz="1200" kern="1200" dirty="0" smtClean="0">
+              <a:t> слайде показаны временные характеристики напряжения на нагрузке при разных уровнях диммирования</a:t>
+            </a:r>
+            <a:r>
+              <a:rPr lang="ru-RU" sz="1200" kern="1200" baseline="0" dirty="0" smtClean="0">
                 <a:solidFill>
                   <a:schemeClr val="tx1"/>
                 </a:solidFill>
@@ -1952,10 +1708,8 @@
                 <a:ea typeface="+mn-ea"/>
                 <a:cs typeface="+mn-cs"/>
               </a:rPr>
-              <a:t>функциональная схема. Она работает следующим образом: микроконтроллер узнает о начале синуса напряжения сети от детектора перехода через ноль, выполняет подключение нагрузки к сети с помощью силового ключа переменного тока. Через определенный промежуток времени микроконтроллер закрывает силовой ключ, и коммутация нагрузки питающим напряжением прекращается.</a:t>
-            </a:r>
-          </a:p>
-          <a:p>
+              <a:t>. А также временная характеристика напряжения на выходе детектора перехода через ноль.</a:t>
+            </a:r>
             <a:endParaRPr lang="ru-RU" dirty="0"/>
           </a:p>
         </p:txBody>
@@ -1986,7 +1740,7 @@
     </p:spTree>
     <p:extLst>
       <p:ext uri="{BB962C8B-B14F-4D97-AF65-F5344CB8AC3E}">
-        <p14:creationId xmlns:p14="http://schemas.microsoft.com/office/powerpoint/2010/main" val="1481040192"/>
+        <p14:creationId xmlns:p14="http://schemas.microsoft.com/office/powerpoint/2010/main" val="3175068105"/>
       </p:ext>
     </p:extLst>
   </p:cSld>
@@ -2067,10 +1821,10 @@
                 <a:ea typeface="+mn-ea"/>
                 <a:cs typeface="+mn-cs"/>
               </a:rPr>
-              <a:t>На основе функциональной схемы была спроектирована и промоделирована принципиальная электрическая схема устройства. Моделирование позволило грамотно подобрать компоненты и проверить работоспособность схемы в целом. На</a:t>
-            </a:r>
-            <a:r>
-              <a:rPr lang="ru-RU" sz="1200" kern="1200" baseline="0" dirty="0" smtClean="0">
+              <a:t>Принципиальная </a:t>
+            </a:r>
+            <a:r>
+              <a:rPr lang="ru-RU" sz="1200" kern="1200" dirty="0" smtClean="0">
                 <a:solidFill>
                   <a:schemeClr val="tx1"/>
                 </a:solidFill>
@@ -2079,9 +1833,44 @@
                 <a:ea typeface="+mn-ea"/>
                 <a:cs typeface="+mn-cs"/>
               </a:rPr>
-              <a:t> слайде показаны временные характеристики напряжения на нагрузке при разных уровнях диммирования.</a:t>
-            </a:r>
-            <a:endParaRPr lang="ru-RU" dirty="0"/>
+              <a:t>схема устройства показана</a:t>
+            </a:r>
+            <a:r>
+              <a:rPr lang="ru-RU" sz="1200" kern="1200" baseline="0" dirty="0" smtClean="0">
+                <a:solidFill>
+                  <a:schemeClr val="tx1"/>
+                </a:solidFill>
+                <a:effectLst/>
+                <a:latin typeface="+mn-lt"/>
+                <a:ea typeface="+mn-ea"/>
+                <a:cs typeface="+mn-cs"/>
+              </a:rPr>
+              <a:t> </a:t>
+            </a:r>
+            <a:r>
+              <a:rPr lang="ru-RU" sz="1200" kern="1200" dirty="0" smtClean="0">
+                <a:solidFill>
+                  <a:schemeClr val="tx1"/>
+                </a:solidFill>
+                <a:effectLst/>
+                <a:latin typeface="+mn-lt"/>
+                <a:ea typeface="+mn-ea"/>
+                <a:cs typeface="+mn-cs"/>
+              </a:rPr>
+              <a:t>на </a:t>
+            </a:r>
+            <a:r>
+              <a:rPr lang="ru-RU" sz="1200" kern="1200" dirty="0" smtClean="0">
+                <a:solidFill>
+                  <a:schemeClr val="tx1"/>
+                </a:solidFill>
+                <a:effectLst/>
+                <a:latin typeface="+mn-lt"/>
+                <a:ea typeface="+mn-ea"/>
+                <a:cs typeface="+mn-cs"/>
+              </a:rPr>
+              <a:t>слайде.</a:t>
+            </a:r>
           </a:p>
         </p:txBody>
       </p:sp>
@@ -2111,7 +1900,7 @@
     </p:spTree>
     <p:extLst>
       <p:ext uri="{BB962C8B-B14F-4D97-AF65-F5344CB8AC3E}">
-        <p14:creationId xmlns:p14="http://schemas.microsoft.com/office/powerpoint/2010/main" val="3175068105"/>
+        <p14:creationId xmlns:p14="http://schemas.microsoft.com/office/powerpoint/2010/main" val="3970263444"/>
       </p:ext>
     </p:extLst>
   </p:cSld>
@@ -2165,23 +1954,6 @@
           <a:bodyPr/>
           <a:lstStyle/>
           <a:p>
-            <a:pPr marL="0" marR="0" lvl="0" indent="0" algn="l" defTabSz="914400" rtl="0" eaLnBrk="1" fontAlgn="auto" latinLnBrk="0" hangingPunct="1">
-              <a:lnSpc>
-                <a:spcPct val="100000"/>
-              </a:lnSpc>
-              <a:spcBef>
-                <a:spcPts val="0"/>
-              </a:spcBef>
-              <a:spcAft>
-                <a:spcPts val="0"/>
-              </a:spcAft>
-              <a:buClrTx/>
-              <a:buSzTx/>
-              <a:buFontTx/>
-              <a:buNone/>
-              <a:tabLst/>
-              <a:defRPr/>
-            </a:pPr>
             <a:r>
               <a:rPr lang="ru-RU" sz="1200" kern="1200" dirty="0" smtClean="0">
                 <a:solidFill>
@@ -2192,8 +1964,135 @@
                 <a:ea typeface="+mn-ea"/>
                 <a:cs typeface="+mn-cs"/>
               </a:rPr>
-              <a:t>Принципиальная схема и результат моделирования детектора перехода через ноль показаны на слайде.</a:t>
-            </a:r>
+              <a:t>На основе электрической схемы созданы печатные платы силовой и цифровой частей схемы, а также собран прототип устройства.</a:t>
+            </a:r>
+          </a:p>
+          <a:p>
+            <a:r>
+              <a:rPr lang="ru-RU" sz="1200" kern="1200" dirty="0" smtClean="0">
+                <a:solidFill>
+                  <a:schemeClr val="tx1"/>
+                </a:solidFill>
+                <a:effectLst/>
+                <a:latin typeface="+mn-lt"/>
+                <a:ea typeface="+mn-ea"/>
+                <a:cs typeface="+mn-cs"/>
+              </a:rPr>
+              <a:t>Также для осуществления диммирования, обмена данными по </a:t>
+            </a:r>
+            <a:r>
+              <a:rPr lang="ru-RU" sz="1200" kern="1200" dirty="0" err="1" smtClean="0">
+                <a:solidFill>
+                  <a:schemeClr val="tx1"/>
+                </a:solidFill>
+                <a:effectLst/>
+                <a:latin typeface="+mn-lt"/>
+                <a:ea typeface="+mn-ea"/>
+                <a:cs typeface="+mn-cs"/>
+              </a:rPr>
+              <a:t>Wi-Fi</a:t>
+            </a:r>
+            <a:r>
+              <a:rPr lang="ru-RU" sz="1200" kern="1200" dirty="0" smtClean="0">
+                <a:solidFill>
+                  <a:schemeClr val="tx1"/>
+                </a:solidFill>
+                <a:effectLst/>
+                <a:latin typeface="+mn-lt"/>
+                <a:ea typeface="+mn-ea"/>
+                <a:cs typeface="+mn-cs"/>
+              </a:rPr>
+              <a:t> и прочего функционала умного диммера было написано программное обеспечение на языке </a:t>
+            </a:r>
+            <a:r>
+              <a:rPr lang="en-US" sz="1200" kern="1200" dirty="0" smtClean="0">
+                <a:solidFill>
+                  <a:schemeClr val="tx1"/>
+                </a:solidFill>
+                <a:effectLst/>
+                <a:latin typeface="+mn-lt"/>
+                <a:ea typeface="+mn-ea"/>
+                <a:cs typeface="+mn-cs"/>
+              </a:rPr>
+              <a:t>C</a:t>
+            </a:r>
+            <a:r>
+              <a:rPr lang="ru-RU" sz="1200" kern="1200" dirty="0" smtClean="0">
+                <a:solidFill>
+                  <a:schemeClr val="tx1"/>
+                </a:solidFill>
+                <a:effectLst/>
+                <a:latin typeface="+mn-lt"/>
+                <a:ea typeface="+mn-ea"/>
+                <a:cs typeface="+mn-cs"/>
+              </a:rPr>
+              <a:t>++ с использованием принципов объектно-ориентированного программирования.</a:t>
+            </a:r>
+          </a:p>
+          <a:p>
+            <a:r>
+              <a:rPr lang="ru-RU" sz="1200" kern="1200" dirty="0" smtClean="0">
+                <a:solidFill>
+                  <a:schemeClr val="tx1"/>
+                </a:solidFill>
+                <a:effectLst/>
+                <a:latin typeface="+mn-lt"/>
+                <a:ea typeface="+mn-ea"/>
+                <a:cs typeface="+mn-cs"/>
+              </a:rPr>
+              <a:t>Результатом проектирования аппаратной и программной частей является собранное функционирующее устройство, позволяющее управлять освещением с помощью сенсорных клавиш на лицевой панели или из личного кабинета системы «Умный дом» при подключении к </a:t>
+            </a:r>
+            <a:r>
+              <a:rPr lang="en-US" sz="1200" kern="1200" dirty="0" smtClean="0">
+                <a:solidFill>
+                  <a:schemeClr val="tx1"/>
+                </a:solidFill>
+                <a:effectLst/>
+                <a:latin typeface="+mn-lt"/>
+                <a:ea typeface="+mn-ea"/>
+                <a:cs typeface="+mn-cs"/>
+              </a:rPr>
+              <a:t>Wi</a:t>
+            </a:r>
+            <a:r>
+              <a:rPr lang="ru-RU" sz="1200" kern="1200" dirty="0" smtClean="0">
+                <a:solidFill>
+                  <a:schemeClr val="tx1"/>
+                </a:solidFill>
+                <a:effectLst/>
+                <a:latin typeface="+mn-lt"/>
+                <a:ea typeface="+mn-ea"/>
+                <a:cs typeface="+mn-cs"/>
+              </a:rPr>
+              <a:t>-</a:t>
+            </a:r>
+            <a:r>
+              <a:rPr lang="en-US" sz="1200" kern="1200" dirty="0" smtClean="0">
+                <a:solidFill>
+                  <a:schemeClr val="tx1"/>
+                </a:solidFill>
+                <a:effectLst/>
+                <a:latin typeface="+mn-lt"/>
+                <a:ea typeface="+mn-ea"/>
+                <a:cs typeface="+mn-cs"/>
+              </a:rPr>
+              <a:t>Fi</a:t>
+            </a:r>
+            <a:r>
+              <a:rPr lang="ru-RU" sz="1200" kern="1200" dirty="0" smtClean="0">
+                <a:solidFill>
+                  <a:schemeClr val="tx1"/>
+                </a:solidFill>
+                <a:effectLst/>
+                <a:latin typeface="+mn-lt"/>
+                <a:ea typeface="+mn-ea"/>
+                <a:cs typeface="+mn-cs"/>
+              </a:rPr>
+              <a:t>.</a:t>
+            </a:r>
+          </a:p>
+          <a:p>
+            <a:endParaRPr lang="ru-RU" dirty="0"/>
           </a:p>
         </p:txBody>
       </p:sp>
@@ -2223,7 +2122,7 @@
     </p:spTree>
     <p:extLst>
       <p:ext uri="{BB962C8B-B14F-4D97-AF65-F5344CB8AC3E}">
-        <p14:creationId xmlns:p14="http://schemas.microsoft.com/office/powerpoint/2010/main" val="3970263444"/>
+        <p14:creationId xmlns:p14="http://schemas.microsoft.com/office/powerpoint/2010/main" val="1664002935"/>
       </p:ext>
     </p:extLst>
   </p:cSld>
@@ -2287,12 +2186,10 @@
                 <a:ea typeface="+mn-ea"/>
                 <a:cs typeface="+mn-cs"/>
               </a:rPr>
-              <a:t>На основе электрической схемы созданы печатные платы силовой и цифровой частей схемы, а также собран прототип устройства.</a:t>
-            </a:r>
-          </a:p>
-          <a:p>
-            <a:r>
-              <a:rPr lang="ru-RU" sz="1200" kern="1200" dirty="0" smtClean="0">
+              <a:t>Для удаленного контроля за устройствами киберфизической системы «Умный дом» был создан пользовательский </a:t>
+            </a:r>
+            <a:r>
+              <a:rPr lang="en-US" sz="1200" kern="1200" dirty="0" smtClean="0">
                 <a:solidFill>
                   <a:schemeClr val="tx1"/>
                 </a:solidFill>
@@ -2301,10 +2198,10 @@
                 <a:ea typeface="+mn-ea"/>
                 <a:cs typeface="+mn-cs"/>
               </a:rPr>
-              <a:t>Также для осуществления диммирования, обмена данными по </a:t>
-            </a:r>
-            <a:r>
-              <a:rPr lang="ru-RU" sz="1200" kern="1200" dirty="0" err="1" smtClean="0">
+              <a:t>Web</a:t>
+            </a:r>
+            <a:r>
+              <a:rPr lang="ru-RU" sz="1200" kern="1200" dirty="0" smtClean="0">
                 <a:solidFill>
                   <a:schemeClr val="tx1"/>
                 </a:solidFill>
@@ -2313,8 +2210,10 @@
                 <a:ea typeface="+mn-ea"/>
                 <a:cs typeface="+mn-cs"/>
               </a:rPr>
-              <a:t>Wi-Fi</a:t>
-            </a:r>
+              <a:t>-интерфейс, доступный в браузере на компьютере пользователя. У каждого пользователя системы свой личный кабинет, доступ к которому осуществляется по почте и паролю.</a:t>
+            </a:r>
+          </a:p>
+          <a:p>
             <a:r>
               <a:rPr lang="ru-RU" sz="1200" kern="1200" dirty="0" smtClean="0">
                 <a:solidFill>
@@ -2325,10 +2224,12 @@
                 <a:ea typeface="+mn-ea"/>
                 <a:cs typeface="+mn-cs"/>
               </a:rPr>
-              <a:t> и прочего функционала умного диммера было написано программное обеспечение на языке </a:t>
-            </a:r>
-            <a:r>
-              <a:rPr lang="en-US" sz="1200" kern="1200" dirty="0" smtClean="0">
+              <a:t>При успешном входе пользователя встречает панель управления устройствами, сгруппированными по комнатам. Раздел комнат позволяет:</a:t>
+            </a:r>
+          </a:p>
+          <a:p>
+            <a:r>
+              <a:rPr lang="ru-RU" sz="1200" kern="1200" dirty="0" smtClean="0">
                 <a:solidFill>
                   <a:schemeClr val="tx1"/>
                 </a:solidFill>
@@ -2337,8 +2238,10 @@
                 <a:ea typeface="+mn-ea"/>
                 <a:cs typeface="+mn-cs"/>
               </a:rPr>
-              <a:t>C</a:t>
-            </a:r>
+              <a:t>•	менять названия комнат и устройств</a:t>
+            </a:r>
+          </a:p>
+          <a:p>
             <a:r>
               <a:rPr lang="ru-RU" sz="1200" kern="1200" dirty="0" smtClean="0">
                 <a:solidFill>
@@ -2349,7 +2252,7 @@
                 <a:ea typeface="+mn-ea"/>
                 <a:cs typeface="+mn-cs"/>
               </a:rPr>
-              <a:t>++ с использованием принципов объектно-ориентированного программирования.</a:t>
+              <a:t>•	переносить устройства из одной комнаты в другую</a:t>
             </a:r>
           </a:p>
           <a:p>
@@ -2363,10 +2266,12 @@
                 <a:ea typeface="+mn-ea"/>
                 <a:cs typeface="+mn-cs"/>
               </a:rPr>
-              <a:t>Результатом проектирования аппаратной и программной частей является собранное функционирующее устройство, позволяющее управлять освещением с помощью сенсорных клавиш на лицевой панели или из личного кабинета системы «Умный дом» при подключении к </a:t>
-            </a:r>
-            <a:r>
-              <a:rPr lang="en-US" sz="1200" kern="1200" dirty="0" smtClean="0">
+              <a:t>•	создавать новые комнаты</a:t>
+            </a:r>
+          </a:p>
+          <a:p>
+            <a:r>
+              <a:rPr lang="ru-RU" sz="1200" kern="1200" dirty="0" smtClean="0">
                 <a:solidFill>
                   <a:schemeClr val="tx1"/>
                 </a:solidFill>
@@ -2375,8 +2280,10 @@
                 <a:ea typeface="+mn-ea"/>
                 <a:cs typeface="+mn-cs"/>
               </a:rPr>
-              <a:t>Wi</a:t>
-            </a:r>
+              <a:t>•	регулировать доступные параметры приборов. </a:t>
+            </a:r>
+          </a:p>
+          <a:p>
             <a:r>
               <a:rPr lang="ru-RU" sz="1200" kern="1200" dirty="0" smtClean="0">
                 <a:solidFill>
@@ -2387,10 +2294,12 @@
                 <a:ea typeface="+mn-ea"/>
                 <a:cs typeface="+mn-cs"/>
               </a:rPr>
-              <a:t>-</a:t>
-            </a:r>
-            <a:r>
-              <a:rPr lang="en-US" sz="1200" kern="1200" dirty="0" smtClean="0">
+              <a:t>На слайде показано окно регулировки яркости разработанного диммера. На примере умного диммера интерфейс позволяет изменять следующие параметры:</a:t>
+            </a:r>
+          </a:p>
+          <a:p>
+            <a:r>
+              <a:rPr lang="ru-RU" sz="1200" kern="1200" dirty="0" smtClean="0">
                 <a:solidFill>
                   <a:schemeClr val="tx1"/>
                 </a:solidFill>
@@ -2399,8 +2308,10 @@
                 <a:ea typeface="+mn-ea"/>
                 <a:cs typeface="+mn-cs"/>
               </a:rPr>
-              <a:t>Fi</a:t>
-            </a:r>
+              <a:t>•	Яркость освещения</a:t>
+            </a:r>
+          </a:p>
+          <a:p>
             <a:r>
               <a:rPr lang="ru-RU" sz="1200" kern="1200" dirty="0" smtClean="0">
                 <a:solidFill>
@@ -2411,7 +2322,21 @@
                 <a:ea typeface="+mn-ea"/>
                 <a:cs typeface="+mn-cs"/>
               </a:rPr>
-              <a:t>.</a:t>
+              <a:t>•	Режим работы (автоматический, ручной)</a:t>
+            </a:r>
+          </a:p>
+          <a:p>
+            <a:r>
+              <a:rPr lang="ru-RU" sz="1200" kern="1200" dirty="0" smtClean="0">
+                <a:solidFill>
+                  <a:schemeClr val="tx1"/>
+                </a:solidFill>
+                <a:effectLst/>
+                <a:latin typeface="+mn-lt"/>
+                <a:ea typeface="+mn-ea"/>
+                <a:cs typeface="+mn-cs"/>
+              </a:rPr>
+              <a:t>•	Рабочее состояние (включен, выключен)</a:t>
             </a:r>
           </a:p>
           <a:p>
@@ -2445,7 +2370,7 @@
     </p:spTree>
     <p:extLst>
       <p:ext uri="{BB962C8B-B14F-4D97-AF65-F5344CB8AC3E}">
-        <p14:creationId xmlns:p14="http://schemas.microsoft.com/office/powerpoint/2010/main" val="1664002935"/>
+        <p14:creationId xmlns:p14="http://schemas.microsoft.com/office/powerpoint/2010/main" val="3856142841"/>
       </p:ext>
     </p:extLst>
   </p:cSld>
@@ -2584,9 +2509,9 @@
           <a:bodyPr/>
           <a:lstStyle/>
           <a:p>
-            <a:fld id="{5764A7B3-D769-46DF-B956-4056A85F8FC2}" type="datetimeFigureOut">
+            <a:fld id="{28E64A32-4729-4413-8F14-96B8AAC354CC}" type="datetime1">
               <a:rPr lang="ru-RU" smtClean="0"/>
-              <a:t>24.01.2021</a:t>
+              <a:t>25.01.2021</a:t>
             </a:fld>
             <a:endParaRPr lang="ru-RU"/>
           </a:p>
@@ -2754,9 +2679,9 @@
           <a:bodyPr/>
           <a:lstStyle/>
           <a:p>
-            <a:fld id="{5764A7B3-D769-46DF-B956-4056A85F8FC2}" type="datetimeFigureOut">
+            <a:fld id="{04DF3276-7EA6-475F-BF75-290240D23EA9}" type="datetime1">
               <a:rPr lang="ru-RU" smtClean="0"/>
-              <a:t>24.01.2021</a:t>
+              <a:t>25.01.2021</a:t>
             </a:fld>
             <a:endParaRPr lang="ru-RU"/>
           </a:p>
@@ -2934,9 +2859,9 @@
           <a:bodyPr/>
           <a:lstStyle/>
           <a:p>
-            <a:fld id="{5764A7B3-D769-46DF-B956-4056A85F8FC2}" type="datetimeFigureOut">
+            <a:fld id="{1A3F93EF-5E42-4A19-9AAF-E0581B38CA39}" type="datetime1">
               <a:rPr lang="ru-RU" smtClean="0"/>
-              <a:t>24.01.2021</a:t>
+              <a:t>25.01.2021</a:t>
             </a:fld>
             <a:endParaRPr lang="ru-RU"/>
           </a:p>
@@ -3104,9 +3029,9 @@
           <a:bodyPr/>
           <a:lstStyle/>
           <a:p>
-            <a:fld id="{5764A7B3-D769-46DF-B956-4056A85F8FC2}" type="datetimeFigureOut">
+            <a:fld id="{663F2127-222E-43A7-BB4F-F2118C5A05EF}" type="datetime1">
               <a:rPr lang="ru-RU" smtClean="0"/>
-              <a:t>24.01.2021</a:t>
+              <a:t>25.01.2021</a:t>
             </a:fld>
             <a:endParaRPr lang="ru-RU"/>
           </a:p>
@@ -3350,9 +3275,9 @@
           <a:bodyPr/>
           <a:lstStyle/>
           <a:p>
-            <a:fld id="{5764A7B3-D769-46DF-B956-4056A85F8FC2}" type="datetimeFigureOut">
+            <a:fld id="{501B00BE-FBC4-4892-926B-E6F5226006DF}" type="datetime1">
               <a:rPr lang="ru-RU" smtClean="0"/>
-              <a:t>24.01.2021</a:t>
+              <a:t>25.01.2021</a:t>
             </a:fld>
             <a:endParaRPr lang="ru-RU"/>
           </a:p>
@@ -3582,9 +3507,9 @@
           <a:bodyPr/>
           <a:lstStyle/>
           <a:p>
-            <a:fld id="{5764A7B3-D769-46DF-B956-4056A85F8FC2}" type="datetimeFigureOut">
+            <a:fld id="{282DB40F-E2AB-4E2F-9358-F4126D176C14}" type="datetime1">
               <a:rPr lang="ru-RU" smtClean="0"/>
-              <a:t>24.01.2021</a:t>
+              <a:t>25.01.2021</a:t>
             </a:fld>
             <a:endParaRPr lang="ru-RU"/>
           </a:p>
@@ -3949,9 +3874,9 @@
           <a:bodyPr/>
           <a:lstStyle/>
           <a:p>
-            <a:fld id="{5764A7B3-D769-46DF-B956-4056A85F8FC2}" type="datetimeFigureOut">
+            <a:fld id="{226A8918-A3E0-4C9F-AB05-42C93FCE5270}" type="datetime1">
               <a:rPr lang="ru-RU" smtClean="0"/>
-              <a:t>24.01.2021</a:t>
+              <a:t>25.01.2021</a:t>
             </a:fld>
             <a:endParaRPr lang="ru-RU"/>
           </a:p>
@@ -4067,9 +3992,9 @@
           <a:bodyPr/>
           <a:lstStyle/>
           <a:p>
-            <a:fld id="{5764A7B3-D769-46DF-B956-4056A85F8FC2}" type="datetimeFigureOut">
+            <a:fld id="{CB160012-4101-496B-9665-7BB805868B1D}" type="datetime1">
               <a:rPr lang="ru-RU" smtClean="0"/>
-              <a:t>24.01.2021</a:t>
+              <a:t>25.01.2021</a:t>
             </a:fld>
             <a:endParaRPr lang="ru-RU"/>
           </a:p>
@@ -4162,9 +4087,9 @@
           <a:bodyPr/>
           <a:lstStyle/>
           <a:p>
-            <a:fld id="{5764A7B3-D769-46DF-B956-4056A85F8FC2}" type="datetimeFigureOut">
+            <a:fld id="{4FD7396F-7472-4068-A053-AD8E6FD0F5BA}" type="datetime1">
               <a:rPr lang="ru-RU" smtClean="0"/>
-              <a:t>24.01.2021</a:t>
+              <a:t>25.01.2021</a:t>
             </a:fld>
             <a:endParaRPr lang="ru-RU"/>
           </a:p>
@@ -4439,9 +4364,9 @@
           <a:bodyPr/>
           <a:lstStyle/>
           <a:p>
-            <a:fld id="{5764A7B3-D769-46DF-B956-4056A85F8FC2}" type="datetimeFigureOut">
+            <a:fld id="{9959CC87-CE5E-4749-8C24-A630495F4CCE}" type="datetime1">
               <a:rPr lang="ru-RU" smtClean="0"/>
-              <a:t>24.01.2021</a:t>
+              <a:t>25.01.2021</a:t>
             </a:fld>
             <a:endParaRPr lang="ru-RU"/>
           </a:p>
@@ -4692,9 +4617,9 @@
           <a:bodyPr/>
           <a:lstStyle/>
           <a:p>
-            <a:fld id="{5764A7B3-D769-46DF-B956-4056A85F8FC2}" type="datetimeFigureOut">
+            <a:fld id="{DB118B5B-A2FA-4A85-8C01-E4FA1A5429F9}" type="datetime1">
               <a:rPr lang="ru-RU" smtClean="0"/>
-              <a:t>24.01.2021</a:t>
+              <a:t>25.01.2021</a:t>
             </a:fld>
             <a:endParaRPr lang="ru-RU"/>
           </a:p>
@@ -4905,9 +4830,9 @@
             </a:lvl1pPr>
           </a:lstStyle>
           <a:p>
-            <a:fld id="{5764A7B3-D769-46DF-B956-4056A85F8FC2}" type="datetimeFigureOut">
+            <a:fld id="{2E19FEC1-01B6-4625-BB2A-06331F927AF5}" type="datetime1">
               <a:rPr lang="ru-RU" smtClean="0"/>
-              <a:t>24.01.2021</a:t>
+              <a:t>25.01.2021</a:t>
             </a:fld>
             <a:endParaRPr lang="ru-RU"/>
           </a:p>
@@ -5012,6 +4937,7 @@
     <p:sldLayoutId id="2147483658" r:id="rId10"/>
     <p:sldLayoutId id="2147483659" r:id="rId11"/>
   </p:sldLayoutIdLst>
+  <p:hf hdr="0" ftr="0" dt="0"/>
   <p:txStyles>
     <p:titleStyle>
       <a:lvl1pPr algn="l" defTabSz="914400" rtl="0" eaLnBrk="1" latinLnBrk="0" hangingPunct="1">
@@ -5529,13 +5455,13 @@
   <p:clrMapOvr>
     <a:masterClrMapping/>
   </p:clrMapOvr>
-  <mc:AlternateContent xmlns:mc="http://schemas.openxmlformats.org/markup-compatibility/2006">
-    <mc:Choice xmlns:p14="http://schemas.microsoft.com/office/powerpoint/2010/main" Requires="p14">
+  <mc:AlternateContent xmlns:mc="http://schemas.openxmlformats.org/markup-compatibility/2006" xmlns:p14="http://schemas.microsoft.com/office/powerpoint/2010/main">
+    <mc:Choice Requires="p14">
       <p:transition spd="med" p14:dur="700">
         <p:fade/>
       </p:transition>
     </mc:Choice>
-    <mc:Fallback>
+    <mc:Fallback xmlns="">
       <p:transition spd="med">
         <p:fade/>
       </p:transition>
@@ -5580,8 +5506,8 @@
         </p:nvSpPr>
         <p:spPr>
           <a:xfrm>
-            <a:off x="838199" y="484094"/>
-            <a:ext cx="10515600" cy="615297"/>
+            <a:off x="838200" y="493058"/>
+            <a:ext cx="10515600" cy="600635"/>
           </a:xfrm>
         </p:spPr>
         <p:txBody>
@@ -5600,7 +5526,31 @@
                 </a:solidFill>
                 <a:latin typeface="Century Gothic" panose="020B0502020202020204" pitchFamily="34" charset="0"/>
               </a:rPr>
-              <a:t>Реализация свето-регулятора (прототип)</a:t>
+              <a:t>Реализация </a:t>
+            </a:r>
+            <a:r>
+              <a:rPr lang="en-US" sz="2900" dirty="0" smtClean="0">
+                <a:solidFill>
+                  <a:schemeClr val="tx1">
+                    <a:lumMod val="75000"/>
+                    <a:lumOff val="25000"/>
+                  </a:schemeClr>
+                </a:solidFill>
+                <a:latin typeface="Century Gothic" panose="020B0502020202020204" pitchFamily="34" charset="0"/>
+              </a:rPr>
+              <a:t>Web-</a:t>
+            </a:r>
+            <a:r>
+              <a:rPr lang="ru-RU" sz="2900" dirty="0" smtClean="0">
+                <a:solidFill>
+                  <a:schemeClr val="tx1">
+                    <a:lumMod val="75000"/>
+                    <a:lumOff val="25000"/>
+                  </a:schemeClr>
+                </a:solidFill>
+                <a:latin typeface="Century Gothic" panose="020B0502020202020204" pitchFamily="34" charset="0"/>
+              </a:rPr>
+              <a:t>интерфейса</a:t>
             </a:r>
             <a:endParaRPr lang="ru-RU" sz="2900" dirty="0">
               <a:solidFill>
@@ -5616,14 +5566,14 @@
       </p:sp>
       <p:sp>
         <p:nvSpPr>
-          <p:cNvPr id="3" name="TextBox 2"/>
+          <p:cNvPr id="4" name="TextBox 3"/>
           <p:cNvSpPr txBox="1"/>
           <p:nvPr/>
         </p:nvSpPr>
         <p:spPr>
           <a:xfrm>
-            <a:off x="838199" y="5836673"/>
-            <a:ext cx="3769660" cy="369332"/>
+            <a:off x="1336862" y="5786432"/>
+            <a:ext cx="4914900" cy="400110"/>
           </a:xfrm>
           <a:prstGeom prst="rect">
             <a:avLst/>
@@ -5638,7 +5588,7 @@
           <a:p>
             <a:pPr algn="ctr"/>
             <a:r>
-              <a:rPr lang="ru-RU" dirty="0" smtClean="0">
+              <a:rPr lang="ru-RU" sz="2000" dirty="0" smtClean="0">
                 <a:solidFill>
                   <a:schemeClr val="tx1">
                     <a:lumMod val="75000"/>
@@ -5646,290 +5596,9 @@
                   </a:schemeClr>
                 </a:solidFill>
               </a:rPr>
-              <a:t>Прототип умного свето-регулятора</a:t>
-            </a:r>
-            <a:endParaRPr lang="ru-RU" dirty="0">
-              <a:solidFill>
-                <a:schemeClr val="tx1">
-                  <a:lumMod val="75000"/>
-                  <a:lumOff val="25000"/>
-                </a:schemeClr>
-              </a:solidFill>
-            </a:endParaRPr>
-          </a:p>
-        </p:txBody>
-      </p:sp>
-      <p:sp>
-        <p:nvSpPr>
-          <p:cNvPr id="4" name="TextBox 3"/>
-          <p:cNvSpPr txBox="1"/>
-          <p:nvPr/>
-        </p:nvSpPr>
-        <p:spPr>
-          <a:xfrm>
-            <a:off x="7566212" y="5800483"/>
-            <a:ext cx="3787588" cy="369332"/>
-          </a:xfrm>
-          <a:prstGeom prst="rect">
-            <a:avLst/>
-          </a:prstGeom>
-          <a:noFill/>
-        </p:spPr>
-        <p:txBody>
-          <a:bodyPr wrap="square" rtlCol="0">
-            <a:spAutoFit/>
-          </a:bodyPr>
-          <a:lstStyle/>
-          <a:p>
-            <a:pPr algn="ctr"/>
-            <a:r>
-              <a:rPr lang="ru-RU" dirty="0" smtClean="0">
-                <a:solidFill>
-                  <a:schemeClr val="tx1">
-                    <a:lumMod val="75000"/>
-                    <a:lumOff val="25000"/>
-                  </a:schemeClr>
-                </a:solidFill>
-              </a:rPr>
-              <a:t>Включение свето-регулятора</a:t>
-            </a:r>
-            <a:endParaRPr lang="ru-RU" dirty="0">
-              <a:solidFill>
-                <a:schemeClr val="tx1">
-                  <a:lumMod val="75000"/>
-                  <a:lumOff val="25000"/>
-                </a:schemeClr>
-              </a:solidFill>
-            </a:endParaRPr>
-          </a:p>
-        </p:txBody>
-      </p:sp>
-      <p:pic>
-        <p:nvPicPr>
-          <p:cNvPr id="1026" name="Picture 2" descr="https://sun9-56.userapi.com/impg/xzjTXXZAlLY_qlnA9BFAtb52Epul-0TGcWLA9w/KR-p5Cgn-YI.jpg?size=1440x1920&amp;quality=96&amp;proxy=1&amp;sign=91f46cc60369a7be7c5c4b1ac0137519&amp;type=album"/>
-          <p:cNvPicPr>
-            <a:picLocks noChangeAspect="1" noChangeArrowheads="1"/>
-          </p:cNvPicPr>
-          <p:nvPr/>
-        </p:nvPicPr>
-        <p:blipFill rotWithShape="1">
-          <a:blip r:embed="rId3" cstate="print">
-            <a:extLst>
-              <a:ext uri="{28A0092B-C50C-407E-A947-70E740481C1C}">
-                <a14:useLocalDpi xmlns:a14="http://schemas.microsoft.com/office/drawing/2010/main" val="0"/>
-              </a:ext>
-            </a:extLst>
-          </a:blip>
-          <a:srcRect t="7747"/>
-          <a:stretch/>
-        </p:blipFill>
-        <p:spPr bwMode="auto">
-          <a:xfrm>
-            <a:off x="838199" y="1149631"/>
-            <a:ext cx="3769660" cy="4636802"/>
-          </a:xfrm>
-          <a:prstGeom prst="rect">
-            <a:avLst/>
-          </a:prstGeom>
-          <a:noFill/>
-          <a:extLst>
-            <a:ext uri="{909E8E84-426E-40DD-AFC4-6F175D3DCCD1}">
-              <a14:hiddenFill xmlns:a14="http://schemas.microsoft.com/office/drawing/2010/main">
-                <a:solidFill>
-                  <a:srgbClr val="FFFFFF"/>
-                </a:solidFill>
-              </a14:hiddenFill>
-            </a:ext>
-          </a:extLst>
-        </p:spPr>
-      </p:pic>
-      <p:pic>
-        <p:nvPicPr>
-          <p:cNvPr id="6" name="Рисунок 5" descr="https://sun9-46.userapi.com/impg/-Ind-8ZLD7DkNxs4dI6xVNA6wMVgMP3q-UWPuA/ZgAsZ-b9y9U.jpg?size=1440x1920&amp;quality=96&amp;proxy=1&amp;sign=ca6aced8a9e86159bbc65f970c78ad5d&amp;type=album"/>
-          <p:cNvPicPr/>
-          <p:nvPr/>
-        </p:nvPicPr>
-        <p:blipFill>
-          <a:blip r:embed="rId4" cstate="print">
-            <a:extLst>
-              <a:ext uri="{28A0092B-C50C-407E-A947-70E740481C1C}">
-                <a14:useLocalDpi xmlns:a14="http://schemas.microsoft.com/office/drawing/2010/main" val="0"/>
-              </a:ext>
-            </a:extLst>
-          </a:blip>
-          <a:srcRect/>
-          <a:stretch>
-            <a:fillRect/>
-          </a:stretch>
-        </p:blipFill>
-        <p:spPr bwMode="auto">
-          <a:xfrm>
-            <a:off x="7566212" y="1212894"/>
-            <a:ext cx="3787588" cy="4573538"/>
-          </a:xfrm>
-          <a:prstGeom prst="rect">
-            <a:avLst/>
-          </a:prstGeom>
-          <a:noFill/>
-          <a:ln>
-            <a:noFill/>
-          </a:ln>
-        </p:spPr>
-      </p:pic>
-    </p:spTree>
-    <p:extLst>
-      <p:ext uri="{BB962C8B-B14F-4D97-AF65-F5344CB8AC3E}">
-        <p14:creationId xmlns:p14="http://schemas.microsoft.com/office/powerpoint/2010/main" val="2145857970"/>
-      </p:ext>
-    </p:extLst>
-  </p:cSld>
-  <p:clrMapOvr>
-    <a:masterClrMapping/>
-  </p:clrMapOvr>
-  <mc:AlternateContent xmlns:mc="http://schemas.openxmlformats.org/markup-compatibility/2006">
-    <mc:Choice xmlns:p14="http://schemas.microsoft.com/office/powerpoint/2010/main" Requires="p14">
-      <p:transition spd="med" p14:dur="700">
-        <p:fade/>
-      </p:transition>
-    </mc:Choice>
-    <mc:Fallback>
-      <p:transition spd="med">
-        <p:fade/>
-      </p:transition>
-    </mc:Fallback>
-  </mc:AlternateContent>
-  <p:timing>
-    <p:tnLst>
-      <p:par>
-        <p:cTn id="1" dur="indefinite" restart="never" nodeType="tmRoot"/>
-      </p:par>
-    </p:tnLst>
-  </p:timing>
-</p:sld>
-</file>
-
-<file path=ppt/slides/slide11.xml><?xml version="1.0" encoding="utf-8"?>
-<p:sld xmlns:a="http://schemas.openxmlformats.org/drawingml/2006/main" xmlns:r="http://schemas.openxmlformats.org/officeDocument/2006/relationships" xmlns:p="http://schemas.openxmlformats.org/presentationml/2006/main">
-  <p:cSld>
-    <p:spTree>
-      <p:nvGrpSpPr>
-        <p:cNvPr id="1" name=""/>
-        <p:cNvGrpSpPr/>
-        <p:nvPr/>
-      </p:nvGrpSpPr>
-      <p:grpSpPr>
-        <a:xfrm>
-          <a:off x="0" y="0"/>
-          <a:ext cx="0" cy="0"/>
-          <a:chOff x="0" y="0"/>
-          <a:chExt cx="0" cy="0"/>
-        </a:xfrm>
-      </p:grpSpPr>
-      <p:sp>
-        <p:nvSpPr>
-          <p:cNvPr id="2" name="Заголовок 1"/>
-          <p:cNvSpPr>
-            <a:spLocks noGrp="1"/>
-          </p:cNvSpPr>
-          <p:nvPr>
-            <p:ph type="title"/>
-          </p:nvPr>
-        </p:nvSpPr>
-        <p:spPr>
-          <a:xfrm>
-            <a:off x="838200" y="493058"/>
-            <a:ext cx="10515600" cy="600635"/>
-          </a:xfrm>
-        </p:spPr>
-        <p:txBody>
-          <a:bodyPr>
-            <a:normAutofit/>
-          </a:bodyPr>
-          <a:lstStyle/>
-          <a:p>
-            <a:r>
-              <a:rPr lang="ru-RU" sz="2900" dirty="0" smtClean="0">
-                <a:solidFill>
-                  <a:schemeClr val="tx1">
-                    <a:lumMod val="75000"/>
-                    <a:lumOff val="25000"/>
-                  </a:schemeClr>
-                </a:solidFill>
-                <a:latin typeface="Century Gothic" panose="020B0502020202020204" pitchFamily="34" charset="0"/>
-              </a:rPr>
-              <a:t>Реализация </a:t>
-            </a:r>
-            <a:r>
-              <a:rPr lang="en-US" sz="2900" dirty="0" smtClean="0">
-                <a:solidFill>
-                  <a:schemeClr val="tx1">
-                    <a:lumMod val="75000"/>
-                    <a:lumOff val="25000"/>
-                  </a:schemeClr>
-                </a:solidFill>
-                <a:latin typeface="Century Gothic" panose="020B0502020202020204" pitchFamily="34" charset="0"/>
-              </a:rPr>
-              <a:t>Web-</a:t>
-            </a:r>
-            <a:r>
-              <a:rPr lang="ru-RU" sz="2900" dirty="0" smtClean="0">
-                <a:solidFill>
-                  <a:schemeClr val="tx1">
-                    <a:lumMod val="75000"/>
-                    <a:lumOff val="25000"/>
-                  </a:schemeClr>
-                </a:solidFill>
-                <a:latin typeface="Century Gothic" panose="020B0502020202020204" pitchFamily="34" charset="0"/>
-              </a:rPr>
-              <a:t>интерфейса</a:t>
-            </a:r>
-            <a:endParaRPr lang="ru-RU" sz="2900" dirty="0">
-              <a:solidFill>
-                <a:schemeClr val="tx1">
-                  <a:lumMod val="75000"/>
-                  <a:lumOff val="25000"/>
-                </a:schemeClr>
-              </a:solidFill>
-              <a:latin typeface="Century Gothic" panose="020B0502020202020204" pitchFamily="34" charset="0"/>
-            </a:endParaRPr>
-          </a:p>
-        </p:txBody>
-      </p:sp>
-      <p:sp>
-        <p:nvSpPr>
-          <p:cNvPr id="4" name="TextBox 3"/>
-          <p:cNvSpPr txBox="1"/>
-          <p:nvPr/>
-        </p:nvSpPr>
-        <p:spPr>
-          <a:xfrm>
-            <a:off x="1336862" y="5786432"/>
-            <a:ext cx="4914900" cy="369332"/>
-          </a:xfrm>
-          <a:prstGeom prst="rect">
-            <a:avLst/>
-          </a:prstGeom>
-          <a:noFill/>
-        </p:spPr>
-        <p:txBody>
-          <a:bodyPr wrap="square" rtlCol="0">
-            <a:spAutoFit/>
-          </a:bodyPr>
-          <a:lstStyle/>
-          <a:p>
-            <a:pPr algn="ctr"/>
-            <a:r>
-              <a:rPr lang="ru-RU" dirty="0" smtClean="0">
-                <a:solidFill>
-                  <a:schemeClr val="tx1">
-                    <a:lumMod val="75000"/>
-                    <a:lumOff val="25000"/>
-                  </a:schemeClr>
-                </a:solidFill>
-              </a:rPr>
               <a:t>Личный кабинет (раздел комнат)</a:t>
             </a:r>
-            <a:endParaRPr lang="ru-RU" dirty="0">
+            <a:endParaRPr lang="ru-RU" sz="2000" dirty="0">
               <a:solidFill>
                 <a:schemeClr val="tx1">
                   <a:lumMod val="75000"/>
@@ -5984,8 +5653,8 @@
         </p:nvSpPr>
         <p:spPr>
           <a:xfrm>
-            <a:off x="6947647" y="2241176"/>
-            <a:ext cx="4625788" cy="2585323"/>
+            <a:off x="7098118" y="1308975"/>
+            <a:ext cx="4625788" cy="4832092"/>
           </a:xfrm>
           <a:prstGeom prst="rect">
             <a:avLst/>
@@ -6000,7 +5669,7 @@
           <a:p>
             <a:pPr algn="just" defTabSz="457200"/>
             <a:r>
-              <a:rPr lang="ru-RU" dirty="0">
+              <a:rPr lang="ru-RU" sz="2800" dirty="0">
                 <a:solidFill>
                   <a:schemeClr val="tx1">
                     <a:lumMod val="75000"/>
@@ -6020,7 +5689,7 @@
               <a:buChar char="•"/>
             </a:pPr>
             <a:r>
-              <a:rPr lang="ru-RU" dirty="0" smtClean="0">
+              <a:rPr lang="ru-RU" sz="2800" dirty="0" smtClean="0">
                 <a:solidFill>
                   <a:schemeClr val="tx1">
                     <a:lumMod val="75000"/>
@@ -6040,7 +5709,7 @@
               <a:buChar char="•"/>
             </a:pPr>
             <a:r>
-              <a:rPr lang="ru-RU" dirty="0" smtClean="0">
+              <a:rPr lang="ru-RU" sz="2800" dirty="0" smtClean="0">
                 <a:solidFill>
                   <a:schemeClr val="tx1">
                     <a:lumMod val="75000"/>
@@ -6060,7 +5729,7 @@
               <a:buChar char="•"/>
             </a:pPr>
             <a:r>
-              <a:rPr lang="ru-RU" dirty="0" smtClean="0">
+              <a:rPr lang="ru-RU" sz="2800" dirty="0" smtClean="0">
                 <a:solidFill>
                   <a:schemeClr val="tx1">
                     <a:lumMod val="75000"/>
@@ -6080,7 +5749,7 @@
               <a:buChar char="•"/>
             </a:pPr>
             <a:r>
-              <a:rPr lang="ru-RU" dirty="0" smtClean="0">
+              <a:rPr lang="ru-RU" sz="2800" dirty="0" smtClean="0">
                 <a:solidFill>
                   <a:schemeClr val="tx1">
                     <a:lumMod val="75000"/>
@@ -6090,6 +5759,29 @@
               </a:rPr>
               <a:t>Регулировать доступные параметры устройств (у диммера: яркость освещения, режим работы, рабочее состояние)</a:t>
             </a:r>
+          </a:p>
+        </p:txBody>
+      </p:sp>
+      <p:sp>
+        <p:nvSpPr>
+          <p:cNvPr id="3" name="Номер слайда 2"/>
+          <p:cNvSpPr>
+            <a:spLocks noGrp="1"/>
+          </p:cNvSpPr>
+          <p:nvPr>
+            <p:ph type="sldNum" sz="quarter" idx="12"/>
+          </p:nvPr>
+        </p:nvSpPr>
+        <p:spPr/>
+        <p:txBody>
+          <a:bodyPr/>
+          <a:lstStyle/>
+          <a:p>
+            <a:fld id="{9DB473F4-B23E-4985-8567-AC9A694A3DD9}" type="slidenum">
+              <a:rPr lang="ru-RU" sz="1800" smtClean="0"/>
+              <a:t>10</a:t>
+            </a:fld>
+            <a:endParaRPr lang="ru-RU" dirty="0"/>
           </a:p>
         </p:txBody>
       </p:sp>
@@ -6103,13 +5795,397 @@
   <p:clrMapOvr>
     <a:masterClrMapping/>
   </p:clrMapOvr>
-  <mc:AlternateContent xmlns:mc="http://schemas.openxmlformats.org/markup-compatibility/2006">
-    <mc:Choice xmlns:p14="http://schemas.microsoft.com/office/powerpoint/2010/main" Requires="p14">
+  <mc:AlternateContent xmlns:mc="http://schemas.openxmlformats.org/markup-compatibility/2006" xmlns:p14="http://schemas.microsoft.com/office/powerpoint/2010/main">
+    <mc:Choice Requires="p14">
       <p:transition spd="med" p14:dur="700">
         <p:fade/>
       </p:transition>
     </mc:Choice>
-    <mc:Fallback>
+    <mc:Fallback xmlns="">
+      <p:transition spd="med">
+        <p:fade/>
+      </p:transition>
+    </mc:Fallback>
+  </mc:AlternateContent>
+  <p:timing>
+    <p:tnLst>
+      <p:par>
+        <p:cTn id="1" dur="indefinite" restart="never" nodeType="tmRoot"/>
+      </p:par>
+    </p:tnLst>
+  </p:timing>
+</p:sld>
+</file>
+
+<file path=ppt/slides/slide11.xml><?xml version="1.0" encoding="utf-8"?>
+<p:sld xmlns:a="http://schemas.openxmlformats.org/drawingml/2006/main" xmlns:r="http://schemas.openxmlformats.org/officeDocument/2006/relationships" xmlns:p="http://schemas.openxmlformats.org/presentationml/2006/main">
+  <p:cSld>
+    <p:spTree>
+      <p:nvGrpSpPr>
+        <p:cNvPr id="1" name=""/>
+        <p:cNvGrpSpPr/>
+        <p:nvPr/>
+      </p:nvGrpSpPr>
+      <p:grpSpPr>
+        <a:xfrm>
+          <a:off x="0" y="0"/>
+          <a:ext cx="0" cy="0"/>
+          <a:chOff x="0" y="0"/>
+          <a:chExt cx="0" cy="0"/>
+        </a:xfrm>
+      </p:grpSpPr>
+      <p:sp>
+        <p:nvSpPr>
+          <p:cNvPr id="2" name="Заголовок 1"/>
+          <p:cNvSpPr>
+            <a:spLocks noGrp="1"/>
+          </p:cNvSpPr>
+          <p:nvPr>
+            <p:ph type="title"/>
+          </p:nvPr>
+        </p:nvSpPr>
+        <p:spPr>
+          <a:xfrm>
+            <a:off x="838200" y="580279"/>
+            <a:ext cx="10515600" cy="567204"/>
+          </a:xfrm>
+        </p:spPr>
+        <p:txBody>
+          <a:bodyPr>
+            <a:normAutofit/>
+          </a:bodyPr>
+          <a:lstStyle/>
+          <a:p>
+            <a:r>
+              <a:rPr lang="ru-RU" sz="2900" dirty="0" smtClean="0">
+                <a:solidFill>
+                  <a:schemeClr val="tx1">
+                    <a:lumMod val="75000"/>
+                    <a:lumOff val="25000"/>
+                  </a:schemeClr>
+                </a:solidFill>
+                <a:latin typeface="Century Gothic" panose="020B0502020202020204" pitchFamily="34" charset="0"/>
+              </a:rPr>
+              <a:t>Заключение</a:t>
+            </a:r>
+            <a:endParaRPr lang="ru-RU" sz="2900" dirty="0">
+              <a:solidFill>
+                <a:schemeClr val="tx1">
+                  <a:lumMod val="75000"/>
+                  <a:lumOff val="25000"/>
+                </a:schemeClr>
+              </a:solidFill>
+              <a:latin typeface="Century Gothic" panose="020B0502020202020204" pitchFamily="34" charset="0"/>
+            </a:endParaRPr>
+          </a:p>
+        </p:txBody>
+      </p:sp>
+      <p:sp>
+        <p:nvSpPr>
+          <p:cNvPr id="5" name="TextBox 4"/>
+          <p:cNvSpPr txBox="1"/>
+          <p:nvPr/>
+        </p:nvSpPr>
+        <p:spPr>
+          <a:xfrm>
+            <a:off x="838200" y="1766030"/>
+            <a:ext cx="10515600" cy="1323439"/>
+          </a:xfrm>
+          <a:prstGeom prst="rect">
+            <a:avLst/>
+          </a:prstGeom>
+          <a:noFill/>
+        </p:spPr>
+        <p:txBody>
+          <a:bodyPr wrap="square" rtlCol="0">
+            <a:spAutoFit/>
+          </a:bodyPr>
+          <a:lstStyle/>
+          <a:p>
+            <a:pPr algn="just"/>
+            <a:r>
+              <a:rPr lang="ru-RU" sz="2000" dirty="0" smtClean="0">
+                <a:solidFill>
+                  <a:schemeClr val="tx1">
+                    <a:lumMod val="75000"/>
+                    <a:lumOff val="25000"/>
+                  </a:schemeClr>
+                </a:solidFill>
+              </a:rPr>
+              <a:t>Результаты проделанной работы:</a:t>
+            </a:r>
+          </a:p>
+          <a:p>
+            <a:pPr marL="285750" indent="-285750" algn="just">
+              <a:buClr>
+                <a:srgbClr val="BEA1BF"/>
+              </a:buClr>
+              <a:buFont typeface="Arial" panose="020B0604020202020204" pitchFamily="34" charset="0"/>
+              <a:buChar char="•"/>
+            </a:pPr>
+            <a:r>
+              <a:rPr lang="ru-RU" sz="2000" dirty="0" smtClean="0">
+                <a:solidFill>
+                  <a:schemeClr val="tx1">
+                    <a:lumMod val="75000"/>
+                    <a:lumOff val="25000"/>
+                  </a:schemeClr>
+                </a:solidFill>
+              </a:rPr>
+              <a:t>Создан прототип умного свето-регулятора с возможностью удаленного управления.</a:t>
+            </a:r>
+          </a:p>
+          <a:p>
+            <a:pPr marL="285750" indent="-285750" algn="just">
+              <a:buClr>
+                <a:srgbClr val="BEA1BF"/>
+              </a:buClr>
+              <a:buFont typeface="Arial" panose="020B0604020202020204" pitchFamily="34" charset="0"/>
+              <a:buChar char="•"/>
+            </a:pPr>
+            <a:r>
+              <a:rPr lang="ru-RU" sz="2000" dirty="0" smtClean="0">
+                <a:solidFill>
+                  <a:schemeClr val="tx1">
+                    <a:lumMod val="75000"/>
+                    <a:lumOff val="25000"/>
+                  </a:schemeClr>
+                </a:solidFill>
+              </a:rPr>
+              <a:t>Создан пользовательский </a:t>
+            </a:r>
+            <a:r>
+              <a:rPr lang="en-US" sz="2000" dirty="0" smtClean="0">
+                <a:solidFill>
+                  <a:schemeClr val="tx1">
+                    <a:lumMod val="75000"/>
+                    <a:lumOff val="25000"/>
+                  </a:schemeClr>
+                </a:solidFill>
+              </a:rPr>
+              <a:t>Web-</a:t>
+            </a:r>
+            <a:r>
+              <a:rPr lang="ru-RU" sz="2000" dirty="0" smtClean="0">
+                <a:solidFill>
+                  <a:schemeClr val="tx1">
+                    <a:lumMod val="75000"/>
+                    <a:lumOff val="25000"/>
+                  </a:schemeClr>
+                </a:solidFill>
+              </a:rPr>
+              <a:t>интерфейс как панель управления «Умным домом»</a:t>
+            </a:r>
+          </a:p>
+          <a:p>
+            <a:pPr marL="285750" indent="-285750" algn="just">
+              <a:buClr>
+                <a:srgbClr val="BEA1BF"/>
+              </a:buClr>
+              <a:buFont typeface="Arial" panose="020B0604020202020204" pitchFamily="34" charset="0"/>
+              <a:buChar char="•"/>
+            </a:pPr>
+            <a:r>
+              <a:rPr lang="ru-RU" sz="2000" dirty="0">
+                <a:solidFill>
+                  <a:schemeClr val="tx1">
+                    <a:lumMod val="75000"/>
+                    <a:lumOff val="25000"/>
+                  </a:schemeClr>
+                </a:solidFill>
+              </a:rPr>
+              <a:t>З</a:t>
+            </a:r>
+            <a:r>
+              <a:rPr lang="ru-RU" sz="2000" dirty="0" smtClean="0">
+                <a:solidFill>
+                  <a:schemeClr val="tx1">
+                    <a:lumMod val="75000"/>
+                    <a:lumOff val="25000"/>
+                  </a:schemeClr>
+                </a:solidFill>
+              </a:rPr>
+              <a:t>апуск полного цикла </a:t>
+            </a:r>
+            <a:r>
+              <a:rPr lang="ru-RU" sz="2000" dirty="0">
+                <a:solidFill>
+                  <a:schemeClr val="tx1">
+                    <a:lumMod val="75000"/>
+                    <a:lumOff val="25000"/>
+                  </a:schemeClr>
+                </a:solidFill>
+              </a:rPr>
+              <a:t>работы системы для конечного пользователя</a:t>
+            </a:r>
+            <a:r>
+              <a:rPr lang="ru-RU" sz="2000" dirty="0" smtClean="0">
+                <a:solidFill>
+                  <a:schemeClr val="tx1">
+                    <a:lumMod val="75000"/>
+                    <a:lumOff val="25000"/>
+                  </a:schemeClr>
+                </a:solidFill>
+              </a:rPr>
+              <a:t>.</a:t>
+            </a:r>
+          </a:p>
+        </p:txBody>
+      </p:sp>
+      <p:sp>
+        <p:nvSpPr>
+          <p:cNvPr id="3" name="TextBox 2"/>
+          <p:cNvSpPr txBox="1"/>
+          <p:nvPr/>
+        </p:nvSpPr>
+        <p:spPr>
+          <a:xfrm>
+            <a:off x="838200" y="3584906"/>
+            <a:ext cx="8104094" cy="1015663"/>
+          </a:xfrm>
+          <a:prstGeom prst="rect">
+            <a:avLst/>
+          </a:prstGeom>
+          <a:noFill/>
+        </p:spPr>
+        <p:txBody>
+          <a:bodyPr wrap="square" rtlCol="0">
+            <a:spAutoFit/>
+          </a:bodyPr>
+          <a:lstStyle/>
+          <a:p>
+            <a:pPr algn="just"/>
+            <a:r>
+              <a:rPr lang="ru-RU" sz="2000" dirty="0">
+                <a:solidFill>
+                  <a:schemeClr val="tx1">
+                    <a:lumMod val="75000"/>
+                    <a:lumOff val="25000"/>
+                  </a:schemeClr>
+                </a:solidFill>
+              </a:rPr>
+              <a:t>Дальнейшие действия:</a:t>
+            </a:r>
+          </a:p>
+          <a:p>
+            <a:pPr marL="285750" indent="-285750" algn="just">
+              <a:buClr>
+                <a:srgbClr val="BEA1BF"/>
+              </a:buClr>
+              <a:buFont typeface="Arial" panose="020B0604020202020204" pitchFamily="34" charset="0"/>
+              <a:buChar char="•"/>
+            </a:pPr>
+            <a:r>
+              <a:rPr lang="ru-RU" sz="2000" dirty="0">
+                <a:solidFill>
+                  <a:schemeClr val="tx1">
+                    <a:lumMod val="75000"/>
+                    <a:lumOff val="25000"/>
+                  </a:schemeClr>
+                </a:solidFill>
+              </a:rPr>
+              <a:t>Улучшение имеющихся устройств</a:t>
+            </a:r>
+          </a:p>
+          <a:p>
+            <a:pPr marL="285750" indent="-285750" algn="just">
+              <a:buClr>
+                <a:srgbClr val="BEA1BF"/>
+              </a:buClr>
+              <a:buFont typeface="Arial" panose="020B0604020202020204" pitchFamily="34" charset="0"/>
+              <a:buChar char="•"/>
+            </a:pPr>
+            <a:r>
+              <a:rPr lang="ru-RU" sz="2000" dirty="0">
+                <a:solidFill>
+                  <a:schemeClr val="tx1">
+                    <a:lumMod val="75000"/>
+                    <a:lumOff val="25000"/>
+                  </a:schemeClr>
+                </a:solidFill>
+              </a:rPr>
+              <a:t>Разработка новых устройств</a:t>
+            </a:r>
+          </a:p>
+        </p:txBody>
+      </p:sp>
+      <p:sp>
+        <p:nvSpPr>
+          <p:cNvPr id="4" name="TextBox 3"/>
+          <p:cNvSpPr txBox="1"/>
+          <p:nvPr/>
+        </p:nvSpPr>
+        <p:spPr>
+          <a:xfrm>
+            <a:off x="838200" y="5126783"/>
+            <a:ext cx="9941858" cy="707886"/>
+          </a:xfrm>
+          <a:prstGeom prst="rect">
+            <a:avLst/>
+          </a:prstGeom>
+          <a:noFill/>
+        </p:spPr>
+        <p:txBody>
+          <a:bodyPr wrap="square" rtlCol="0">
+            <a:spAutoFit/>
+          </a:bodyPr>
+          <a:lstStyle/>
+          <a:p>
+            <a:pPr algn="just"/>
+            <a:r>
+              <a:rPr lang="ru-RU" sz="2000" dirty="0">
+                <a:solidFill>
+                  <a:schemeClr val="tx1">
+                    <a:lumMod val="75000"/>
+                    <a:lumOff val="25000"/>
+                  </a:schemeClr>
+                </a:solidFill>
+              </a:rPr>
+              <a:t>Работа будет продолжаться в сотрудничестве с преподавателями и студентами кафедры №3 НИЯУ МИФИ.</a:t>
+            </a:r>
+          </a:p>
+        </p:txBody>
+      </p:sp>
+      <p:sp>
+        <p:nvSpPr>
+          <p:cNvPr id="6" name="Номер слайда 5"/>
+          <p:cNvSpPr>
+            <a:spLocks noGrp="1"/>
+          </p:cNvSpPr>
+          <p:nvPr>
+            <p:ph type="sldNum" sz="quarter" idx="12"/>
+          </p:nvPr>
+        </p:nvSpPr>
+        <p:spPr/>
+        <p:txBody>
+          <a:bodyPr/>
+          <a:lstStyle/>
+          <a:p>
+            <a:fld id="{9DB473F4-B23E-4985-8567-AC9A694A3DD9}" type="slidenum">
+              <a:rPr lang="ru-RU" sz="1800" smtClean="0"/>
+              <a:t>11</a:t>
+            </a:fld>
+            <a:endParaRPr lang="ru-RU" dirty="0"/>
+          </a:p>
+        </p:txBody>
+      </p:sp>
+    </p:spTree>
+    <p:extLst>
+      <p:ext uri="{BB962C8B-B14F-4D97-AF65-F5344CB8AC3E}">
+        <p14:creationId xmlns:p14="http://schemas.microsoft.com/office/powerpoint/2010/main" val="3668594923"/>
+      </p:ext>
+    </p:extLst>
+  </p:cSld>
+  <p:clrMapOvr>
+    <a:masterClrMapping/>
+  </p:clrMapOvr>
+  <mc:AlternateContent xmlns:mc="http://schemas.openxmlformats.org/markup-compatibility/2006" xmlns:p14="http://schemas.microsoft.com/office/powerpoint/2010/main">
+    <mc:Choice Requires="p14">
+      <p:transition spd="med" p14:dur="700">
+        <p:fade/>
+      </p:transition>
+    </mc:Choice>
+    <mc:Fallback xmlns="">
       <p:transition spd="med">
         <p:fade/>
       </p:transition>
@@ -6154,367 +6230,6 @@
         </p:nvSpPr>
         <p:spPr>
           <a:xfrm>
-            <a:off x="838200" y="580279"/>
-            <a:ext cx="10515600" cy="567204"/>
-          </a:xfrm>
-        </p:spPr>
-        <p:txBody>
-          <a:bodyPr>
-            <a:normAutofit/>
-          </a:bodyPr>
-          <a:lstStyle/>
-          <a:p>
-            <a:r>
-              <a:rPr lang="ru-RU" sz="2900" dirty="0" smtClean="0">
-                <a:solidFill>
-                  <a:schemeClr val="tx1">
-                    <a:lumMod val="75000"/>
-                    <a:lumOff val="25000"/>
-                  </a:schemeClr>
-                </a:solidFill>
-                <a:latin typeface="Century Gothic" panose="020B0502020202020204" pitchFamily="34" charset="0"/>
-              </a:rPr>
-              <a:t>Заключение</a:t>
-            </a:r>
-            <a:endParaRPr lang="ru-RU" sz="2900" dirty="0">
-              <a:solidFill>
-                <a:schemeClr val="tx1">
-                  <a:lumMod val="75000"/>
-                  <a:lumOff val="25000"/>
-                </a:schemeClr>
-              </a:solidFill>
-              <a:latin typeface="Century Gothic" panose="020B0502020202020204" pitchFamily="34" charset="0"/>
-            </a:endParaRPr>
-          </a:p>
-        </p:txBody>
-      </p:sp>
-      <p:sp>
-        <p:nvSpPr>
-          <p:cNvPr id="5" name="TextBox 4"/>
-          <p:cNvSpPr txBox="1"/>
-          <p:nvPr/>
-        </p:nvSpPr>
-        <p:spPr>
-          <a:xfrm>
-            <a:off x="838200" y="1766030"/>
-            <a:ext cx="10515600" cy="1200329"/>
-          </a:xfrm>
-          <a:prstGeom prst="rect">
-            <a:avLst/>
-          </a:prstGeom>
-          <a:noFill/>
-        </p:spPr>
-        <p:txBody>
-          <a:bodyPr wrap="square" rtlCol="0">
-            <a:spAutoFit/>
-          </a:bodyPr>
-          <a:lstStyle/>
-          <a:p>
-            <a:pPr algn="just"/>
-            <a:r>
-              <a:rPr lang="ru-RU" dirty="0" smtClean="0">
-                <a:solidFill>
-                  <a:schemeClr val="tx1">
-                    <a:lumMod val="75000"/>
-                    <a:lumOff val="25000"/>
-                  </a:schemeClr>
-                </a:solidFill>
-              </a:rPr>
-              <a:t>Результаты проделанной работы:</a:t>
-            </a:r>
-          </a:p>
-          <a:p>
-            <a:pPr marL="285750" indent="-285750" algn="just">
-              <a:buClr>
-                <a:srgbClr val="BEA1BF"/>
-              </a:buClr>
-              <a:buFont typeface="Arial" panose="020B0604020202020204" pitchFamily="34" charset="0"/>
-              <a:buChar char="•"/>
-            </a:pPr>
-            <a:r>
-              <a:rPr lang="ru-RU" dirty="0" smtClean="0">
-                <a:solidFill>
-                  <a:schemeClr val="tx1">
-                    <a:lumMod val="75000"/>
-                    <a:lumOff val="25000"/>
-                  </a:schemeClr>
-                </a:solidFill>
-              </a:rPr>
-              <a:t>Создан прототип умного свето-регулятора с возможностью удаленного управления.</a:t>
-            </a:r>
-          </a:p>
-          <a:p>
-            <a:pPr marL="285750" indent="-285750" algn="just">
-              <a:buClr>
-                <a:srgbClr val="BEA1BF"/>
-              </a:buClr>
-              <a:buFont typeface="Arial" panose="020B0604020202020204" pitchFamily="34" charset="0"/>
-              <a:buChar char="•"/>
-            </a:pPr>
-            <a:r>
-              <a:rPr lang="ru-RU" dirty="0" smtClean="0">
-                <a:solidFill>
-                  <a:schemeClr val="tx1">
-                    <a:lumMod val="75000"/>
-                    <a:lumOff val="25000"/>
-                  </a:schemeClr>
-                </a:solidFill>
-              </a:rPr>
-              <a:t>Создан пользовательский </a:t>
-            </a:r>
-            <a:r>
-              <a:rPr lang="en-US" dirty="0" smtClean="0">
-                <a:solidFill>
-                  <a:schemeClr val="tx1">
-                    <a:lumMod val="75000"/>
-                    <a:lumOff val="25000"/>
-                  </a:schemeClr>
-                </a:solidFill>
-              </a:rPr>
-              <a:t>Web-</a:t>
-            </a:r>
-            <a:r>
-              <a:rPr lang="ru-RU" dirty="0" smtClean="0">
-                <a:solidFill>
-                  <a:schemeClr val="tx1">
-                    <a:lumMod val="75000"/>
-                    <a:lumOff val="25000"/>
-                  </a:schemeClr>
-                </a:solidFill>
-              </a:rPr>
-              <a:t>интерфейс как панель управления «Умным домом»</a:t>
-            </a:r>
-          </a:p>
-          <a:p>
-            <a:pPr marL="285750" indent="-285750" algn="just">
-              <a:buClr>
-                <a:srgbClr val="BEA1BF"/>
-              </a:buClr>
-              <a:buFont typeface="Arial" panose="020B0604020202020204" pitchFamily="34" charset="0"/>
-              <a:buChar char="•"/>
-            </a:pPr>
-            <a:r>
-              <a:rPr lang="ru-RU" dirty="0">
-                <a:solidFill>
-                  <a:schemeClr val="tx1">
-                    <a:lumMod val="75000"/>
-                    <a:lumOff val="25000"/>
-                  </a:schemeClr>
-                </a:solidFill>
-              </a:rPr>
-              <a:t>З</a:t>
-            </a:r>
-            <a:r>
-              <a:rPr lang="ru-RU" dirty="0" smtClean="0">
-                <a:solidFill>
-                  <a:schemeClr val="tx1">
-                    <a:lumMod val="75000"/>
-                    <a:lumOff val="25000"/>
-                  </a:schemeClr>
-                </a:solidFill>
-              </a:rPr>
-              <a:t>апуск полного цикла </a:t>
-            </a:r>
-            <a:r>
-              <a:rPr lang="ru-RU" dirty="0">
-                <a:solidFill>
-                  <a:schemeClr val="tx1">
-                    <a:lumMod val="75000"/>
-                    <a:lumOff val="25000"/>
-                  </a:schemeClr>
-                </a:solidFill>
-              </a:rPr>
-              <a:t>работы системы для конечного пользователя</a:t>
-            </a:r>
-            <a:r>
-              <a:rPr lang="ru-RU" dirty="0" smtClean="0">
-                <a:solidFill>
-                  <a:schemeClr val="tx1">
-                    <a:lumMod val="75000"/>
-                    <a:lumOff val="25000"/>
-                  </a:schemeClr>
-                </a:solidFill>
-              </a:rPr>
-              <a:t>.</a:t>
-            </a:r>
-          </a:p>
-        </p:txBody>
-      </p:sp>
-      <p:sp>
-        <p:nvSpPr>
-          <p:cNvPr id="3" name="TextBox 2"/>
-          <p:cNvSpPr txBox="1"/>
-          <p:nvPr/>
-        </p:nvSpPr>
-        <p:spPr>
-          <a:xfrm>
-            <a:off x="766482" y="3584906"/>
-            <a:ext cx="8104094" cy="923330"/>
-          </a:xfrm>
-          <a:prstGeom prst="rect">
-            <a:avLst/>
-          </a:prstGeom>
-          <a:noFill/>
-        </p:spPr>
-        <p:txBody>
-          <a:bodyPr wrap="square" rtlCol="0">
-            <a:spAutoFit/>
-          </a:bodyPr>
-          <a:lstStyle/>
-          <a:p>
-            <a:pPr algn="just"/>
-            <a:r>
-              <a:rPr lang="ru-RU" dirty="0">
-                <a:solidFill>
-                  <a:schemeClr val="tx1">
-                    <a:lumMod val="75000"/>
-                    <a:lumOff val="25000"/>
-                  </a:schemeClr>
-                </a:solidFill>
-              </a:rPr>
-              <a:t>Дальнейшие действия:</a:t>
-            </a:r>
-          </a:p>
-          <a:p>
-            <a:pPr marL="285750" indent="-285750" algn="just">
-              <a:buClr>
-                <a:srgbClr val="BEA1BF"/>
-              </a:buClr>
-              <a:buFont typeface="Arial" panose="020B0604020202020204" pitchFamily="34" charset="0"/>
-              <a:buChar char="•"/>
-            </a:pPr>
-            <a:r>
-              <a:rPr lang="ru-RU" dirty="0">
-                <a:solidFill>
-                  <a:schemeClr val="tx1">
-                    <a:lumMod val="75000"/>
-                    <a:lumOff val="25000"/>
-                  </a:schemeClr>
-                </a:solidFill>
-              </a:rPr>
-              <a:t>Улучшение имеющихся устройств</a:t>
-            </a:r>
-          </a:p>
-          <a:p>
-            <a:pPr marL="285750" indent="-285750" algn="just">
-              <a:buClr>
-                <a:srgbClr val="BEA1BF"/>
-              </a:buClr>
-              <a:buFont typeface="Arial" panose="020B0604020202020204" pitchFamily="34" charset="0"/>
-              <a:buChar char="•"/>
-            </a:pPr>
-            <a:r>
-              <a:rPr lang="ru-RU" dirty="0">
-                <a:solidFill>
-                  <a:schemeClr val="tx1">
-                    <a:lumMod val="75000"/>
-                    <a:lumOff val="25000"/>
-                  </a:schemeClr>
-                </a:solidFill>
-              </a:rPr>
-              <a:t>Разработка новых устройств</a:t>
-            </a:r>
-          </a:p>
-        </p:txBody>
-      </p:sp>
-      <p:sp>
-        <p:nvSpPr>
-          <p:cNvPr id="4" name="TextBox 3"/>
-          <p:cNvSpPr txBox="1"/>
-          <p:nvPr/>
-        </p:nvSpPr>
-        <p:spPr>
-          <a:xfrm>
-            <a:off x="838200" y="5126783"/>
-            <a:ext cx="9941858" cy="646331"/>
-          </a:xfrm>
-          <a:prstGeom prst="rect">
-            <a:avLst/>
-          </a:prstGeom>
-          <a:noFill/>
-        </p:spPr>
-        <p:txBody>
-          <a:bodyPr wrap="square" rtlCol="0">
-            <a:spAutoFit/>
-          </a:bodyPr>
-          <a:lstStyle/>
-          <a:p>
-            <a:pPr algn="just"/>
-            <a:r>
-              <a:rPr lang="ru-RU" dirty="0">
-                <a:solidFill>
-                  <a:schemeClr val="tx1">
-                    <a:lumMod val="75000"/>
-                    <a:lumOff val="25000"/>
-                  </a:schemeClr>
-                </a:solidFill>
-              </a:rPr>
-              <a:t>Работа будет продолжаться в сотрудничестве с преподавателями и студентами кафедры №3 НИЯУ МИФИ.</a:t>
-            </a:r>
-          </a:p>
-        </p:txBody>
-      </p:sp>
-    </p:spTree>
-    <p:extLst>
-      <p:ext uri="{BB962C8B-B14F-4D97-AF65-F5344CB8AC3E}">
-        <p14:creationId xmlns:p14="http://schemas.microsoft.com/office/powerpoint/2010/main" val="3668594923"/>
-      </p:ext>
-    </p:extLst>
-  </p:cSld>
-  <p:clrMapOvr>
-    <a:masterClrMapping/>
-  </p:clrMapOvr>
-  <mc:AlternateContent xmlns:mc="http://schemas.openxmlformats.org/markup-compatibility/2006">
-    <mc:Choice xmlns:p14="http://schemas.microsoft.com/office/powerpoint/2010/main" Requires="p14">
-      <p:transition spd="med" p14:dur="700">
-        <p:fade/>
-      </p:transition>
-    </mc:Choice>
-    <mc:Fallback>
-      <p:transition spd="med">
-        <p:fade/>
-      </p:transition>
-    </mc:Fallback>
-  </mc:AlternateContent>
-  <p:timing>
-    <p:tnLst>
-      <p:par>
-        <p:cTn id="1" dur="indefinite" restart="never" nodeType="tmRoot"/>
-      </p:par>
-    </p:tnLst>
-  </p:timing>
-</p:sld>
-</file>
-
-<file path=ppt/slides/slide13.xml><?xml version="1.0" encoding="utf-8"?>
-<p:sld xmlns:a="http://schemas.openxmlformats.org/drawingml/2006/main" xmlns:r="http://schemas.openxmlformats.org/officeDocument/2006/relationships" xmlns:p="http://schemas.openxmlformats.org/presentationml/2006/main">
-  <p:cSld>
-    <p:spTree>
-      <p:nvGrpSpPr>
-        <p:cNvPr id="1" name=""/>
-        <p:cNvGrpSpPr/>
-        <p:nvPr/>
-      </p:nvGrpSpPr>
-      <p:grpSpPr>
-        <a:xfrm>
-          <a:off x="0" y="0"/>
-          <a:ext cx="0" cy="0"/>
-          <a:chOff x="0" y="0"/>
-          <a:chExt cx="0" cy="0"/>
-        </a:xfrm>
-      </p:grpSpPr>
-      <p:sp>
-        <p:nvSpPr>
-          <p:cNvPr id="2" name="Заголовок 1"/>
-          <p:cNvSpPr>
-            <a:spLocks noGrp="1"/>
-          </p:cNvSpPr>
-          <p:nvPr>
-            <p:ph type="title"/>
-          </p:nvPr>
-        </p:nvSpPr>
-        <p:spPr>
-          <a:xfrm>
             <a:off x="0" y="2821454"/>
             <a:ext cx="12191999" cy="1325563"/>
           </a:xfrm>
@@ -6553,6 +6268,29 @@
               </a:solidFill>
               <a:latin typeface="Century Gothic" panose="020B0502020202020204" pitchFamily="34" charset="0"/>
             </a:endParaRPr>
+          </a:p>
+        </p:txBody>
+      </p:sp>
+      <p:sp>
+        <p:nvSpPr>
+          <p:cNvPr id="3" name="Номер слайда 2"/>
+          <p:cNvSpPr>
+            <a:spLocks noGrp="1"/>
+          </p:cNvSpPr>
+          <p:nvPr>
+            <p:ph type="sldNum" sz="quarter" idx="12"/>
+          </p:nvPr>
+        </p:nvSpPr>
+        <p:spPr/>
+        <p:txBody>
+          <a:bodyPr/>
+          <a:lstStyle/>
+          <a:p>
+            <a:fld id="{9DB473F4-B23E-4985-8567-AC9A694A3DD9}" type="slidenum">
+              <a:rPr lang="ru-RU" smtClean="0"/>
+              <a:t>12</a:t>
+            </a:fld>
+            <a:endParaRPr lang="ru-RU"/>
           </a:p>
         </p:txBody>
       </p:sp>
@@ -6566,13 +6304,13 @@
   <p:clrMapOvr>
     <a:masterClrMapping/>
   </p:clrMapOvr>
-  <mc:AlternateContent xmlns:mc="http://schemas.openxmlformats.org/markup-compatibility/2006">
-    <mc:Choice xmlns:p14="http://schemas.microsoft.com/office/powerpoint/2010/main" Requires="p14">
+  <mc:AlternateContent xmlns:mc="http://schemas.openxmlformats.org/markup-compatibility/2006" xmlns:p14="http://schemas.microsoft.com/office/powerpoint/2010/main">
+    <mc:Choice Requires="p14">
       <p:transition spd="med" p14:dur="700">
         <p:fade/>
       </p:transition>
     </mc:Choice>
-    <mc:Fallback>
+    <mc:Fallback xmlns="">
       <p:transition spd="med">
         <p:fade/>
       </p:transition>
@@ -6617,8 +6355,8 @@
         </p:nvSpPr>
         <p:spPr>
           <a:xfrm>
-            <a:off x="838200" y="448236"/>
-            <a:ext cx="10515600" cy="740430"/>
+            <a:off x="838200" y="365126"/>
+            <a:ext cx="10515600" cy="798646"/>
           </a:xfrm>
         </p:spPr>
         <p:txBody>
@@ -6627,6 +6365,7 @@
           </a:bodyPr>
           <a:lstStyle/>
           <a:p>
+            <a:pPr algn="ctr"/>
             <a:r>
               <a:rPr lang="ru-RU" sz="2900" dirty="0" smtClean="0">
                 <a:solidFill>
@@ -6637,7 +6376,31 @@
                 </a:solidFill>
                 <a:latin typeface="Century Gothic" panose="020B0502020202020204" pitchFamily="34" charset="0"/>
               </a:rPr>
-              <a:t>Оглавление</a:t>
+              <a:t>Концепция </a:t>
+            </a:r>
+            <a:r>
+              <a:rPr lang="ru-RU" sz="2900" dirty="0" err="1" smtClean="0">
+                <a:solidFill>
+                  <a:schemeClr val="tx1">
+                    <a:lumMod val="75000"/>
+                    <a:lumOff val="25000"/>
+                  </a:schemeClr>
+                </a:solidFill>
+                <a:latin typeface="Century Gothic" panose="020B0502020202020204" pitchFamily="34" charset="0"/>
+              </a:rPr>
+              <a:t>киберфизических</a:t>
+            </a:r>
+            <a:r>
+              <a:rPr lang="ru-RU" sz="2900" dirty="0" smtClean="0">
+                <a:solidFill>
+                  <a:schemeClr val="tx1">
+                    <a:lumMod val="75000"/>
+                    <a:lumOff val="25000"/>
+                  </a:schemeClr>
+                </a:solidFill>
+                <a:latin typeface="Century Gothic" panose="020B0502020202020204" pitchFamily="34" charset="0"/>
+              </a:rPr>
+              <a:t> систем</a:t>
             </a:r>
             <a:endParaRPr lang="ru-RU" sz="2900" dirty="0">
               <a:solidFill>
@@ -6663,67 +6426,69 @@
         </p:nvSpPr>
         <p:spPr>
           <a:xfrm>
-            <a:off x="838200" y="1395319"/>
-            <a:ext cx="10515600" cy="4288304"/>
+            <a:off x="838199" y="1768969"/>
+            <a:ext cx="4737847" cy="2295031"/>
           </a:xfrm>
         </p:spPr>
         <p:txBody>
           <a:bodyPr>
-            <a:normAutofit/>
+            <a:noAutofit/>
           </a:bodyPr>
           <a:lstStyle/>
           <a:p>
-            <a:pPr marL="514350" indent="-514350">
-              <a:buClr>
-                <a:srgbClr val="BEA1BF"/>
-              </a:buClr>
-              <a:buFont typeface="+mj-lt"/>
-              <a:buAutoNum type="arabicPeriod"/>
+            <a:pPr marL="0" indent="0" algn="just">
+              <a:buNone/>
             </a:pPr>
             <a:r>
-              <a:rPr lang="ru-RU" sz="2400" dirty="0" smtClean="0">
+              <a:rPr lang="ru-RU" sz="2000" u="sng" dirty="0" err="1">
                 <a:solidFill>
                   <a:schemeClr val="tx1">
                     <a:lumMod val="75000"/>
                     <a:lumOff val="25000"/>
                   </a:schemeClr>
                 </a:solidFill>
-              </a:rPr>
-              <a:t>Концепция </a:t>
-            </a:r>
-            <a:r>
-              <a:rPr lang="ru-RU" sz="2400" dirty="0" err="1" smtClean="0">
+                <a:uFill>
+                  <a:solidFill>
+                    <a:srgbClr val="D1BCD2"/>
+                  </a:solidFill>
+                </a:uFill>
+              </a:rPr>
+              <a:t>Киберфизическая</a:t>
+            </a:r>
+            <a:r>
+              <a:rPr lang="ru-RU" sz="2000" u="sng" dirty="0">
                 <a:solidFill>
                   <a:schemeClr val="tx1">
                     <a:lumMod val="75000"/>
                     <a:lumOff val="25000"/>
                   </a:schemeClr>
                 </a:solidFill>
-              </a:rPr>
-              <a:t>киберфизических</a:t>
-            </a:r>
-            <a:r>
-              <a:rPr lang="ru-RU" sz="2400" dirty="0" smtClean="0">
+                <a:uFill>
+                  <a:solidFill>
+                    <a:srgbClr val="D1BCD2"/>
+                  </a:solidFill>
+                </a:uFill>
+              </a:rPr>
+              <a:t> система</a:t>
+            </a:r>
+            <a:r>
+              <a:rPr lang="ru-RU" sz="2000" dirty="0">
                 <a:solidFill>
                   <a:schemeClr val="tx1">
                     <a:lumMod val="75000"/>
                     <a:lumOff val="25000"/>
                   </a:schemeClr>
                 </a:solidFill>
-              </a:rPr>
-              <a:t> систем</a:t>
-            </a:r>
-          </a:p>
-          <a:p>
-            <a:pPr marL="514350" indent="-514350">
-              <a:buClr>
-                <a:srgbClr val="BEA1BF"/>
-              </a:buClr>
-              <a:buFont typeface="+mj-lt"/>
-              <a:buAutoNum type="arabicPeriod"/>
-            </a:pPr>
-            <a:r>
-              <a:rPr lang="ru-RU" sz="2400" dirty="0" smtClean="0">
+                <a:uFill>
+                  <a:solidFill>
+                    <a:srgbClr val="99699B"/>
+                  </a:solidFill>
+                </a:uFill>
+              </a:rPr>
+              <a:t> </a:t>
+            </a:r>
+            <a:r>
+              <a:rPr lang="ru-RU" sz="2000" dirty="0" smtClean="0">
                 <a:solidFill>
                   <a:schemeClr val="tx1">
                     <a:lumMod val="75000"/>
@@ -6731,19 +6496,10 @@
                   </a:schemeClr>
                 </a:solidFill>
               </a:rPr>
-              <a:t>Обзор систем «Умный дом»</a:t>
-            </a:r>
-          </a:p>
-          <a:p>
-            <a:pPr marL="514350" indent="-514350">
-              <a:buClr>
-                <a:srgbClr val="BEA1BF"/>
-              </a:buClr>
-              <a:buFont typeface="+mj-lt"/>
-              <a:buAutoNum type="arabicPeriod"/>
-            </a:pPr>
-            <a:r>
-              <a:rPr lang="ru-RU" sz="2400" dirty="0">
+              <a:t>– информационно-технологическая </a:t>
+            </a:r>
+            <a:r>
+              <a:rPr lang="ru-RU" sz="2000" dirty="0">
                 <a:solidFill>
                   <a:schemeClr val="tx1">
                     <a:lumMod val="75000"/>
@@ -6751,10 +6507,36 @@
                   </a:schemeClr>
                 </a:solidFill>
               </a:rPr>
-              <a:t>Постановка </a:t>
-            </a:r>
-            <a:r>
-              <a:rPr lang="ru-RU" sz="2400" dirty="0" smtClean="0">
+              <a:t>система сбора и хранения информации об объектах окружающей среды, и осуществляющая контроль за показателями электронных устройств, взаимодействующих с физическим миром.</a:t>
+            </a:r>
+          </a:p>
+        </p:txBody>
+      </p:sp>
+      <p:sp>
+        <p:nvSpPr>
+          <p:cNvPr id="5" name="TextBox 4"/>
+          <p:cNvSpPr txBox="1"/>
+          <p:nvPr/>
+        </p:nvSpPr>
+        <p:spPr>
+          <a:xfrm>
+            <a:off x="838199" y="4304753"/>
+            <a:ext cx="4639235" cy="707886"/>
+          </a:xfrm>
+          <a:prstGeom prst="rect">
+            <a:avLst/>
+          </a:prstGeom>
+          <a:noFill/>
+        </p:spPr>
+        <p:txBody>
+          <a:bodyPr wrap="square" rtlCol="0">
+            <a:spAutoFit/>
+          </a:bodyPr>
+          <a:lstStyle/>
+          <a:p>
+            <a:pPr algn="just"/>
+            <a:r>
+              <a:rPr lang="ru-RU" sz="2000" dirty="0" smtClean="0">
                 <a:solidFill>
                   <a:schemeClr val="tx1">
                     <a:lumMod val="75000"/>
@@ -6762,39 +6544,26 @@
                   </a:schemeClr>
                 </a:solidFill>
               </a:rPr>
-              <a:t>задач</a:t>
-            </a:r>
-          </a:p>
-          <a:p>
-            <a:pPr marL="514350" indent="-514350">
-              <a:buClr>
-                <a:srgbClr val="BEA1BF"/>
-              </a:buClr>
-              <a:buFont typeface="+mj-lt"/>
-              <a:buAutoNum type="arabicPeriod"/>
-            </a:pPr>
-            <a:r>
-              <a:rPr lang="ru-RU" sz="2400" dirty="0" smtClean="0">
+              <a:t>Пример киберфизической системы – «</a:t>
+            </a:r>
+            <a:r>
+              <a:rPr lang="ru-RU" sz="2000" u="sng" dirty="0" smtClean="0">
                 <a:solidFill>
                   <a:schemeClr val="tx1">
                     <a:lumMod val="75000"/>
                     <a:lumOff val="25000"/>
                   </a:schemeClr>
                 </a:solidFill>
-              </a:rPr>
-              <a:t>Реализация свето-регулятора</a:t>
-            </a:r>
-          </a:p>
-          <a:p>
-            <a:pPr marL="1371600" lvl="1" indent="-457200">
-              <a:buClr>
-                <a:srgbClr val="D1BCD2"/>
-              </a:buClr>
-              <a:buFont typeface="+mj-lt"/>
-              <a:buAutoNum type="alphaLcParenR"/>
-            </a:pPr>
-            <a:r>
-              <a:rPr lang="ru-RU" dirty="0" smtClean="0">
+                <a:uFill>
+                  <a:solidFill>
+                    <a:srgbClr val="D1BCD2"/>
+                  </a:solidFill>
+                </a:uFill>
+              </a:rPr>
+              <a:t>Умный дом</a:t>
+            </a:r>
+            <a:r>
+              <a:rPr lang="ru-RU" sz="2000" dirty="0" smtClean="0">
                 <a:solidFill>
                   <a:schemeClr val="tx1">
                     <a:lumMod val="75000"/>
@@ -6802,19 +6571,67 @@
                   </a:schemeClr>
                 </a:solidFill>
               </a:rPr>
-              <a:t>Способы диммирования</a:t>
-            </a:r>
-          </a:p>
-          <a:p>
-            <a:pPr marL="1371600" lvl="1" indent="-457200">
-              <a:buClr>
-                <a:srgbClr val="D1BCD2"/>
-              </a:buClr>
-              <a:buFont typeface="+mj-lt"/>
-              <a:buAutoNum type="alphaLcParenR"/>
-            </a:pPr>
-            <a:r>
-              <a:rPr lang="ru-RU" dirty="0">
+              <a:t>»</a:t>
+            </a:r>
+            <a:endParaRPr lang="ru-RU" sz="2000" dirty="0">
+              <a:solidFill>
+                <a:schemeClr val="tx1">
+                  <a:lumMod val="75000"/>
+                  <a:lumOff val="25000"/>
+                </a:schemeClr>
+              </a:solidFill>
+            </a:endParaRPr>
+          </a:p>
+        </p:txBody>
+      </p:sp>
+      <p:pic>
+        <p:nvPicPr>
+          <p:cNvPr id="6" name="Рисунок 5"/>
+          <p:cNvPicPr>
+            <a:picLocks noChangeAspect="1"/>
+          </p:cNvPicPr>
+          <p:nvPr/>
+        </p:nvPicPr>
+        <p:blipFill rotWithShape="1">
+          <a:blip r:embed="rId3"/>
+          <a:srcRect t="5756"/>
+          <a:stretch/>
+        </p:blipFill>
+        <p:spPr>
+          <a:xfrm>
+            <a:off x="6387352" y="1163772"/>
+            <a:ext cx="4912659" cy="5058441"/>
+          </a:xfrm>
+          <a:prstGeom prst="rect">
+            <a:avLst/>
+          </a:prstGeom>
+        </p:spPr>
+      </p:pic>
+      <p:sp>
+        <p:nvSpPr>
+          <p:cNvPr id="7" name="TextBox 6"/>
+          <p:cNvSpPr txBox="1"/>
+          <p:nvPr/>
+        </p:nvSpPr>
+        <p:spPr>
+          <a:xfrm>
+            <a:off x="6387352" y="6222213"/>
+            <a:ext cx="4912659" cy="338554"/>
+          </a:xfrm>
+          <a:prstGeom prst="rect">
+            <a:avLst/>
+          </a:prstGeom>
+          <a:noFill/>
+        </p:spPr>
+        <p:txBody>
+          <a:bodyPr wrap="square" rtlCol="0">
+            <a:spAutoFit/>
+          </a:bodyPr>
+          <a:lstStyle/>
+          <a:p>
+            <a:pPr algn="ctr"/>
+            <a:r>
+              <a:rPr lang="ru-RU" sz="1600" dirty="0" smtClean="0">
                 <a:solidFill>
                   <a:schemeClr val="tx1">
                     <a:lumMod val="75000"/>
@@ -6822,160 +6639,59 @@
                   </a:schemeClr>
                 </a:solidFill>
               </a:rPr>
-              <a:t>Функциональная </a:t>
-            </a:r>
-            <a:r>
-              <a:rPr lang="ru-RU" dirty="0" smtClean="0">
-                <a:solidFill>
-                  <a:schemeClr val="tx1">
-                    <a:lumMod val="75000"/>
-                    <a:lumOff val="25000"/>
-                  </a:schemeClr>
-                </a:solidFill>
-              </a:rPr>
-              <a:t>схема</a:t>
-            </a:r>
-          </a:p>
-          <a:p>
-            <a:pPr marL="1371600" lvl="1" indent="-457200">
-              <a:buClr>
-                <a:srgbClr val="D1BCD2"/>
-              </a:buClr>
-              <a:buFont typeface="+mj-lt"/>
-              <a:buAutoNum type="alphaLcParenR"/>
-            </a:pPr>
-            <a:r>
-              <a:rPr lang="ru-RU" dirty="0" smtClean="0">
-                <a:solidFill>
-                  <a:schemeClr val="tx1">
-                    <a:lumMod val="75000"/>
-                    <a:lumOff val="25000"/>
-                  </a:schemeClr>
-                </a:solidFill>
-              </a:rPr>
-              <a:t>Моделирование</a:t>
-            </a:r>
-          </a:p>
-          <a:p>
-            <a:pPr marL="1371600" lvl="1" indent="-457200">
-              <a:buClr>
-                <a:srgbClr val="D1BCD2"/>
-              </a:buClr>
-              <a:buFont typeface="+mj-lt"/>
-              <a:buAutoNum type="alphaLcParenR"/>
-            </a:pPr>
-            <a:r>
-              <a:rPr lang="ru-RU" dirty="0" smtClean="0">
-                <a:solidFill>
-                  <a:schemeClr val="tx1">
-                    <a:lumMod val="75000"/>
-                    <a:lumOff val="25000"/>
-                  </a:schemeClr>
-                </a:solidFill>
-              </a:rPr>
-              <a:t>Прототип	</a:t>
-            </a:r>
-          </a:p>
-          <a:p>
-            <a:pPr marL="514350" indent="-514350">
-              <a:buClr>
-                <a:srgbClr val="D1BCD2"/>
-              </a:buClr>
-              <a:buFont typeface="+mj-lt"/>
-              <a:buAutoNum type="arabicPeriod"/>
-            </a:pPr>
-            <a:r>
-              <a:rPr lang="ru-RU" sz="2400" dirty="0" smtClean="0">
-                <a:solidFill>
-                  <a:schemeClr val="tx1">
-                    <a:lumMod val="75000"/>
-                    <a:lumOff val="25000"/>
-                  </a:schemeClr>
-                </a:solidFill>
-              </a:rPr>
-              <a:t>Реализация </a:t>
-            </a:r>
-            <a:r>
-              <a:rPr lang="en-US" sz="2400" dirty="0" smtClean="0">
-                <a:solidFill>
-                  <a:schemeClr val="tx1">
-                    <a:lumMod val="75000"/>
-                    <a:lumOff val="25000"/>
-                  </a:schemeClr>
-                </a:solidFill>
-              </a:rPr>
-              <a:t>Web-</a:t>
-            </a:r>
-            <a:r>
-              <a:rPr lang="ru-RU" sz="2400" dirty="0" smtClean="0">
-                <a:solidFill>
-                  <a:schemeClr val="tx1">
-                    <a:lumMod val="75000"/>
-                    <a:lumOff val="25000"/>
-                  </a:schemeClr>
-                </a:solidFill>
-              </a:rPr>
-              <a:t>интерфейса</a:t>
-            </a:r>
-          </a:p>
-          <a:p>
-            <a:pPr marL="514350" indent="-514350">
-              <a:buClr>
-                <a:srgbClr val="D1BCD2"/>
-              </a:buClr>
-              <a:buFont typeface="+mj-lt"/>
-              <a:buAutoNum type="arabicPeriod"/>
-            </a:pPr>
-            <a:r>
-              <a:rPr lang="ru-RU" sz="2400" dirty="0" smtClean="0">
-                <a:solidFill>
-                  <a:schemeClr val="tx1">
-                    <a:lumMod val="75000"/>
-                    <a:lumOff val="25000"/>
-                  </a:schemeClr>
-                </a:solidFill>
-              </a:rPr>
-              <a:t>Заключение</a:t>
-            </a:r>
-            <a:endParaRPr lang="ru-RU" sz="2400" dirty="0" smtClean="0"/>
-          </a:p>
-          <a:p>
-            <a:pPr marL="514350" indent="-514350">
-              <a:buAutoNum type="arabicPeriod"/>
-            </a:pPr>
-            <a:endParaRPr lang="en-US" dirty="0" smtClean="0"/>
-          </a:p>
-          <a:p>
-            <a:pPr marL="514350" indent="-514350">
-              <a:buAutoNum type="arabicPeriod"/>
-            </a:pPr>
-            <a:endParaRPr lang="ru-RU" dirty="0" smtClean="0"/>
-          </a:p>
-          <a:p>
-            <a:pPr marL="514350" indent="-514350">
-              <a:buAutoNum type="arabicPeriod"/>
-            </a:pPr>
-            <a:endParaRPr lang="ru-RU" dirty="0"/>
+              <a:t>Концептуальная схема киберфизической системы</a:t>
+            </a:r>
+            <a:endParaRPr lang="ru-RU" sz="1600" dirty="0">
+              <a:solidFill>
+                <a:schemeClr val="tx1">
+                  <a:lumMod val="75000"/>
+                  <a:lumOff val="25000"/>
+                </a:schemeClr>
+              </a:solidFill>
+            </a:endParaRPr>
+          </a:p>
+        </p:txBody>
+      </p:sp>
+      <p:sp>
+        <p:nvSpPr>
+          <p:cNvPr id="4" name="Номер слайда 3"/>
+          <p:cNvSpPr>
+            <a:spLocks noGrp="1"/>
+          </p:cNvSpPr>
+          <p:nvPr>
+            <p:ph type="sldNum" sz="quarter" idx="12"/>
+          </p:nvPr>
+        </p:nvSpPr>
+        <p:spPr/>
+        <p:txBody>
+          <a:bodyPr/>
+          <a:lstStyle/>
+          <a:p>
+            <a:fld id="{9DB473F4-B23E-4985-8567-AC9A694A3DD9}" type="slidenum">
+              <a:rPr lang="ru-RU" sz="1800" smtClean="0"/>
+              <a:t>2</a:t>
+            </a:fld>
+            <a:endParaRPr lang="ru-RU" sz="1800" dirty="0"/>
           </a:p>
         </p:txBody>
       </p:sp>
     </p:spTree>
     <p:extLst>
       <p:ext uri="{BB962C8B-B14F-4D97-AF65-F5344CB8AC3E}">
-        <p14:creationId xmlns:p14="http://schemas.microsoft.com/office/powerpoint/2010/main" val="2094975430"/>
+        <p14:creationId xmlns:p14="http://schemas.microsoft.com/office/powerpoint/2010/main" val="2765837177"/>
       </p:ext>
     </p:extLst>
   </p:cSld>
   <p:clrMapOvr>
     <a:masterClrMapping/>
   </p:clrMapOvr>
-  <mc:AlternateContent xmlns:mc="http://schemas.openxmlformats.org/markup-compatibility/2006">
-    <mc:Choice xmlns:p14="http://schemas.microsoft.com/office/powerpoint/2010/main" Requires="p14">
+  <mc:AlternateContent xmlns:mc="http://schemas.openxmlformats.org/markup-compatibility/2006" xmlns:p14="http://schemas.microsoft.com/office/powerpoint/2010/main">
+    <mc:Choice Requires="p14">
       <p:transition spd="med" p14:dur="700">
         <p:fade/>
       </p:transition>
     </mc:Choice>
-    <mc:Fallback>
+    <mc:Fallback xmlns="">
       <p:transition spd="med">
         <p:fade/>
       </p:transition>
@@ -6992,364 +6708,6 @@
 </file>
 
 <file path=ppt/slides/slide3.xml><?xml version="1.0" encoding="utf-8"?>
-<p:sld xmlns:a="http://schemas.openxmlformats.org/drawingml/2006/main" xmlns:r="http://schemas.openxmlformats.org/officeDocument/2006/relationships" xmlns:p="http://schemas.openxmlformats.org/presentationml/2006/main">
-  <p:cSld>
-    <p:spTree>
-      <p:nvGrpSpPr>
-        <p:cNvPr id="1" name=""/>
-        <p:cNvGrpSpPr/>
-        <p:nvPr/>
-      </p:nvGrpSpPr>
-      <p:grpSpPr>
-        <a:xfrm>
-          <a:off x="0" y="0"/>
-          <a:ext cx="0" cy="0"/>
-          <a:chOff x="0" y="0"/>
-          <a:chExt cx="0" cy="0"/>
-        </a:xfrm>
-      </p:grpSpPr>
-      <p:sp>
-        <p:nvSpPr>
-          <p:cNvPr id="2" name="Заголовок 1"/>
-          <p:cNvSpPr>
-            <a:spLocks noGrp="1"/>
-          </p:cNvSpPr>
-          <p:nvPr>
-            <p:ph type="title"/>
-          </p:nvPr>
-        </p:nvSpPr>
-        <p:spPr>
-          <a:xfrm>
-            <a:off x="838200" y="365126"/>
-            <a:ext cx="10515600" cy="798646"/>
-          </a:xfrm>
-        </p:spPr>
-        <p:txBody>
-          <a:bodyPr>
-            <a:normAutofit/>
-          </a:bodyPr>
-          <a:lstStyle/>
-          <a:p>
-            <a:pPr algn="ctr"/>
-            <a:r>
-              <a:rPr lang="ru-RU" sz="2900" dirty="0" smtClean="0">
-                <a:solidFill>
-                  <a:schemeClr val="tx1">
-                    <a:lumMod val="75000"/>
-                    <a:lumOff val="25000"/>
-                  </a:schemeClr>
-                </a:solidFill>
-                <a:latin typeface="Century Gothic" panose="020B0502020202020204" pitchFamily="34" charset="0"/>
-              </a:rPr>
-              <a:t>Концепция </a:t>
-            </a:r>
-            <a:r>
-              <a:rPr lang="ru-RU" sz="2900" dirty="0" err="1" smtClean="0">
-                <a:solidFill>
-                  <a:schemeClr val="tx1">
-                    <a:lumMod val="75000"/>
-                    <a:lumOff val="25000"/>
-                  </a:schemeClr>
-                </a:solidFill>
-                <a:latin typeface="Century Gothic" panose="020B0502020202020204" pitchFamily="34" charset="0"/>
-              </a:rPr>
-              <a:t>киберфизических</a:t>
-            </a:r>
-            <a:r>
-              <a:rPr lang="ru-RU" sz="2900" dirty="0" smtClean="0">
-                <a:solidFill>
-                  <a:schemeClr val="tx1">
-                    <a:lumMod val="75000"/>
-                    <a:lumOff val="25000"/>
-                  </a:schemeClr>
-                </a:solidFill>
-                <a:latin typeface="Century Gothic" panose="020B0502020202020204" pitchFamily="34" charset="0"/>
-              </a:rPr>
-              <a:t> систем</a:t>
-            </a:r>
-            <a:endParaRPr lang="ru-RU" sz="2900" dirty="0">
-              <a:solidFill>
-                <a:schemeClr val="tx1">
-                  <a:lumMod val="75000"/>
-                  <a:lumOff val="25000"/>
-                </a:schemeClr>
-              </a:solidFill>
-              <a:latin typeface="Century Gothic" panose="020B0502020202020204" pitchFamily="34" charset="0"/>
-            </a:endParaRPr>
-          </a:p>
-        </p:txBody>
-      </p:sp>
-      <p:sp>
-        <p:nvSpPr>
-          <p:cNvPr id="3" name="Объект 2"/>
-          <p:cNvSpPr>
-            <a:spLocks noGrp="1"/>
-          </p:cNvSpPr>
-          <p:nvPr>
-            <p:ph idx="1"/>
-          </p:nvPr>
-        </p:nvSpPr>
-        <p:spPr>
-          <a:xfrm>
-            <a:off x="838199" y="1768969"/>
-            <a:ext cx="4737847" cy="1691407"/>
-          </a:xfrm>
-        </p:spPr>
-        <p:txBody>
-          <a:bodyPr>
-            <a:normAutofit/>
-          </a:bodyPr>
-          <a:lstStyle/>
-          <a:p>
-            <a:pPr marL="0" indent="0" algn="just">
-              <a:buNone/>
-            </a:pPr>
-            <a:r>
-              <a:rPr lang="ru-RU" sz="1800" u="sng" dirty="0" err="1">
-                <a:solidFill>
-                  <a:schemeClr val="tx1">
-                    <a:lumMod val="75000"/>
-                    <a:lumOff val="25000"/>
-                  </a:schemeClr>
-                </a:solidFill>
-                <a:uFill>
-                  <a:solidFill>
-                    <a:srgbClr val="D1BCD2"/>
-                  </a:solidFill>
-                </a:uFill>
-              </a:rPr>
-              <a:t>Киберфизическая</a:t>
-            </a:r>
-            <a:r>
-              <a:rPr lang="ru-RU" sz="1800" u="sng" dirty="0">
-                <a:solidFill>
-                  <a:schemeClr val="tx1">
-                    <a:lumMod val="75000"/>
-                    <a:lumOff val="25000"/>
-                  </a:schemeClr>
-                </a:solidFill>
-                <a:uFill>
-                  <a:solidFill>
-                    <a:srgbClr val="D1BCD2"/>
-                  </a:solidFill>
-                </a:uFill>
-              </a:rPr>
-              <a:t> система</a:t>
-            </a:r>
-            <a:r>
-              <a:rPr lang="ru-RU" sz="1800" dirty="0">
-                <a:solidFill>
-                  <a:schemeClr val="tx1">
-                    <a:lumMod val="75000"/>
-                    <a:lumOff val="25000"/>
-                  </a:schemeClr>
-                </a:solidFill>
-                <a:uFill>
-                  <a:solidFill>
-                    <a:srgbClr val="99699B"/>
-                  </a:solidFill>
-                </a:uFill>
-              </a:rPr>
-              <a:t> </a:t>
-            </a:r>
-            <a:r>
-              <a:rPr lang="ru-RU" sz="1800" dirty="0" smtClean="0">
-                <a:solidFill>
-                  <a:schemeClr val="tx1">
-                    <a:lumMod val="75000"/>
-                    <a:lumOff val="25000"/>
-                  </a:schemeClr>
-                </a:solidFill>
-              </a:rPr>
-              <a:t>– информационно-технологическая </a:t>
-            </a:r>
-            <a:r>
-              <a:rPr lang="ru-RU" sz="1800" dirty="0">
-                <a:solidFill>
-                  <a:schemeClr val="tx1">
-                    <a:lumMod val="75000"/>
-                    <a:lumOff val="25000"/>
-                  </a:schemeClr>
-                </a:solidFill>
-              </a:rPr>
-              <a:t>система сбора и хранения информации об объектах окружающей среды, и осуществляющая контроль за показателями электронных устройств, взаимодействующих с физическим миром.</a:t>
-            </a:r>
-          </a:p>
-        </p:txBody>
-      </p:sp>
-      <p:sp>
-        <p:nvSpPr>
-          <p:cNvPr id="5" name="TextBox 4"/>
-          <p:cNvSpPr txBox="1"/>
-          <p:nvPr/>
-        </p:nvSpPr>
-        <p:spPr>
-          <a:xfrm>
-            <a:off x="838199" y="4304753"/>
-            <a:ext cx="4639235" cy="646331"/>
-          </a:xfrm>
-          <a:prstGeom prst="rect">
-            <a:avLst/>
-          </a:prstGeom>
-          <a:noFill/>
-        </p:spPr>
-        <p:txBody>
-          <a:bodyPr wrap="square" rtlCol="0">
-            <a:spAutoFit/>
-          </a:bodyPr>
-          <a:lstStyle/>
-          <a:p>
-            <a:pPr algn="just"/>
-            <a:r>
-              <a:rPr lang="ru-RU" dirty="0" smtClean="0">
-                <a:solidFill>
-                  <a:schemeClr val="tx1">
-                    <a:lumMod val="75000"/>
-                    <a:lumOff val="25000"/>
-                  </a:schemeClr>
-                </a:solidFill>
-              </a:rPr>
-              <a:t>Пример киберфизической системы – «</a:t>
-            </a:r>
-            <a:r>
-              <a:rPr lang="ru-RU" u="sng" dirty="0" smtClean="0">
-                <a:solidFill>
-                  <a:schemeClr val="tx1">
-                    <a:lumMod val="75000"/>
-                    <a:lumOff val="25000"/>
-                  </a:schemeClr>
-                </a:solidFill>
-                <a:uFill>
-                  <a:solidFill>
-                    <a:srgbClr val="D1BCD2"/>
-                  </a:solidFill>
-                </a:uFill>
-              </a:rPr>
-              <a:t>Умный дом</a:t>
-            </a:r>
-            <a:r>
-              <a:rPr lang="ru-RU" dirty="0" smtClean="0">
-                <a:solidFill>
-                  <a:schemeClr val="tx1">
-                    <a:lumMod val="75000"/>
-                    <a:lumOff val="25000"/>
-                  </a:schemeClr>
-                </a:solidFill>
-              </a:rPr>
-              <a:t>»</a:t>
-            </a:r>
-            <a:endParaRPr lang="ru-RU" dirty="0">
-              <a:solidFill>
-                <a:schemeClr val="tx1">
-                  <a:lumMod val="75000"/>
-                  <a:lumOff val="25000"/>
-                </a:schemeClr>
-              </a:solidFill>
-            </a:endParaRPr>
-          </a:p>
-        </p:txBody>
-      </p:sp>
-      <p:pic>
-        <p:nvPicPr>
-          <p:cNvPr id="6" name="Рисунок 5"/>
-          <p:cNvPicPr>
-            <a:picLocks noChangeAspect="1"/>
-          </p:cNvPicPr>
-          <p:nvPr/>
-        </p:nvPicPr>
-        <p:blipFill rotWithShape="1">
-          <a:blip r:embed="rId3"/>
-          <a:srcRect t="5756"/>
-          <a:stretch/>
-        </p:blipFill>
-        <p:spPr>
-          <a:xfrm>
-            <a:off x="6387353" y="1298708"/>
-            <a:ext cx="4912659" cy="5058441"/>
-          </a:xfrm>
-          <a:prstGeom prst="rect">
-            <a:avLst/>
-          </a:prstGeom>
-        </p:spPr>
-      </p:pic>
-      <p:sp>
-        <p:nvSpPr>
-          <p:cNvPr id="7" name="TextBox 6"/>
-          <p:cNvSpPr txBox="1"/>
-          <p:nvPr/>
-        </p:nvSpPr>
-        <p:spPr>
-          <a:xfrm>
-            <a:off x="6387352" y="6353246"/>
-            <a:ext cx="4912659" cy="338554"/>
-          </a:xfrm>
-          <a:prstGeom prst="rect">
-            <a:avLst/>
-          </a:prstGeom>
-          <a:noFill/>
-        </p:spPr>
-        <p:txBody>
-          <a:bodyPr wrap="square" rtlCol="0">
-            <a:spAutoFit/>
-          </a:bodyPr>
-          <a:lstStyle/>
-          <a:p>
-            <a:pPr algn="ctr"/>
-            <a:r>
-              <a:rPr lang="ru-RU" sz="1600" dirty="0" smtClean="0">
-                <a:solidFill>
-                  <a:schemeClr val="tx1">
-                    <a:lumMod val="75000"/>
-                    <a:lumOff val="25000"/>
-                  </a:schemeClr>
-                </a:solidFill>
-              </a:rPr>
-              <a:t>Концептуальная схема киберфизической системы</a:t>
-            </a:r>
-            <a:endParaRPr lang="ru-RU" sz="1600" dirty="0">
-              <a:solidFill>
-                <a:schemeClr val="tx1">
-                  <a:lumMod val="75000"/>
-                  <a:lumOff val="25000"/>
-                </a:schemeClr>
-              </a:solidFill>
-            </a:endParaRPr>
-          </a:p>
-        </p:txBody>
-      </p:sp>
-    </p:spTree>
-    <p:extLst>
-      <p:ext uri="{BB962C8B-B14F-4D97-AF65-F5344CB8AC3E}">
-        <p14:creationId xmlns:p14="http://schemas.microsoft.com/office/powerpoint/2010/main" val="2765837177"/>
-      </p:ext>
-    </p:extLst>
-  </p:cSld>
-  <p:clrMapOvr>
-    <a:masterClrMapping/>
-  </p:clrMapOvr>
-  <mc:AlternateContent xmlns:mc="http://schemas.openxmlformats.org/markup-compatibility/2006">
-    <mc:Choice xmlns:p14="http://schemas.microsoft.com/office/powerpoint/2010/main" Requires="p14">
-      <p:transition spd="med" p14:dur="700">
-        <p:fade/>
-      </p:transition>
-    </mc:Choice>
-    <mc:Fallback>
-      <p:transition spd="med">
-        <p:fade/>
-      </p:transition>
-    </mc:Fallback>
-  </mc:AlternateContent>
-  <p:timing>
-    <p:tnLst>
-      <p:par>
-        <p:cTn id="1" dur="indefinite" restart="never" nodeType="tmRoot"/>
-      </p:par>
-    </p:tnLst>
-  </p:timing>
-</p:sld>
-</file>
-
-<file path=ppt/slides/slide4.xml><?xml version="1.0" encoding="utf-8"?>
 <p:sld xmlns:a="http://schemas.openxmlformats.org/drawingml/2006/main" xmlns:r="http://schemas.openxmlformats.org/officeDocument/2006/relationships" xmlns:p="http://schemas.openxmlformats.org/presentationml/2006/main">
   <p:cSld>
     <p:spTree>
@@ -9157,6 +8515,29 @@
           </a:prstGeom>
         </p:spPr>
       </p:pic>
+      <p:sp>
+        <p:nvSpPr>
+          <p:cNvPr id="7" name="Номер слайда 6"/>
+          <p:cNvSpPr>
+            <a:spLocks noGrp="1"/>
+          </p:cNvSpPr>
+          <p:nvPr>
+            <p:ph type="sldNum" sz="quarter" idx="12"/>
+          </p:nvPr>
+        </p:nvSpPr>
+        <p:spPr/>
+        <p:txBody>
+          <a:bodyPr/>
+          <a:lstStyle/>
+          <a:p>
+            <a:fld id="{9DB473F4-B23E-4985-8567-AC9A694A3DD9}" type="slidenum">
+              <a:rPr lang="ru-RU" sz="1800" smtClean="0"/>
+              <a:t>3</a:t>
+            </a:fld>
+            <a:endParaRPr lang="ru-RU" dirty="0"/>
+          </a:p>
+        </p:txBody>
+      </p:sp>
     </p:spTree>
     <p:extLst>
       <p:ext uri="{BB962C8B-B14F-4D97-AF65-F5344CB8AC3E}">
@@ -9167,13 +8548,374 @@
   <p:clrMapOvr>
     <a:masterClrMapping/>
   </p:clrMapOvr>
-  <mc:AlternateContent xmlns:mc="http://schemas.openxmlformats.org/markup-compatibility/2006">
-    <mc:Choice xmlns:p14="http://schemas.microsoft.com/office/powerpoint/2010/main" Requires="p14">
+  <mc:AlternateContent xmlns:mc="http://schemas.openxmlformats.org/markup-compatibility/2006" xmlns:p14="http://schemas.microsoft.com/office/powerpoint/2010/main">
+    <mc:Choice Requires="p14">
       <p:transition spd="med" p14:dur="700">
         <p:fade/>
       </p:transition>
     </mc:Choice>
-    <mc:Fallback>
+    <mc:Fallback xmlns="">
+      <p:transition spd="med">
+        <p:fade/>
+      </p:transition>
+    </mc:Fallback>
+  </mc:AlternateContent>
+  <p:timing>
+    <p:tnLst>
+      <p:par>
+        <p:cTn id="1" dur="indefinite" restart="never" nodeType="tmRoot"/>
+      </p:par>
+    </p:tnLst>
+  </p:timing>
+</p:sld>
+</file>
+
+<file path=ppt/slides/slide4.xml><?xml version="1.0" encoding="utf-8"?>
+<p:sld xmlns:a="http://schemas.openxmlformats.org/drawingml/2006/main" xmlns:r="http://schemas.openxmlformats.org/officeDocument/2006/relationships" xmlns:p="http://schemas.openxmlformats.org/presentationml/2006/main">
+  <p:cSld>
+    <p:spTree>
+      <p:nvGrpSpPr>
+        <p:cNvPr id="1" name=""/>
+        <p:cNvGrpSpPr/>
+        <p:nvPr/>
+      </p:nvGrpSpPr>
+      <p:grpSpPr>
+        <a:xfrm>
+          <a:off x="0" y="0"/>
+          <a:ext cx="0" cy="0"/>
+          <a:chOff x="0" y="0"/>
+          <a:chExt cx="0" cy="0"/>
+        </a:xfrm>
+      </p:grpSpPr>
+      <p:sp>
+        <p:nvSpPr>
+          <p:cNvPr id="2" name="Заголовок 1"/>
+          <p:cNvSpPr>
+            <a:spLocks noGrp="1"/>
+          </p:cNvSpPr>
+          <p:nvPr>
+            <p:ph type="title"/>
+          </p:nvPr>
+        </p:nvSpPr>
+        <p:spPr>
+          <a:xfrm>
+            <a:off x="838200" y="543671"/>
+            <a:ext cx="10515600" cy="549276"/>
+          </a:xfrm>
+        </p:spPr>
+        <p:txBody>
+          <a:bodyPr>
+            <a:normAutofit/>
+          </a:bodyPr>
+          <a:lstStyle/>
+          <a:p>
+            <a:r>
+              <a:rPr lang="ru-RU" sz="2900" dirty="0" smtClean="0">
+                <a:solidFill>
+                  <a:schemeClr val="tx1">
+                    <a:lumMod val="75000"/>
+                    <a:lumOff val="25000"/>
+                  </a:schemeClr>
+                </a:solidFill>
+                <a:latin typeface="Century Gothic" panose="020B0502020202020204" pitchFamily="34" charset="0"/>
+              </a:rPr>
+              <a:t>Постановка задач</a:t>
+            </a:r>
+            <a:endParaRPr lang="ru-RU" sz="2900" dirty="0">
+              <a:solidFill>
+                <a:schemeClr val="tx1">
+                  <a:lumMod val="75000"/>
+                  <a:lumOff val="25000"/>
+                </a:schemeClr>
+              </a:solidFill>
+              <a:latin typeface="Century Gothic" panose="020B0502020202020204" pitchFamily="34" charset="0"/>
+            </a:endParaRPr>
+          </a:p>
+        </p:txBody>
+      </p:sp>
+      <p:sp>
+        <p:nvSpPr>
+          <p:cNvPr id="3" name="Объект 2"/>
+          <p:cNvSpPr>
+            <a:spLocks noGrp="1"/>
+          </p:cNvSpPr>
+          <p:nvPr>
+            <p:ph idx="1"/>
+          </p:nvPr>
+        </p:nvSpPr>
+        <p:spPr>
+          <a:xfrm>
+            <a:off x="838200" y="2013882"/>
+            <a:ext cx="4558553" cy="2786717"/>
+          </a:xfrm>
+        </p:spPr>
+        <p:txBody>
+          <a:bodyPr>
+            <a:noAutofit/>
+          </a:bodyPr>
+          <a:lstStyle/>
+          <a:p>
+            <a:pPr marL="514350" indent="-514350" algn="just">
+              <a:buFont typeface="+mj-lt"/>
+              <a:buAutoNum type="arabicPeriod"/>
+            </a:pPr>
+            <a:r>
+              <a:rPr lang="ru-RU" sz="2000" dirty="0" smtClean="0">
+                <a:solidFill>
+                  <a:schemeClr val="tx1">
+                    <a:lumMod val="75000"/>
+                    <a:lumOff val="25000"/>
+                  </a:schemeClr>
+                </a:solidFill>
+              </a:rPr>
+              <a:t>Разработать электронное устройство </a:t>
+            </a:r>
+            <a:r>
+              <a:rPr lang="ru-RU" sz="2000" dirty="0">
+                <a:solidFill>
+                  <a:schemeClr val="tx1">
+                    <a:lumMod val="75000"/>
+                    <a:lumOff val="25000"/>
+                  </a:schemeClr>
+                </a:solidFill>
+              </a:rPr>
+              <a:t>регулировки </a:t>
+            </a:r>
+            <a:r>
+              <a:rPr lang="ru-RU" sz="2000" dirty="0" smtClean="0">
+                <a:solidFill>
+                  <a:schemeClr val="tx1">
+                    <a:lumMod val="75000"/>
+                    <a:lumOff val="25000"/>
+                  </a:schemeClr>
+                </a:solidFill>
+              </a:rPr>
+              <a:t>яркости </a:t>
+            </a:r>
+            <a:r>
+              <a:rPr lang="ru-RU" sz="2000" dirty="0">
+                <a:solidFill>
+                  <a:schemeClr val="tx1">
+                    <a:lumMod val="75000"/>
+                    <a:lumOff val="25000"/>
+                  </a:schemeClr>
+                </a:solidFill>
+              </a:rPr>
+              <a:t>осветительных приборов сети </a:t>
+            </a:r>
+            <a:r>
+              <a:rPr lang="ru-RU" sz="2000" dirty="0" smtClean="0">
+                <a:solidFill>
+                  <a:schemeClr val="tx1">
+                    <a:lumMod val="75000"/>
+                    <a:lumOff val="25000"/>
+                  </a:schemeClr>
+                </a:solidFill>
+              </a:rPr>
+              <a:t>220В</a:t>
+            </a:r>
+            <a:r>
+              <a:rPr lang="ru-RU" sz="2000" dirty="0">
+                <a:solidFill>
+                  <a:schemeClr val="tx1">
+                    <a:lumMod val="75000"/>
+                    <a:lumOff val="25000"/>
+                  </a:schemeClr>
+                </a:solidFill>
+              </a:rPr>
+              <a:t> </a:t>
+            </a:r>
+            <a:r>
+              <a:rPr lang="ru-RU" sz="2000" dirty="0" smtClean="0">
+                <a:solidFill>
+                  <a:schemeClr val="tx1">
+                    <a:lumMod val="75000"/>
+                    <a:lumOff val="25000"/>
+                  </a:schemeClr>
+                </a:solidFill>
+              </a:rPr>
+              <a:t>для системы «Умный дом».</a:t>
+            </a:r>
+          </a:p>
+          <a:p>
+            <a:pPr marL="514350" indent="-514350" algn="just">
+              <a:buFont typeface="+mj-lt"/>
+              <a:buAutoNum type="arabicPeriod"/>
+            </a:pPr>
+            <a:r>
+              <a:rPr lang="ru-RU" sz="2000" dirty="0" smtClean="0">
+                <a:solidFill>
+                  <a:schemeClr val="tx1">
+                    <a:lumMod val="75000"/>
+                    <a:lumOff val="25000"/>
+                  </a:schemeClr>
+                </a:solidFill>
+              </a:rPr>
+              <a:t>Создать пользовательский </a:t>
+            </a:r>
+            <a:r>
+              <a:rPr lang="en-US" sz="2000" dirty="0">
+                <a:solidFill>
+                  <a:schemeClr val="tx1">
+                    <a:lumMod val="75000"/>
+                    <a:lumOff val="25000"/>
+                  </a:schemeClr>
+                </a:solidFill>
+              </a:rPr>
+              <a:t>Web</a:t>
+            </a:r>
+            <a:r>
+              <a:rPr lang="ru-RU" sz="2000" dirty="0" smtClean="0">
+                <a:solidFill>
+                  <a:schemeClr val="tx1">
+                    <a:lumMod val="75000"/>
+                    <a:lumOff val="25000"/>
+                  </a:schemeClr>
+                </a:solidFill>
+              </a:rPr>
+              <a:t>-интерфейс </a:t>
+            </a:r>
+            <a:r>
+              <a:rPr lang="ru-RU" sz="2000" dirty="0">
+                <a:solidFill>
+                  <a:schemeClr val="tx1">
+                    <a:lumMod val="75000"/>
+                    <a:lumOff val="25000"/>
+                  </a:schemeClr>
+                </a:solidFill>
+              </a:rPr>
+              <a:t>для удаленного управления устройствами системы «Умный дом</a:t>
+            </a:r>
+            <a:r>
+              <a:rPr lang="ru-RU" sz="2000" dirty="0" smtClean="0">
+                <a:solidFill>
+                  <a:schemeClr val="tx1">
+                    <a:lumMod val="75000"/>
+                    <a:lumOff val="25000"/>
+                  </a:schemeClr>
+                </a:solidFill>
+              </a:rPr>
+              <a:t>».</a:t>
+            </a:r>
+            <a:endParaRPr lang="en-US" sz="2000" dirty="0" smtClean="0">
+              <a:solidFill>
+                <a:schemeClr val="tx1">
+                  <a:lumMod val="75000"/>
+                  <a:lumOff val="25000"/>
+                </a:schemeClr>
+              </a:solidFill>
+            </a:endParaRPr>
+          </a:p>
+        </p:txBody>
+      </p:sp>
+      <p:sp>
+        <p:nvSpPr>
+          <p:cNvPr id="5" name="TextBox 4"/>
+          <p:cNvSpPr txBox="1"/>
+          <p:nvPr/>
+        </p:nvSpPr>
+        <p:spPr>
+          <a:xfrm>
+            <a:off x="5396753" y="5809129"/>
+            <a:ext cx="6355976" cy="707886"/>
+          </a:xfrm>
+          <a:prstGeom prst="rect">
+            <a:avLst/>
+          </a:prstGeom>
+          <a:noFill/>
+        </p:spPr>
+        <p:txBody>
+          <a:bodyPr wrap="square" rtlCol="0">
+            <a:spAutoFit/>
+          </a:bodyPr>
+          <a:lstStyle/>
+          <a:p>
+            <a:pPr algn="ctr"/>
+            <a:r>
+              <a:rPr lang="ru-RU" sz="2000" dirty="0" smtClean="0">
+                <a:solidFill>
+                  <a:schemeClr val="tx1">
+                    <a:lumMod val="75000"/>
+                    <a:lumOff val="25000"/>
+                  </a:schemeClr>
+                </a:solidFill>
+              </a:rPr>
+              <a:t>Структурная схема системы «Умный дом» (цветом выделены разрабатываемые узлы)</a:t>
+            </a:r>
+            <a:endParaRPr lang="ru-RU" sz="2000" dirty="0">
+              <a:solidFill>
+                <a:schemeClr val="tx1">
+                  <a:lumMod val="75000"/>
+                  <a:lumOff val="25000"/>
+                </a:schemeClr>
+              </a:solidFill>
+            </a:endParaRPr>
+          </a:p>
+        </p:txBody>
+      </p:sp>
+      <p:pic>
+        <p:nvPicPr>
+          <p:cNvPr id="6" name="Рисунок 5"/>
+          <p:cNvPicPr>
+            <a:picLocks noChangeAspect="1"/>
+          </p:cNvPicPr>
+          <p:nvPr/>
+        </p:nvPicPr>
+        <p:blipFill rotWithShape="1">
+          <a:blip r:embed="rId3"/>
+          <a:srcRect t="1664"/>
+          <a:stretch/>
+        </p:blipFill>
+        <p:spPr>
+          <a:xfrm>
+            <a:off x="5397972" y="1168400"/>
+            <a:ext cx="6547888" cy="4457700"/>
+          </a:xfrm>
+          <a:prstGeom prst="rect">
+            <a:avLst/>
+          </a:prstGeom>
+        </p:spPr>
+      </p:pic>
+      <p:sp>
+        <p:nvSpPr>
+          <p:cNvPr id="7" name="Номер слайда 6"/>
+          <p:cNvSpPr>
+            <a:spLocks noGrp="1"/>
+          </p:cNvSpPr>
+          <p:nvPr>
+            <p:ph type="sldNum" sz="quarter" idx="12"/>
+          </p:nvPr>
+        </p:nvSpPr>
+        <p:spPr/>
+        <p:txBody>
+          <a:bodyPr/>
+          <a:lstStyle/>
+          <a:p>
+            <a:fld id="{9DB473F4-B23E-4985-8567-AC9A694A3DD9}" type="slidenum">
+              <a:rPr lang="ru-RU" sz="1800" smtClean="0"/>
+              <a:t>4</a:t>
+            </a:fld>
+            <a:endParaRPr lang="ru-RU" sz="1800" dirty="0"/>
+          </a:p>
+        </p:txBody>
+      </p:sp>
+    </p:spTree>
+    <p:extLst>
+      <p:ext uri="{BB962C8B-B14F-4D97-AF65-F5344CB8AC3E}">
+        <p14:creationId xmlns:p14="http://schemas.microsoft.com/office/powerpoint/2010/main" val="3496867006"/>
+      </p:ext>
+    </p:extLst>
+  </p:cSld>
+  <p:clrMapOvr>
+    <a:masterClrMapping/>
+  </p:clrMapOvr>
+  <mc:AlternateContent xmlns:mc="http://schemas.openxmlformats.org/markup-compatibility/2006" xmlns:p14="http://schemas.microsoft.com/office/powerpoint/2010/main">
+    <mc:Choice Requires="p14">
+      <p:transition spd="med" p14:dur="700">
+        <p:fade/>
+      </p:transition>
+    </mc:Choice>
+    <mc:Fallback xmlns="">
       <p:transition spd="med">
         <p:fade/>
       </p:transition>
@@ -9216,12 +8958,7 @@
             <p:ph type="title"/>
           </p:nvPr>
         </p:nvSpPr>
-        <p:spPr>
-          <a:xfrm>
-            <a:off x="838200" y="543671"/>
-            <a:ext cx="10515600" cy="549276"/>
-          </a:xfrm>
-        </p:spPr>
+        <p:spPr/>
         <p:txBody>
           <a:bodyPr>
             <a:normAutofit/>
@@ -9230,23 +8967,11 @@
           <a:p>
             <a:r>
               <a:rPr lang="ru-RU" sz="2900" dirty="0" smtClean="0">
-                <a:solidFill>
-                  <a:schemeClr val="tx1">
-                    <a:lumMod val="75000"/>
-                    <a:lumOff val="25000"/>
-                  </a:schemeClr>
-                </a:solidFill>
                 <a:latin typeface="Century Gothic" panose="020B0502020202020204" pitchFamily="34" charset="0"/>
               </a:rPr>
-              <a:t>Постановка задач</a:t>
+              <a:t>Технические требования</a:t>
             </a:r>
             <a:endParaRPr lang="ru-RU" sz="2900" dirty="0">
-              <a:solidFill>
-                <a:schemeClr val="tx1">
-                  <a:lumMod val="75000"/>
-                  <a:lumOff val="25000"/>
-                </a:schemeClr>
-              </a:solidFill>
               <a:latin typeface="Century Gothic" panose="020B0502020202020204" pitchFamily="34" charset="0"/>
             </a:endParaRPr>
           </a:p>
@@ -9264,279 +8989,166 @@
         </p:nvSpPr>
         <p:spPr>
           <a:xfrm>
-            <a:off x="838200" y="2013883"/>
-            <a:ext cx="4558553" cy="2325034"/>
+            <a:off x="699304" y="1362636"/>
+            <a:ext cx="10515600" cy="4714875"/>
           </a:xfrm>
         </p:spPr>
         <p:txBody>
           <a:bodyPr>
-            <a:normAutofit/>
+            <a:noAutofit/>
           </a:bodyPr>
           <a:lstStyle/>
           <a:p>
-            <a:pPr marL="514350" indent="-514350" algn="just">
-              <a:buFont typeface="+mj-lt"/>
-              <a:buAutoNum type="arabicPeriod"/>
-            </a:pPr>
-            <a:r>
-              <a:rPr lang="ru-RU" sz="1800" dirty="0" smtClean="0">
-                <a:solidFill>
-                  <a:schemeClr val="tx1">
-                    <a:lumMod val="75000"/>
-                    <a:lumOff val="25000"/>
-                  </a:schemeClr>
-                </a:solidFill>
-              </a:rPr>
-              <a:t>Разработать электронное устройство </a:t>
-            </a:r>
-            <a:r>
-              <a:rPr lang="ru-RU" sz="1800" dirty="0">
-                <a:solidFill>
-                  <a:schemeClr val="tx1">
-                    <a:lumMod val="75000"/>
-                    <a:lumOff val="25000"/>
-                  </a:schemeClr>
-                </a:solidFill>
-              </a:rPr>
-              <a:t>регулировки </a:t>
-            </a:r>
-            <a:r>
-              <a:rPr lang="ru-RU" sz="1800" dirty="0" smtClean="0">
-                <a:solidFill>
-                  <a:schemeClr val="tx1">
-                    <a:lumMod val="75000"/>
-                    <a:lumOff val="25000"/>
-                  </a:schemeClr>
-                </a:solidFill>
-              </a:rPr>
-              <a:t>яркости </a:t>
-            </a:r>
-            <a:r>
-              <a:rPr lang="ru-RU" sz="1800" dirty="0">
-                <a:solidFill>
-                  <a:schemeClr val="tx1">
-                    <a:lumMod val="75000"/>
-                    <a:lumOff val="25000"/>
-                  </a:schemeClr>
-                </a:solidFill>
-              </a:rPr>
-              <a:t>осветительных приборов сети </a:t>
-            </a:r>
-            <a:r>
-              <a:rPr lang="ru-RU" sz="1800" dirty="0" smtClean="0">
-                <a:solidFill>
-                  <a:schemeClr val="tx1">
-                    <a:lumMod val="75000"/>
-                    <a:lumOff val="25000"/>
-                  </a:schemeClr>
-                </a:solidFill>
-              </a:rPr>
-              <a:t>220В</a:t>
-            </a:r>
-            <a:r>
-              <a:rPr lang="ru-RU" sz="1800" dirty="0">
-                <a:solidFill>
-                  <a:schemeClr val="tx1">
-                    <a:lumMod val="75000"/>
-                    <a:lumOff val="25000"/>
-                  </a:schemeClr>
-                </a:solidFill>
-              </a:rPr>
+            <a:r>
+              <a:rPr lang="ru-RU" sz="2400" dirty="0" smtClean="0"/>
+              <a:t>Рабочее напряжение 220В</a:t>
+            </a:r>
+          </a:p>
+          <a:p>
+            <a:r>
+              <a:rPr lang="ru-RU" sz="2400" dirty="0" smtClean="0"/>
+              <a:t>Задержка коммутации </a:t>
+            </a:r>
+            <a:r>
+              <a:rPr lang="en-US" sz="2400" dirty="0" smtClean="0"/>
+              <a:t>&lt;</a:t>
+            </a:r>
+            <a:r>
+              <a:rPr lang="ru-RU" sz="2400" dirty="0" smtClean="0"/>
               <a:t> </a:t>
             </a:r>
             <a:r>
-              <a:rPr lang="ru-RU" sz="1800" dirty="0" smtClean="0">
-                <a:solidFill>
-                  <a:schemeClr val="tx1">
-                    <a:lumMod val="75000"/>
-                    <a:lumOff val="25000"/>
-                  </a:schemeClr>
-                </a:solidFill>
-              </a:rPr>
-              <a:t>для системы «Умный </a:t>
-            </a:r>
-            <a:r>
-              <a:rPr lang="ru-RU" sz="1800" smtClean="0">
-                <a:solidFill>
-                  <a:schemeClr val="tx1">
-                    <a:lumMod val="75000"/>
-                    <a:lumOff val="25000"/>
-                  </a:schemeClr>
-                </a:solidFill>
-              </a:rPr>
-              <a:t>дом».</a:t>
-            </a:r>
-            <a:endParaRPr lang="ru-RU" sz="1800" dirty="0" smtClean="0">
-              <a:solidFill>
-                <a:schemeClr val="tx1">
-                  <a:lumMod val="75000"/>
-                  <a:lumOff val="25000"/>
-                </a:schemeClr>
-              </a:solidFill>
-            </a:endParaRPr>
-          </a:p>
-          <a:p>
-            <a:pPr marL="514350" indent="-514350" algn="just">
-              <a:buFont typeface="+mj-lt"/>
-              <a:buAutoNum type="arabicPeriod"/>
-            </a:pPr>
-            <a:r>
-              <a:rPr lang="ru-RU" sz="1800" dirty="0" smtClean="0">
-                <a:solidFill>
-                  <a:schemeClr val="tx1">
-                    <a:lumMod val="75000"/>
-                    <a:lumOff val="25000"/>
-                  </a:schemeClr>
-                </a:solidFill>
-              </a:rPr>
-              <a:t>Создать пользовательский </a:t>
-            </a:r>
-            <a:r>
-              <a:rPr lang="en-US" sz="1800" dirty="0">
-                <a:solidFill>
-                  <a:schemeClr val="tx1">
-                    <a:lumMod val="75000"/>
-                    <a:lumOff val="25000"/>
-                  </a:schemeClr>
-                </a:solidFill>
-              </a:rPr>
-              <a:t>Web</a:t>
-            </a:r>
-            <a:r>
-              <a:rPr lang="ru-RU" sz="1800" dirty="0" smtClean="0">
-                <a:solidFill>
-                  <a:schemeClr val="tx1">
-                    <a:lumMod val="75000"/>
-                    <a:lumOff val="25000"/>
-                  </a:schemeClr>
-                </a:solidFill>
-              </a:rPr>
-              <a:t>-интерфейс </a:t>
-            </a:r>
-            <a:r>
-              <a:rPr lang="ru-RU" sz="1800" dirty="0">
-                <a:solidFill>
-                  <a:schemeClr val="tx1">
-                    <a:lumMod val="75000"/>
-                    <a:lumOff val="25000"/>
-                  </a:schemeClr>
-                </a:solidFill>
-              </a:rPr>
-              <a:t>для удаленного управления устройствами системы «Умный дом</a:t>
-            </a:r>
-            <a:r>
-              <a:rPr lang="ru-RU" sz="1800" dirty="0" smtClean="0">
-                <a:solidFill>
-                  <a:schemeClr val="tx1">
-                    <a:lumMod val="75000"/>
-                    <a:lumOff val="25000"/>
-                  </a:schemeClr>
-                </a:solidFill>
-              </a:rPr>
-              <a:t>».</a:t>
-            </a:r>
-            <a:endParaRPr lang="en-US" sz="1800" dirty="0" smtClean="0">
-              <a:solidFill>
-                <a:schemeClr val="tx1">
-                  <a:lumMod val="75000"/>
-                  <a:lumOff val="25000"/>
-                </a:schemeClr>
-              </a:solidFill>
-            </a:endParaRPr>
-          </a:p>
-        </p:txBody>
-      </p:sp>
-      <p:pic>
-        <p:nvPicPr>
-          <p:cNvPr id="4" name="Рисунок 3"/>
-          <p:cNvPicPr>
-            <a:picLocks noChangeAspect="1"/>
-          </p:cNvPicPr>
-          <p:nvPr/>
-        </p:nvPicPr>
-        <p:blipFill>
-          <a:blip r:embed="rId3"/>
-          <a:stretch>
-            <a:fillRect/>
-          </a:stretch>
-        </p:blipFill>
-        <p:spPr>
-          <a:xfrm>
-            <a:off x="5396753" y="1111624"/>
-            <a:ext cx="6214012" cy="4500282"/>
-          </a:xfrm>
-          <a:prstGeom prst="rect">
-            <a:avLst/>
-          </a:prstGeom>
-        </p:spPr>
-      </p:pic>
-      <p:sp>
-        <p:nvSpPr>
-          <p:cNvPr id="5" name="TextBox 4"/>
-          <p:cNvSpPr txBox="1"/>
-          <p:nvPr/>
-        </p:nvSpPr>
-        <p:spPr>
-          <a:xfrm>
-            <a:off x="5396753" y="5809129"/>
-            <a:ext cx="6355976" cy="584775"/>
-          </a:xfrm>
-          <a:prstGeom prst="rect">
-            <a:avLst/>
-          </a:prstGeom>
-          <a:noFill/>
-        </p:spPr>
-        <p:txBody>
-          <a:bodyPr wrap="square" rtlCol="0">
-            <a:spAutoFit/>
-          </a:bodyPr>
-          <a:lstStyle/>
-          <a:p>
-            <a:pPr algn="ctr"/>
-            <a:r>
-              <a:rPr lang="ru-RU" sz="1600" dirty="0" smtClean="0">
-                <a:solidFill>
-                  <a:schemeClr val="tx1">
-                    <a:lumMod val="75000"/>
-                    <a:lumOff val="25000"/>
-                  </a:schemeClr>
-                </a:solidFill>
-              </a:rPr>
-              <a:t>Структурная схема системы «Умный дом» (цветом выделены разрабатываемые узлы)</a:t>
-            </a:r>
-            <a:endParaRPr lang="ru-RU" sz="1600" dirty="0">
-              <a:solidFill>
-                <a:schemeClr val="tx1">
-                  <a:lumMod val="75000"/>
-                  <a:lumOff val="25000"/>
-                </a:schemeClr>
-              </a:solidFill>
-            </a:endParaRPr>
+              <a:rPr lang="en-US" sz="2400" dirty="0" smtClean="0"/>
+              <a:t>0.</a:t>
+            </a:r>
+            <a:r>
+              <a:rPr lang="ru-RU" sz="2400" dirty="0" smtClean="0"/>
+              <a:t>1мс</a:t>
+            </a:r>
+            <a:endParaRPr lang="en-US" sz="2400" dirty="0" smtClean="0"/>
+          </a:p>
+          <a:p>
+            <a:r>
+              <a:rPr lang="ru-RU" sz="2400" dirty="0" smtClean="0"/>
+              <a:t>Потребляемая мощность </a:t>
+            </a:r>
+            <a:r>
+              <a:rPr lang="en-US" sz="2400" dirty="0" smtClean="0"/>
+              <a:t>&lt; 1 </a:t>
+            </a:r>
+            <a:r>
+              <a:rPr lang="ru-RU" sz="2400" dirty="0" smtClean="0"/>
+              <a:t>Вт</a:t>
+            </a:r>
+          </a:p>
+          <a:p>
+            <a:r>
+              <a:rPr lang="ru-RU" sz="2400" dirty="0" smtClean="0"/>
+              <a:t>Гальваническая развязка силовой и цифровой частей</a:t>
+            </a:r>
+          </a:p>
+          <a:p>
+            <a:r>
+              <a:rPr lang="ru-RU" sz="2400" dirty="0"/>
+              <a:t>Совместимость с лампами накаливания и </a:t>
+            </a:r>
+            <a:r>
+              <a:rPr lang="ru-RU" sz="2400" dirty="0" err="1"/>
+              <a:t>диммируемыми</a:t>
+            </a:r>
+            <a:r>
+              <a:rPr lang="ru-RU" sz="2400" dirty="0"/>
+              <a:t> светодиодными </a:t>
+            </a:r>
+            <a:r>
+              <a:rPr lang="ru-RU" sz="2400" dirty="0" smtClean="0"/>
+              <a:t>лампами</a:t>
+            </a:r>
+          </a:p>
+          <a:p>
+            <a:r>
+              <a:rPr lang="ru-RU" sz="2400" dirty="0"/>
+              <a:t>Л</a:t>
+            </a:r>
+            <a:r>
+              <a:rPr lang="ru-RU" sz="2400" dirty="0" smtClean="0"/>
+              <a:t>инейная </a:t>
+            </a:r>
+            <a:r>
+              <a:rPr lang="ru-RU" sz="2400" dirty="0"/>
+              <a:t>регулировка яркости осветительных приборов</a:t>
+            </a:r>
+          </a:p>
+          <a:p>
+            <a:r>
+              <a:rPr lang="ru-RU" sz="2400" dirty="0" smtClean="0"/>
+              <a:t>Размеры устройства должны быть подходящими для его установки в стандартный </a:t>
+            </a:r>
+            <a:r>
+              <a:rPr lang="ru-RU" sz="2400" dirty="0" err="1" smtClean="0"/>
+              <a:t>подрозетник</a:t>
+            </a:r>
+            <a:r>
+              <a:rPr lang="ru-RU" sz="2400" dirty="0" smtClean="0"/>
+              <a:t> (</a:t>
+            </a:r>
+            <a:r>
+              <a:rPr lang="en-US" sz="2400" dirty="0" smtClean="0"/>
+              <a:t>Ø</a:t>
+            </a:r>
+            <a:r>
+              <a:rPr lang="ru-RU" sz="2400" dirty="0" smtClean="0"/>
+              <a:t> 67мм, глубина 48мм)</a:t>
+            </a:r>
+          </a:p>
+          <a:p>
+            <a:r>
+              <a:rPr lang="ru-RU" sz="2400" dirty="0" smtClean="0"/>
+              <a:t>Возможность контроля освещенности</a:t>
+            </a:r>
+          </a:p>
+          <a:p>
+            <a:r>
+              <a:rPr lang="ru-RU" sz="2400" dirty="0" smtClean="0"/>
+              <a:t>Возможность ручного и дистанционного управления</a:t>
+            </a:r>
+            <a:endParaRPr lang="ru-RU" sz="2400" dirty="0"/>
+          </a:p>
+        </p:txBody>
+      </p:sp>
+      <p:sp>
+        <p:nvSpPr>
+          <p:cNvPr id="4" name="Номер слайда 3"/>
+          <p:cNvSpPr>
+            <a:spLocks noGrp="1"/>
+          </p:cNvSpPr>
+          <p:nvPr>
+            <p:ph type="sldNum" sz="quarter" idx="12"/>
+          </p:nvPr>
+        </p:nvSpPr>
+        <p:spPr/>
+        <p:txBody>
+          <a:bodyPr/>
+          <a:lstStyle/>
+          <a:p>
+            <a:fld id="{9DB473F4-B23E-4985-8567-AC9A694A3DD9}" type="slidenum">
+              <a:rPr lang="ru-RU" sz="1800" smtClean="0"/>
+              <a:t>5</a:t>
+            </a:fld>
+            <a:endParaRPr lang="ru-RU" sz="1800"/>
           </a:p>
         </p:txBody>
       </p:sp>
     </p:spTree>
     <p:extLst>
       <p:ext uri="{BB962C8B-B14F-4D97-AF65-F5344CB8AC3E}">
-        <p14:creationId xmlns:p14="http://schemas.microsoft.com/office/powerpoint/2010/main" val="3496867006"/>
+        <p14:creationId xmlns:p14="http://schemas.microsoft.com/office/powerpoint/2010/main" val="2959574455"/>
       </p:ext>
     </p:extLst>
   </p:cSld>
   <p:clrMapOvr>
     <a:masterClrMapping/>
   </p:clrMapOvr>
-  <mc:AlternateContent xmlns:mc="http://schemas.openxmlformats.org/markup-compatibility/2006">
-    <mc:Choice xmlns:p14="http://schemas.microsoft.com/office/powerpoint/2010/main" Requires="p14">
-      <p:transition spd="med" p14:dur="700">
-        <p:fade/>
-      </p:transition>
-    </mc:Choice>
-    <mc:Fallback>
-      <p:transition spd="med">
-        <p:fade/>
-      </p:transition>
-    </mc:Fallback>
-  </mc:AlternateContent>
   <p:timing>
     <p:tnLst>
       <p:par>
@@ -9576,13 +9188,13 @@
         </p:nvSpPr>
         <p:spPr>
           <a:xfrm>
-            <a:off x="838200" y="580279"/>
-            <a:ext cx="10515600" cy="844202"/>
+            <a:off x="838200" y="580278"/>
+            <a:ext cx="10515600" cy="836145"/>
           </a:xfrm>
         </p:spPr>
         <p:txBody>
           <a:bodyPr>
-            <a:normAutofit fontScale="90000"/>
+            <a:normAutofit/>
           </a:bodyPr>
           <a:lstStyle/>
           <a:p>
@@ -9596,7 +9208,31 @@
                 </a:solidFill>
                 <a:latin typeface="Century Gothic" panose="020B0502020202020204" pitchFamily="34" charset="0"/>
               </a:rPr>
-              <a:t>Реализация свето-регулятора (способы диммирования)</a:t>
+              <a:t>Принцип работы </a:t>
+            </a:r>
+            <a:r>
+              <a:rPr lang="ru-RU" sz="3200" dirty="0" smtClean="0">
+                <a:solidFill>
+                  <a:schemeClr val="tx1">
+                    <a:lumMod val="75000"/>
+                    <a:lumOff val="25000"/>
+                  </a:schemeClr>
+                </a:solidFill>
+                <a:latin typeface="Century Gothic" panose="020B0502020202020204" pitchFamily="34" charset="0"/>
+              </a:rPr>
+              <a:t>свето-регулятора </a:t>
+            </a:r>
+            <a:r>
+              <a:rPr lang="ru-RU" sz="3200" dirty="0" smtClean="0">
+                <a:solidFill>
+                  <a:schemeClr val="tx1">
+                    <a:lumMod val="75000"/>
+                    <a:lumOff val="25000"/>
+                  </a:schemeClr>
+                </a:solidFill>
+                <a:latin typeface="Century Gothic" panose="020B0502020202020204" pitchFamily="34" charset="0"/>
+              </a:rPr>
+              <a:t>(диммера)</a:t>
             </a:r>
             <a:endParaRPr lang="ru-RU" sz="3200" dirty="0">
               <a:solidFill>
@@ -9610,46 +9246,101 @@
           </a:p>
         </p:txBody>
       </p:sp>
-      <p:pic>
-        <p:nvPicPr>
-          <p:cNvPr id="4" name="Объект 3" descr="Dimming LEDs - The difference between leading and trailing edge"/>
-          <p:cNvPicPr>
-            <a:picLocks noGrp="1"/>
-          </p:cNvPicPr>
-          <p:nvPr>
-            <p:ph idx="1"/>
-          </p:nvPr>
-        </p:nvPicPr>
-        <p:blipFill>
-          <a:blip r:embed="rId3">
-            <a:extLst>
-              <a:ext uri="{28A0092B-C50C-407E-A947-70E740481C1C}">
-                <a14:useLocalDpi xmlns:a14="http://schemas.microsoft.com/office/drawing/2010/main" val="0"/>
-              </a:ext>
-            </a:extLst>
-          </a:blip>
-          <a:srcRect/>
-          <a:stretch>
-            <a:fillRect/>
-          </a:stretch>
-        </p:blipFill>
-        <p:spPr bwMode="auto">
+      <p:sp>
+        <p:nvSpPr>
+          <p:cNvPr id="11" name="TextBox 10"/>
+          <p:cNvSpPr txBox="1"/>
+          <p:nvPr/>
+        </p:nvSpPr>
+        <p:spPr>
           <a:xfrm>
-            <a:off x="838200" y="3448400"/>
-            <a:ext cx="4397188" cy="2251165"/>
+            <a:off x="4805082" y="6138802"/>
+            <a:ext cx="6836211" cy="400110"/>
           </a:xfrm>
           <a:prstGeom prst="rect">
             <a:avLst/>
           </a:prstGeom>
           <a:noFill/>
-          <a:ln>
-            <a:noFill/>
-          </a:ln>
+        </p:spPr>
+        <p:txBody>
+          <a:bodyPr wrap="square" rtlCol="0">
+            <a:spAutoFit/>
+          </a:bodyPr>
+          <a:lstStyle/>
+          <a:p>
+            <a:pPr algn="ctr"/>
+            <a:r>
+              <a:rPr lang="ru-RU" sz="2000" dirty="0" smtClean="0">
+                <a:solidFill>
+                  <a:schemeClr val="tx1">
+                    <a:lumMod val="75000"/>
+                    <a:lumOff val="25000"/>
+                  </a:schemeClr>
+                </a:solidFill>
+              </a:rPr>
+              <a:t>Функциональная схема свето-регулятора</a:t>
+            </a:r>
+            <a:endParaRPr lang="ru-RU" sz="2000" dirty="0">
+              <a:solidFill>
+                <a:schemeClr val="tx1">
+                  <a:lumMod val="75000"/>
+                  <a:lumOff val="25000"/>
+                </a:schemeClr>
+              </a:solidFill>
+            </a:endParaRPr>
+          </a:p>
+        </p:txBody>
+      </p:sp>
+      <p:pic>
+        <p:nvPicPr>
+          <p:cNvPr id="4" name="Рисунок 3"/>
+          <p:cNvPicPr>
+            <a:picLocks noChangeAspect="1"/>
+          </p:cNvPicPr>
+          <p:nvPr/>
+        </p:nvPicPr>
+        <p:blipFill>
+          <a:blip r:embed="rId3"/>
+          <a:stretch>
+            <a:fillRect/>
+          </a:stretch>
+        </p:blipFill>
+        <p:spPr>
+          <a:xfrm>
+            <a:off x="4489697" y="1292733"/>
+            <a:ext cx="7332198" cy="4913188"/>
+          </a:xfrm>
+          <a:prstGeom prst="rect">
+            <a:avLst/>
+          </a:prstGeom>
         </p:spPr>
       </p:pic>
+      <p:sp>
+        <p:nvSpPr>
+          <p:cNvPr id="3" name="Номер слайда 2"/>
+          <p:cNvSpPr>
+            <a:spLocks noGrp="1"/>
+          </p:cNvSpPr>
+          <p:nvPr>
+            <p:ph type="sldNum" sz="quarter" idx="12"/>
+          </p:nvPr>
+        </p:nvSpPr>
+        <p:spPr/>
+        <p:txBody>
+          <a:bodyPr/>
+          <a:lstStyle/>
+          <a:p>
+            <a:fld id="{9DB473F4-B23E-4985-8567-AC9A694A3DD9}" type="slidenum">
+              <a:rPr lang="ru-RU" sz="1800" smtClean="0"/>
+              <a:t>6</a:t>
+            </a:fld>
+            <a:endParaRPr lang="ru-RU" sz="1800" dirty="0"/>
+          </a:p>
+        </p:txBody>
+      </p:sp>
       <p:pic>
         <p:nvPicPr>
-          <p:cNvPr id="5" name="Рисунок 4" descr="Dimming LEDs - The difference between leading and trailing edge"/>
+          <p:cNvPr id="7" name="Рисунок 6" descr="Dimming LEDs - The difference between leading and trailing edge"/>
           <p:cNvPicPr/>
           <p:nvPr/>
         </p:nvPicPr>
@@ -9668,8 +9359,8 @@
         </p:blipFill>
         <p:spPr bwMode="auto">
           <a:xfrm>
-            <a:off x="6875928" y="3448400"/>
-            <a:ext cx="4477871" cy="2249260"/>
+            <a:off x="566446" y="3850050"/>
+            <a:ext cx="3923251" cy="1875954"/>
           </a:xfrm>
           <a:prstGeom prst="rect">
             <a:avLst/>
@@ -9682,14 +9373,14 @@
       </p:pic>
       <p:sp>
         <p:nvSpPr>
-          <p:cNvPr id="6" name="TextBox 5"/>
+          <p:cNvPr id="8" name="TextBox 7"/>
           <p:cNvSpPr txBox="1"/>
           <p:nvPr/>
         </p:nvSpPr>
         <p:spPr>
           <a:xfrm>
-            <a:off x="968187" y="5664672"/>
-            <a:ext cx="4267201" cy="369332"/>
+            <a:off x="968187" y="1657341"/>
+            <a:ext cx="3836895" cy="1200329"/>
           </a:xfrm>
           <a:prstGeom prst="rect">
             <a:avLst/>
@@ -9702,39 +9393,47 @@
           </a:bodyPr>
           <a:lstStyle/>
           <a:p>
-            <a:pPr algn="ctr"/>
-            <a:r>
-              <a:rPr lang="ru-RU" dirty="0" smtClean="0">
+            <a:pPr algn="just"/>
+            <a:r>
+              <a:rPr lang="ru-RU" sz="2400" u="sng" dirty="0" smtClean="0">
                 <a:solidFill>
                   <a:schemeClr val="tx1">
                     <a:lumMod val="75000"/>
                     <a:lumOff val="25000"/>
                   </a:schemeClr>
                 </a:solidFill>
-              </a:rPr>
-              <a:t>Диммирование с отсечкой по фронту</a:t>
-            </a:r>
-            <a:endParaRPr lang="ru-RU" dirty="0">
-              <a:solidFill>
-                <a:schemeClr val="tx1">
-                  <a:lumMod val="75000"/>
-                  <a:lumOff val="25000"/>
-                </a:schemeClr>
-              </a:solidFill>
-            </a:endParaRPr>
-          </a:p>
-        </p:txBody>
-      </p:sp>
-      <p:sp>
-        <p:nvSpPr>
-          <p:cNvPr id="7" name="TextBox 6"/>
+                <a:uFill>
+                  <a:solidFill>
+                    <a:srgbClr val="D1BCD2"/>
+                  </a:solidFill>
+                </a:uFill>
+              </a:rPr>
+              <a:t>Диммирование</a:t>
+            </a:r>
+            <a:r>
+              <a:rPr lang="ru-RU" sz="2400" dirty="0" smtClean="0">
+                <a:solidFill>
+                  <a:schemeClr val="tx1">
+                    <a:lumMod val="75000"/>
+                    <a:lumOff val="25000"/>
+                  </a:schemeClr>
+                </a:solidFill>
+              </a:rPr>
+              <a:t> - процесс управления яркостью осветительных приборов.</a:t>
+            </a:r>
+          </a:p>
+        </p:txBody>
+      </p:sp>
+      <p:sp>
+        <p:nvSpPr>
+          <p:cNvPr id="5" name="TextBox 4"/>
           <p:cNvSpPr txBox="1"/>
           <p:nvPr/>
         </p:nvSpPr>
         <p:spPr>
           <a:xfrm>
-            <a:off x="6875929" y="5664672"/>
-            <a:ext cx="4477869" cy="369332"/>
+            <a:off x="968187" y="6205921"/>
+            <a:ext cx="3836895" cy="461665"/>
           </a:xfrm>
           <a:prstGeom prst="rect">
             <a:avLst/>
@@ -9747,195 +9446,31 @@
           </a:bodyPr>
           <a:lstStyle/>
           <a:p>
-            <a:pPr algn="ctr"/>
-            <a:r>
-              <a:rPr lang="ru-RU" dirty="0" smtClean="0">
-                <a:solidFill>
-                  <a:schemeClr val="tx1">
-                    <a:lumMod val="75000"/>
-                    <a:lumOff val="25000"/>
-                  </a:schemeClr>
-                </a:solidFill>
-              </a:rPr>
-              <a:t>Диммирование с отсечкой по спаду</a:t>
-            </a:r>
-            <a:endParaRPr lang="ru-RU" dirty="0">
-              <a:solidFill>
-                <a:schemeClr val="tx1">
-                  <a:lumMod val="75000"/>
-                  <a:lumOff val="25000"/>
-                </a:schemeClr>
-              </a:solidFill>
-            </a:endParaRPr>
-          </a:p>
-        </p:txBody>
-      </p:sp>
-      <p:sp>
-        <p:nvSpPr>
-          <p:cNvPr id="8" name="TextBox 7"/>
-          <p:cNvSpPr txBox="1"/>
-          <p:nvPr/>
-        </p:nvSpPr>
-        <p:spPr>
-          <a:xfrm>
-            <a:off x="968187" y="1836276"/>
-            <a:ext cx="3836895" cy="923330"/>
-          </a:xfrm>
-          <a:prstGeom prst="rect">
-            <a:avLst/>
-          </a:prstGeom>
-          <a:noFill/>
-        </p:spPr>
-        <p:txBody>
-          <a:bodyPr wrap="square" rtlCol="0">
-            <a:spAutoFit/>
-          </a:bodyPr>
-          <a:lstStyle/>
-          <a:p>
-            <a:pPr algn="just"/>
-            <a:r>
-              <a:rPr lang="ru-RU" u="sng" dirty="0" smtClean="0">
-                <a:solidFill>
-                  <a:schemeClr val="tx1">
-                    <a:lumMod val="75000"/>
-                    <a:lumOff val="25000"/>
-                  </a:schemeClr>
-                </a:solidFill>
-                <a:uFill>
-                  <a:solidFill>
-                    <a:srgbClr val="D1BCD2"/>
-                  </a:solidFill>
-                </a:uFill>
-              </a:rPr>
-              <a:t>Диммирование</a:t>
-            </a:r>
-            <a:r>
-              <a:rPr lang="ru-RU" dirty="0" smtClean="0">
-                <a:solidFill>
-                  <a:schemeClr val="tx1">
-                    <a:lumMod val="75000"/>
-                    <a:lumOff val="25000"/>
-                  </a:schemeClr>
-                </a:solidFill>
-              </a:rPr>
-              <a:t> - процесс управления яркостью осветительных приборов.</a:t>
-            </a:r>
-          </a:p>
-        </p:txBody>
-      </p:sp>
-      <p:sp>
-        <p:nvSpPr>
-          <p:cNvPr id="3" name="TextBox 2"/>
-          <p:cNvSpPr txBox="1"/>
-          <p:nvPr/>
-        </p:nvSpPr>
-        <p:spPr>
-          <a:xfrm flipH="1">
-            <a:off x="5688103" y="1836276"/>
-            <a:ext cx="5665695" cy="1200329"/>
-          </a:xfrm>
-          <a:prstGeom prst="rect">
-            <a:avLst/>
-          </a:prstGeom>
-          <a:noFill/>
-        </p:spPr>
-        <p:txBody>
-          <a:bodyPr wrap="square" rtlCol="0">
-            <a:spAutoFit/>
-          </a:bodyPr>
-          <a:lstStyle/>
-          <a:p>
-            <a:pPr algn="just"/>
-            <a:r>
-              <a:rPr lang="ru-RU" u="sng" dirty="0">
-                <a:solidFill>
-                  <a:schemeClr val="tx1">
-                    <a:lumMod val="75000"/>
-                    <a:lumOff val="25000"/>
-                  </a:schemeClr>
-                </a:solidFill>
-                <a:uFill>
-                  <a:solidFill>
-                    <a:srgbClr val="D1BCD2"/>
-                  </a:solidFill>
-                </a:uFill>
-              </a:rPr>
-              <a:t>Диммер (свето-регулятор</a:t>
-            </a:r>
-            <a:r>
-              <a:rPr lang="ru-RU" u="sng" dirty="0" smtClean="0">
-                <a:solidFill>
-                  <a:schemeClr val="tx1">
-                    <a:lumMod val="75000"/>
-                    <a:lumOff val="25000"/>
-                  </a:schemeClr>
-                </a:solidFill>
-                <a:uFill>
-                  <a:solidFill>
-                    <a:srgbClr val="D1BCD2"/>
-                  </a:solidFill>
-                </a:uFill>
-              </a:rPr>
-              <a:t>)</a:t>
-            </a:r>
-            <a:r>
-              <a:rPr lang="ru-RU" dirty="0" smtClean="0">
-                <a:solidFill>
-                  <a:schemeClr val="tx1">
-                    <a:lumMod val="75000"/>
-                    <a:lumOff val="25000"/>
-                  </a:schemeClr>
-                </a:solidFill>
-                <a:uFill>
-                  <a:solidFill>
-                    <a:srgbClr val="D1BCD2"/>
-                  </a:solidFill>
-                </a:uFill>
-              </a:rPr>
-              <a:t> </a:t>
-            </a:r>
-            <a:r>
-              <a:rPr lang="ru-RU" dirty="0" smtClean="0">
-                <a:solidFill>
-                  <a:schemeClr val="tx1">
-                    <a:lumMod val="75000"/>
-                    <a:lumOff val="25000"/>
-                  </a:schemeClr>
-                </a:solidFill>
-              </a:rPr>
-              <a:t>– </a:t>
-            </a:r>
-            <a:r>
-              <a:rPr lang="ru-RU" dirty="0">
-                <a:solidFill>
-                  <a:schemeClr val="tx1">
-                    <a:lumMod val="75000"/>
-                    <a:lumOff val="25000"/>
-                  </a:schemeClr>
-                </a:solidFill>
-              </a:rPr>
-              <a:t>электронное устройство, используемое для регулировки яркости света, излучаемого осветительными приборами, посредством изменения потребляемой ими мощности.</a:t>
-            </a:r>
+            <a:r>
+              <a:rPr lang="ru-RU" sz="2400" dirty="0" smtClean="0"/>
+              <a:t>Напряжение на нагрузке</a:t>
+            </a:r>
+            <a:endParaRPr lang="ru-RU" sz="2400" dirty="0"/>
           </a:p>
         </p:txBody>
       </p:sp>
     </p:spTree>
     <p:extLst>
       <p:ext uri="{BB962C8B-B14F-4D97-AF65-F5344CB8AC3E}">
-        <p14:creationId xmlns:p14="http://schemas.microsoft.com/office/powerpoint/2010/main" val="1568963023"/>
+        <p14:creationId xmlns:p14="http://schemas.microsoft.com/office/powerpoint/2010/main" val="2911153265"/>
       </p:ext>
     </p:extLst>
   </p:cSld>
   <p:clrMapOvr>
     <a:masterClrMapping/>
   </p:clrMapOvr>
-  <mc:AlternateContent xmlns:mc="http://schemas.openxmlformats.org/markup-compatibility/2006">
-    <mc:Choice xmlns:p14="http://schemas.microsoft.com/office/powerpoint/2010/main" Requires="p14">
+  <mc:AlternateContent xmlns:mc="http://schemas.openxmlformats.org/markup-compatibility/2006" xmlns:p14="http://schemas.microsoft.com/office/powerpoint/2010/main">
+    <mc:Choice Requires="p14">
       <p:transition spd="med" p14:dur="700">
         <p:fade/>
       </p:transition>
     </mc:Choice>
-    <mc:Fallback>
+    <mc:Fallback xmlns="">
       <p:transition spd="med">
         <p:fade/>
       </p:transition>
@@ -9980,18 +9515,18 @@
         </p:nvSpPr>
         <p:spPr>
           <a:xfrm>
-            <a:off x="838200" y="580278"/>
-            <a:ext cx="10515600" cy="836145"/>
+            <a:off x="838200" y="362202"/>
+            <a:ext cx="10515600" cy="559100"/>
           </a:xfrm>
         </p:spPr>
         <p:txBody>
           <a:bodyPr>
-            <a:normAutofit fontScale="90000"/>
+            <a:normAutofit/>
           </a:bodyPr>
           <a:lstStyle/>
           <a:p>
             <a:r>
-              <a:rPr lang="ru-RU" sz="3200" dirty="0" smtClean="0">
+              <a:rPr lang="ru-RU" sz="2900" dirty="0" smtClean="0">
                 <a:solidFill>
                   <a:schemeClr val="tx1">
                     <a:lumMod val="75000"/>
@@ -10000,9 +9535,9 @@
                 </a:solidFill>
                 <a:latin typeface="Century Gothic" panose="020B0502020202020204" pitchFamily="34" charset="0"/>
               </a:rPr>
-              <a:t>Реализация свето-регулятора (функциональная схема)</a:t>
-            </a:r>
-            <a:endParaRPr lang="ru-RU" sz="3200" dirty="0">
+              <a:t>Реализация свето-регулятора (моделирование)</a:t>
+            </a:r>
+            <a:endParaRPr lang="ru-RU" sz="2900" dirty="0">
               <a:solidFill>
                 <a:schemeClr val="tx1">
                   <a:lumMod val="75000"/>
@@ -10014,40 +9549,16 @@
           </a:p>
         </p:txBody>
       </p:sp>
-      <p:pic>
-        <p:nvPicPr>
-          <p:cNvPr id="9" name="Рисунок 8"/>
-          <p:cNvPicPr>
-            <a:picLocks noChangeAspect="1"/>
-          </p:cNvPicPr>
+      <p:sp>
+        <p:nvSpPr>
+          <p:cNvPr id="3" name="TextBox 2"/>
+          <p:cNvSpPr txBox="1"/>
           <p:nvPr/>
-        </p:nvPicPr>
-        <p:blipFill>
-          <a:blip r:embed="rId3"/>
-          <a:stretch>
-            <a:fillRect/>
-          </a:stretch>
-        </p:blipFill>
+        </p:nvSpPr>
         <p:spPr>
           <a:xfrm>
-            <a:off x="748916" y="1857473"/>
-            <a:ext cx="7269649" cy="3558782"/>
-          </a:xfrm>
-          <a:prstGeom prst="rect">
-            <a:avLst/>
-          </a:prstGeom>
-        </p:spPr>
-      </p:pic>
-      <p:sp>
-        <p:nvSpPr>
-          <p:cNvPr id="10" name="TextBox 9"/>
-          <p:cNvSpPr txBox="1"/>
-          <p:nvPr/>
-        </p:nvSpPr>
-        <p:spPr>
-          <a:xfrm>
-            <a:off x="8104095" y="1857473"/>
-            <a:ext cx="3621740" cy="3139321"/>
+            <a:off x="0" y="1004098"/>
+            <a:ext cx="8834343" cy="461665"/>
           </a:xfrm>
           <a:prstGeom prst="rect">
             <a:avLst/>
@@ -10060,9 +9571,9 @@
           </a:bodyPr>
           <a:lstStyle/>
           <a:p>
-            <a:pPr algn="just"/>
-            <a:r>
-              <a:rPr lang="ru-RU" dirty="0" smtClean="0">
+            <a:pPr algn="ctr"/>
+            <a:r>
+              <a:rPr lang="ru-RU" sz="2400" dirty="0" smtClean="0">
                 <a:solidFill>
                   <a:schemeClr val="tx1">
                     <a:lumMod val="75000"/>
@@ -10070,26 +9581,21 @@
                   </a:schemeClr>
                 </a:solidFill>
               </a:rPr>
-              <a:t>Когда напряжение в сети приближается к нулю, срабатывает </a:t>
-            </a:r>
-            <a:r>
-              <a:rPr lang="ru-RU" u="sng" dirty="0" smtClean="0">
+              <a:t>Н</a:t>
+            </a:r>
+            <a:r>
+              <a:rPr lang="ru-RU" sz="2400" dirty="0" smtClean="0">
                 <a:solidFill>
                   <a:schemeClr val="tx1">
                     <a:lumMod val="75000"/>
                     <a:lumOff val="25000"/>
                   </a:schemeClr>
                 </a:solidFill>
-                <a:uFill>
-                  <a:solidFill>
-                    <a:srgbClr val="D1BCD2"/>
-                  </a:solidFill>
-                </a:uFill>
-              </a:rPr>
-              <a:t>детектор</a:t>
-            </a:r>
-            <a:r>
-              <a:rPr lang="ru-RU" dirty="0" smtClean="0">
+              </a:rPr>
+              <a:t>апряжение </a:t>
+            </a:r>
+            <a:r>
+              <a:rPr lang="ru-RU" sz="2400" dirty="0">
                 <a:solidFill>
                   <a:schemeClr val="tx1">
                     <a:lumMod val="75000"/>
@@ -10097,26 +9603,21 @@
                   </a:schemeClr>
                 </a:solidFill>
               </a:rPr>
-              <a:t>, далее </a:t>
-            </a:r>
-            <a:r>
-              <a:rPr lang="ru-RU" u="sng" dirty="0" smtClean="0">
+              <a:t>на нагрузке </a:t>
+            </a:r>
+            <a:r>
+              <a:rPr lang="ru-RU" sz="2400" dirty="0" smtClean="0">
                 <a:solidFill>
                   <a:schemeClr val="tx1">
                     <a:lumMod val="75000"/>
                     <a:lumOff val="25000"/>
                   </a:schemeClr>
                 </a:solidFill>
-                <a:uFill>
-                  <a:solidFill>
-                    <a:srgbClr val="D1BCD2"/>
-                  </a:solidFill>
-                </a:uFill>
-              </a:rPr>
-              <a:t>микроконтроллер</a:t>
-            </a:r>
-            <a:r>
-              <a:rPr lang="ru-RU" dirty="0" smtClean="0">
+              </a:rPr>
+              <a:t>при  </a:t>
+            </a:r>
+            <a:r>
+              <a:rPr lang="ru-RU" sz="2400" dirty="0">
                 <a:solidFill>
                   <a:schemeClr val="tx1">
                     <a:lumMod val="75000"/>
@@ -10124,144 +9625,20 @@
                   </a:schemeClr>
                 </a:solidFill>
               </a:rPr>
-              <a:t> открывает </a:t>
-            </a:r>
-            <a:r>
-              <a:rPr lang="ru-RU" u="sng" dirty="0" smtClean="0">
+              <a:t>уровне </a:t>
+            </a:r>
+            <a:r>
+              <a:rPr lang="ru-RU" sz="2400" dirty="0" smtClean="0">
                 <a:solidFill>
                   <a:schemeClr val="tx1">
                     <a:lumMod val="75000"/>
                     <a:lumOff val="25000"/>
                   </a:schemeClr>
                 </a:solidFill>
-                <a:uFill>
-                  <a:solidFill>
-                    <a:srgbClr val="D1BCD2"/>
-                  </a:solidFill>
-                </a:uFill>
-              </a:rPr>
-              <a:t>силовой ключ</a:t>
-            </a:r>
-            <a:r>
-              <a:rPr lang="ru-RU" dirty="0" smtClean="0">
-                <a:solidFill>
-                  <a:schemeClr val="tx1">
-                    <a:lumMod val="75000"/>
-                    <a:lumOff val="25000"/>
-                  </a:schemeClr>
-                </a:solidFill>
-              </a:rPr>
-              <a:t>, и происходит коммутация фазовой линии на </a:t>
-            </a:r>
-            <a:r>
-              <a:rPr lang="ru-RU" u="sng" dirty="0" smtClean="0">
-                <a:solidFill>
-                  <a:schemeClr val="tx1">
-                    <a:lumMod val="75000"/>
-                    <a:lumOff val="25000"/>
-                  </a:schemeClr>
-                </a:solidFill>
-                <a:uFill>
-                  <a:solidFill>
-                    <a:srgbClr val="D1BCD2"/>
-                  </a:solidFill>
-                </a:uFill>
-              </a:rPr>
-              <a:t>нагрузку</a:t>
-            </a:r>
-            <a:r>
-              <a:rPr lang="ru-RU" dirty="0" smtClean="0">
-                <a:solidFill>
-                  <a:schemeClr val="tx1">
-                    <a:lumMod val="75000"/>
-                    <a:lumOff val="25000"/>
-                  </a:schemeClr>
-                </a:solidFill>
-              </a:rPr>
-              <a:t>. Через определенное уровнем яркости время, </a:t>
-            </a:r>
-            <a:r>
-              <a:rPr lang="ru-RU" u="sng" dirty="0" smtClean="0">
-                <a:solidFill>
-                  <a:schemeClr val="tx1">
-                    <a:lumMod val="75000"/>
-                    <a:lumOff val="25000"/>
-                  </a:schemeClr>
-                </a:solidFill>
-                <a:uFill>
-                  <a:solidFill>
-                    <a:srgbClr val="D1BCD2"/>
-                  </a:solidFill>
-                </a:uFill>
-              </a:rPr>
-              <a:t>микроконтроллер</a:t>
-            </a:r>
-            <a:r>
-              <a:rPr lang="ru-RU" dirty="0" smtClean="0">
-                <a:solidFill>
-                  <a:schemeClr val="tx1">
-                    <a:lumMod val="75000"/>
-                    <a:lumOff val="25000"/>
-                  </a:schemeClr>
-                </a:solidFill>
-              </a:rPr>
-              <a:t> закрывает </a:t>
-            </a:r>
-            <a:r>
-              <a:rPr lang="ru-RU" u="sng" dirty="0" smtClean="0">
-                <a:solidFill>
-                  <a:schemeClr val="tx1">
-                    <a:lumMod val="75000"/>
-                    <a:lumOff val="25000"/>
-                  </a:schemeClr>
-                </a:solidFill>
-                <a:uFill>
-                  <a:solidFill>
-                    <a:srgbClr val="D1BCD2"/>
-                  </a:solidFill>
-                </a:uFill>
-              </a:rPr>
-              <a:t>силовой ключ</a:t>
-            </a:r>
-            <a:r>
-              <a:rPr lang="ru-RU" dirty="0" smtClean="0">
-                <a:solidFill>
-                  <a:schemeClr val="tx1">
-                    <a:lumMod val="75000"/>
-                    <a:lumOff val="25000"/>
-                  </a:schemeClr>
-                </a:solidFill>
-              </a:rPr>
-              <a:t>, и коммутация </a:t>
-            </a:r>
-            <a:r>
-              <a:rPr lang="ru-RU" u="sng" dirty="0" smtClean="0">
-                <a:solidFill>
-                  <a:schemeClr val="tx1">
-                    <a:lumMod val="75000"/>
-                    <a:lumOff val="25000"/>
-                  </a:schemeClr>
-                </a:solidFill>
-                <a:uFill>
-                  <a:solidFill>
-                    <a:srgbClr val="D1BCD2"/>
-                  </a:solidFill>
-                </a:uFill>
-              </a:rPr>
-              <a:t>нагрузки</a:t>
-            </a:r>
-            <a:r>
-              <a:rPr lang="ru-RU" dirty="0" smtClean="0">
-                <a:solidFill>
-                  <a:schemeClr val="tx1">
-                    <a:lumMod val="75000"/>
-                    <a:lumOff val="25000"/>
-                  </a:schemeClr>
-                </a:solidFill>
-              </a:rPr>
-              <a:t> питающим напряжением прекращается.</a:t>
-            </a:r>
-            <a:endParaRPr lang="ru-RU" dirty="0">
+              </a:rPr>
+              <a:t>диммирования</a:t>
+            </a:r>
+            <a:endParaRPr lang="ru-RU" sz="2400" dirty="0">
               <a:solidFill>
                 <a:schemeClr val="tx1">
                   <a:lumMod val="75000"/>
@@ -10274,14 +9651,14 @@
       </p:sp>
       <p:sp>
         <p:nvSpPr>
-          <p:cNvPr id="11" name="TextBox 10"/>
+          <p:cNvPr id="4" name="TextBox 3"/>
           <p:cNvSpPr txBox="1"/>
           <p:nvPr/>
         </p:nvSpPr>
         <p:spPr>
           <a:xfrm>
-            <a:off x="1770528" y="5504330"/>
-            <a:ext cx="5226424" cy="376518"/>
+            <a:off x="3282347" y="3345615"/>
+            <a:ext cx="2541118" cy="400110"/>
           </a:xfrm>
           <a:prstGeom prst="rect">
             <a:avLst/>
@@ -10296,7 +9673,7 @@
           <a:p>
             <a:pPr algn="ctr"/>
             <a:r>
-              <a:rPr lang="ru-RU" dirty="0" smtClean="0">
+              <a:rPr lang="ru-RU" sz="2000" dirty="0" smtClean="0">
                 <a:solidFill>
                   <a:schemeClr val="tx1">
                     <a:lumMod val="75000"/>
@@ -10304,36 +9681,441 @@
                   </a:schemeClr>
                 </a:solidFill>
               </a:rPr>
-              <a:t>Функциональная схема свето-регулятора</a:t>
-            </a:r>
-            <a:endParaRPr lang="ru-RU" dirty="0">
-              <a:solidFill>
-                <a:schemeClr val="tx1">
-                  <a:lumMod val="75000"/>
-                  <a:lumOff val="25000"/>
-                </a:schemeClr>
-              </a:solidFill>
-            </a:endParaRPr>
+              <a:t>100</a:t>
+            </a:r>
+            <a:r>
+              <a:rPr lang="ru-RU" sz="2000" dirty="0">
+                <a:solidFill>
+                  <a:schemeClr val="tx1">
+                    <a:lumMod val="75000"/>
+                    <a:lumOff val="25000"/>
+                  </a:schemeClr>
+                </a:solidFill>
+              </a:rPr>
+              <a:t>%</a:t>
+            </a:r>
+          </a:p>
+        </p:txBody>
+      </p:sp>
+      <p:pic>
+        <p:nvPicPr>
+          <p:cNvPr id="7" name="Рисунок 6"/>
+          <p:cNvPicPr/>
+          <p:nvPr/>
+        </p:nvPicPr>
+        <p:blipFill rotWithShape="1">
+          <a:blip r:embed="rId3"/>
+          <a:srcRect t="817" r="58518" b="1390"/>
+          <a:stretch/>
+        </p:blipFill>
+        <p:spPr>
+          <a:xfrm>
+            <a:off x="987424" y="1505024"/>
+            <a:ext cx="1969099" cy="1828800"/>
+          </a:xfrm>
+          <a:prstGeom prst="rect">
+            <a:avLst/>
+          </a:prstGeom>
+        </p:spPr>
+      </p:pic>
+      <p:pic>
+        <p:nvPicPr>
+          <p:cNvPr id="9" name="Рисунок 8"/>
+          <p:cNvPicPr/>
+          <p:nvPr/>
+        </p:nvPicPr>
+        <p:blipFill rotWithShape="1">
+          <a:blip r:embed="rId4"/>
+          <a:srcRect r="56827"/>
+          <a:stretch/>
+        </p:blipFill>
+        <p:spPr>
+          <a:xfrm>
+            <a:off x="3501596" y="1505024"/>
+            <a:ext cx="2049332" cy="1829435"/>
+          </a:xfrm>
+          <a:prstGeom prst="rect">
+            <a:avLst/>
+          </a:prstGeom>
+        </p:spPr>
+      </p:pic>
+      <p:pic>
+        <p:nvPicPr>
+          <p:cNvPr id="10" name="Рисунок 9"/>
+          <p:cNvPicPr/>
+          <p:nvPr/>
+        </p:nvPicPr>
+        <p:blipFill rotWithShape="1">
+          <a:blip r:embed="rId5"/>
+          <a:srcRect r="56336"/>
+          <a:stretch/>
+        </p:blipFill>
+        <p:spPr>
+          <a:xfrm>
+            <a:off x="6071733" y="1514572"/>
+            <a:ext cx="2072639" cy="1860550"/>
+          </a:xfrm>
+          <a:prstGeom prst="rect">
+            <a:avLst/>
+          </a:prstGeom>
+        </p:spPr>
+      </p:pic>
+      <p:sp>
+        <p:nvSpPr>
+          <p:cNvPr id="5" name="TextBox 4"/>
+          <p:cNvSpPr txBox="1"/>
+          <p:nvPr/>
+        </p:nvSpPr>
+        <p:spPr>
+          <a:xfrm>
+            <a:off x="5924825" y="3392004"/>
+            <a:ext cx="2514600" cy="400110"/>
+          </a:xfrm>
+          <a:prstGeom prst="rect">
+            <a:avLst/>
+          </a:prstGeom>
+          <a:noFill/>
+        </p:spPr>
+        <p:txBody>
+          <a:bodyPr wrap="square" rtlCol="0">
+            <a:spAutoFit/>
+          </a:bodyPr>
+          <a:lstStyle/>
+          <a:p>
+            <a:pPr algn="ctr"/>
+            <a:r>
+              <a:rPr lang="ru-RU" sz="2000" dirty="0" smtClean="0">
+                <a:solidFill>
+                  <a:schemeClr val="tx1">
+                    <a:lumMod val="75000"/>
+                    <a:lumOff val="25000"/>
+                  </a:schemeClr>
+                </a:solidFill>
+              </a:rPr>
+              <a:t>0</a:t>
+            </a:r>
+            <a:r>
+              <a:rPr lang="ru-RU" sz="2000" dirty="0">
+                <a:solidFill>
+                  <a:schemeClr val="tx1">
+                    <a:lumMod val="75000"/>
+                    <a:lumOff val="25000"/>
+                  </a:schemeClr>
+                </a:solidFill>
+              </a:rPr>
+              <a:t>%</a:t>
+            </a:r>
+          </a:p>
+        </p:txBody>
+      </p:sp>
+      <p:sp>
+        <p:nvSpPr>
+          <p:cNvPr id="6" name="Номер слайда 5"/>
+          <p:cNvSpPr>
+            <a:spLocks noGrp="1"/>
+          </p:cNvSpPr>
+          <p:nvPr>
+            <p:ph type="sldNum" sz="quarter" idx="12"/>
+          </p:nvPr>
+        </p:nvSpPr>
+        <p:spPr/>
+        <p:txBody>
+          <a:bodyPr/>
+          <a:lstStyle/>
+          <a:p>
+            <a:fld id="{9DB473F4-B23E-4985-8567-AC9A694A3DD9}" type="slidenum">
+              <a:rPr lang="ru-RU" sz="1800" smtClean="0"/>
+              <a:t>7</a:t>
+            </a:fld>
+            <a:endParaRPr lang="ru-RU" dirty="0"/>
+          </a:p>
+        </p:txBody>
+      </p:sp>
+      <p:pic>
+        <p:nvPicPr>
+          <p:cNvPr id="11" name="Рисунок 10"/>
+          <p:cNvPicPr/>
+          <p:nvPr/>
+        </p:nvPicPr>
+        <p:blipFill>
+          <a:blip r:embed="rId6"/>
+          <a:stretch>
+            <a:fillRect/>
+          </a:stretch>
+        </p:blipFill>
+        <p:spPr>
+          <a:xfrm>
+            <a:off x="8665177" y="1561099"/>
+            <a:ext cx="2957599" cy="1636991"/>
+          </a:xfrm>
+          <a:prstGeom prst="rect">
+            <a:avLst/>
+          </a:prstGeom>
+        </p:spPr>
+      </p:pic>
+      <p:sp>
+        <p:nvSpPr>
+          <p:cNvPr id="12" name="TextBox 11"/>
+          <p:cNvSpPr txBox="1"/>
+          <p:nvPr/>
+        </p:nvSpPr>
+        <p:spPr>
+          <a:xfrm>
+            <a:off x="7660752" y="3237351"/>
+            <a:ext cx="4966448" cy="707886"/>
+          </a:xfrm>
+          <a:prstGeom prst="rect">
+            <a:avLst/>
+          </a:prstGeom>
+          <a:noFill/>
+        </p:spPr>
+        <p:txBody>
+          <a:bodyPr wrap="square" rtlCol="0">
+            <a:spAutoFit/>
+          </a:bodyPr>
+          <a:lstStyle/>
+          <a:p>
+            <a:pPr algn="ctr"/>
+            <a:r>
+              <a:rPr lang="ru-RU" sz="2000" dirty="0" smtClean="0">
+                <a:solidFill>
+                  <a:schemeClr val="tx1">
+                    <a:lumMod val="75000"/>
+                    <a:lumOff val="25000"/>
+                  </a:schemeClr>
+                </a:solidFill>
+              </a:rPr>
+              <a:t>Напряжение </a:t>
+            </a:r>
+            <a:r>
+              <a:rPr lang="ru-RU" sz="2000" dirty="0">
+                <a:solidFill>
+                  <a:schemeClr val="tx1">
+                    <a:lumMod val="75000"/>
+                    <a:lumOff val="25000"/>
+                  </a:schemeClr>
+                </a:solidFill>
+              </a:rPr>
+              <a:t>на выходе </a:t>
+            </a:r>
+            <a:r>
+              <a:rPr lang="ru-RU" sz="2000" dirty="0" smtClean="0">
+                <a:solidFill>
+                  <a:schemeClr val="tx1">
+                    <a:lumMod val="75000"/>
+                    <a:lumOff val="25000"/>
+                  </a:schemeClr>
+                </a:solidFill>
+              </a:rPr>
+              <a:t/>
+            </a:r>
+            <a:br>
+              <a:rPr lang="ru-RU" sz="2000" dirty="0" smtClean="0">
+                <a:solidFill>
+                  <a:schemeClr val="tx1">
+                    <a:lumMod val="75000"/>
+                    <a:lumOff val="25000"/>
+                  </a:schemeClr>
+                </a:solidFill>
+              </a:rPr>
+            </a:br>
+            <a:r>
+              <a:rPr lang="ru-RU" sz="2000" dirty="0" smtClean="0">
+                <a:solidFill>
+                  <a:schemeClr val="tx1">
+                    <a:lumMod val="75000"/>
+                    <a:lumOff val="25000"/>
+                  </a:schemeClr>
+                </a:solidFill>
+              </a:rPr>
+              <a:t>детектора </a:t>
+            </a:r>
+            <a:r>
+              <a:rPr lang="ru-RU" sz="2000" dirty="0">
+                <a:solidFill>
+                  <a:schemeClr val="tx1">
+                    <a:lumMod val="75000"/>
+                    <a:lumOff val="25000"/>
+                  </a:schemeClr>
+                </a:solidFill>
+              </a:rPr>
+              <a:t>перехода через ноль</a:t>
+            </a:r>
+          </a:p>
+        </p:txBody>
+      </p:sp>
+      <p:pic>
+        <p:nvPicPr>
+          <p:cNvPr id="13" name="Рисунок 12"/>
+          <p:cNvPicPr/>
+          <p:nvPr/>
+        </p:nvPicPr>
+        <p:blipFill rotWithShape="1">
+          <a:blip r:embed="rId7" cstate="print">
+            <a:extLst>
+              <a:ext uri="{28A0092B-C50C-407E-A947-70E740481C1C}">
+                <a14:useLocalDpi xmlns:a14="http://schemas.microsoft.com/office/drawing/2010/main" val="0"/>
+              </a:ext>
+            </a:extLst>
+          </a:blip>
+          <a:srcRect r="45378"/>
+          <a:stretch/>
+        </p:blipFill>
+        <p:spPr bwMode="auto">
+          <a:xfrm>
+            <a:off x="956981" y="3922990"/>
+            <a:ext cx="2029987" cy="1968133"/>
+          </a:xfrm>
+          <a:prstGeom prst="rect">
+            <a:avLst/>
+          </a:prstGeom>
+          <a:ln>
+            <a:noFill/>
+          </a:ln>
+          <a:extLst>
+            <a:ext uri="{53640926-AAD7-44D8-BBD7-CCE9431645EC}">
+              <a14:shadowObscured xmlns:a14="http://schemas.microsoft.com/office/drawing/2010/main"/>
+            </a:ext>
+          </a:extLst>
+        </p:spPr>
+      </p:pic>
+      <p:sp>
+        <p:nvSpPr>
+          <p:cNvPr id="8" name="TextBox 7"/>
+          <p:cNvSpPr txBox="1"/>
+          <p:nvPr/>
+        </p:nvSpPr>
+        <p:spPr>
+          <a:xfrm>
+            <a:off x="838200" y="6002407"/>
+            <a:ext cx="3142507" cy="707886"/>
+          </a:xfrm>
+          <a:prstGeom prst="rect">
+            <a:avLst/>
+          </a:prstGeom>
+          <a:noFill/>
+        </p:spPr>
+        <p:txBody>
+          <a:bodyPr wrap="square" rtlCol="0">
+            <a:spAutoFit/>
+          </a:bodyPr>
+          <a:lstStyle/>
+          <a:p>
+            <a:r>
+              <a:rPr lang="ru-RU" sz="2000" dirty="0" smtClean="0"/>
+              <a:t>Рассеиваемая мощность </a:t>
+            </a:r>
+            <a:r>
+              <a:rPr lang="ru-RU" sz="2000" dirty="0"/>
+              <a:t>на транзисторе </a:t>
+            </a:r>
+            <a:r>
+              <a:rPr lang="en-US" sz="2000" dirty="0"/>
+              <a:t>BC</a:t>
+            </a:r>
+            <a:r>
+              <a:rPr lang="ru-RU" sz="2000" dirty="0"/>
+              <a:t>807-25</a:t>
+            </a:r>
+            <a:endParaRPr lang="ru-RU" sz="2000" dirty="0"/>
+          </a:p>
+        </p:txBody>
+      </p:sp>
+      <p:sp>
+        <p:nvSpPr>
+          <p:cNvPr id="14" name="TextBox 13"/>
+          <p:cNvSpPr txBox="1"/>
+          <p:nvPr/>
+        </p:nvSpPr>
+        <p:spPr>
+          <a:xfrm>
+            <a:off x="5425439" y="4595053"/>
+            <a:ext cx="6142759" cy="461665"/>
+          </a:xfrm>
+          <a:prstGeom prst="rect">
+            <a:avLst/>
+          </a:prstGeom>
+          <a:noFill/>
+        </p:spPr>
+        <p:txBody>
+          <a:bodyPr wrap="square" rtlCol="0">
+            <a:spAutoFit/>
+          </a:bodyPr>
+          <a:lstStyle/>
+          <a:p>
+            <a:r>
+              <a:rPr lang="en-US" sz="2400" dirty="0" smtClean="0"/>
+              <a:t>P = </a:t>
+            </a:r>
+            <a:r>
+              <a:rPr lang="ru-RU" sz="2400" dirty="0" smtClean="0"/>
+              <a:t>∑</a:t>
+            </a:r>
+            <a:r>
+              <a:rPr lang="en-US" sz="2400" dirty="0" smtClean="0"/>
+              <a:t>P</a:t>
+            </a:r>
+            <a:r>
+              <a:rPr lang="ru-RU" sz="2400" baseline="-25000" dirty="0" smtClean="0"/>
+              <a:t>детектора</a:t>
+            </a:r>
+            <a:r>
+              <a:rPr lang="ru-RU" sz="2400" dirty="0" smtClean="0"/>
+              <a:t> + </a:t>
+            </a:r>
+            <a:r>
+              <a:rPr lang="en-US" sz="2400" dirty="0" smtClean="0"/>
+              <a:t>P</a:t>
+            </a:r>
+            <a:r>
+              <a:rPr lang="ru-RU" sz="2400" baseline="-25000" dirty="0" err="1" smtClean="0"/>
+              <a:t>мк</a:t>
+            </a:r>
+            <a:r>
+              <a:rPr lang="ru-RU" sz="2400" dirty="0" smtClean="0"/>
+              <a:t> + </a:t>
+            </a:r>
+            <a:r>
+              <a:rPr lang="en-US" sz="2400" dirty="0" smtClean="0"/>
+              <a:t>P</a:t>
+            </a:r>
+            <a:r>
+              <a:rPr lang="ru-RU" sz="2400" baseline="-25000" dirty="0" smtClean="0"/>
+              <a:t>силового</a:t>
+            </a:r>
+            <a:r>
+              <a:rPr lang="ru-RU" sz="2400" dirty="0" smtClean="0"/>
+              <a:t> </a:t>
+            </a:r>
+            <a:r>
+              <a:rPr lang="ru-RU" sz="2400" baseline="-25000" dirty="0" smtClean="0"/>
+              <a:t>ключа</a:t>
+            </a:r>
+            <a:r>
+              <a:rPr lang="ru-RU" sz="2400" dirty="0" smtClean="0"/>
+              <a:t> ≈ 800мВт</a:t>
+            </a:r>
+            <a:endParaRPr lang="ru-RU" sz="2400" dirty="0"/>
           </a:p>
         </p:txBody>
       </p:sp>
     </p:spTree>
     <p:extLst>
       <p:ext uri="{BB962C8B-B14F-4D97-AF65-F5344CB8AC3E}">
-        <p14:creationId xmlns:p14="http://schemas.microsoft.com/office/powerpoint/2010/main" val="2911153265"/>
+        <p14:creationId xmlns:p14="http://schemas.microsoft.com/office/powerpoint/2010/main" val="900757385"/>
       </p:ext>
     </p:extLst>
   </p:cSld>
   <p:clrMapOvr>
     <a:masterClrMapping/>
   </p:clrMapOvr>
-  <mc:AlternateContent xmlns:mc="http://schemas.openxmlformats.org/markup-compatibility/2006">
-    <mc:Choice xmlns:p14="http://schemas.microsoft.com/office/powerpoint/2010/main" Requires="p14">
+  <mc:AlternateContent xmlns:mc="http://schemas.openxmlformats.org/markup-compatibility/2006" xmlns:p14="http://schemas.microsoft.com/office/powerpoint/2010/main">
+    <mc:Choice Requires="p14">
       <p:transition spd="med" p14:dur="700">
         <p:fade/>
       </p:transition>
     </mc:Choice>
-    <mc:Fallback>
+    <mc:Fallback xmlns="">
       <p:transition spd="med">
         <p:fade/>
       </p:transition>
@@ -10378,8 +10160,8 @@
         </p:nvSpPr>
         <p:spPr>
           <a:xfrm>
-            <a:off x="838200" y="510988"/>
-            <a:ext cx="10515600" cy="559100"/>
+            <a:off x="838200" y="502023"/>
+            <a:ext cx="10515600" cy="577175"/>
           </a:xfrm>
         </p:spPr>
         <p:txBody>
@@ -10412,6 +10194,35 @@
           </a:p>
         </p:txBody>
       </p:sp>
+      <p:pic>
+        <p:nvPicPr>
+          <p:cNvPr id="6" name="Рисунок 5"/>
+          <p:cNvPicPr/>
+          <p:nvPr/>
+        </p:nvPicPr>
+        <p:blipFill rotWithShape="1">
+          <a:blip r:embed="rId3"/>
+          <a:srcRect t="543" b="482"/>
+          <a:stretch/>
+        </p:blipFill>
+        <p:spPr bwMode="auto">
+          <a:xfrm>
+            <a:off x="126356" y="1079198"/>
+            <a:ext cx="8913471" cy="5778802"/>
+          </a:xfrm>
+          <a:prstGeom prst="rect">
+            <a:avLst/>
+          </a:prstGeom>
+          <a:ln>
+            <a:noFill/>
+          </a:ln>
+          <a:extLst>
+            <a:ext uri="{53640926-AAD7-44D8-BBD7-CCE9431645EC}">
+              <a14:shadowObscured xmlns:a14="http://schemas.microsoft.com/office/drawing/2010/main"/>
+            </a:ext>
+          </a:extLst>
+        </p:spPr>
+      </p:pic>
       <p:sp>
         <p:nvSpPr>
           <p:cNvPr id="3" name="TextBox 2"/>
@@ -10420,8 +10231,8 @@
         </p:nvSpPr>
         <p:spPr>
           <a:xfrm>
-            <a:off x="838200" y="3081216"/>
-            <a:ext cx="4746813" cy="646331"/>
+            <a:off x="6399836" y="2952935"/>
+            <a:ext cx="7772399" cy="1384995"/>
           </a:xfrm>
           <a:prstGeom prst="rect">
             <a:avLst/>
@@ -10436,7 +10247,7 @@
           <a:p>
             <a:pPr algn="ctr"/>
             <a:r>
-              <a:rPr lang="ru-RU" dirty="0">
+              <a:rPr lang="ru-RU" sz="2800" dirty="0" smtClean="0">
                 <a:solidFill>
                   <a:schemeClr val="tx1">
                     <a:lumMod val="75000"/>
@@ -10444,36 +10255,21 @@
                   </a:schemeClr>
                 </a:solidFill>
               </a:rPr>
-              <a:t>Временная характеристика напряжения на нагрузке при уровне диммирования 50%</a:t>
-            </a:r>
-          </a:p>
-        </p:txBody>
-      </p:sp>
-      <p:sp>
-        <p:nvSpPr>
-          <p:cNvPr id="4" name="TextBox 3"/>
-          <p:cNvSpPr txBox="1"/>
-          <p:nvPr/>
-        </p:nvSpPr>
-        <p:spPr>
-          <a:xfrm>
-            <a:off x="6367182" y="3107740"/>
-            <a:ext cx="5226424" cy="646331"/>
-          </a:xfrm>
-          <a:prstGeom prst="rect">
-            <a:avLst/>
-          </a:prstGeom>
-          <a:noFill/>
-        </p:spPr>
-        <p:txBody>
-          <a:bodyPr wrap="square" rtlCol="0">
-            <a:spAutoFit/>
-          </a:bodyPr>
-          <a:lstStyle/>
+              <a:t>Принципиальная </a:t>
+            </a:r>
+            <a:endParaRPr lang="ru-RU" sz="2800" dirty="0" smtClean="0">
+              <a:solidFill>
+                <a:schemeClr val="tx1">
+                  <a:lumMod val="75000"/>
+                  <a:lumOff val="25000"/>
+                </a:schemeClr>
+              </a:solidFill>
+            </a:endParaRPr>
+          </a:p>
           <a:p>
             <a:pPr algn="ctr"/>
             <a:r>
-              <a:rPr lang="ru-RU" dirty="0">
+              <a:rPr lang="ru-RU" sz="2800" dirty="0" smtClean="0">
                 <a:solidFill>
                   <a:schemeClr val="tx1">
                     <a:lumMod val="75000"/>
@@ -10481,101 +10277,13 @@
                   </a:schemeClr>
                 </a:solidFill>
               </a:rPr>
-              <a:t>Временная характеристика напряжения на нагрузке при уровне диммирования 100%</a:t>
-            </a:r>
-          </a:p>
-        </p:txBody>
-      </p:sp>
-      <p:pic>
-        <p:nvPicPr>
-          <p:cNvPr id="7" name="Рисунок 6"/>
-          <p:cNvPicPr/>
-          <p:nvPr/>
-        </p:nvPicPr>
-        <p:blipFill rotWithShape="1">
-          <a:blip r:embed="rId3"/>
-          <a:srcRect t="817" b="1390"/>
-          <a:stretch/>
-        </p:blipFill>
-        <p:spPr>
-          <a:xfrm>
-            <a:off x="838200" y="1228165"/>
-            <a:ext cx="4746813" cy="1828800"/>
-          </a:xfrm>
-          <a:prstGeom prst="rect">
-            <a:avLst/>
-          </a:prstGeom>
-        </p:spPr>
-      </p:pic>
-      <p:pic>
-        <p:nvPicPr>
-          <p:cNvPr id="9" name="Рисунок 8"/>
-          <p:cNvPicPr/>
-          <p:nvPr/>
-        </p:nvPicPr>
-        <p:blipFill>
-          <a:blip r:embed="rId4"/>
-          <a:stretch>
-            <a:fillRect/>
-          </a:stretch>
-        </p:blipFill>
-        <p:spPr>
-          <a:xfrm>
-            <a:off x="6606988" y="1212894"/>
-            <a:ext cx="4746812" cy="1829435"/>
-          </a:xfrm>
-          <a:prstGeom prst="rect">
-            <a:avLst/>
-          </a:prstGeom>
-        </p:spPr>
-      </p:pic>
-      <p:pic>
-        <p:nvPicPr>
-          <p:cNvPr id="10" name="Рисунок 9"/>
-          <p:cNvPicPr/>
-          <p:nvPr/>
-        </p:nvPicPr>
-        <p:blipFill>
-          <a:blip r:embed="rId5"/>
-          <a:stretch>
-            <a:fillRect/>
-          </a:stretch>
-        </p:blipFill>
-        <p:spPr>
-          <a:xfrm>
-            <a:off x="3722594" y="3909781"/>
-            <a:ext cx="4746812" cy="1860550"/>
-          </a:xfrm>
-          <a:prstGeom prst="rect">
-            <a:avLst/>
-          </a:prstGeom>
-        </p:spPr>
-      </p:pic>
-      <p:sp>
-        <p:nvSpPr>
-          <p:cNvPr id="5" name="TextBox 4"/>
-          <p:cNvSpPr txBox="1"/>
-          <p:nvPr/>
-        </p:nvSpPr>
-        <p:spPr>
-          <a:xfrm>
-            <a:off x="3722594" y="5836673"/>
-            <a:ext cx="4746812" cy="646331"/>
-          </a:xfrm>
-          <a:prstGeom prst="rect">
-            <a:avLst/>
-          </a:prstGeom>
-          <a:noFill/>
-        </p:spPr>
-        <p:txBody>
-          <a:bodyPr wrap="square" rtlCol="0">
-            <a:spAutoFit/>
-          </a:bodyPr>
-          <a:lstStyle/>
+              <a:t>Электрическая</a:t>
+            </a:r>
+          </a:p>
           <a:p>
             <a:pPr algn="ctr"/>
             <a:r>
-              <a:rPr lang="ru-RU" dirty="0">
+              <a:rPr lang="ru-RU" sz="2800" dirty="0" smtClean="0">
                 <a:solidFill>
                   <a:schemeClr val="tx1">
                     <a:lumMod val="75000"/>
@@ -10583,28 +10291,70 @@
                   </a:schemeClr>
                 </a:solidFill>
               </a:rPr>
-              <a:t>Временная характеристика напряжения на нагрузке при уровне диммирования 0%</a:t>
-            </a:r>
+              <a:t> </a:t>
+            </a:r>
+            <a:r>
+              <a:rPr lang="ru-RU" sz="2800" dirty="0" smtClean="0">
+                <a:solidFill>
+                  <a:schemeClr val="tx1">
+                    <a:lumMod val="75000"/>
+                    <a:lumOff val="25000"/>
+                  </a:schemeClr>
+                </a:solidFill>
+              </a:rPr>
+              <a:t>схема устройства</a:t>
+            </a:r>
+            <a:endParaRPr lang="ru-RU" sz="2800" dirty="0">
+              <a:solidFill>
+                <a:schemeClr val="tx1">
+                  <a:lumMod val="75000"/>
+                  <a:lumOff val="25000"/>
+                </a:schemeClr>
+              </a:solidFill>
+            </a:endParaRPr>
+          </a:p>
+        </p:txBody>
+      </p:sp>
+      <p:sp>
+        <p:nvSpPr>
+          <p:cNvPr id="5" name="Номер слайда 4"/>
+          <p:cNvSpPr>
+            <a:spLocks noGrp="1"/>
+          </p:cNvSpPr>
+          <p:nvPr>
+            <p:ph type="sldNum" sz="quarter" idx="12"/>
+          </p:nvPr>
+        </p:nvSpPr>
+        <p:spPr/>
+        <p:txBody>
+          <a:bodyPr/>
+          <a:lstStyle/>
+          <a:p>
+            <a:fld id="{9DB473F4-B23E-4985-8567-AC9A694A3DD9}" type="slidenum">
+              <a:rPr lang="ru-RU" sz="1800" smtClean="0"/>
+              <a:t>8</a:t>
+            </a:fld>
+            <a:endParaRPr lang="ru-RU" dirty="0"/>
           </a:p>
         </p:txBody>
       </p:sp>
     </p:spTree>
     <p:extLst>
       <p:ext uri="{BB962C8B-B14F-4D97-AF65-F5344CB8AC3E}">
-        <p14:creationId xmlns:p14="http://schemas.microsoft.com/office/powerpoint/2010/main" val="900757385"/>
+        <p14:creationId xmlns:p14="http://schemas.microsoft.com/office/powerpoint/2010/main" val="1652307568"/>
       </p:ext>
     </p:extLst>
   </p:cSld>
   <p:clrMapOvr>
     <a:masterClrMapping/>
   </p:clrMapOvr>
-  <mc:AlternateContent xmlns:mc="http://schemas.openxmlformats.org/markup-compatibility/2006">
-    <mc:Choice xmlns:p14="http://schemas.microsoft.com/office/powerpoint/2010/main" Requires="p14">
+  <mc:AlternateContent xmlns:mc="http://schemas.openxmlformats.org/markup-compatibility/2006" xmlns:p14="http://schemas.microsoft.com/office/powerpoint/2010/main">
+    <mc:Choice Requires="p14">
       <p:transition spd="med" p14:dur="700">
         <p:fade/>
       </p:transition>
     </mc:Choice>
-    <mc:Fallback>
+    <mc:Fallback xmlns="">
       <p:transition spd="med">
         <p:fade/>
       </p:transition>
@@ -10649,8 +10399,8 @@
         </p:nvSpPr>
         <p:spPr>
           <a:xfrm>
-            <a:off x="838200" y="502023"/>
-            <a:ext cx="10515600" cy="577175"/>
+            <a:off x="838199" y="484094"/>
+            <a:ext cx="10515600" cy="615297"/>
           </a:xfrm>
         </p:spPr>
         <p:txBody>
@@ -10669,7 +10419,7 @@
                 </a:solidFill>
                 <a:latin typeface="Century Gothic" panose="020B0502020202020204" pitchFamily="34" charset="0"/>
               </a:rPr>
-              <a:t>Реализация свето-регулятора (моделирование)</a:t>
+              <a:t>Реализация свето-регулятора (прототип)</a:t>
             </a:r>
             <a:endParaRPr lang="ru-RU" sz="2900" dirty="0">
               <a:solidFill>
@@ -10683,35 +10433,6 @@
           </a:p>
         </p:txBody>
       </p:sp>
-      <p:pic>
-        <p:nvPicPr>
-          <p:cNvPr id="6" name="Рисунок 5"/>
-          <p:cNvPicPr/>
-          <p:nvPr/>
-        </p:nvPicPr>
-        <p:blipFill rotWithShape="1">
-          <a:blip r:embed="rId3"/>
-          <a:srcRect t="543" b="482"/>
-          <a:stretch/>
-        </p:blipFill>
-        <p:spPr bwMode="auto">
-          <a:xfrm>
-            <a:off x="838201" y="1452284"/>
-            <a:ext cx="5186082" cy="3630704"/>
-          </a:xfrm>
-          <a:prstGeom prst="rect">
-            <a:avLst/>
-          </a:prstGeom>
-          <a:ln>
-            <a:noFill/>
-          </a:ln>
-          <a:extLst>
-            <a:ext uri="{53640926-AAD7-44D8-BBD7-CCE9431645EC}">
-              <a14:shadowObscured xmlns:a14="http://schemas.microsoft.com/office/drawing/2010/main"/>
-            </a:ext>
-          </a:extLst>
-        </p:spPr>
-      </p:pic>
       <p:sp>
         <p:nvSpPr>
           <p:cNvPr id="3" name="TextBox 2"/>
@@ -10720,8 +10441,8 @@
         </p:nvSpPr>
         <p:spPr>
           <a:xfrm>
-            <a:off x="851647" y="5018457"/>
-            <a:ext cx="5244353" cy="369332"/>
+            <a:off x="508000" y="5836673"/>
+            <a:ext cx="4508499" cy="400110"/>
           </a:xfrm>
           <a:prstGeom prst="rect">
             <a:avLst/>
@@ -10736,7 +10457,7 @@
           <a:p>
             <a:pPr algn="ctr"/>
             <a:r>
-              <a:rPr lang="ru-RU" dirty="0" smtClean="0">
+              <a:rPr lang="ru-RU" sz="2000" dirty="0" smtClean="0">
                 <a:solidFill>
                   <a:schemeClr val="tx1">
                     <a:lumMod val="75000"/>
@@ -10744,9 +10465,9 @@
                   </a:schemeClr>
                 </a:solidFill>
               </a:rPr>
-              <a:t>Принципиальная электрическая схема устройства</a:t>
-            </a:r>
-            <a:endParaRPr lang="ru-RU" dirty="0">
+              <a:t>Прототип умного свето-регулятора</a:t>
+            </a:r>
+            <a:endParaRPr lang="ru-RU" sz="2000" dirty="0">
               <a:solidFill>
                 <a:schemeClr val="tx1">
                   <a:lumMod val="75000"/>
@@ -10757,28 +10478,6 @@
           </a:p>
         </p:txBody>
       </p:sp>
-      <p:pic>
-        <p:nvPicPr>
-          <p:cNvPr id="8" name="Рисунок 7"/>
-          <p:cNvPicPr/>
-          <p:nvPr/>
-        </p:nvPicPr>
-        <p:blipFill>
-          <a:blip r:embed="rId4"/>
-          <a:stretch>
-            <a:fillRect/>
-          </a:stretch>
-        </p:blipFill>
-        <p:spPr>
-          <a:xfrm>
-            <a:off x="6285632" y="1961618"/>
-            <a:ext cx="5274142" cy="2612036"/>
-          </a:xfrm>
-          <a:prstGeom prst="rect">
-            <a:avLst/>
-          </a:prstGeom>
-        </p:spPr>
-      </p:pic>
       <p:sp>
         <p:nvSpPr>
           <p:cNvPr id="4" name="TextBox 3"/>
@@ -10787,8 +10486,8 @@
         </p:nvSpPr>
         <p:spPr>
           <a:xfrm>
-            <a:off x="6333350" y="5018457"/>
-            <a:ext cx="5226424" cy="646331"/>
+            <a:off x="7566212" y="5800483"/>
+            <a:ext cx="3787588" cy="400110"/>
           </a:xfrm>
           <a:prstGeom prst="rect">
             <a:avLst/>
@@ -10803,7 +10502,7 @@
           <a:p>
             <a:pPr algn="ctr"/>
             <a:r>
-              <a:rPr lang="ru-RU" dirty="0">
+              <a:rPr lang="ru-RU" sz="2000" dirty="0" smtClean="0">
                 <a:solidFill>
                   <a:schemeClr val="tx1">
                     <a:lumMod val="75000"/>
@@ -10811,28 +10510,131 @@
                   </a:schemeClr>
                 </a:solidFill>
               </a:rPr>
-              <a:t>Выходная временная характеристика напряжения на выходе детектора перехода через ноль</a:t>
-            </a:r>
+              <a:t>Включение свето-регулятора</a:t>
+            </a:r>
+            <a:endParaRPr lang="ru-RU" sz="2000" dirty="0">
+              <a:solidFill>
+                <a:schemeClr val="tx1">
+                  <a:lumMod val="75000"/>
+                  <a:lumOff val="25000"/>
+                </a:schemeClr>
+              </a:solidFill>
+            </a:endParaRPr>
+          </a:p>
+        </p:txBody>
+      </p:sp>
+      <p:pic>
+        <p:nvPicPr>
+          <p:cNvPr id="1026" name="Picture 2" descr="https://sun9-56.userapi.com/impg/xzjTXXZAlLY_qlnA9BFAtb52Epul-0TGcWLA9w/KR-p5Cgn-YI.jpg?size=1440x1920&amp;quality=96&amp;proxy=1&amp;sign=91f46cc60369a7be7c5c4b1ac0137519&amp;type=album"/>
+          <p:cNvPicPr>
+            <a:picLocks noChangeAspect="1" noChangeArrowheads="1"/>
+          </p:cNvPicPr>
+          <p:nvPr/>
+        </p:nvPicPr>
+        <p:blipFill rotWithShape="1">
+          <a:blip r:embed="rId3" cstate="print">
+            <a:extLst>
+              <a:ext uri="{28A0092B-C50C-407E-A947-70E740481C1C}">
+                <a14:useLocalDpi xmlns:a14="http://schemas.microsoft.com/office/drawing/2010/main" val="0"/>
+              </a:ext>
+            </a:extLst>
+          </a:blip>
+          <a:srcRect t="7747"/>
+          <a:stretch/>
+        </p:blipFill>
+        <p:spPr bwMode="auto">
+          <a:xfrm>
+            <a:off x="838199" y="1149631"/>
+            <a:ext cx="3769660" cy="4636802"/>
+          </a:xfrm>
+          <a:prstGeom prst="rect">
+            <a:avLst/>
+          </a:prstGeom>
+          <a:noFill/>
+          <a:extLst>
+            <a:ext uri="{909E8E84-426E-40DD-AFC4-6F175D3DCCD1}">
+              <a14:hiddenFill xmlns:a14="http://schemas.microsoft.com/office/drawing/2010/main">
+                <a:solidFill>
+                  <a:srgbClr val="FFFFFF"/>
+                </a:solidFill>
+              </a14:hiddenFill>
+            </a:ext>
+          </a:extLst>
+        </p:spPr>
+      </p:pic>
+      <p:pic>
+        <p:nvPicPr>
+          <p:cNvPr id="6" name="Рисунок 5" descr="https://sun9-46.userapi.com/impg/-Ind-8ZLD7DkNxs4dI6xVNA6wMVgMP3q-UWPuA/ZgAsZ-b9y9U.jpg?size=1440x1920&amp;quality=96&amp;proxy=1&amp;sign=ca6aced8a9e86159bbc65f970c78ad5d&amp;type=album"/>
+          <p:cNvPicPr/>
+          <p:nvPr/>
+        </p:nvPicPr>
+        <p:blipFill>
+          <a:blip r:embed="rId4" cstate="print">
+            <a:extLst>
+              <a:ext uri="{28A0092B-C50C-407E-A947-70E740481C1C}">
+                <a14:useLocalDpi xmlns:a14="http://schemas.microsoft.com/office/drawing/2010/main" val="0"/>
+              </a:ext>
+            </a:extLst>
+          </a:blip>
+          <a:srcRect/>
+          <a:stretch>
+            <a:fillRect/>
+          </a:stretch>
+        </p:blipFill>
+        <p:spPr bwMode="auto">
+          <a:xfrm>
+            <a:off x="7566212" y="1212894"/>
+            <a:ext cx="3787588" cy="4573538"/>
+          </a:xfrm>
+          <a:prstGeom prst="rect">
+            <a:avLst/>
+          </a:prstGeom>
+          <a:noFill/>
+          <a:ln>
+            <a:noFill/>
+          </a:ln>
+        </p:spPr>
+      </p:pic>
+      <p:sp>
+        <p:nvSpPr>
+          <p:cNvPr id="5" name="Номер слайда 4"/>
+          <p:cNvSpPr>
+            <a:spLocks noGrp="1"/>
+          </p:cNvSpPr>
+          <p:nvPr>
+            <p:ph type="sldNum" sz="quarter" idx="12"/>
+          </p:nvPr>
+        </p:nvSpPr>
+        <p:spPr/>
+        <p:txBody>
+          <a:bodyPr/>
+          <a:lstStyle/>
+          <a:p>
+            <a:fld id="{9DB473F4-B23E-4985-8567-AC9A694A3DD9}" type="slidenum">
+              <a:rPr lang="ru-RU" sz="1800" smtClean="0"/>
+              <a:t>9</a:t>
+            </a:fld>
+            <a:endParaRPr lang="ru-RU" sz="1800" dirty="0"/>
           </a:p>
         </p:txBody>
       </p:sp>
     </p:spTree>
     <p:extLst>
       <p:ext uri="{BB962C8B-B14F-4D97-AF65-F5344CB8AC3E}">
-        <p14:creationId xmlns:p14="http://schemas.microsoft.com/office/powerpoint/2010/main" val="1652307568"/>
+        <p14:creationId xmlns:p14="http://schemas.microsoft.com/office/powerpoint/2010/main" val="2145857970"/>
       </p:ext>
     </p:extLst>
   </p:cSld>
   <p:clrMapOvr>
     <a:masterClrMapping/>
   </p:clrMapOvr>
-  <mc:AlternateContent xmlns:mc="http://schemas.openxmlformats.org/markup-compatibility/2006">
-    <mc:Choice xmlns:p14="http://schemas.microsoft.com/office/powerpoint/2010/main" Requires="p14">
+  <mc:AlternateContent xmlns:mc="http://schemas.openxmlformats.org/markup-compatibility/2006" xmlns:p14="http://schemas.microsoft.com/office/powerpoint/2010/main">
+    <mc:Choice Requires="p14">
       <p:transition spd="med" p14:dur="700">
         <p:fade/>
       </p:transition>
     </mc:Choice>
-    <mc:Fallback>
+    <mc:Fallback xmlns="">
       <p:transition spd="med">
         <p:fade/>
       </p:transition>

--- a/Презентация1.pptx
+++ b/Презентация1.pptx
@@ -208,7 +208,7 @@
           <a:p>
             <a:fld id="{7A5B6DC8-5D0F-4387-B5A1-517A0E2F0D1E}" type="datetimeFigureOut">
               <a:rPr lang="ru-RU" smtClean="0"/>
-              <a:t>25.01.2021</a:t>
+              <a:t>26.01.2021</a:t>
             </a:fld>
             <a:endParaRPr lang="ru-RU"/>
           </a:p>
@@ -654,19 +654,7 @@
                 <a:ea typeface="+mn-ea"/>
                 <a:cs typeface="+mn-cs"/>
               </a:rPr>
-              <a:t>Процесс создания свето-регулятора включал стандартный маршрут проектирования электронных устройств: от разработки функциональной схемы до сборки прототипа </a:t>
-            </a:r>
-            <a:r>
-              <a:rPr lang="ru-RU" sz="1200" kern="1200" dirty="0" smtClean="0">
-                <a:solidFill>
-                  <a:schemeClr val="tx1"/>
-                </a:solidFill>
-                <a:effectLst/>
-                <a:latin typeface="+mn-lt"/>
-                <a:ea typeface="+mn-ea"/>
-                <a:cs typeface="+mn-cs"/>
-              </a:rPr>
-              <a:t>устройства,</a:t>
+              <a:t>Процесс создания свето-регулятора включал стандартный маршрут проектирования электронных устройств: от разработки функциональной схемы до сборки прототипа устройства,</a:t>
             </a:r>
             <a:r>
               <a:rPr lang="ru-RU" sz="1200" kern="1200" baseline="0" dirty="0" smtClean="0">
@@ -1696,19 +1684,7 @@
                 <a:ea typeface="+mn-ea"/>
                 <a:cs typeface="+mn-cs"/>
               </a:rPr>
-              <a:t> слайде показаны временные характеристики напряжения на нагрузке при разных уровнях диммирования</a:t>
-            </a:r>
-            <a:r>
-              <a:rPr lang="ru-RU" sz="1200" kern="1200" baseline="0" dirty="0" smtClean="0">
-                <a:solidFill>
-                  <a:schemeClr val="tx1"/>
-                </a:solidFill>
-                <a:effectLst/>
-                <a:latin typeface="+mn-lt"/>
-                <a:ea typeface="+mn-ea"/>
-                <a:cs typeface="+mn-cs"/>
-              </a:rPr>
-              <a:t>. А также временная характеристика напряжения на выходе детектора перехода через ноль.</a:t>
+              <a:t> слайде показаны временные характеристики напряжения на нагрузке при разных уровнях диммирования. А также временная характеристика напряжения на выходе детектора перехода через ноль.</a:t>
             </a:r>
             <a:endParaRPr lang="ru-RU" dirty="0"/>
           </a:p>
@@ -1821,10 +1797,10 @@
                 <a:ea typeface="+mn-ea"/>
                 <a:cs typeface="+mn-cs"/>
               </a:rPr>
-              <a:t>Принципиальная </a:t>
-            </a:r>
-            <a:r>
-              <a:rPr lang="ru-RU" sz="1200" kern="1200" dirty="0" smtClean="0">
+              <a:t>Принципиальная схема устройства показана</a:t>
+            </a:r>
+            <a:r>
+              <a:rPr lang="ru-RU" sz="1200" kern="1200" baseline="0" dirty="0" smtClean="0">
                 <a:solidFill>
                   <a:schemeClr val="tx1"/>
                 </a:solidFill>
@@ -1833,10 +1809,10 @@
                 <a:ea typeface="+mn-ea"/>
                 <a:cs typeface="+mn-cs"/>
               </a:rPr>
-              <a:t>схема устройства показана</a:t>
-            </a:r>
-            <a:r>
-              <a:rPr lang="ru-RU" sz="1200" kern="1200" baseline="0" dirty="0" smtClean="0">
+              <a:t> </a:t>
+            </a:r>
+            <a:r>
+              <a:rPr lang="ru-RU" sz="1200" kern="1200" dirty="0" smtClean="0">
                 <a:solidFill>
                   <a:schemeClr val="tx1"/>
                 </a:solidFill>
@@ -1845,31 +1821,7 @@
                 <a:ea typeface="+mn-ea"/>
                 <a:cs typeface="+mn-cs"/>
               </a:rPr>
-              <a:t> </a:t>
-            </a:r>
-            <a:r>
-              <a:rPr lang="ru-RU" sz="1200" kern="1200" dirty="0" smtClean="0">
-                <a:solidFill>
-                  <a:schemeClr val="tx1"/>
-                </a:solidFill>
-                <a:effectLst/>
-                <a:latin typeface="+mn-lt"/>
-                <a:ea typeface="+mn-ea"/>
-                <a:cs typeface="+mn-cs"/>
-              </a:rPr>
-              <a:t>на </a:t>
-            </a:r>
-            <a:r>
-              <a:rPr lang="ru-RU" sz="1200" kern="1200" dirty="0" smtClean="0">
-                <a:solidFill>
-                  <a:schemeClr val="tx1"/>
-                </a:solidFill>
-                <a:effectLst/>
-                <a:latin typeface="+mn-lt"/>
-                <a:ea typeface="+mn-ea"/>
-                <a:cs typeface="+mn-cs"/>
-              </a:rPr>
-              <a:t>слайде.</a:t>
+              <a:t>на слайде.</a:t>
             </a:r>
           </a:p>
         </p:txBody>
@@ -2511,7 +2463,7 @@
           <a:p>
             <a:fld id="{28E64A32-4729-4413-8F14-96B8AAC354CC}" type="datetime1">
               <a:rPr lang="ru-RU" smtClean="0"/>
-              <a:t>25.01.2021</a:t>
+              <a:t>26.01.2021</a:t>
             </a:fld>
             <a:endParaRPr lang="ru-RU"/>
           </a:p>
@@ -2681,7 +2633,7 @@
           <a:p>
             <a:fld id="{04DF3276-7EA6-475F-BF75-290240D23EA9}" type="datetime1">
               <a:rPr lang="ru-RU" smtClean="0"/>
-              <a:t>25.01.2021</a:t>
+              <a:t>26.01.2021</a:t>
             </a:fld>
             <a:endParaRPr lang="ru-RU"/>
           </a:p>
@@ -2861,7 +2813,7 @@
           <a:p>
             <a:fld id="{1A3F93EF-5E42-4A19-9AAF-E0581B38CA39}" type="datetime1">
               <a:rPr lang="ru-RU" smtClean="0"/>
-              <a:t>25.01.2021</a:t>
+              <a:t>26.01.2021</a:t>
             </a:fld>
             <a:endParaRPr lang="ru-RU"/>
           </a:p>
@@ -3031,7 +2983,7 @@
           <a:p>
             <a:fld id="{663F2127-222E-43A7-BB4F-F2118C5A05EF}" type="datetime1">
               <a:rPr lang="ru-RU" smtClean="0"/>
-              <a:t>25.01.2021</a:t>
+              <a:t>26.01.2021</a:t>
             </a:fld>
             <a:endParaRPr lang="ru-RU"/>
           </a:p>
@@ -3277,7 +3229,7 @@
           <a:p>
             <a:fld id="{501B00BE-FBC4-4892-926B-E6F5226006DF}" type="datetime1">
               <a:rPr lang="ru-RU" smtClean="0"/>
-              <a:t>25.01.2021</a:t>
+              <a:t>26.01.2021</a:t>
             </a:fld>
             <a:endParaRPr lang="ru-RU"/>
           </a:p>
@@ -3509,7 +3461,7 @@
           <a:p>
             <a:fld id="{282DB40F-E2AB-4E2F-9358-F4126D176C14}" type="datetime1">
               <a:rPr lang="ru-RU" smtClean="0"/>
-              <a:t>25.01.2021</a:t>
+              <a:t>26.01.2021</a:t>
             </a:fld>
             <a:endParaRPr lang="ru-RU"/>
           </a:p>
@@ -3876,7 +3828,7 @@
           <a:p>
             <a:fld id="{226A8918-A3E0-4C9F-AB05-42C93FCE5270}" type="datetime1">
               <a:rPr lang="ru-RU" smtClean="0"/>
-              <a:t>25.01.2021</a:t>
+              <a:t>26.01.2021</a:t>
             </a:fld>
             <a:endParaRPr lang="ru-RU"/>
           </a:p>
@@ -3994,7 +3946,7 @@
           <a:p>
             <a:fld id="{CB160012-4101-496B-9665-7BB805868B1D}" type="datetime1">
               <a:rPr lang="ru-RU" smtClean="0"/>
-              <a:t>25.01.2021</a:t>
+              <a:t>26.01.2021</a:t>
             </a:fld>
             <a:endParaRPr lang="ru-RU"/>
           </a:p>
@@ -4089,7 +4041,7 @@
           <a:p>
             <a:fld id="{4FD7396F-7472-4068-A053-AD8E6FD0F5BA}" type="datetime1">
               <a:rPr lang="ru-RU" smtClean="0"/>
-              <a:t>25.01.2021</a:t>
+              <a:t>26.01.2021</a:t>
             </a:fld>
             <a:endParaRPr lang="ru-RU"/>
           </a:p>
@@ -4366,7 +4318,7 @@
           <a:p>
             <a:fld id="{9959CC87-CE5E-4749-8C24-A630495F4CCE}" type="datetime1">
               <a:rPr lang="ru-RU" smtClean="0"/>
-              <a:t>25.01.2021</a:t>
+              <a:t>26.01.2021</a:t>
             </a:fld>
             <a:endParaRPr lang="ru-RU"/>
           </a:p>
@@ -4619,7 +4571,7 @@
           <a:p>
             <a:fld id="{DB118B5B-A2FA-4A85-8C01-E4FA1A5429F9}" type="datetime1">
               <a:rPr lang="ru-RU" smtClean="0"/>
-              <a:t>25.01.2021</a:t>
+              <a:t>26.01.2021</a:t>
             </a:fld>
             <a:endParaRPr lang="ru-RU"/>
           </a:p>
@@ -4832,7 +4784,7 @@
           <a:p>
             <a:fld id="{2E19FEC1-01B6-4625-BB2A-06331F927AF5}" type="datetime1">
               <a:rPr lang="ru-RU" smtClean="0"/>
-              <a:t>25.01.2021</a:t>
+              <a:t>26.01.2021</a:t>
             </a:fld>
             <a:endParaRPr lang="ru-RU"/>
           </a:p>
@@ -8958,7 +8910,12 @@
             <p:ph type="title"/>
           </p:nvPr>
         </p:nvSpPr>
-        <p:spPr/>
+        <p:spPr>
+          <a:xfrm>
+            <a:off x="838200" y="365125"/>
+            <a:ext cx="10515600" cy="997511"/>
+          </a:xfrm>
+        </p:spPr>
         <p:txBody>
           <a:bodyPr>
             <a:normAutofit/>
@@ -8967,11 +8924,23 @@
           <a:p>
             <a:r>
               <a:rPr lang="ru-RU" sz="2900" dirty="0" smtClean="0">
+                <a:solidFill>
+                  <a:schemeClr val="tx1">
+                    <a:lumMod val="75000"/>
+                    <a:lumOff val="25000"/>
+                  </a:schemeClr>
+                </a:solidFill>
                 <a:latin typeface="Century Gothic" panose="020B0502020202020204" pitchFamily="34" charset="0"/>
               </a:rPr>
               <a:t>Технические требования</a:t>
             </a:r>
             <a:endParaRPr lang="ru-RU" sz="2900" dirty="0">
+              <a:solidFill>
+                <a:schemeClr val="tx1">
+                  <a:lumMod val="75000"/>
+                  <a:lumOff val="25000"/>
+                </a:schemeClr>
+              </a:solidFill>
               <a:latin typeface="Century Gothic" panose="020B0502020202020204" pitchFamily="34" charset="0"/>
             </a:endParaRPr>
           </a:p>
@@ -8989,8 +8958,8 @@
         </p:nvSpPr>
         <p:spPr>
           <a:xfrm>
-            <a:off x="699304" y="1362636"/>
-            <a:ext cx="10515600" cy="4714875"/>
+            <a:off x="699304" y="1388036"/>
+            <a:ext cx="10515600" cy="4993714"/>
           </a:xfrm>
         </p:spPr>
         <p:txBody>
@@ -8999,120 +8968,347 @@
           </a:bodyPr>
           <a:lstStyle/>
           <a:p>
-            <a:r>
-              <a:rPr lang="ru-RU" sz="2400" dirty="0" smtClean="0"/>
+            <a:pPr>
+              <a:buClr>
+                <a:srgbClr val="D1BCD2"/>
+              </a:buClr>
+            </a:pPr>
+            <a:r>
+              <a:rPr lang="ru-RU" sz="2400" dirty="0" smtClean="0">
+                <a:solidFill>
+                  <a:schemeClr val="tx1">
+                    <a:lumMod val="75000"/>
+                    <a:lumOff val="25000"/>
+                  </a:schemeClr>
+                </a:solidFill>
+              </a:rPr>
               <a:t>Рабочее напряжение 220В</a:t>
             </a:r>
           </a:p>
           <a:p>
-            <a:r>
-              <a:rPr lang="ru-RU" sz="2400" dirty="0" smtClean="0"/>
+            <a:pPr>
+              <a:buClr>
+                <a:srgbClr val="D1BCD2"/>
+              </a:buClr>
+            </a:pPr>
+            <a:r>
+              <a:rPr lang="ru-RU" sz="2400" dirty="0" smtClean="0">
+                <a:solidFill>
+                  <a:schemeClr val="tx1">
+                    <a:lumMod val="75000"/>
+                    <a:lumOff val="25000"/>
+                  </a:schemeClr>
+                </a:solidFill>
+              </a:rPr>
               <a:t>Задержка коммутации </a:t>
             </a:r>
             <a:r>
-              <a:rPr lang="en-US" sz="2400" dirty="0" smtClean="0"/>
+              <a:rPr lang="en-US" sz="2400" dirty="0" smtClean="0">
+                <a:solidFill>
+                  <a:schemeClr val="tx1">
+                    <a:lumMod val="75000"/>
+                    <a:lumOff val="25000"/>
+                  </a:schemeClr>
+                </a:solidFill>
+              </a:rPr>
               <a:t>&lt;</a:t>
             </a:r>
             <a:r>
-              <a:rPr lang="ru-RU" sz="2400" dirty="0" smtClean="0"/>
+              <a:rPr lang="ru-RU" sz="2400" dirty="0" smtClean="0">
+                <a:solidFill>
+                  <a:schemeClr val="tx1">
+                    <a:lumMod val="75000"/>
+                    <a:lumOff val="25000"/>
+                  </a:schemeClr>
+                </a:solidFill>
+              </a:rPr>
               <a:t> </a:t>
             </a:r>
             <a:r>
-              <a:rPr lang="en-US" sz="2400" dirty="0" smtClean="0"/>
+              <a:rPr lang="en-US" sz="2400" dirty="0" smtClean="0">
+                <a:solidFill>
+                  <a:schemeClr val="tx1">
+                    <a:lumMod val="75000"/>
+                    <a:lumOff val="25000"/>
+                  </a:schemeClr>
+                </a:solidFill>
+              </a:rPr>
               <a:t>0.</a:t>
             </a:r>
             <a:r>
-              <a:rPr lang="ru-RU" sz="2400" dirty="0" smtClean="0"/>
+              <a:rPr lang="ru-RU" sz="2400" dirty="0" smtClean="0">
+                <a:solidFill>
+                  <a:schemeClr val="tx1">
+                    <a:lumMod val="75000"/>
+                    <a:lumOff val="25000"/>
+                  </a:schemeClr>
+                </a:solidFill>
+              </a:rPr>
               <a:t>1мс</a:t>
             </a:r>
-            <a:endParaRPr lang="en-US" sz="2400" dirty="0" smtClean="0"/>
-          </a:p>
-          <a:p>
-            <a:r>
-              <a:rPr lang="ru-RU" sz="2400" dirty="0" smtClean="0"/>
+            <a:endParaRPr lang="en-US" sz="2400" dirty="0" smtClean="0">
+              <a:solidFill>
+                <a:schemeClr val="tx1">
+                  <a:lumMod val="75000"/>
+                  <a:lumOff val="25000"/>
+                </a:schemeClr>
+              </a:solidFill>
+            </a:endParaRPr>
+          </a:p>
+          <a:p>
+            <a:pPr>
+              <a:buClr>
+                <a:srgbClr val="D1BCD2"/>
+              </a:buClr>
+            </a:pPr>
+            <a:r>
+              <a:rPr lang="ru-RU" sz="2400" dirty="0" smtClean="0">
+                <a:solidFill>
+                  <a:schemeClr val="tx1">
+                    <a:lumMod val="75000"/>
+                    <a:lumOff val="25000"/>
+                  </a:schemeClr>
+                </a:solidFill>
+              </a:rPr>
               <a:t>Потребляемая мощность </a:t>
             </a:r>
             <a:r>
-              <a:rPr lang="en-US" sz="2400" dirty="0" smtClean="0"/>
+              <a:rPr lang="en-US" sz="2400" dirty="0" smtClean="0">
+                <a:solidFill>
+                  <a:schemeClr val="tx1">
+                    <a:lumMod val="75000"/>
+                    <a:lumOff val="25000"/>
+                  </a:schemeClr>
+                </a:solidFill>
+              </a:rPr>
               <a:t>&lt; 1 </a:t>
             </a:r>
             <a:r>
-              <a:rPr lang="ru-RU" sz="2400" dirty="0" smtClean="0"/>
+              <a:rPr lang="ru-RU" sz="2400" dirty="0" smtClean="0">
+                <a:solidFill>
+                  <a:schemeClr val="tx1">
+                    <a:lumMod val="75000"/>
+                    <a:lumOff val="25000"/>
+                  </a:schemeClr>
+                </a:solidFill>
+              </a:rPr>
               <a:t>Вт</a:t>
             </a:r>
           </a:p>
           <a:p>
-            <a:r>
-              <a:rPr lang="ru-RU" sz="2400" dirty="0" smtClean="0"/>
+            <a:pPr>
+              <a:buClr>
+                <a:srgbClr val="D1BCD2"/>
+              </a:buClr>
+            </a:pPr>
+            <a:r>
+              <a:rPr lang="ru-RU" sz="2400" dirty="0" smtClean="0">
+                <a:solidFill>
+                  <a:schemeClr val="tx1">
+                    <a:lumMod val="75000"/>
+                    <a:lumOff val="25000"/>
+                  </a:schemeClr>
+                </a:solidFill>
+              </a:rPr>
               <a:t>Гальваническая развязка силовой и цифровой частей</a:t>
             </a:r>
           </a:p>
           <a:p>
-            <a:r>
-              <a:rPr lang="ru-RU" sz="2400" dirty="0"/>
+            <a:pPr>
+              <a:buClr>
+                <a:srgbClr val="D1BCD2"/>
+              </a:buClr>
+            </a:pPr>
+            <a:r>
+              <a:rPr lang="ru-RU" sz="2400" dirty="0">
+                <a:solidFill>
+                  <a:schemeClr val="tx1">
+                    <a:lumMod val="75000"/>
+                    <a:lumOff val="25000"/>
+                  </a:schemeClr>
+                </a:solidFill>
+              </a:rPr>
               <a:t>Совместимость с лампами накаливания и </a:t>
             </a:r>
             <a:r>
-              <a:rPr lang="ru-RU" sz="2400" dirty="0" err="1"/>
+              <a:rPr lang="ru-RU" sz="2400" dirty="0" err="1">
+                <a:solidFill>
+                  <a:schemeClr val="tx1">
+                    <a:lumMod val="75000"/>
+                    <a:lumOff val="25000"/>
+                  </a:schemeClr>
+                </a:solidFill>
+              </a:rPr>
               <a:t>диммируемыми</a:t>
             </a:r>
             <a:r>
-              <a:rPr lang="ru-RU" sz="2400" dirty="0"/>
+              <a:rPr lang="ru-RU" sz="2400" dirty="0">
+                <a:solidFill>
+                  <a:schemeClr val="tx1">
+                    <a:lumMod val="75000"/>
+                    <a:lumOff val="25000"/>
+                  </a:schemeClr>
+                </a:solidFill>
+              </a:rPr>
               <a:t> светодиодными </a:t>
             </a:r>
             <a:r>
-              <a:rPr lang="ru-RU" sz="2400" dirty="0" smtClean="0"/>
+              <a:rPr lang="ru-RU" sz="2400" dirty="0" smtClean="0">
+                <a:solidFill>
+                  <a:schemeClr val="tx1">
+                    <a:lumMod val="75000"/>
+                    <a:lumOff val="25000"/>
+                  </a:schemeClr>
+                </a:solidFill>
+              </a:rPr>
               <a:t>лампами</a:t>
             </a:r>
           </a:p>
           <a:p>
-            <a:r>
-              <a:rPr lang="ru-RU" sz="2400" dirty="0"/>
+            <a:pPr>
+              <a:buClr>
+                <a:srgbClr val="D1BCD2"/>
+              </a:buClr>
+            </a:pPr>
+            <a:r>
+              <a:rPr lang="ru-RU" sz="2400" dirty="0">
+                <a:solidFill>
+                  <a:schemeClr val="tx1">
+                    <a:lumMod val="75000"/>
+                    <a:lumOff val="25000"/>
+                  </a:schemeClr>
+                </a:solidFill>
+              </a:rPr>
               <a:t>Л</a:t>
             </a:r>
             <a:r>
-              <a:rPr lang="ru-RU" sz="2400" dirty="0" smtClean="0"/>
+              <a:rPr lang="ru-RU" sz="2400" dirty="0" smtClean="0">
+                <a:solidFill>
+                  <a:schemeClr val="tx1">
+                    <a:lumMod val="75000"/>
+                    <a:lumOff val="25000"/>
+                  </a:schemeClr>
+                </a:solidFill>
+              </a:rPr>
               <a:t>инейная </a:t>
             </a:r>
             <a:r>
-              <a:rPr lang="ru-RU" sz="2400" dirty="0"/>
+              <a:rPr lang="ru-RU" sz="2400" dirty="0">
+                <a:solidFill>
+                  <a:schemeClr val="tx1">
+                    <a:lumMod val="75000"/>
+                    <a:lumOff val="25000"/>
+                  </a:schemeClr>
+                </a:solidFill>
+              </a:rPr>
               <a:t>регулировка яркости осветительных приборов</a:t>
             </a:r>
           </a:p>
           <a:p>
-            <a:r>
-              <a:rPr lang="ru-RU" sz="2400" dirty="0" smtClean="0"/>
+            <a:pPr>
+              <a:buClr>
+                <a:srgbClr val="D1BCD2"/>
+              </a:buClr>
+            </a:pPr>
+            <a:r>
+              <a:rPr lang="ru-RU" sz="2400" dirty="0" smtClean="0">
+                <a:solidFill>
+                  <a:schemeClr val="tx1">
+                    <a:lumMod val="75000"/>
+                    <a:lumOff val="25000"/>
+                  </a:schemeClr>
+                </a:solidFill>
+              </a:rPr>
               <a:t>Размеры устройства должны быть подходящими для его установки в стандартный </a:t>
             </a:r>
             <a:r>
-              <a:rPr lang="ru-RU" sz="2400" dirty="0" err="1" smtClean="0"/>
+              <a:rPr lang="ru-RU" sz="2400" dirty="0" err="1" smtClean="0">
+                <a:solidFill>
+                  <a:schemeClr val="tx1">
+                    <a:lumMod val="75000"/>
+                    <a:lumOff val="25000"/>
+                  </a:schemeClr>
+                </a:solidFill>
+              </a:rPr>
               <a:t>подрозетник</a:t>
             </a:r>
             <a:r>
-              <a:rPr lang="ru-RU" sz="2400" dirty="0" smtClean="0"/>
+              <a:rPr lang="ru-RU" sz="2400" dirty="0" smtClean="0">
+                <a:solidFill>
+                  <a:schemeClr val="tx1">
+                    <a:lumMod val="75000"/>
+                    <a:lumOff val="25000"/>
+                  </a:schemeClr>
+                </a:solidFill>
+              </a:rPr>
               <a:t> (</a:t>
             </a:r>
             <a:r>
-              <a:rPr lang="en-US" sz="2400" dirty="0" smtClean="0"/>
+              <a:rPr lang="en-US" sz="2400" dirty="0" smtClean="0">
+                <a:solidFill>
+                  <a:schemeClr val="tx1">
+                    <a:lumMod val="75000"/>
+                    <a:lumOff val="25000"/>
+                  </a:schemeClr>
+                </a:solidFill>
+              </a:rPr>
               <a:t>Ø</a:t>
             </a:r>
             <a:r>
-              <a:rPr lang="ru-RU" sz="2400" dirty="0" smtClean="0"/>
+              <a:rPr lang="ru-RU" sz="2400" dirty="0" smtClean="0">
+                <a:solidFill>
+                  <a:schemeClr val="tx1">
+                    <a:lumMod val="75000"/>
+                    <a:lumOff val="25000"/>
+                  </a:schemeClr>
+                </a:solidFill>
+              </a:rPr>
               <a:t> 67мм, глубина 48мм)</a:t>
             </a:r>
           </a:p>
           <a:p>
-            <a:r>
-              <a:rPr lang="ru-RU" sz="2400" dirty="0" smtClean="0"/>
+            <a:pPr>
+              <a:buClr>
+                <a:srgbClr val="D1BCD2"/>
+              </a:buClr>
+            </a:pPr>
+            <a:r>
+              <a:rPr lang="ru-RU" sz="2400" dirty="0" smtClean="0">
+                <a:solidFill>
+                  <a:schemeClr val="tx1">
+                    <a:lumMod val="75000"/>
+                    <a:lumOff val="25000"/>
+                  </a:schemeClr>
+                </a:solidFill>
+              </a:rPr>
               <a:t>Возможность контроля освещенности</a:t>
             </a:r>
           </a:p>
           <a:p>
-            <a:r>
-              <a:rPr lang="ru-RU" sz="2400" dirty="0" smtClean="0"/>
+            <a:pPr>
+              <a:buClr>
+                <a:srgbClr val="D1BCD2"/>
+              </a:buClr>
+            </a:pPr>
+            <a:r>
+              <a:rPr lang="ru-RU" sz="2400" dirty="0" smtClean="0">
+                <a:solidFill>
+                  <a:schemeClr val="tx1">
+                    <a:lumMod val="75000"/>
+                    <a:lumOff val="25000"/>
+                  </a:schemeClr>
+                </a:solidFill>
+              </a:rPr>
               <a:t>Возможность ручного и дистанционного управления</a:t>
             </a:r>
-            <a:endParaRPr lang="ru-RU" sz="2400" dirty="0"/>
+            <a:endParaRPr lang="ru-RU" sz="2400" dirty="0">
+              <a:solidFill>
+                <a:schemeClr val="tx1">
+                  <a:lumMod val="75000"/>
+                  <a:lumOff val="25000"/>
+                </a:schemeClr>
+              </a:solidFill>
+            </a:endParaRPr>
           </a:p>
         </p:txBody>
       </p:sp>
@@ -9199,7 +9395,7 @@
           <a:lstStyle/>
           <a:p>
             <a:r>
-              <a:rPr lang="ru-RU" sz="3200" dirty="0" smtClean="0">
+              <a:rPr lang="ru-RU" sz="2900" dirty="0" smtClean="0">
                 <a:solidFill>
                   <a:schemeClr val="tx1">
                     <a:lumMod val="75000"/>
@@ -9208,33 +9404,9 @@
                 </a:solidFill>
                 <a:latin typeface="Century Gothic" panose="020B0502020202020204" pitchFamily="34" charset="0"/>
               </a:rPr>
-              <a:t>Принцип работы </a:t>
-            </a:r>
-            <a:r>
-              <a:rPr lang="ru-RU" sz="3200" dirty="0" smtClean="0">
-                <a:solidFill>
-                  <a:schemeClr val="tx1">
-                    <a:lumMod val="75000"/>
-                    <a:lumOff val="25000"/>
-                  </a:schemeClr>
-                </a:solidFill>
-                <a:latin typeface="Century Gothic" panose="020B0502020202020204" pitchFamily="34" charset="0"/>
-              </a:rPr>
-              <a:t>свето-регулятора </a:t>
-            </a:r>
-            <a:r>
-              <a:rPr lang="ru-RU" sz="3200" dirty="0" smtClean="0">
-                <a:solidFill>
-                  <a:schemeClr val="tx1">
-                    <a:lumMod val="75000"/>
-                    <a:lumOff val="25000"/>
-                  </a:schemeClr>
-                </a:solidFill>
-                <a:latin typeface="Century Gothic" panose="020B0502020202020204" pitchFamily="34" charset="0"/>
-              </a:rPr>
-              <a:t>(диммера)</a:t>
-            </a:r>
-            <a:endParaRPr lang="ru-RU" sz="3200" dirty="0">
+              <a:t>Принцип работы свето-регулятора (диммера)</a:t>
+            </a:r>
+            <a:endParaRPr lang="ru-RU" sz="2900" dirty="0">
               <a:solidFill>
                 <a:schemeClr val="tx1">
                   <a:lumMod val="75000"/>
@@ -9254,8 +9426,8 @@
         </p:nvSpPr>
         <p:spPr>
           <a:xfrm>
-            <a:off x="4805082" y="6138802"/>
-            <a:ext cx="6836211" cy="400110"/>
+            <a:off x="4805082" y="5791185"/>
+            <a:ext cx="6649197" cy="402036"/>
           </a:xfrm>
           <a:prstGeom prst="rect">
             <a:avLst/>
@@ -9291,30 +9463,6 @@
           </a:p>
         </p:txBody>
       </p:sp>
-      <p:pic>
-        <p:nvPicPr>
-          <p:cNvPr id="4" name="Рисунок 3"/>
-          <p:cNvPicPr>
-            <a:picLocks noChangeAspect="1"/>
-          </p:cNvPicPr>
-          <p:nvPr/>
-        </p:nvPicPr>
-        <p:blipFill>
-          <a:blip r:embed="rId3"/>
-          <a:stretch>
-            <a:fillRect/>
-          </a:stretch>
-        </p:blipFill>
-        <p:spPr>
-          <a:xfrm>
-            <a:off x="4489697" y="1292733"/>
-            <a:ext cx="7332198" cy="4913188"/>
-          </a:xfrm>
-          <a:prstGeom prst="rect">
-            <a:avLst/>
-          </a:prstGeom>
-        </p:spPr>
-      </p:pic>
       <p:sp>
         <p:nvSpPr>
           <p:cNvPr id="3" name="Номер слайда 2"/>
@@ -9345,7 +9493,7 @@
           <p:nvPr/>
         </p:nvPicPr>
         <p:blipFill>
-          <a:blip r:embed="rId4">
+          <a:blip r:embed="rId3">
             <a:extLst>
               <a:ext uri="{28A0092B-C50C-407E-A947-70E740481C1C}">
                 <a14:useLocalDpi xmlns:a14="http://schemas.microsoft.com/office/drawing/2010/main" val="0"/>
@@ -9359,7 +9507,7 @@
         </p:blipFill>
         <p:spPr bwMode="auto">
           <a:xfrm>
-            <a:off x="566446" y="3850050"/>
+            <a:off x="925008" y="3610154"/>
             <a:ext cx="3923251" cy="1875954"/>
           </a:xfrm>
           <a:prstGeom prst="rect">
@@ -9379,8 +9527,8 @@
         </p:nvSpPr>
         <p:spPr>
           <a:xfrm>
-            <a:off x="968187" y="1657341"/>
-            <a:ext cx="3836895" cy="1200329"/>
+            <a:off x="968187" y="1445051"/>
+            <a:ext cx="3880072" cy="1196549"/>
           </a:xfrm>
           <a:prstGeom prst="rect">
             <a:avLst/>
@@ -9432,8 +9580,8 @@
         </p:nvSpPr>
         <p:spPr>
           <a:xfrm>
-            <a:off x="968187" y="6205921"/>
-            <a:ext cx="3836895" cy="461665"/>
+            <a:off x="968185" y="5435628"/>
+            <a:ext cx="3836895" cy="707886"/>
           </a:xfrm>
           <a:prstGeom prst="rect">
             <a:avLst/>
@@ -9446,14 +9594,43 @@
           </a:bodyPr>
           <a:lstStyle/>
           <a:p>
-            <a:r>
-              <a:rPr lang="ru-RU" sz="2400" dirty="0" smtClean="0"/>
-              <a:t>Напряжение на нагрузке</a:t>
-            </a:r>
-            <a:endParaRPr lang="ru-RU" sz="2400" dirty="0"/>
-          </a:p>
-        </p:txBody>
-      </p:sp>
+            <a:pPr algn="ctr"/>
+            <a:r>
+              <a:rPr lang="ru-RU" sz="2000" dirty="0" smtClean="0"/>
+              <a:t>Временная характеристика напряжения </a:t>
+            </a:r>
+            <a:r>
+              <a:rPr lang="ru-RU" sz="2000" dirty="0" smtClean="0"/>
+              <a:t>на нагрузке</a:t>
+            </a:r>
+            <a:endParaRPr lang="ru-RU" sz="2000" dirty="0"/>
+          </a:p>
+        </p:txBody>
+      </p:sp>
+      <p:pic>
+        <p:nvPicPr>
+          <p:cNvPr id="6" name="Рисунок 5"/>
+          <p:cNvPicPr>
+            <a:picLocks noChangeAspect="1"/>
+          </p:cNvPicPr>
+          <p:nvPr/>
+        </p:nvPicPr>
+        <p:blipFill>
+          <a:blip r:embed="rId4"/>
+          <a:stretch>
+            <a:fillRect/>
+          </a:stretch>
+        </p:blipFill>
+        <p:spPr>
+          <a:xfrm>
+            <a:off x="5270500" y="1383462"/>
+            <a:ext cx="6183779" cy="4244594"/>
+          </a:xfrm>
+          <a:prstGeom prst="rect">
+            <a:avLst/>
+          </a:prstGeom>
+        </p:spPr>
+      </p:pic>
     </p:spTree>
     <p:extLst>
       <p:ext uri="{BB962C8B-B14F-4D97-AF65-F5344CB8AC3E}">
@@ -9557,8 +9734,8 @@
         </p:nvSpPr>
         <p:spPr>
           <a:xfrm>
-            <a:off x="0" y="1004098"/>
-            <a:ext cx="8834343" cy="461665"/>
+            <a:off x="855621" y="1004098"/>
+            <a:ext cx="7583804" cy="461665"/>
           </a:xfrm>
           <a:prstGeom prst="rect">
             <a:avLst/>
@@ -9581,10 +9758,10 @@
                   </a:schemeClr>
                 </a:solidFill>
               </a:rPr>
-              <a:t>Н</a:t>
-            </a:r>
-            <a:r>
-              <a:rPr lang="ru-RU" sz="2400" dirty="0" smtClean="0">
+              <a:t>Напряжение </a:t>
+            </a:r>
+            <a:r>
+              <a:rPr lang="ru-RU" sz="2400" dirty="0">
                 <a:solidFill>
                   <a:schemeClr val="tx1">
                     <a:lumMod val="75000"/>
@@ -9592,10 +9769,10 @@
                   </a:schemeClr>
                 </a:solidFill>
               </a:rPr>
-              <a:t>апряжение </a:t>
-            </a:r>
-            <a:r>
-              <a:rPr lang="ru-RU" sz="2400" dirty="0">
+              <a:t>на нагрузке </a:t>
+            </a:r>
+            <a:r>
+              <a:rPr lang="ru-RU" sz="2400" dirty="0" smtClean="0">
                 <a:solidFill>
                   <a:schemeClr val="tx1">
                     <a:lumMod val="75000"/>
@@ -9603,7 +9780,7 @@
                   </a:schemeClr>
                 </a:solidFill>
               </a:rPr>
-              <a:t>на нагрузке </a:t>
+              <a:t>при  </a:t>
             </a:r>
             <a:r>
               <a:rPr lang="ru-RU" sz="2400" dirty="0" smtClean="0">
@@ -9614,10 +9791,10 @@
                   </a:schemeClr>
                 </a:solidFill>
               </a:rPr>
-              <a:t>при  </a:t>
-            </a:r>
-            <a:r>
-              <a:rPr lang="ru-RU" sz="2400" dirty="0">
+              <a:t>уровн</a:t>
+            </a:r>
+            <a:r>
+              <a:rPr lang="ru-RU" sz="2400" dirty="0" smtClean="0">
                 <a:solidFill>
                   <a:schemeClr val="tx1">
                     <a:lumMod val="75000"/>
@@ -9625,7 +9802,18 @@
                   </a:schemeClr>
                 </a:solidFill>
               </a:rPr>
-              <a:t>уровне </a:t>
+              <a:t>ях</a:t>
+            </a:r>
+            <a:r>
+              <a:rPr lang="ru-RU" sz="2400" dirty="0" smtClean="0">
+                <a:solidFill>
+                  <a:schemeClr val="tx1">
+                    <a:lumMod val="75000"/>
+                    <a:lumOff val="25000"/>
+                  </a:schemeClr>
+                </a:solidFill>
+              </a:rPr>
+              <a:t> </a:t>
             </a:r>
             <a:r>
               <a:rPr lang="ru-RU" sz="2400" dirty="0" smtClean="0">
@@ -9710,7 +9898,7 @@
         </p:blipFill>
         <p:spPr>
           <a:xfrm>
-            <a:off x="987424" y="1505024"/>
+            <a:off x="956981" y="1505024"/>
             <a:ext cx="1969099" cy="1828800"/>
           </a:xfrm>
           <a:prstGeom prst="rect">
@@ -10017,7 +10205,6 @@
               <a:rPr lang="ru-RU" sz="2000" dirty="0"/>
               <a:t>807-25</a:t>
             </a:r>
-            <a:endParaRPr lang="ru-RU" sz="2000" dirty="0"/>
           </a:p>
         </p:txBody>
       </p:sp>
@@ -10029,7 +10216,7 @@
         </p:nvSpPr>
         <p:spPr>
           <a:xfrm>
-            <a:off x="5425439" y="4595053"/>
+            <a:off x="3180987" y="4041797"/>
             <a:ext cx="6142759" cy="461665"/>
           </a:xfrm>
           <a:prstGeom prst="rect">
@@ -10096,6 +10283,219 @@
               <a:t> ≈ 800мВт</a:t>
             </a:r>
             <a:endParaRPr lang="ru-RU" sz="2400" dirty="0"/>
+          </a:p>
+        </p:txBody>
+      </p:sp>
+      <p:sp>
+        <p:nvSpPr>
+          <p:cNvPr id="15" name="TextBox 14"/>
+          <p:cNvSpPr txBox="1"/>
+          <p:nvPr/>
+        </p:nvSpPr>
+        <p:spPr>
+          <a:xfrm>
+            <a:off x="1038396" y="3393167"/>
+            <a:ext cx="2142591" cy="369332"/>
+          </a:xfrm>
+          <a:prstGeom prst="rect">
+            <a:avLst/>
+          </a:prstGeom>
+          <a:noFill/>
+        </p:spPr>
+        <p:txBody>
+          <a:bodyPr wrap="square" rtlCol="0">
+            <a:spAutoFit/>
+          </a:bodyPr>
+          <a:lstStyle/>
+          <a:p>
+            <a:pPr algn="ctr"/>
+            <a:r>
+              <a:rPr lang="ru-RU" dirty="0" smtClean="0"/>
+              <a:t>50%</a:t>
+            </a:r>
+            <a:endParaRPr lang="ru-RU" dirty="0"/>
+          </a:p>
+        </p:txBody>
+      </p:sp>
+      <p:pic>
+        <p:nvPicPr>
+          <p:cNvPr id="16" name="Рисунок 15"/>
+          <p:cNvPicPr>
+            <a:picLocks noChangeAspect="1"/>
+          </p:cNvPicPr>
+          <p:nvPr/>
+        </p:nvPicPr>
+        <p:blipFill rotWithShape="1">
+          <a:blip r:embed="rId8"/>
+          <a:srcRect t="5160" r="20754"/>
+          <a:stretch/>
+        </p:blipFill>
+        <p:spPr>
+          <a:xfrm>
+            <a:off x="8834343" y="4039061"/>
+            <a:ext cx="2521554" cy="1628955"/>
+          </a:xfrm>
+          <a:prstGeom prst="rect">
+            <a:avLst/>
+          </a:prstGeom>
+        </p:spPr>
+      </p:pic>
+      <p:sp>
+        <p:nvSpPr>
+          <p:cNvPr id="17" name="TextBox 16"/>
+          <p:cNvSpPr txBox="1"/>
+          <p:nvPr/>
+        </p:nvSpPr>
+        <p:spPr>
+          <a:xfrm>
+            <a:off x="8953500" y="5615582"/>
+            <a:ext cx="2400300" cy="923330"/>
+          </a:xfrm>
+          <a:prstGeom prst="rect">
+            <a:avLst/>
+          </a:prstGeom>
+          <a:noFill/>
+        </p:spPr>
+        <p:txBody>
+          <a:bodyPr wrap="square" rtlCol="0">
+            <a:spAutoFit/>
+          </a:bodyPr>
+          <a:lstStyle/>
+          <a:p>
+            <a:pPr algn="ctr"/>
+            <a:r>
+              <a:rPr lang="ru-RU" dirty="0" smtClean="0"/>
+              <a:t>Задержка переключения силового ключа</a:t>
+            </a:r>
+            <a:endParaRPr lang="ru-RU" dirty="0"/>
+          </a:p>
+        </p:txBody>
+      </p:sp>
+      <p:sp>
+        <p:nvSpPr>
+          <p:cNvPr id="18" name="TextBox 17"/>
+          <p:cNvSpPr txBox="1"/>
+          <p:nvPr/>
+        </p:nvSpPr>
+        <p:spPr>
+          <a:xfrm>
+            <a:off x="3282347" y="5130800"/>
+            <a:ext cx="5328253" cy="461665"/>
+          </a:xfrm>
+          <a:prstGeom prst="rect">
+            <a:avLst/>
+          </a:prstGeom>
+          <a:noFill/>
+        </p:spPr>
+        <p:txBody>
+          <a:bodyPr wrap="square" rtlCol="0">
+            <a:spAutoFit/>
+          </a:bodyPr>
+          <a:lstStyle/>
+          <a:p>
+            <a:r>
+              <a:rPr lang="en-US" sz="2400" dirty="0"/>
+              <a:t>t</a:t>
+            </a:r>
+            <a:r>
+              <a:rPr lang="ru-RU" sz="2400" baseline="-25000" dirty="0" smtClean="0"/>
+              <a:t>силового ключа</a:t>
+            </a:r>
+            <a:r>
+              <a:rPr lang="en-US" sz="2400" baseline="-25000" dirty="0" smtClean="0"/>
+              <a:t> </a:t>
+            </a:r>
+            <a:r>
+              <a:rPr lang="en-US" sz="2400" dirty="0" smtClean="0"/>
+              <a:t>= t</a:t>
+            </a:r>
+            <a:r>
+              <a:rPr lang="ru-RU" sz="2400" baseline="-25000" dirty="0" smtClean="0"/>
+              <a:t>драйвера</a:t>
+            </a:r>
+            <a:r>
+              <a:rPr lang="ru-RU" sz="2400" dirty="0" smtClean="0"/>
+              <a:t> + </a:t>
+            </a:r>
+            <a:r>
+              <a:rPr lang="en-US" sz="2400" dirty="0" err="1" smtClean="0"/>
+              <a:t>t</a:t>
+            </a:r>
+            <a:r>
+              <a:rPr lang="en-US" sz="2400" baseline="-25000" dirty="0" err="1" smtClean="0"/>
+              <a:t>MOSFET</a:t>
+            </a:r>
+            <a:r>
+              <a:rPr lang="en-US" sz="2400" baseline="-25000" dirty="0" smtClean="0"/>
+              <a:t> </a:t>
+            </a:r>
+            <a:r>
+              <a:rPr lang="ru-RU" sz="2400" dirty="0" smtClean="0"/>
+              <a:t>≈</a:t>
+            </a:r>
+            <a:r>
+              <a:rPr lang="en-US" sz="2400" dirty="0" smtClean="0"/>
+              <a:t> 0.5 </a:t>
+            </a:r>
+            <a:r>
+              <a:rPr lang="ru-RU" sz="2400" dirty="0" err="1" smtClean="0"/>
+              <a:t>мкс</a:t>
+            </a:r>
+            <a:r>
+              <a:rPr lang="en-US" sz="2400" baseline="-25000" dirty="0" smtClean="0"/>
+              <a:t>   </a:t>
+            </a:r>
+            <a:r>
+              <a:rPr lang="en-US" sz="2400" dirty="0" smtClean="0"/>
+              <a:t> </a:t>
+            </a:r>
+            <a:endParaRPr lang="ru-RU" sz="2400" baseline="-25000" dirty="0"/>
+          </a:p>
+        </p:txBody>
+      </p:sp>
+      <p:sp>
+        <p:nvSpPr>
+          <p:cNvPr id="19" name="Скругленный прямоугольник 18"/>
+          <p:cNvSpPr/>
+          <p:nvPr/>
+        </p:nvSpPr>
+        <p:spPr>
+          <a:xfrm>
+            <a:off x="855621" y="980891"/>
+            <a:ext cx="7583804" cy="2813959"/>
+          </a:xfrm>
+          <a:prstGeom prst="roundRect">
+            <a:avLst/>
+          </a:prstGeom>
+          <a:noFill/>
+          <a:ln>
+            <a:solidFill>
+              <a:srgbClr val="D1BCD2"/>
+            </a:solidFill>
+          </a:ln>
+        </p:spPr>
+        <p:style>
+          <a:lnRef idx="2">
+            <a:schemeClr val="accent1">
+              <a:shade val="50000"/>
+            </a:schemeClr>
+          </a:lnRef>
+          <a:fillRef idx="1">
+            <a:schemeClr val="accent1"/>
+          </a:fillRef>
+          <a:effectRef idx="0">
+            <a:schemeClr val="accent1"/>
+          </a:effectRef>
+          <a:fontRef idx="minor">
+            <a:schemeClr val="lt1"/>
+          </a:fontRef>
+        </p:style>
+        <p:txBody>
+          <a:bodyPr rtlCol="0" anchor="ctr"/>
+          <a:lstStyle/>
+          <a:p>
+            <a:pPr algn="ctr"/>
+            <a:endParaRPr lang="ru-RU"/>
           </a:p>
         </p:txBody>
       </p:sp>
@@ -10180,7 +10580,43 @@
                 </a:solidFill>
                 <a:latin typeface="Century Gothic" panose="020B0502020202020204" pitchFamily="34" charset="0"/>
               </a:rPr>
-              <a:t>Реализация свето-регулятора (моделирование)</a:t>
+              <a:t>Реализация свето-регулятора </a:t>
+            </a:r>
+            <a:r>
+              <a:rPr lang="ru-RU" sz="2900" dirty="0" smtClean="0">
+                <a:solidFill>
+                  <a:schemeClr val="tx1">
+                    <a:lumMod val="75000"/>
+                    <a:lumOff val="25000"/>
+                  </a:schemeClr>
+                </a:solidFill>
+                <a:latin typeface="Century Gothic" panose="020B0502020202020204" pitchFamily="34" charset="0"/>
+              </a:rPr>
+              <a:t>(</a:t>
+            </a:r>
+            <a:r>
+              <a:rPr lang="ru-RU" sz="2900" dirty="0" smtClean="0">
+                <a:solidFill>
+                  <a:schemeClr val="tx1">
+                    <a:lumMod val="75000"/>
+                    <a:lumOff val="25000"/>
+                  </a:schemeClr>
+                </a:solidFill>
+                <a:latin typeface="Century Gothic" panose="020B0502020202020204" pitchFamily="34" charset="0"/>
+              </a:rPr>
+              <a:t>принципиальная схема</a:t>
+            </a:r>
+            <a:r>
+              <a:rPr lang="ru-RU" sz="2900" dirty="0" smtClean="0">
+                <a:solidFill>
+                  <a:schemeClr val="tx1">
+                    <a:lumMod val="75000"/>
+                    <a:lumOff val="25000"/>
+                  </a:schemeClr>
+                </a:solidFill>
+                <a:latin typeface="Century Gothic" panose="020B0502020202020204" pitchFamily="34" charset="0"/>
+              </a:rPr>
+              <a:t>)</a:t>
             </a:r>
             <a:endParaRPr lang="ru-RU" sz="2900" dirty="0">
               <a:solidFill>
@@ -10207,8 +10643,8 @@
         </p:blipFill>
         <p:spPr bwMode="auto">
           <a:xfrm>
-            <a:off x="126356" y="1079198"/>
-            <a:ext cx="8913471" cy="5778802"/>
+            <a:off x="1796728" y="1141110"/>
+            <a:ext cx="8598544" cy="5397802"/>
           </a:xfrm>
           <a:prstGeom prst="rect">
             <a:avLst/>
@@ -10223,98 +10659,6 @@
           </a:extLst>
         </p:spPr>
       </p:pic>
-      <p:sp>
-        <p:nvSpPr>
-          <p:cNvPr id="3" name="TextBox 2"/>
-          <p:cNvSpPr txBox="1"/>
-          <p:nvPr/>
-        </p:nvSpPr>
-        <p:spPr>
-          <a:xfrm>
-            <a:off x="6399836" y="2952935"/>
-            <a:ext cx="7772399" cy="1384995"/>
-          </a:xfrm>
-          <a:prstGeom prst="rect">
-            <a:avLst/>
-          </a:prstGeom>
-          <a:noFill/>
-        </p:spPr>
-        <p:txBody>
-          <a:bodyPr wrap="square" rtlCol="0">
-            <a:spAutoFit/>
-          </a:bodyPr>
-          <a:lstStyle/>
-          <a:p>
-            <a:pPr algn="ctr"/>
-            <a:r>
-              <a:rPr lang="ru-RU" sz="2800" dirty="0" smtClean="0">
-                <a:solidFill>
-                  <a:schemeClr val="tx1">
-                    <a:lumMod val="75000"/>
-                    <a:lumOff val="25000"/>
-                  </a:schemeClr>
-                </a:solidFill>
-              </a:rPr>
-              <a:t>Принципиальная </a:t>
-            </a:r>
-            <a:endParaRPr lang="ru-RU" sz="2800" dirty="0" smtClean="0">
-              <a:solidFill>
-                <a:schemeClr val="tx1">
-                  <a:lumMod val="75000"/>
-                  <a:lumOff val="25000"/>
-                </a:schemeClr>
-              </a:solidFill>
-            </a:endParaRPr>
-          </a:p>
-          <a:p>
-            <a:pPr algn="ctr"/>
-            <a:r>
-              <a:rPr lang="ru-RU" sz="2800" dirty="0" smtClean="0">
-                <a:solidFill>
-                  <a:schemeClr val="tx1">
-                    <a:lumMod val="75000"/>
-                    <a:lumOff val="25000"/>
-                  </a:schemeClr>
-                </a:solidFill>
-              </a:rPr>
-              <a:t>Электрическая</a:t>
-            </a:r>
-          </a:p>
-          <a:p>
-            <a:pPr algn="ctr"/>
-            <a:r>
-              <a:rPr lang="ru-RU" sz="2800" dirty="0" smtClean="0">
-                <a:solidFill>
-                  <a:schemeClr val="tx1">
-                    <a:lumMod val="75000"/>
-                    <a:lumOff val="25000"/>
-                  </a:schemeClr>
-                </a:solidFill>
-              </a:rPr>
-              <a:t> </a:t>
-            </a:r>
-            <a:r>
-              <a:rPr lang="ru-RU" sz="2800" dirty="0" smtClean="0">
-                <a:solidFill>
-                  <a:schemeClr val="tx1">
-                    <a:lumMod val="75000"/>
-                    <a:lumOff val="25000"/>
-                  </a:schemeClr>
-                </a:solidFill>
-              </a:rPr>
-              <a:t>схема устройства</a:t>
-            </a:r>
-            <a:endParaRPr lang="ru-RU" sz="2800" dirty="0">
-              <a:solidFill>
-                <a:schemeClr val="tx1">
-                  <a:lumMod val="75000"/>
-                  <a:lumOff val="25000"/>
-                </a:schemeClr>
-              </a:solidFill>
-            </a:endParaRPr>
-          </a:p>
-        </p:txBody>
-      </p:sp>
       <p:sp>
         <p:nvSpPr>
           <p:cNvPr id="5" name="Номер слайда 4"/>

--- a/Презентация1.pptx
+++ b/Презентация1.pptx
@@ -6751,28 +6751,28 @@
                 <a:gridCol w="1539163">
                   <a:extLst>
                     <a:ext uri="{9D8B030D-6E8A-4147-A177-3AD203B41FA5}">
-                      <a16:colId xmlns:a16="http://schemas.microsoft.com/office/drawing/2014/main" val="1848248282"/>
+                      <a16:colId xmlns:a16="http://schemas.microsoft.com/office/drawing/2014/main" xmlns="" val="1848248282"/>
                     </a:ext>
                   </a:extLst>
                 </a:gridCol>
                 <a:gridCol w="3128682">
                   <a:extLst>
                     <a:ext uri="{9D8B030D-6E8A-4147-A177-3AD203B41FA5}">
-                      <a16:colId xmlns:a16="http://schemas.microsoft.com/office/drawing/2014/main" val="3123912347"/>
+                      <a16:colId xmlns:a16="http://schemas.microsoft.com/office/drawing/2014/main" xmlns="" val="3123912347"/>
                     </a:ext>
                   </a:extLst>
                 </a:gridCol>
                 <a:gridCol w="3128682">
                   <a:extLst>
                     <a:ext uri="{9D8B030D-6E8A-4147-A177-3AD203B41FA5}">
-                      <a16:colId xmlns:a16="http://schemas.microsoft.com/office/drawing/2014/main" val="3868556433"/>
+                      <a16:colId xmlns:a16="http://schemas.microsoft.com/office/drawing/2014/main" xmlns="" val="3868556433"/>
                     </a:ext>
                   </a:extLst>
                 </a:gridCol>
                 <a:gridCol w="3128682">
                   <a:extLst>
                     <a:ext uri="{9D8B030D-6E8A-4147-A177-3AD203B41FA5}">
-                      <a16:colId xmlns:a16="http://schemas.microsoft.com/office/drawing/2014/main" val="4130254323"/>
+                      <a16:colId xmlns:a16="http://schemas.microsoft.com/office/drawing/2014/main" xmlns="" val="4130254323"/>
                     </a:ext>
                   </a:extLst>
                 </a:gridCol>
@@ -7073,7 +7073,7 @@
                 </a:tc>
                 <a:extLst>
                   <a:ext uri="{0D108BD9-81ED-4DB2-BD59-A6C34878D82A}">
-                    <a16:rowId xmlns:a16="http://schemas.microsoft.com/office/drawing/2014/main" val="1696665551"/>
+                    <a16:rowId xmlns:a16="http://schemas.microsoft.com/office/drawing/2014/main" xmlns="" val="1696665551"/>
                   </a:ext>
                 </a:extLst>
               </a:tr>
@@ -7569,7 +7569,7 @@
                 </a:tc>
                 <a:extLst>
                   <a:ext uri="{0D108BD9-81ED-4DB2-BD59-A6C34878D82A}">
-                    <a16:rowId xmlns:a16="http://schemas.microsoft.com/office/drawing/2014/main" val="1981661592"/>
+                    <a16:rowId xmlns:a16="http://schemas.microsoft.com/office/drawing/2014/main" xmlns="" val="1981661592"/>
                   </a:ext>
                 </a:extLst>
               </a:tr>
@@ -7998,7 +7998,7 @@
                 </a:tc>
                 <a:extLst>
                   <a:ext uri="{0D108BD9-81ED-4DB2-BD59-A6C34878D82A}">
-                    <a16:rowId xmlns:a16="http://schemas.microsoft.com/office/drawing/2014/main" val="1477003323"/>
+                    <a16:rowId xmlns:a16="http://schemas.microsoft.com/office/drawing/2014/main" xmlns="" val="1477003323"/>
                   </a:ext>
                 </a:extLst>
               </a:tr>
@@ -8285,7 +8285,7 @@
                 </a:tc>
                 <a:extLst>
                   <a:ext uri="{0D108BD9-81ED-4DB2-BD59-A6C34878D82A}">
-                    <a16:rowId xmlns:a16="http://schemas.microsoft.com/office/drawing/2014/main" val="353132345"/>
+                    <a16:rowId xmlns:a16="http://schemas.microsoft.com/office/drawing/2014/main" xmlns="" val="353132345"/>
                   </a:ext>
                 </a:extLst>
               </a:tr>
@@ -9345,6 +9345,18 @@
   <p:clrMapOvr>
     <a:masterClrMapping/>
   </p:clrMapOvr>
+  <mc:AlternateContent xmlns:mc="http://schemas.openxmlformats.org/markup-compatibility/2006">
+    <mc:Choice xmlns:p14="http://schemas.microsoft.com/office/powerpoint/2010/main" Requires="p14">
+      <p:transition spd="med" p14:dur="700">
+        <p:fade/>
+      </p:transition>
+    </mc:Choice>
+    <mc:Fallback>
+      <p:transition spd="med">
+        <p:fade/>
+      </p:transition>
+    </mc:Fallback>
+  </mc:AlternateContent>
   <p:timing>
     <p:tnLst>
       <p:par>
@@ -9597,11 +9609,7 @@
             <a:pPr algn="ctr"/>
             <a:r>
               <a:rPr lang="ru-RU" sz="2000" dirty="0" smtClean="0"/>
-              <a:t>Временная характеристика напряжения </a:t>
-            </a:r>
-            <a:r>
-              <a:rPr lang="ru-RU" sz="2000" dirty="0" smtClean="0"/>
-              <a:t>на нагрузке</a:t>
+              <a:t>Временная характеристика напряжения на нагрузке</a:t>
             </a:r>
             <a:endParaRPr lang="ru-RU" sz="2000" dirty="0"/>
           </a:p>
@@ -9780,51 +9788,7 @@
                   </a:schemeClr>
                 </a:solidFill>
               </a:rPr>
-              <a:t>при  </a:t>
-            </a:r>
-            <a:r>
-              <a:rPr lang="ru-RU" sz="2400" dirty="0" smtClean="0">
-                <a:solidFill>
-                  <a:schemeClr val="tx1">
-                    <a:lumMod val="75000"/>
-                    <a:lumOff val="25000"/>
-                  </a:schemeClr>
-                </a:solidFill>
-              </a:rPr>
-              <a:t>уровн</a:t>
-            </a:r>
-            <a:r>
-              <a:rPr lang="ru-RU" sz="2400" dirty="0" smtClean="0">
-                <a:solidFill>
-                  <a:schemeClr val="tx1">
-                    <a:lumMod val="75000"/>
-                    <a:lumOff val="25000"/>
-                  </a:schemeClr>
-                </a:solidFill>
-              </a:rPr>
-              <a:t>ях</a:t>
-            </a:r>
-            <a:r>
-              <a:rPr lang="ru-RU" sz="2400" dirty="0" smtClean="0">
-                <a:solidFill>
-                  <a:schemeClr val="tx1">
-                    <a:lumMod val="75000"/>
-                    <a:lumOff val="25000"/>
-                  </a:schemeClr>
-                </a:solidFill>
-              </a:rPr>
-              <a:t> </a:t>
-            </a:r>
-            <a:r>
-              <a:rPr lang="ru-RU" sz="2400" dirty="0" smtClean="0">
-                <a:solidFill>
-                  <a:schemeClr val="tx1">
-                    <a:lumMod val="75000"/>
-                    <a:lumOff val="25000"/>
-                  </a:schemeClr>
-                </a:solidFill>
-              </a:rPr>
-              <a:t>диммирования</a:t>
+              <a:t>при  уровнях диммирования</a:t>
             </a:r>
             <a:endParaRPr lang="ru-RU" sz="2400" dirty="0">
               <a:solidFill>
@@ -10049,8 +10013,8 @@
         </p:nvSpPr>
         <p:spPr>
           <a:xfrm>
-            <a:off x="7660752" y="3237351"/>
-            <a:ext cx="4966448" cy="707886"/>
+            <a:off x="7995284" y="3237351"/>
+            <a:ext cx="4196716" cy="707886"/>
           </a:xfrm>
           <a:prstGeom prst="rect">
             <a:avLst/>
@@ -10280,7 +10244,19 @@
             </a:r>
             <a:r>
               <a:rPr lang="ru-RU" sz="2400" dirty="0" smtClean="0"/>
-              <a:t> ≈ 800мВт</a:t>
+              <a:t> ≈ </a:t>
+            </a:r>
+            <a:r>
+              <a:rPr lang="ru-RU" sz="2400" dirty="0" smtClean="0"/>
+              <a:t>800</a:t>
+            </a:r>
+            <a:r>
+              <a:rPr lang="en-US" sz="2400" dirty="0" smtClean="0"/>
+              <a:t> </a:t>
+            </a:r>
+            <a:r>
+              <a:rPr lang="ru-RU" sz="2400" dirty="0" smtClean="0"/>
+              <a:t>мВт</a:t>
             </a:r>
             <a:endParaRPr lang="ru-RU" sz="2400" dirty="0"/>
           </a:p>
@@ -10332,8 +10308,8 @@
         </p:blipFill>
         <p:spPr>
           <a:xfrm>
-            <a:off x="8834343" y="4039061"/>
-            <a:ext cx="2521554" cy="1628955"/>
+            <a:off x="8834342" y="4039061"/>
+            <a:ext cx="2788433" cy="1628955"/>
           </a:xfrm>
           <a:prstGeom prst="rect">
             <a:avLst/>
@@ -10348,8 +10324,8 @@
         </p:nvSpPr>
         <p:spPr>
           <a:xfrm>
-            <a:off x="8953500" y="5615582"/>
-            <a:ext cx="2400300" cy="923330"/>
+            <a:off x="8439425" y="5615582"/>
+            <a:ext cx="3752575" cy="646331"/>
           </a:xfrm>
           <a:prstGeom prst="rect">
             <a:avLst/>
@@ -10580,43 +10556,7 @@
                 </a:solidFill>
                 <a:latin typeface="Century Gothic" panose="020B0502020202020204" pitchFamily="34" charset="0"/>
               </a:rPr>
-              <a:t>Реализация свето-регулятора </a:t>
-            </a:r>
-            <a:r>
-              <a:rPr lang="ru-RU" sz="2900" dirty="0" smtClean="0">
-                <a:solidFill>
-                  <a:schemeClr val="tx1">
-                    <a:lumMod val="75000"/>
-                    <a:lumOff val="25000"/>
-                  </a:schemeClr>
-                </a:solidFill>
-                <a:latin typeface="Century Gothic" panose="020B0502020202020204" pitchFamily="34" charset="0"/>
-              </a:rPr>
-              <a:t>(</a:t>
-            </a:r>
-            <a:r>
-              <a:rPr lang="ru-RU" sz="2900" dirty="0" smtClean="0">
-                <a:solidFill>
-                  <a:schemeClr val="tx1">
-                    <a:lumMod val="75000"/>
-                    <a:lumOff val="25000"/>
-                  </a:schemeClr>
-                </a:solidFill>
-                <a:latin typeface="Century Gothic" panose="020B0502020202020204" pitchFamily="34" charset="0"/>
-              </a:rPr>
-              <a:t>принципиальная схема</a:t>
-            </a:r>
-            <a:r>
-              <a:rPr lang="ru-RU" sz="2900" dirty="0" smtClean="0">
-                <a:solidFill>
-                  <a:schemeClr val="tx1">
-                    <a:lumMod val="75000"/>
-                    <a:lumOff val="25000"/>
-                  </a:schemeClr>
-                </a:solidFill>
-                <a:latin typeface="Century Gothic" panose="020B0502020202020204" pitchFamily="34" charset="0"/>
-              </a:rPr>
-              <a:t>)</a:t>
+              <a:t>Реализация свето-регулятора (принципиальная схема)</a:t>
             </a:r>
             <a:endParaRPr lang="ru-RU" sz="2900" dirty="0">
               <a:solidFill>

--- a/Презентация1.pptx
+++ b/Презентация1.pptx
@@ -1797,7 +1797,7 @@
                 <a:ea typeface="+mn-ea"/>
                 <a:cs typeface="+mn-cs"/>
               </a:rPr>
-              <a:t>Принципиальная схема устройства показана</a:t>
+              <a:t>На слайде показана принципиальная электрическая схема устройства, а также мощный</a:t>
             </a:r>
             <a:r>
               <a:rPr lang="ru-RU" sz="1200" kern="1200" baseline="0" dirty="0" smtClean="0">
@@ -1812,7 +1812,7 @@
               <a:t> </a:t>
             </a:r>
             <a:r>
-              <a:rPr lang="ru-RU" sz="1200" kern="1200" dirty="0" smtClean="0">
+              <a:rPr lang="ru-RU" sz="1200" kern="1200" baseline="0" dirty="0" err="1" smtClean="0">
                 <a:solidFill>
                   <a:schemeClr val="tx1"/>
                 </a:solidFill>
@@ -1821,8 +1821,137 @@
                 <a:ea typeface="+mn-ea"/>
                 <a:cs typeface="+mn-cs"/>
               </a:rPr>
-              <a:t>на слайде.</a:t>
-            </a:r>
+              <a:t>моп</a:t>
+            </a:r>
+            <a:r>
+              <a:rPr lang="ru-RU" sz="1200" kern="1200" baseline="0" dirty="0" smtClean="0">
+                <a:solidFill>
+                  <a:schemeClr val="tx1"/>
+                </a:solidFill>
+                <a:effectLst/>
+                <a:latin typeface="+mn-lt"/>
+                <a:ea typeface="+mn-ea"/>
+                <a:cs typeface="+mn-cs"/>
+              </a:rPr>
+              <a:t>-транзистор </a:t>
+            </a:r>
+            <a:r>
+              <a:rPr lang="en-US" sz="1200" kern="1200" baseline="0" dirty="0" smtClean="0">
+                <a:solidFill>
+                  <a:schemeClr val="tx1"/>
+                </a:solidFill>
+                <a:effectLst/>
+                <a:latin typeface="+mn-lt"/>
+                <a:ea typeface="+mn-ea"/>
+                <a:cs typeface="+mn-cs"/>
+              </a:rPr>
+              <a:t>IRFP460A</a:t>
+            </a:r>
+            <a:r>
+              <a:rPr lang="ru-RU" sz="1200" kern="1200" baseline="0" dirty="0" smtClean="0">
+                <a:solidFill>
+                  <a:schemeClr val="tx1"/>
+                </a:solidFill>
+                <a:effectLst/>
+                <a:latin typeface="+mn-lt"/>
+                <a:ea typeface="+mn-ea"/>
+                <a:cs typeface="+mn-cs"/>
+              </a:rPr>
+              <a:t>, на базе которого сделан силовой ключ, и</a:t>
+            </a:r>
+            <a:r>
+              <a:rPr lang="en-US" sz="1200" kern="1200" baseline="0" dirty="0" smtClean="0">
+                <a:solidFill>
+                  <a:schemeClr val="tx1"/>
+                </a:solidFill>
+                <a:effectLst/>
+                <a:latin typeface="+mn-lt"/>
+                <a:ea typeface="+mn-ea"/>
+                <a:cs typeface="+mn-cs"/>
+              </a:rPr>
+              <a:t> </a:t>
+            </a:r>
+            <a:r>
+              <a:rPr lang="ru-RU" sz="1200" kern="1200" baseline="0" dirty="0" smtClean="0">
+                <a:solidFill>
+                  <a:schemeClr val="tx1"/>
+                </a:solidFill>
+                <a:effectLst/>
+                <a:latin typeface="+mn-lt"/>
+                <a:ea typeface="+mn-ea"/>
+                <a:cs typeface="+mn-cs"/>
+              </a:rPr>
+              <a:t>микроконтроллер </a:t>
+            </a:r>
+            <a:r>
+              <a:rPr lang="en-US" sz="1200" kern="1200" baseline="0" dirty="0" smtClean="0">
+                <a:solidFill>
+                  <a:schemeClr val="tx1"/>
+                </a:solidFill>
+                <a:effectLst/>
+                <a:latin typeface="+mn-lt"/>
+                <a:ea typeface="+mn-ea"/>
+                <a:cs typeface="+mn-cs"/>
+              </a:rPr>
+              <a:t>ESP8266 </a:t>
+            </a:r>
+            <a:r>
+              <a:rPr lang="ru-RU" sz="1200" kern="1200" baseline="0" dirty="0" smtClean="0">
+                <a:solidFill>
+                  <a:schemeClr val="tx1"/>
+                </a:solidFill>
+                <a:effectLst/>
+                <a:latin typeface="+mn-lt"/>
+                <a:ea typeface="+mn-ea"/>
+                <a:cs typeface="+mn-cs"/>
+              </a:rPr>
+              <a:t>в модификации </a:t>
+            </a:r>
+            <a:r>
+              <a:rPr lang="en-US" sz="1200" kern="1200" baseline="0" dirty="0" smtClean="0">
+                <a:solidFill>
+                  <a:schemeClr val="tx1"/>
+                </a:solidFill>
+                <a:effectLst/>
+                <a:latin typeface="+mn-lt"/>
+                <a:ea typeface="+mn-ea"/>
+                <a:cs typeface="+mn-cs"/>
+              </a:rPr>
+              <a:t>ESP-07. </a:t>
+            </a:r>
+            <a:r>
+              <a:rPr lang="ru-RU" sz="1200" kern="1200" baseline="0" dirty="0" smtClean="0">
+                <a:solidFill>
+                  <a:schemeClr val="tx1"/>
+                </a:solidFill>
+                <a:effectLst/>
+                <a:latin typeface="+mn-lt"/>
+                <a:ea typeface="+mn-ea"/>
+                <a:cs typeface="+mn-cs"/>
+              </a:rPr>
+              <a:t>И контроллер сенсорных кнопок </a:t>
+            </a:r>
+            <a:r>
+              <a:rPr lang="en-US" sz="1200" kern="1200" baseline="0" dirty="0" smtClean="0">
+                <a:solidFill>
+                  <a:schemeClr val="tx1"/>
+                </a:solidFill>
+                <a:effectLst/>
+                <a:latin typeface="+mn-lt"/>
+                <a:ea typeface="+mn-ea"/>
+                <a:cs typeface="+mn-cs"/>
+              </a:rPr>
+              <a:t>TTP224.</a:t>
+            </a:r>
+            <a:endParaRPr lang="ru-RU" sz="1200" kern="1200" dirty="0" smtClean="0">
+              <a:solidFill>
+                <a:schemeClr val="tx1"/>
+              </a:solidFill>
+              <a:effectLst/>
+              <a:latin typeface="+mn-lt"/>
+              <a:ea typeface="+mn-ea"/>
+              <a:cs typeface="+mn-cs"/>
+            </a:endParaRPr>
           </a:p>
         </p:txBody>
       </p:sp>
@@ -6751,28 +6880,28 @@
                 <a:gridCol w="1539163">
                   <a:extLst>
                     <a:ext uri="{9D8B030D-6E8A-4147-A177-3AD203B41FA5}">
-                      <a16:colId xmlns:a16="http://schemas.microsoft.com/office/drawing/2014/main" xmlns="" val="1848248282"/>
+                      <a16:colId xmlns="" xmlns:a16="http://schemas.microsoft.com/office/drawing/2014/main" val="1848248282"/>
                     </a:ext>
                   </a:extLst>
                 </a:gridCol>
                 <a:gridCol w="3128682">
                   <a:extLst>
                     <a:ext uri="{9D8B030D-6E8A-4147-A177-3AD203B41FA5}">
-                      <a16:colId xmlns:a16="http://schemas.microsoft.com/office/drawing/2014/main" xmlns="" val="3123912347"/>
+                      <a16:colId xmlns="" xmlns:a16="http://schemas.microsoft.com/office/drawing/2014/main" val="3123912347"/>
                     </a:ext>
                   </a:extLst>
                 </a:gridCol>
                 <a:gridCol w="3128682">
                   <a:extLst>
                     <a:ext uri="{9D8B030D-6E8A-4147-A177-3AD203B41FA5}">
-                      <a16:colId xmlns:a16="http://schemas.microsoft.com/office/drawing/2014/main" xmlns="" val="3868556433"/>
+                      <a16:colId xmlns="" xmlns:a16="http://schemas.microsoft.com/office/drawing/2014/main" val="3868556433"/>
                     </a:ext>
                   </a:extLst>
                 </a:gridCol>
                 <a:gridCol w="3128682">
                   <a:extLst>
                     <a:ext uri="{9D8B030D-6E8A-4147-A177-3AD203B41FA5}">
-                      <a16:colId xmlns:a16="http://schemas.microsoft.com/office/drawing/2014/main" xmlns="" val="4130254323"/>
+                      <a16:colId xmlns="" xmlns:a16="http://schemas.microsoft.com/office/drawing/2014/main" val="4130254323"/>
                     </a:ext>
                   </a:extLst>
                 </a:gridCol>
@@ -7073,7 +7202,7 @@
                 </a:tc>
                 <a:extLst>
                   <a:ext uri="{0D108BD9-81ED-4DB2-BD59-A6C34878D82A}">
-                    <a16:rowId xmlns:a16="http://schemas.microsoft.com/office/drawing/2014/main" xmlns="" val="1696665551"/>
+                    <a16:rowId xmlns="" xmlns:a16="http://schemas.microsoft.com/office/drawing/2014/main" val="1696665551"/>
                   </a:ext>
                 </a:extLst>
               </a:tr>
@@ -7569,7 +7698,7 @@
                 </a:tc>
                 <a:extLst>
                   <a:ext uri="{0D108BD9-81ED-4DB2-BD59-A6C34878D82A}">
-                    <a16:rowId xmlns:a16="http://schemas.microsoft.com/office/drawing/2014/main" xmlns="" val="1981661592"/>
+                    <a16:rowId xmlns="" xmlns:a16="http://schemas.microsoft.com/office/drawing/2014/main" val="1981661592"/>
                   </a:ext>
                 </a:extLst>
               </a:tr>
@@ -7998,7 +8127,7 @@
                 </a:tc>
                 <a:extLst>
                   <a:ext uri="{0D108BD9-81ED-4DB2-BD59-A6C34878D82A}">
-                    <a16:rowId xmlns:a16="http://schemas.microsoft.com/office/drawing/2014/main" xmlns="" val="1477003323"/>
+                    <a16:rowId xmlns="" xmlns:a16="http://schemas.microsoft.com/office/drawing/2014/main" val="1477003323"/>
                   </a:ext>
                 </a:extLst>
               </a:tr>
@@ -8285,7 +8414,7 @@
                 </a:tc>
                 <a:extLst>
                   <a:ext uri="{0D108BD9-81ED-4DB2-BD59-A6C34878D82A}">
-                    <a16:rowId xmlns:a16="http://schemas.microsoft.com/office/drawing/2014/main" xmlns="" val="353132345"/>
+                    <a16:rowId xmlns="" xmlns:a16="http://schemas.microsoft.com/office/drawing/2014/main" val="353132345"/>
                   </a:ext>
                 </a:extLst>
               </a:tr>
@@ -9345,13 +9474,13 @@
   <p:clrMapOvr>
     <a:masterClrMapping/>
   </p:clrMapOvr>
-  <mc:AlternateContent xmlns:mc="http://schemas.openxmlformats.org/markup-compatibility/2006">
-    <mc:Choice xmlns:p14="http://schemas.microsoft.com/office/powerpoint/2010/main" Requires="p14">
+  <mc:AlternateContent xmlns:mc="http://schemas.openxmlformats.org/markup-compatibility/2006" xmlns:p14="http://schemas.microsoft.com/office/powerpoint/2010/main">
+    <mc:Choice Requires="p14">
       <p:transition spd="med" p14:dur="700">
         <p:fade/>
       </p:transition>
     </mc:Choice>
-    <mc:Fallback>
+    <mc:Fallback xmlns="">
       <p:transition spd="med">
         <p:fade/>
       </p:transition>
@@ -10244,11 +10373,7 @@
             </a:r>
             <a:r>
               <a:rPr lang="ru-RU" sz="2400" dirty="0" smtClean="0"/>
-              <a:t> ≈ </a:t>
-            </a:r>
-            <a:r>
-              <a:rPr lang="ru-RU" sz="2400" dirty="0" smtClean="0"/>
-              <a:t>800</a:t>
+              <a:t> ≈ 800</a:t>
             </a:r>
             <a:r>
               <a:rPr lang="en-US" sz="2400" dirty="0" smtClean="0"/>
@@ -10583,7 +10708,7 @@
         </p:blipFill>
         <p:spPr bwMode="auto">
           <a:xfrm>
-            <a:off x="1796728" y="1141110"/>
+            <a:off x="257295" y="1141110"/>
             <a:ext cx="8598544" cy="5397802"/>
           </a:xfrm>
           <a:prstGeom prst="rect">
@@ -10619,6 +10744,254 @@
               <a:t>8</a:t>
             </a:fld>
             <a:endParaRPr lang="ru-RU" dirty="0"/>
+          </a:p>
+        </p:txBody>
+      </p:sp>
+      <p:pic>
+        <p:nvPicPr>
+          <p:cNvPr id="1026" name="Picture 2" descr="https://static.chipdip.ru/lib/219/DOC000219435.jpg"/>
+          <p:cNvPicPr>
+            <a:picLocks noChangeAspect="1" noChangeArrowheads="1"/>
+          </p:cNvPicPr>
+          <p:nvPr/>
+        </p:nvPicPr>
+        <p:blipFill>
+          <a:blip r:embed="rId4" cstate="print">
+            <a:extLst>
+              <a:ext uri="{28A0092B-C50C-407E-A947-70E740481C1C}">
+                <a14:useLocalDpi xmlns:a14="http://schemas.microsoft.com/office/drawing/2010/main" val="0"/>
+              </a:ext>
+            </a:extLst>
+          </a:blip>
+          <a:srcRect/>
+          <a:stretch>
+            <a:fillRect/>
+          </a:stretch>
+        </p:blipFill>
+        <p:spPr bwMode="auto">
+          <a:xfrm>
+            <a:off x="9696421" y="1394973"/>
+            <a:ext cx="1511734" cy="885876"/>
+          </a:xfrm>
+          <a:prstGeom prst="rect">
+            <a:avLst/>
+          </a:prstGeom>
+          <a:noFill/>
+          <a:extLst>
+            <a:ext uri="{909E8E84-426E-40DD-AFC4-6F175D3DCCD1}">
+              <a14:hiddenFill xmlns:a14="http://schemas.microsoft.com/office/drawing/2010/main">
+                <a:solidFill>
+                  <a:srgbClr val="FFFFFF"/>
+                </a:solidFill>
+              </a14:hiddenFill>
+            </a:ext>
+          </a:extLst>
+        </p:spPr>
+      </p:pic>
+      <p:pic>
+        <p:nvPicPr>
+          <p:cNvPr id="7" name="Рисунок 6" descr="Wi-Fi модуль ESP-07: описание, подключение, схема, характеристики | ВИКИ"/>
+          <p:cNvPicPr/>
+          <p:nvPr/>
+        </p:nvPicPr>
+        <p:blipFill>
+          <a:blip r:embed="rId5" cstate="print">
+            <a:extLst>
+              <a:ext uri="{28A0092B-C50C-407E-A947-70E740481C1C}">
+                <a14:useLocalDpi xmlns:a14="http://schemas.microsoft.com/office/drawing/2010/main" val="0"/>
+              </a:ext>
+            </a:extLst>
+          </a:blip>
+          <a:srcRect/>
+          <a:stretch>
+            <a:fillRect/>
+          </a:stretch>
+        </p:blipFill>
+        <p:spPr bwMode="auto">
+          <a:xfrm>
+            <a:off x="9033874" y="2870218"/>
+            <a:ext cx="2783205" cy="1855470"/>
+          </a:xfrm>
+          <a:prstGeom prst="rect">
+            <a:avLst/>
+          </a:prstGeom>
+          <a:noFill/>
+          <a:ln>
+            <a:noFill/>
+          </a:ln>
+        </p:spPr>
+      </p:pic>
+      <p:sp>
+        <p:nvSpPr>
+          <p:cNvPr id="3" name="TextBox 2"/>
+          <p:cNvSpPr txBox="1"/>
+          <p:nvPr/>
+        </p:nvSpPr>
+        <p:spPr>
+          <a:xfrm>
+            <a:off x="8871523" y="2280849"/>
+            <a:ext cx="2945556" cy="369332"/>
+          </a:xfrm>
+          <a:prstGeom prst="rect">
+            <a:avLst/>
+          </a:prstGeom>
+          <a:noFill/>
+        </p:spPr>
+        <p:txBody>
+          <a:bodyPr wrap="square" rtlCol="0">
+            <a:spAutoFit/>
+          </a:bodyPr>
+          <a:lstStyle/>
+          <a:p>
+            <a:pPr algn="ctr"/>
+            <a:r>
+              <a:rPr lang="en-US" dirty="0" smtClean="0">
+                <a:solidFill>
+                  <a:schemeClr val="tx1">
+                    <a:lumMod val="75000"/>
+                    <a:lumOff val="25000"/>
+                  </a:schemeClr>
+                </a:solidFill>
+              </a:rPr>
+              <a:t>MOSFET – IRFP460A</a:t>
+            </a:r>
+            <a:endParaRPr lang="ru-RU" dirty="0">
+              <a:solidFill>
+                <a:schemeClr val="tx1">
+                  <a:lumMod val="75000"/>
+                  <a:lumOff val="25000"/>
+                </a:schemeClr>
+              </a:solidFill>
+            </a:endParaRPr>
+          </a:p>
+        </p:txBody>
+      </p:sp>
+      <p:sp>
+        <p:nvSpPr>
+          <p:cNvPr id="4" name="TextBox 3"/>
+          <p:cNvSpPr txBox="1"/>
+          <p:nvPr/>
+        </p:nvSpPr>
+        <p:spPr>
+          <a:xfrm>
+            <a:off x="9206166" y="4667875"/>
+            <a:ext cx="2276269" cy="369332"/>
+          </a:xfrm>
+          <a:prstGeom prst="rect">
+            <a:avLst/>
+          </a:prstGeom>
+          <a:noFill/>
+        </p:spPr>
+        <p:txBody>
+          <a:bodyPr wrap="square" rtlCol="0">
+            <a:spAutoFit/>
+          </a:bodyPr>
+          <a:lstStyle/>
+          <a:p>
+            <a:pPr algn="ctr"/>
+            <a:r>
+              <a:rPr lang="en-US" dirty="0" smtClean="0">
+                <a:solidFill>
+                  <a:schemeClr val="tx1">
+                    <a:lumMod val="75000"/>
+                    <a:lumOff val="25000"/>
+                  </a:schemeClr>
+                </a:solidFill>
+              </a:rPr>
+              <a:t>ESP8266(ESP-07)</a:t>
+            </a:r>
+            <a:endParaRPr lang="ru-RU" dirty="0">
+              <a:solidFill>
+                <a:schemeClr val="tx1">
+                  <a:lumMod val="75000"/>
+                  <a:lumOff val="25000"/>
+                </a:schemeClr>
+              </a:solidFill>
+            </a:endParaRPr>
+          </a:p>
+        </p:txBody>
+      </p:sp>
+      <p:pic>
+        <p:nvPicPr>
+          <p:cNvPr id="1030" name="Picture 6" descr="TTP224-BSB TTP224 4 Key Touch IC p SSOP16 2 Pieces: Amazon.in: Electronics"/>
+          <p:cNvPicPr>
+            <a:picLocks noChangeAspect="1" noChangeArrowheads="1"/>
+          </p:cNvPicPr>
+          <p:nvPr/>
+        </p:nvPicPr>
+        <p:blipFill rotWithShape="1">
+          <a:blip r:embed="rId6">
+            <a:extLst>
+              <a:ext uri="{28A0092B-C50C-407E-A947-70E740481C1C}">
+                <a14:useLocalDpi xmlns:a14="http://schemas.microsoft.com/office/drawing/2010/main" val="0"/>
+              </a:ext>
+            </a:extLst>
+          </a:blip>
+          <a:srcRect l="24463" t="34847" r="22926" b="25981"/>
+          <a:stretch/>
+        </p:blipFill>
+        <p:spPr bwMode="auto">
+          <a:xfrm>
+            <a:off x="9917931" y="5334789"/>
+            <a:ext cx="1068715" cy="795728"/>
+          </a:xfrm>
+          <a:prstGeom prst="rect">
+            <a:avLst/>
+          </a:prstGeom>
+          <a:noFill/>
+          <a:extLst>
+            <a:ext uri="{909E8E84-426E-40DD-AFC4-6F175D3DCCD1}">
+              <a14:hiddenFill xmlns:a14="http://schemas.microsoft.com/office/drawing/2010/main">
+                <a:solidFill>
+                  <a:srgbClr val="FFFFFF"/>
+                </a:solidFill>
+              </a14:hiddenFill>
+            </a:ext>
+          </a:extLst>
+        </p:spPr>
+      </p:pic>
+      <p:sp>
+        <p:nvSpPr>
+          <p:cNvPr id="8" name="TextBox 7"/>
+          <p:cNvSpPr txBox="1"/>
+          <p:nvPr/>
+        </p:nvSpPr>
+        <p:spPr>
+          <a:xfrm>
+            <a:off x="9422143" y="6042398"/>
+            <a:ext cx="2060293" cy="369332"/>
+          </a:xfrm>
+          <a:prstGeom prst="rect">
+            <a:avLst/>
+          </a:prstGeom>
+          <a:noFill/>
+        </p:spPr>
+        <p:txBody>
+          <a:bodyPr wrap="square" rtlCol="0">
+            <a:spAutoFit/>
+          </a:bodyPr>
+          <a:lstStyle/>
+          <a:p>
+            <a:pPr algn="ctr"/>
+            <a:r>
+              <a:rPr lang="en-US" dirty="0" smtClean="0">
+                <a:solidFill>
+                  <a:schemeClr val="tx1">
+                    <a:lumMod val="75000"/>
+                    <a:lumOff val="25000"/>
+                  </a:schemeClr>
+                </a:solidFill>
+              </a:rPr>
+              <a:t>TTP224-BSBN</a:t>
+            </a:r>
+            <a:endParaRPr lang="ru-RU" dirty="0">
+              <a:solidFill>
+                <a:schemeClr val="tx1">
+                  <a:lumMod val="75000"/>
+                  <a:lumOff val="25000"/>
+                </a:schemeClr>
+              </a:solidFill>
+            </a:endParaRPr>
           </a:p>
         </p:txBody>
       </p:sp>
